--- a/Docs/Presentation.pptx
+++ b/Docs/Presentation.pptx
@@ -5,10 +5,10 @@
     <p:sldMasterId id="2147483673" r:id="rId1"/>
   </p:sldMasterIdLst>
   <p:notesMasterIdLst>
-    <p:notesMasterId r:id="rId28"/>
+    <p:notesMasterId r:id="rId27"/>
   </p:notesMasterIdLst>
   <p:handoutMasterIdLst>
-    <p:handoutMasterId r:id="rId29"/>
+    <p:handoutMasterId r:id="rId28"/>
   </p:handoutMasterIdLst>
   <p:sldIdLst>
     <p:sldId id="298" r:id="rId2"/>
@@ -27,16 +27,15 @@
     <p:sldId id="311" r:id="rId15"/>
     <p:sldId id="320" r:id="rId16"/>
     <p:sldId id="321" r:id="rId17"/>
-    <p:sldId id="329" r:id="rId18"/>
-    <p:sldId id="326" r:id="rId19"/>
-    <p:sldId id="313" r:id="rId20"/>
-    <p:sldId id="322" r:id="rId21"/>
-    <p:sldId id="319" r:id="rId22"/>
-    <p:sldId id="328" r:id="rId23"/>
-    <p:sldId id="327" r:id="rId24"/>
-    <p:sldId id="300" r:id="rId25"/>
-    <p:sldId id="312" r:id="rId26"/>
-    <p:sldId id="303" r:id="rId27"/>
+    <p:sldId id="326" r:id="rId18"/>
+    <p:sldId id="313" r:id="rId19"/>
+    <p:sldId id="322" r:id="rId20"/>
+    <p:sldId id="319" r:id="rId21"/>
+    <p:sldId id="328" r:id="rId22"/>
+    <p:sldId id="327" r:id="rId23"/>
+    <p:sldId id="300" r:id="rId24"/>
+    <p:sldId id="312" r:id="rId25"/>
+    <p:sldId id="303" r:id="rId26"/>
   </p:sldIdLst>
   <p:sldSz cx="9144000" cy="5143500" type="screen16x9"/>
   <p:notesSz cx="6858000" cy="9144000"/>
@@ -290,7 +289,6 @@
             <p14:sldId id="311"/>
             <p14:sldId id="320"/>
             <p14:sldId id="321"/>
-            <p14:sldId id="329"/>
             <p14:sldId id="326"/>
             <p14:sldId id="313"/>
             <p14:sldId id="322"/>
@@ -7647,7 +7645,7 @@
           <a:p>
             <a:fld id="{28AE051E-4971-4F36-901C-869D0DCBC810}" type="datetimeFigureOut">
               <a:rPr lang="pt-PT" smtClean="0"/>
-              <a:t>16/06/2025</a:t>
+              <a:t>21/06/2025</a:t>
             </a:fld>
             <a:endParaRPr lang="pt-PT"/>
           </a:p>
@@ -13609,10 +13607,10 @@
       </p:sp>
       <p:pic>
         <p:nvPicPr>
-          <p:cNvPr id="19" name="Picture 18">
+          <p:cNvPr id="13" name="Picture 12">
             <a:extLst>
               <a:ext uri="{FF2B5EF4-FFF2-40B4-BE49-F238E27FC236}">
-                <a16:creationId xmlns:a16="http://schemas.microsoft.com/office/drawing/2014/main" id="{592A1512-B678-93D1-7E22-6016AABDE64F}"/>
+                <a16:creationId xmlns:a16="http://schemas.microsoft.com/office/drawing/2014/main" id="{05E08D21-76BC-254C-2A47-F05EF3F1DFEB}"/>
               </a:ext>
             </a:extLst>
           </p:cNvPr>
@@ -13629,8 +13627,8 @@
         </p:blipFill>
         <p:spPr>
           <a:xfrm>
-            <a:off x="720000" y="1357989"/>
-            <a:ext cx="4387817" cy="3284735"/>
+            <a:off x="851454" y="1109499"/>
+            <a:ext cx="4063448" cy="3045207"/>
           </a:xfrm>
           <a:prstGeom prst="rect">
             <a:avLst/>
@@ -13639,10 +13637,10 @@
       </p:pic>
       <p:pic>
         <p:nvPicPr>
-          <p:cNvPr id="21" name="Picture 20">
+          <p:cNvPr id="15" name="Picture 14">
             <a:extLst>
               <a:ext uri="{FF2B5EF4-FFF2-40B4-BE49-F238E27FC236}">
-                <a16:creationId xmlns:a16="http://schemas.microsoft.com/office/drawing/2014/main" id="{2377E01A-6A40-95B6-AEDD-52019C3E4F60}"/>
+                <a16:creationId xmlns:a16="http://schemas.microsoft.com/office/drawing/2014/main" id="{CDC10FAE-9C0B-74F8-63F5-40A943C10A55}"/>
               </a:ext>
             </a:extLst>
           </p:cNvPr>
@@ -13659,8 +13657,8 @@
         </p:blipFill>
         <p:spPr>
           <a:xfrm>
-            <a:off x="703319" y="1799180"/>
-            <a:ext cx="4421177" cy="2128531"/>
+            <a:off x="851454" y="4131846"/>
+            <a:ext cx="4063448" cy="981486"/>
           </a:xfrm>
           <a:prstGeom prst="rect">
             <a:avLst/>
@@ -13685,108 +13683,6 @@
       <p:transition/>
     </mc:Fallback>
   </mc:AlternateContent>
-  <p:timing>
-    <p:tnLst>
-      <p:par>
-        <p:cTn id="1" dur="indefinite" restart="never" nodeType="tmRoot">
-          <p:childTnLst>
-            <p:seq concurrent="1" nextAc="seek">
-              <p:cTn id="2" dur="indefinite" nodeType="mainSeq">
-                <p:childTnLst>
-                  <p:par>
-                    <p:cTn id="3" fill="hold">
-                      <p:stCondLst>
-                        <p:cond delay="indefinite"/>
-                      </p:stCondLst>
-                      <p:childTnLst>
-                        <p:par>
-                          <p:cTn id="4" fill="hold">
-                            <p:stCondLst>
-                              <p:cond delay="0"/>
-                            </p:stCondLst>
-                            <p:childTnLst>
-                              <p:par>
-                                <p:cTn id="5" presetID="1" presetClass="entr" presetSubtype="0" fill="hold" nodeType="clickEffect">
-                                  <p:stCondLst>
-                                    <p:cond delay="0"/>
-                                  </p:stCondLst>
-                                  <p:childTnLst>
-                                    <p:set>
-                                      <p:cBhvr>
-                                        <p:cTn id="6" dur="1" fill="hold">
-                                          <p:stCondLst>
-                                            <p:cond delay="0"/>
-                                          </p:stCondLst>
-                                        </p:cTn>
-                                        <p:tgtEl>
-                                          <p:spTgt spid="21"/>
-                                        </p:tgtEl>
-                                        <p:attrNameLst>
-                                          <p:attrName>style.visibility</p:attrName>
-                                        </p:attrNameLst>
-                                      </p:cBhvr>
-                                      <p:to>
-                                        <p:strVal val="visible"/>
-                                      </p:to>
-                                    </p:set>
-                                  </p:childTnLst>
-                                </p:cTn>
-                              </p:par>
-                              <p:par>
-                                <p:cTn id="7" presetID="1" presetClass="exit" presetSubtype="0" fill="hold" nodeType="withEffect">
-                                  <p:stCondLst>
-                                    <p:cond delay="0"/>
-                                  </p:stCondLst>
-                                  <p:childTnLst>
-                                    <p:set>
-                                      <p:cBhvr>
-                                        <p:cTn id="8" dur="1" fill="hold">
-                                          <p:stCondLst>
-                                            <p:cond delay="0"/>
-                                          </p:stCondLst>
-                                        </p:cTn>
-                                        <p:tgtEl>
-                                          <p:spTgt spid="19"/>
-                                        </p:tgtEl>
-                                        <p:attrNameLst>
-                                          <p:attrName>style.visibility</p:attrName>
-                                        </p:attrNameLst>
-                                      </p:cBhvr>
-                                      <p:to>
-                                        <p:strVal val="hidden"/>
-                                      </p:to>
-                                    </p:set>
-                                  </p:childTnLst>
-                                </p:cTn>
-                              </p:par>
-                            </p:childTnLst>
-                          </p:cTn>
-                        </p:par>
-                      </p:childTnLst>
-                    </p:cTn>
-                  </p:par>
-                </p:childTnLst>
-              </p:cTn>
-              <p:prevCondLst>
-                <p:cond evt="onPrev" delay="0">
-                  <p:tgtEl>
-                    <p:sldTgt/>
-                  </p:tgtEl>
-                </p:cond>
-              </p:prevCondLst>
-              <p:nextCondLst>
-                <p:cond evt="onNext" delay="0">
-                  <p:tgtEl>
-                    <p:sldTgt/>
-                  </p:tgtEl>
-                </p:cond>
-              </p:nextCondLst>
-            </p:seq>
-          </p:childTnLst>
-        </p:cTn>
-      </p:par>
-    </p:tnLst>
-  </p:timing>
 </p:sld>
 </file>
 
@@ -13915,8 +13811,124 @@
         </p:blipFill>
         <p:spPr>
           <a:xfrm>
-            <a:off x="2778529" y="1389505"/>
+            <a:off x="5118908" y="1443073"/>
             <a:ext cx="3586942" cy="2981166"/>
+          </a:xfrm>
+          <a:prstGeom prst="rect">
+            <a:avLst/>
+          </a:prstGeom>
+        </p:spPr>
+      </p:pic>
+      <p:pic>
+        <p:nvPicPr>
+          <p:cNvPr id="8" name="Picture 7">
+            <a:extLst>
+              <a:ext uri="{FF2B5EF4-FFF2-40B4-BE49-F238E27FC236}">
+                <a16:creationId xmlns:a16="http://schemas.microsoft.com/office/drawing/2014/main" id="{8E010ECF-04E4-A08C-20AA-FC4A041BA39B}"/>
+              </a:ext>
+            </a:extLst>
+          </p:cNvPr>
+          <p:cNvPicPr>
+            <a:picLocks noChangeAspect="1"/>
+          </p:cNvPicPr>
+          <p:nvPr/>
+        </p:nvPicPr>
+        <p:blipFill>
+          <a:blip r:embed="rId3">
+            <a:extLst>
+              <a:ext uri="{BEBA8EAE-BF5A-486C-A8C5-ECC9F3942E4B}">
+                <a14:imgProps xmlns:a14="http://schemas.microsoft.com/office/drawing/2010/main">
+                  <a14:imgLayer r:embed="rId4">
+                    <a14:imgEffect>
+                      <a14:backgroundRemoval t="2392" b="99851" l="1519" r="99650">
+                        <a14:foregroundMark x1="73311" y1="91443" x2="77921" y2="97160"/>
+                        <a14:foregroundMark x1="70763" y1="88282" x2="71514" y2="89214"/>
+                        <a14:foregroundMark x1="1519" y1="2392" x2="68096" y2="84973"/>
+                        <a14:foregroundMark x1="69743" y1="78176" x2="91589" y2="6726"/>
+                        <a14:foregroundMark x1="91589" y1="6726" x2="96145" y2="5082"/>
+                        <a14:foregroundMark x1="92523" y1="25859" x2="98832" y2="9268"/>
+                        <a14:foregroundMark x1="98832" y1="9268" x2="99766" y2="8072"/>
+                        <a14:foregroundMark x1="97079" y1="98954" x2="99533" y2="99552"/>
+                        <a14:foregroundMark x1="94509" y1="99253" x2="96729" y2="99851"/>
+                        <a14:backgroundMark x1="99065" y1="49178" x2="95444" y2="63976"/>
+                        <a14:backgroundMark x1="95444" y1="63976" x2="95794" y2="81465"/>
+                        <a14:backgroundMark x1="95794" y1="81465" x2="95794" y2="81465"/>
+                        <a14:backgroundMark x1="97547" y1="53662" x2="81425" y2="98057"/>
+                        <a14:backgroundMark x1="81425" y1="98057" x2="93925" y2="56353"/>
+                        <a14:backgroundMark x1="93925" y1="56353" x2="99883" y2="60837"/>
+                        <a14:backgroundMark x1="97664" y1="45590" x2="84579" y2="71450"/>
+                        <a14:backgroundMark x1="84579" y1="71450" x2="89603" y2="89985"/>
+                        <a14:backgroundMark x1="89603" y1="89985" x2="99182" y2="56652"/>
+                        <a14:backgroundMark x1="99182" y1="56652" x2="97547" y2="45590"/>
+                        <a14:backgroundMark x1="97430" y1="40359" x2="83294" y2="69806"/>
+                        <a14:backgroundMark x1="83294" y1="69806" x2="79673" y2="87444"/>
+                        <a14:backgroundMark x1="79673" y1="87444" x2="92640" y2="95516"/>
+                        <a14:backgroundMark x1="92640" y1="95516" x2="93341" y2="93423"/>
+                        <a14:backgroundMark x1="95911" y1="43348" x2="86682" y2="51121"/>
+                        <a14:backgroundMark x1="86682" y1="51121" x2="69393" y2="85052"/>
+                        <a14:backgroundMark x1="69393" y1="85052" x2="69276" y2="88191"/>
+                        <a14:backgroundMark x1="70911" y1="89537" x2="71846" y2="92227"/>
+                        <a14:backgroundMark x1="73481" y1="86697" x2="98364" y2="51868"/>
+                        <a14:backgroundMark x1="86098" y1="59043" x2="86098" y2="59043"/>
+                        <a14:backgroundMark x1="87150" y1="60090" x2="87150" y2="60090"/>
+                        <a14:backgroundMark x1="95327" y1="44395" x2="82593" y2="92975"/>
+                        <a14:backgroundMark x1="82593" y1="92975" x2="82593" y2="92975"/>
+                        <a14:backgroundMark x1="96612" y1="94619" x2="93458" y2="32586"/>
+                        <a14:backgroundMark x1="98598" y1="85501" x2="98949" y2="79671"/>
+                        <a14:backgroundMark x1="97196" y1="75336" x2="98598" y2="40508"/>
+                        <a14:backgroundMark x1="99065" y1="71151" x2="99065" y2="45590"/>
+                        <a14:backgroundMark x1="96729" y1="50075" x2="84112" y2="90284"/>
+                        <a14:backgroundMark x1="84112" y1="90284" x2="93341" y2="97608"/>
+                        <a14:backgroundMark x1="93341" y1="97608" x2="93341" y2="97608"/>
+                        <a14:backgroundMark x1="92991" y1="95516" x2="98598" y2="69507"/>
+                        <a14:backgroundMark x1="98598" y1="69507" x2="99766" y2="67265"/>
+                        <a14:backgroundMark x1="97079" y1="72646" x2="99416" y2="92825"/>
+                        <a14:backgroundMark x1="96612" y1="93423" x2="99416" y2="58146"/>
+                        <a14:backgroundMark x1="99416" y1="58146" x2="99299" y2="55605"/>
+                        <a14:backgroundMark x1="96145" y1="87593" x2="98832" y2="47534"/>
+                        <a14:backgroundMark x1="89486" y1="58595" x2="83995" y2="69208"/>
+                        <a14:backgroundMark x1="83995" y1="69208" x2="81425" y2="85202"/>
+                        <a14:backgroundMark x1="81425" y1="85202" x2="91706" y2="91181"/>
+                        <a14:backgroundMark x1="91706" y1="91181" x2="99766" y2="81315"/>
+                        <a14:backgroundMark x1="95444" y1="84155" x2="92874" y2="98057"/>
+                        <a14:backgroundMark x1="92874" y1="98057" x2="99299" y2="94619"/>
+                        <a14:backgroundMark x1="96729" y1="91181" x2="95794" y2="80269"/>
+                        <a14:backgroundMark x1="96495" y1="92377" x2="96495" y2="92377"/>
+                        <a14:backgroundMark x1="95444" y1="93572" x2="95444" y2="93572"/>
+                        <a14:backgroundMark x1="94042" y1="94320" x2="99065" y2="87593"/>
+                        <a14:backgroundMark x1="95327" y1="93124" x2="99766" y2="91330"/>
+                        <a14:backgroundMark x1="94276" y1="97010" x2="98949" y2="93722"/>
+                        <a14:backgroundMark x1="98131" y1="94619" x2="94393" y2="57848"/>
+                        <a14:backgroundMark x1="95911" y1="92377" x2="95327" y2="46188"/>
+                        <a14:backgroundMark x1="96729" y1="71450" x2="98481" y2="38714"/>
+                        <a14:backgroundMark x1="93458" y1="55157" x2="97547" y2="38416"/>
+                        <a14:backgroundMark x1="97547" y1="38416" x2="97897" y2="37818"/>
+                        <a14:backgroundMark x1="98949" y1="42152" x2="99766" y2="68460"/>
+                        <a14:backgroundMark x1="98131" y1="70105" x2="99883" y2="59492"/>
+                        <a14:backgroundMark x1="94977" y1="59791" x2="99766" y2="43946"/>
+                        <a14:backgroundMark x1="99766" y1="43946" x2="99766" y2="43946"/>
+                        <a14:backgroundMark x1="92173" y1="57250" x2="99766" y2="39163"/>
+                        <a14:backgroundMark x1="99766" y1="39163" x2="99766" y2="39163"/>
+                        <a14:backgroundMark x1="83061" y1="79522" x2="97547" y2="46188"/>
+                        <a14:backgroundMark x1="97547" y1="46188" x2="97547" y2="46188"/>
+                        <a14:backgroundMark x1="94042" y1="53363" x2="95210" y2="98206"/>
+                        <a14:backgroundMark x1="95444" y1="93124" x2="96902" y2="96939"/>
+                        <a14:backgroundMark x1="96262" y1="94320" x2="95367" y2="97756"/>
+                      </a14:backgroundRemoval>
+                    </a14:imgEffect>
+                  </a14:imgLayer>
+                </a14:imgProps>
+              </a:ext>
+            </a:extLst>
+          </a:blip>
+          <a:stretch>
+            <a:fillRect/>
+          </a:stretch>
+        </p:blipFill>
+        <p:spPr>
+          <a:xfrm>
+            <a:off x="720000" y="1165860"/>
+            <a:ext cx="4855478" cy="3794760"/>
           </a:xfrm>
           <a:prstGeom prst="rect">
             <a:avLst/>
@@ -14061,8 +14073,38 @@
         </p:blipFill>
         <p:spPr>
           <a:xfrm>
-            <a:off x="2720340" y="1307678"/>
-            <a:ext cx="3297383" cy="3376058"/>
+            <a:off x="5079920" y="1249681"/>
+            <a:ext cx="3501553" cy="3585100"/>
+          </a:xfrm>
+          <a:prstGeom prst="rect">
+            <a:avLst/>
+          </a:prstGeom>
+        </p:spPr>
+      </p:pic>
+      <p:pic>
+        <p:nvPicPr>
+          <p:cNvPr id="6" name="Picture 5">
+            <a:extLst>
+              <a:ext uri="{FF2B5EF4-FFF2-40B4-BE49-F238E27FC236}">
+                <a16:creationId xmlns:a16="http://schemas.microsoft.com/office/drawing/2014/main" id="{927729E3-9F5A-CA48-CAA2-9D409F76BFC3}"/>
+              </a:ext>
+            </a:extLst>
+          </p:cNvPr>
+          <p:cNvPicPr>
+            <a:picLocks noChangeAspect="1"/>
+          </p:cNvPicPr>
+          <p:nvPr/>
+        </p:nvPicPr>
+        <p:blipFill>
+          <a:blip r:embed="rId3"/>
+          <a:stretch>
+            <a:fillRect/>
+          </a:stretch>
+        </p:blipFill>
+        <p:spPr>
+          <a:xfrm>
+            <a:off x="720000" y="1134492"/>
+            <a:ext cx="4111080" cy="3996485"/>
           </a:xfrm>
           <a:prstGeom prst="rect">
             <a:avLst/>
@@ -14107,6 +14149,36 @@
       </p:grpSpPr>
       <p:pic>
         <p:nvPicPr>
+          <p:cNvPr id="7" name="Picture 6">
+            <a:extLst>
+              <a:ext uri="{FF2B5EF4-FFF2-40B4-BE49-F238E27FC236}">
+                <a16:creationId xmlns:a16="http://schemas.microsoft.com/office/drawing/2014/main" id="{1F6FDC9B-7ADB-25AB-08E1-EBD292DED670}"/>
+              </a:ext>
+            </a:extLst>
+          </p:cNvPr>
+          <p:cNvPicPr>
+            <a:picLocks noChangeAspect="1"/>
+          </p:cNvPicPr>
+          <p:nvPr/>
+        </p:nvPicPr>
+        <p:blipFill>
+          <a:blip r:embed="rId2"/>
+          <a:stretch>
+            <a:fillRect/>
+          </a:stretch>
+        </p:blipFill>
+        <p:spPr>
+          <a:xfrm>
+            <a:off x="720000" y="1802433"/>
+            <a:ext cx="4476840" cy="1538634"/>
+          </a:xfrm>
+          <a:prstGeom prst="rect">
+            <a:avLst/>
+          </a:prstGeom>
+        </p:spPr>
+      </p:pic>
+      <p:pic>
+        <p:nvPicPr>
           <p:cNvPr id="5" name="Picture 4" descr="A diagram of a diagram&#10;&#10;AI-generated content may be incorrect.">
             <a:extLst>
               <a:ext uri="{FF2B5EF4-FFF2-40B4-BE49-F238E27FC236}">
@@ -14120,7 +14192,7 @@
           <p:nvPr/>
         </p:nvPicPr>
         <p:blipFill>
-          <a:blip r:embed="rId2"/>
+          <a:blip r:embed="rId3"/>
           <a:srcRect l="51088" t="42088" r="-100" b="5589"/>
           <a:stretch>
             <a:fillRect/>
@@ -14128,7 +14200,7 @@
         </p:blipFill>
         <p:spPr>
           <a:xfrm>
-            <a:off x="5061099" y="1243577"/>
+            <a:off x="5152449" y="1243577"/>
             <a:ext cx="3362901" cy="3523686"/>
           </a:xfrm>
           <a:prstGeom prst="rect">
@@ -14217,37 +14289,6 @@
           </a:p>
         </p:txBody>
       </p:sp>
-      <p:pic>
-        <p:nvPicPr>
-          <p:cNvPr id="6" name="Picture 5">
-            <a:extLst>
-              <a:ext uri="{FF2B5EF4-FFF2-40B4-BE49-F238E27FC236}">
-                <a16:creationId xmlns:a16="http://schemas.microsoft.com/office/drawing/2014/main" id="{82D53307-2EE7-ABE6-7E1F-11005C841970}"/>
-              </a:ext>
-            </a:extLst>
-          </p:cNvPr>
-          <p:cNvPicPr>
-            <a:picLocks noChangeAspect="1"/>
-          </p:cNvPicPr>
-          <p:nvPr/>
-        </p:nvPicPr>
-        <p:blipFill>
-          <a:blip r:embed="rId3"/>
-          <a:srcRect r="5817"/>
-          <a:stretch>
-            <a:fillRect/>
-          </a:stretch>
-        </p:blipFill>
-        <p:spPr>
-          <a:xfrm>
-            <a:off x="652839" y="1650170"/>
-            <a:ext cx="4559240" cy="1665771"/>
-          </a:xfrm>
-          <a:prstGeom prst="rect">
-            <a:avLst/>
-          </a:prstGeom>
-        </p:spPr>
-      </p:pic>
     </p:spTree>
     <p:extLst>
       <p:ext uri="{BB962C8B-B14F-4D97-AF65-F5344CB8AC3E}">
@@ -14581,7 +14622,7 @@
               <a:rPr lang="en-US" sz="1200" dirty="0">
                 <a:latin typeface="Archivo"/>
               </a:rPr>
-              <a:t>No improvements identified after 5000 idle iterations;</a:t>
+              <a:t>No improvements identified after a predefined number of idle iterations;</a:t>
             </a:r>
           </a:p>
           <a:p>
@@ -14703,36 +14744,6 @@
           </a:p>
         </p:txBody>
       </p:sp>
-      <p:pic>
-        <p:nvPicPr>
-          <p:cNvPr id="5" name="Picture 4" descr="Several different types of diagram&#10;&#10;AI-generated content may be incorrect.">
-            <a:extLst>
-              <a:ext uri="{FF2B5EF4-FFF2-40B4-BE49-F238E27FC236}">
-                <a16:creationId xmlns:a16="http://schemas.microsoft.com/office/drawing/2014/main" id="{313C1BEA-D0DA-EB4C-8B08-3965DB2111B7}"/>
-              </a:ext>
-            </a:extLst>
-          </p:cNvPr>
-          <p:cNvPicPr>
-            <a:picLocks noChangeAspect="1"/>
-          </p:cNvPicPr>
-          <p:nvPr/>
-        </p:nvPicPr>
-        <p:blipFill>
-          <a:blip r:embed="rId2"/>
-          <a:stretch>
-            <a:fillRect/>
-          </a:stretch>
-        </p:blipFill>
-        <p:spPr>
-          <a:xfrm>
-            <a:off x="1974273" y="1129148"/>
-            <a:ext cx="4911436" cy="3784422"/>
-          </a:xfrm>
-          <a:prstGeom prst="rect">
-            <a:avLst/>
-          </a:prstGeom>
-        </p:spPr>
-      </p:pic>
       <p:sp>
         <p:nvSpPr>
           <p:cNvPr id="6" name="TextBox 5">
@@ -14809,129 +14820,12 @@
           </a:p>
         </p:txBody>
       </p:sp>
-    </p:spTree>
-    <p:extLst>
-      <p:ext uri="{BB962C8B-B14F-4D97-AF65-F5344CB8AC3E}">
-        <p14:creationId xmlns:p14="http://schemas.microsoft.com/office/powerpoint/2010/main" val="1357375625"/>
-      </p:ext>
-    </p:extLst>
-  </p:cSld>
-  <p:clrMapOvr>
-    <a:masterClrMapping/>
-  </p:clrMapOvr>
-</p:sld>
-</file>
-
-<file path=ppt/slides/slide17.xml><?xml version="1.0" encoding="utf-8"?>
-<p:sld xmlns:a="http://schemas.openxmlformats.org/drawingml/2006/main" xmlns:r="http://schemas.openxmlformats.org/officeDocument/2006/relationships" xmlns:p="http://schemas.openxmlformats.org/presentationml/2006/main">
-  <p:cSld>
-    <p:spTree>
-      <p:nvGrpSpPr>
-        <p:cNvPr id="1" name="">
-          <a:extLst>
-            <a:ext uri="{FF2B5EF4-FFF2-40B4-BE49-F238E27FC236}">
-              <a16:creationId xmlns:a16="http://schemas.microsoft.com/office/drawing/2014/main" id="{10560AB6-96EA-D8E1-0D95-0A9395B1B760}"/>
-            </a:ext>
-          </a:extLst>
-        </p:cNvPr>
-        <p:cNvGrpSpPr/>
-        <p:nvPr/>
-      </p:nvGrpSpPr>
-      <p:grpSpPr>
-        <a:xfrm>
-          <a:off x="0" y="0"/>
-          <a:ext cx="0" cy="0"/>
-          <a:chOff x="0" y="0"/>
-          <a:chExt cx="0" cy="0"/>
-        </a:xfrm>
-      </p:grpSpPr>
-      <p:sp>
-        <p:nvSpPr>
-          <p:cNvPr id="2" name="Title 1">
+      <p:pic>
+        <p:nvPicPr>
+          <p:cNvPr id="7" name="Picture 6">
             <a:extLst>
               <a:ext uri="{FF2B5EF4-FFF2-40B4-BE49-F238E27FC236}">
-                <a16:creationId xmlns:a16="http://schemas.microsoft.com/office/drawing/2014/main" id="{FDAF2431-E217-0C2D-1ED9-DF13631CCF38}"/>
-              </a:ext>
-            </a:extLst>
-          </p:cNvPr>
-          <p:cNvSpPr>
-            <a:spLocks noGrp="1"/>
-          </p:cNvSpPr>
-          <p:nvPr>
-            <p:ph type="title"/>
-          </p:nvPr>
-        </p:nvSpPr>
-        <p:spPr/>
-        <p:txBody>
-          <a:bodyPr/>
-          <a:lstStyle/>
-          <a:p>
-            <a:r>
-              <a:rPr lang="pt-PT" dirty="0" err="1"/>
-              <a:t>Methodology</a:t>
-            </a:r>
-            <a:r>
-              <a:rPr lang="pt-PT" dirty="0"/>
-              <a:t>: </a:t>
-            </a:r>
-            <a:r>
-              <a:rPr lang="pt-PT" b="0" dirty="0"/>
-              <a:t>Monte-Carlo </a:t>
-            </a:r>
-            <a:r>
-              <a:rPr lang="pt-PT" b="0" dirty="0" err="1"/>
-              <a:t>Tree</a:t>
-            </a:r>
-            <a:r>
-              <a:rPr lang="pt-PT" b="0" dirty="0"/>
-              <a:t> </a:t>
-            </a:r>
-            <a:r>
-              <a:rPr lang="pt-PT" b="0" dirty="0" err="1"/>
-              <a:t>Search</a:t>
-            </a:r>
-            <a:r>
-              <a:rPr lang="pt-PT" b="0" dirty="0"/>
-              <a:t> (MCTS)</a:t>
-            </a:r>
-          </a:p>
-        </p:txBody>
-      </p:sp>
-      <p:sp>
-        <p:nvSpPr>
-          <p:cNvPr id="3" name="Slide Number Placeholder 2">
-            <a:extLst>
-              <a:ext uri="{FF2B5EF4-FFF2-40B4-BE49-F238E27FC236}">
-                <a16:creationId xmlns:a16="http://schemas.microsoft.com/office/drawing/2014/main" id="{A0376DA5-9BBC-DE3D-108D-A42117F1AF57}"/>
-              </a:ext>
-            </a:extLst>
-          </p:cNvPr>
-          <p:cNvSpPr>
-            <a:spLocks noGrp="1"/>
-          </p:cNvSpPr>
-          <p:nvPr>
-            <p:ph type="sldNum" sz="quarter" idx="11"/>
-          </p:nvPr>
-        </p:nvSpPr>
-        <p:spPr/>
-        <p:txBody>
-          <a:bodyPr/>
-          <a:lstStyle/>
-          <a:p>
-            <a:fld id="{8BC8727B-4240-4963-929A-A961B0E9EF8D}" type="slidenum">
-              <a:rPr lang="pt-PT" smtClean="0"/>
-              <a:t>17</a:t>
-            </a:fld>
-            <a:endParaRPr lang="pt-PT"/>
-          </a:p>
-        </p:txBody>
-      </p:sp>
-      <p:pic>
-        <p:nvPicPr>
-          <p:cNvPr id="6" name="Picture 5" descr="A diagram of a tree&#10;&#10;AI-generated content may be incorrect.">
-            <a:extLst>
-              <a:ext uri="{FF2B5EF4-FFF2-40B4-BE49-F238E27FC236}">
-                <a16:creationId xmlns:a16="http://schemas.microsoft.com/office/drawing/2014/main" id="{BAB72E71-3BC3-92B5-9B8B-71E69A7D5295}"/>
+                <a16:creationId xmlns:a16="http://schemas.microsoft.com/office/drawing/2014/main" id="{4F8D54C4-E5F8-DEBB-99AD-483C43BF31F3}"/>
               </a:ext>
             </a:extLst>
           </p:cNvPr>
@@ -14948,8 +14842,8 @@
         </p:blipFill>
         <p:spPr>
           <a:xfrm>
-            <a:off x="1967989" y="1310596"/>
-            <a:ext cx="4489961" cy="3246120"/>
+            <a:off x="2018872" y="1100050"/>
+            <a:ext cx="5159167" cy="3851911"/>
           </a:xfrm>
           <a:prstGeom prst="rect">
             <a:avLst/>
@@ -14959,7 +14853,7 @@
     </p:spTree>
     <p:extLst>
       <p:ext uri="{BB962C8B-B14F-4D97-AF65-F5344CB8AC3E}">
-        <p14:creationId xmlns:p14="http://schemas.microsoft.com/office/powerpoint/2010/main" val="2249692475"/>
+        <p14:creationId xmlns:p14="http://schemas.microsoft.com/office/powerpoint/2010/main" val="1357375625"/>
       </p:ext>
     </p:extLst>
   </p:cSld>
@@ -14969,7 +14863,7 @@
 </p:sld>
 </file>
 
-<file path=ppt/slides/slide18.xml><?xml version="1.0" encoding="utf-8"?>
+<file path=ppt/slides/slide17.xml><?xml version="1.0" encoding="utf-8"?>
 <p:sld xmlns:a="http://schemas.openxmlformats.org/drawingml/2006/main" xmlns:r="http://schemas.openxmlformats.org/officeDocument/2006/relationships" xmlns:p="http://schemas.openxmlformats.org/presentationml/2006/main">
   <p:cSld>
     <p:spTree>
@@ -15047,7 +14941,7 @@
           <a:p>
             <a:fld id="{8BC8727B-4240-4963-929A-A961B0E9EF8D}" type="slidenum">
               <a:rPr lang="pt-PT" smtClean="0"/>
-              <a:t>18</a:t>
+              <a:t>17</a:t>
             </a:fld>
             <a:endParaRPr lang="pt-PT" dirty="0"/>
           </a:p>
@@ -26660,7 +26554,7 @@
 </p:sld>
 </file>
 
-<file path=ppt/slides/slide19.xml><?xml version="1.0" encoding="utf-8"?>
+<file path=ppt/slides/slide18.xml><?xml version="1.0" encoding="utf-8"?>
 <p:sld xmlns:a="http://schemas.openxmlformats.org/drawingml/2006/main" xmlns:r="http://schemas.openxmlformats.org/officeDocument/2006/relationships" xmlns:p="http://schemas.openxmlformats.org/presentationml/2006/main">
   <p:cSld>
     <p:spTree>
@@ -26738,7 +26632,7 @@
           <a:p>
             <a:fld id="{8BC8727B-4240-4963-929A-A961B0E9EF8D}" type="slidenum">
               <a:rPr lang="pt-PT" smtClean="0"/>
-              <a:t>19</a:t>
+              <a:t>18</a:t>
             </a:fld>
             <a:endParaRPr lang="pt-PT" dirty="0"/>
           </a:p>
@@ -26981,6 +26875,232 @@
     <p:extLst>
       <p:ext uri="{BB962C8B-B14F-4D97-AF65-F5344CB8AC3E}">
         <p14:creationId xmlns:p14="http://schemas.microsoft.com/office/powerpoint/2010/main" val="2834391204"/>
+      </p:ext>
+    </p:extLst>
+  </p:cSld>
+  <p:clrMapOvr>
+    <a:masterClrMapping/>
+  </p:clrMapOvr>
+</p:sld>
+</file>
+
+<file path=ppt/slides/slide19.xml><?xml version="1.0" encoding="utf-8"?>
+<p:sld xmlns:a="http://schemas.openxmlformats.org/drawingml/2006/main" xmlns:r="http://schemas.openxmlformats.org/officeDocument/2006/relationships" xmlns:p="http://schemas.openxmlformats.org/presentationml/2006/main">
+  <p:cSld>
+    <p:spTree>
+      <p:nvGrpSpPr>
+        <p:cNvPr id="1" name="">
+          <a:extLst>
+            <a:ext uri="{FF2B5EF4-FFF2-40B4-BE49-F238E27FC236}">
+              <a16:creationId xmlns:a16="http://schemas.microsoft.com/office/drawing/2014/main" id="{109E24CF-489B-180C-BB38-AAC2DD286026}"/>
+            </a:ext>
+          </a:extLst>
+        </p:cNvPr>
+        <p:cNvGrpSpPr/>
+        <p:nvPr/>
+      </p:nvGrpSpPr>
+      <p:grpSpPr>
+        <a:xfrm>
+          <a:off x="0" y="0"/>
+          <a:ext cx="0" cy="0"/>
+          <a:chOff x="0" y="0"/>
+          <a:chExt cx="0" cy="0"/>
+        </a:xfrm>
+      </p:grpSpPr>
+      <p:sp>
+        <p:nvSpPr>
+          <p:cNvPr id="2" name="Title 1">
+            <a:extLst>
+              <a:ext uri="{FF2B5EF4-FFF2-40B4-BE49-F238E27FC236}">
+                <a16:creationId xmlns:a16="http://schemas.microsoft.com/office/drawing/2014/main" id="{4627D3D8-A3C6-20EB-55D0-52BA8ED2B8CA}"/>
+              </a:ext>
+            </a:extLst>
+          </p:cNvPr>
+          <p:cNvSpPr>
+            <a:spLocks noGrp="1"/>
+          </p:cNvSpPr>
+          <p:nvPr>
+            <p:ph type="title"/>
+          </p:nvPr>
+        </p:nvSpPr>
+        <p:spPr/>
+        <p:txBody>
+          <a:bodyPr/>
+          <a:lstStyle/>
+          <a:p>
+            <a:r>
+              <a:rPr lang="en-US" dirty="0"/>
+              <a:t>Results</a:t>
+            </a:r>
+            <a:endParaRPr lang="en-US" b="0" dirty="0"/>
+          </a:p>
+        </p:txBody>
+      </p:sp>
+      <p:sp>
+        <p:nvSpPr>
+          <p:cNvPr id="3" name="Slide Number Placeholder 2">
+            <a:extLst>
+              <a:ext uri="{FF2B5EF4-FFF2-40B4-BE49-F238E27FC236}">
+                <a16:creationId xmlns:a16="http://schemas.microsoft.com/office/drawing/2014/main" id="{C3F70DED-62E6-6113-7ACF-2996809A1B08}"/>
+              </a:ext>
+            </a:extLst>
+          </p:cNvPr>
+          <p:cNvSpPr>
+            <a:spLocks noGrp="1"/>
+          </p:cNvSpPr>
+          <p:nvPr>
+            <p:ph type="sldNum" sz="quarter" idx="11"/>
+          </p:nvPr>
+        </p:nvSpPr>
+        <p:spPr/>
+        <p:txBody>
+          <a:bodyPr/>
+          <a:lstStyle/>
+          <a:p>
+            <a:fld id="{8BC8727B-4240-4963-929A-A961B0E9EF8D}" type="slidenum">
+              <a:rPr lang="pt-PT" smtClean="0"/>
+              <a:t>19</a:t>
+            </a:fld>
+            <a:endParaRPr lang="pt-PT" dirty="0"/>
+          </a:p>
+        </p:txBody>
+      </p:sp>
+      <p:sp>
+        <p:nvSpPr>
+          <p:cNvPr id="5" name="TextBox 4">
+            <a:extLst>
+              <a:ext uri="{FF2B5EF4-FFF2-40B4-BE49-F238E27FC236}">
+                <a16:creationId xmlns:a16="http://schemas.microsoft.com/office/drawing/2014/main" id="{D2B10A08-7024-13C0-5FCA-D53D38B03325}"/>
+              </a:ext>
+            </a:extLst>
+          </p:cNvPr>
+          <p:cNvSpPr txBox="1"/>
+          <p:nvPr/>
+        </p:nvSpPr>
+        <p:spPr>
+          <a:xfrm>
+            <a:off x="658090" y="1414441"/>
+            <a:ext cx="7516091" cy="1077218"/>
+          </a:xfrm>
+          <a:prstGeom prst="rect">
+            <a:avLst/>
+          </a:prstGeom>
+          <a:noFill/>
+        </p:spPr>
+        <p:txBody>
+          <a:bodyPr wrap="square">
+            <a:spAutoFit/>
+          </a:bodyPr>
+          <a:lstStyle/>
+          <a:p>
+            <a:pPr marL="171450" indent="-171450">
+              <a:buFont typeface="Arial" panose="020B0604020202020204" pitchFamily="34" charset="0"/>
+              <a:buChar char="•"/>
+            </a:pPr>
+            <a:r>
+              <a:rPr lang="en-US" sz="1200" dirty="0">
+                <a:latin typeface="Archivo"/>
+              </a:rPr>
+              <a:t>Python vs </a:t>
+            </a:r>
+            <a:r>
+              <a:rPr lang="en-US" sz="1200" dirty="0" err="1">
+                <a:latin typeface="Archivo"/>
+              </a:rPr>
+              <a:t>PyPy</a:t>
+            </a:r>
+            <a:r>
+              <a:rPr lang="en-US" sz="1200" dirty="0">
+                <a:latin typeface="Archivo"/>
+              </a:rPr>
+              <a:t> Performance Evaluation </a:t>
+            </a:r>
+            <a:r>
+              <a:rPr lang="pt-PT" dirty="0"/>
+              <a:t>→ </a:t>
+            </a:r>
+            <a:r>
+              <a:rPr lang="en-US" sz="1200" b="1" dirty="0" err="1">
+                <a:latin typeface="Archivo"/>
+              </a:rPr>
+              <a:t>PyPy</a:t>
+            </a:r>
+            <a:r>
+              <a:rPr lang="en-US" sz="1200" b="1" dirty="0">
+                <a:latin typeface="Archivo"/>
+              </a:rPr>
+              <a:t> called over 3x more functions</a:t>
+            </a:r>
+          </a:p>
+          <a:p>
+            <a:pPr marL="171450" indent="-171450">
+              <a:buFont typeface="Arial" panose="020B0604020202020204" pitchFamily="34" charset="0"/>
+              <a:buChar char="•"/>
+            </a:pPr>
+            <a:endParaRPr lang="en-US" sz="1200" dirty="0">
+              <a:latin typeface="Archivo"/>
+            </a:endParaRPr>
+          </a:p>
+          <a:p>
+            <a:pPr marL="171450" indent="-171450">
+              <a:buFont typeface="Arial" panose="020B0604020202020204" pitchFamily="34" charset="0"/>
+              <a:buChar char="•"/>
+            </a:pPr>
+            <a:r>
+              <a:rPr lang="en-US" sz="1200" dirty="0">
+                <a:latin typeface="Archivo"/>
+              </a:rPr>
+              <a:t>All tests have consistently produced </a:t>
+            </a:r>
+            <a:r>
+              <a:rPr lang="en-US" sz="1200" b="1" dirty="0">
+                <a:latin typeface="Archivo"/>
+              </a:rPr>
+              <a:t>feasible solutions </a:t>
+            </a:r>
+            <a:r>
+              <a:rPr lang="en-US" sz="1200" dirty="0">
+                <a:latin typeface="Archivo"/>
+              </a:rPr>
+              <a:t>in the challenging ITC-2007 set of benchmark instances. </a:t>
+            </a:r>
+          </a:p>
+          <a:p>
+            <a:pPr marL="285750" indent="-285750">
+              <a:buFont typeface="Arial" panose="020B0604020202020204" pitchFamily="34" charset="0"/>
+              <a:buChar char="•"/>
+            </a:pPr>
+            <a:endParaRPr lang="en-US" dirty="0">
+              <a:latin typeface="Archivo"/>
+            </a:endParaRPr>
+          </a:p>
+          <a:p>
+            <a:pPr marL="171450" indent="-171450">
+              <a:buFont typeface="Arial" panose="020B0604020202020204" pitchFamily="34" charset="0"/>
+              <a:buChar char="•"/>
+            </a:pPr>
+            <a:r>
+              <a:rPr lang="en-US" sz="1200" b="1" dirty="0">
+                <a:latin typeface="Archivo"/>
+              </a:rPr>
+              <a:t>C showed minimal impact on results</a:t>
+            </a:r>
+            <a:r>
+              <a:rPr lang="en-US" sz="1200" dirty="0">
+                <a:latin typeface="Archivo"/>
+              </a:rPr>
+              <a:t>, indicating a weaker-than-expected influence on node selection.</a:t>
+            </a:r>
+            <a:endParaRPr lang="pt-PT" sz="1200" dirty="0">
+              <a:latin typeface="Archivo"/>
+            </a:endParaRPr>
+          </a:p>
+        </p:txBody>
+      </p:sp>
+    </p:spTree>
+    <p:extLst>
+      <p:ext uri="{BB962C8B-B14F-4D97-AF65-F5344CB8AC3E}">
+        <p14:creationId xmlns:p14="http://schemas.microsoft.com/office/powerpoint/2010/main" val="3433714800"/>
       </p:ext>
     </p:extLst>
   </p:cSld>
@@ -27567,232 +27687,6 @@
         <p:cNvPr id="1" name="">
           <a:extLst>
             <a:ext uri="{FF2B5EF4-FFF2-40B4-BE49-F238E27FC236}">
-              <a16:creationId xmlns:a16="http://schemas.microsoft.com/office/drawing/2014/main" id="{109E24CF-489B-180C-BB38-AAC2DD286026}"/>
-            </a:ext>
-          </a:extLst>
-        </p:cNvPr>
-        <p:cNvGrpSpPr/>
-        <p:nvPr/>
-      </p:nvGrpSpPr>
-      <p:grpSpPr>
-        <a:xfrm>
-          <a:off x="0" y="0"/>
-          <a:ext cx="0" cy="0"/>
-          <a:chOff x="0" y="0"/>
-          <a:chExt cx="0" cy="0"/>
-        </a:xfrm>
-      </p:grpSpPr>
-      <p:sp>
-        <p:nvSpPr>
-          <p:cNvPr id="2" name="Title 1">
-            <a:extLst>
-              <a:ext uri="{FF2B5EF4-FFF2-40B4-BE49-F238E27FC236}">
-                <a16:creationId xmlns:a16="http://schemas.microsoft.com/office/drawing/2014/main" id="{4627D3D8-A3C6-20EB-55D0-52BA8ED2B8CA}"/>
-              </a:ext>
-            </a:extLst>
-          </p:cNvPr>
-          <p:cNvSpPr>
-            <a:spLocks noGrp="1"/>
-          </p:cNvSpPr>
-          <p:nvPr>
-            <p:ph type="title"/>
-          </p:nvPr>
-        </p:nvSpPr>
-        <p:spPr/>
-        <p:txBody>
-          <a:bodyPr/>
-          <a:lstStyle/>
-          <a:p>
-            <a:r>
-              <a:rPr lang="en-US" dirty="0"/>
-              <a:t>Results</a:t>
-            </a:r>
-            <a:endParaRPr lang="en-US" b="0" dirty="0"/>
-          </a:p>
-        </p:txBody>
-      </p:sp>
-      <p:sp>
-        <p:nvSpPr>
-          <p:cNvPr id="3" name="Slide Number Placeholder 2">
-            <a:extLst>
-              <a:ext uri="{FF2B5EF4-FFF2-40B4-BE49-F238E27FC236}">
-                <a16:creationId xmlns:a16="http://schemas.microsoft.com/office/drawing/2014/main" id="{C3F70DED-62E6-6113-7ACF-2996809A1B08}"/>
-              </a:ext>
-            </a:extLst>
-          </p:cNvPr>
-          <p:cNvSpPr>
-            <a:spLocks noGrp="1"/>
-          </p:cNvSpPr>
-          <p:nvPr>
-            <p:ph type="sldNum" sz="quarter" idx="11"/>
-          </p:nvPr>
-        </p:nvSpPr>
-        <p:spPr/>
-        <p:txBody>
-          <a:bodyPr/>
-          <a:lstStyle/>
-          <a:p>
-            <a:fld id="{8BC8727B-4240-4963-929A-A961B0E9EF8D}" type="slidenum">
-              <a:rPr lang="pt-PT" smtClean="0"/>
-              <a:t>20</a:t>
-            </a:fld>
-            <a:endParaRPr lang="pt-PT" dirty="0"/>
-          </a:p>
-        </p:txBody>
-      </p:sp>
-      <p:sp>
-        <p:nvSpPr>
-          <p:cNvPr id="5" name="TextBox 4">
-            <a:extLst>
-              <a:ext uri="{FF2B5EF4-FFF2-40B4-BE49-F238E27FC236}">
-                <a16:creationId xmlns:a16="http://schemas.microsoft.com/office/drawing/2014/main" id="{D2B10A08-7024-13C0-5FCA-D53D38B03325}"/>
-              </a:ext>
-            </a:extLst>
-          </p:cNvPr>
-          <p:cNvSpPr txBox="1"/>
-          <p:nvPr/>
-        </p:nvSpPr>
-        <p:spPr>
-          <a:xfrm>
-            <a:off x="658090" y="1414441"/>
-            <a:ext cx="7516091" cy="1077218"/>
-          </a:xfrm>
-          <a:prstGeom prst="rect">
-            <a:avLst/>
-          </a:prstGeom>
-          <a:noFill/>
-        </p:spPr>
-        <p:txBody>
-          <a:bodyPr wrap="square">
-            <a:spAutoFit/>
-          </a:bodyPr>
-          <a:lstStyle/>
-          <a:p>
-            <a:pPr marL="171450" indent="-171450">
-              <a:buFont typeface="Arial" panose="020B0604020202020204" pitchFamily="34" charset="0"/>
-              <a:buChar char="•"/>
-            </a:pPr>
-            <a:r>
-              <a:rPr lang="en-US" sz="1200" dirty="0">
-                <a:latin typeface="Archivo"/>
-              </a:rPr>
-              <a:t>Python vs </a:t>
-            </a:r>
-            <a:r>
-              <a:rPr lang="en-US" sz="1200" dirty="0" err="1">
-                <a:latin typeface="Archivo"/>
-              </a:rPr>
-              <a:t>PyPy</a:t>
-            </a:r>
-            <a:r>
-              <a:rPr lang="en-US" sz="1200" dirty="0">
-                <a:latin typeface="Archivo"/>
-              </a:rPr>
-              <a:t> Performance Evaluation </a:t>
-            </a:r>
-            <a:r>
-              <a:rPr lang="pt-PT" dirty="0"/>
-              <a:t>→ </a:t>
-            </a:r>
-            <a:r>
-              <a:rPr lang="en-US" sz="1200" b="1" dirty="0" err="1">
-                <a:latin typeface="Archivo"/>
-              </a:rPr>
-              <a:t>PyPy</a:t>
-            </a:r>
-            <a:r>
-              <a:rPr lang="en-US" sz="1200" b="1" dirty="0">
-                <a:latin typeface="Archivo"/>
-              </a:rPr>
-              <a:t> called over 3x more functions</a:t>
-            </a:r>
-          </a:p>
-          <a:p>
-            <a:pPr marL="171450" indent="-171450">
-              <a:buFont typeface="Arial" panose="020B0604020202020204" pitchFamily="34" charset="0"/>
-              <a:buChar char="•"/>
-            </a:pPr>
-            <a:endParaRPr lang="en-US" sz="1200" dirty="0">
-              <a:latin typeface="Archivo"/>
-            </a:endParaRPr>
-          </a:p>
-          <a:p>
-            <a:pPr marL="171450" indent="-171450">
-              <a:buFont typeface="Arial" panose="020B0604020202020204" pitchFamily="34" charset="0"/>
-              <a:buChar char="•"/>
-            </a:pPr>
-            <a:r>
-              <a:rPr lang="en-US" sz="1200" dirty="0">
-                <a:latin typeface="Archivo"/>
-              </a:rPr>
-              <a:t>All tests have consistently produced </a:t>
-            </a:r>
-            <a:r>
-              <a:rPr lang="en-US" sz="1200" b="1" dirty="0">
-                <a:latin typeface="Archivo"/>
-              </a:rPr>
-              <a:t>feasible solutions </a:t>
-            </a:r>
-            <a:r>
-              <a:rPr lang="en-US" sz="1200" dirty="0">
-                <a:latin typeface="Archivo"/>
-              </a:rPr>
-              <a:t>in the challenging ITC-2007 set of benchmark instances. </a:t>
-            </a:r>
-          </a:p>
-          <a:p>
-            <a:pPr marL="285750" indent="-285750">
-              <a:buFont typeface="Arial" panose="020B0604020202020204" pitchFamily="34" charset="0"/>
-              <a:buChar char="•"/>
-            </a:pPr>
-            <a:endParaRPr lang="en-US" dirty="0">
-              <a:latin typeface="Archivo"/>
-            </a:endParaRPr>
-          </a:p>
-          <a:p>
-            <a:pPr marL="171450" indent="-171450">
-              <a:buFont typeface="Arial" panose="020B0604020202020204" pitchFamily="34" charset="0"/>
-              <a:buChar char="•"/>
-            </a:pPr>
-            <a:r>
-              <a:rPr lang="en-US" sz="1200" b="1" dirty="0">
-                <a:latin typeface="Archivo"/>
-              </a:rPr>
-              <a:t>C showed minimal impact on results</a:t>
-            </a:r>
-            <a:r>
-              <a:rPr lang="en-US" sz="1200" dirty="0">
-                <a:latin typeface="Archivo"/>
-              </a:rPr>
-              <a:t>, indicating a weaker-than-expected influence on node selection.</a:t>
-            </a:r>
-            <a:endParaRPr lang="pt-PT" sz="1200" dirty="0">
-              <a:latin typeface="Archivo"/>
-            </a:endParaRPr>
-          </a:p>
-        </p:txBody>
-      </p:sp>
-    </p:spTree>
-    <p:extLst>
-      <p:ext uri="{BB962C8B-B14F-4D97-AF65-F5344CB8AC3E}">
-        <p14:creationId xmlns:p14="http://schemas.microsoft.com/office/powerpoint/2010/main" val="3433714800"/>
-      </p:ext>
-    </p:extLst>
-  </p:cSld>
-  <p:clrMapOvr>
-    <a:masterClrMapping/>
-  </p:clrMapOvr>
-</p:sld>
-</file>
-
-<file path=ppt/slides/slide21.xml><?xml version="1.0" encoding="utf-8"?>
-<p:sld xmlns:a="http://schemas.openxmlformats.org/drawingml/2006/main" xmlns:r="http://schemas.openxmlformats.org/officeDocument/2006/relationships" xmlns:p="http://schemas.openxmlformats.org/presentationml/2006/main">
-  <p:cSld>
-    <p:spTree>
-      <p:nvGrpSpPr>
-        <p:cNvPr id="1" name="">
-          <a:extLst>
-            <a:ext uri="{FF2B5EF4-FFF2-40B4-BE49-F238E27FC236}">
               <a16:creationId xmlns:a16="http://schemas.microsoft.com/office/drawing/2014/main" id="{83E37E9D-6818-4601-0797-16574D980493}"/>
             </a:ext>
           </a:extLst>
@@ -27863,7 +27757,7 @@
           <a:p>
             <a:fld id="{8BC8727B-4240-4963-929A-A961B0E9EF8D}" type="slidenum">
               <a:rPr lang="pt-PT" smtClean="0"/>
-              <a:t>21</a:t>
+              <a:t>20</a:t>
             </a:fld>
             <a:endParaRPr lang="pt-PT" dirty="0"/>
           </a:p>
@@ -28039,7 +27933,7 @@
 </p:sld>
 </file>
 
-<file path=ppt/slides/slide22.xml><?xml version="1.0" encoding="utf-8"?>
+<file path=ppt/slides/slide21.xml><?xml version="1.0" encoding="utf-8"?>
 <p:sld xmlns:a="http://schemas.openxmlformats.org/drawingml/2006/main" xmlns:r="http://schemas.openxmlformats.org/officeDocument/2006/relationships" xmlns:p="http://schemas.openxmlformats.org/presentationml/2006/main">
   <p:cSld>
     <p:spTree>
@@ -28117,7 +28011,7 @@
           <a:p>
             <a:fld id="{8BC8727B-4240-4963-929A-A961B0E9EF8D}" type="slidenum">
               <a:rPr lang="pt-PT" smtClean="0"/>
-              <a:t>22</a:t>
+              <a:t>21</a:t>
             </a:fld>
             <a:endParaRPr lang="pt-PT" dirty="0"/>
           </a:p>
@@ -28226,7 +28120,7 @@
 </p:sld>
 </file>
 
-<file path=ppt/slides/slide23.xml><?xml version="1.0" encoding="utf-8"?>
+<file path=ppt/slides/slide22.xml><?xml version="1.0" encoding="utf-8"?>
 <p:sld xmlns:a="http://schemas.openxmlformats.org/drawingml/2006/main" xmlns:r="http://schemas.openxmlformats.org/officeDocument/2006/relationships" xmlns:p="http://schemas.openxmlformats.org/presentationml/2006/main">
   <p:cSld>
     <p:spTree>
@@ -28321,7 +28215,7 @@
           <a:p>
             <a:fld id="{8BC8727B-4240-4963-929A-A961B0E9EF8D}" type="slidenum">
               <a:rPr lang="pt-PT" smtClean="0"/>
-              <a:t>23</a:t>
+              <a:t>22</a:t>
             </a:fld>
             <a:endParaRPr lang="pt-PT" dirty="0"/>
           </a:p>
@@ -28380,7 +28274,7 @@
 </p:sld>
 </file>
 
-<file path=ppt/slides/slide24.xml><?xml version="1.0" encoding="utf-8"?>
+<file path=ppt/slides/slide23.xml><?xml version="1.0" encoding="utf-8"?>
 <p:sld xmlns:a="http://schemas.openxmlformats.org/drawingml/2006/main" xmlns:r="http://schemas.openxmlformats.org/officeDocument/2006/relationships" xmlns:p="http://schemas.openxmlformats.org/presentationml/2006/main">
   <p:cSld>
     <p:spTree>
@@ -28471,7 +28365,7 @@
           <a:p>
             <a:fld id="{8BC8727B-4240-4963-929A-A961B0E9EF8D}" type="slidenum">
               <a:rPr lang="pt-PT" smtClean="0"/>
-              <a:t>24</a:t>
+              <a:t>23</a:t>
             </a:fld>
             <a:endParaRPr lang="pt-PT"/>
           </a:p>
@@ -28490,7 +28384,7 @@
 </p:sld>
 </file>
 
-<file path=ppt/slides/slide25.xml><?xml version="1.0" encoding="utf-8"?>
+<file path=ppt/slides/slide24.xml><?xml version="1.0" encoding="utf-8"?>
 <p:sld xmlns:a="http://schemas.openxmlformats.org/drawingml/2006/main" xmlns:r="http://schemas.openxmlformats.org/officeDocument/2006/relationships" xmlns:p="http://schemas.openxmlformats.org/presentationml/2006/main">
   <p:cSld>
     <p:spTree>
@@ -28564,7 +28458,7 @@
           <a:p>
             <a:fld id="{8BC8727B-4240-4963-929A-A961B0E9EF8D}" type="slidenum">
               <a:rPr lang="pt-PT" smtClean="0"/>
-              <a:t>25</a:t>
+              <a:t>24</a:t>
             </a:fld>
             <a:endParaRPr lang="pt-PT"/>
           </a:p>
@@ -30869,7 +30763,7 @@
 </p:sld>
 </file>
 
-<file path=ppt/slides/slide26.xml><?xml version="1.0" encoding="utf-8"?>
+<file path=ppt/slides/slide25.xml><?xml version="1.0" encoding="utf-8"?>
 <p:sld xmlns:a="http://schemas.openxmlformats.org/drawingml/2006/main" xmlns:r="http://schemas.openxmlformats.org/officeDocument/2006/relationships" xmlns:p="http://schemas.openxmlformats.org/presentationml/2006/main">
   <p:cSld>
     <p:spTree>
@@ -30951,7 +30845,7 @@
           <a:p>
             <a:fld id="{8BC8727B-4240-4963-929A-A961B0E9EF8D}" type="slidenum">
               <a:rPr lang="pt-PT" smtClean="0"/>
-              <a:t>26</a:t>
+              <a:t>25</a:t>
             </a:fld>
             <a:endParaRPr lang="pt-PT" dirty="0"/>
           </a:p>
@@ -33482,7 +33376,7 @@
         <p:spPr>
           <a:xfrm>
             <a:off x="620762" y="1233191"/>
-            <a:ext cx="2169968" cy="3400931"/>
+            <a:ext cx="2169968" cy="3031599"/>
           </a:xfrm>
           <a:prstGeom prst="rect">
             <a:avLst/>
@@ -33704,30 +33598,6 @@
                 <a:latin typeface="Archivo"/>
               </a:rPr>
               <a:t>Lecturer</a:t>
-            </a:r>
-          </a:p>
-          <a:p>
-            <a:pPr marL="284400" indent="-180000">
-              <a:buFont typeface="Arial" panose="020B0604020202020204" pitchFamily="34" charset="0"/>
-              <a:buChar char="•"/>
-            </a:pPr>
-            <a:r>
-              <a:rPr lang="en-US" sz="1200" dirty="0">
-                <a:latin typeface="Archivo"/>
-              </a:rPr>
-              <a:t>Period (day, timeslot)</a:t>
-            </a:r>
-          </a:p>
-          <a:p>
-            <a:pPr marL="284400" indent="-180000">
-              <a:buFont typeface="Arial" panose="020B0604020202020204" pitchFamily="34" charset="0"/>
-              <a:buChar char="•"/>
-            </a:pPr>
-            <a:r>
-              <a:rPr lang="en-US" sz="1200" dirty="0">
-                <a:latin typeface="Archivo"/>
-              </a:rPr>
-              <a:t>Room</a:t>
             </a:r>
           </a:p>
           <a:p>
@@ -33769,7 +33639,7 @@
         <p:spPr>
           <a:xfrm>
             <a:off x="3513436" y="1233191"/>
-            <a:ext cx="2117127" cy="2369880"/>
+            <a:ext cx="2117127" cy="2631490"/>
           </a:xfrm>
           <a:prstGeom prst="rect">
             <a:avLst/>
@@ -33879,7 +33749,7 @@
               <a:rPr lang="pt-PT" sz="1200" dirty="0" err="1">
                 <a:latin typeface="Archivo"/>
               </a:rPr>
-              <a:t>Availabilities</a:t>
+              <a:t>Unavailabilities</a:t>
             </a:r>
             <a:endParaRPr lang="pt-PT" sz="1200" dirty="0">
               <a:latin typeface="Archivo"/>
@@ -34002,7 +33872,37 @@
               </a:rPr>
               <a:t>Compactness</a:t>
             </a:r>
-            <a:endParaRPr lang="pt-PT" sz="1200" u="sng" dirty="0">
+            <a:endParaRPr lang="pt-PT" sz="1200" dirty="0">
+              <a:latin typeface="Archivo"/>
+            </a:endParaRPr>
+          </a:p>
+          <a:p>
+            <a:pPr marL="284400" indent="-180000">
+              <a:spcBef>
+                <a:spcPts val="600"/>
+              </a:spcBef>
+              <a:buFont typeface="Arial" panose="020B0604020202020204" pitchFamily="34" charset="0"/>
+              <a:buChar char="•"/>
+            </a:pPr>
+            <a:r>
+              <a:rPr lang="pt-PT" sz="1200" dirty="0" err="1">
+                <a:latin typeface="Archivo"/>
+              </a:rPr>
+              <a:t>Room</a:t>
+            </a:r>
+            <a:r>
+              <a:rPr lang="pt-PT" sz="1200" dirty="0">
+                <a:latin typeface="Archivo"/>
+              </a:rPr>
+              <a:t> </a:t>
+            </a:r>
+            <a:r>
+              <a:rPr lang="pt-PT" sz="1200" dirty="0" err="1">
+                <a:latin typeface="Archivo"/>
+              </a:rPr>
+              <a:t>Stability</a:t>
+            </a:r>
+            <a:endParaRPr lang="pt-PT" sz="1200" dirty="0">
               <a:latin typeface="Archivo"/>
             </a:endParaRPr>
           </a:p>

--- a/Docs/Presentation.pptx
+++ b/Docs/Presentation.pptx
@@ -13607,10 +13607,10 @@
       </p:sp>
       <p:pic>
         <p:nvPicPr>
-          <p:cNvPr id="13" name="Picture 12">
+          <p:cNvPr id="5" name="Picture 4">
             <a:extLst>
               <a:ext uri="{FF2B5EF4-FFF2-40B4-BE49-F238E27FC236}">
-                <a16:creationId xmlns:a16="http://schemas.microsoft.com/office/drawing/2014/main" id="{05E08D21-76BC-254C-2A47-F05EF3F1DFEB}"/>
+                <a16:creationId xmlns:a16="http://schemas.microsoft.com/office/drawing/2014/main" id="{D07A7E82-C85C-9A52-0B55-D0BF3EEAB5E9}"/>
               </a:ext>
             </a:extLst>
           </p:cNvPr>
@@ -13627,8 +13627,8 @@
         </p:blipFill>
         <p:spPr>
           <a:xfrm>
-            <a:off x="851454" y="1109499"/>
-            <a:ext cx="4063448" cy="3045207"/>
+            <a:off x="720000" y="1127157"/>
+            <a:ext cx="4589718" cy="2568208"/>
           </a:xfrm>
           <a:prstGeom prst="rect">
             <a:avLst/>
@@ -13657,8 +13657,8 @@
         </p:blipFill>
         <p:spPr>
           <a:xfrm>
-            <a:off x="851454" y="4131846"/>
-            <a:ext cx="4063448" cy="981486"/>
+            <a:off x="720000" y="3722472"/>
+            <a:ext cx="4480426" cy="1082203"/>
           </a:xfrm>
           <a:prstGeom prst="rect">
             <a:avLst/>
@@ -26980,7 +26980,7 @@
         <p:spPr>
           <a:xfrm>
             <a:off x="658090" y="1414441"/>
-            <a:ext cx="7516091" cy="1077218"/>
+            <a:ext cx="7516091" cy="1815882"/>
           </a:xfrm>
           <a:prstGeom prst="rect">
             <a:avLst/>
@@ -27091,6 +27091,45 @@
               </a:rPr>
               <a:t>, indicating a weaker-than-expected influence on node selection.</a:t>
             </a:r>
+          </a:p>
+          <a:p>
+            <a:pPr marL="171450" indent="-171450">
+              <a:buFont typeface="Arial" panose="020B0604020202020204" pitchFamily="34" charset="0"/>
+              <a:buChar char="•"/>
+            </a:pPr>
+            <a:endParaRPr lang="en-US" sz="1200" dirty="0">
+              <a:latin typeface="Archivo"/>
+            </a:endParaRPr>
+          </a:p>
+          <a:p>
+            <a:pPr marL="171450" indent="-171450">
+              <a:buFont typeface="Arial" panose="020B0604020202020204" pitchFamily="34" charset="0"/>
+              <a:buChar char="•"/>
+            </a:pPr>
+            <a:r>
+              <a:rPr lang="en-US" sz="1200" dirty="0">
+                <a:latin typeface="Archivo"/>
+              </a:rPr>
+              <a:t>Purely </a:t>
+            </a:r>
+            <a:r>
+              <a:rPr lang="en-US" sz="1200" b="1" dirty="0">
+                <a:latin typeface="Archivo"/>
+              </a:rPr>
+              <a:t>random simulations failed to produce feasible solutions</a:t>
+            </a:r>
+            <a:r>
+              <a:rPr lang="en-US" sz="1200" dirty="0">
+                <a:latin typeface="Archivo"/>
+              </a:rPr>
+              <a:t>, emphasizing the necessity of guided search and domain knowledge to navigate the complex solution space effectively.</a:t>
+            </a:r>
+          </a:p>
+          <a:p>
+            <a:pPr marL="171450" indent="-171450">
+              <a:buFont typeface="Arial" panose="020B0604020202020204" pitchFamily="34" charset="0"/>
+              <a:buChar char="•"/>
+            </a:pPr>
             <a:endParaRPr lang="pt-PT" sz="1200" dirty="0">
               <a:latin typeface="Archivo"/>
             </a:endParaRPr>

--- a/Docs/Presentation.pptx
+++ b/Docs/Presentation.pptx
@@ -7645,7 +7645,7 @@
           <a:p>
             <a:fld id="{28AE051E-4971-4F36-901C-869D0DCBC810}" type="datetimeFigureOut">
               <a:rPr lang="pt-PT" smtClean="0"/>
-              <a:t>21/06/2025</a:t>
+              <a:t>22/06/2025</a:t>
             </a:fld>
             <a:endParaRPr lang="pt-PT"/>
           </a:p>
@@ -11844,8 +11844,8 @@
         </p:nvSpPr>
         <p:spPr>
           <a:xfrm>
-            <a:off x="2200050" y="1241900"/>
-            <a:ext cx="4743900" cy="2014200"/>
+            <a:off x="713225" y="1241900"/>
+            <a:ext cx="7717500" cy="2014200"/>
           </a:xfrm>
           <a:prstGeom prst="rect">
             <a:avLst/>
@@ -12090,7 +12090,16 @@
               <a:rPr lang="en-US" sz="4000" dirty="0">
                 <a:latin typeface="Archivo"/>
               </a:rPr>
-              <a:t>An interactive tool for supporting university timetabling</a:t>
+              <a:t>Improved Monte Carlo Tree Search</a:t>
+            </a:r>
+          </a:p>
+          <a:p>
+            <a:pPr algn="ctr"/>
+            <a:r>
+              <a:rPr lang="en-US" sz="4000" dirty="0">
+                <a:latin typeface="Archivo"/>
+              </a:rPr>
+              <a:t>for University Course Timetabling</a:t>
             </a:r>
           </a:p>
         </p:txBody>

--- a/Docs/Presentation.pptx
+++ b/Docs/Presentation.pptx
@@ -7645,7 +7645,7 @@
           <a:p>
             <a:fld id="{28AE051E-4971-4F36-901C-869D0DCBC810}" type="datetimeFigureOut">
               <a:rPr lang="pt-PT" smtClean="0"/>
-              <a:t>22/06/2025</a:t>
+              <a:t>27/06/2025</a:t>
             </a:fld>
             <a:endParaRPr lang="pt-PT"/>
           </a:p>
@@ -31265,7 +31265,7 @@
         <p:spPr>
           <a:xfrm>
             <a:off x="628650" y="1206020"/>
-            <a:ext cx="5048250" cy="2600712"/>
+            <a:ext cx="5048250" cy="1354217"/>
           </a:xfrm>
           <a:prstGeom prst="rect">
             <a:avLst/>
@@ -31387,72 +31387,6 @@
               </a:rPr>
               <a:t>a variant of UCTTP that focuses on course scheduling. </a:t>
             </a:r>
-          </a:p>
-          <a:p>
-            <a:pPr lvl="3"/>
-            <a:endParaRPr lang="en-US" dirty="0">
-              <a:latin typeface="Archivo"/>
-            </a:endParaRPr>
-          </a:p>
-          <a:p>
-            <a:pPr lvl="3"/>
-            <a:r>
-              <a:rPr lang="en-US" sz="1200" b="1" dirty="0">
-                <a:latin typeface="Archivo"/>
-              </a:rPr>
-              <a:t>FCUP’s timetabling building process is:</a:t>
-            </a:r>
-            <a:endParaRPr lang="en-US" sz="1200" dirty="0">
-              <a:latin typeface="Archivo"/>
-            </a:endParaRPr>
-          </a:p>
-          <a:p>
-            <a:pPr marL="285750" lvl="3" indent="-180000">
-              <a:spcBef>
-                <a:spcPts val="600"/>
-              </a:spcBef>
-              <a:buFont typeface="Arial" panose="020B0604020202020204" pitchFamily="34" charset="0"/>
-              <a:buChar char="•"/>
-            </a:pPr>
-            <a:r>
-              <a:rPr lang="en-US" sz="1200" dirty="0">
-                <a:latin typeface="Archivo"/>
-              </a:rPr>
-              <a:t>Time-consuming</a:t>
-            </a:r>
-          </a:p>
-          <a:p>
-            <a:pPr marL="285750" lvl="3" indent="-180000">
-              <a:spcBef>
-                <a:spcPts val="600"/>
-              </a:spcBef>
-              <a:buFont typeface="Arial" panose="020B0604020202020204" pitchFamily="34" charset="0"/>
-              <a:buChar char="•"/>
-            </a:pPr>
-            <a:r>
-              <a:rPr lang="en-US" sz="1200" dirty="0">
-                <a:latin typeface="Archivo"/>
-              </a:rPr>
-              <a:t>Not automated</a:t>
-            </a:r>
-          </a:p>
-          <a:p>
-            <a:pPr marL="285750" lvl="3" indent="-180000">
-              <a:spcBef>
-                <a:spcPts val="600"/>
-              </a:spcBef>
-              <a:buFont typeface="Arial" panose="020B0604020202020204" pitchFamily="34" charset="0"/>
-              <a:buChar char="•"/>
-            </a:pPr>
-            <a:r>
-              <a:rPr lang="en-US" sz="1200" dirty="0">
-                <a:latin typeface="Archivo"/>
-              </a:rPr>
-              <a:t>Suboptimal</a:t>
-            </a:r>
-            <a:endParaRPr lang="pt-PT" sz="1200" dirty="0">
-              <a:latin typeface="Archivo"/>
-            </a:endParaRPr>
           </a:p>
         </p:txBody>
       </p:sp>

--- a/Docs/Presentation.pptx
+++ b/Docs/Presentation.pptx
@@ -7645,7 +7645,7 @@
           <a:p>
             <a:fld id="{28AE051E-4971-4F36-901C-869D0DCBC810}" type="datetimeFigureOut">
               <a:rPr lang="pt-PT" smtClean="0"/>
-              <a:t>27/06/2025</a:t>
+              <a:t>30/06/2025</a:t>
             </a:fld>
             <a:endParaRPr lang="pt-PT"/>
           </a:p>
@@ -28269,46 +28269,37 @@
           </a:p>
         </p:txBody>
       </p:sp>
-      <p:sp>
-        <p:nvSpPr>
-          <p:cNvPr id="5" name="TextBox 4">
+      <p:pic>
+        <p:nvPicPr>
+          <p:cNvPr id="6" name="Picture 5" descr="A table with numbers and letters&#10;&#10;AI-generated content may be incorrect.">
             <a:extLst>
               <a:ext uri="{FF2B5EF4-FFF2-40B4-BE49-F238E27FC236}">
-                <a16:creationId xmlns:a16="http://schemas.microsoft.com/office/drawing/2014/main" id="{6B144C5C-793C-89F2-6DE9-4DFED18076B9}"/>
+                <a16:creationId xmlns:a16="http://schemas.microsoft.com/office/drawing/2014/main" id="{92E3FFEE-E1CE-91D3-4C63-F9416E8746C4}"/>
               </a:ext>
             </a:extLst>
           </p:cNvPr>
-          <p:cNvSpPr txBox="1"/>
+          <p:cNvPicPr>
+            <a:picLocks noChangeAspect="1"/>
+          </p:cNvPicPr>
           <p:nvPr/>
-        </p:nvSpPr>
+        </p:nvPicPr>
+        <p:blipFill>
+          <a:blip r:embed="rId2"/>
+          <a:srcRect b="24295"/>
+          <a:stretch>
+            <a:fillRect/>
+          </a:stretch>
+        </p:blipFill>
         <p:spPr>
           <a:xfrm>
-            <a:off x="658090" y="1414441"/>
-            <a:ext cx="7516091" cy="276999"/>
+            <a:off x="38100" y="1993862"/>
+            <a:ext cx="9067800" cy="1155776"/>
           </a:xfrm>
           <a:prstGeom prst="rect">
             <a:avLst/>
           </a:prstGeom>
-          <a:noFill/>
         </p:spPr>
-        <p:txBody>
-          <a:bodyPr wrap="square">
-            <a:spAutoFit/>
-          </a:bodyPr>
-          <a:lstStyle/>
-          <a:p>
-            <a:r>
-              <a:rPr lang="en-US" sz="1200" dirty="0">
-                <a:latin typeface="Archivo"/>
-              </a:rPr>
-              <a:t>A</a:t>
-            </a:r>
-            <a:endParaRPr lang="pt-PT" sz="1200" dirty="0">
-              <a:latin typeface="Archivo"/>
-            </a:endParaRPr>
-          </a:p>
-        </p:txBody>
-      </p:sp>
+      </p:pic>
     </p:spTree>
     <p:extLst>
       <p:ext uri="{BB962C8B-B14F-4D97-AF65-F5344CB8AC3E}">

--- a/Docs/Presentation.pptx
+++ b/Docs/Presentation.pptx
@@ -33,9 +33,9 @@
     <p:sldId id="319" r:id="rId21"/>
     <p:sldId id="328" r:id="rId22"/>
     <p:sldId id="327" r:id="rId23"/>
-    <p:sldId id="300" r:id="rId24"/>
-    <p:sldId id="312" r:id="rId25"/>
-    <p:sldId id="303" r:id="rId26"/>
+    <p:sldId id="329" r:id="rId24"/>
+    <p:sldId id="303" r:id="rId25"/>
+    <p:sldId id="312" r:id="rId26"/>
   </p:sldIdLst>
   <p:sldSz cx="9144000" cy="5143500" type="screen16x9"/>
   <p:notesSz cx="6858000" cy="9144000"/>
@@ -295,9 +295,9 @@
             <p14:sldId id="319"/>
             <p14:sldId id="328"/>
             <p14:sldId id="327"/>
-            <p14:sldId id="300"/>
+            <p14:sldId id="329"/>
+            <p14:sldId id="303"/>
             <p14:sldId id="312"/>
-            <p14:sldId id="303"/>
           </p14:sldIdLst>
         </p14:section>
       </p14:sectionLst>
@@ -7645,7 +7645,7 @@
           <a:p>
             <a:fld id="{28AE051E-4971-4F36-901C-869D0DCBC810}" type="datetimeFigureOut">
               <a:rPr lang="pt-PT" smtClean="0"/>
-              <a:t>30/06/2025</a:t>
+              <a:t>07/07/2025</a:t>
             </a:fld>
             <a:endParaRPr lang="pt-PT"/>
           </a:p>
@@ -8232,7 +8232,49 @@
           <a:bodyPr/>
           <a:lstStyle/>
           <a:p>
-            <a:endParaRPr lang="pt-PT"/>
+            <a:pPr marL="158750" indent="0">
+              <a:buNone/>
+            </a:pPr>
+            <a:r>
+              <a:rPr lang="pt-PT" sz="1050" b="0" i="0" u="none" strike="noStrike" cap="none" dirty="0">
+                <a:solidFill>
+                  <a:srgbClr val="000000"/>
+                </a:solidFill>
+                <a:effectLst/>
+                <a:latin typeface="Arial"/>
+                <a:ea typeface="Arial"/>
+                <a:cs typeface="Arial"/>
+                <a:sym typeface="Arial"/>
+              </a:rPr>
+              <a:t>MCTS combinado com HC e </a:t>
+            </a:r>
+            <a:r>
+              <a:rPr lang="pt-PT" sz="1050" b="0" i="0" u="none" strike="noStrike" cap="none" dirty="0" err="1">
+                <a:solidFill>
+                  <a:srgbClr val="000000"/>
+                </a:solidFill>
+                <a:effectLst/>
+                <a:latin typeface="Arial"/>
+                <a:ea typeface="Arial"/>
+                <a:cs typeface="Arial"/>
+                <a:sym typeface="Arial"/>
+              </a:rPr>
+              <a:t>Diving</a:t>
+            </a:r>
+            <a:r>
+              <a:rPr lang="pt-PT" sz="1050" b="0" i="0" u="none" strike="noStrike" cap="none" dirty="0">
+                <a:solidFill>
+                  <a:srgbClr val="000000"/>
+                </a:solidFill>
+                <a:effectLst/>
+                <a:latin typeface="Arial"/>
+                <a:ea typeface="Arial"/>
+                <a:cs typeface="Arial"/>
+                <a:sym typeface="Arial"/>
+              </a:rPr>
+              <a:t> para o problema de alocação de horários universitários. </a:t>
+            </a:r>
+            <a:endParaRPr lang="pt-PT" sz="1050" dirty="0"/>
           </a:p>
         </p:txBody>
       </p:sp>
@@ -8240,6 +8282,605 @@
     <p:extLst>
       <p:ext uri="{BB962C8B-B14F-4D97-AF65-F5344CB8AC3E}">
         <p14:creationId xmlns:p14="http://schemas.microsoft.com/office/powerpoint/2010/main" val="3108157167"/>
+      </p:ext>
+    </p:extLst>
+  </p:cSld>
+  <p:clrMapOvr>
+    <a:masterClrMapping/>
+  </p:clrMapOvr>
+</p:notes>
+</file>
+
+<file path=ppt/notesSlides/notesSlide10.xml><?xml version="1.0" encoding="utf-8"?>
+<p:notes xmlns:a="http://schemas.openxmlformats.org/drawingml/2006/main" xmlns:r="http://schemas.openxmlformats.org/officeDocument/2006/relationships" xmlns:p="http://schemas.openxmlformats.org/presentationml/2006/main">
+  <p:cSld>
+    <p:spTree>
+      <p:nvGrpSpPr>
+        <p:cNvPr id="1" name=""/>
+        <p:cNvGrpSpPr/>
+        <p:nvPr/>
+      </p:nvGrpSpPr>
+      <p:grpSpPr>
+        <a:xfrm>
+          <a:off x="0" y="0"/>
+          <a:ext cx="0" cy="0"/>
+          <a:chOff x="0" y="0"/>
+          <a:chExt cx="0" cy="0"/>
+        </a:xfrm>
+      </p:grpSpPr>
+      <p:sp>
+        <p:nvSpPr>
+          <p:cNvPr id="2" name="Slide Image Placeholder 1"/>
+          <p:cNvSpPr>
+            <a:spLocks noGrp="1" noRot="1" noChangeAspect="1"/>
+          </p:cNvSpPr>
+          <p:nvPr>
+            <p:ph type="sldImg"/>
+          </p:nvPr>
+        </p:nvSpPr>
+        <p:spPr>
+          <a:xfrm>
+            <a:off x="381000" y="685800"/>
+            <a:ext cx="6096000" cy="3429000"/>
+          </a:xfrm>
+        </p:spPr>
+      </p:sp>
+      <p:sp>
+        <p:nvSpPr>
+          <p:cNvPr id="3" name="Notes Placeholder 2"/>
+          <p:cNvSpPr>
+            <a:spLocks noGrp="1"/>
+          </p:cNvSpPr>
+          <p:nvPr>
+            <p:ph type="body" idx="1"/>
+          </p:nvPr>
+        </p:nvSpPr>
+        <p:spPr/>
+        <p:txBody>
+          <a:bodyPr/>
+          <a:lstStyle/>
+          <a:p>
+            <a:pPr marL="158750" indent="0">
+              <a:buNone/>
+            </a:pPr>
+            <a:r>
+              <a:rPr lang="pt-PT" dirty="0"/>
+              <a:t>Temos então alocados já alguns eventos da raiz até à folha. Selecionamos um evento que não está alocado na árvore, alocamos todos os períodos e salas e avaliamos quanto a restrições hard e soft.</a:t>
+            </a:r>
+          </a:p>
+        </p:txBody>
+      </p:sp>
+    </p:spTree>
+    <p:extLst>
+      <p:ext uri="{BB962C8B-B14F-4D97-AF65-F5344CB8AC3E}">
+        <p14:creationId xmlns:p14="http://schemas.microsoft.com/office/powerpoint/2010/main" val="913468340"/>
+      </p:ext>
+    </p:extLst>
+  </p:cSld>
+  <p:clrMapOvr>
+    <a:masterClrMapping/>
+  </p:clrMapOvr>
+</p:notes>
+</file>
+
+<file path=ppt/notesSlides/notesSlide11.xml><?xml version="1.0" encoding="utf-8"?>
+<p:notes xmlns:a="http://schemas.openxmlformats.org/drawingml/2006/main" xmlns:r="http://schemas.openxmlformats.org/officeDocument/2006/relationships" xmlns:p="http://schemas.openxmlformats.org/presentationml/2006/main">
+  <p:cSld>
+    <p:spTree>
+      <p:nvGrpSpPr>
+        <p:cNvPr id="1" name=""/>
+        <p:cNvGrpSpPr/>
+        <p:nvPr/>
+      </p:nvGrpSpPr>
+      <p:grpSpPr>
+        <a:xfrm>
+          <a:off x="0" y="0"/>
+          <a:ext cx="0" cy="0"/>
+          <a:chOff x="0" y="0"/>
+          <a:chExt cx="0" cy="0"/>
+        </a:xfrm>
+      </p:grpSpPr>
+      <p:sp>
+        <p:nvSpPr>
+          <p:cNvPr id="2" name="Slide Image Placeholder 1"/>
+          <p:cNvSpPr>
+            <a:spLocks noGrp="1" noRot="1" noChangeAspect="1"/>
+          </p:cNvSpPr>
+          <p:nvPr>
+            <p:ph type="sldImg"/>
+          </p:nvPr>
+        </p:nvSpPr>
+        <p:spPr>
+          <a:xfrm>
+            <a:off x="381000" y="685800"/>
+            <a:ext cx="6096000" cy="3429000"/>
+          </a:xfrm>
+        </p:spPr>
+      </p:sp>
+      <p:sp>
+        <p:nvSpPr>
+          <p:cNvPr id="3" name="Notes Placeholder 2"/>
+          <p:cNvSpPr>
+            <a:spLocks noGrp="1"/>
+          </p:cNvSpPr>
+          <p:nvPr>
+            <p:ph type="body" idx="1"/>
+          </p:nvPr>
+        </p:nvSpPr>
+        <p:spPr/>
+        <p:txBody>
+          <a:bodyPr/>
+          <a:lstStyle/>
+          <a:p>
+            <a:pPr marL="158750" indent="0">
+              <a:buNone/>
+            </a:pPr>
+            <a:r>
+              <a:rPr lang="pt-PT" dirty="0"/>
+              <a:t>Quando encontramos uma solução de uma simulação que parece promissora, vamos mais em profundidade nesse caminho, expandindo cada vez mais para encontrar soluções vizinhas, em vez de começarmos sempre de novo. </a:t>
+            </a:r>
+          </a:p>
+          <a:p>
+            <a:pPr marL="158750" indent="0">
+              <a:buNone/>
+            </a:pPr>
+            <a:endParaRPr lang="pt-PT" dirty="0"/>
+          </a:p>
+          <a:p>
+            <a:pPr marL="158750" indent="0">
+              <a:buNone/>
+            </a:pPr>
+            <a:r>
+              <a:rPr lang="pt-PT" dirty="0"/>
+              <a:t>Para isto é usada uma fila. Sempre que o MCTS faz uma simulação e encontra uma </a:t>
+            </a:r>
+            <a:r>
+              <a:rPr lang="pt-PT" b="0" dirty="0"/>
+              <a:t>solução promissora</a:t>
+            </a:r>
+            <a:r>
+              <a:rPr lang="pt-PT" dirty="0"/>
+              <a:t>, a informação do nó e dessa simulação é guardada na fila para ser explorada depois com mais profundidade.</a:t>
+            </a:r>
+          </a:p>
+          <a:p>
+            <a:pPr marL="158750" indent="0">
+              <a:buNone/>
+            </a:pPr>
+            <a:endParaRPr lang="pt-PT" dirty="0"/>
+          </a:p>
+          <a:p>
+            <a:pPr marL="158750" marR="0" lvl="0" indent="0" algn="l" defTabSz="914400" rtl="0" eaLnBrk="1" fontAlgn="auto" latinLnBrk="0" hangingPunct="1">
+              <a:lnSpc>
+                <a:spcPct val="100000"/>
+              </a:lnSpc>
+              <a:spcBef>
+                <a:spcPts val="0"/>
+              </a:spcBef>
+              <a:spcAft>
+                <a:spcPts val="0"/>
+              </a:spcAft>
+              <a:buClr>
+                <a:srgbClr val="000000"/>
+              </a:buClr>
+              <a:buSzPts val="1100"/>
+              <a:buFont typeface="Arial"/>
+              <a:buNone/>
+              <a:tabLst/>
+              <a:defRPr/>
+            </a:pPr>
+            <a:r>
+              <a:rPr lang="pt-PT" dirty="0"/>
+              <a:t>Isto ajuda o algoritmo a concentrar-se em áreas de elevado potencial do espaço de pesquisa e a encontrar melhores soluções mais rapidamente.</a:t>
+            </a:r>
+          </a:p>
+        </p:txBody>
+      </p:sp>
+    </p:spTree>
+    <p:extLst>
+      <p:ext uri="{BB962C8B-B14F-4D97-AF65-F5344CB8AC3E}">
+        <p14:creationId xmlns:p14="http://schemas.microsoft.com/office/powerpoint/2010/main" val="4086451601"/>
+      </p:ext>
+    </p:extLst>
+  </p:cSld>
+  <p:clrMapOvr>
+    <a:masterClrMapping/>
+  </p:clrMapOvr>
+</p:notes>
+</file>
+
+<file path=ppt/notesSlides/notesSlide12.xml><?xml version="1.0" encoding="utf-8"?>
+<p:notes xmlns:a="http://schemas.openxmlformats.org/drawingml/2006/main" xmlns:r="http://schemas.openxmlformats.org/officeDocument/2006/relationships" xmlns:p="http://schemas.openxmlformats.org/presentationml/2006/main">
+  <p:cSld>
+    <p:spTree>
+      <p:nvGrpSpPr>
+        <p:cNvPr id="1" name=""/>
+        <p:cNvGrpSpPr/>
+        <p:nvPr/>
+      </p:nvGrpSpPr>
+      <p:grpSpPr>
+        <a:xfrm>
+          <a:off x="0" y="0"/>
+          <a:ext cx="0" cy="0"/>
+          <a:chOff x="0" y="0"/>
+          <a:chExt cx="0" cy="0"/>
+        </a:xfrm>
+      </p:grpSpPr>
+      <p:sp>
+        <p:nvSpPr>
+          <p:cNvPr id="2" name="Slide Image Placeholder 1"/>
+          <p:cNvSpPr>
+            <a:spLocks noGrp="1" noRot="1" noChangeAspect="1"/>
+          </p:cNvSpPr>
+          <p:nvPr>
+            <p:ph type="sldImg"/>
+          </p:nvPr>
+        </p:nvSpPr>
+        <p:spPr>
+          <a:xfrm>
+            <a:off x="381000" y="685800"/>
+            <a:ext cx="6096000" cy="3429000"/>
+          </a:xfrm>
+        </p:spPr>
+      </p:sp>
+      <p:sp>
+        <p:nvSpPr>
+          <p:cNvPr id="3" name="Notes Placeholder 2"/>
+          <p:cNvSpPr>
+            <a:spLocks noGrp="1"/>
+          </p:cNvSpPr>
+          <p:nvPr>
+            <p:ph type="body" idx="1"/>
+          </p:nvPr>
+        </p:nvSpPr>
+        <p:spPr/>
+        <p:txBody>
+          <a:bodyPr/>
+          <a:lstStyle/>
+          <a:p>
+            <a:pPr marL="158750" indent="0">
+              <a:buNone/>
+            </a:pPr>
+            <a:r>
+              <a:rPr lang="pt-PT" dirty="0"/>
+              <a:t>A técnica de </a:t>
+            </a:r>
+            <a:r>
+              <a:rPr lang="pt-PT" dirty="0" err="1"/>
+              <a:t>pruning</a:t>
+            </a:r>
+            <a:r>
+              <a:rPr lang="pt-PT" dirty="0"/>
+              <a:t> eliminou ramos fixos da árvore com penalizações hard, o que acabou por evitar simulações desnecessárias. Contudo, hard </a:t>
+            </a:r>
+            <a:r>
+              <a:rPr lang="pt-PT" dirty="0" err="1"/>
+              <a:t>constraints</a:t>
+            </a:r>
+            <a:r>
+              <a:rPr lang="pt-PT" dirty="0"/>
+              <a:t> podem continuar a existir nas simulações apesar de não ter acontecido neste caso, porque o </a:t>
+            </a:r>
+            <a:r>
+              <a:rPr lang="pt-PT" dirty="0" err="1"/>
+              <a:t>pruning</a:t>
+            </a:r>
+            <a:r>
+              <a:rPr lang="pt-PT" dirty="0"/>
+              <a:t> elimina só nós que iam ser expandidos.</a:t>
+            </a:r>
+          </a:p>
+        </p:txBody>
+      </p:sp>
+    </p:spTree>
+    <p:extLst>
+      <p:ext uri="{BB962C8B-B14F-4D97-AF65-F5344CB8AC3E}">
+        <p14:creationId xmlns:p14="http://schemas.microsoft.com/office/powerpoint/2010/main" val="378811645"/>
+      </p:ext>
+    </p:extLst>
+  </p:cSld>
+  <p:clrMapOvr>
+    <a:masterClrMapping/>
+  </p:clrMapOvr>
+</p:notes>
+</file>
+
+<file path=ppt/notesSlides/notesSlide13.xml><?xml version="1.0" encoding="utf-8"?>
+<p:notes xmlns:a="http://schemas.openxmlformats.org/drawingml/2006/main" xmlns:r="http://schemas.openxmlformats.org/officeDocument/2006/relationships" xmlns:p="http://schemas.openxmlformats.org/presentationml/2006/main">
+  <p:cSld>
+    <p:spTree>
+      <p:nvGrpSpPr>
+        <p:cNvPr id="1" name=""/>
+        <p:cNvGrpSpPr/>
+        <p:nvPr/>
+      </p:nvGrpSpPr>
+      <p:grpSpPr>
+        <a:xfrm>
+          <a:off x="0" y="0"/>
+          <a:ext cx="0" cy="0"/>
+          <a:chOff x="0" y="0"/>
+          <a:chExt cx="0" cy="0"/>
+        </a:xfrm>
+      </p:grpSpPr>
+      <p:sp>
+        <p:nvSpPr>
+          <p:cNvPr id="2" name="Slide Image Placeholder 1"/>
+          <p:cNvSpPr>
+            <a:spLocks noGrp="1" noRot="1" noChangeAspect="1"/>
+          </p:cNvSpPr>
+          <p:nvPr>
+            <p:ph type="sldImg"/>
+          </p:nvPr>
+        </p:nvSpPr>
+        <p:spPr>
+          <a:xfrm>
+            <a:off x="381000" y="685800"/>
+            <a:ext cx="6096000" cy="3429000"/>
+          </a:xfrm>
+        </p:spPr>
+      </p:sp>
+      <p:sp>
+        <p:nvSpPr>
+          <p:cNvPr id="3" name="Notes Placeholder 2"/>
+          <p:cNvSpPr>
+            <a:spLocks noGrp="1"/>
+          </p:cNvSpPr>
+          <p:nvPr>
+            <p:ph type="body" idx="1"/>
+          </p:nvPr>
+        </p:nvSpPr>
+        <p:spPr/>
+        <p:txBody>
+          <a:bodyPr/>
+          <a:lstStyle/>
+          <a:p>
+            <a:pPr marL="158750" indent="0">
+              <a:buNone/>
+            </a:pPr>
+            <a:r>
+              <a:rPr lang="en-US" dirty="0"/>
+              <a:t>Em ambos, o </a:t>
+            </a:r>
+            <a:r>
+              <a:rPr lang="en-US" dirty="0" err="1"/>
+              <a:t>algoritmo</a:t>
+            </a:r>
+            <a:r>
+              <a:rPr lang="en-US" dirty="0"/>
+              <a:t> </a:t>
+            </a:r>
+            <a:r>
+              <a:rPr lang="en-US" dirty="0" err="1"/>
+              <a:t>eventualmente</a:t>
+            </a:r>
+            <a:r>
+              <a:rPr lang="en-US" dirty="0"/>
+              <a:t> </a:t>
+            </a:r>
+            <a:r>
+              <a:rPr lang="en-US" dirty="0" err="1"/>
+              <a:t>fica</a:t>
+            </a:r>
+            <a:r>
+              <a:rPr lang="en-US" dirty="0"/>
+              <a:t> </a:t>
+            </a:r>
+            <a:r>
+              <a:rPr lang="en-US" dirty="0" err="1"/>
+              <a:t>estagnado</a:t>
+            </a:r>
+            <a:r>
+              <a:rPr lang="en-US" dirty="0"/>
+              <a:t>, mas com a </a:t>
+            </a:r>
+            <a:r>
+              <a:rPr lang="en-US" dirty="0" err="1"/>
+              <a:t>estratégia</a:t>
+            </a:r>
+            <a:r>
+              <a:rPr lang="en-US" dirty="0"/>
+              <a:t> de diving, as soft constraints </a:t>
+            </a:r>
+            <a:r>
+              <a:rPr lang="en-US" dirty="0" err="1"/>
+              <a:t>em</a:t>
+            </a:r>
+            <a:r>
+              <a:rPr lang="en-US" dirty="0"/>
+              <a:t> </a:t>
+            </a:r>
+            <a:r>
+              <a:rPr lang="en-US" dirty="0" err="1"/>
+              <a:t>cada</a:t>
+            </a:r>
+            <a:r>
+              <a:rPr lang="en-US" dirty="0"/>
+              <a:t> </a:t>
+            </a:r>
+            <a:r>
+              <a:rPr lang="en-US" dirty="0" err="1"/>
+              <a:t>iteração</a:t>
+            </a:r>
+            <a:r>
+              <a:rPr lang="en-US" dirty="0"/>
+              <a:t> </a:t>
+            </a:r>
+            <a:r>
+              <a:rPr lang="en-US" dirty="0" err="1"/>
+              <a:t>tendem</a:t>
+            </a:r>
+            <a:r>
+              <a:rPr lang="en-US" dirty="0"/>
+              <a:t> a </a:t>
+            </a:r>
+            <a:r>
+              <a:rPr lang="en-US" dirty="0" err="1"/>
+              <a:t>ficar</a:t>
+            </a:r>
+            <a:r>
+              <a:rPr lang="en-US" dirty="0"/>
+              <a:t>  </a:t>
+            </a:r>
+            <a:r>
+              <a:rPr lang="en-US" dirty="0" err="1"/>
+              <a:t>mais</a:t>
+            </a:r>
+            <a:r>
+              <a:rPr lang="en-US" dirty="0"/>
+              <a:t> </a:t>
+            </a:r>
+            <a:r>
+              <a:rPr lang="en-US" dirty="0" err="1"/>
+              <a:t>perto</a:t>
+            </a:r>
+            <a:r>
+              <a:rPr lang="en-US" dirty="0"/>
+              <a:t> da </a:t>
+            </a:r>
+            <a:r>
+              <a:rPr lang="en-US" dirty="0" err="1"/>
+              <a:t>melhor</a:t>
+            </a:r>
+            <a:r>
+              <a:rPr lang="en-US" dirty="0"/>
+              <a:t> </a:t>
+            </a:r>
+            <a:r>
+              <a:rPr lang="en-US" dirty="0" err="1"/>
+              <a:t>solução</a:t>
+            </a:r>
+            <a:r>
+              <a:rPr lang="en-US" dirty="0"/>
+              <a:t> </a:t>
+            </a:r>
+            <a:r>
+              <a:rPr lang="en-US" dirty="0" err="1"/>
+              <a:t>encontrada</a:t>
+            </a:r>
+            <a:r>
+              <a:rPr lang="en-US" dirty="0"/>
+              <a:t>, </a:t>
+            </a:r>
+            <a:r>
+              <a:rPr lang="en-US" dirty="0" err="1"/>
+              <a:t>mostrando</a:t>
+            </a:r>
+            <a:r>
+              <a:rPr lang="en-US" dirty="0"/>
+              <a:t> </a:t>
+            </a:r>
+            <a:r>
+              <a:rPr lang="en-US" dirty="0" err="1"/>
+              <a:t>uma</a:t>
+            </a:r>
+            <a:r>
+              <a:rPr lang="en-US" dirty="0"/>
+              <a:t> </a:t>
+            </a:r>
+            <a:r>
+              <a:rPr lang="en-US" dirty="0" err="1"/>
+              <a:t>trajetória</a:t>
+            </a:r>
+            <a:r>
+              <a:rPr lang="en-US" dirty="0"/>
+              <a:t> </a:t>
+            </a:r>
+            <a:r>
+              <a:rPr lang="en-US" dirty="0" err="1"/>
+              <a:t>mais</a:t>
+            </a:r>
+            <a:r>
+              <a:rPr lang="en-US" dirty="0"/>
+              <a:t> </a:t>
+            </a:r>
+            <a:r>
+              <a:rPr lang="en-US" dirty="0" err="1"/>
+              <a:t>focada</a:t>
+            </a:r>
+            <a:r>
+              <a:rPr lang="en-US" dirty="0"/>
+              <a:t>.</a:t>
+            </a:r>
+            <a:endParaRPr lang="pt-PT" dirty="0"/>
+          </a:p>
+        </p:txBody>
+      </p:sp>
+    </p:spTree>
+    <p:extLst>
+      <p:ext uri="{BB962C8B-B14F-4D97-AF65-F5344CB8AC3E}">
+        <p14:creationId xmlns:p14="http://schemas.microsoft.com/office/powerpoint/2010/main" val="2586225382"/>
+      </p:ext>
+    </p:extLst>
+  </p:cSld>
+  <p:clrMapOvr>
+    <a:masterClrMapping/>
+  </p:clrMapOvr>
+</p:notes>
+</file>
+
+<file path=ppt/notesSlides/notesSlide14.xml><?xml version="1.0" encoding="utf-8"?>
+<p:notes xmlns:a="http://schemas.openxmlformats.org/drawingml/2006/main" xmlns:r="http://schemas.openxmlformats.org/officeDocument/2006/relationships" xmlns:p="http://schemas.openxmlformats.org/presentationml/2006/main">
+  <p:cSld>
+    <p:spTree>
+      <p:nvGrpSpPr>
+        <p:cNvPr id="1" name=""/>
+        <p:cNvGrpSpPr/>
+        <p:nvPr/>
+      </p:nvGrpSpPr>
+      <p:grpSpPr>
+        <a:xfrm>
+          <a:off x="0" y="0"/>
+          <a:ext cx="0" cy="0"/>
+          <a:chOff x="0" y="0"/>
+          <a:chExt cx="0" cy="0"/>
+        </a:xfrm>
+      </p:grpSpPr>
+      <p:sp>
+        <p:nvSpPr>
+          <p:cNvPr id="2" name="Slide Image Placeholder 1"/>
+          <p:cNvSpPr>
+            <a:spLocks noGrp="1" noRot="1" noChangeAspect="1"/>
+          </p:cNvSpPr>
+          <p:nvPr>
+            <p:ph type="sldImg"/>
+          </p:nvPr>
+        </p:nvSpPr>
+        <p:spPr>
+          <a:xfrm>
+            <a:off x="381000" y="685800"/>
+            <a:ext cx="6096000" cy="3429000"/>
+          </a:xfrm>
+        </p:spPr>
+      </p:sp>
+      <p:sp>
+        <p:nvSpPr>
+          <p:cNvPr id="3" name="Notes Placeholder 2"/>
+          <p:cNvSpPr>
+            <a:spLocks noGrp="1"/>
+          </p:cNvSpPr>
+          <p:nvPr>
+            <p:ph type="body" idx="1"/>
+          </p:nvPr>
+        </p:nvSpPr>
+        <p:spPr/>
+        <p:txBody>
+          <a:bodyPr/>
+          <a:lstStyle/>
+          <a:p>
+            <a:pPr marL="158750" indent="0">
+              <a:buNone/>
+            </a:pPr>
+            <a:r>
+              <a:rPr lang="pt-PT" dirty="0"/>
+              <a:t>Esta dissertação apresenta uma nova forma de aplicar MCTS ao problema de horários universitários. Os resultados não foram os esperados mas mostram que, com mais ajustes – como melhorias de performance ou integração com outras heurísticas – esta abordagem pode evoluir.</a:t>
+            </a:r>
+          </a:p>
+        </p:txBody>
+      </p:sp>
+    </p:spTree>
+    <p:extLst>
+      <p:ext uri="{BB962C8B-B14F-4D97-AF65-F5344CB8AC3E}">
+        <p14:creationId xmlns:p14="http://schemas.microsoft.com/office/powerpoint/2010/main" val="727372494"/>
       </p:ext>
     </p:extLst>
   </p:cSld>
@@ -8316,7 +8957,10 @@
           <a:bodyPr/>
           <a:lstStyle/>
           <a:p>
-            <a:endParaRPr lang="pt-PT"/>
+            <a:pPr marL="158750" indent="0">
+              <a:buNone/>
+            </a:pPr>
+            <a:endParaRPr lang="pt-PT" dirty="0"/>
           </a:p>
         </p:txBody>
       </p:sp>
@@ -8382,7 +9026,7 @@
           <a:bodyPr/>
           <a:lstStyle/>
           <a:p>
-            <a:endParaRPr lang="pt-PT"/>
+            <a:endParaRPr lang="pt-PT" dirty="0"/>
           </a:p>
         </p:txBody>
       </p:sp>
@@ -8561,7 +9205,52 @@
                 <a:cs typeface="Archivo"/>
                 <a:sym typeface="Archivo"/>
               </a:rPr>
-              <a:t>Since 2002, PATAT has supported timetabling competitions to promote research.</a:t>
+              <a:t>Since 2002</a:t>
+            </a:r>
+          </a:p>
+          <a:p>
+            <a:pPr marL="158750" marR="0" lvl="0" indent="0" algn="l" defTabSz="914400" rtl="0" eaLnBrk="1" fontAlgn="auto" latinLnBrk="0" hangingPunct="1">
+              <a:lnSpc>
+                <a:spcPct val="100000"/>
+              </a:lnSpc>
+              <a:spcBef>
+                <a:spcPts val="0"/>
+              </a:spcBef>
+              <a:spcAft>
+                <a:spcPts val="0"/>
+              </a:spcAft>
+              <a:buClr>
+                <a:srgbClr val="000000"/>
+              </a:buClr>
+              <a:buSzPts val="1100"/>
+              <a:buFont typeface="Arial"/>
+              <a:buNone/>
+              <a:tabLst/>
+              <a:defRPr/>
+            </a:pPr>
+            <a:r>
+              <a:rPr lang="en-US" sz="900" b="1" dirty="0">
+                <a:solidFill>
+                  <a:schemeClr val="dk1"/>
+                </a:solidFill>
+                <a:latin typeface="Archivo"/>
+                <a:ea typeface="Archivo"/>
+                <a:cs typeface="Archivo"/>
+                <a:sym typeface="Archivo"/>
+              </a:rPr>
+              <a:t>Five editions</a:t>
+            </a:r>
+            <a:r>
+              <a:rPr lang="en-US" sz="900" dirty="0">
+                <a:solidFill>
+                  <a:schemeClr val="dk1"/>
+                </a:solidFill>
+                <a:latin typeface="Archivo"/>
+                <a:ea typeface="Archivo"/>
+                <a:cs typeface="Archivo"/>
+                <a:sym typeface="Archivo"/>
+              </a:rPr>
+              <a:t> of the ITC have been held, three focusing on university timetabling.</a:t>
             </a:r>
           </a:p>
         </p:txBody>
@@ -8580,6 +9269,103 @@
 </file>
 
 <file path=ppt/notesSlides/notesSlide6.xml><?xml version="1.0" encoding="utf-8"?>
+<p:notes xmlns:a="http://schemas.openxmlformats.org/drawingml/2006/main" xmlns:r="http://schemas.openxmlformats.org/officeDocument/2006/relationships" xmlns:p="http://schemas.openxmlformats.org/presentationml/2006/main">
+  <p:cSld>
+    <p:spTree>
+      <p:nvGrpSpPr>
+        <p:cNvPr id="1" name=""/>
+        <p:cNvGrpSpPr/>
+        <p:nvPr/>
+      </p:nvGrpSpPr>
+      <p:grpSpPr>
+        <a:xfrm>
+          <a:off x="0" y="0"/>
+          <a:ext cx="0" cy="0"/>
+          <a:chOff x="0" y="0"/>
+          <a:chExt cx="0" cy="0"/>
+        </a:xfrm>
+      </p:grpSpPr>
+      <p:sp>
+        <p:nvSpPr>
+          <p:cNvPr id="2" name="Slide Image Placeholder 1"/>
+          <p:cNvSpPr>
+            <a:spLocks noGrp="1" noRot="1" noChangeAspect="1"/>
+          </p:cNvSpPr>
+          <p:nvPr>
+            <p:ph type="sldImg"/>
+          </p:nvPr>
+        </p:nvSpPr>
+        <p:spPr>
+          <a:xfrm>
+            <a:off x="381000" y="685800"/>
+            <a:ext cx="6096000" cy="3429000"/>
+          </a:xfrm>
+        </p:spPr>
+      </p:sp>
+      <p:sp>
+        <p:nvSpPr>
+          <p:cNvPr id="3" name="Notes Placeholder 2"/>
+          <p:cNvSpPr>
+            <a:spLocks noGrp="1"/>
+          </p:cNvSpPr>
+          <p:nvPr>
+            <p:ph type="body" idx="1"/>
+          </p:nvPr>
+        </p:nvSpPr>
+        <p:spPr/>
+        <p:txBody>
+          <a:bodyPr/>
+          <a:lstStyle/>
+          <a:p>
+            <a:pPr marL="158750" indent="0">
+              <a:buNone/>
+            </a:pPr>
+            <a:r>
+              <a:rPr lang="pt-PT" dirty="0" err="1"/>
+              <a:t>Aheuristic</a:t>
+            </a:r>
+            <a:r>
+              <a:rPr lang="pt-PT" dirty="0"/>
+              <a:t>, </a:t>
+            </a:r>
+            <a:r>
+              <a:rPr lang="pt-PT" dirty="0" err="1"/>
+              <a:t>Anytime</a:t>
+            </a:r>
+            <a:r>
+              <a:rPr lang="pt-PT" dirty="0"/>
+              <a:t>, </a:t>
+            </a:r>
+          </a:p>
+          <a:p>
+            <a:pPr marL="158750" indent="0">
+              <a:buNone/>
+            </a:pPr>
+            <a:r>
+              <a:rPr lang="pt-PT" dirty="0" err="1"/>
+              <a:t>Asymmetric</a:t>
+            </a:r>
+            <a:r>
+              <a:rPr lang="pt-PT" dirty="0"/>
+              <a:t> - A árvore construída depende da maneira como os nós são selecionados. </a:t>
+            </a:r>
+          </a:p>
+        </p:txBody>
+      </p:sp>
+    </p:spTree>
+    <p:extLst>
+      <p:ext uri="{BB962C8B-B14F-4D97-AF65-F5344CB8AC3E}">
+        <p14:creationId xmlns:p14="http://schemas.microsoft.com/office/powerpoint/2010/main" val="1895527295"/>
+      </p:ext>
+    </p:extLst>
+  </p:cSld>
+  <p:clrMapOvr>
+    <a:masterClrMapping/>
+  </p:clrMapOvr>
+</p:notes>
+</file>
+
+<file path=ppt/notesSlides/notesSlide7.xml><?xml version="1.0" encoding="utf-8"?>
 <p:notes xmlns:a="http://schemas.openxmlformats.org/drawingml/2006/main" xmlns:r="http://schemas.openxmlformats.org/officeDocument/2006/relationships" xmlns:p="http://schemas.openxmlformats.org/presentationml/2006/main">
   <p:cSld>
     <p:spTree>
@@ -8663,7 +9449,7 @@
 </p:notes>
 </file>
 
-<file path=ppt/notesSlides/notesSlide7.xml><?xml version="1.0" encoding="utf-8"?>
+<file path=ppt/notesSlides/notesSlide8.xml><?xml version="1.0" encoding="utf-8"?>
 <p:notes xmlns:a="http://schemas.openxmlformats.org/drawingml/2006/main" xmlns:r="http://schemas.openxmlformats.org/officeDocument/2006/relationships" xmlns:p="http://schemas.openxmlformats.org/presentationml/2006/main">
   <p:cSld>
     <p:spTree>
@@ -8730,7 +9516,13 @@
           <a:bodyPr/>
           <a:lstStyle/>
           <a:p>
-            <a:endParaRPr lang="pt-PT"/>
+            <a:pPr marL="158750" indent="0">
+              <a:buNone/>
+            </a:pPr>
+            <a:r>
+              <a:rPr lang="pt-PT" dirty="0"/>
+              <a:t>Uma disciplina dada mais do que uma vez por semana tem de ser espalhada por um mínimo de dias</a:t>
+            </a:r>
           </a:p>
         </p:txBody>
       </p:sp>
@@ -8738,6 +9530,78 @@
     <p:extLst>
       <p:ext uri="{BB962C8B-B14F-4D97-AF65-F5344CB8AC3E}">
         <p14:creationId xmlns:p14="http://schemas.microsoft.com/office/powerpoint/2010/main" val="3570934248"/>
+      </p:ext>
+    </p:extLst>
+  </p:cSld>
+  <p:clrMapOvr>
+    <a:masterClrMapping/>
+  </p:clrMapOvr>
+</p:notes>
+</file>
+
+<file path=ppt/notesSlides/notesSlide9.xml><?xml version="1.0" encoding="utf-8"?>
+<p:notes xmlns:a="http://schemas.openxmlformats.org/drawingml/2006/main" xmlns:r="http://schemas.openxmlformats.org/officeDocument/2006/relationships" xmlns:p="http://schemas.openxmlformats.org/presentationml/2006/main">
+  <p:cSld>
+    <p:spTree>
+      <p:nvGrpSpPr>
+        <p:cNvPr id="1" name=""/>
+        <p:cNvGrpSpPr/>
+        <p:nvPr/>
+      </p:nvGrpSpPr>
+      <p:grpSpPr>
+        <a:xfrm>
+          <a:off x="0" y="0"/>
+          <a:ext cx="0" cy="0"/>
+          <a:chOff x="0" y="0"/>
+          <a:chExt cx="0" cy="0"/>
+        </a:xfrm>
+      </p:grpSpPr>
+      <p:sp>
+        <p:nvSpPr>
+          <p:cNvPr id="2" name="Slide Image Placeholder 1"/>
+          <p:cNvSpPr>
+            <a:spLocks noGrp="1" noRot="1" noChangeAspect="1"/>
+          </p:cNvSpPr>
+          <p:nvPr>
+            <p:ph type="sldImg"/>
+          </p:nvPr>
+        </p:nvSpPr>
+        <p:spPr>
+          <a:xfrm>
+            <a:off x="381000" y="685800"/>
+            <a:ext cx="6096000" cy="3429000"/>
+          </a:xfrm>
+        </p:spPr>
+      </p:sp>
+      <p:sp>
+        <p:nvSpPr>
+          <p:cNvPr id="3" name="Notes Placeholder 2"/>
+          <p:cNvSpPr>
+            <a:spLocks noGrp="1"/>
+          </p:cNvSpPr>
+          <p:nvPr>
+            <p:ph type="body" idx="1"/>
+          </p:nvPr>
+        </p:nvSpPr>
+        <p:spPr/>
+        <p:txBody>
+          <a:bodyPr/>
+          <a:lstStyle/>
+          <a:p>
+            <a:pPr marL="158750" indent="0">
+              <a:buNone/>
+            </a:pPr>
+            <a:r>
+              <a:rPr lang="pt-PT" dirty="0"/>
+              <a:t>Aceitamos restrições hard se não tiver sido encontrada nenhuma solução válida até ao momento. Guardamos um valor global para ver qual a melhor solução hard encontrada.</a:t>
+            </a:r>
+          </a:p>
+        </p:txBody>
+      </p:sp>
+    </p:spTree>
+    <p:extLst>
+      <p:ext uri="{BB962C8B-B14F-4D97-AF65-F5344CB8AC3E}">
+        <p14:creationId xmlns:p14="http://schemas.microsoft.com/office/powerpoint/2010/main" val="763268634"/>
       </p:ext>
     </p:extLst>
   </p:cSld>
@@ -12654,7 +13518,7 @@
         <p:spPr>
           <a:xfrm>
             <a:off x="720000" y="1395928"/>
-            <a:ext cx="4148354" cy="3339376"/>
+            <a:ext cx="4148354" cy="3370153"/>
           </a:xfrm>
           <a:prstGeom prst="rect">
             <a:avLst/>
@@ -12673,7 +13537,7 @@
               </a:spcBef>
             </a:pPr>
             <a:r>
-              <a:rPr lang="en-US" sz="1200" b="1" i="0" dirty="0">
+              <a:rPr lang="en-US" b="1" i="0" dirty="0">
                 <a:solidFill>
                   <a:schemeClr val="tx1"/>
                 </a:solidFill>
@@ -12683,7 +13547,7 @@
               <a:t>Search space: </a:t>
             </a:r>
             <a:r>
-              <a:rPr lang="en-US" sz="1200" b="0" i="1" dirty="0">
+              <a:rPr lang="en-US" b="0" i="1" dirty="0">
                 <a:solidFill>
                   <a:schemeClr val="tx1"/>
                 </a:solidFill>
@@ -12693,7 +13557,7 @@
               <a:t>S = (E</a:t>
             </a:r>
             <a:r>
-              <a:rPr lang="en-US" sz="1200" b="0" i="0" dirty="0">
+              <a:rPr lang="en-US" b="0" i="0" dirty="0">
                 <a:solidFill>
                   <a:schemeClr val="tx1"/>
                 </a:solidFill>
@@ -12703,7 +13567,7 @@
               <a:t> x </a:t>
             </a:r>
             <a:r>
-              <a:rPr lang="en-US" sz="1200" i="1" dirty="0">
+              <a:rPr lang="en-US" i="1" dirty="0">
                 <a:solidFill>
                   <a:schemeClr val="tx1"/>
                 </a:solidFill>
@@ -12712,7 +13576,7 @@
               <a:t>P</a:t>
             </a:r>
             <a:r>
-              <a:rPr lang="en-US" sz="1200" b="0" i="0" dirty="0">
+              <a:rPr lang="en-US" b="0" i="0" dirty="0">
                 <a:solidFill>
                   <a:schemeClr val="tx1"/>
                 </a:solidFill>
@@ -12722,7 +13586,7 @@
               <a:t> x </a:t>
             </a:r>
             <a:r>
-              <a:rPr lang="en-US" sz="1200" b="0" i="1" dirty="0">
+              <a:rPr lang="en-US" b="0" i="1" dirty="0">
                 <a:solidFill>
                   <a:schemeClr val="tx1"/>
                 </a:solidFill>
@@ -12732,7 +13596,7 @@
               <a:t>R</a:t>
             </a:r>
             <a:r>
-              <a:rPr lang="en-US" sz="1200" b="0" i="0" dirty="0">
+              <a:rPr lang="en-US" b="0" i="0" dirty="0">
                 <a:solidFill>
                   <a:schemeClr val="tx1"/>
                 </a:solidFill>
@@ -12749,7 +13613,7 @@
               </a:spcBef>
             </a:pPr>
             <a:r>
-              <a:rPr lang="pt-PT" sz="1200" dirty="0" err="1">
+              <a:rPr lang="pt-PT" dirty="0" err="1">
                 <a:solidFill>
                   <a:schemeClr val="tx1"/>
                 </a:solidFill>
@@ -12757,7 +13621,7 @@
               </a:rPr>
               <a:t>where</a:t>
             </a:r>
-            <a:endParaRPr lang="pt-PT" sz="1200" dirty="0">
+            <a:endParaRPr lang="pt-PT" dirty="0">
               <a:solidFill>
                 <a:schemeClr val="tx1"/>
               </a:solidFill>
@@ -12773,7 +13637,7 @@
               <a:buChar char="•"/>
             </a:pPr>
             <a:r>
-              <a:rPr lang="pt-PT" sz="1200" b="1" i="1" dirty="0">
+              <a:rPr lang="pt-PT" b="1" i="1" dirty="0">
                 <a:solidFill>
                   <a:schemeClr val="tx1"/>
                 </a:solidFill>
@@ -12782,7 +13646,7 @@
               <a:t>E</a:t>
             </a:r>
             <a:r>
-              <a:rPr lang="pt-PT" sz="1200" dirty="0">
+              <a:rPr lang="pt-PT" dirty="0">
                 <a:solidFill>
                   <a:schemeClr val="tx1"/>
                 </a:solidFill>
@@ -12791,7 +13655,7 @@
               <a:t> </a:t>
             </a:r>
             <a:r>
-              <a:rPr lang="pt-PT" sz="1200" dirty="0" err="1">
+              <a:rPr lang="pt-PT" dirty="0" err="1">
                 <a:solidFill>
                   <a:schemeClr val="tx1"/>
                 </a:solidFill>
@@ -12800,7 +13664,7 @@
               <a:t>is</a:t>
             </a:r>
             <a:r>
-              <a:rPr lang="pt-PT" sz="1200" dirty="0">
+              <a:rPr lang="pt-PT" dirty="0">
                 <a:solidFill>
                   <a:schemeClr val="tx1"/>
                 </a:solidFill>
@@ -12809,7 +13673,7 @@
               <a:t> </a:t>
             </a:r>
             <a:r>
-              <a:rPr lang="pt-PT" sz="1200" dirty="0" err="1">
+              <a:rPr lang="pt-PT" dirty="0" err="1">
                 <a:solidFill>
                   <a:schemeClr val="tx1"/>
                 </a:solidFill>
@@ -12818,7 +13682,7 @@
               <a:t>the</a:t>
             </a:r>
             <a:r>
-              <a:rPr lang="pt-PT" sz="1200" dirty="0">
+              <a:rPr lang="pt-PT" dirty="0">
                 <a:solidFill>
                   <a:schemeClr val="tx1"/>
                 </a:solidFill>
@@ -12827,7 +13691,7 @@
               <a:t> set </a:t>
             </a:r>
             <a:r>
-              <a:rPr lang="pt-PT" sz="1200" dirty="0" err="1">
+              <a:rPr lang="pt-PT" dirty="0" err="1">
                 <a:solidFill>
                   <a:schemeClr val="tx1"/>
                 </a:solidFill>
@@ -12836,7 +13700,7 @@
               <a:t>of</a:t>
             </a:r>
             <a:r>
-              <a:rPr lang="pt-PT" sz="1200" dirty="0">
+              <a:rPr lang="pt-PT" dirty="0">
                 <a:solidFill>
                   <a:schemeClr val="tx1"/>
                 </a:solidFill>
@@ -12845,7 +13709,7 @@
               <a:t> </a:t>
             </a:r>
             <a:r>
-              <a:rPr lang="pt-PT" sz="1200" dirty="0" err="1">
+              <a:rPr lang="pt-PT" dirty="0" err="1">
                 <a:solidFill>
                   <a:schemeClr val="tx1"/>
                 </a:solidFill>
@@ -12853,7 +13717,7 @@
               </a:rPr>
               <a:t>events</a:t>
             </a:r>
-            <a:endParaRPr lang="pt-PT" sz="1200" dirty="0">
+            <a:endParaRPr lang="pt-PT" dirty="0">
               <a:solidFill>
                 <a:schemeClr val="tx1"/>
               </a:solidFill>
@@ -12869,7 +13733,7 @@
               <a:buChar char="•"/>
             </a:pPr>
             <a:r>
-              <a:rPr lang="pt-PT" sz="1200" b="1" i="1" dirty="0">
+              <a:rPr lang="pt-PT" b="1" i="1" dirty="0">
                 <a:solidFill>
                   <a:schemeClr val="tx1"/>
                 </a:solidFill>
@@ -12878,7 +13742,7 @@
               <a:t>P</a:t>
             </a:r>
             <a:r>
-              <a:rPr lang="pt-PT" sz="1200" dirty="0">
+              <a:rPr lang="pt-PT" dirty="0">
                 <a:solidFill>
                   <a:schemeClr val="tx1"/>
                 </a:solidFill>
@@ -12887,7 +13751,7 @@
               <a:t> </a:t>
             </a:r>
             <a:r>
-              <a:rPr lang="pt-PT" sz="1200" dirty="0" err="1">
+              <a:rPr lang="pt-PT" dirty="0" err="1">
                 <a:solidFill>
                   <a:schemeClr val="tx1"/>
                 </a:solidFill>
@@ -12896,7 +13760,7 @@
               <a:t>is</a:t>
             </a:r>
             <a:r>
-              <a:rPr lang="pt-PT" sz="1200" dirty="0">
+              <a:rPr lang="pt-PT" dirty="0">
                 <a:solidFill>
                   <a:schemeClr val="tx1"/>
                 </a:solidFill>
@@ -12905,7 +13769,7 @@
               <a:t> </a:t>
             </a:r>
             <a:r>
-              <a:rPr lang="pt-PT" sz="1200" dirty="0" err="1">
+              <a:rPr lang="pt-PT" dirty="0" err="1">
                 <a:solidFill>
                   <a:schemeClr val="tx1"/>
                 </a:solidFill>
@@ -12914,7 +13778,7 @@
               <a:t>the</a:t>
             </a:r>
             <a:r>
-              <a:rPr lang="pt-PT" sz="1200" dirty="0">
+              <a:rPr lang="pt-PT" dirty="0">
                 <a:solidFill>
                   <a:schemeClr val="tx1"/>
                 </a:solidFill>
@@ -12923,7 +13787,7 @@
               <a:t> set </a:t>
             </a:r>
             <a:r>
-              <a:rPr lang="pt-PT" sz="1200" dirty="0" err="1">
+              <a:rPr lang="pt-PT" dirty="0" err="1">
                 <a:solidFill>
                   <a:schemeClr val="tx1"/>
                 </a:solidFill>
@@ -12932,7 +13796,7 @@
               <a:t>of</a:t>
             </a:r>
             <a:r>
-              <a:rPr lang="pt-PT" sz="1200" dirty="0">
+              <a:rPr lang="pt-PT" dirty="0">
                 <a:solidFill>
                   <a:schemeClr val="tx1"/>
                 </a:solidFill>
@@ -12941,7 +13805,7 @@
               <a:t> </a:t>
             </a:r>
             <a:r>
-              <a:rPr lang="pt-PT" sz="1200" dirty="0" err="1">
+              <a:rPr lang="pt-PT" dirty="0" err="1">
                 <a:solidFill>
                   <a:schemeClr val="tx1"/>
                 </a:solidFill>
@@ -12950,7 +13814,7 @@
               <a:t>periods</a:t>
             </a:r>
             <a:r>
-              <a:rPr lang="pt-PT" sz="1200" dirty="0">
+              <a:rPr lang="pt-PT" dirty="0">
                 <a:solidFill>
                   <a:schemeClr val="tx1"/>
                 </a:solidFill>
@@ -12959,7 +13823,7 @@
               <a:t> </a:t>
             </a:r>
             <a:r>
-              <a:rPr lang="pt-PT" sz="1200" i="1" dirty="0">
+              <a:rPr lang="pt-PT" i="1" dirty="0">
                 <a:solidFill>
                   <a:schemeClr val="tx1"/>
                 </a:solidFill>
@@ -12968,7 +13832,7 @@
               <a:t>(</a:t>
             </a:r>
             <a:r>
-              <a:rPr lang="pt-PT" sz="1200" i="1" dirty="0" err="1">
+              <a:rPr lang="pt-PT" i="1" dirty="0" err="1">
                 <a:solidFill>
                   <a:schemeClr val="tx1"/>
                 </a:solidFill>
@@ -12977,7 +13841,7 @@
               <a:t>day,timeslot</a:t>
             </a:r>
             <a:r>
-              <a:rPr lang="pt-PT" sz="1200" i="1" dirty="0">
+              <a:rPr lang="pt-PT" i="1" dirty="0">
                 <a:solidFill>
                   <a:schemeClr val="tx1"/>
                 </a:solidFill>
@@ -12995,7 +13859,7 @@
               <a:buChar char="•"/>
             </a:pPr>
             <a:r>
-              <a:rPr lang="pt-PT" sz="1200" b="1" i="1" dirty="0">
+              <a:rPr lang="pt-PT" b="1" i="1" dirty="0">
                 <a:solidFill>
                   <a:schemeClr val="tx1"/>
                 </a:solidFill>
@@ -13004,7 +13868,7 @@
               <a:t>R</a:t>
             </a:r>
             <a:r>
-              <a:rPr lang="pt-PT" sz="1200" dirty="0">
+              <a:rPr lang="pt-PT" dirty="0">
                 <a:solidFill>
                   <a:schemeClr val="tx1"/>
                 </a:solidFill>
@@ -13013,7 +13877,7 @@
               <a:t> </a:t>
             </a:r>
             <a:r>
-              <a:rPr lang="pt-PT" sz="1200" dirty="0" err="1">
+              <a:rPr lang="pt-PT" dirty="0" err="1">
                 <a:solidFill>
                   <a:schemeClr val="tx1"/>
                 </a:solidFill>
@@ -13022,7 +13886,7 @@
               <a:t>is</a:t>
             </a:r>
             <a:r>
-              <a:rPr lang="pt-PT" sz="1200" dirty="0">
+              <a:rPr lang="pt-PT" dirty="0">
                 <a:solidFill>
                   <a:schemeClr val="tx1"/>
                 </a:solidFill>
@@ -13031,7 +13895,7 @@
               <a:t> </a:t>
             </a:r>
             <a:r>
-              <a:rPr lang="pt-PT" sz="1200" dirty="0" err="1">
+              <a:rPr lang="pt-PT" dirty="0" err="1">
                 <a:solidFill>
                   <a:schemeClr val="tx1"/>
                 </a:solidFill>
@@ -13040,7 +13904,7 @@
               <a:t>the</a:t>
             </a:r>
             <a:r>
-              <a:rPr lang="pt-PT" sz="1200" dirty="0">
+              <a:rPr lang="pt-PT" dirty="0">
                 <a:solidFill>
                   <a:schemeClr val="tx1"/>
                 </a:solidFill>
@@ -13049,7 +13913,7 @@
               <a:t> set </a:t>
             </a:r>
             <a:r>
-              <a:rPr lang="pt-PT" sz="1200" dirty="0" err="1">
+              <a:rPr lang="pt-PT" dirty="0" err="1">
                 <a:solidFill>
                   <a:schemeClr val="tx1"/>
                 </a:solidFill>
@@ -13058,7 +13922,7 @@
               <a:t>of</a:t>
             </a:r>
             <a:r>
-              <a:rPr lang="pt-PT" sz="1200" dirty="0">
+              <a:rPr lang="pt-PT" dirty="0">
                 <a:solidFill>
                   <a:schemeClr val="tx1"/>
                 </a:solidFill>
@@ -13067,7 +13931,7 @@
               <a:t> </a:t>
             </a:r>
             <a:r>
-              <a:rPr lang="pt-PT" sz="1200" dirty="0" err="1">
+              <a:rPr lang="pt-PT" dirty="0" err="1">
                 <a:solidFill>
                   <a:schemeClr val="tx1"/>
                 </a:solidFill>
@@ -13075,7 +13939,7 @@
               </a:rPr>
               <a:t>rooms</a:t>
             </a:r>
-            <a:endParaRPr lang="pt-PT" sz="1200" dirty="0">
+            <a:endParaRPr lang="pt-PT" dirty="0">
               <a:solidFill>
                 <a:schemeClr val="tx1"/>
               </a:solidFill>
@@ -13095,7 +13959,7 @@
           <a:p>
             <a:pPr lvl="1" indent="-180000"/>
             <a:r>
-              <a:rPr lang="en-US" sz="1200" i="0" dirty="0">
+              <a:rPr lang="en-US" i="0" dirty="0">
                 <a:solidFill>
                   <a:schemeClr val="tx1"/>
                 </a:solidFill>
@@ -13105,7 +13969,7 @@
               <a:t>A </a:t>
             </a:r>
             <a:r>
-              <a:rPr lang="en-US" sz="1200" b="1" i="0" dirty="0">
+              <a:rPr lang="en-US" b="1" i="0" dirty="0">
                 <a:solidFill>
                   <a:schemeClr val="tx1"/>
                 </a:solidFill>
@@ -13115,7 +13979,7 @@
               <a:t>Node </a:t>
             </a:r>
             <a:r>
-              <a:rPr lang="en-US" sz="1200" i="0" dirty="0">
+              <a:rPr lang="en-US" i="0" dirty="0">
                 <a:solidFill>
                   <a:schemeClr val="tx1"/>
                 </a:solidFill>
@@ -13134,15 +13998,15 @@
               <a:buChar char="•"/>
             </a:pPr>
             <a:r>
-              <a:rPr lang="pt-PT" sz="1200" dirty="0" err="1">
+              <a:rPr lang="pt-PT" dirty="0" err="1">
                 <a:solidFill>
                   <a:schemeClr val="tx1"/>
                 </a:solidFill>
                 <a:latin typeface="Archivo"/>
               </a:rPr>
-              <a:t>Path</a:t>
-            </a:r>
-            <a:endParaRPr lang="pt-PT" sz="1200" dirty="0">
+              <a:t>Parent</a:t>
+            </a:r>
+            <a:endParaRPr lang="pt-PT" dirty="0">
               <a:solidFill>
                 <a:schemeClr val="tx1"/>
               </a:solidFill>
@@ -13158,15 +14022,15 @@
               <a:buChar char="•"/>
             </a:pPr>
             <a:r>
-              <a:rPr lang="pt-PT" sz="1200" dirty="0" err="1">
+              <a:rPr lang="pt-PT" dirty="0" err="1">
                 <a:solidFill>
                   <a:schemeClr val="tx1"/>
                 </a:solidFill>
                 <a:latin typeface="Archivo"/>
               </a:rPr>
-              <a:t>Parent</a:t>
-            </a:r>
-            <a:endParaRPr lang="pt-PT" sz="1200" dirty="0">
+              <a:t>Children</a:t>
+            </a:r>
+            <a:endParaRPr lang="pt-PT" dirty="0">
               <a:solidFill>
                 <a:schemeClr val="tx1"/>
               </a:solidFill>
@@ -13182,15 +14046,33 @@
               <a:buChar char="•"/>
             </a:pPr>
             <a:r>
-              <a:rPr lang="pt-PT" sz="1200" dirty="0" err="1">
+              <a:rPr lang="pt-PT" dirty="0" err="1">
                 <a:solidFill>
                   <a:schemeClr val="tx1"/>
                 </a:solidFill>
                 <a:latin typeface="Archivo"/>
               </a:rPr>
-              <a:t>Children</a:t>
-            </a:r>
-            <a:endParaRPr lang="pt-PT" sz="1200" dirty="0">
+              <a:t>Expansion</a:t>
+            </a:r>
+            <a:r>
+              <a:rPr lang="pt-PT" dirty="0">
+                <a:solidFill>
+                  <a:schemeClr val="tx1"/>
+                </a:solidFill>
+                <a:latin typeface="Archivo"/>
+              </a:rPr>
+              <a:t> </a:t>
+            </a:r>
+            <a:r>
+              <a:rPr lang="pt-PT" dirty="0" err="1">
+                <a:solidFill>
+                  <a:schemeClr val="tx1"/>
+                </a:solidFill>
+                <a:latin typeface="Archivo"/>
+              </a:rPr>
+              <a:t>limit</a:t>
+            </a:r>
+            <a:endParaRPr lang="pt-PT" dirty="0">
               <a:solidFill>
                 <a:schemeClr val="tx1"/>
               </a:solidFill>
@@ -13206,33 +14088,15 @@
               <a:buChar char="•"/>
             </a:pPr>
             <a:r>
-              <a:rPr lang="pt-PT" sz="1200" dirty="0" err="1">
+              <a:rPr lang="pt-PT" dirty="0" err="1">
                 <a:solidFill>
                   <a:schemeClr val="tx1"/>
                 </a:solidFill>
                 <a:latin typeface="Archivo"/>
               </a:rPr>
-              <a:t>Expansion</a:t>
-            </a:r>
-            <a:r>
-              <a:rPr lang="pt-PT" sz="1200" dirty="0">
-                <a:solidFill>
-                  <a:schemeClr val="tx1"/>
-                </a:solidFill>
-                <a:latin typeface="Archivo"/>
-              </a:rPr>
-              <a:t> </a:t>
-            </a:r>
-            <a:r>
-              <a:rPr lang="pt-PT" sz="1200" dirty="0" err="1">
-                <a:solidFill>
-                  <a:schemeClr val="tx1"/>
-                </a:solidFill>
-                <a:latin typeface="Archivo"/>
-              </a:rPr>
-              <a:t>limit</a:t>
-            </a:r>
-            <a:endParaRPr lang="pt-PT" sz="1200" dirty="0">
+              <a:t>Visits</a:t>
+            </a:r>
+            <a:endParaRPr lang="pt-PT" dirty="0">
               <a:solidFill>
                 <a:schemeClr val="tx1"/>
               </a:solidFill>
@@ -13248,49 +14112,25 @@
               <a:buChar char="•"/>
             </a:pPr>
             <a:r>
-              <a:rPr lang="pt-PT" sz="1200" dirty="0" err="1">
+              <a:rPr lang="pt-PT" dirty="0">
                 <a:solidFill>
                   <a:schemeClr val="tx1"/>
                 </a:solidFill>
                 <a:latin typeface="Archivo"/>
               </a:rPr>
-              <a:t>Visits</a:t>
-            </a:r>
-            <a:endParaRPr lang="pt-PT" sz="1200" dirty="0">
-              <a:solidFill>
-                <a:schemeClr val="tx1"/>
-              </a:solidFill>
-              <a:latin typeface="Archivo"/>
-            </a:endParaRPr>
-          </a:p>
-          <a:p>
-            <a:pPr marL="284400" lvl="1" indent="-180000">
-              <a:spcBef>
-                <a:spcPts val="600"/>
-              </a:spcBef>
-              <a:buFont typeface="Arial" panose="020B0604020202020204" pitchFamily="34" charset="0"/>
-              <a:buChar char="•"/>
-            </a:pPr>
-            <a:r>
-              <a:rPr lang="pt-PT" sz="1200" dirty="0">
+              <a:t>Hard </a:t>
+            </a:r>
+            <a:r>
+              <a:rPr lang="pt-PT" dirty="0" err="1">
                 <a:solidFill>
                   <a:schemeClr val="tx1"/>
                 </a:solidFill>
                 <a:latin typeface="Archivo"/>
               </a:rPr>
-              <a:t>Hard </a:t>
-            </a:r>
-            <a:r>
-              <a:rPr lang="pt-PT" sz="1200" dirty="0" err="1">
-                <a:solidFill>
-                  <a:schemeClr val="tx1"/>
-                </a:solidFill>
-                <a:latin typeface="Archivo"/>
-              </a:rPr>
               <a:t>and</a:t>
             </a:r>
             <a:r>
-              <a:rPr lang="pt-PT" sz="1200" dirty="0">
+              <a:rPr lang="pt-PT" dirty="0">
                 <a:solidFill>
                   <a:schemeClr val="tx1"/>
                 </a:solidFill>
@@ -13666,7 +14506,7 @@
         </p:blipFill>
         <p:spPr>
           <a:xfrm>
-            <a:off x="720000" y="3722472"/>
+            <a:off x="753039" y="3720347"/>
             <a:ext cx="4480426" cy="1082203"/>
           </a:xfrm>
           <a:prstGeom prst="rect">
@@ -13718,6 +14558,36 @@
           <a:chExt cx="0" cy="0"/>
         </a:xfrm>
       </p:grpSpPr>
+      <p:pic>
+        <p:nvPicPr>
+          <p:cNvPr id="7" name="Picture 6">
+            <a:extLst>
+              <a:ext uri="{FF2B5EF4-FFF2-40B4-BE49-F238E27FC236}">
+                <a16:creationId xmlns:a16="http://schemas.microsoft.com/office/drawing/2014/main" id="{5FA3380A-A9FF-B7CA-1735-31C25827AE68}"/>
+              </a:ext>
+            </a:extLst>
+          </p:cNvPr>
+          <p:cNvPicPr>
+            <a:picLocks noChangeAspect="1"/>
+          </p:cNvPicPr>
+          <p:nvPr/>
+        </p:nvPicPr>
+        <p:blipFill>
+          <a:blip r:embed="rId3"/>
+          <a:stretch>
+            <a:fillRect/>
+          </a:stretch>
+        </p:blipFill>
+        <p:spPr>
+          <a:xfrm>
+            <a:off x="720000" y="1100050"/>
+            <a:ext cx="4583586" cy="3879204"/>
+          </a:xfrm>
+          <a:prstGeom prst="rect">
+            <a:avLst/>
+          </a:prstGeom>
+        </p:spPr>
+      </p:pic>
       <p:sp>
         <p:nvSpPr>
           <p:cNvPr id="2" name="Title 1">
@@ -13814,7 +14684,81 @@
           <p:nvPr/>
         </p:nvPicPr>
         <p:blipFill>
-          <a:blip r:embed="rId2"/>
+          <a:blip r:embed="rId4">
+            <a:extLst>
+              <a:ext uri="{BEBA8EAE-BF5A-486C-A8C5-ECC9F3942E4B}">
+                <a14:imgProps xmlns:a14="http://schemas.microsoft.com/office/drawing/2010/main">
+                  <a14:imgLayer r:embed="rId5">
+                    <a14:imgEffect>
+                      <a14:backgroundRemoval t="1053" b="42271" l="44644" r="98369">
+                        <a14:foregroundMark x1="89179" y1="5263" x2="72920" y2="7978"/>
+                        <a14:foregroundMark x1="72920" y1="7978" x2="48613" y2="29972"/>
+                        <a14:foregroundMark x1="48613" y1="29972" x2="88037" y2="43989"/>
+                        <a14:foregroundMark x1="88037" y1="43989" x2="97934" y2="18061"/>
+                        <a14:foregroundMark x1="97934" y1="18061" x2="98423" y2="1108"/>
+                        <a14:foregroundMark x1="98423" y1="1108" x2="98423" y2="1108"/>
+                        <a14:foregroundMark x1="87602" y1="5706" x2="80642" y2="9197"/>
+                        <a14:foregroundMark x1="80642" y1="9197" x2="67265" y2="23823"/>
+                        <a14:foregroundMark x1="67265" y1="23823" x2="66340" y2="27590"/>
+                        <a14:foregroundMark x1="96520" y1="22216" x2="45840" y2="41496"/>
+                        <a14:foregroundMark x1="45840" y1="41496" x2="44644" y2="41717"/>
+                        <a14:foregroundMark x1="90430" y1="36177" x2="67047" y2="36399"/>
+                        <a14:foregroundMark x1="74443" y1="40000" x2="45188" y2="40665"/>
+                        <a14:foregroundMark x1="79663" y1="42271" x2="54214" y2="40997"/>
+                        <a14:foregroundMark x1="88091" y1="35291" x2="74823" y2="24598"/>
+                        <a14:backgroundMark x1="63567" y1="4211" x2="48722" y2="4432"/>
+                        <a14:backgroundMark x1="48722" y1="4432" x2="48722" y2="4432"/>
+                        <a14:backgroundMark x1="68407" y1="3657" x2="51985" y2="5928"/>
+                        <a14:backgroundMark x1="66721" y1="4543" x2="59869" y2="6537"/>
+                        <a14:backgroundMark x1="59869" y1="6537" x2="60413" y2="6260"/>
+                        <a14:backgroundMark x1="67917" y1="3213" x2="60522" y2="2271"/>
+                        <a14:backgroundMark x1="60522" y1="2271" x2="53018" y2="6648"/>
+                        <a14:backgroundMark x1="53018" y1="6648" x2="67972" y2="7368"/>
+                        <a14:backgroundMark x1="67972" y1="7368" x2="71289" y2="3878"/>
+                        <a14:backgroundMark x1="71343" y1="443" x2="56335" y2="12355"/>
+                        <a14:backgroundMark x1="56335" y1="12355" x2="42523" y2="12465"/>
+                        <a14:backgroundMark x1="73790" y1="1939" x2="53127" y2="9474"/>
+                        <a14:backgroundMark x1="53127" y1="9474" x2="47254" y2="9695"/>
+                        <a14:backgroundMark x1="62316" y1="3657" x2="48450" y2="10194"/>
+                        <a14:backgroundMark x1="48450" y1="10194" x2="48341" y2="10194"/>
+                        <a14:backgroundMark x1="50843" y1="12687" x2="59815" y2="2216"/>
+                        <a14:backgroundMark x1="59815" y1="2216" x2="59271" y2="665"/>
+                        <a14:backgroundMark x1="57368" y1="2604" x2="52964" y2="2825"/>
+                        <a14:backgroundMark x1="65579" y1="1330" x2="42958" y2="3435"/>
+                        <a14:backgroundMark x1="58836" y1="5485" x2="66721" y2="665"/>
+                        <a14:backgroundMark x1="66721" y1="665" x2="66721" y2="665"/>
+                        <a14:backgroundMark x1="66232" y1="6260" x2="72920" y2="665"/>
+                        <a14:backgroundMark x1="72920" y1="665" x2="72920" y2="665"/>
+                        <a14:backgroundMark x1="65362" y1="6482" x2="73029" y2="111"/>
+                        <a14:backgroundMark x1="70092" y1="4543" x2="44209" y2="6260"/>
+                        <a14:backgroundMark x1="69277" y1="5152" x2="72213" y2="443"/>
+                        <a14:backgroundMark x1="71343" y1="4211" x2="74334" y2="554"/>
+                        <a14:backgroundMark x1="69059" y1="6260" x2="54432" y2="14626"/>
+                        <a14:backgroundMark x1="66939" y1="6150" x2="57151" y2="10748"/>
+                        <a14:backgroundMark x1="63676" y1="8698" x2="63676" y2="8698"/>
+                        <a14:backgroundMark x1="65797" y1="7535" x2="57694" y2="11801"/>
+                        <a14:backgroundMark x1="57694" y1="11801" x2="56716" y2="11801"/>
+                        <a14:backgroundMark x1="59815" y1="12244" x2="48396" y2="12964"/>
+                        <a14:backgroundMark x1="48396" y1="12964" x2="44970" y2="12022"/>
+                        <a14:backgroundMark x1="62643" y1="10305" x2="51115" y2="14183"/>
+                        <a14:backgroundMark x1="51115" y1="14183" x2="48124" y2="13629"/>
+                        <a14:backgroundMark x1="64546" y1="9695" x2="51495" y2="15679"/>
+                        <a14:backgroundMark x1="51495" y1="15679" x2="49918" y2="15457"/>
+                        <a14:backgroundMark x1="60522" y1="10970" x2="49810" y2="15568"/>
+                        <a14:backgroundMark x1="49810" y1="15568" x2="49810" y2="15568"/>
+                        <a14:backgroundMark x1="54323" y1="12798" x2="48613" y2="15235"/>
+                        <a14:backgroundMark x1="54758" y1="12576" x2="48940" y2="14072"/>
+                        <a14:backgroundMark x1="52855" y1="12244" x2="51278" y2="15235"/>
+                        <a14:backgroundMark x1="54867" y1="13407" x2="50625" y2="13629"/>
+                        <a14:backgroundMark x1="51713" y1="12465" x2="51387" y2="15679"/>
+                        <a14:backgroundMark x1="67917" y1="7202" x2="62751" y2="10416"/>
+                      </a14:backgroundRemoval>
+                    </a14:imgEffect>
+                  </a14:imgLayer>
+                </a14:imgProps>
+              </a:ext>
+            </a:extLst>
+          </a:blip>
           <a:srcRect l="51389" r="-519" b="58398"/>
           <a:stretch/>
         </p:blipFill>
@@ -13828,122 +14772,70 @@
           </a:prstGeom>
         </p:spPr>
       </p:pic>
-      <p:pic>
-        <p:nvPicPr>
-          <p:cNvPr id="8" name="Picture 7">
+      <p:sp>
+        <p:nvSpPr>
+          <p:cNvPr id="4" name="TextBox 3">
             <a:extLst>
               <a:ext uri="{FF2B5EF4-FFF2-40B4-BE49-F238E27FC236}">
-                <a16:creationId xmlns:a16="http://schemas.microsoft.com/office/drawing/2014/main" id="{8E010ECF-04E4-A08C-20AA-FC4A041BA39B}"/>
+                <a16:creationId xmlns:a16="http://schemas.microsoft.com/office/drawing/2014/main" id="{D25323CA-DBCD-AC67-3514-323032476494}"/>
               </a:ext>
             </a:extLst>
           </p:cNvPr>
-          <p:cNvPicPr>
-            <a:picLocks noChangeAspect="1"/>
-          </p:cNvPicPr>
+          <p:cNvSpPr txBox="1"/>
           <p:nvPr/>
-        </p:nvPicPr>
-        <p:blipFill>
-          <a:blip r:embed="rId3">
-            <a:extLst>
-              <a:ext uri="{BEBA8EAE-BF5A-486C-A8C5-ECC9F3942E4B}">
-                <a14:imgProps xmlns:a14="http://schemas.microsoft.com/office/drawing/2010/main">
-                  <a14:imgLayer r:embed="rId4">
-                    <a14:imgEffect>
-                      <a14:backgroundRemoval t="2392" b="99851" l="1519" r="99650">
-                        <a14:foregroundMark x1="73311" y1="91443" x2="77921" y2="97160"/>
-                        <a14:foregroundMark x1="70763" y1="88282" x2="71514" y2="89214"/>
-                        <a14:foregroundMark x1="1519" y1="2392" x2="68096" y2="84973"/>
-                        <a14:foregroundMark x1="69743" y1="78176" x2="91589" y2="6726"/>
-                        <a14:foregroundMark x1="91589" y1="6726" x2="96145" y2="5082"/>
-                        <a14:foregroundMark x1="92523" y1="25859" x2="98832" y2="9268"/>
-                        <a14:foregroundMark x1="98832" y1="9268" x2="99766" y2="8072"/>
-                        <a14:foregroundMark x1="97079" y1="98954" x2="99533" y2="99552"/>
-                        <a14:foregroundMark x1="94509" y1="99253" x2="96729" y2="99851"/>
-                        <a14:backgroundMark x1="99065" y1="49178" x2="95444" y2="63976"/>
-                        <a14:backgroundMark x1="95444" y1="63976" x2="95794" y2="81465"/>
-                        <a14:backgroundMark x1="95794" y1="81465" x2="95794" y2="81465"/>
-                        <a14:backgroundMark x1="97547" y1="53662" x2="81425" y2="98057"/>
-                        <a14:backgroundMark x1="81425" y1="98057" x2="93925" y2="56353"/>
-                        <a14:backgroundMark x1="93925" y1="56353" x2="99883" y2="60837"/>
-                        <a14:backgroundMark x1="97664" y1="45590" x2="84579" y2="71450"/>
-                        <a14:backgroundMark x1="84579" y1="71450" x2="89603" y2="89985"/>
-                        <a14:backgroundMark x1="89603" y1="89985" x2="99182" y2="56652"/>
-                        <a14:backgroundMark x1="99182" y1="56652" x2="97547" y2="45590"/>
-                        <a14:backgroundMark x1="97430" y1="40359" x2="83294" y2="69806"/>
-                        <a14:backgroundMark x1="83294" y1="69806" x2="79673" y2="87444"/>
-                        <a14:backgroundMark x1="79673" y1="87444" x2="92640" y2="95516"/>
-                        <a14:backgroundMark x1="92640" y1="95516" x2="93341" y2="93423"/>
-                        <a14:backgroundMark x1="95911" y1="43348" x2="86682" y2="51121"/>
-                        <a14:backgroundMark x1="86682" y1="51121" x2="69393" y2="85052"/>
-                        <a14:backgroundMark x1="69393" y1="85052" x2="69276" y2="88191"/>
-                        <a14:backgroundMark x1="70911" y1="89537" x2="71846" y2="92227"/>
-                        <a14:backgroundMark x1="73481" y1="86697" x2="98364" y2="51868"/>
-                        <a14:backgroundMark x1="86098" y1="59043" x2="86098" y2="59043"/>
-                        <a14:backgroundMark x1="87150" y1="60090" x2="87150" y2="60090"/>
-                        <a14:backgroundMark x1="95327" y1="44395" x2="82593" y2="92975"/>
-                        <a14:backgroundMark x1="82593" y1="92975" x2="82593" y2="92975"/>
-                        <a14:backgroundMark x1="96612" y1="94619" x2="93458" y2="32586"/>
-                        <a14:backgroundMark x1="98598" y1="85501" x2="98949" y2="79671"/>
-                        <a14:backgroundMark x1="97196" y1="75336" x2="98598" y2="40508"/>
-                        <a14:backgroundMark x1="99065" y1="71151" x2="99065" y2="45590"/>
-                        <a14:backgroundMark x1="96729" y1="50075" x2="84112" y2="90284"/>
-                        <a14:backgroundMark x1="84112" y1="90284" x2="93341" y2="97608"/>
-                        <a14:backgroundMark x1="93341" y1="97608" x2="93341" y2="97608"/>
-                        <a14:backgroundMark x1="92991" y1="95516" x2="98598" y2="69507"/>
-                        <a14:backgroundMark x1="98598" y1="69507" x2="99766" y2="67265"/>
-                        <a14:backgroundMark x1="97079" y1="72646" x2="99416" y2="92825"/>
-                        <a14:backgroundMark x1="96612" y1="93423" x2="99416" y2="58146"/>
-                        <a14:backgroundMark x1="99416" y1="58146" x2="99299" y2="55605"/>
-                        <a14:backgroundMark x1="96145" y1="87593" x2="98832" y2="47534"/>
-                        <a14:backgroundMark x1="89486" y1="58595" x2="83995" y2="69208"/>
-                        <a14:backgroundMark x1="83995" y1="69208" x2="81425" y2="85202"/>
-                        <a14:backgroundMark x1="81425" y1="85202" x2="91706" y2="91181"/>
-                        <a14:backgroundMark x1="91706" y1="91181" x2="99766" y2="81315"/>
-                        <a14:backgroundMark x1="95444" y1="84155" x2="92874" y2="98057"/>
-                        <a14:backgroundMark x1="92874" y1="98057" x2="99299" y2="94619"/>
-                        <a14:backgroundMark x1="96729" y1="91181" x2="95794" y2="80269"/>
-                        <a14:backgroundMark x1="96495" y1="92377" x2="96495" y2="92377"/>
-                        <a14:backgroundMark x1="95444" y1="93572" x2="95444" y2="93572"/>
-                        <a14:backgroundMark x1="94042" y1="94320" x2="99065" y2="87593"/>
-                        <a14:backgroundMark x1="95327" y1="93124" x2="99766" y2="91330"/>
-                        <a14:backgroundMark x1="94276" y1="97010" x2="98949" y2="93722"/>
-                        <a14:backgroundMark x1="98131" y1="94619" x2="94393" y2="57848"/>
-                        <a14:backgroundMark x1="95911" y1="92377" x2="95327" y2="46188"/>
-                        <a14:backgroundMark x1="96729" y1="71450" x2="98481" y2="38714"/>
-                        <a14:backgroundMark x1="93458" y1="55157" x2="97547" y2="38416"/>
-                        <a14:backgroundMark x1="97547" y1="38416" x2="97897" y2="37818"/>
-                        <a14:backgroundMark x1="98949" y1="42152" x2="99766" y2="68460"/>
-                        <a14:backgroundMark x1="98131" y1="70105" x2="99883" y2="59492"/>
-                        <a14:backgroundMark x1="94977" y1="59791" x2="99766" y2="43946"/>
-                        <a14:backgroundMark x1="99766" y1="43946" x2="99766" y2="43946"/>
-                        <a14:backgroundMark x1="92173" y1="57250" x2="99766" y2="39163"/>
-                        <a14:backgroundMark x1="99766" y1="39163" x2="99766" y2="39163"/>
-                        <a14:backgroundMark x1="83061" y1="79522" x2="97547" y2="46188"/>
-                        <a14:backgroundMark x1="97547" y1="46188" x2="97547" y2="46188"/>
-                        <a14:backgroundMark x1="94042" y1="53363" x2="95210" y2="98206"/>
-                        <a14:backgroundMark x1="95444" y1="93124" x2="96902" y2="96939"/>
-                        <a14:backgroundMark x1="96262" y1="94320" x2="95367" y2="97756"/>
-                      </a14:backgroundRemoval>
-                    </a14:imgEffect>
-                  </a14:imgLayer>
-                </a14:imgProps>
-              </a:ext>
-            </a:extLst>
-          </a:blip>
-          <a:stretch>
-            <a:fillRect/>
-          </a:stretch>
-        </p:blipFill>
+        </p:nvSpPr>
         <p:spPr>
           <a:xfrm>
-            <a:off x="720000" y="1165860"/>
-            <a:ext cx="4855478" cy="3794760"/>
+            <a:off x="6457950" y="4364919"/>
+            <a:ext cx="1720490" cy="230832"/>
           </a:xfrm>
           <a:prstGeom prst="rect">
             <a:avLst/>
           </a:prstGeom>
+          <a:noFill/>
         </p:spPr>
-      </p:pic>
+        <p:txBody>
+          <a:bodyPr wrap="square" rtlCol="0">
+            <a:spAutoFit/>
+          </a:bodyPr>
+          <a:lstStyle/>
+          <a:p>
+            <a:r>
+              <a:rPr lang="pt-PT" sz="900" b="1" dirty="0">
+                <a:latin typeface="Archivo"/>
+              </a:rPr>
+              <a:t>Fig. 6 –</a:t>
+            </a:r>
+            <a:r>
+              <a:rPr lang="pt-PT" sz="900" dirty="0">
+                <a:latin typeface="Archivo"/>
+              </a:rPr>
+              <a:t> MCTS </a:t>
+            </a:r>
+            <a:r>
+              <a:rPr lang="pt-PT" sz="900" dirty="0" err="1">
+                <a:latin typeface="Archivo"/>
+              </a:rPr>
+              <a:t>expansion</a:t>
+            </a:r>
+            <a:r>
+              <a:rPr lang="pt-PT" sz="900" dirty="0">
+                <a:latin typeface="Archivo"/>
+              </a:rPr>
+              <a:t> </a:t>
+            </a:r>
+            <a:r>
+              <a:rPr lang="pt-PT" sz="900" dirty="0" err="1">
+                <a:latin typeface="Archivo"/>
+              </a:rPr>
+              <a:t>phase</a:t>
+            </a:r>
+            <a:endParaRPr lang="pt-PT" sz="900" i="1" dirty="0">
+              <a:latin typeface="Archivo"/>
+            </a:endParaRPr>
+          </a:p>
+        </p:txBody>
+      </p:sp>
     </p:spTree>
     <p:extLst>
       <p:ext uri="{BB962C8B-B14F-4D97-AF65-F5344CB8AC3E}">
@@ -14076,13 +14968,13 @@
           <p:nvPr/>
         </p:nvPicPr>
         <p:blipFill>
-          <a:blip r:embed="rId2"/>
+          <a:blip r:embed="rId3"/>
           <a:srcRect t="41750" r="50000" b="6093"/>
           <a:stretch/>
         </p:blipFill>
         <p:spPr>
           <a:xfrm>
-            <a:off x="5079920" y="1249681"/>
+            <a:off x="5056659" y="1141106"/>
             <a:ext cx="3501553" cy="3585100"/>
           </a:xfrm>
           <a:prstGeom prst="rect">
@@ -14105,7 +14997,7 @@
           <p:nvPr/>
         </p:nvPicPr>
         <p:blipFill>
-          <a:blip r:embed="rId3"/>
+          <a:blip r:embed="rId4"/>
           <a:stretch>
             <a:fillRect/>
           </a:stretch>
@@ -14120,6 +15012,70 @@
           </a:prstGeom>
         </p:spPr>
       </p:pic>
+      <p:sp>
+        <p:nvSpPr>
+          <p:cNvPr id="4" name="TextBox 3">
+            <a:extLst>
+              <a:ext uri="{FF2B5EF4-FFF2-40B4-BE49-F238E27FC236}">
+                <a16:creationId xmlns:a16="http://schemas.microsoft.com/office/drawing/2014/main" id="{9FEEFB52-FA3F-2E03-5E31-1DFE2F65CEFA}"/>
+              </a:ext>
+            </a:extLst>
+          </p:cNvPr>
+          <p:cNvSpPr txBox="1"/>
+          <p:nvPr/>
+        </p:nvSpPr>
+        <p:spPr>
+          <a:xfrm>
+            <a:off x="6284671" y="4721444"/>
+            <a:ext cx="1725025" cy="230832"/>
+          </a:xfrm>
+          <a:prstGeom prst="rect">
+            <a:avLst/>
+          </a:prstGeom>
+          <a:noFill/>
+        </p:spPr>
+        <p:txBody>
+          <a:bodyPr wrap="square" rtlCol="0">
+            <a:spAutoFit/>
+          </a:bodyPr>
+          <a:lstStyle/>
+          <a:p>
+            <a:r>
+              <a:rPr lang="pt-PT" sz="900" b="1" dirty="0">
+                <a:latin typeface="Archivo"/>
+              </a:rPr>
+              <a:t>Fig. 7 –</a:t>
+            </a:r>
+            <a:r>
+              <a:rPr lang="pt-PT" sz="900" dirty="0">
+                <a:latin typeface="Archivo"/>
+              </a:rPr>
+              <a:t> MCTS </a:t>
+            </a:r>
+            <a:r>
+              <a:rPr lang="pt-PT" sz="900" dirty="0" err="1">
+                <a:latin typeface="Archivo"/>
+              </a:rPr>
+              <a:t>simulation</a:t>
+            </a:r>
+            <a:r>
+              <a:rPr lang="pt-PT" sz="900" dirty="0">
+                <a:latin typeface="Archivo"/>
+              </a:rPr>
+              <a:t> </a:t>
+            </a:r>
+            <a:r>
+              <a:rPr lang="pt-PT" sz="900" dirty="0" err="1">
+                <a:latin typeface="Archivo"/>
+              </a:rPr>
+              <a:t>phase</a:t>
+            </a:r>
+            <a:endParaRPr lang="pt-PT" sz="900" i="1" dirty="0">
+              <a:latin typeface="Archivo"/>
+            </a:endParaRPr>
+          </a:p>
+        </p:txBody>
+      </p:sp>
     </p:spTree>
     <p:extLst>
       <p:ext uri="{BB962C8B-B14F-4D97-AF65-F5344CB8AC3E}">
@@ -14209,7 +15165,7 @@
         </p:blipFill>
         <p:spPr>
           <a:xfrm>
-            <a:off x="5152449" y="1243577"/>
+            <a:off x="5152449" y="1171813"/>
             <a:ext cx="3362901" cy="3523686"/>
           </a:xfrm>
           <a:prstGeom prst="rect">
@@ -14295,6 +15251,70 @@
               <a:t>14</a:t>
             </a:fld>
             <a:endParaRPr lang="pt-PT"/>
+          </a:p>
+        </p:txBody>
+      </p:sp>
+      <p:sp>
+        <p:nvSpPr>
+          <p:cNvPr id="4" name="TextBox 3">
+            <a:extLst>
+              <a:ext uri="{FF2B5EF4-FFF2-40B4-BE49-F238E27FC236}">
+                <a16:creationId xmlns:a16="http://schemas.microsoft.com/office/drawing/2014/main" id="{A5FEA79E-438C-A3E7-5604-037528CA3EA8}"/>
+              </a:ext>
+            </a:extLst>
+          </p:cNvPr>
+          <p:cNvSpPr txBox="1"/>
+          <p:nvPr/>
+        </p:nvSpPr>
+        <p:spPr>
+          <a:xfrm>
+            <a:off x="6256096" y="4615965"/>
+            <a:ext cx="1923498" cy="230832"/>
+          </a:xfrm>
+          <a:prstGeom prst="rect">
+            <a:avLst/>
+          </a:prstGeom>
+          <a:noFill/>
+        </p:spPr>
+        <p:txBody>
+          <a:bodyPr wrap="square" rtlCol="0">
+            <a:spAutoFit/>
+          </a:bodyPr>
+          <a:lstStyle/>
+          <a:p>
+            <a:r>
+              <a:rPr lang="pt-PT" sz="900" b="1" dirty="0">
+                <a:latin typeface="Archivo"/>
+              </a:rPr>
+              <a:t>Fig. 8 –</a:t>
+            </a:r>
+            <a:r>
+              <a:rPr lang="pt-PT" sz="900" dirty="0">
+                <a:latin typeface="Archivo"/>
+              </a:rPr>
+              <a:t> MCTS </a:t>
+            </a:r>
+            <a:r>
+              <a:rPr lang="pt-PT" sz="900" dirty="0" err="1">
+                <a:latin typeface="Archivo"/>
+              </a:rPr>
+              <a:t>backpropagation</a:t>
+            </a:r>
+            <a:r>
+              <a:rPr lang="pt-PT" sz="900" dirty="0">
+                <a:latin typeface="Archivo"/>
+              </a:rPr>
+              <a:t> </a:t>
+            </a:r>
+            <a:r>
+              <a:rPr lang="pt-PT" sz="900" dirty="0" err="1">
+                <a:latin typeface="Archivo"/>
+              </a:rPr>
+              <a:t>phase</a:t>
+            </a:r>
+            <a:endParaRPr lang="pt-PT" sz="900" i="1" dirty="0">
+              <a:latin typeface="Archivo"/>
+            </a:endParaRPr>
           </a:p>
         </p:txBody>
       </p:sp>
@@ -14421,8 +15441,8 @@
         </p:nvSpPr>
         <p:spPr>
           <a:xfrm>
-            <a:off x="720000" y="1375297"/>
-            <a:ext cx="7704000" cy="3170099"/>
+            <a:off x="720000" y="1198564"/>
+            <a:ext cx="7704000" cy="3631763"/>
           </a:xfrm>
           <a:prstGeom prst="rect">
             <a:avLst/>
@@ -14441,73 +15461,73 @@
               </a:lnSpc>
             </a:pPr>
             <a:r>
-              <a:rPr lang="en-US" sz="1200" b="1" dirty="0">
+              <a:rPr lang="en-US" b="1" dirty="0">
                 <a:latin typeface="Archivo"/>
               </a:rPr>
               <a:t>Neighborhoods: </a:t>
             </a:r>
             <a:r>
-              <a:rPr lang="en-US" sz="1200" u="sng" dirty="0">
+              <a:rPr lang="en-US" u="sng" dirty="0">
                 <a:latin typeface="Archivo"/>
               </a:rPr>
               <a:t>Period move</a:t>
             </a:r>
             <a:r>
-              <a:rPr lang="en-US" sz="1200" dirty="0">
+              <a:rPr lang="en-US" dirty="0">
                 <a:latin typeface="Archivo"/>
               </a:rPr>
               <a:t>, </a:t>
             </a:r>
             <a:r>
-              <a:rPr lang="en-US" sz="1200" u="sng" dirty="0">
+              <a:rPr lang="en-US" u="sng" dirty="0">
                 <a:latin typeface="Archivo"/>
               </a:rPr>
               <a:t>Room move</a:t>
             </a:r>
             <a:r>
-              <a:rPr lang="en-US" sz="1200" dirty="0">
+              <a:rPr lang="en-US" dirty="0">
                 <a:latin typeface="Archivo"/>
               </a:rPr>
               <a:t>, </a:t>
             </a:r>
             <a:r>
-              <a:rPr lang="en-US" sz="1200" u="sng" dirty="0">
+              <a:rPr lang="en-US" u="sng" dirty="0">
                 <a:latin typeface="Archivo"/>
               </a:rPr>
               <a:t>Event move</a:t>
             </a:r>
             <a:r>
-              <a:rPr lang="en-US" sz="1200" dirty="0">
+              <a:rPr lang="en-US" dirty="0">
                 <a:latin typeface="Archivo"/>
               </a:rPr>
               <a:t>, </a:t>
             </a:r>
             <a:r>
-              <a:rPr lang="en-US" sz="1200" u="sng" dirty="0">
+              <a:rPr lang="en-US" u="sng" dirty="0">
                 <a:latin typeface="Archivo"/>
               </a:rPr>
               <a:t>Room stability move</a:t>
             </a:r>
             <a:r>
-              <a:rPr lang="en-US" sz="1200" dirty="0">
+              <a:rPr lang="en-US" dirty="0">
                 <a:latin typeface="Archivo"/>
               </a:rPr>
               <a:t>, </a:t>
             </a:r>
             <a:r>
-              <a:rPr lang="en-US" sz="1200" u="sng" dirty="0">
+              <a:rPr lang="en-US" u="sng" dirty="0">
                 <a:latin typeface="Archivo"/>
               </a:rPr>
               <a:t>Compactness move</a:t>
             </a:r>
             <a:r>
-              <a:rPr lang="en-US" sz="1200" dirty="0">
+              <a:rPr lang="en-US" dirty="0">
                 <a:latin typeface="Archivo"/>
               </a:rPr>
               <a:t>, </a:t>
             </a:r>
             <a:r>
-              <a:rPr lang="en-US" sz="1200" u="sng" dirty="0">
+              <a:rPr lang="en-US" u="sng" dirty="0">
                 <a:latin typeface="Archivo"/>
               </a:rPr>
               <a:t>Minimum working days move</a:t>
@@ -14523,7 +15543,7 @@
               </a:spcBef>
             </a:pPr>
             <a:r>
-              <a:rPr lang="en-US" sz="1200" dirty="0">
+              <a:rPr lang="en-US" dirty="0">
                 <a:latin typeface="Archivo"/>
               </a:rPr>
               <a:t>The HC approach follows the following steps:</a:t>
@@ -14538,7 +15558,7 @@
               <a:buAutoNum type="arabicPeriod"/>
             </a:pPr>
             <a:r>
-              <a:rPr lang="en-US" sz="1200" dirty="0">
+              <a:rPr lang="en-US" dirty="0">
                 <a:latin typeface="Archivo"/>
               </a:rPr>
               <a:t>Starts with an initial timetable without hard constraints violated;</a:t>
@@ -14553,7 +15573,7 @@
               <a:buAutoNum type="arabicPeriod"/>
             </a:pPr>
             <a:r>
-              <a:rPr lang="en-US" sz="1200" dirty="0">
+              <a:rPr lang="en-US" dirty="0">
                 <a:latin typeface="Archivo"/>
               </a:rPr>
               <a:t>Repeatedly selects a random neighborhood move, based on weights;</a:t>
@@ -14568,7 +15588,7 @@
               <a:buAutoNum type="arabicPeriod"/>
             </a:pPr>
             <a:r>
-              <a:rPr lang="en-US" sz="1200" dirty="0">
+              <a:rPr lang="en-US" dirty="0">
                 <a:latin typeface="Archivo"/>
               </a:rPr>
               <a:t>Applies the move and evaluates the new timetable;</a:t>
@@ -14583,7 +15603,7 @@
               <a:buAutoNum type="arabicPeriod"/>
             </a:pPr>
             <a:r>
-              <a:rPr lang="en-US" sz="1200" dirty="0">
+              <a:rPr lang="en-US" dirty="0">
                 <a:latin typeface="Archivo"/>
               </a:rPr>
               <a:t>If the new timetable is better, it keeps the changes; otherwise, it reverts them;</a:t>
@@ -14598,7 +15618,7 @@
               <a:buAutoNum type="arabicPeriod"/>
             </a:pPr>
             <a:r>
-              <a:rPr lang="en-US" sz="1200" dirty="0">
+              <a:rPr lang="en-US" dirty="0">
                 <a:latin typeface="Archivo"/>
               </a:rPr>
               <a:t>Stops when:</a:t>
@@ -14613,7 +15633,7 @@
               <a:buChar char="•"/>
             </a:pPr>
             <a:r>
-              <a:rPr lang="en-US" sz="1200" dirty="0">
+              <a:rPr lang="en-US" dirty="0">
                 <a:latin typeface="Archivo"/>
               </a:rPr>
               <a:t>A timetable satisfying all hard and soft constraints is found;</a:t>
@@ -14628,7 +15648,7 @@
               <a:buChar char="•"/>
             </a:pPr>
             <a:r>
-              <a:rPr lang="en-US" sz="1200" dirty="0">
+              <a:rPr lang="en-US" dirty="0">
                 <a:latin typeface="Archivo"/>
               </a:rPr>
               <a:t>No improvements identified after a predefined number of idle iterations;</a:t>
@@ -14643,7 +15663,7 @@
               <a:buChar char="•"/>
             </a:pPr>
             <a:r>
-              <a:rPr lang="en-US" sz="1200" dirty="0">
+              <a:rPr lang="en-US" dirty="0">
                 <a:latin typeface="Archivo"/>
               </a:rPr>
               <a:t>The time limit is reached. </a:t>
@@ -14753,88 +15773,12 @@
           </a:p>
         </p:txBody>
       </p:sp>
-      <p:sp>
-        <p:nvSpPr>
-          <p:cNvPr id="6" name="TextBox 5">
+      <p:pic>
+        <p:nvPicPr>
+          <p:cNvPr id="5" name="Picture 4">
             <a:extLst>
               <a:ext uri="{FF2B5EF4-FFF2-40B4-BE49-F238E27FC236}">
-                <a16:creationId xmlns:a16="http://schemas.microsoft.com/office/drawing/2014/main" id="{CB954703-38BF-F582-C922-23EACE240E58}"/>
-              </a:ext>
-            </a:extLst>
-          </p:cNvPr>
-          <p:cNvSpPr txBox="1"/>
-          <p:nvPr/>
-        </p:nvSpPr>
-        <p:spPr>
-          <a:xfrm>
-            <a:off x="3714293" y="4889595"/>
-            <a:ext cx="1715413" cy="230832"/>
-          </a:xfrm>
-          <a:prstGeom prst="rect">
-            <a:avLst/>
-          </a:prstGeom>
-          <a:noFill/>
-        </p:spPr>
-        <p:txBody>
-          <a:bodyPr wrap="square" rtlCol="0">
-            <a:spAutoFit/>
-          </a:bodyPr>
-          <a:lstStyle/>
-          <a:p>
-            <a:r>
-              <a:rPr lang="pt-PT" sz="900" b="1" dirty="0">
-                <a:latin typeface="Archivo"/>
-              </a:rPr>
-              <a:t>Fig.  –</a:t>
-            </a:r>
-            <a:r>
-              <a:rPr lang="pt-PT" sz="900" dirty="0">
-                <a:latin typeface="Archivo"/>
-              </a:rPr>
-              <a:t> </a:t>
-            </a:r>
-            <a:r>
-              <a:rPr lang="pt-PT" sz="900" dirty="0" err="1">
-                <a:latin typeface="Archivo"/>
-              </a:rPr>
-              <a:t>Diving</a:t>
-            </a:r>
-            <a:r>
-              <a:rPr lang="pt-PT" sz="900" dirty="0">
-                <a:latin typeface="Archivo"/>
-              </a:rPr>
-              <a:t> </a:t>
-            </a:r>
-            <a:r>
-              <a:rPr lang="pt-PT" sz="900" dirty="0" err="1">
-                <a:latin typeface="Archivo"/>
-              </a:rPr>
-              <a:t>strategy</a:t>
-            </a:r>
-            <a:r>
-              <a:rPr lang="pt-PT" sz="900" dirty="0">
-                <a:latin typeface="Archivo"/>
-              </a:rPr>
-              <a:t> </a:t>
-            </a:r>
-            <a:r>
-              <a:rPr lang="pt-PT" sz="900" dirty="0" err="1">
-                <a:latin typeface="Archivo"/>
-              </a:rPr>
-              <a:t>example</a:t>
-            </a:r>
-            <a:endParaRPr lang="pt-PT" sz="900" i="1" dirty="0">
-              <a:latin typeface="Archivo"/>
-            </a:endParaRPr>
-          </a:p>
-        </p:txBody>
-      </p:sp>
-      <p:pic>
-        <p:nvPicPr>
-          <p:cNvPr id="7" name="Picture 6">
-            <a:extLst>
-              <a:ext uri="{FF2B5EF4-FFF2-40B4-BE49-F238E27FC236}">
-                <a16:creationId xmlns:a16="http://schemas.microsoft.com/office/drawing/2014/main" id="{4F8D54C4-E5F8-DEBB-99AD-483C43BF31F3}"/>
+                <a16:creationId xmlns:a16="http://schemas.microsoft.com/office/drawing/2014/main" id="{B04853AC-8D17-C926-1707-41E839723CA2}"/>
               </a:ext>
             </a:extLst>
           </p:cNvPr>
@@ -14844,15 +15788,46 @@
           <p:nvPr/>
         </p:nvPicPr>
         <p:blipFill>
-          <a:blip r:embed="rId2"/>
+          <a:blip r:embed="rId3"/>
+          <a:srcRect r="56436"/>
           <a:stretch>
             <a:fillRect/>
           </a:stretch>
         </p:blipFill>
         <p:spPr>
           <a:xfrm>
-            <a:off x="2018872" y="1100050"/>
-            <a:ext cx="5159167" cy="3851911"/>
+            <a:off x="775540" y="1185950"/>
+            <a:ext cx="2267463" cy="1689635"/>
+          </a:xfrm>
+          <a:prstGeom prst="rect">
+            <a:avLst/>
+          </a:prstGeom>
+        </p:spPr>
+      </p:pic>
+      <p:pic>
+        <p:nvPicPr>
+          <p:cNvPr id="9" name="Picture 8">
+            <a:extLst>
+              <a:ext uri="{FF2B5EF4-FFF2-40B4-BE49-F238E27FC236}">
+                <a16:creationId xmlns:a16="http://schemas.microsoft.com/office/drawing/2014/main" id="{1883BFEC-FC43-6ED0-C768-F9D66278DE24}"/>
+              </a:ext>
+            </a:extLst>
+          </p:cNvPr>
+          <p:cNvPicPr>
+            <a:picLocks noChangeAspect="1"/>
+          </p:cNvPicPr>
+          <p:nvPr/>
+        </p:nvPicPr>
+        <p:blipFill>
+          <a:blip r:embed="rId4"/>
+          <a:stretch>
+            <a:fillRect/>
+          </a:stretch>
+        </p:blipFill>
+        <p:spPr>
+          <a:xfrm>
+            <a:off x="3322522" y="1228139"/>
+            <a:ext cx="4925476" cy="3517311"/>
           </a:xfrm>
           <a:prstGeom prst="rect">
             <a:avLst/>
@@ -26311,7 +27286,7 @@
         <p:spPr>
           <a:xfrm>
             <a:off x="623453" y="1353697"/>
-            <a:ext cx="3997039" cy="2954655"/>
+            <a:ext cx="3997039" cy="3293209"/>
           </a:xfrm>
           <a:prstGeom prst="rect">
             <a:avLst/>
@@ -26333,31 +27308,31 @@
               </a:spcAft>
             </a:pPr>
             <a:r>
-              <a:rPr lang="en-US" sz="1200" dirty="0">
+              <a:rPr lang="en-US" dirty="0">
                 <a:latin typeface="Archivo"/>
               </a:rPr>
               <a:t>The evaluation used all </a:t>
             </a:r>
             <a:r>
-              <a:rPr lang="pt-PT" sz="1200" b="1" dirty="0">
+              <a:rPr lang="pt-PT" b="1" dirty="0">
                 <a:latin typeface="Archivo"/>
               </a:rPr>
               <a:t>21 </a:t>
             </a:r>
             <a:r>
-              <a:rPr lang="pt-PT" sz="1200" b="1" dirty="0" err="1">
+              <a:rPr lang="pt-PT" b="1" dirty="0" err="1">
                 <a:latin typeface="Archivo"/>
               </a:rPr>
               <a:t>instances</a:t>
             </a:r>
             <a:r>
-              <a:rPr lang="pt-PT" sz="1200" b="1" dirty="0">
+              <a:rPr lang="pt-PT" b="1" dirty="0">
                 <a:latin typeface="Archivo"/>
               </a:rPr>
               <a:t> </a:t>
             </a:r>
             <a:r>
-              <a:rPr lang="en-US" sz="1200" dirty="0">
+              <a:rPr lang="en-US" dirty="0">
                 <a:latin typeface="Archivo"/>
               </a:rPr>
               <a:t>from the ITC-2007 Track 3 dataset.</a:t>
@@ -26386,18 +27361,18 @@
               </a:spcAft>
             </a:pPr>
             <a:r>
-              <a:rPr lang="en-US" sz="1200" dirty="0">
+              <a:rPr lang="en-US" dirty="0">
                 <a:latin typeface="Archivo"/>
               </a:rPr>
               <a:t>Each instance includes information about</a:t>
             </a:r>
             <a:r>
-              <a:rPr lang="en-US" sz="1200" b="1" dirty="0">
+              <a:rPr lang="en-US" b="1" dirty="0">
                 <a:latin typeface="Archivo"/>
               </a:rPr>
               <a:t>:</a:t>
             </a:r>
-            <a:endParaRPr lang="pt-PT" sz="1200" b="1" dirty="0">
+            <a:endParaRPr lang="pt-PT" b="1" dirty="0">
               <a:latin typeface="Archivo"/>
             </a:endParaRPr>
           </a:p>
@@ -26410,7 +27385,7 @@
               <a:buChar char="•"/>
             </a:pPr>
             <a:r>
-              <a:rPr lang="pt-PT" sz="1200" dirty="0">
+              <a:rPr lang="pt-PT" dirty="0">
                 <a:latin typeface="Archivo"/>
               </a:rPr>
               <a:t>Curricula</a:t>
@@ -26425,12 +27400,12 @@
               <a:buChar char="•"/>
             </a:pPr>
             <a:r>
-              <a:rPr lang="pt-PT" sz="1200" dirty="0" err="1">
+              <a:rPr lang="pt-PT" dirty="0" err="1">
                 <a:latin typeface="Archivo"/>
               </a:rPr>
               <a:t>Courses</a:t>
             </a:r>
-            <a:endParaRPr lang="pt-PT" sz="1200" dirty="0">
+            <a:endParaRPr lang="pt-PT" dirty="0">
               <a:latin typeface="Archivo"/>
             </a:endParaRPr>
           </a:p>
@@ -26443,12 +27418,12 @@
               <a:buChar char="•"/>
             </a:pPr>
             <a:r>
-              <a:rPr lang="pt-PT" sz="1200" dirty="0" err="1">
+              <a:rPr lang="pt-PT" dirty="0" err="1">
                 <a:latin typeface="Archivo"/>
               </a:rPr>
               <a:t>Rooms</a:t>
             </a:r>
-            <a:endParaRPr lang="pt-PT" sz="1200" dirty="0">
+            <a:endParaRPr lang="pt-PT" dirty="0">
               <a:latin typeface="Archivo"/>
             </a:endParaRPr>
           </a:p>
@@ -26461,24 +27436,24 @@
               <a:buChar char="•"/>
             </a:pPr>
             <a:r>
-              <a:rPr lang="pt-PT" sz="1200" dirty="0" err="1">
+              <a:rPr lang="pt-PT" dirty="0" err="1">
                 <a:latin typeface="Archivo"/>
               </a:rPr>
               <a:t>Unavailability</a:t>
             </a:r>
             <a:r>
-              <a:rPr lang="pt-PT" sz="1200" dirty="0">
+              <a:rPr lang="pt-PT" dirty="0">
                 <a:latin typeface="Archivo"/>
               </a:rPr>
               <a:t> </a:t>
             </a:r>
             <a:r>
-              <a:rPr lang="pt-PT" sz="1200" dirty="0" err="1">
+              <a:rPr lang="pt-PT" dirty="0" err="1">
                 <a:latin typeface="Archivo"/>
               </a:rPr>
               <a:t>constraints</a:t>
             </a:r>
-            <a:endParaRPr lang="pt-PT" sz="1200" dirty="0">
+            <a:endParaRPr lang="pt-PT" dirty="0">
               <a:latin typeface="Archivo"/>
             </a:endParaRPr>
           </a:p>
@@ -26491,12 +27466,12 @@
               <a:buChar char="•"/>
             </a:pPr>
             <a:r>
-              <a:rPr lang="pt-PT" sz="1200" dirty="0" err="1">
+              <a:rPr lang="pt-PT" dirty="0" err="1">
                 <a:latin typeface="Archivo"/>
               </a:rPr>
               <a:t>Lectures</a:t>
             </a:r>
-            <a:endParaRPr lang="pt-PT" sz="1200" dirty="0">
+            <a:endParaRPr lang="pt-PT" dirty="0">
               <a:latin typeface="Archivo"/>
             </a:endParaRPr>
           </a:p>
@@ -26509,12 +27484,12 @@
               <a:buChar char="•"/>
             </a:pPr>
             <a:r>
-              <a:rPr lang="pt-PT" sz="1200" dirty="0" err="1">
+              <a:rPr lang="pt-PT" dirty="0" err="1">
                 <a:latin typeface="Archivo"/>
               </a:rPr>
               <a:t>Periods</a:t>
             </a:r>
-            <a:endParaRPr lang="pt-PT" sz="1200" dirty="0">
+            <a:endParaRPr lang="pt-PT" dirty="0">
               <a:latin typeface="Archivo"/>
             </a:endParaRPr>
           </a:p>
@@ -26527,12 +27502,12 @@
               <a:buChar char="•"/>
             </a:pPr>
             <a:r>
-              <a:rPr lang="pt-PT" sz="1200" dirty="0" err="1">
+              <a:rPr lang="pt-PT" dirty="0" err="1">
                 <a:latin typeface="Archivo"/>
               </a:rPr>
               <a:t>Teachers</a:t>
             </a:r>
-            <a:endParaRPr lang="pt-PT" sz="1200" dirty="0">
+            <a:endParaRPr lang="pt-PT" dirty="0">
               <a:latin typeface="Archivo"/>
             </a:endParaRPr>
           </a:p>
@@ -26544,7 +27519,7 @@
               <a:buFont typeface="Arial" panose="020B0604020202020204" pitchFamily="34" charset="0"/>
               <a:buChar char="•"/>
             </a:pPr>
-            <a:endParaRPr lang="pt-PT" sz="1200" b="1" dirty="0">
+            <a:endParaRPr lang="pt-PT" b="1" dirty="0">
               <a:latin typeface="Archivo"/>
             </a:endParaRPr>
           </a:p>
@@ -26661,8 +27636,8 @@
         </p:nvSpPr>
         <p:spPr>
           <a:xfrm>
-            <a:off x="643799" y="1319821"/>
-            <a:ext cx="7704000" cy="3354765"/>
+            <a:off x="720000" y="1100050"/>
+            <a:ext cx="8271510" cy="3724096"/>
           </a:xfrm>
           <a:prstGeom prst="rect">
             <a:avLst/>
@@ -26676,43 +27651,43 @@
           <a:lstStyle/>
           <a:p>
             <a:r>
-              <a:rPr lang="en-US" sz="1200" dirty="0">
+              <a:rPr lang="en-US" dirty="0">
                 <a:latin typeface="Archivo"/>
               </a:rPr>
               <a:t>Tested </a:t>
             </a:r>
             <a:r>
-              <a:rPr lang="en-US" sz="1200" b="1" dirty="0">
+              <a:rPr lang="en-US" b="1" dirty="0">
                 <a:latin typeface="Archivo"/>
               </a:rPr>
               <a:t>C</a:t>
             </a:r>
             <a:r>
-              <a:rPr lang="en-US" sz="1200" dirty="0">
+              <a:rPr lang="en-US" dirty="0">
                 <a:latin typeface="Archivo"/>
               </a:rPr>
               <a:t> values (0.1 to 1000) in the </a:t>
             </a:r>
             <a:r>
-              <a:rPr lang="en-US" sz="1200" b="1" dirty="0">
+              <a:rPr lang="en-US" b="1" dirty="0">
                 <a:latin typeface="Archivo"/>
               </a:rPr>
               <a:t>UCT formula</a:t>
             </a:r>
             <a:r>
-              <a:rPr lang="en-US" sz="1200" dirty="0">
+              <a:rPr lang="en-US" dirty="0">
                 <a:latin typeface="Archivo"/>
               </a:rPr>
               <a:t> and in a</a:t>
             </a:r>
             <a:r>
-              <a:rPr lang="en-US" sz="1200" b="1" dirty="0">
+              <a:rPr lang="en-US" b="1" dirty="0">
                 <a:latin typeface="Archivo"/>
               </a:rPr>
               <a:t> modified version</a:t>
             </a:r>
             <a:r>
-              <a:rPr lang="en-US" sz="1200" dirty="0">
+              <a:rPr lang="en-US" dirty="0">
                 <a:latin typeface="Archivo"/>
               </a:rPr>
               <a:t> incorporating accumulated rewards for exploitation.</a:t>
@@ -26725,7 +27700,7 @@
           </a:p>
           <a:p>
             <a:r>
-              <a:rPr lang="en-US" sz="1200" b="1" dirty="0">
+              <a:rPr lang="en-US" b="1" dirty="0">
                 <a:latin typeface="Archivo"/>
               </a:rPr>
               <a:t>Performance metrics:</a:t>
@@ -26740,10 +27715,10 @@
               <a:buChar char="•"/>
             </a:pPr>
             <a:r>
-              <a:rPr lang="en-US" sz="1200" dirty="0">
-                <a:latin typeface="Archivo"/>
-              </a:rPr>
-              <a:t>Best hard penalty</a:t>
+              <a:rPr lang="en-US" dirty="0">
+                <a:latin typeface="Archivo"/>
+              </a:rPr>
+              <a:t>Best soft and hard penalty</a:t>
             </a:r>
           </a:p>
           <a:p>
@@ -26755,10 +27730,10 @@
               <a:buChar char="•"/>
             </a:pPr>
             <a:r>
-              <a:rPr lang="en-US" sz="1200" dirty="0">
-                <a:latin typeface="Archivo"/>
-              </a:rPr>
-              <a:t>Worst hard penalty</a:t>
+              <a:rPr lang="en-US" dirty="0">
+                <a:latin typeface="Archivo"/>
+              </a:rPr>
+              <a:t>Worst soft and hard penalty</a:t>
             </a:r>
           </a:p>
           <a:p>
@@ -26770,10 +27745,10 @@
               <a:buChar char="•"/>
             </a:pPr>
             <a:r>
-              <a:rPr lang="en-US" sz="1200" dirty="0">
-                <a:latin typeface="Archivo"/>
-              </a:rPr>
-              <a:t>Best soft penalty</a:t>
+              <a:rPr lang="en-US" dirty="0">
+                <a:latin typeface="Archivo"/>
+              </a:rPr>
+              <a:t>Iteration of best solution</a:t>
             </a:r>
           </a:p>
           <a:p>
@@ -26785,10 +27760,10 @@
               <a:buChar char="•"/>
             </a:pPr>
             <a:r>
-              <a:rPr lang="en-US" sz="1200" dirty="0">
-                <a:latin typeface="Archivo"/>
-              </a:rPr>
-              <a:t>Worst soft penalty</a:t>
+              <a:rPr lang="en-US" dirty="0">
+                <a:latin typeface="Archivo"/>
+              </a:rPr>
+              <a:t>Total number of iterations</a:t>
             </a:r>
           </a:p>
           <a:p>
@@ -26800,10 +27775,10 @@
               <a:buChar char="•"/>
             </a:pPr>
             <a:r>
-              <a:rPr lang="en-US" sz="1200" dirty="0">
-                <a:latin typeface="Archivo"/>
-              </a:rPr>
-              <a:t>Iteration of best solution</a:t>
+              <a:rPr lang="en-US" dirty="0">
+                <a:latin typeface="Archivo"/>
+              </a:rPr>
+              <a:t>Time to best solution</a:t>
             </a:r>
           </a:p>
           <a:p>
@@ -26818,7 +27793,7 @@
           </a:p>
           <a:p>
             <a:r>
-              <a:rPr lang="en-US" sz="1200" dirty="0">
+              <a:rPr lang="en-US" dirty="0">
                 <a:latin typeface="Archivo"/>
               </a:rPr>
               <a:t>The algorithm was executed for:</a:t>
@@ -26833,25 +27808,25 @@
               <a:buChar char="•"/>
             </a:pPr>
             <a:r>
-              <a:rPr lang="en-US" sz="1200" b="1" dirty="0">
-                <a:latin typeface="Archivo"/>
-              </a:rPr>
-              <a:t>1 hour</a:t>
-            </a:r>
-            <a:r>
-              <a:rPr lang="en-US" sz="1200" dirty="0">
+              <a:rPr lang="en-US" b="1" dirty="0">
+                <a:latin typeface="Archivo"/>
+              </a:rPr>
+              <a:t>1-hour</a:t>
+            </a:r>
+            <a:r>
+              <a:rPr lang="en-US" dirty="0">
                 <a:latin typeface="Archivo"/>
               </a:rPr>
               <a:t> and </a:t>
             </a:r>
             <a:r>
-              <a:rPr lang="en-US" sz="1200" b="1" dirty="0">
+              <a:rPr lang="en-US" b="1" dirty="0">
                 <a:latin typeface="Archivo"/>
               </a:rPr>
               <a:t>24-hours</a:t>
             </a:r>
             <a:r>
-              <a:rPr lang="en-US" sz="1200" dirty="0">
+              <a:rPr lang="en-US" dirty="0">
                 <a:latin typeface="Archivo"/>
               </a:rPr>
               <a:t> to assess its ability to converge towards high-quality solutions given sufficient runtime</a:t>
@@ -26866,13 +27841,13 @@
               <a:buChar char="•"/>
             </a:pPr>
             <a:r>
-              <a:rPr lang="en-US" sz="1200" b="1" dirty="0">
+              <a:rPr lang="en-US" b="1" dirty="0">
                 <a:latin typeface="Archivo"/>
               </a:rPr>
               <a:t>10 minutes</a:t>
             </a:r>
             <a:r>
-              <a:rPr lang="en-US" sz="1200" dirty="0">
+              <a:rPr lang="en-US" dirty="0">
                 <a:latin typeface="Archivo"/>
               </a:rPr>
               <a:t> using ten different seeds (1-10) to evaluate the consistency and variability of results across different initializations</a:t>
@@ -26989,7 +27964,7 @@
         <p:spPr>
           <a:xfrm>
             <a:off x="658090" y="1414441"/>
-            <a:ext cx="7516091" cy="1815882"/>
+            <a:ext cx="7516091" cy="2462213"/>
           </a:xfrm>
           <a:prstGeom prst="rect">
             <a:avLst/>
@@ -27007,35 +27982,37 @@
               <a:buChar char="•"/>
             </a:pPr>
             <a:r>
-              <a:rPr lang="en-US" sz="1200" dirty="0">
+              <a:rPr lang="en-US" dirty="0">
                 <a:latin typeface="Archivo"/>
               </a:rPr>
               <a:t>Python vs </a:t>
             </a:r>
             <a:r>
-              <a:rPr lang="en-US" sz="1200" dirty="0" err="1">
+              <a:rPr lang="en-US" dirty="0" err="1">
                 <a:latin typeface="Archivo"/>
               </a:rPr>
               <a:t>PyPy</a:t>
             </a:r>
             <a:r>
-              <a:rPr lang="en-US" sz="1200" dirty="0">
+              <a:rPr lang="en-US" dirty="0">
                 <a:latin typeface="Archivo"/>
               </a:rPr>
               <a:t> Performance Evaluation </a:t>
             </a:r>
             <a:r>
-              <a:rPr lang="pt-PT" dirty="0"/>
+              <a:rPr lang="pt-PT" dirty="0">
+                <a:latin typeface="Archivo"/>
+              </a:rPr>
               <a:t>→ </a:t>
             </a:r>
             <a:r>
-              <a:rPr lang="en-US" sz="1200" b="1" dirty="0" err="1">
+              <a:rPr lang="en-US" b="1" dirty="0" err="1">
                 <a:latin typeface="Archivo"/>
               </a:rPr>
               <a:t>PyPy</a:t>
             </a:r>
             <a:r>
-              <a:rPr lang="en-US" sz="1200" b="1" dirty="0">
+              <a:rPr lang="en-US" b="1" dirty="0">
                 <a:latin typeface="Archivo"/>
               </a:rPr>
               <a:t> called over 3x more functions</a:t>
@@ -27046,7 +28023,7 @@
               <a:buFont typeface="Arial" panose="020B0604020202020204" pitchFamily="34" charset="0"/>
               <a:buChar char="•"/>
             </a:pPr>
-            <a:endParaRPr lang="en-US" sz="1200" dirty="0">
+            <a:endParaRPr lang="en-US" dirty="0">
               <a:latin typeface="Archivo"/>
             </a:endParaRPr>
           </a:p>
@@ -27056,19 +28033,19 @@
               <a:buChar char="•"/>
             </a:pPr>
             <a:r>
-              <a:rPr lang="en-US" sz="1200" dirty="0">
+              <a:rPr lang="en-US" dirty="0">
                 <a:latin typeface="Archivo"/>
               </a:rPr>
               <a:t>All tests have consistently produced </a:t>
             </a:r>
             <a:r>
-              <a:rPr lang="en-US" sz="1200" b="1" dirty="0">
+              <a:rPr lang="en-US" b="1" dirty="0">
                 <a:latin typeface="Archivo"/>
               </a:rPr>
               <a:t>feasible solutions </a:t>
             </a:r>
             <a:r>
-              <a:rPr lang="en-US" sz="1200" dirty="0">
+              <a:rPr lang="en-US" dirty="0">
                 <a:latin typeface="Archivo"/>
               </a:rPr>
               <a:t>in the challenging ITC-2007 set of benchmark instances. </a:t>
@@ -27089,13 +28066,13 @@
               <a:buChar char="•"/>
             </a:pPr>
             <a:r>
-              <a:rPr lang="en-US" sz="1200" b="1" dirty="0">
+              <a:rPr lang="en-US" b="1" dirty="0">
                 <a:latin typeface="Archivo"/>
               </a:rPr>
               <a:t>C showed minimal impact on results</a:t>
             </a:r>
             <a:r>
-              <a:rPr lang="en-US" sz="1200" dirty="0">
+              <a:rPr lang="en-US" dirty="0">
                 <a:latin typeface="Archivo"/>
               </a:rPr>
               <a:t>, indicating a weaker-than-expected influence on node selection.</a:t>
@@ -27106,7 +28083,7 @@
               <a:buFont typeface="Arial" panose="020B0604020202020204" pitchFamily="34" charset="0"/>
               <a:buChar char="•"/>
             </a:pPr>
-            <a:endParaRPr lang="en-US" sz="1200" dirty="0">
+            <a:endParaRPr lang="en-US" dirty="0">
               <a:latin typeface="Archivo"/>
             </a:endParaRPr>
           </a:p>
@@ -27116,19 +28093,19 @@
               <a:buChar char="•"/>
             </a:pPr>
             <a:r>
-              <a:rPr lang="en-US" sz="1200" dirty="0">
+              <a:rPr lang="en-US" dirty="0">
                 <a:latin typeface="Archivo"/>
               </a:rPr>
               <a:t>Purely </a:t>
             </a:r>
             <a:r>
-              <a:rPr lang="en-US" sz="1200" b="1" dirty="0">
+              <a:rPr lang="en-US" b="1" dirty="0">
                 <a:latin typeface="Archivo"/>
               </a:rPr>
               <a:t>random simulations failed to produce feasible solutions</a:t>
             </a:r>
             <a:r>
-              <a:rPr lang="en-US" sz="1200" dirty="0">
+              <a:rPr lang="en-US" dirty="0">
                 <a:latin typeface="Archivo"/>
               </a:rPr>
               <a:t>, emphasizing the necessity of guided search and domain knowledge to navigate the complex solution space effectively.</a:t>
@@ -27139,7 +28116,7 @@
               <a:buFont typeface="Arial" panose="020B0604020202020204" pitchFamily="34" charset="0"/>
               <a:buChar char="•"/>
             </a:pPr>
-            <a:endParaRPr lang="pt-PT" sz="1200" dirty="0">
+            <a:endParaRPr lang="pt-PT" dirty="0">
               <a:latin typeface="Archivo"/>
             </a:endParaRPr>
           </a:p>
@@ -27378,7 +28355,7 @@
               <a:t>Competitions</a:t>
             </a:r>
             <a:r>
-              <a:rPr lang="pt-PT" sz="1200">
+              <a:rPr lang="pt-PT" sz="1200" dirty="0">
                 <a:latin typeface="Archivo"/>
               </a:rPr>
               <a:t> (ITC) </a:t>
@@ -27825,7 +28802,7 @@
         </p:nvSpPr>
         <p:spPr>
           <a:xfrm>
-            <a:off x="2628037" y="4767263"/>
+            <a:off x="3799612" y="4726400"/>
             <a:ext cx="1715413" cy="230832"/>
           </a:xfrm>
           <a:prstGeom prst="rect">
@@ -27843,7 +28820,25 @@
               <a:rPr lang="pt-PT" sz="900" b="1" dirty="0">
                 <a:latin typeface="Archivo"/>
               </a:rPr>
-              <a:t>Fig.  –</a:t>
+              <a:t>Fig. 9 – </a:t>
+            </a:r>
+            <a:r>
+              <a:rPr lang="pt-PT" sz="900" dirty="0" err="1">
+                <a:latin typeface="Archivo"/>
+              </a:rPr>
+              <a:t>Pruning</a:t>
+            </a:r>
+            <a:r>
+              <a:rPr lang="pt-PT" sz="900" dirty="0">
+                <a:latin typeface="Archivo"/>
+              </a:rPr>
+              <a:t> </a:t>
+            </a:r>
+            <a:r>
+              <a:rPr lang="pt-PT" sz="900" dirty="0" err="1">
+                <a:latin typeface="Archivo"/>
+              </a:rPr>
+              <a:t>Test</a:t>
             </a:r>
             <a:r>
               <a:rPr lang="pt-PT" sz="900" dirty="0">
@@ -27892,7 +28887,7 @@
             <p:nvPr/>
           </p:nvPicPr>
           <p:blipFill>
-            <a:blip r:embed="rId2"/>
+            <a:blip r:embed="rId3"/>
             <a:stretch>
               <a:fillRect/>
             </a:stretch>
@@ -27922,7 +28917,7 @@
             <p:nvPr/>
           </p:nvPicPr>
           <p:blipFill>
-            <a:blip r:embed="rId3"/>
+            <a:blip r:embed="rId4"/>
             <a:stretch>
               <a:fillRect/>
             </a:stretch>
@@ -27952,7 +28947,7 @@
             <p:nvPr/>
           </p:nvPicPr>
           <p:blipFill>
-            <a:blip r:embed="rId4"/>
+            <a:blip r:embed="rId5"/>
             <a:stretch>
               <a:fillRect/>
             </a:stretch>
@@ -27968,6 +28963,94 @@
           </p:spPr>
         </p:pic>
       </p:grpSp>
+      <p:sp>
+        <p:nvSpPr>
+          <p:cNvPr id="4" name="TextBox 3">
+            <a:extLst>
+              <a:ext uri="{FF2B5EF4-FFF2-40B4-BE49-F238E27FC236}">
+                <a16:creationId xmlns:a16="http://schemas.microsoft.com/office/drawing/2014/main" id="{4881322E-893D-A9C8-E04C-CBE6EBAC24F4}"/>
+              </a:ext>
+            </a:extLst>
+          </p:cNvPr>
+          <p:cNvSpPr txBox="1"/>
+          <p:nvPr/>
+        </p:nvSpPr>
+        <p:spPr>
+          <a:xfrm>
+            <a:off x="1934048" y="4614645"/>
+            <a:ext cx="1190584" cy="261610"/>
+          </a:xfrm>
+          <a:prstGeom prst="rect">
+            <a:avLst/>
+          </a:prstGeom>
+          <a:noFill/>
+        </p:spPr>
+        <p:txBody>
+          <a:bodyPr wrap="square" rtlCol="0">
+            <a:spAutoFit/>
+          </a:bodyPr>
+          <a:lstStyle/>
+          <a:p>
+            <a:r>
+              <a:rPr lang="pt-PT" sz="1100" dirty="0" err="1"/>
+              <a:t>Without</a:t>
+            </a:r>
+            <a:r>
+              <a:rPr lang="pt-PT" sz="1100" dirty="0"/>
+              <a:t> </a:t>
+            </a:r>
+            <a:r>
+              <a:rPr lang="pt-PT" sz="1100" dirty="0" err="1"/>
+              <a:t>Pruning</a:t>
+            </a:r>
+            <a:endParaRPr lang="pt-PT" sz="1100" dirty="0"/>
+          </a:p>
+        </p:txBody>
+      </p:sp>
+      <p:sp>
+        <p:nvSpPr>
+          <p:cNvPr id="6" name="TextBox 5">
+            <a:extLst>
+              <a:ext uri="{FF2B5EF4-FFF2-40B4-BE49-F238E27FC236}">
+                <a16:creationId xmlns:a16="http://schemas.microsoft.com/office/drawing/2014/main" id="{5E8BE9E0-91A6-2CED-AEAC-77A1D36441D0}"/>
+              </a:ext>
+            </a:extLst>
+          </p:cNvPr>
+          <p:cNvSpPr txBox="1"/>
+          <p:nvPr/>
+        </p:nvSpPr>
+        <p:spPr>
+          <a:xfrm>
+            <a:off x="5928229" y="4646683"/>
+            <a:ext cx="1059441" cy="261610"/>
+          </a:xfrm>
+          <a:prstGeom prst="rect">
+            <a:avLst/>
+          </a:prstGeom>
+          <a:noFill/>
+        </p:spPr>
+        <p:txBody>
+          <a:bodyPr wrap="square" rtlCol="0">
+            <a:spAutoFit/>
+          </a:bodyPr>
+          <a:lstStyle/>
+          <a:p>
+            <a:r>
+              <a:rPr lang="pt-PT" sz="1100" dirty="0" err="1"/>
+              <a:t>With</a:t>
+            </a:r>
+            <a:r>
+              <a:rPr lang="pt-PT" sz="1100" dirty="0"/>
+              <a:t> </a:t>
+            </a:r>
+            <a:r>
+              <a:rPr lang="pt-PT" sz="1100" dirty="0" err="1"/>
+              <a:t>Pruning</a:t>
+            </a:r>
+            <a:endParaRPr lang="pt-PT" sz="1100" dirty="0"/>
+          </a:p>
+        </p:txBody>
+      </p:sp>
     </p:spTree>
     <p:extLst>
       <p:ext uri="{BB962C8B-B14F-4D97-AF65-F5344CB8AC3E}">
@@ -28080,7 +29163,7 @@
           <p:nvPr/>
         </p:nvPicPr>
         <p:blipFill>
-          <a:blip r:embed="rId2"/>
+          <a:blip r:embed="rId3"/>
           <a:stretch>
             <a:fillRect/>
           </a:stretch>
@@ -28110,7 +29193,7 @@
           <p:nvPr/>
         </p:nvPicPr>
         <p:blipFill>
-          <a:blip r:embed="rId3"/>
+          <a:blip r:embed="rId4"/>
           <a:stretch>
             <a:fillRect/>
           </a:stretch>
@@ -28140,7 +29223,7 @@
           <p:nvPr/>
         </p:nvPicPr>
         <p:blipFill>
-          <a:blip r:embed="rId4"/>
+          <a:blip r:embed="rId5"/>
           <a:stretch>
             <a:fillRect/>
           </a:stretch>
@@ -28155,6 +29238,158 @@
           </a:prstGeom>
         </p:spPr>
       </p:pic>
+      <p:sp>
+        <p:nvSpPr>
+          <p:cNvPr id="4" name="TextBox 3">
+            <a:extLst>
+              <a:ext uri="{FF2B5EF4-FFF2-40B4-BE49-F238E27FC236}">
+                <a16:creationId xmlns:a16="http://schemas.microsoft.com/office/drawing/2014/main" id="{C8B4057B-A94E-1A43-D56A-83319187B68B}"/>
+              </a:ext>
+            </a:extLst>
+          </p:cNvPr>
+          <p:cNvSpPr txBox="1"/>
+          <p:nvPr/>
+        </p:nvSpPr>
+        <p:spPr>
+          <a:xfrm>
+            <a:off x="3799612" y="4726400"/>
+            <a:ext cx="1715413" cy="230832"/>
+          </a:xfrm>
+          <a:prstGeom prst="rect">
+            <a:avLst/>
+          </a:prstGeom>
+          <a:noFill/>
+        </p:spPr>
+        <p:txBody>
+          <a:bodyPr wrap="square" rtlCol="0">
+            <a:spAutoFit/>
+          </a:bodyPr>
+          <a:lstStyle/>
+          <a:p>
+            <a:r>
+              <a:rPr lang="pt-PT" sz="900" b="1" dirty="0">
+                <a:latin typeface="Archivo"/>
+              </a:rPr>
+              <a:t>Fig. 10 – </a:t>
+            </a:r>
+            <a:r>
+              <a:rPr lang="pt-PT" sz="900" dirty="0" err="1">
+                <a:latin typeface="Archivo"/>
+              </a:rPr>
+              <a:t>Diving</a:t>
+            </a:r>
+            <a:r>
+              <a:rPr lang="pt-PT" sz="900" dirty="0">
+                <a:latin typeface="Archivo"/>
+              </a:rPr>
+              <a:t> </a:t>
+            </a:r>
+            <a:r>
+              <a:rPr lang="pt-PT" sz="900" dirty="0" err="1">
+                <a:latin typeface="Archivo"/>
+              </a:rPr>
+              <a:t>Test</a:t>
+            </a:r>
+            <a:r>
+              <a:rPr lang="pt-PT" sz="900" dirty="0">
+                <a:latin typeface="Archivo"/>
+              </a:rPr>
+              <a:t> </a:t>
+            </a:r>
+            <a:endParaRPr lang="pt-PT" sz="900" i="1" dirty="0">
+              <a:latin typeface="Archivo"/>
+            </a:endParaRPr>
+          </a:p>
+        </p:txBody>
+      </p:sp>
+      <p:sp>
+        <p:nvSpPr>
+          <p:cNvPr id="5" name="TextBox 4">
+            <a:extLst>
+              <a:ext uri="{FF2B5EF4-FFF2-40B4-BE49-F238E27FC236}">
+                <a16:creationId xmlns:a16="http://schemas.microsoft.com/office/drawing/2014/main" id="{4280376C-F077-FA2A-75AD-8090871535CE}"/>
+              </a:ext>
+            </a:extLst>
+          </p:cNvPr>
+          <p:cNvSpPr txBox="1"/>
+          <p:nvPr/>
+        </p:nvSpPr>
+        <p:spPr>
+          <a:xfrm>
+            <a:off x="1827863" y="4580206"/>
+            <a:ext cx="1190584" cy="261610"/>
+          </a:xfrm>
+          <a:prstGeom prst="rect">
+            <a:avLst/>
+          </a:prstGeom>
+          <a:noFill/>
+        </p:spPr>
+        <p:txBody>
+          <a:bodyPr wrap="square" rtlCol="0">
+            <a:spAutoFit/>
+          </a:bodyPr>
+          <a:lstStyle/>
+          <a:p>
+            <a:r>
+              <a:rPr lang="pt-PT" sz="1100" dirty="0" err="1"/>
+              <a:t>Without</a:t>
+            </a:r>
+            <a:r>
+              <a:rPr lang="pt-PT" sz="1100" dirty="0"/>
+              <a:t> </a:t>
+            </a:r>
+            <a:r>
+              <a:rPr lang="pt-PT" sz="1100" dirty="0" err="1"/>
+              <a:t>Diving</a:t>
+            </a:r>
+            <a:endParaRPr lang="pt-PT" sz="1100" dirty="0"/>
+          </a:p>
+        </p:txBody>
+      </p:sp>
+      <p:sp>
+        <p:nvSpPr>
+          <p:cNvPr id="6" name="TextBox 5">
+            <a:extLst>
+              <a:ext uri="{FF2B5EF4-FFF2-40B4-BE49-F238E27FC236}">
+                <a16:creationId xmlns:a16="http://schemas.microsoft.com/office/drawing/2014/main" id="{B97884A2-8C7C-F176-C6EB-C4736FFD82FA}"/>
+              </a:ext>
+            </a:extLst>
+          </p:cNvPr>
+          <p:cNvSpPr txBox="1"/>
+          <p:nvPr/>
+        </p:nvSpPr>
+        <p:spPr>
+          <a:xfrm>
+            <a:off x="5588506" y="4510325"/>
+            <a:ext cx="913857" cy="261610"/>
+          </a:xfrm>
+          <a:prstGeom prst="rect">
+            <a:avLst/>
+          </a:prstGeom>
+          <a:noFill/>
+        </p:spPr>
+        <p:txBody>
+          <a:bodyPr wrap="square" rtlCol="0">
+            <a:spAutoFit/>
+          </a:bodyPr>
+          <a:lstStyle/>
+          <a:p>
+            <a:r>
+              <a:rPr lang="pt-PT" sz="1100" dirty="0" err="1"/>
+              <a:t>With</a:t>
+            </a:r>
+            <a:r>
+              <a:rPr lang="pt-PT" sz="1100" dirty="0"/>
+              <a:t> </a:t>
+            </a:r>
+            <a:r>
+              <a:rPr lang="pt-PT" sz="1100" dirty="0" err="1"/>
+              <a:t>Diving</a:t>
+            </a:r>
+            <a:endParaRPr lang="pt-PT" sz="1100" dirty="0"/>
+          </a:p>
+        </p:txBody>
+      </p:sp>
     </p:spTree>
     <p:extLst>
       <p:ext uri="{BB962C8B-B14F-4D97-AF65-F5344CB8AC3E}">
@@ -28300,6 +29535,60 @@
           </a:prstGeom>
         </p:spPr>
       </p:pic>
+      <p:sp>
+        <p:nvSpPr>
+          <p:cNvPr id="4" name="TextBox 3">
+            <a:extLst>
+              <a:ext uri="{FF2B5EF4-FFF2-40B4-BE49-F238E27FC236}">
+                <a16:creationId xmlns:a16="http://schemas.microsoft.com/office/drawing/2014/main" id="{AC2EB8A4-57F9-EDB8-C801-CBE8C086A81A}"/>
+              </a:ext>
+            </a:extLst>
+          </p:cNvPr>
+          <p:cNvSpPr txBox="1"/>
+          <p:nvPr/>
+        </p:nvSpPr>
+        <p:spPr>
+          <a:xfrm>
+            <a:off x="1974057" y="3295152"/>
+            <a:ext cx="5195885" cy="369332"/>
+          </a:xfrm>
+          <a:prstGeom prst="rect">
+            <a:avLst/>
+          </a:prstGeom>
+          <a:noFill/>
+        </p:spPr>
+        <p:txBody>
+          <a:bodyPr wrap="square">
+            <a:spAutoFit/>
+          </a:bodyPr>
+          <a:lstStyle/>
+          <a:p>
+            <a:r>
+              <a:rPr lang="en-US" sz="900" b="1" dirty="0">
+                <a:latin typeface="Archivo"/>
+              </a:rPr>
+              <a:t>Table 2 – </a:t>
+            </a:r>
+            <a:r>
+              <a:rPr lang="en-US" sz="900" dirty="0">
+                <a:latin typeface="Archivo"/>
+              </a:rPr>
+              <a:t>Comparison of Müller and our method variants across six benchmark instances during 10 minutes. </a:t>
+            </a:r>
+          </a:p>
+          <a:p>
+            <a:r>
+              <a:rPr lang="en-US" sz="900" dirty="0">
+                <a:latin typeface="Archivo"/>
+              </a:rPr>
+              <a:t>                  Soft constraint penalties are shown with hard constraint violations in parentheses.</a:t>
+            </a:r>
+            <a:endParaRPr lang="pt-PT" sz="900" dirty="0">
+              <a:latin typeface="Archivo"/>
+            </a:endParaRPr>
+          </a:p>
+        </p:txBody>
+      </p:sp>
     </p:spTree>
     <p:extLst>
       <p:ext uri="{BB962C8B-B14F-4D97-AF65-F5344CB8AC3E}">
@@ -28318,13 +29607,7 @@
   <p:cSld>
     <p:spTree>
       <p:nvGrpSpPr>
-        <p:cNvPr id="1" name="">
-          <a:extLst>
-            <a:ext uri="{FF2B5EF4-FFF2-40B4-BE49-F238E27FC236}">
-              <a16:creationId xmlns:a16="http://schemas.microsoft.com/office/drawing/2014/main" id="{14B347B5-AB81-07F6-EA28-3DD69DC05D6E}"/>
-            </a:ext>
-          </a:extLst>
-        </p:cNvPr>
+        <p:cNvPr id="1" name=""/>
         <p:cNvGrpSpPr/>
         <p:nvPr/>
       </p:nvGrpSpPr>
@@ -28341,7 +29624,7 @@
           <p:cNvPr id="2" name="Title 1">
             <a:extLst>
               <a:ext uri="{FF2B5EF4-FFF2-40B4-BE49-F238E27FC236}">
-                <a16:creationId xmlns:a16="http://schemas.microsoft.com/office/drawing/2014/main" id="{6EC4F83F-32AE-1C8A-9582-7354C75231F9}"/>
+                <a16:creationId xmlns:a16="http://schemas.microsoft.com/office/drawing/2014/main" id="{B958C025-3D1F-638F-354D-A7682A00609E}"/>
               </a:ext>
             </a:extLst>
           </p:cNvPr>
@@ -28358,62 +29641,33 @@
           <a:lstStyle/>
           <a:p>
             <a:r>
-              <a:rPr lang="pt-PT" dirty="0" err="1"/>
+              <a:rPr lang="pt-PT" sz="4000" b="0" dirty="0" err="1"/>
               <a:t>Conclusion</a:t>
             </a:r>
             <a:r>
-              <a:rPr lang="pt-PT" dirty="0"/>
+              <a:rPr lang="pt-PT" sz="4000" b="0" dirty="0"/>
               <a:t> </a:t>
             </a:r>
             <a:r>
-              <a:rPr lang="pt-PT" dirty="0" err="1"/>
+              <a:rPr lang="pt-PT" sz="4000" b="0" dirty="0" err="1"/>
               <a:t>and</a:t>
             </a:r>
             <a:r>
-              <a:rPr lang="pt-PT" dirty="0"/>
+              <a:rPr lang="pt-PT" sz="4000" b="0" dirty="0"/>
               <a:t> Future </a:t>
             </a:r>
             <a:r>
-              <a:rPr lang="pt-PT" dirty="0" err="1"/>
+              <a:rPr lang="pt-PT" sz="4000" b="0" dirty="0" err="1"/>
               <a:t>Work</a:t>
             </a:r>
-            <a:endParaRPr lang="pt-PT" dirty="0"/>
-          </a:p>
-        </p:txBody>
-      </p:sp>
-      <p:sp>
-        <p:nvSpPr>
-          <p:cNvPr id="3" name="Slide Number Placeholder 2">
-            <a:extLst>
-              <a:ext uri="{FF2B5EF4-FFF2-40B4-BE49-F238E27FC236}">
-                <a16:creationId xmlns:a16="http://schemas.microsoft.com/office/drawing/2014/main" id="{E3BD9337-A3C1-1ABA-505C-E21D37F3FDEA}"/>
-              </a:ext>
-            </a:extLst>
-          </p:cNvPr>
-          <p:cNvSpPr>
-            <a:spLocks noGrp="1"/>
-          </p:cNvSpPr>
-          <p:nvPr>
-            <p:ph type="sldNum" sz="quarter" idx="11"/>
-          </p:nvPr>
-        </p:nvSpPr>
-        <p:spPr/>
-        <p:txBody>
-          <a:bodyPr/>
-          <a:lstStyle/>
-          <a:p>
-            <a:fld id="{8BC8727B-4240-4963-929A-A961B0E9EF8D}" type="slidenum">
-              <a:rPr lang="pt-PT" smtClean="0"/>
-              <a:t>23</a:t>
-            </a:fld>
-            <a:endParaRPr lang="pt-PT"/>
+            <a:endParaRPr lang="pt-PT" sz="4000" b="0" dirty="0"/>
           </a:p>
         </p:txBody>
       </p:sp>
     </p:spTree>
     <p:extLst>
       <p:ext uri="{BB962C8B-B14F-4D97-AF65-F5344CB8AC3E}">
-        <p14:creationId xmlns:p14="http://schemas.microsoft.com/office/powerpoint/2010/main" val="4003546047"/>
+        <p14:creationId xmlns:p14="http://schemas.microsoft.com/office/powerpoint/2010/main" val="3068153632"/>
       </p:ext>
     </p:extLst>
   </p:cSld>
@@ -28424,2385 +29678,6 @@
 </file>
 
 <file path=ppt/slides/slide24.xml><?xml version="1.0" encoding="utf-8"?>
-<p:sld xmlns:a="http://schemas.openxmlformats.org/drawingml/2006/main" xmlns:r="http://schemas.openxmlformats.org/officeDocument/2006/relationships" xmlns:p="http://schemas.openxmlformats.org/presentationml/2006/main">
-  <p:cSld>
-    <p:spTree>
-      <p:nvGrpSpPr>
-        <p:cNvPr id="1" name="">
-          <a:extLst>
-            <a:ext uri="{FF2B5EF4-FFF2-40B4-BE49-F238E27FC236}">
-              <a16:creationId xmlns:a16="http://schemas.microsoft.com/office/drawing/2014/main" id="{7361787E-5ACD-A040-F9FF-B65350D190D9}"/>
-            </a:ext>
-          </a:extLst>
-        </p:cNvPr>
-        <p:cNvGrpSpPr/>
-        <p:nvPr/>
-      </p:nvGrpSpPr>
-      <p:grpSpPr>
-        <a:xfrm>
-          <a:off x="0" y="0"/>
-          <a:ext cx="0" cy="0"/>
-          <a:chOff x="0" y="0"/>
-          <a:chExt cx="0" cy="0"/>
-        </a:xfrm>
-      </p:grpSpPr>
-      <p:sp>
-        <p:nvSpPr>
-          <p:cNvPr id="2" name="Title 1">
-            <a:extLst>
-              <a:ext uri="{FF2B5EF4-FFF2-40B4-BE49-F238E27FC236}">
-                <a16:creationId xmlns:a16="http://schemas.microsoft.com/office/drawing/2014/main" id="{470C8AC4-47B8-CA59-9FEA-4ABA7D98F203}"/>
-              </a:ext>
-            </a:extLst>
-          </p:cNvPr>
-          <p:cNvSpPr>
-            <a:spLocks noGrp="1"/>
-          </p:cNvSpPr>
-          <p:nvPr>
-            <p:ph type="title"/>
-          </p:nvPr>
-        </p:nvSpPr>
-        <p:spPr/>
-        <p:txBody>
-          <a:bodyPr/>
-          <a:lstStyle/>
-          <a:p>
-            <a:r>
-              <a:rPr lang="pt-PT" dirty="0"/>
-              <a:t>Referencies</a:t>
-            </a:r>
-          </a:p>
-        </p:txBody>
-      </p:sp>
-      <p:sp>
-        <p:nvSpPr>
-          <p:cNvPr id="3" name="Slide Number Placeholder 2">
-            <a:extLst>
-              <a:ext uri="{FF2B5EF4-FFF2-40B4-BE49-F238E27FC236}">
-                <a16:creationId xmlns:a16="http://schemas.microsoft.com/office/drawing/2014/main" id="{1581D357-75D1-A73C-3DFD-F7BD4B36D077}"/>
-              </a:ext>
-            </a:extLst>
-          </p:cNvPr>
-          <p:cNvSpPr>
-            <a:spLocks noGrp="1"/>
-          </p:cNvSpPr>
-          <p:nvPr>
-            <p:ph type="sldNum" sz="quarter" idx="11"/>
-          </p:nvPr>
-        </p:nvSpPr>
-        <p:spPr/>
-        <p:txBody>
-          <a:bodyPr/>
-          <a:lstStyle/>
-          <a:p>
-            <a:fld id="{8BC8727B-4240-4963-929A-A961B0E9EF8D}" type="slidenum">
-              <a:rPr lang="pt-PT" smtClean="0"/>
-              <a:t>24</a:t>
-            </a:fld>
-            <a:endParaRPr lang="pt-PT"/>
-          </a:p>
-        </p:txBody>
-      </p:sp>
-      <p:sp>
-        <p:nvSpPr>
-          <p:cNvPr id="5" name="TextBox 4">
-            <a:extLst>
-              <a:ext uri="{FF2B5EF4-FFF2-40B4-BE49-F238E27FC236}">
-                <a16:creationId xmlns:a16="http://schemas.microsoft.com/office/drawing/2014/main" id="{275E4F6F-4F66-0C30-44AD-52CA4DCB277C}"/>
-              </a:ext>
-            </a:extLst>
-          </p:cNvPr>
-          <p:cNvSpPr txBox="1"/>
-          <p:nvPr/>
-        </p:nvSpPr>
-        <p:spPr>
-          <a:xfrm>
-            <a:off x="628649" y="1115787"/>
-            <a:ext cx="3760559" cy="3693319"/>
-          </a:xfrm>
-          <a:prstGeom prst="rect">
-            <a:avLst/>
-          </a:prstGeom>
-          <a:noFill/>
-        </p:spPr>
-        <p:txBody>
-          <a:bodyPr wrap="square">
-            <a:spAutoFit/>
-          </a:bodyPr>
-          <a:lstStyle/>
-          <a:p>
-            <a:r>
-              <a:rPr lang="pt-PT" sz="900" dirty="0">
-                <a:latin typeface="Archivo"/>
-              </a:rPr>
-              <a:t>[1] U. D. Porto, “</a:t>
-            </a:r>
-            <a:r>
-              <a:rPr lang="pt-PT" sz="900" dirty="0" err="1">
-                <a:latin typeface="Archivo"/>
-              </a:rPr>
-              <a:t>Fcup</a:t>
-            </a:r>
-            <a:r>
-              <a:rPr lang="pt-PT" sz="900" dirty="0">
-                <a:latin typeface="Archivo"/>
-              </a:rPr>
-              <a:t> em números.” [Online]. </a:t>
-            </a:r>
-            <a:r>
-              <a:rPr lang="pt-PT" sz="900" dirty="0" err="1">
-                <a:latin typeface="Archivo"/>
-              </a:rPr>
-              <a:t>Available</a:t>
-            </a:r>
-            <a:r>
-              <a:rPr lang="pt-PT" sz="900" dirty="0">
-                <a:latin typeface="Archivo"/>
-              </a:rPr>
-              <a:t>: </a:t>
-            </a:r>
-            <a:r>
-              <a:rPr lang="pt-PT" sz="900" dirty="0">
-                <a:latin typeface="Archivo"/>
-                <a:hlinkClick r:id="rId2"/>
-              </a:rPr>
-              <a:t>https://www.up.pt/fcup/pt/afcup/institucional/fcup-em-numeros/</a:t>
-            </a:r>
-            <a:endParaRPr lang="pt-PT" sz="900" dirty="0">
-              <a:latin typeface="Archivo"/>
-            </a:endParaRPr>
-          </a:p>
-          <a:p>
-            <a:r>
-              <a:rPr lang="pt-PT" sz="900" dirty="0">
-                <a:latin typeface="Archivo"/>
-              </a:rPr>
-              <a:t>[2] C. B. </a:t>
-            </a:r>
-            <a:r>
-              <a:rPr lang="pt-PT" sz="900" dirty="0" err="1">
-                <a:latin typeface="Archivo"/>
-              </a:rPr>
-              <a:t>Browne</a:t>
-            </a:r>
-            <a:r>
-              <a:rPr lang="pt-PT" sz="900" dirty="0">
-                <a:latin typeface="Archivo"/>
-              </a:rPr>
-              <a:t>, E. </a:t>
-            </a:r>
-            <a:r>
-              <a:rPr lang="pt-PT" sz="900" dirty="0" err="1">
-                <a:latin typeface="Archivo"/>
-              </a:rPr>
-              <a:t>Powley</a:t>
-            </a:r>
-            <a:r>
-              <a:rPr lang="pt-PT" sz="900" dirty="0">
-                <a:latin typeface="Archivo"/>
-              </a:rPr>
-              <a:t>, D. </a:t>
-            </a:r>
-            <a:r>
-              <a:rPr lang="pt-PT" sz="900" dirty="0" err="1">
-                <a:latin typeface="Archivo"/>
-              </a:rPr>
-              <a:t>Whitehouse</a:t>
-            </a:r>
-            <a:r>
-              <a:rPr lang="pt-PT" sz="900" dirty="0">
-                <a:latin typeface="Archivo"/>
-              </a:rPr>
-              <a:t>, S. M. Lucas, P. I. </a:t>
-            </a:r>
-            <a:r>
-              <a:rPr lang="pt-PT" sz="900" dirty="0" err="1">
-                <a:latin typeface="Archivo"/>
-              </a:rPr>
-              <a:t>Cowling</a:t>
-            </a:r>
-            <a:r>
-              <a:rPr lang="pt-PT" sz="900" dirty="0">
-                <a:latin typeface="Archivo"/>
-              </a:rPr>
-              <a:t>, P. </a:t>
-            </a:r>
-            <a:r>
-              <a:rPr lang="pt-PT" sz="900" dirty="0" err="1">
-                <a:latin typeface="Archivo"/>
-              </a:rPr>
-              <a:t>Rohlfshagen</a:t>
-            </a:r>
-            <a:r>
-              <a:rPr lang="pt-PT" sz="900" dirty="0">
-                <a:latin typeface="Archivo"/>
-              </a:rPr>
-              <a:t>, S. </a:t>
-            </a:r>
-            <a:r>
-              <a:rPr lang="pt-PT" sz="900" dirty="0" err="1">
-                <a:latin typeface="Archivo"/>
-              </a:rPr>
-              <a:t>Tavener</a:t>
-            </a:r>
-            <a:r>
-              <a:rPr lang="pt-PT" sz="900" dirty="0">
-                <a:latin typeface="Archivo"/>
-              </a:rPr>
-              <a:t>, D. </a:t>
-            </a:r>
-            <a:r>
-              <a:rPr lang="pt-PT" sz="900" dirty="0" err="1">
-                <a:latin typeface="Archivo"/>
-              </a:rPr>
-              <a:t>Perez</a:t>
-            </a:r>
-            <a:r>
-              <a:rPr lang="pt-PT" sz="900" dirty="0">
-                <a:latin typeface="Archivo"/>
-              </a:rPr>
-              <a:t>, S. </a:t>
-            </a:r>
-            <a:r>
-              <a:rPr lang="pt-PT" sz="900" dirty="0" err="1">
-                <a:latin typeface="Archivo"/>
-              </a:rPr>
-              <a:t>Samothrakis</a:t>
-            </a:r>
-            <a:r>
-              <a:rPr lang="pt-PT" sz="900" dirty="0">
-                <a:latin typeface="Archivo"/>
-              </a:rPr>
-              <a:t>, </a:t>
-            </a:r>
-            <a:r>
-              <a:rPr lang="pt-PT" sz="900" dirty="0" err="1">
-                <a:latin typeface="Archivo"/>
-              </a:rPr>
-              <a:t>and</a:t>
-            </a:r>
-            <a:r>
-              <a:rPr lang="pt-PT" sz="900" dirty="0">
-                <a:latin typeface="Archivo"/>
-              </a:rPr>
-              <a:t> S. </a:t>
-            </a:r>
-            <a:r>
-              <a:rPr lang="pt-PT" sz="900" dirty="0" err="1">
-                <a:latin typeface="Archivo"/>
-              </a:rPr>
-              <a:t>Colton</a:t>
-            </a:r>
-            <a:r>
-              <a:rPr lang="pt-PT" sz="900" dirty="0">
-                <a:latin typeface="Archivo"/>
-              </a:rPr>
-              <a:t>, “A </a:t>
-            </a:r>
-            <a:r>
-              <a:rPr lang="pt-PT" sz="900" dirty="0" err="1">
-                <a:latin typeface="Archivo"/>
-              </a:rPr>
-              <a:t>survey</a:t>
-            </a:r>
-            <a:r>
-              <a:rPr lang="pt-PT" sz="900" dirty="0">
-                <a:latin typeface="Archivo"/>
-              </a:rPr>
-              <a:t> </a:t>
-            </a:r>
-            <a:r>
-              <a:rPr lang="pt-PT" sz="900" dirty="0" err="1">
-                <a:latin typeface="Archivo"/>
-              </a:rPr>
-              <a:t>of</a:t>
-            </a:r>
-            <a:r>
-              <a:rPr lang="pt-PT" sz="900" dirty="0">
-                <a:latin typeface="Archivo"/>
-              </a:rPr>
-              <a:t> monte </a:t>
-            </a:r>
-            <a:r>
-              <a:rPr lang="pt-PT" sz="900" dirty="0" err="1">
-                <a:latin typeface="Archivo"/>
-              </a:rPr>
-              <a:t>carlo</a:t>
-            </a:r>
-            <a:r>
-              <a:rPr lang="pt-PT" sz="900" dirty="0">
-                <a:latin typeface="Archivo"/>
-              </a:rPr>
-              <a:t> </a:t>
-            </a:r>
-            <a:r>
-              <a:rPr lang="pt-PT" sz="900" dirty="0" err="1">
-                <a:latin typeface="Archivo"/>
-              </a:rPr>
-              <a:t>tree</a:t>
-            </a:r>
-            <a:r>
-              <a:rPr lang="pt-PT" sz="900" dirty="0">
-                <a:latin typeface="Archivo"/>
-              </a:rPr>
-              <a:t> </a:t>
-            </a:r>
-            <a:r>
-              <a:rPr lang="pt-PT" sz="900" dirty="0" err="1">
-                <a:latin typeface="Archivo"/>
-              </a:rPr>
-              <a:t>search</a:t>
-            </a:r>
-            <a:r>
-              <a:rPr lang="pt-PT" sz="900" dirty="0">
-                <a:latin typeface="Archivo"/>
-              </a:rPr>
-              <a:t> </a:t>
-            </a:r>
-            <a:r>
-              <a:rPr lang="pt-PT" sz="900" dirty="0" err="1">
-                <a:latin typeface="Archivo"/>
-              </a:rPr>
-              <a:t>methods</a:t>
-            </a:r>
-            <a:r>
-              <a:rPr lang="pt-PT" sz="900" dirty="0">
-                <a:latin typeface="Archivo"/>
-              </a:rPr>
-              <a:t>,” IEEE </a:t>
-            </a:r>
-            <a:r>
-              <a:rPr lang="pt-PT" sz="900" dirty="0" err="1">
-                <a:latin typeface="Archivo"/>
-              </a:rPr>
-              <a:t>Transactions</a:t>
-            </a:r>
-            <a:r>
-              <a:rPr lang="pt-PT" sz="900" dirty="0">
-                <a:latin typeface="Archivo"/>
-              </a:rPr>
-              <a:t> </a:t>
-            </a:r>
-            <a:r>
-              <a:rPr lang="pt-PT" sz="900" dirty="0" err="1">
-                <a:latin typeface="Archivo"/>
-              </a:rPr>
-              <a:t>on</a:t>
-            </a:r>
-            <a:r>
-              <a:rPr lang="pt-PT" sz="900" dirty="0">
-                <a:latin typeface="Archivo"/>
-              </a:rPr>
-              <a:t> </a:t>
-            </a:r>
-            <a:r>
-              <a:rPr lang="pt-PT" sz="900" dirty="0" err="1">
-                <a:latin typeface="Archivo"/>
-              </a:rPr>
-              <a:t>Computational</a:t>
-            </a:r>
-            <a:r>
-              <a:rPr lang="pt-PT" sz="900" dirty="0">
-                <a:latin typeface="Archivo"/>
-              </a:rPr>
-              <a:t> </a:t>
-            </a:r>
-            <a:r>
-              <a:rPr lang="pt-PT" sz="900" dirty="0" err="1">
-                <a:latin typeface="Archivo"/>
-              </a:rPr>
-              <a:t>Intelligence</a:t>
-            </a:r>
-            <a:r>
-              <a:rPr lang="pt-PT" sz="900" dirty="0">
-                <a:latin typeface="Archivo"/>
-              </a:rPr>
-              <a:t> </a:t>
-            </a:r>
-            <a:r>
-              <a:rPr lang="pt-PT" sz="900" dirty="0" err="1">
-                <a:latin typeface="Archivo"/>
-              </a:rPr>
-              <a:t>and</a:t>
-            </a:r>
-            <a:r>
-              <a:rPr lang="pt-PT" sz="900" dirty="0">
-                <a:latin typeface="Archivo"/>
-              </a:rPr>
-              <a:t> AI in Games, vol. 4, no. 1, pp. 1–43, Mar. 2012, </a:t>
-            </a:r>
-            <a:r>
-              <a:rPr lang="pt-PT" sz="900" dirty="0" err="1">
-                <a:latin typeface="Archivo"/>
-              </a:rPr>
-              <a:t>conference</a:t>
-            </a:r>
-            <a:r>
-              <a:rPr lang="pt-PT" sz="900" dirty="0">
-                <a:latin typeface="Archivo"/>
-              </a:rPr>
-              <a:t> </a:t>
-            </a:r>
-            <a:r>
-              <a:rPr lang="pt-PT" sz="900" dirty="0" err="1">
-                <a:latin typeface="Archivo"/>
-              </a:rPr>
-              <a:t>Name</a:t>
-            </a:r>
-            <a:r>
-              <a:rPr lang="pt-PT" sz="900" dirty="0">
-                <a:latin typeface="Archivo"/>
-              </a:rPr>
-              <a:t>: IEEE </a:t>
-            </a:r>
-            <a:r>
-              <a:rPr lang="pt-PT" sz="900" dirty="0" err="1">
-                <a:latin typeface="Archivo"/>
-              </a:rPr>
-              <a:t>Transactions</a:t>
-            </a:r>
-            <a:r>
-              <a:rPr lang="pt-PT" sz="900" dirty="0">
-                <a:latin typeface="Archivo"/>
-              </a:rPr>
-              <a:t> </a:t>
-            </a:r>
-            <a:r>
-              <a:rPr lang="pt-PT" sz="900" dirty="0" err="1">
-                <a:latin typeface="Archivo"/>
-              </a:rPr>
-              <a:t>on</a:t>
-            </a:r>
-            <a:r>
-              <a:rPr lang="pt-PT" sz="900" dirty="0">
-                <a:latin typeface="Archivo"/>
-              </a:rPr>
-              <a:t> </a:t>
-            </a:r>
-            <a:r>
-              <a:rPr lang="pt-PT" sz="900" dirty="0" err="1">
-                <a:latin typeface="Archivo"/>
-              </a:rPr>
-              <a:t>Computational</a:t>
-            </a:r>
-            <a:r>
-              <a:rPr lang="pt-PT" sz="900" dirty="0">
-                <a:latin typeface="Archivo"/>
-              </a:rPr>
-              <a:t> </a:t>
-            </a:r>
-            <a:r>
-              <a:rPr lang="pt-PT" sz="900" dirty="0" err="1">
-                <a:latin typeface="Archivo"/>
-              </a:rPr>
-              <a:t>Intelligence</a:t>
-            </a:r>
-            <a:r>
-              <a:rPr lang="pt-PT" sz="900" dirty="0">
-                <a:latin typeface="Archivo"/>
-              </a:rPr>
-              <a:t> </a:t>
-            </a:r>
-            <a:r>
-              <a:rPr lang="pt-PT" sz="900" dirty="0" err="1">
-                <a:latin typeface="Archivo"/>
-              </a:rPr>
-              <a:t>and</a:t>
-            </a:r>
-            <a:r>
-              <a:rPr lang="pt-PT" sz="900" dirty="0">
-                <a:latin typeface="Archivo"/>
-              </a:rPr>
-              <a:t> AI in Games. [Online]. </a:t>
-            </a:r>
-            <a:r>
-              <a:rPr lang="pt-PT" sz="900" dirty="0" err="1">
-                <a:latin typeface="Archivo"/>
-              </a:rPr>
-              <a:t>Available</a:t>
-            </a:r>
-            <a:r>
-              <a:rPr lang="pt-PT" sz="900" dirty="0">
-                <a:latin typeface="Archivo"/>
-              </a:rPr>
-              <a:t>: </a:t>
-            </a:r>
-            <a:r>
-              <a:rPr lang="pt-PT" sz="900" dirty="0">
-                <a:latin typeface="Archivo"/>
-                <a:hlinkClick r:id="rId3"/>
-              </a:rPr>
-              <a:t>https://ieeexplore.ieee.org/document/6145622/?arnumber=6145622</a:t>
-            </a:r>
-            <a:endParaRPr lang="pt-PT" sz="900" dirty="0">
-              <a:latin typeface="Archivo"/>
-            </a:endParaRPr>
-          </a:p>
-          <a:p>
-            <a:r>
-              <a:rPr lang="pt-PT" sz="900" dirty="0">
-                <a:latin typeface="Archivo"/>
-              </a:rPr>
-              <a:t>[3] R. Lewis, “A </a:t>
-            </a:r>
-            <a:r>
-              <a:rPr lang="pt-PT" sz="900" dirty="0" err="1">
-                <a:latin typeface="Archivo"/>
-              </a:rPr>
-              <a:t>survey</a:t>
-            </a:r>
-            <a:r>
-              <a:rPr lang="pt-PT" sz="900" dirty="0">
-                <a:latin typeface="Archivo"/>
-              </a:rPr>
-              <a:t> </a:t>
-            </a:r>
-            <a:r>
-              <a:rPr lang="pt-PT" sz="900" dirty="0" err="1">
-                <a:latin typeface="Archivo"/>
-              </a:rPr>
-              <a:t>of</a:t>
-            </a:r>
-            <a:r>
-              <a:rPr lang="pt-PT" sz="900" dirty="0">
-                <a:latin typeface="Archivo"/>
-              </a:rPr>
-              <a:t> </a:t>
-            </a:r>
-            <a:r>
-              <a:rPr lang="pt-PT" sz="900" dirty="0" err="1">
-                <a:latin typeface="Archivo"/>
-              </a:rPr>
-              <a:t>metaheuristic-based</a:t>
-            </a:r>
-            <a:r>
-              <a:rPr lang="pt-PT" sz="900" dirty="0">
-                <a:latin typeface="Archivo"/>
-              </a:rPr>
-              <a:t> </a:t>
-            </a:r>
-            <a:r>
-              <a:rPr lang="pt-PT" sz="900" dirty="0" err="1">
-                <a:latin typeface="Archivo"/>
-              </a:rPr>
-              <a:t>techniques</a:t>
-            </a:r>
-            <a:r>
-              <a:rPr lang="pt-PT" sz="900" dirty="0">
-                <a:latin typeface="Archivo"/>
-              </a:rPr>
-              <a:t> for </a:t>
-            </a:r>
-            <a:r>
-              <a:rPr lang="pt-PT" sz="900" dirty="0" err="1">
-                <a:latin typeface="Archivo"/>
-              </a:rPr>
-              <a:t>university</a:t>
-            </a:r>
-            <a:r>
-              <a:rPr lang="pt-PT" sz="900" dirty="0">
-                <a:latin typeface="Archivo"/>
-              </a:rPr>
-              <a:t> </a:t>
-            </a:r>
-            <a:r>
-              <a:rPr lang="pt-PT" sz="900" dirty="0" err="1">
-                <a:latin typeface="Archivo"/>
-              </a:rPr>
-              <a:t>timetabling</a:t>
-            </a:r>
-            <a:r>
-              <a:rPr lang="pt-PT" sz="900" dirty="0">
-                <a:latin typeface="Archivo"/>
-              </a:rPr>
-              <a:t> </a:t>
-            </a:r>
-            <a:r>
-              <a:rPr lang="pt-PT" sz="900" dirty="0" err="1">
-                <a:latin typeface="Archivo"/>
-              </a:rPr>
-              <a:t>problems</a:t>
-            </a:r>
-            <a:r>
-              <a:rPr lang="pt-PT" sz="900" dirty="0">
-                <a:latin typeface="Archivo"/>
-              </a:rPr>
-              <a:t>,” OR </a:t>
-            </a:r>
-            <a:r>
-              <a:rPr lang="pt-PT" sz="900" dirty="0" err="1">
-                <a:latin typeface="Archivo"/>
-              </a:rPr>
-              <a:t>Spectrum</a:t>
-            </a:r>
-            <a:r>
-              <a:rPr lang="pt-PT" sz="900" dirty="0">
-                <a:latin typeface="Archivo"/>
-              </a:rPr>
-              <a:t>, vol. 30, no. 1, pp. 167–190, Jan. 2008. [Online]. </a:t>
-            </a:r>
-            <a:r>
-              <a:rPr lang="pt-PT" sz="900" dirty="0" err="1">
-                <a:latin typeface="Archivo"/>
-              </a:rPr>
-              <a:t>Available</a:t>
-            </a:r>
-            <a:r>
-              <a:rPr lang="pt-PT" sz="900" dirty="0">
-                <a:latin typeface="Archivo"/>
-              </a:rPr>
-              <a:t>: </a:t>
-            </a:r>
-            <a:r>
-              <a:rPr lang="pt-PT" sz="900" dirty="0">
-                <a:latin typeface="Archivo"/>
-                <a:hlinkClick r:id="rId4"/>
-              </a:rPr>
-              <a:t>https://doi.org/10.1007/s00291-007-0097-0</a:t>
-            </a:r>
-            <a:endParaRPr lang="pt-PT" sz="900" dirty="0">
-              <a:latin typeface="Archivo"/>
-            </a:endParaRPr>
-          </a:p>
-          <a:p>
-            <a:r>
-              <a:rPr lang="pt-PT" sz="900" dirty="0">
-                <a:latin typeface="Archivo"/>
-              </a:rPr>
-              <a:t>[4] S. </a:t>
-            </a:r>
-            <a:r>
-              <a:rPr lang="pt-PT" sz="900" dirty="0" err="1">
-                <a:latin typeface="Archivo"/>
-              </a:rPr>
-              <a:t>Abdipoor</a:t>
-            </a:r>
-            <a:r>
-              <a:rPr lang="pt-PT" sz="900" dirty="0">
-                <a:latin typeface="Archivo"/>
-              </a:rPr>
-              <a:t>, R. </a:t>
-            </a:r>
-            <a:r>
-              <a:rPr lang="pt-PT" sz="900" dirty="0" err="1">
-                <a:latin typeface="Archivo"/>
-              </a:rPr>
-              <a:t>Yaakob</a:t>
-            </a:r>
-            <a:r>
-              <a:rPr lang="pt-PT" sz="900" dirty="0">
-                <a:latin typeface="Archivo"/>
-              </a:rPr>
-              <a:t>, S. L. </a:t>
-            </a:r>
-            <a:r>
-              <a:rPr lang="pt-PT" sz="900" dirty="0" err="1">
-                <a:latin typeface="Archivo"/>
-              </a:rPr>
-              <a:t>Goh</a:t>
-            </a:r>
-            <a:r>
-              <a:rPr lang="pt-PT" sz="900" dirty="0">
-                <a:latin typeface="Archivo"/>
-              </a:rPr>
-              <a:t>, </a:t>
-            </a:r>
-            <a:r>
-              <a:rPr lang="pt-PT" sz="900" dirty="0" err="1">
-                <a:latin typeface="Archivo"/>
-              </a:rPr>
-              <a:t>and</a:t>
-            </a:r>
-            <a:r>
-              <a:rPr lang="pt-PT" sz="900" dirty="0">
-                <a:latin typeface="Archivo"/>
-              </a:rPr>
-              <a:t> S. </a:t>
-            </a:r>
-            <a:r>
-              <a:rPr lang="pt-PT" sz="900" dirty="0" err="1">
-                <a:latin typeface="Archivo"/>
-              </a:rPr>
-              <a:t>Abdullah</a:t>
-            </a:r>
-            <a:r>
-              <a:rPr lang="pt-PT" sz="900" dirty="0">
-                <a:latin typeface="Archivo"/>
-              </a:rPr>
-              <a:t>, “Meta-</a:t>
-            </a:r>
-            <a:r>
-              <a:rPr lang="pt-PT" sz="900" dirty="0" err="1">
-                <a:latin typeface="Archivo"/>
-              </a:rPr>
-              <a:t>heuristic</a:t>
-            </a:r>
-            <a:r>
-              <a:rPr lang="pt-PT" sz="900" dirty="0">
-                <a:latin typeface="Archivo"/>
-              </a:rPr>
-              <a:t> </a:t>
-            </a:r>
-            <a:r>
-              <a:rPr lang="pt-PT" sz="900" dirty="0" err="1">
-                <a:latin typeface="Archivo"/>
-              </a:rPr>
-              <a:t>approaches</a:t>
-            </a:r>
-            <a:r>
-              <a:rPr lang="pt-PT" sz="900" dirty="0">
-                <a:latin typeface="Archivo"/>
-              </a:rPr>
-              <a:t> for </a:t>
-            </a:r>
-            <a:r>
-              <a:rPr lang="pt-PT" sz="900" dirty="0" err="1">
-                <a:latin typeface="Archivo"/>
-              </a:rPr>
-              <a:t>the</a:t>
-            </a:r>
-            <a:r>
-              <a:rPr lang="pt-PT" sz="900" dirty="0">
-                <a:latin typeface="Archivo"/>
-              </a:rPr>
-              <a:t> </a:t>
-            </a:r>
-            <a:r>
-              <a:rPr lang="pt-PT" sz="900" dirty="0" err="1">
-                <a:latin typeface="Archivo"/>
-              </a:rPr>
-              <a:t>university</a:t>
-            </a:r>
-            <a:r>
-              <a:rPr lang="pt-PT" sz="900" dirty="0">
-                <a:latin typeface="Archivo"/>
-              </a:rPr>
-              <a:t> </a:t>
-            </a:r>
-            <a:r>
-              <a:rPr lang="pt-PT" sz="900" dirty="0" err="1">
-                <a:latin typeface="Archivo"/>
-              </a:rPr>
-              <a:t>course</a:t>
-            </a:r>
-            <a:r>
-              <a:rPr lang="pt-PT" sz="900" dirty="0">
-                <a:latin typeface="Archivo"/>
-              </a:rPr>
-              <a:t> </a:t>
-            </a:r>
-            <a:r>
-              <a:rPr lang="pt-PT" sz="900" dirty="0" err="1">
-                <a:latin typeface="Archivo"/>
-              </a:rPr>
-              <a:t>timetabling</a:t>
-            </a:r>
-            <a:r>
-              <a:rPr lang="pt-PT" sz="900" dirty="0">
-                <a:latin typeface="Archivo"/>
-              </a:rPr>
-              <a:t> </a:t>
-            </a:r>
-            <a:r>
-              <a:rPr lang="pt-PT" sz="900" dirty="0" err="1">
-                <a:latin typeface="Archivo"/>
-              </a:rPr>
-              <a:t>problem</a:t>
-            </a:r>
-            <a:r>
-              <a:rPr lang="pt-PT" sz="900" dirty="0">
-                <a:latin typeface="Archivo"/>
-              </a:rPr>
-              <a:t>,” </a:t>
-            </a:r>
-            <a:r>
-              <a:rPr lang="pt-PT" sz="900" dirty="0" err="1">
-                <a:latin typeface="Archivo"/>
-              </a:rPr>
-              <a:t>Intelligent</a:t>
-            </a:r>
-            <a:r>
-              <a:rPr lang="pt-PT" sz="900" dirty="0">
-                <a:latin typeface="Archivo"/>
-              </a:rPr>
-              <a:t> </a:t>
-            </a:r>
-            <a:r>
-              <a:rPr lang="pt-PT" sz="900" dirty="0" err="1">
-                <a:latin typeface="Archivo"/>
-              </a:rPr>
-              <a:t>Systems</a:t>
-            </a:r>
-            <a:r>
-              <a:rPr lang="pt-PT" sz="900" dirty="0">
-                <a:latin typeface="Archivo"/>
-              </a:rPr>
-              <a:t> </a:t>
-            </a:r>
-            <a:r>
-              <a:rPr lang="pt-PT" sz="900" dirty="0" err="1">
-                <a:latin typeface="Archivo"/>
-              </a:rPr>
-              <a:t>with</a:t>
-            </a:r>
-            <a:r>
-              <a:rPr lang="pt-PT" sz="900" dirty="0">
-                <a:latin typeface="Archivo"/>
-              </a:rPr>
-              <a:t> </a:t>
-            </a:r>
-            <a:r>
-              <a:rPr lang="pt-PT" sz="900" dirty="0" err="1">
-                <a:latin typeface="Archivo"/>
-              </a:rPr>
-              <a:t>Applications</a:t>
-            </a:r>
-            <a:r>
-              <a:rPr lang="pt-PT" sz="900" dirty="0">
-                <a:latin typeface="Archivo"/>
-              </a:rPr>
-              <a:t>, vol. 19, p. 200253, </a:t>
-            </a:r>
-            <a:r>
-              <a:rPr lang="pt-PT" sz="900" dirty="0" err="1">
-                <a:latin typeface="Archivo"/>
-              </a:rPr>
-              <a:t>Sep</a:t>
-            </a:r>
-            <a:r>
-              <a:rPr lang="pt-PT" sz="900" dirty="0">
-                <a:latin typeface="Archivo"/>
-              </a:rPr>
-              <a:t>. 2023. [Online]. </a:t>
-            </a:r>
-            <a:r>
-              <a:rPr lang="pt-PT" sz="900" dirty="0" err="1">
-                <a:latin typeface="Archivo"/>
-              </a:rPr>
-              <a:t>Available</a:t>
-            </a:r>
-            <a:r>
-              <a:rPr lang="pt-PT" sz="900" dirty="0">
-                <a:latin typeface="Archivo"/>
-              </a:rPr>
-              <a:t>: </a:t>
-            </a:r>
-            <a:r>
-              <a:rPr lang="pt-PT" sz="900" dirty="0">
-                <a:latin typeface="Archivo"/>
-                <a:hlinkClick r:id="rId5"/>
-              </a:rPr>
-              <a:t>https://linkinghub.elsevier.com/retrieve/pii/S2667305323000789</a:t>
-            </a:r>
-            <a:endParaRPr lang="pt-PT" sz="900" dirty="0">
-              <a:latin typeface="Archivo"/>
-            </a:endParaRPr>
-          </a:p>
-          <a:p>
-            <a:r>
-              <a:rPr lang="pt-PT" sz="900" dirty="0">
-                <a:latin typeface="Archivo"/>
-              </a:rPr>
-              <a:t>[5] H. </a:t>
-            </a:r>
-            <a:r>
-              <a:rPr lang="pt-PT" sz="900" dirty="0" err="1">
-                <a:latin typeface="Archivo"/>
-              </a:rPr>
-              <a:t>Babaei</a:t>
-            </a:r>
-            <a:r>
-              <a:rPr lang="pt-PT" sz="900" dirty="0">
-                <a:latin typeface="Archivo"/>
-              </a:rPr>
-              <a:t>, J. </a:t>
-            </a:r>
-            <a:r>
-              <a:rPr lang="pt-PT" sz="900" dirty="0" err="1">
-                <a:latin typeface="Archivo"/>
-              </a:rPr>
-              <a:t>Karimpour</a:t>
-            </a:r>
-            <a:r>
-              <a:rPr lang="pt-PT" sz="900" dirty="0">
-                <a:latin typeface="Archivo"/>
-              </a:rPr>
-              <a:t>, </a:t>
-            </a:r>
-            <a:r>
-              <a:rPr lang="pt-PT" sz="900" dirty="0" err="1">
-                <a:latin typeface="Archivo"/>
-              </a:rPr>
-              <a:t>and</a:t>
-            </a:r>
-            <a:r>
-              <a:rPr lang="pt-PT" sz="900" dirty="0">
-                <a:latin typeface="Archivo"/>
-              </a:rPr>
-              <a:t> A. </a:t>
-            </a:r>
-            <a:r>
-              <a:rPr lang="pt-PT" sz="900" dirty="0" err="1">
-                <a:latin typeface="Archivo"/>
-              </a:rPr>
-              <a:t>Hadidi</a:t>
-            </a:r>
-            <a:r>
-              <a:rPr lang="pt-PT" sz="900" dirty="0">
-                <a:latin typeface="Archivo"/>
-              </a:rPr>
-              <a:t>, “A </a:t>
-            </a:r>
-            <a:r>
-              <a:rPr lang="pt-PT" sz="900" dirty="0" err="1">
-                <a:latin typeface="Archivo"/>
-              </a:rPr>
-              <a:t>survey</a:t>
-            </a:r>
-            <a:r>
-              <a:rPr lang="pt-PT" sz="900" dirty="0">
-                <a:latin typeface="Archivo"/>
-              </a:rPr>
-              <a:t> </a:t>
-            </a:r>
-            <a:r>
-              <a:rPr lang="pt-PT" sz="900" dirty="0" err="1">
-                <a:latin typeface="Archivo"/>
-              </a:rPr>
-              <a:t>of</a:t>
-            </a:r>
-            <a:r>
-              <a:rPr lang="pt-PT" sz="900" dirty="0">
-                <a:latin typeface="Archivo"/>
-              </a:rPr>
-              <a:t> </a:t>
-            </a:r>
-            <a:r>
-              <a:rPr lang="pt-PT" sz="900" dirty="0" err="1">
-                <a:latin typeface="Archivo"/>
-              </a:rPr>
-              <a:t>approaches</a:t>
-            </a:r>
-            <a:r>
-              <a:rPr lang="pt-PT" sz="900" dirty="0">
-                <a:latin typeface="Archivo"/>
-              </a:rPr>
-              <a:t> for </a:t>
-            </a:r>
-            <a:r>
-              <a:rPr lang="pt-PT" sz="900" dirty="0" err="1">
-                <a:latin typeface="Archivo"/>
-              </a:rPr>
-              <a:t>university</a:t>
-            </a:r>
-            <a:r>
-              <a:rPr lang="pt-PT" sz="900" dirty="0">
-                <a:latin typeface="Archivo"/>
-              </a:rPr>
-              <a:t> </a:t>
-            </a:r>
-            <a:r>
-              <a:rPr lang="pt-PT" sz="900" dirty="0" err="1">
-                <a:latin typeface="Archivo"/>
-              </a:rPr>
-              <a:t>course</a:t>
-            </a:r>
-            <a:r>
-              <a:rPr lang="pt-PT" sz="900" dirty="0">
-                <a:latin typeface="Archivo"/>
-              </a:rPr>
-              <a:t> </a:t>
-            </a:r>
-            <a:r>
-              <a:rPr lang="pt-PT" sz="900" dirty="0" err="1">
-                <a:latin typeface="Archivo"/>
-              </a:rPr>
-              <a:t>timetabling</a:t>
-            </a:r>
-            <a:r>
-              <a:rPr lang="pt-PT" sz="900" dirty="0">
-                <a:latin typeface="Archivo"/>
-              </a:rPr>
-              <a:t> </a:t>
-            </a:r>
-            <a:r>
-              <a:rPr lang="pt-PT" sz="900" dirty="0" err="1">
-                <a:latin typeface="Archivo"/>
-              </a:rPr>
-              <a:t>problem</a:t>
-            </a:r>
-            <a:r>
-              <a:rPr lang="pt-PT" sz="900" dirty="0">
-                <a:latin typeface="Archivo"/>
-              </a:rPr>
-              <a:t>,” </a:t>
-            </a:r>
-            <a:r>
-              <a:rPr lang="pt-PT" sz="900" dirty="0" err="1">
-                <a:latin typeface="Archivo"/>
-              </a:rPr>
-              <a:t>Computers</a:t>
-            </a:r>
-            <a:r>
-              <a:rPr lang="pt-PT" sz="900" dirty="0">
-                <a:latin typeface="Archivo"/>
-              </a:rPr>
-              <a:t> &amp; Industrial </a:t>
-            </a:r>
-            <a:r>
-              <a:rPr lang="pt-PT" sz="900" dirty="0" err="1">
-                <a:latin typeface="Archivo"/>
-              </a:rPr>
-              <a:t>Engineering</a:t>
-            </a:r>
-            <a:r>
-              <a:rPr lang="pt-PT" sz="900" dirty="0">
-                <a:latin typeface="Archivo"/>
-              </a:rPr>
-              <a:t>, vol. 86, pp. 43–59, </a:t>
-            </a:r>
-            <a:r>
-              <a:rPr lang="pt-PT" sz="900" dirty="0" err="1">
-                <a:latin typeface="Archivo"/>
-              </a:rPr>
-              <a:t>Aug</a:t>
-            </a:r>
-            <a:r>
-              <a:rPr lang="pt-PT" sz="900" dirty="0">
-                <a:latin typeface="Archivo"/>
-              </a:rPr>
-              <a:t>. 2015. [Online]. </a:t>
-            </a:r>
-            <a:r>
-              <a:rPr lang="pt-PT" sz="900" dirty="0" err="1">
-                <a:latin typeface="Archivo"/>
-              </a:rPr>
-              <a:t>Available</a:t>
-            </a:r>
-            <a:r>
-              <a:rPr lang="pt-PT" sz="900" dirty="0">
-                <a:latin typeface="Archivo"/>
-              </a:rPr>
-              <a:t>: </a:t>
-            </a:r>
-            <a:r>
-              <a:rPr lang="pt-PT" sz="900" dirty="0">
-                <a:latin typeface="Archivo"/>
-                <a:hlinkClick r:id="rId6"/>
-              </a:rPr>
-              <a:t>https://linkinghub.elsevier.com/retrieve/pii/S0360835214003714</a:t>
-            </a:r>
-            <a:endParaRPr lang="pt-PT" sz="900" dirty="0">
-              <a:latin typeface="Archivo"/>
-            </a:endParaRPr>
-          </a:p>
-          <a:p>
-            <a:r>
-              <a:rPr lang="pt-PT" sz="900" dirty="0">
-                <a:latin typeface="Archivo"/>
-              </a:rPr>
-              <a:t>[6] M. C. </a:t>
-            </a:r>
-            <a:r>
-              <a:rPr lang="pt-PT" sz="900" dirty="0" err="1">
-                <a:latin typeface="Archivo"/>
-              </a:rPr>
-              <a:t>Chen</a:t>
-            </a:r>
-            <a:r>
-              <a:rPr lang="pt-PT" sz="900" dirty="0">
-                <a:latin typeface="Archivo"/>
-              </a:rPr>
-              <a:t>, S. N. </a:t>
-            </a:r>
-            <a:r>
-              <a:rPr lang="pt-PT" sz="900" dirty="0" err="1">
-                <a:latin typeface="Archivo"/>
-              </a:rPr>
-              <a:t>Sze</a:t>
-            </a:r>
-            <a:r>
-              <a:rPr lang="pt-PT" sz="900" dirty="0">
-                <a:latin typeface="Archivo"/>
-              </a:rPr>
-              <a:t>, S. L. </a:t>
-            </a:r>
-            <a:r>
-              <a:rPr lang="pt-PT" sz="900" dirty="0" err="1">
-                <a:latin typeface="Archivo"/>
-              </a:rPr>
-              <a:t>Goh</a:t>
-            </a:r>
-            <a:r>
-              <a:rPr lang="pt-PT" sz="900" dirty="0">
-                <a:latin typeface="Archivo"/>
-              </a:rPr>
-              <a:t>, N. R. </a:t>
-            </a:r>
-            <a:r>
-              <a:rPr lang="pt-PT" sz="900" dirty="0" err="1">
-                <a:latin typeface="Archivo"/>
-              </a:rPr>
-              <a:t>Sabar</a:t>
-            </a:r>
-            <a:r>
-              <a:rPr lang="pt-PT" sz="900" dirty="0">
-                <a:latin typeface="Archivo"/>
-              </a:rPr>
-              <a:t>, </a:t>
-            </a:r>
-            <a:r>
-              <a:rPr lang="pt-PT" sz="900" dirty="0" err="1">
-                <a:latin typeface="Archivo"/>
-              </a:rPr>
-              <a:t>and</a:t>
-            </a:r>
-            <a:r>
-              <a:rPr lang="pt-PT" sz="900" dirty="0">
-                <a:latin typeface="Archivo"/>
-              </a:rPr>
-              <a:t> G. Kendall, “A </a:t>
-            </a:r>
-            <a:r>
-              <a:rPr lang="pt-PT" sz="900" dirty="0" err="1">
-                <a:latin typeface="Archivo"/>
-              </a:rPr>
-              <a:t>survey</a:t>
-            </a:r>
-            <a:r>
-              <a:rPr lang="pt-PT" sz="900" dirty="0">
-                <a:latin typeface="Archivo"/>
-              </a:rPr>
-              <a:t> </a:t>
-            </a:r>
-            <a:r>
-              <a:rPr lang="pt-PT" sz="900" dirty="0" err="1">
-                <a:latin typeface="Archivo"/>
-              </a:rPr>
-              <a:t>of</a:t>
-            </a:r>
-            <a:r>
-              <a:rPr lang="pt-PT" sz="900" dirty="0">
-                <a:latin typeface="Archivo"/>
-              </a:rPr>
-              <a:t> </a:t>
-            </a:r>
-            <a:r>
-              <a:rPr lang="pt-PT" sz="900" dirty="0" err="1">
-                <a:latin typeface="Archivo"/>
-              </a:rPr>
-              <a:t>university</a:t>
-            </a:r>
-            <a:r>
-              <a:rPr lang="pt-PT" sz="900" dirty="0">
-                <a:latin typeface="Archivo"/>
-              </a:rPr>
-              <a:t> </a:t>
-            </a:r>
-            <a:r>
-              <a:rPr lang="pt-PT" sz="900" dirty="0" err="1">
-                <a:latin typeface="Archivo"/>
-              </a:rPr>
-              <a:t>course</a:t>
-            </a:r>
-            <a:r>
-              <a:rPr lang="pt-PT" sz="900" dirty="0">
-                <a:latin typeface="Archivo"/>
-              </a:rPr>
-              <a:t> </a:t>
-            </a:r>
-            <a:r>
-              <a:rPr lang="pt-PT" sz="900" dirty="0" err="1">
-                <a:latin typeface="Archivo"/>
-              </a:rPr>
-              <a:t>timetabling</a:t>
-            </a:r>
-            <a:r>
-              <a:rPr lang="pt-PT" sz="900" dirty="0">
-                <a:latin typeface="Archivo"/>
-              </a:rPr>
-              <a:t> </a:t>
-            </a:r>
-            <a:r>
-              <a:rPr lang="pt-PT" sz="900" dirty="0" err="1">
-                <a:latin typeface="Archivo"/>
-              </a:rPr>
-              <a:t>problem</a:t>
-            </a:r>
-            <a:r>
-              <a:rPr lang="pt-PT" sz="900" dirty="0">
-                <a:latin typeface="Archivo"/>
-              </a:rPr>
-              <a:t>: </a:t>
-            </a:r>
-            <a:r>
-              <a:rPr lang="pt-PT" sz="900" dirty="0" err="1">
-                <a:latin typeface="Archivo"/>
-              </a:rPr>
-              <a:t>Perspectives</a:t>
-            </a:r>
-            <a:r>
-              <a:rPr lang="pt-PT" sz="900" dirty="0">
-                <a:latin typeface="Archivo"/>
-              </a:rPr>
-              <a:t>, </a:t>
-            </a:r>
-            <a:r>
-              <a:rPr lang="pt-PT" sz="900" dirty="0" err="1">
-                <a:latin typeface="Archivo"/>
-              </a:rPr>
-              <a:t>trends</a:t>
-            </a:r>
-            <a:r>
-              <a:rPr lang="pt-PT" sz="900" dirty="0">
-                <a:latin typeface="Archivo"/>
-              </a:rPr>
-              <a:t> </a:t>
-            </a:r>
-            <a:r>
-              <a:rPr lang="pt-PT" sz="900" dirty="0" err="1">
-                <a:latin typeface="Archivo"/>
-              </a:rPr>
-              <a:t>and</a:t>
-            </a:r>
-            <a:r>
-              <a:rPr lang="pt-PT" sz="900" dirty="0">
-                <a:latin typeface="Archivo"/>
-              </a:rPr>
-              <a:t> </a:t>
-            </a:r>
-            <a:r>
-              <a:rPr lang="pt-PT" sz="900" dirty="0" err="1">
-                <a:latin typeface="Archivo"/>
-              </a:rPr>
-              <a:t>opportunities</a:t>
-            </a:r>
-            <a:r>
-              <a:rPr lang="pt-PT" sz="900" dirty="0">
-                <a:latin typeface="Archivo"/>
-              </a:rPr>
-              <a:t>,” IEEE Access, vol. 9, pp. 106 515–106 529, 2021, </a:t>
-            </a:r>
-            <a:r>
-              <a:rPr lang="pt-PT" sz="900" dirty="0" err="1">
-                <a:latin typeface="Archivo"/>
-              </a:rPr>
-              <a:t>conference</a:t>
-            </a:r>
-            <a:r>
-              <a:rPr lang="pt-PT" sz="900" dirty="0">
-                <a:latin typeface="Archivo"/>
-              </a:rPr>
-              <a:t> </a:t>
-            </a:r>
-            <a:r>
-              <a:rPr lang="pt-PT" sz="900" dirty="0" err="1">
-                <a:latin typeface="Archivo"/>
-              </a:rPr>
-              <a:t>Name</a:t>
-            </a:r>
-            <a:r>
-              <a:rPr lang="pt-PT" sz="900" dirty="0">
-                <a:latin typeface="Archivo"/>
-              </a:rPr>
-              <a:t>: IEEE Access. [Online]. </a:t>
-            </a:r>
-            <a:r>
-              <a:rPr lang="pt-PT" sz="900" dirty="0" err="1">
-                <a:latin typeface="Archivo"/>
-              </a:rPr>
-              <a:t>Available</a:t>
-            </a:r>
-            <a:r>
-              <a:rPr lang="pt-PT" sz="900" dirty="0">
-                <a:latin typeface="Archivo"/>
-              </a:rPr>
-              <a:t>: </a:t>
-            </a:r>
-            <a:r>
-              <a:rPr lang="pt-PT" sz="900" dirty="0">
-                <a:latin typeface="Archivo"/>
-                <a:hlinkClick r:id="rId7"/>
-              </a:rPr>
-              <a:t>https://ieeexplore.ieee.org/document/9499056/?arnumber=9499056</a:t>
-            </a:r>
-            <a:endParaRPr lang="pt-PT" sz="900" dirty="0">
-              <a:latin typeface="Archivo"/>
-            </a:endParaRPr>
-          </a:p>
-        </p:txBody>
-      </p:sp>
-      <p:sp>
-        <p:nvSpPr>
-          <p:cNvPr id="7" name="TextBox 6">
-            <a:extLst>
-              <a:ext uri="{FF2B5EF4-FFF2-40B4-BE49-F238E27FC236}">
-                <a16:creationId xmlns:a16="http://schemas.microsoft.com/office/drawing/2014/main" id="{8797F9DF-D1E0-A147-D9E2-4668CD7A75C3}"/>
-              </a:ext>
-            </a:extLst>
-          </p:cNvPr>
-          <p:cNvSpPr txBox="1"/>
-          <p:nvPr/>
-        </p:nvSpPr>
-        <p:spPr>
-          <a:xfrm>
-            <a:off x="4663440" y="1115787"/>
-            <a:ext cx="3760560" cy="3277820"/>
-          </a:xfrm>
-          <a:prstGeom prst="rect">
-            <a:avLst/>
-          </a:prstGeom>
-          <a:noFill/>
-        </p:spPr>
-        <p:txBody>
-          <a:bodyPr wrap="square">
-            <a:spAutoFit/>
-          </a:bodyPr>
-          <a:lstStyle/>
-          <a:p>
-            <a:r>
-              <a:rPr lang="pt-PT" sz="900" dirty="0">
-                <a:latin typeface="Archivo"/>
-              </a:rPr>
-              <a:t>[7] E. </a:t>
-            </a:r>
-            <a:r>
-              <a:rPr lang="pt-PT" sz="900" dirty="0" err="1">
-                <a:latin typeface="Archivo"/>
-              </a:rPr>
-              <a:t>Talbi</a:t>
-            </a:r>
-            <a:r>
-              <a:rPr lang="pt-PT" sz="900" dirty="0">
-                <a:latin typeface="Archivo"/>
-              </a:rPr>
-              <a:t>, “</a:t>
-            </a:r>
-            <a:r>
-              <a:rPr lang="pt-PT" sz="900" dirty="0" err="1">
-                <a:latin typeface="Archivo"/>
-              </a:rPr>
-              <a:t>Metaheuristics</a:t>
-            </a:r>
-            <a:r>
-              <a:rPr lang="pt-PT" sz="900" dirty="0">
-                <a:latin typeface="Archivo"/>
-              </a:rPr>
-              <a:t>: </a:t>
-            </a:r>
-            <a:r>
-              <a:rPr lang="pt-PT" sz="900" dirty="0" err="1">
-                <a:latin typeface="Archivo"/>
-              </a:rPr>
-              <a:t>From</a:t>
-            </a:r>
-            <a:r>
-              <a:rPr lang="pt-PT" sz="900" dirty="0">
-                <a:latin typeface="Archivo"/>
-              </a:rPr>
-              <a:t> design to </a:t>
-            </a:r>
-            <a:r>
-              <a:rPr lang="pt-PT" sz="900" dirty="0" err="1">
-                <a:latin typeface="Archivo"/>
-              </a:rPr>
-              <a:t>implementation</a:t>
-            </a:r>
-            <a:r>
-              <a:rPr lang="pt-PT" sz="900" dirty="0">
-                <a:latin typeface="Archivo"/>
-              </a:rPr>
-              <a:t>,” John </a:t>
-            </a:r>
-            <a:r>
-              <a:rPr lang="pt-PT" sz="900" dirty="0" err="1">
-                <a:latin typeface="Archivo"/>
-              </a:rPr>
-              <a:t>Wiley</a:t>
-            </a:r>
-            <a:r>
-              <a:rPr lang="pt-PT" sz="900" dirty="0">
-                <a:latin typeface="Archivo"/>
-              </a:rPr>
-              <a:t> &amp; Sons google </a:t>
-            </a:r>
-            <a:r>
-              <a:rPr lang="pt-PT" sz="900" dirty="0" err="1">
-                <a:latin typeface="Archivo"/>
-              </a:rPr>
-              <a:t>schola</a:t>
-            </a:r>
-            <a:r>
-              <a:rPr lang="pt-PT" sz="900" dirty="0">
-                <a:latin typeface="Archivo"/>
-              </a:rPr>
-              <a:t>, vol. 2, pp. 268–308, 2009. </a:t>
-            </a:r>
-          </a:p>
-          <a:p>
-            <a:r>
-              <a:rPr lang="pt-PT" sz="900" dirty="0">
-                <a:latin typeface="Archivo"/>
-              </a:rPr>
-              <a:t>[8] K.-L. </a:t>
-            </a:r>
-            <a:r>
-              <a:rPr lang="pt-PT" sz="900" dirty="0" err="1">
-                <a:latin typeface="Archivo"/>
-              </a:rPr>
-              <a:t>Du</a:t>
-            </a:r>
-            <a:r>
-              <a:rPr lang="pt-PT" sz="900" dirty="0">
-                <a:latin typeface="Archivo"/>
-              </a:rPr>
-              <a:t>, M. </a:t>
-            </a:r>
-            <a:r>
-              <a:rPr lang="pt-PT" sz="900" dirty="0" err="1">
-                <a:latin typeface="Archivo"/>
-              </a:rPr>
-              <a:t>Swamy</a:t>
-            </a:r>
-            <a:r>
-              <a:rPr lang="pt-PT" sz="900" dirty="0">
-                <a:latin typeface="Archivo"/>
-              </a:rPr>
-              <a:t> </a:t>
-            </a:r>
-            <a:r>
-              <a:rPr lang="pt-PT" sz="900" dirty="0" err="1">
-                <a:latin typeface="Archivo"/>
-              </a:rPr>
-              <a:t>et</a:t>
-            </a:r>
-            <a:r>
-              <a:rPr lang="pt-PT" sz="900" dirty="0">
-                <a:latin typeface="Archivo"/>
-              </a:rPr>
-              <a:t> al., </a:t>
-            </a:r>
-            <a:r>
-              <a:rPr lang="pt-PT" sz="900" dirty="0" err="1">
-                <a:latin typeface="Archivo"/>
-              </a:rPr>
-              <a:t>Search</a:t>
-            </a:r>
-            <a:r>
-              <a:rPr lang="pt-PT" sz="900" dirty="0">
-                <a:latin typeface="Archivo"/>
-              </a:rPr>
-              <a:t> </a:t>
-            </a:r>
-            <a:r>
-              <a:rPr lang="pt-PT" sz="900" dirty="0" err="1">
-                <a:latin typeface="Archivo"/>
-              </a:rPr>
-              <a:t>and</a:t>
-            </a:r>
-            <a:r>
-              <a:rPr lang="pt-PT" sz="900" dirty="0">
-                <a:latin typeface="Archivo"/>
-              </a:rPr>
-              <a:t> </a:t>
-            </a:r>
-            <a:r>
-              <a:rPr lang="pt-PT" sz="900" dirty="0" err="1">
-                <a:latin typeface="Archivo"/>
-              </a:rPr>
-              <a:t>optimization</a:t>
-            </a:r>
-            <a:r>
-              <a:rPr lang="pt-PT" sz="900" dirty="0">
-                <a:latin typeface="Archivo"/>
-              </a:rPr>
-              <a:t> </a:t>
-            </a:r>
-            <a:r>
-              <a:rPr lang="pt-PT" sz="900" dirty="0" err="1">
-                <a:latin typeface="Archivo"/>
-              </a:rPr>
-              <a:t>by</a:t>
-            </a:r>
-            <a:r>
-              <a:rPr lang="pt-PT" sz="900" dirty="0">
-                <a:latin typeface="Archivo"/>
-              </a:rPr>
-              <a:t> </a:t>
-            </a:r>
-            <a:r>
-              <a:rPr lang="pt-PT" sz="900" dirty="0" err="1">
-                <a:latin typeface="Archivo"/>
-              </a:rPr>
-              <a:t>metaheuristics</a:t>
-            </a:r>
-            <a:r>
-              <a:rPr lang="pt-PT" sz="900" dirty="0">
-                <a:latin typeface="Archivo"/>
-              </a:rPr>
-              <a:t>. Springer, 2016, vol. 1.</a:t>
-            </a:r>
-          </a:p>
-          <a:p>
-            <a:r>
-              <a:rPr lang="pt-PT" sz="900" dirty="0">
-                <a:latin typeface="Archivo"/>
-              </a:rPr>
-              <a:t>[9] E. </a:t>
-            </a:r>
-            <a:r>
-              <a:rPr lang="pt-PT" sz="900" dirty="0" err="1">
-                <a:latin typeface="Archivo"/>
-              </a:rPr>
-              <a:t>Burke</a:t>
-            </a:r>
-            <a:r>
-              <a:rPr lang="pt-PT" sz="900" dirty="0">
-                <a:latin typeface="Archivo"/>
-              </a:rPr>
-              <a:t>, M. </a:t>
-            </a:r>
-            <a:r>
-              <a:rPr lang="pt-PT" sz="900" dirty="0" err="1">
-                <a:latin typeface="Archivo"/>
-              </a:rPr>
-              <a:t>Gendreau</a:t>
-            </a:r>
-            <a:r>
-              <a:rPr lang="pt-PT" sz="900" dirty="0">
-                <a:latin typeface="Archivo"/>
-              </a:rPr>
-              <a:t>, M. </a:t>
-            </a:r>
-            <a:r>
-              <a:rPr lang="pt-PT" sz="900" dirty="0" err="1">
-                <a:latin typeface="Archivo"/>
-              </a:rPr>
-              <a:t>Hyde</a:t>
-            </a:r>
-            <a:r>
-              <a:rPr lang="pt-PT" sz="900" dirty="0">
-                <a:latin typeface="Archivo"/>
-              </a:rPr>
-              <a:t>, G. Kendall, G. Ochoa, E. </a:t>
-            </a:r>
-            <a:r>
-              <a:rPr lang="pt-PT" sz="900" dirty="0" err="1">
-                <a:latin typeface="Archivo"/>
-              </a:rPr>
-              <a:t>Özcan</a:t>
-            </a:r>
-            <a:r>
-              <a:rPr lang="pt-PT" sz="900" dirty="0">
-                <a:latin typeface="Archivo"/>
-              </a:rPr>
-              <a:t>, </a:t>
-            </a:r>
-            <a:r>
-              <a:rPr lang="pt-PT" sz="900" dirty="0" err="1">
-                <a:latin typeface="Archivo"/>
-              </a:rPr>
-              <a:t>and</a:t>
-            </a:r>
-            <a:r>
-              <a:rPr lang="pt-PT" sz="900" dirty="0">
-                <a:latin typeface="Archivo"/>
-              </a:rPr>
-              <a:t> R. </a:t>
-            </a:r>
-            <a:r>
-              <a:rPr lang="pt-PT" sz="900" dirty="0" err="1">
-                <a:latin typeface="Archivo"/>
-              </a:rPr>
-              <a:t>Qu</a:t>
-            </a:r>
-            <a:r>
-              <a:rPr lang="pt-PT" sz="900" dirty="0">
-                <a:latin typeface="Archivo"/>
-              </a:rPr>
-              <a:t>, “</a:t>
-            </a:r>
-            <a:r>
-              <a:rPr lang="pt-PT" sz="900" dirty="0" err="1">
-                <a:latin typeface="Archivo"/>
-              </a:rPr>
-              <a:t>Hyper-heuristics</a:t>
-            </a:r>
-            <a:r>
-              <a:rPr lang="pt-PT" sz="900" dirty="0">
-                <a:latin typeface="Archivo"/>
-              </a:rPr>
-              <a:t>: A </a:t>
-            </a:r>
-            <a:r>
-              <a:rPr lang="pt-PT" sz="900" dirty="0" err="1">
-                <a:latin typeface="Archivo"/>
-              </a:rPr>
-              <a:t>survey</a:t>
-            </a:r>
-            <a:r>
-              <a:rPr lang="pt-PT" sz="900" dirty="0">
-                <a:latin typeface="Archivo"/>
-              </a:rPr>
-              <a:t> </a:t>
-            </a:r>
-            <a:r>
-              <a:rPr lang="pt-PT" sz="900" dirty="0" err="1">
-                <a:latin typeface="Archivo"/>
-              </a:rPr>
-              <a:t>of</a:t>
-            </a:r>
-            <a:r>
-              <a:rPr lang="pt-PT" sz="900" dirty="0">
-                <a:latin typeface="Archivo"/>
-              </a:rPr>
-              <a:t> </a:t>
-            </a:r>
-            <a:r>
-              <a:rPr lang="pt-PT" sz="900" dirty="0" err="1">
-                <a:latin typeface="Archivo"/>
-              </a:rPr>
-              <a:t>the</a:t>
-            </a:r>
-            <a:r>
-              <a:rPr lang="pt-PT" sz="900" dirty="0">
-                <a:latin typeface="Archivo"/>
-              </a:rPr>
-              <a:t> </a:t>
-            </a:r>
-            <a:r>
-              <a:rPr lang="pt-PT" sz="900" dirty="0" err="1">
-                <a:latin typeface="Archivo"/>
-              </a:rPr>
-              <a:t>state</a:t>
-            </a:r>
-            <a:r>
-              <a:rPr lang="pt-PT" sz="900" dirty="0">
-                <a:latin typeface="Archivo"/>
-              </a:rPr>
-              <a:t> </a:t>
-            </a:r>
-            <a:r>
-              <a:rPr lang="pt-PT" sz="900" dirty="0" err="1">
-                <a:latin typeface="Archivo"/>
-              </a:rPr>
-              <a:t>of</a:t>
-            </a:r>
-            <a:r>
-              <a:rPr lang="pt-PT" sz="900" dirty="0">
-                <a:latin typeface="Archivo"/>
-              </a:rPr>
-              <a:t> </a:t>
-            </a:r>
-            <a:r>
-              <a:rPr lang="pt-PT" sz="900" dirty="0" err="1">
-                <a:latin typeface="Archivo"/>
-              </a:rPr>
-              <a:t>the</a:t>
-            </a:r>
-            <a:r>
-              <a:rPr lang="pt-PT" sz="900" dirty="0">
-                <a:latin typeface="Archivo"/>
-              </a:rPr>
-              <a:t> </a:t>
-            </a:r>
-            <a:r>
-              <a:rPr lang="pt-PT" sz="900" dirty="0" err="1">
-                <a:latin typeface="Archivo"/>
-              </a:rPr>
-              <a:t>art</a:t>
-            </a:r>
-            <a:r>
-              <a:rPr lang="pt-PT" sz="900" dirty="0">
-                <a:latin typeface="Archivo"/>
-              </a:rPr>
-              <a:t>,” </a:t>
-            </a:r>
-            <a:r>
-              <a:rPr lang="pt-PT" sz="900" dirty="0" err="1">
-                <a:latin typeface="Archivo"/>
-              </a:rPr>
-              <a:t>Journal</a:t>
-            </a:r>
-            <a:endParaRPr lang="pt-PT" sz="900" dirty="0">
-              <a:latin typeface="Archivo"/>
-            </a:endParaRPr>
-          </a:p>
-          <a:p>
-            <a:r>
-              <a:rPr lang="pt-PT" sz="900" dirty="0" err="1">
-                <a:latin typeface="Archivo"/>
-              </a:rPr>
-              <a:t>of</a:t>
-            </a:r>
-            <a:r>
-              <a:rPr lang="pt-PT" sz="900" dirty="0">
-                <a:latin typeface="Archivo"/>
-              </a:rPr>
-              <a:t> </a:t>
-            </a:r>
-            <a:r>
-              <a:rPr lang="pt-PT" sz="900" dirty="0" err="1">
-                <a:latin typeface="Archivo"/>
-              </a:rPr>
-              <a:t>the</a:t>
-            </a:r>
-            <a:r>
-              <a:rPr lang="pt-PT" sz="900" dirty="0">
-                <a:latin typeface="Archivo"/>
-              </a:rPr>
-              <a:t> </a:t>
-            </a:r>
-            <a:r>
-              <a:rPr lang="pt-PT" sz="900" dirty="0" err="1">
-                <a:latin typeface="Archivo"/>
-              </a:rPr>
-              <a:t>Operational</a:t>
-            </a:r>
-            <a:r>
-              <a:rPr lang="pt-PT" sz="900" dirty="0">
-                <a:latin typeface="Archivo"/>
-              </a:rPr>
-              <a:t> Research </a:t>
-            </a:r>
-            <a:r>
-              <a:rPr lang="pt-PT" sz="900" dirty="0" err="1">
-                <a:latin typeface="Archivo"/>
-              </a:rPr>
-              <a:t>Society</a:t>
-            </a:r>
-            <a:r>
-              <a:rPr lang="pt-PT" sz="900" dirty="0">
-                <a:latin typeface="Archivo"/>
-              </a:rPr>
-              <a:t>, vol. 64, pp. 1695–1724, 07 2013. [Online]. </a:t>
-            </a:r>
-            <a:r>
-              <a:rPr lang="pt-PT" sz="900" dirty="0" err="1">
-                <a:latin typeface="Archivo"/>
-              </a:rPr>
-              <a:t>Available</a:t>
-            </a:r>
-            <a:r>
-              <a:rPr lang="pt-PT" sz="900" dirty="0">
-                <a:latin typeface="Archivo"/>
-              </a:rPr>
-              <a:t>: </a:t>
-            </a:r>
-            <a:r>
-              <a:rPr lang="pt-PT" sz="900" dirty="0">
-                <a:latin typeface="Archivo"/>
-                <a:hlinkClick r:id="rId8"/>
-              </a:rPr>
-              <a:t>https://www.researchgate.net/publication/256442073_Hyperheuristics_A_survey_of_the_state_of_the_art</a:t>
-            </a:r>
-            <a:endParaRPr lang="pt-PT" sz="900" dirty="0">
-              <a:latin typeface="Archivo"/>
-            </a:endParaRPr>
-          </a:p>
-          <a:p>
-            <a:r>
-              <a:rPr lang="pt-PT" sz="900" dirty="0">
-                <a:latin typeface="Archivo"/>
-              </a:rPr>
-              <a:t>[10] T. </a:t>
-            </a:r>
-            <a:r>
-              <a:rPr lang="pt-PT" sz="900" dirty="0" err="1">
-                <a:latin typeface="Archivo"/>
-              </a:rPr>
-              <a:t>Müller</a:t>
-            </a:r>
-            <a:r>
-              <a:rPr lang="pt-PT" sz="900" dirty="0">
-                <a:latin typeface="Archivo"/>
-              </a:rPr>
-              <a:t>, “Itc2007 solver </a:t>
-            </a:r>
-            <a:r>
-              <a:rPr lang="pt-PT" sz="900" dirty="0" err="1">
-                <a:latin typeface="Archivo"/>
-              </a:rPr>
-              <a:t>description</a:t>
-            </a:r>
-            <a:r>
-              <a:rPr lang="pt-PT" sz="900" dirty="0">
-                <a:latin typeface="Archivo"/>
-              </a:rPr>
-              <a:t>: a </a:t>
-            </a:r>
-            <a:r>
-              <a:rPr lang="pt-PT" sz="900" dirty="0" err="1">
-                <a:latin typeface="Archivo"/>
-              </a:rPr>
-              <a:t>hybrid</a:t>
-            </a:r>
-            <a:r>
-              <a:rPr lang="pt-PT" sz="900" dirty="0">
-                <a:latin typeface="Archivo"/>
-              </a:rPr>
-              <a:t> </a:t>
-            </a:r>
-            <a:r>
-              <a:rPr lang="pt-PT" sz="900" dirty="0" err="1">
-                <a:latin typeface="Archivo"/>
-              </a:rPr>
-              <a:t>approach</a:t>
-            </a:r>
-            <a:r>
-              <a:rPr lang="pt-PT" sz="900" dirty="0">
-                <a:latin typeface="Archivo"/>
-              </a:rPr>
-              <a:t>,” </a:t>
-            </a:r>
-            <a:r>
-              <a:rPr lang="pt-PT" sz="900" dirty="0" err="1">
-                <a:latin typeface="Archivo"/>
-              </a:rPr>
-              <a:t>Annals</a:t>
-            </a:r>
-            <a:r>
-              <a:rPr lang="pt-PT" sz="900" dirty="0">
-                <a:latin typeface="Archivo"/>
-              </a:rPr>
-              <a:t> </a:t>
-            </a:r>
-            <a:r>
-              <a:rPr lang="pt-PT" sz="900" dirty="0" err="1">
-                <a:latin typeface="Archivo"/>
-              </a:rPr>
-              <a:t>of</a:t>
-            </a:r>
-            <a:r>
-              <a:rPr lang="pt-PT" sz="900" dirty="0">
-                <a:latin typeface="Archivo"/>
-              </a:rPr>
-              <a:t> </a:t>
-            </a:r>
-            <a:r>
-              <a:rPr lang="pt-PT" sz="900" dirty="0" err="1">
-                <a:latin typeface="Archivo"/>
-              </a:rPr>
-              <a:t>Operations</a:t>
-            </a:r>
-            <a:r>
-              <a:rPr lang="pt-PT" sz="900" dirty="0">
-                <a:latin typeface="Archivo"/>
-              </a:rPr>
-              <a:t> Research, vol. 172, no. 1, pp. 429–446, Nov. 2009. [Online]. </a:t>
-            </a:r>
-            <a:r>
-              <a:rPr lang="pt-PT" sz="900" dirty="0" err="1">
-                <a:latin typeface="Archivo"/>
-              </a:rPr>
-              <a:t>Available</a:t>
-            </a:r>
-            <a:r>
-              <a:rPr lang="pt-PT" sz="900" dirty="0">
-                <a:latin typeface="Archivo"/>
-              </a:rPr>
-              <a:t>: </a:t>
-            </a:r>
-            <a:r>
-              <a:rPr lang="pt-PT" sz="900" dirty="0">
-                <a:latin typeface="Archivo"/>
-                <a:hlinkClick r:id="rId9"/>
-              </a:rPr>
-              <a:t>http://link.springer.com/10.1007/s10479-009-0644-y</a:t>
-            </a:r>
-            <a:endParaRPr lang="pt-PT" sz="900" dirty="0">
-              <a:latin typeface="Archivo"/>
-            </a:endParaRPr>
-          </a:p>
-          <a:p>
-            <a:r>
-              <a:rPr lang="pt-PT" sz="900" dirty="0">
-                <a:latin typeface="Archivo"/>
-              </a:rPr>
-              <a:t>[11] S. L. </a:t>
-            </a:r>
-            <a:r>
-              <a:rPr lang="pt-PT" sz="900" dirty="0" err="1">
-                <a:latin typeface="Archivo"/>
-              </a:rPr>
-              <a:t>Goh</a:t>
-            </a:r>
-            <a:r>
-              <a:rPr lang="pt-PT" sz="900" dirty="0">
-                <a:latin typeface="Archivo"/>
-              </a:rPr>
-              <a:t>, “</a:t>
-            </a:r>
-            <a:r>
-              <a:rPr lang="pt-PT" sz="900" dirty="0" err="1">
-                <a:latin typeface="Archivo"/>
-              </a:rPr>
-              <a:t>An</a:t>
-            </a:r>
-            <a:r>
-              <a:rPr lang="pt-PT" sz="900" dirty="0">
-                <a:latin typeface="Archivo"/>
-              </a:rPr>
-              <a:t> </a:t>
-            </a:r>
-            <a:r>
-              <a:rPr lang="pt-PT" sz="900" dirty="0" err="1">
-                <a:latin typeface="Archivo"/>
-              </a:rPr>
-              <a:t>investigation</a:t>
-            </a:r>
-            <a:r>
-              <a:rPr lang="pt-PT" sz="900" dirty="0">
-                <a:latin typeface="Archivo"/>
-              </a:rPr>
-              <a:t> </a:t>
-            </a:r>
-            <a:r>
-              <a:rPr lang="pt-PT" sz="900" dirty="0" err="1">
-                <a:latin typeface="Archivo"/>
-              </a:rPr>
-              <a:t>of</a:t>
-            </a:r>
-            <a:r>
-              <a:rPr lang="pt-PT" sz="900" dirty="0">
-                <a:latin typeface="Archivo"/>
-              </a:rPr>
-              <a:t> monte </a:t>
-            </a:r>
-            <a:r>
-              <a:rPr lang="pt-PT" sz="900" dirty="0" err="1">
-                <a:latin typeface="Archivo"/>
-              </a:rPr>
-              <a:t>carlo</a:t>
-            </a:r>
-            <a:r>
-              <a:rPr lang="pt-PT" sz="900" dirty="0">
-                <a:latin typeface="Archivo"/>
-              </a:rPr>
-              <a:t> </a:t>
-            </a:r>
-            <a:r>
-              <a:rPr lang="pt-PT" sz="900" dirty="0" err="1">
-                <a:latin typeface="Archivo"/>
-              </a:rPr>
-              <a:t>tree</a:t>
-            </a:r>
-            <a:r>
-              <a:rPr lang="pt-PT" sz="900" dirty="0">
-                <a:latin typeface="Archivo"/>
-              </a:rPr>
-              <a:t> </a:t>
-            </a:r>
-            <a:r>
-              <a:rPr lang="pt-PT" sz="900" dirty="0" err="1">
-                <a:latin typeface="Archivo"/>
-              </a:rPr>
-              <a:t>search</a:t>
-            </a:r>
-            <a:r>
-              <a:rPr lang="pt-PT" sz="900" dirty="0">
-                <a:latin typeface="Archivo"/>
-              </a:rPr>
-              <a:t> </a:t>
-            </a:r>
-            <a:r>
-              <a:rPr lang="pt-PT" sz="900" dirty="0" err="1">
-                <a:latin typeface="Archivo"/>
-              </a:rPr>
-              <a:t>and</a:t>
-            </a:r>
-            <a:r>
-              <a:rPr lang="pt-PT" sz="900" dirty="0">
-                <a:latin typeface="Archivo"/>
-              </a:rPr>
-              <a:t> local </a:t>
-            </a:r>
-            <a:r>
-              <a:rPr lang="pt-PT" sz="900" dirty="0" err="1">
-                <a:latin typeface="Archivo"/>
-              </a:rPr>
-              <a:t>search</a:t>
-            </a:r>
-            <a:r>
-              <a:rPr lang="pt-PT" sz="900" dirty="0">
-                <a:latin typeface="Archivo"/>
-              </a:rPr>
-              <a:t> for </a:t>
-            </a:r>
-            <a:r>
-              <a:rPr lang="pt-PT" sz="900" dirty="0" err="1">
-                <a:latin typeface="Archivo"/>
-              </a:rPr>
-              <a:t>course</a:t>
-            </a:r>
-            <a:r>
-              <a:rPr lang="pt-PT" sz="900" dirty="0">
-                <a:latin typeface="Archivo"/>
-              </a:rPr>
-              <a:t> </a:t>
-            </a:r>
-            <a:r>
-              <a:rPr lang="pt-PT" sz="900" dirty="0" err="1">
-                <a:latin typeface="Archivo"/>
-              </a:rPr>
-              <a:t>timetabling</a:t>
-            </a:r>
-            <a:r>
-              <a:rPr lang="pt-PT" sz="900" dirty="0">
-                <a:latin typeface="Archivo"/>
-              </a:rPr>
-              <a:t> </a:t>
-            </a:r>
-            <a:r>
-              <a:rPr lang="pt-PT" sz="900" dirty="0" err="1">
-                <a:latin typeface="Archivo"/>
-              </a:rPr>
-              <a:t>problems</a:t>
-            </a:r>
-            <a:r>
-              <a:rPr lang="pt-PT" sz="900" dirty="0">
-                <a:latin typeface="Archivo"/>
-              </a:rPr>
-              <a:t>,” </a:t>
-            </a:r>
-            <a:r>
-              <a:rPr lang="pt-PT" sz="900" dirty="0" err="1">
-                <a:latin typeface="Archivo"/>
-              </a:rPr>
-              <a:t>University</a:t>
-            </a:r>
-            <a:r>
-              <a:rPr lang="pt-PT" sz="900" dirty="0">
-                <a:latin typeface="Archivo"/>
-              </a:rPr>
-              <a:t> </a:t>
-            </a:r>
-            <a:r>
-              <a:rPr lang="pt-PT" sz="900" dirty="0" err="1">
-                <a:latin typeface="Archivo"/>
-              </a:rPr>
-              <a:t>of</a:t>
-            </a:r>
-            <a:r>
-              <a:rPr lang="pt-PT" sz="900" dirty="0">
-                <a:latin typeface="Archivo"/>
-              </a:rPr>
-              <a:t> Nottingham, </a:t>
-            </a:r>
-            <a:r>
-              <a:rPr lang="pt-PT" sz="900" dirty="0" err="1">
-                <a:latin typeface="Archivo"/>
-              </a:rPr>
-              <a:t>Malaysia</a:t>
-            </a:r>
-            <a:r>
-              <a:rPr lang="pt-PT" sz="900" dirty="0">
-                <a:latin typeface="Archivo"/>
-              </a:rPr>
-              <a:t>, pp. 76–105, Jul. 2017. [Online]. </a:t>
-            </a:r>
-            <a:r>
-              <a:rPr lang="pt-PT" sz="900" dirty="0" err="1">
-                <a:latin typeface="Archivo"/>
-              </a:rPr>
-              <a:t>Available</a:t>
-            </a:r>
-            <a:r>
-              <a:rPr lang="pt-PT" sz="900" dirty="0">
-                <a:latin typeface="Archivo"/>
-              </a:rPr>
-              <a:t>: </a:t>
-            </a:r>
-            <a:r>
-              <a:rPr lang="pt-PT" sz="900" dirty="0">
-                <a:latin typeface="Archivo"/>
-                <a:hlinkClick r:id="rId10"/>
-              </a:rPr>
-              <a:t>https://eprints.nottingham.ac.uk/43558/</a:t>
-            </a:r>
-            <a:endParaRPr lang="pt-PT" sz="900" dirty="0">
-              <a:latin typeface="Archivo"/>
-            </a:endParaRPr>
-          </a:p>
-          <a:p>
-            <a:r>
-              <a:rPr lang="pt-PT" sz="900" dirty="0">
-                <a:latin typeface="Archivo"/>
-              </a:rPr>
-              <a:t>[12] J. P. Pedroso </a:t>
-            </a:r>
-            <a:r>
-              <a:rPr lang="pt-PT" sz="900" dirty="0" err="1">
-                <a:latin typeface="Archivo"/>
-              </a:rPr>
-              <a:t>and</a:t>
-            </a:r>
-            <a:r>
-              <a:rPr lang="pt-PT" sz="900" dirty="0">
-                <a:latin typeface="Archivo"/>
-              </a:rPr>
-              <a:t> R. Rei, “</a:t>
-            </a:r>
-            <a:r>
-              <a:rPr lang="pt-PT" sz="900" dirty="0" err="1">
-                <a:latin typeface="Archivo"/>
-              </a:rPr>
-              <a:t>Tree</a:t>
-            </a:r>
-            <a:r>
-              <a:rPr lang="pt-PT" sz="900" dirty="0">
-                <a:latin typeface="Archivo"/>
-              </a:rPr>
-              <a:t> </a:t>
-            </a:r>
-            <a:r>
-              <a:rPr lang="pt-PT" sz="900" dirty="0" err="1">
-                <a:latin typeface="Archivo"/>
-              </a:rPr>
-              <a:t>search</a:t>
-            </a:r>
-            <a:r>
-              <a:rPr lang="pt-PT" sz="900" dirty="0">
-                <a:latin typeface="Archivo"/>
-              </a:rPr>
-              <a:t> </a:t>
-            </a:r>
-            <a:r>
-              <a:rPr lang="pt-PT" sz="900" dirty="0" err="1">
-                <a:latin typeface="Archivo"/>
-              </a:rPr>
-              <a:t>and</a:t>
-            </a:r>
-            <a:r>
-              <a:rPr lang="pt-PT" sz="900" dirty="0">
-                <a:latin typeface="Archivo"/>
-              </a:rPr>
-              <a:t> </a:t>
-            </a:r>
-            <a:r>
-              <a:rPr lang="pt-PT" sz="900" dirty="0" err="1">
-                <a:latin typeface="Archivo"/>
-              </a:rPr>
-              <a:t>simulation</a:t>
-            </a:r>
-            <a:r>
-              <a:rPr lang="pt-PT" sz="900" dirty="0">
-                <a:latin typeface="Archivo"/>
-              </a:rPr>
-              <a:t>,” in </a:t>
-            </a:r>
-            <a:r>
-              <a:rPr lang="pt-PT" sz="900" dirty="0" err="1">
-                <a:latin typeface="Archivo"/>
-              </a:rPr>
-              <a:t>Applied</a:t>
-            </a:r>
-            <a:r>
-              <a:rPr lang="pt-PT" sz="900" dirty="0">
-                <a:latin typeface="Archivo"/>
-              </a:rPr>
-              <a:t> </a:t>
-            </a:r>
-            <a:r>
-              <a:rPr lang="pt-PT" sz="900" dirty="0" err="1">
-                <a:latin typeface="Archivo"/>
-              </a:rPr>
-              <a:t>Simulation</a:t>
-            </a:r>
-            <a:r>
-              <a:rPr lang="pt-PT" sz="900" dirty="0">
-                <a:latin typeface="Archivo"/>
-              </a:rPr>
-              <a:t> </a:t>
-            </a:r>
-            <a:r>
-              <a:rPr lang="pt-PT" sz="900" dirty="0" err="1">
-                <a:latin typeface="Archivo"/>
-              </a:rPr>
-              <a:t>and</a:t>
-            </a:r>
-            <a:r>
-              <a:rPr lang="pt-PT" sz="900" dirty="0">
-                <a:latin typeface="Archivo"/>
-              </a:rPr>
-              <a:t> </a:t>
-            </a:r>
-            <a:r>
-              <a:rPr lang="pt-PT" sz="900" dirty="0" err="1">
-                <a:latin typeface="Archivo"/>
-              </a:rPr>
-              <a:t>Optimization</a:t>
-            </a:r>
-            <a:r>
-              <a:rPr lang="pt-PT" sz="900" dirty="0">
-                <a:latin typeface="Archivo"/>
-              </a:rPr>
-              <a:t>: In </a:t>
-            </a:r>
-            <a:r>
-              <a:rPr lang="pt-PT" sz="900" dirty="0" err="1">
-                <a:latin typeface="Archivo"/>
-              </a:rPr>
-              <a:t>Logistics</a:t>
-            </a:r>
-            <a:r>
-              <a:rPr lang="pt-PT" sz="900" dirty="0">
-                <a:latin typeface="Archivo"/>
-              </a:rPr>
-              <a:t>, Industrial </a:t>
-            </a:r>
-            <a:r>
-              <a:rPr lang="pt-PT" sz="900" dirty="0" err="1">
-                <a:latin typeface="Archivo"/>
-              </a:rPr>
-              <a:t>and</a:t>
-            </a:r>
-            <a:r>
-              <a:rPr lang="pt-PT" sz="900" dirty="0">
-                <a:latin typeface="Archivo"/>
-              </a:rPr>
-              <a:t> </a:t>
-            </a:r>
-            <a:r>
-              <a:rPr lang="pt-PT" sz="900" dirty="0" err="1">
-                <a:latin typeface="Archivo"/>
-              </a:rPr>
-              <a:t>Aeronautical</a:t>
-            </a:r>
-            <a:r>
-              <a:rPr lang="pt-PT" sz="900" dirty="0">
-                <a:latin typeface="Archivo"/>
-              </a:rPr>
-              <a:t> </a:t>
-            </a:r>
-            <a:r>
-              <a:rPr lang="pt-PT" sz="900" dirty="0" err="1">
-                <a:latin typeface="Archivo"/>
-              </a:rPr>
-              <a:t>Practice</a:t>
-            </a:r>
-            <a:r>
-              <a:rPr lang="pt-PT" sz="900" dirty="0">
-                <a:latin typeface="Archivo"/>
-              </a:rPr>
-              <a:t>, M. </a:t>
-            </a:r>
-            <a:r>
-              <a:rPr lang="pt-PT" sz="900" dirty="0" err="1">
-                <a:latin typeface="Archivo"/>
-              </a:rPr>
-              <a:t>Mujica</a:t>
-            </a:r>
-            <a:r>
-              <a:rPr lang="pt-PT" sz="900" dirty="0">
-                <a:latin typeface="Archivo"/>
-              </a:rPr>
-              <a:t> Mota, I. F. De La Mota, </a:t>
-            </a:r>
-            <a:r>
-              <a:rPr lang="pt-PT" sz="900" dirty="0" err="1">
-                <a:latin typeface="Archivo"/>
-              </a:rPr>
-              <a:t>and</a:t>
-            </a:r>
-            <a:r>
-              <a:rPr lang="pt-PT" sz="900" dirty="0">
-                <a:latin typeface="Archivo"/>
-              </a:rPr>
-              <a:t> D. </a:t>
-            </a:r>
-            <a:r>
-              <a:rPr lang="pt-PT" sz="900" dirty="0" err="1">
-                <a:latin typeface="Archivo"/>
-              </a:rPr>
-              <a:t>Guimarans</a:t>
-            </a:r>
-            <a:r>
-              <a:rPr lang="pt-PT" sz="900" dirty="0">
-                <a:latin typeface="Archivo"/>
-              </a:rPr>
-              <a:t> Serrano, Eds. </a:t>
-            </a:r>
-            <a:r>
-              <a:rPr lang="pt-PT" sz="900" dirty="0" err="1">
-                <a:latin typeface="Archivo"/>
-              </a:rPr>
-              <a:t>Cham</a:t>
-            </a:r>
-            <a:r>
-              <a:rPr lang="pt-PT" sz="900" dirty="0">
-                <a:latin typeface="Archivo"/>
-              </a:rPr>
-              <a:t>: Springer </a:t>
-            </a:r>
-            <a:r>
-              <a:rPr lang="pt-PT" sz="900" dirty="0" err="1">
-                <a:latin typeface="Archivo"/>
-              </a:rPr>
-              <a:t>International</a:t>
-            </a:r>
-            <a:r>
-              <a:rPr lang="pt-PT" sz="900" dirty="0">
-                <a:latin typeface="Archivo"/>
-              </a:rPr>
-              <a:t> </a:t>
-            </a:r>
-            <a:r>
-              <a:rPr lang="pt-PT" sz="900" dirty="0" err="1">
-                <a:latin typeface="Archivo"/>
-              </a:rPr>
-              <a:t>Publishing</a:t>
-            </a:r>
-            <a:r>
-              <a:rPr lang="pt-PT" sz="900" dirty="0">
-                <a:latin typeface="Archivo"/>
-              </a:rPr>
-              <a:t>, 2015, pp. 109–131. [Online]. </a:t>
-            </a:r>
-            <a:r>
-              <a:rPr lang="pt-PT" sz="900" dirty="0" err="1">
-                <a:latin typeface="Archivo"/>
-              </a:rPr>
-              <a:t>Available</a:t>
-            </a:r>
-            <a:r>
-              <a:rPr lang="pt-PT" sz="900" dirty="0">
-                <a:latin typeface="Archivo"/>
-              </a:rPr>
-              <a:t>: </a:t>
-            </a:r>
-            <a:r>
-              <a:rPr lang="pt-PT" sz="900" dirty="0">
-                <a:latin typeface="Archivo"/>
-                <a:hlinkClick r:id="rId11"/>
-              </a:rPr>
-              <a:t>https://doi.org/10.1007/978-3-319-15033-8_4</a:t>
-            </a:r>
-            <a:endParaRPr lang="pt-PT" sz="900" dirty="0">
-              <a:latin typeface="Archivo"/>
-            </a:endParaRPr>
-          </a:p>
-          <a:p>
-            <a:endParaRPr lang="pt-PT" sz="900" dirty="0">
-              <a:latin typeface="Archivo"/>
-            </a:endParaRPr>
-          </a:p>
-        </p:txBody>
-      </p:sp>
-    </p:spTree>
-    <p:extLst>
-      <p:ext uri="{BB962C8B-B14F-4D97-AF65-F5344CB8AC3E}">
-        <p14:creationId xmlns:p14="http://schemas.microsoft.com/office/powerpoint/2010/main" val="3497698494"/>
-      </p:ext>
-    </p:extLst>
-  </p:cSld>
-  <p:clrMapOvr>
-    <a:masterClrMapping/>
-  </p:clrMapOvr>
-</p:sld>
-</file>
-
-<file path=ppt/slides/slide25.xml><?xml version="1.0" encoding="utf-8"?>
 <p:sld xmlns:a="http://schemas.openxmlformats.org/drawingml/2006/main" xmlns:r="http://schemas.openxmlformats.org/officeDocument/2006/relationships" xmlns:p="http://schemas.openxmlformats.org/presentationml/2006/main">
   <p:cSld>
     <p:spTree>
@@ -30884,7 +29759,7 @@
           <a:p>
             <a:fld id="{8BC8727B-4240-4963-929A-A961B0E9EF8D}" type="slidenum">
               <a:rPr lang="pt-PT" smtClean="0"/>
-              <a:t>25</a:t>
+              <a:t>24</a:t>
             </a:fld>
             <a:endParaRPr lang="pt-PT" dirty="0"/>
           </a:p>
@@ -30972,7 +29847,7 @@
           <p:spPr>
             <a:xfrm>
               <a:off x="3713449" y="4382501"/>
-              <a:ext cx="1717099" cy="230832"/>
+              <a:ext cx="1896241" cy="230832"/>
             </a:xfrm>
             <a:prstGeom prst="rect">
               <a:avLst/>
@@ -30986,10 +29861,10 @@
             <a:lstStyle/>
             <a:p>
               <a:r>
-                <a:rPr lang="pt-PT" sz="900" b="1" i="1" dirty="0">
+                <a:rPr lang="pt-PT" sz="900" b="1" dirty="0">
                   <a:latin typeface="Archivo"/>
                 </a:rPr>
-                <a:t>Fig. 3 </a:t>
+                <a:t>Fig. 11 </a:t>
               </a:r>
               <a:r>
                 <a:rPr lang="pt-PT" sz="900" i="1" dirty="0">
@@ -31038,6 +29913,2385 @@
     <p:extLst>
       <p:ext uri="{BB962C8B-B14F-4D97-AF65-F5344CB8AC3E}">
         <p14:creationId xmlns:p14="http://schemas.microsoft.com/office/powerpoint/2010/main" val="1650772873"/>
+      </p:ext>
+    </p:extLst>
+  </p:cSld>
+  <p:clrMapOvr>
+    <a:masterClrMapping/>
+  </p:clrMapOvr>
+</p:sld>
+</file>
+
+<file path=ppt/slides/slide25.xml><?xml version="1.0" encoding="utf-8"?>
+<p:sld xmlns:a="http://schemas.openxmlformats.org/drawingml/2006/main" xmlns:r="http://schemas.openxmlformats.org/officeDocument/2006/relationships" xmlns:p="http://schemas.openxmlformats.org/presentationml/2006/main">
+  <p:cSld>
+    <p:spTree>
+      <p:nvGrpSpPr>
+        <p:cNvPr id="1" name="">
+          <a:extLst>
+            <a:ext uri="{FF2B5EF4-FFF2-40B4-BE49-F238E27FC236}">
+              <a16:creationId xmlns:a16="http://schemas.microsoft.com/office/drawing/2014/main" id="{7361787E-5ACD-A040-F9FF-B65350D190D9}"/>
+            </a:ext>
+          </a:extLst>
+        </p:cNvPr>
+        <p:cNvGrpSpPr/>
+        <p:nvPr/>
+      </p:nvGrpSpPr>
+      <p:grpSpPr>
+        <a:xfrm>
+          <a:off x="0" y="0"/>
+          <a:ext cx="0" cy="0"/>
+          <a:chOff x="0" y="0"/>
+          <a:chExt cx="0" cy="0"/>
+        </a:xfrm>
+      </p:grpSpPr>
+      <p:sp>
+        <p:nvSpPr>
+          <p:cNvPr id="2" name="Title 1">
+            <a:extLst>
+              <a:ext uri="{FF2B5EF4-FFF2-40B4-BE49-F238E27FC236}">
+                <a16:creationId xmlns:a16="http://schemas.microsoft.com/office/drawing/2014/main" id="{470C8AC4-47B8-CA59-9FEA-4ABA7D98F203}"/>
+              </a:ext>
+            </a:extLst>
+          </p:cNvPr>
+          <p:cNvSpPr>
+            <a:spLocks noGrp="1"/>
+          </p:cNvSpPr>
+          <p:nvPr>
+            <p:ph type="title"/>
+          </p:nvPr>
+        </p:nvSpPr>
+        <p:spPr/>
+        <p:txBody>
+          <a:bodyPr/>
+          <a:lstStyle/>
+          <a:p>
+            <a:r>
+              <a:rPr lang="pt-PT" dirty="0"/>
+              <a:t>Referencies</a:t>
+            </a:r>
+          </a:p>
+        </p:txBody>
+      </p:sp>
+      <p:sp>
+        <p:nvSpPr>
+          <p:cNvPr id="3" name="Slide Number Placeholder 2">
+            <a:extLst>
+              <a:ext uri="{FF2B5EF4-FFF2-40B4-BE49-F238E27FC236}">
+                <a16:creationId xmlns:a16="http://schemas.microsoft.com/office/drawing/2014/main" id="{1581D357-75D1-A73C-3DFD-F7BD4B36D077}"/>
+              </a:ext>
+            </a:extLst>
+          </p:cNvPr>
+          <p:cNvSpPr>
+            <a:spLocks noGrp="1"/>
+          </p:cNvSpPr>
+          <p:nvPr>
+            <p:ph type="sldNum" sz="quarter" idx="11"/>
+          </p:nvPr>
+        </p:nvSpPr>
+        <p:spPr/>
+        <p:txBody>
+          <a:bodyPr/>
+          <a:lstStyle/>
+          <a:p>
+            <a:fld id="{8BC8727B-4240-4963-929A-A961B0E9EF8D}" type="slidenum">
+              <a:rPr lang="pt-PT" smtClean="0"/>
+              <a:t>25</a:t>
+            </a:fld>
+            <a:endParaRPr lang="pt-PT"/>
+          </a:p>
+        </p:txBody>
+      </p:sp>
+      <p:sp>
+        <p:nvSpPr>
+          <p:cNvPr id="5" name="TextBox 4">
+            <a:extLst>
+              <a:ext uri="{FF2B5EF4-FFF2-40B4-BE49-F238E27FC236}">
+                <a16:creationId xmlns:a16="http://schemas.microsoft.com/office/drawing/2014/main" id="{275E4F6F-4F66-0C30-44AD-52CA4DCB277C}"/>
+              </a:ext>
+            </a:extLst>
+          </p:cNvPr>
+          <p:cNvSpPr txBox="1"/>
+          <p:nvPr/>
+        </p:nvSpPr>
+        <p:spPr>
+          <a:xfrm>
+            <a:off x="628649" y="1115787"/>
+            <a:ext cx="3760559" cy="3693319"/>
+          </a:xfrm>
+          <a:prstGeom prst="rect">
+            <a:avLst/>
+          </a:prstGeom>
+          <a:noFill/>
+        </p:spPr>
+        <p:txBody>
+          <a:bodyPr wrap="square">
+            <a:spAutoFit/>
+          </a:bodyPr>
+          <a:lstStyle/>
+          <a:p>
+            <a:r>
+              <a:rPr lang="pt-PT" sz="900" dirty="0">
+                <a:latin typeface="Archivo"/>
+              </a:rPr>
+              <a:t>[1] U. D. Porto, “</a:t>
+            </a:r>
+            <a:r>
+              <a:rPr lang="pt-PT" sz="900" dirty="0" err="1">
+                <a:latin typeface="Archivo"/>
+              </a:rPr>
+              <a:t>Fcup</a:t>
+            </a:r>
+            <a:r>
+              <a:rPr lang="pt-PT" sz="900" dirty="0">
+                <a:latin typeface="Archivo"/>
+              </a:rPr>
+              <a:t> em números.” [Online]. </a:t>
+            </a:r>
+            <a:r>
+              <a:rPr lang="pt-PT" sz="900" dirty="0" err="1">
+                <a:latin typeface="Archivo"/>
+              </a:rPr>
+              <a:t>Available</a:t>
+            </a:r>
+            <a:r>
+              <a:rPr lang="pt-PT" sz="900" dirty="0">
+                <a:latin typeface="Archivo"/>
+              </a:rPr>
+              <a:t>: </a:t>
+            </a:r>
+            <a:r>
+              <a:rPr lang="pt-PT" sz="900" dirty="0">
+                <a:latin typeface="Archivo"/>
+                <a:hlinkClick r:id="rId2"/>
+              </a:rPr>
+              <a:t>https://www.up.pt/fcup/pt/afcup/institucional/fcup-em-numeros/</a:t>
+            </a:r>
+            <a:endParaRPr lang="pt-PT" sz="900" dirty="0">
+              <a:latin typeface="Archivo"/>
+            </a:endParaRPr>
+          </a:p>
+          <a:p>
+            <a:r>
+              <a:rPr lang="pt-PT" sz="900" dirty="0">
+                <a:latin typeface="Archivo"/>
+              </a:rPr>
+              <a:t>[2] C. B. </a:t>
+            </a:r>
+            <a:r>
+              <a:rPr lang="pt-PT" sz="900" dirty="0" err="1">
+                <a:latin typeface="Archivo"/>
+              </a:rPr>
+              <a:t>Browne</a:t>
+            </a:r>
+            <a:r>
+              <a:rPr lang="pt-PT" sz="900" dirty="0">
+                <a:latin typeface="Archivo"/>
+              </a:rPr>
+              <a:t>, E. </a:t>
+            </a:r>
+            <a:r>
+              <a:rPr lang="pt-PT" sz="900" dirty="0" err="1">
+                <a:latin typeface="Archivo"/>
+              </a:rPr>
+              <a:t>Powley</a:t>
+            </a:r>
+            <a:r>
+              <a:rPr lang="pt-PT" sz="900" dirty="0">
+                <a:latin typeface="Archivo"/>
+              </a:rPr>
+              <a:t>, D. </a:t>
+            </a:r>
+            <a:r>
+              <a:rPr lang="pt-PT" sz="900" dirty="0" err="1">
+                <a:latin typeface="Archivo"/>
+              </a:rPr>
+              <a:t>Whitehouse</a:t>
+            </a:r>
+            <a:r>
+              <a:rPr lang="pt-PT" sz="900" dirty="0">
+                <a:latin typeface="Archivo"/>
+              </a:rPr>
+              <a:t>, S. M. Lucas, P. I. </a:t>
+            </a:r>
+            <a:r>
+              <a:rPr lang="pt-PT" sz="900" dirty="0" err="1">
+                <a:latin typeface="Archivo"/>
+              </a:rPr>
+              <a:t>Cowling</a:t>
+            </a:r>
+            <a:r>
+              <a:rPr lang="pt-PT" sz="900" dirty="0">
+                <a:latin typeface="Archivo"/>
+              </a:rPr>
+              <a:t>, P. </a:t>
+            </a:r>
+            <a:r>
+              <a:rPr lang="pt-PT" sz="900" dirty="0" err="1">
+                <a:latin typeface="Archivo"/>
+              </a:rPr>
+              <a:t>Rohlfshagen</a:t>
+            </a:r>
+            <a:r>
+              <a:rPr lang="pt-PT" sz="900" dirty="0">
+                <a:latin typeface="Archivo"/>
+              </a:rPr>
+              <a:t>, S. </a:t>
+            </a:r>
+            <a:r>
+              <a:rPr lang="pt-PT" sz="900" dirty="0" err="1">
+                <a:latin typeface="Archivo"/>
+              </a:rPr>
+              <a:t>Tavener</a:t>
+            </a:r>
+            <a:r>
+              <a:rPr lang="pt-PT" sz="900" dirty="0">
+                <a:latin typeface="Archivo"/>
+              </a:rPr>
+              <a:t>, D. </a:t>
+            </a:r>
+            <a:r>
+              <a:rPr lang="pt-PT" sz="900" dirty="0" err="1">
+                <a:latin typeface="Archivo"/>
+              </a:rPr>
+              <a:t>Perez</a:t>
+            </a:r>
+            <a:r>
+              <a:rPr lang="pt-PT" sz="900" dirty="0">
+                <a:latin typeface="Archivo"/>
+              </a:rPr>
+              <a:t>, S. </a:t>
+            </a:r>
+            <a:r>
+              <a:rPr lang="pt-PT" sz="900" dirty="0" err="1">
+                <a:latin typeface="Archivo"/>
+              </a:rPr>
+              <a:t>Samothrakis</a:t>
+            </a:r>
+            <a:r>
+              <a:rPr lang="pt-PT" sz="900" dirty="0">
+                <a:latin typeface="Archivo"/>
+              </a:rPr>
+              <a:t>, </a:t>
+            </a:r>
+            <a:r>
+              <a:rPr lang="pt-PT" sz="900" dirty="0" err="1">
+                <a:latin typeface="Archivo"/>
+              </a:rPr>
+              <a:t>and</a:t>
+            </a:r>
+            <a:r>
+              <a:rPr lang="pt-PT" sz="900" dirty="0">
+                <a:latin typeface="Archivo"/>
+              </a:rPr>
+              <a:t> S. </a:t>
+            </a:r>
+            <a:r>
+              <a:rPr lang="pt-PT" sz="900" dirty="0" err="1">
+                <a:latin typeface="Archivo"/>
+              </a:rPr>
+              <a:t>Colton</a:t>
+            </a:r>
+            <a:r>
+              <a:rPr lang="pt-PT" sz="900" dirty="0">
+                <a:latin typeface="Archivo"/>
+              </a:rPr>
+              <a:t>, “A </a:t>
+            </a:r>
+            <a:r>
+              <a:rPr lang="pt-PT" sz="900" dirty="0" err="1">
+                <a:latin typeface="Archivo"/>
+              </a:rPr>
+              <a:t>survey</a:t>
+            </a:r>
+            <a:r>
+              <a:rPr lang="pt-PT" sz="900" dirty="0">
+                <a:latin typeface="Archivo"/>
+              </a:rPr>
+              <a:t> </a:t>
+            </a:r>
+            <a:r>
+              <a:rPr lang="pt-PT" sz="900" dirty="0" err="1">
+                <a:latin typeface="Archivo"/>
+              </a:rPr>
+              <a:t>of</a:t>
+            </a:r>
+            <a:r>
+              <a:rPr lang="pt-PT" sz="900" dirty="0">
+                <a:latin typeface="Archivo"/>
+              </a:rPr>
+              <a:t> monte </a:t>
+            </a:r>
+            <a:r>
+              <a:rPr lang="pt-PT" sz="900" dirty="0" err="1">
+                <a:latin typeface="Archivo"/>
+              </a:rPr>
+              <a:t>carlo</a:t>
+            </a:r>
+            <a:r>
+              <a:rPr lang="pt-PT" sz="900" dirty="0">
+                <a:latin typeface="Archivo"/>
+              </a:rPr>
+              <a:t> </a:t>
+            </a:r>
+            <a:r>
+              <a:rPr lang="pt-PT" sz="900" dirty="0" err="1">
+                <a:latin typeface="Archivo"/>
+              </a:rPr>
+              <a:t>tree</a:t>
+            </a:r>
+            <a:r>
+              <a:rPr lang="pt-PT" sz="900" dirty="0">
+                <a:latin typeface="Archivo"/>
+              </a:rPr>
+              <a:t> </a:t>
+            </a:r>
+            <a:r>
+              <a:rPr lang="pt-PT" sz="900" dirty="0" err="1">
+                <a:latin typeface="Archivo"/>
+              </a:rPr>
+              <a:t>search</a:t>
+            </a:r>
+            <a:r>
+              <a:rPr lang="pt-PT" sz="900" dirty="0">
+                <a:latin typeface="Archivo"/>
+              </a:rPr>
+              <a:t> </a:t>
+            </a:r>
+            <a:r>
+              <a:rPr lang="pt-PT" sz="900" dirty="0" err="1">
+                <a:latin typeface="Archivo"/>
+              </a:rPr>
+              <a:t>methods</a:t>
+            </a:r>
+            <a:r>
+              <a:rPr lang="pt-PT" sz="900" dirty="0">
+                <a:latin typeface="Archivo"/>
+              </a:rPr>
+              <a:t>,” IEEE </a:t>
+            </a:r>
+            <a:r>
+              <a:rPr lang="pt-PT" sz="900" dirty="0" err="1">
+                <a:latin typeface="Archivo"/>
+              </a:rPr>
+              <a:t>Transactions</a:t>
+            </a:r>
+            <a:r>
+              <a:rPr lang="pt-PT" sz="900" dirty="0">
+                <a:latin typeface="Archivo"/>
+              </a:rPr>
+              <a:t> </a:t>
+            </a:r>
+            <a:r>
+              <a:rPr lang="pt-PT" sz="900" dirty="0" err="1">
+                <a:latin typeface="Archivo"/>
+              </a:rPr>
+              <a:t>on</a:t>
+            </a:r>
+            <a:r>
+              <a:rPr lang="pt-PT" sz="900" dirty="0">
+                <a:latin typeface="Archivo"/>
+              </a:rPr>
+              <a:t> </a:t>
+            </a:r>
+            <a:r>
+              <a:rPr lang="pt-PT" sz="900" dirty="0" err="1">
+                <a:latin typeface="Archivo"/>
+              </a:rPr>
+              <a:t>Computational</a:t>
+            </a:r>
+            <a:r>
+              <a:rPr lang="pt-PT" sz="900" dirty="0">
+                <a:latin typeface="Archivo"/>
+              </a:rPr>
+              <a:t> </a:t>
+            </a:r>
+            <a:r>
+              <a:rPr lang="pt-PT" sz="900" dirty="0" err="1">
+                <a:latin typeface="Archivo"/>
+              </a:rPr>
+              <a:t>Intelligence</a:t>
+            </a:r>
+            <a:r>
+              <a:rPr lang="pt-PT" sz="900" dirty="0">
+                <a:latin typeface="Archivo"/>
+              </a:rPr>
+              <a:t> </a:t>
+            </a:r>
+            <a:r>
+              <a:rPr lang="pt-PT" sz="900" dirty="0" err="1">
+                <a:latin typeface="Archivo"/>
+              </a:rPr>
+              <a:t>and</a:t>
+            </a:r>
+            <a:r>
+              <a:rPr lang="pt-PT" sz="900" dirty="0">
+                <a:latin typeface="Archivo"/>
+              </a:rPr>
+              <a:t> AI in Games, vol. 4, no. 1, pp. 1–43, Mar. 2012, </a:t>
+            </a:r>
+            <a:r>
+              <a:rPr lang="pt-PT" sz="900" dirty="0" err="1">
+                <a:latin typeface="Archivo"/>
+              </a:rPr>
+              <a:t>conference</a:t>
+            </a:r>
+            <a:r>
+              <a:rPr lang="pt-PT" sz="900" dirty="0">
+                <a:latin typeface="Archivo"/>
+              </a:rPr>
+              <a:t> </a:t>
+            </a:r>
+            <a:r>
+              <a:rPr lang="pt-PT" sz="900" dirty="0" err="1">
+                <a:latin typeface="Archivo"/>
+              </a:rPr>
+              <a:t>Name</a:t>
+            </a:r>
+            <a:r>
+              <a:rPr lang="pt-PT" sz="900" dirty="0">
+                <a:latin typeface="Archivo"/>
+              </a:rPr>
+              <a:t>: IEEE </a:t>
+            </a:r>
+            <a:r>
+              <a:rPr lang="pt-PT" sz="900" dirty="0" err="1">
+                <a:latin typeface="Archivo"/>
+              </a:rPr>
+              <a:t>Transactions</a:t>
+            </a:r>
+            <a:r>
+              <a:rPr lang="pt-PT" sz="900" dirty="0">
+                <a:latin typeface="Archivo"/>
+              </a:rPr>
+              <a:t> </a:t>
+            </a:r>
+            <a:r>
+              <a:rPr lang="pt-PT" sz="900" dirty="0" err="1">
+                <a:latin typeface="Archivo"/>
+              </a:rPr>
+              <a:t>on</a:t>
+            </a:r>
+            <a:r>
+              <a:rPr lang="pt-PT" sz="900" dirty="0">
+                <a:latin typeface="Archivo"/>
+              </a:rPr>
+              <a:t> </a:t>
+            </a:r>
+            <a:r>
+              <a:rPr lang="pt-PT" sz="900" dirty="0" err="1">
+                <a:latin typeface="Archivo"/>
+              </a:rPr>
+              <a:t>Computational</a:t>
+            </a:r>
+            <a:r>
+              <a:rPr lang="pt-PT" sz="900" dirty="0">
+                <a:latin typeface="Archivo"/>
+              </a:rPr>
+              <a:t> </a:t>
+            </a:r>
+            <a:r>
+              <a:rPr lang="pt-PT" sz="900" dirty="0" err="1">
+                <a:latin typeface="Archivo"/>
+              </a:rPr>
+              <a:t>Intelligence</a:t>
+            </a:r>
+            <a:r>
+              <a:rPr lang="pt-PT" sz="900" dirty="0">
+                <a:latin typeface="Archivo"/>
+              </a:rPr>
+              <a:t> </a:t>
+            </a:r>
+            <a:r>
+              <a:rPr lang="pt-PT" sz="900" dirty="0" err="1">
+                <a:latin typeface="Archivo"/>
+              </a:rPr>
+              <a:t>and</a:t>
+            </a:r>
+            <a:r>
+              <a:rPr lang="pt-PT" sz="900" dirty="0">
+                <a:latin typeface="Archivo"/>
+              </a:rPr>
+              <a:t> AI in Games. [Online]. </a:t>
+            </a:r>
+            <a:r>
+              <a:rPr lang="pt-PT" sz="900" dirty="0" err="1">
+                <a:latin typeface="Archivo"/>
+              </a:rPr>
+              <a:t>Available</a:t>
+            </a:r>
+            <a:r>
+              <a:rPr lang="pt-PT" sz="900" dirty="0">
+                <a:latin typeface="Archivo"/>
+              </a:rPr>
+              <a:t>: </a:t>
+            </a:r>
+            <a:r>
+              <a:rPr lang="pt-PT" sz="900" dirty="0">
+                <a:latin typeface="Archivo"/>
+                <a:hlinkClick r:id="rId3"/>
+              </a:rPr>
+              <a:t>https://ieeexplore.ieee.org/document/6145622/?arnumber=6145622</a:t>
+            </a:r>
+            <a:endParaRPr lang="pt-PT" sz="900" dirty="0">
+              <a:latin typeface="Archivo"/>
+            </a:endParaRPr>
+          </a:p>
+          <a:p>
+            <a:r>
+              <a:rPr lang="pt-PT" sz="900" dirty="0">
+                <a:latin typeface="Archivo"/>
+              </a:rPr>
+              <a:t>[3] R. Lewis, “A </a:t>
+            </a:r>
+            <a:r>
+              <a:rPr lang="pt-PT" sz="900" dirty="0" err="1">
+                <a:latin typeface="Archivo"/>
+              </a:rPr>
+              <a:t>survey</a:t>
+            </a:r>
+            <a:r>
+              <a:rPr lang="pt-PT" sz="900" dirty="0">
+                <a:latin typeface="Archivo"/>
+              </a:rPr>
+              <a:t> </a:t>
+            </a:r>
+            <a:r>
+              <a:rPr lang="pt-PT" sz="900" dirty="0" err="1">
+                <a:latin typeface="Archivo"/>
+              </a:rPr>
+              <a:t>of</a:t>
+            </a:r>
+            <a:r>
+              <a:rPr lang="pt-PT" sz="900" dirty="0">
+                <a:latin typeface="Archivo"/>
+              </a:rPr>
+              <a:t> </a:t>
+            </a:r>
+            <a:r>
+              <a:rPr lang="pt-PT" sz="900" dirty="0" err="1">
+                <a:latin typeface="Archivo"/>
+              </a:rPr>
+              <a:t>metaheuristic-based</a:t>
+            </a:r>
+            <a:r>
+              <a:rPr lang="pt-PT" sz="900" dirty="0">
+                <a:latin typeface="Archivo"/>
+              </a:rPr>
+              <a:t> </a:t>
+            </a:r>
+            <a:r>
+              <a:rPr lang="pt-PT" sz="900" dirty="0" err="1">
+                <a:latin typeface="Archivo"/>
+              </a:rPr>
+              <a:t>techniques</a:t>
+            </a:r>
+            <a:r>
+              <a:rPr lang="pt-PT" sz="900" dirty="0">
+                <a:latin typeface="Archivo"/>
+              </a:rPr>
+              <a:t> for </a:t>
+            </a:r>
+            <a:r>
+              <a:rPr lang="pt-PT" sz="900" dirty="0" err="1">
+                <a:latin typeface="Archivo"/>
+              </a:rPr>
+              <a:t>university</a:t>
+            </a:r>
+            <a:r>
+              <a:rPr lang="pt-PT" sz="900" dirty="0">
+                <a:latin typeface="Archivo"/>
+              </a:rPr>
+              <a:t> </a:t>
+            </a:r>
+            <a:r>
+              <a:rPr lang="pt-PT" sz="900" dirty="0" err="1">
+                <a:latin typeface="Archivo"/>
+              </a:rPr>
+              <a:t>timetabling</a:t>
+            </a:r>
+            <a:r>
+              <a:rPr lang="pt-PT" sz="900" dirty="0">
+                <a:latin typeface="Archivo"/>
+              </a:rPr>
+              <a:t> </a:t>
+            </a:r>
+            <a:r>
+              <a:rPr lang="pt-PT" sz="900" dirty="0" err="1">
+                <a:latin typeface="Archivo"/>
+              </a:rPr>
+              <a:t>problems</a:t>
+            </a:r>
+            <a:r>
+              <a:rPr lang="pt-PT" sz="900" dirty="0">
+                <a:latin typeface="Archivo"/>
+              </a:rPr>
+              <a:t>,” OR </a:t>
+            </a:r>
+            <a:r>
+              <a:rPr lang="pt-PT" sz="900" dirty="0" err="1">
+                <a:latin typeface="Archivo"/>
+              </a:rPr>
+              <a:t>Spectrum</a:t>
+            </a:r>
+            <a:r>
+              <a:rPr lang="pt-PT" sz="900" dirty="0">
+                <a:latin typeface="Archivo"/>
+              </a:rPr>
+              <a:t>, vol. 30, no. 1, pp. 167–190, Jan. 2008. [Online]. </a:t>
+            </a:r>
+            <a:r>
+              <a:rPr lang="pt-PT" sz="900" dirty="0" err="1">
+                <a:latin typeface="Archivo"/>
+              </a:rPr>
+              <a:t>Available</a:t>
+            </a:r>
+            <a:r>
+              <a:rPr lang="pt-PT" sz="900" dirty="0">
+                <a:latin typeface="Archivo"/>
+              </a:rPr>
+              <a:t>: </a:t>
+            </a:r>
+            <a:r>
+              <a:rPr lang="pt-PT" sz="900" dirty="0">
+                <a:latin typeface="Archivo"/>
+                <a:hlinkClick r:id="rId4"/>
+              </a:rPr>
+              <a:t>https://doi.org/10.1007/s00291-007-0097-0</a:t>
+            </a:r>
+            <a:endParaRPr lang="pt-PT" sz="900" dirty="0">
+              <a:latin typeface="Archivo"/>
+            </a:endParaRPr>
+          </a:p>
+          <a:p>
+            <a:r>
+              <a:rPr lang="pt-PT" sz="900" dirty="0">
+                <a:latin typeface="Archivo"/>
+              </a:rPr>
+              <a:t>[4] S. </a:t>
+            </a:r>
+            <a:r>
+              <a:rPr lang="pt-PT" sz="900" dirty="0" err="1">
+                <a:latin typeface="Archivo"/>
+              </a:rPr>
+              <a:t>Abdipoor</a:t>
+            </a:r>
+            <a:r>
+              <a:rPr lang="pt-PT" sz="900" dirty="0">
+                <a:latin typeface="Archivo"/>
+              </a:rPr>
+              <a:t>, R. </a:t>
+            </a:r>
+            <a:r>
+              <a:rPr lang="pt-PT" sz="900" dirty="0" err="1">
+                <a:latin typeface="Archivo"/>
+              </a:rPr>
+              <a:t>Yaakob</a:t>
+            </a:r>
+            <a:r>
+              <a:rPr lang="pt-PT" sz="900" dirty="0">
+                <a:latin typeface="Archivo"/>
+              </a:rPr>
+              <a:t>, S. L. </a:t>
+            </a:r>
+            <a:r>
+              <a:rPr lang="pt-PT" sz="900" dirty="0" err="1">
+                <a:latin typeface="Archivo"/>
+              </a:rPr>
+              <a:t>Goh</a:t>
+            </a:r>
+            <a:r>
+              <a:rPr lang="pt-PT" sz="900" dirty="0">
+                <a:latin typeface="Archivo"/>
+              </a:rPr>
+              <a:t>, </a:t>
+            </a:r>
+            <a:r>
+              <a:rPr lang="pt-PT" sz="900" dirty="0" err="1">
+                <a:latin typeface="Archivo"/>
+              </a:rPr>
+              <a:t>and</a:t>
+            </a:r>
+            <a:r>
+              <a:rPr lang="pt-PT" sz="900" dirty="0">
+                <a:latin typeface="Archivo"/>
+              </a:rPr>
+              <a:t> S. </a:t>
+            </a:r>
+            <a:r>
+              <a:rPr lang="pt-PT" sz="900" dirty="0" err="1">
+                <a:latin typeface="Archivo"/>
+              </a:rPr>
+              <a:t>Abdullah</a:t>
+            </a:r>
+            <a:r>
+              <a:rPr lang="pt-PT" sz="900" dirty="0">
+                <a:latin typeface="Archivo"/>
+              </a:rPr>
+              <a:t>, “Meta-</a:t>
+            </a:r>
+            <a:r>
+              <a:rPr lang="pt-PT" sz="900" dirty="0" err="1">
+                <a:latin typeface="Archivo"/>
+              </a:rPr>
+              <a:t>heuristic</a:t>
+            </a:r>
+            <a:r>
+              <a:rPr lang="pt-PT" sz="900" dirty="0">
+                <a:latin typeface="Archivo"/>
+              </a:rPr>
+              <a:t> </a:t>
+            </a:r>
+            <a:r>
+              <a:rPr lang="pt-PT" sz="900" dirty="0" err="1">
+                <a:latin typeface="Archivo"/>
+              </a:rPr>
+              <a:t>approaches</a:t>
+            </a:r>
+            <a:r>
+              <a:rPr lang="pt-PT" sz="900" dirty="0">
+                <a:latin typeface="Archivo"/>
+              </a:rPr>
+              <a:t> for </a:t>
+            </a:r>
+            <a:r>
+              <a:rPr lang="pt-PT" sz="900" dirty="0" err="1">
+                <a:latin typeface="Archivo"/>
+              </a:rPr>
+              <a:t>the</a:t>
+            </a:r>
+            <a:r>
+              <a:rPr lang="pt-PT" sz="900" dirty="0">
+                <a:latin typeface="Archivo"/>
+              </a:rPr>
+              <a:t> </a:t>
+            </a:r>
+            <a:r>
+              <a:rPr lang="pt-PT" sz="900" dirty="0" err="1">
+                <a:latin typeface="Archivo"/>
+              </a:rPr>
+              <a:t>university</a:t>
+            </a:r>
+            <a:r>
+              <a:rPr lang="pt-PT" sz="900" dirty="0">
+                <a:latin typeface="Archivo"/>
+              </a:rPr>
+              <a:t> </a:t>
+            </a:r>
+            <a:r>
+              <a:rPr lang="pt-PT" sz="900" dirty="0" err="1">
+                <a:latin typeface="Archivo"/>
+              </a:rPr>
+              <a:t>course</a:t>
+            </a:r>
+            <a:r>
+              <a:rPr lang="pt-PT" sz="900" dirty="0">
+                <a:latin typeface="Archivo"/>
+              </a:rPr>
+              <a:t> </a:t>
+            </a:r>
+            <a:r>
+              <a:rPr lang="pt-PT" sz="900" dirty="0" err="1">
+                <a:latin typeface="Archivo"/>
+              </a:rPr>
+              <a:t>timetabling</a:t>
+            </a:r>
+            <a:r>
+              <a:rPr lang="pt-PT" sz="900" dirty="0">
+                <a:latin typeface="Archivo"/>
+              </a:rPr>
+              <a:t> </a:t>
+            </a:r>
+            <a:r>
+              <a:rPr lang="pt-PT" sz="900" dirty="0" err="1">
+                <a:latin typeface="Archivo"/>
+              </a:rPr>
+              <a:t>problem</a:t>
+            </a:r>
+            <a:r>
+              <a:rPr lang="pt-PT" sz="900" dirty="0">
+                <a:latin typeface="Archivo"/>
+              </a:rPr>
+              <a:t>,” </a:t>
+            </a:r>
+            <a:r>
+              <a:rPr lang="pt-PT" sz="900" dirty="0" err="1">
+                <a:latin typeface="Archivo"/>
+              </a:rPr>
+              <a:t>Intelligent</a:t>
+            </a:r>
+            <a:r>
+              <a:rPr lang="pt-PT" sz="900" dirty="0">
+                <a:latin typeface="Archivo"/>
+              </a:rPr>
+              <a:t> </a:t>
+            </a:r>
+            <a:r>
+              <a:rPr lang="pt-PT" sz="900" dirty="0" err="1">
+                <a:latin typeface="Archivo"/>
+              </a:rPr>
+              <a:t>Systems</a:t>
+            </a:r>
+            <a:r>
+              <a:rPr lang="pt-PT" sz="900" dirty="0">
+                <a:latin typeface="Archivo"/>
+              </a:rPr>
+              <a:t> </a:t>
+            </a:r>
+            <a:r>
+              <a:rPr lang="pt-PT" sz="900" dirty="0" err="1">
+                <a:latin typeface="Archivo"/>
+              </a:rPr>
+              <a:t>with</a:t>
+            </a:r>
+            <a:r>
+              <a:rPr lang="pt-PT" sz="900" dirty="0">
+                <a:latin typeface="Archivo"/>
+              </a:rPr>
+              <a:t> </a:t>
+            </a:r>
+            <a:r>
+              <a:rPr lang="pt-PT" sz="900" dirty="0" err="1">
+                <a:latin typeface="Archivo"/>
+              </a:rPr>
+              <a:t>Applications</a:t>
+            </a:r>
+            <a:r>
+              <a:rPr lang="pt-PT" sz="900" dirty="0">
+                <a:latin typeface="Archivo"/>
+              </a:rPr>
+              <a:t>, vol. 19, p. 200253, </a:t>
+            </a:r>
+            <a:r>
+              <a:rPr lang="pt-PT" sz="900" dirty="0" err="1">
+                <a:latin typeface="Archivo"/>
+              </a:rPr>
+              <a:t>Sep</a:t>
+            </a:r>
+            <a:r>
+              <a:rPr lang="pt-PT" sz="900" dirty="0">
+                <a:latin typeface="Archivo"/>
+              </a:rPr>
+              <a:t>. 2023. [Online]. </a:t>
+            </a:r>
+            <a:r>
+              <a:rPr lang="pt-PT" sz="900" dirty="0" err="1">
+                <a:latin typeface="Archivo"/>
+              </a:rPr>
+              <a:t>Available</a:t>
+            </a:r>
+            <a:r>
+              <a:rPr lang="pt-PT" sz="900" dirty="0">
+                <a:latin typeface="Archivo"/>
+              </a:rPr>
+              <a:t>: </a:t>
+            </a:r>
+            <a:r>
+              <a:rPr lang="pt-PT" sz="900" dirty="0">
+                <a:latin typeface="Archivo"/>
+                <a:hlinkClick r:id="rId5"/>
+              </a:rPr>
+              <a:t>https://linkinghub.elsevier.com/retrieve/pii/S2667305323000789</a:t>
+            </a:r>
+            <a:endParaRPr lang="pt-PT" sz="900" dirty="0">
+              <a:latin typeface="Archivo"/>
+            </a:endParaRPr>
+          </a:p>
+          <a:p>
+            <a:r>
+              <a:rPr lang="pt-PT" sz="900" dirty="0">
+                <a:latin typeface="Archivo"/>
+              </a:rPr>
+              <a:t>[5] H. </a:t>
+            </a:r>
+            <a:r>
+              <a:rPr lang="pt-PT" sz="900" dirty="0" err="1">
+                <a:latin typeface="Archivo"/>
+              </a:rPr>
+              <a:t>Babaei</a:t>
+            </a:r>
+            <a:r>
+              <a:rPr lang="pt-PT" sz="900" dirty="0">
+                <a:latin typeface="Archivo"/>
+              </a:rPr>
+              <a:t>, J. </a:t>
+            </a:r>
+            <a:r>
+              <a:rPr lang="pt-PT" sz="900" dirty="0" err="1">
+                <a:latin typeface="Archivo"/>
+              </a:rPr>
+              <a:t>Karimpour</a:t>
+            </a:r>
+            <a:r>
+              <a:rPr lang="pt-PT" sz="900" dirty="0">
+                <a:latin typeface="Archivo"/>
+              </a:rPr>
+              <a:t>, </a:t>
+            </a:r>
+            <a:r>
+              <a:rPr lang="pt-PT" sz="900" dirty="0" err="1">
+                <a:latin typeface="Archivo"/>
+              </a:rPr>
+              <a:t>and</a:t>
+            </a:r>
+            <a:r>
+              <a:rPr lang="pt-PT" sz="900" dirty="0">
+                <a:latin typeface="Archivo"/>
+              </a:rPr>
+              <a:t> A. </a:t>
+            </a:r>
+            <a:r>
+              <a:rPr lang="pt-PT" sz="900" dirty="0" err="1">
+                <a:latin typeface="Archivo"/>
+              </a:rPr>
+              <a:t>Hadidi</a:t>
+            </a:r>
+            <a:r>
+              <a:rPr lang="pt-PT" sz="900" dirty="0">
+                <a:latin typeface="Archivo"/>
+              </a:rPr>
+              <a:t>, “A </a:t>
+            </a:r>
+            <a:r>
+              <a:rPr lang="pt-PT" sz="900" dirty="0" err="1">
+                <a:latin typeface="Archivo"/>
+              </a:rPr>
+              <a:t>survey</a:t>
+            </a:r>
+            <a:r>
+              <a:rPr lang="pt-PT" sz="900" dirty="0">
+                <a:latin typeface="Archivo"/>
+              </a:rPr>
+              <a:t> </a:t>
+            </a:r>
+            <a:r>
+              <a:rPr lang="pt-PT" sz="900" dirty="0" err="1">
+                <a:latin typeface="Archivo"/>
+              </a:rPr>
+              <a:t>of</a:t>
+            </a:r>
+            <a:r>
+              <a:rPr lang="pt-PT" sz="900" dirty="0">
+                <a:latin typeface="Archivo"/>
+              </a:rPr>
+              <a:t> </a:t>
+            </a:r>
+            <a:r>
+              <a:rPr lang="pt-PT" sz="900" dirty="0" err="1">
+                <a:latin typeface="Archivo"/>
+              </a:rPr>
+              <a:t>approaches</a:t>
+            </a:r>
+            <a:r>
+              <a:rPr lang="pt-PT" sz="900" dirty="0">
+                <a:latin typeface="Archivo"/>
+              </a:rPr>
+              <a:t> for </a:t>
+            </a:r>
+            <a:r>
+              <a:rPr lang="pt-PT" sz="900" dirty="0" err="1">
+                <a:latin typeface="Archivo"/>
+              </a:rPr>
+              <a:t>university</a:t>
+            </a:r>
+            <a:r>
+              <a:rPr lang="pt-PT" sz="900" dirty="0">
+                <a:latin typeface="Archivo"/>
+              </a:rPr>
+              <a:t> </a:t>
+            </a:r>
+            <a:r>
+              <a:rPr lang="pt-PT" sz="900" dirty="0" err="1">
+                <a:latin typeface="Archivo"/>
+              </a:rPr>
+              <a:t>course</a:t>
+            </a:r>
+            <a:r>
+              <a:rPr lang="pt-PT" sz="900" dirty="0">
+                <a:latin typeface="Archivo"/>
+              </a:rPr>
+              <a:t> </a:t>
+            </a:r>
+            <a:r>
+              <a:rPr lang="pt-PT" sz="900" dirty="0" err="1">
+                <a:latin typeface="Archivo"/>
+              </a:rPr>
+              <a:t>timetabling</a:t>
+            </a:r>
+            <a:r>
+              <a:rPr lang="pt-PT" sz="900" dirty="0">
+                <a:latin typeface="Archivo"/>
+              </a:rPr>
+              <a:t> </a:t>
+            </a:r>
+            <a:r>
+              <a:rPr lang="pt-PT" sz="900" dirty="0" err="1">
+                <a:latin typeface="Archivo"/>
+              </a:rPr>
+              <a:t>problem</a:t>
+            </a:r>
+            <a:r>
+              <a:rPr lang="pt-PT" sz="900" dirty="0">
+                <a:latin typeface="Archivo"/>
+              </a:rPr>
+              <a:t>,” </a:t>
+            </a:r>
+            <a:r>
+              <a:rPr lang="pt-PT" sz="900" dirty="0" err="1">
+                <a:latin typeface="Archivo"/>
+              </a:rPr>
+              <a:t>Computers</a:t>
+            </a:r>
+            <a:r>
+              <a:rPr lang="pt-PT" sz="900" dirty="0">
+                <a:latin typeface="Archivo"/>
+              </a:rPr>
+              <a:t> &amp; Industrial </a:t>
+            </a:r>
+            <a:r>
+              <a:rPr lang="pt-PT" sz="900" dirty="0" err="1">
+                <a:latin typeface="Archivo"/>
+              </a:rPr>
+              <a:t>Engineering</a:t>
+            </a:r>
+            <a:r>
+              <a:rPr lang="pt-PT" sz="900" dirty="0">
+                <a:latin typeface="Archivo"/>
+              </a:rPr>
+              <a:t>, vol. 86, pp. 43–59, </a:t>
+            </a:r>
+            <a:r>
+              <a:rPr lang="pt-PT" sz="900" dirty="0" err="1">
+                <a:latin typeface="Archivo"/>
+              </a:rPr>
+              <a:t>Aug</a:t>
+            </a:r>
+            <a:r>
+              <a:rPr lang="pt-PT" sz="900" dirty="0">
+                <a:latin typeface="Archivo"/>
+              </a:rPr>
+              <a:t>. 2015. [Online]. </a:t>
+            </a:r>
+            <a:r>
+              <a:rPr lang="pt-PT" sz="900" dirty="0" err="1">
+                <a:latin typeface="Archivo"/>
+              </a:rPr>
+              <a:t>Available</a:t>
+            </a:r>
+            <a:r>
+              <a:rPr lang="pt-PT" sz="900" dirty="0">
+                <a:latin typeface="Archivo"/>
+              </a:rPr>
+              <a:t>: </a:t>
+            </a:r>
+            <a:r>
+              <a:rPr lang="pt-PT" sz="900" dirty="0">
+                <a:latin typeface="Archivo"/>
+                <a:hlinkClick r:id="rId6"/>
+              </a:rPr>
+              <a:t>https://linkinghub.elsevier.com/retrieve/pii/S0360835214003714</a:t>
+            </a:r>
+            <a:endParaRPr lang="pt-PT" sz="900" dirty="0">
+              <a:latin typeface="Archivo"/>
+            </a:endParaRPr>
+          </a:p>
+          <a:p>
+            <a:r>
+              <a:rPr lang="pt-PT" sz="900" dirty="0">
+                <a:latin typeface="Archivo"/>
+              </a:rPr>
+              <a:t>[6] M. C. </a:t>
+            </a:r>
+            <a:r>
+              <a:rPr lang="pt-PT" sz="900" dirty="0" err="1">
+                <a:latin typeface="Archivo"/>
+              </a:rPr>
+              <a:t>Chen</a:t>
+            </a:r>
+            <a:r>
+              <a:rPr lang="pt-PT" sz="900" dirty="0">
+                <a:latin typeface="Archivo"/>
+              </a:rPr>
+              <a:t>, S. N. </a:t>
+            </a:r>
+            <a:r>
+              <a:rPr lang="pt-PT" sz="900" dirty="0" err="1">
+                <a:latin typeface="Archivo"/>
+              </a:rPr>
+              <a:t>Sze</a:t>
+            </a:r>
+            <a:r>
+              <a:rPr lang="pt-PT" sz="900" dirty="0">
+                <a:latin typeface="Archivo"/>
+              </a:rPr>
+              <a:t>, S. L. </a:t>
+            </a:r>
+            <a:r>
+              <a:rPr lang="pt-PT" sz="900" dirty="0" err="1">
+                <a:latin typeface="Archivo"/>
+              </a:rPr>
+              <a:t>Goh</a:t>
+            </a:r>
+            <a:r>
+              <a:rPr lang="pt-PT" sz="900" dirty="0">
+                <a:latin typeface="Archivo"/>
+              </a:rPr>
+              <a:t>, N. R. </a:t>
+            </a:r>
+            <a:r>
+              <a:rPr lang="pt-PT" sz="900" dirty="0" err="1">
+                <a:latin typeface="Archivo"/>
+              </a:rPr>
+              <a:t>Sabar</a:t>
+            </a:r>
+            <a:r>
+              <a:rPr lang="pt-PT" sz="900" dirty="0">
+                <a:latin typeface="Archivo"/>
+              </a:rPr>
+              <a:t>, </a:t>
+            </a:r>
+            <a:r>
+              <a:rPr lang="pt-PT" sz="900" dirty="0" err="1">
+                <a:latin typeface="Archivo"/>
+              </a:rPr>
+              <a:t>and</a:t>
+            </a:r>
+            <a:r>
+              <a:rPr lang="pt-PT" sz="900" dirty="0">
+                <a:latin typeface="Archivo"/>
+              </a:rPr>
+              <a:t> G. Kendall, “A </a:t>
+            </a:r>
+            <a:r>
+              <a:rPr lang="pt-PT" sz="900" dirty="0" err="1">
+                <a:latin typeface="Archivo"/>
+              </a:rPr>
+              <a:t>survey</a:t>
+            </a:r>
+            <a:r>
+              <a:rPr lang="pt-PT" sz="900" dirty="0">
+                <a:latin typeface="Archivo"/>
+              </a:rPr>
+              <a:t> </a:t>
+            </a:r>
+            <a:r>
+              <a:rPr lang="pt-PT" sz="900" dirty="0" err="1">
+                <a:latin typeface="Archivo"/>
+              </a:rPr>
+              <a:t>of</a:t>
+            </a:r>
+            <a:r>
+              <a:rPr lang="pt-PT" sz="900" dirty="0">
+                <a:latin typeface="Archivo"/>
+              </a:rPr>
+              <a:t> </a:t>
+            </a:r>
+            <a:r>
+              <a:rPr lang="pt-PT" sz="900" dirty="0" err="1">
+                <a:latin typeface="Archivo"/>
+              </a:rPr>
+              <a:t>university</a:t>
+            </a:r>
+            <a:r>
+              <a:rPr lang="pt-PT" sz="900" dirty="0">
+                <a:latin typeface="Archivo"/>
+              </a:rPr>
+              <a:t> </a:t>
+            </a:r>
+            <a:r>
+              <a:rPr lang="pt-PT" sz="900" dirty="0" err="1">
+                <a:latin typeface="Archivo"/>
+              </a:rPr>
+              <a:t>course</a:t>
+            </a:r>
+            <a:r>
+              <a:rPr lang="pt-PT" sz="900" dirty="0">
+                <a:latin typeface="Archivo"/>
+              </a:rPr>
+              <a:t> </a:t>
+            </a:r>
+            <a:r>
+              <a:rPr lang="pt-PT" sz="900" dirty="0" err="1">
+                <a:latin typeface="Archivo"/>
+              </a:rPr>
+              <a:t>timetabling</a:t>
+            </a:r>
+            <a:r>
+              <a:rPr lang="pt-PT" sz="900" dirty="0">
+                <a:latin typeface="Archivo"/>
+              </a:rPr>
+              <a:t> </a:t>
+            </a:r>
+            <a:r>
+              <a:rPr lang="pt-PT" sz="900" dirty="0" err="1">
+                <a:latin typeface="Archivo"/>
+              </a:rPr>
+              <a:t>problem</a:t>
+            </a:r>
+            <a:r>
+              <a:rPr lang="pt-PT" sz="900" dirty="0">
+                <a:latin typeface="Archivo"/>
+              </a:rPr>
+              <a:t>: </a:t>
+            </a:r>
+            <a:r>
+              <a:rPr lang="pt-PT" sz="900" dirty="0" err="1">
+                <a:latin typeface="Archivo"/>
+              </a:rPr>
+              <a:t>Perspectives</a:t>
+            </a:r>
+            <a:r>
+              <a:rPr lang="pt-PT" sz="900" dirty="0">
+                <a:latin typeface="Archivo"/>
+              </a:rPr>
+              <a:t>, </a:t>
+            </a:r>
+            <a:r>
+              <a:rPr lang="pt-PT" sz="900" dirty="0" err="1">
+                <a:latin typeface="Archivo"/>
+              </a:rPr>
+              <a:t>trends</a:t>
+            </a:r>
+            <a:r>
+              <a:rPr lang="pt-PT" sz="900" dirty="0">
+                <a:latin typeface="Archivo"/>
+              </a:rPr>
+              <a:t> </a:t>
+            </a:r>
+            <a:r>
+              <a:rPr lang="pt-PT" sz="900" dirty="0" err="1">
+                <a:latin typeface="Archivo"/>
+              </a:rPr>
+              <a:t>and</a:t>
+            </a:r>
+            <a:r>
+              <a:rPr lang="pt-PT" sz="900" dirty="0">
+                <a:latin typeface="Archivo"/>
+              </a:rPr>
+              <a:t> </a:t>
+            </a:r>
+            <a:r>
+              <a:rPr lang="pt-PT" sz="900" dirty="0" err="1">
+                <a:latin typeface="Archivo"/>
+              </a:rPr>
+              <a:t>opportunities</a:t>
+            </a:r>
+            <a:r>
+              <a:rPr lang="pt-PT" sz="900" dirty="0">
+                <a:latin typeface="Archivo"/>
+              </a:rPr>
+              <a:t>,” IEEE Access, vol. 9, pp. 106 515–106 529, 2021, </a:t>
+            </a:r>
+            <a:r>
+              <a:rPr lang="pt-PT" sz="900" dirty="0" err="1">
+                <a:latin typeface="Archivo"/>
+              </a:rPr>
+              <a:t>conference</a:t>
+            </a:r>
+            <a:r>
+              <a:rPr lang="pt-PT" sz="900" dirty="0">
+                <a:latin typeface="Archivo"/>
+              </a:rPr>
+              <a:t> </a:t>
+            </a:r>
+            <a:r>
+              <a:rPr lang="pt-PT" sz="900" dirty="0" err="1">
+                <a:latin typeface="Archivo"/>
+              </a:rPr>
+              <a:t>Name</a:t>
+            </a:r>
+            <a:r>
+              <a:rPr lang="pt-PT" sz="900" dirty="0">
+                <a:latin typeface="Archivo"/>
+              </a:rPr>
+              <a:t>: IEEE Access. [Online]. </a:t>
+            </a:r>
+            <a:r>
+              <a:rPr lang="pt-PT" sz="900" dirty="0" err="1">
+                <a:latin typeface="Archivo"/>
+              </a:rPr>
+              <a:t>Available</a:t>
+            </a:r>
+            <a:r>
+              <a:rPr lang="pt-PT" sz="900" dirty="0">
+                <a:latin typeface="Archivo"/>
+              </a:rPr>
+              <a:t>: </a:t>
+            </a:r>
+            <a:r>
+              <a:rPr lang="pt-PT" sz="900" dirty="0">
+                <a:latin typeface="Archivo"/>
+                <a:hlinkClick r:id="rId7"/>
+              </a:rPr>
+              <a:t>https://ieeexplore.ieee.org/document/9499056/?arnumber=9499056</a:t>
+            </a:r>
+            <a:endParaRPr lang="pt-PT" sz="900" dirty="0">
+              <a:latin typeface="Archivo"/>
+            </a:endParaRPr>
+          </a:p>
+        </p:txBody>
+      </p:sp>
+      <p:sp>
+        <p:nvSpPr>
+          <p:cNvPr id="7" name="TextBox 6">
+            <a:extLst>
+              <a:ext uri="{FF2B5EF4-FFF2-40B4-BE49-F238E27FC236}">
+                <a16:creationId xmlns:a16="http://schemas.microsoft.com/office/drawing/2014/main" id="{8797F9DF-D1E0-A147-D9E2-4668CD7A75C3}"/>
+              </a:ext>
+            </a:extLst>
+          </p:cNvPr>
+          <p:cNvSpPr txBox="1"/>
+          <p:nvPr/>
+        </p:nvSpPr>
+        <p:spPr>
+          <a:xfrm>
+            <a:off x="4663440" y="1115787"/>
+            <a:ext cx="3760560" cy="3277820"/>
+          </a:xfrm>
+          <a:prstGeom prst="rect">
+            <a:avLst/>
+          </a:prstGeom>
+          <a:noFill/>
+        </p:spPr>
+        <p:txBody>
+          <a:bodyPr wrap="square">
+            <a:spAutoFit/>
+          </a:bodyPr>
+          <a:lstStyle/>
+          <a:p>
+            <a:r>
+              <a:rPr lang="pt-PT" sz="900" dirty="0">
+                <a:latin typeface="Archivo"/>
+              </a:rPr>
+              <a:t>[7] E. </a:t>
+            </a:r>
+            <a:r>
+              <a:rPr lang="pt-PT" sz="900" dirty="0" err="1">
+                <a:latin typeface="Archivo"/>
+              </a:rPr>
+              <a:t>Talbi</a:t>
+            </a:r>
+            <a:r>
+              <a:rPr lang="pt-PT" sz="900" dirty="0">
+                <a:latin typeface="Archivo"/>
+              </a:rPr>
+              <a:t>, “</a:t>
+            </a:r>
+            <a:r>
+              <a:rPr lang="pt-PT" sz="900" dirty="0" err="1">
+                <a:latin typeface="Archivo"/>
+              </a:rPr>
+              <a:t>Metaheuristics</a:t>
+            </a:r>
+            <a:r>
+              <a:rPr lang="pt-PT" sz="900" dirty="0">
+                <a:latin typeface="Archivo"/>
+              </a:rPr>
+              <a:t>: </a:t>
+            </a:r>
+            <a:r>
+              <a:rPr lang="pt-PT" sz="900" dirty="0" err="1">
+                <a:latin typeface="Archivo"/>
+              </a:rPr>
+              <a:t>From</a:t>
+            </a:r>
+            <a:r>
+              <a:rPr lang="pt-PT" sz="900" dirty="0">
+                <a:latin typeface="Archivo"/>
+              </a:rPr>
+              <a:t> design to </a:t>
+            </a:r>
+            <a:r>
+              <a:rPr lang="pt-PT" sz="900" dirty="0" err="1">
+                <a:latin typeface="Archivo"/>
+              </a:rPr>
+              <a:t>implementation</a:t>
+            </a:r>
+            <a:r>
+              <a:rPr lang="pt-PT" sz="900" dirty="0">
+                <a:latin typeface="Archivo"/>
+              </a:rPr>
+              <a:t>,” John </a:t>
+            </a:r>
+            <a:r>
+              <a:rPr lang="pt-PT" sz="900" dirty="0" err="1">
+                <a:latin typeface="Archivo"/>
+              </a:rPr>
+              <a:t>Wiley</a:t>
+            </a:r>
+            <a:r>
+              <a:rPr lang="pt-PT" sz="900" dirty="0">
+                <a:latin typeface="Archivo"/>
+              </a:rPr>
+              <a:t> &amp; Sons google </a:t>
+            </a:r>
+            <a:r>
+              <a:rPr lang="pt-PT" sz="900" dirty="0" err="1">
+                <a:latin typeface="Archivo"/>
+              </a:rPr>
+              <a:t>schola</a:t>
+            </a:r>
+            <a:r>
+              <a:rPr lang="pt-PT" sz="900" dirty="0">
+                <a:latin typeface="Archivo"/>
+              </a:rPr>
+              <a:t>, vol. 2, pp. 268–308, 2009. </a:t>
+            </a:r>
+          </a:p>
+          <a:p>
+            <a:r>
+              <a:rPr lang="pt-PT" sz="900" dirty="0">
+                <a:latin typeface="Archivo"/>
+              </a:rPr>
+              <a:t>[8] K.-L. </a:t>
+            </a:r>
+            <a:r>
+              <a:rPr lang="pt-PT" sz="900" dirty="0" err="1">
+                <a:latin typeface="Archivo"/>
+              </a:rPr>
+              <a:t>Du</a:t>
+            </a:r>
+            <a:r>
+              <a:rPr lang="pt-PT" sz="900" dirty="0">
+                <a:latin typeface="Archivo"/>
+              </a:rPr>
+              <a:t>, M. </a:t>
+            </a:r>
+            <a:r>
+              <a:rPr lang="pt-PT" sz="900" dirty="0" err="1">
+                <a:latin typeface="Archivo"/>
+              </a:rPr>
+              <a:t>Swamy</a:t>
+            </a:r>
+            <a:r>
+              <a:rPr lang="pt-PT" sz="900" dirty="0">
+                <a:latin typeface="Archivo"/>
+              </a:rPr>
+              <a:t> </a:t>
+            </a:r>
+            <a:r>
+              <a:rPr lang="pt-PT" sz="900" dirty="0" err="1">
+                <a:latin typeface="Archivo"/>
+              </a:rPr>
+              <a:t>et</a:t>
+            </a:r>
+            <a:r>
+              <a:rPr lang="pt-PT" sz="900" dirty="0">
+                <a:latin typeface="Archivo"/>
+              </a:rPr>
+              <a:t> al., </a:t>
+            </a:r>
+            <a:r>
+              <a:rPr lang="pt-PT" sz="900" dirty="0" err="1">
+                <a:latin typeface="Archivo"/>
+              </a:rPr>
+              <a:t>Search</a:t>
+            </a:r>
+            <a:r>
+              <a:rPr lang="pt-PT" sz="900" dirty="0">
+                <a:latin typeface="Archivo"/>
+              </a:rPr>
+              <a:t> </a:t>
+            </a:r>
+            <a:r>
+              <a:rPr lang="pt-PT" sz="900" dirty="0" err="1">
+                <a:latin typeface="Archivo"/>
+              </a:rPr>
+              <a:t>and</a:t>
+            </a:r>
+            <a:r>
+              <a:rPr lang="pt-PT" sz="900" dirty="0">
+                <a:latin typeface="Archivo"/>
+              </a:rPr>
+              <a:t> </a:t>
+            </a:r>
+            <a:r>
+              <a:rPr lang="pt-PT" sz="900" dirty="0" err="1">
+                <a:latin typeface="Archivo"/>
+              </a:rPr>
+              <a:t>optimization</a:t>
+            </a:r>
+            <a:r>
+              <a:rPr lang="pt-PT" sz="900" dirty="0">
+                <a:latin typeface="Archivo"/>
+              </a:rPr>
+              <a:t> </a:t>
+            </a:r>
+            <a:r>
+              <a:rPr lang="pt-PT" sz="900" dirty="0" err="1">
+                <a:latin typeface="Archivo"/>
+              </a:rPr>
+              <a:t>by</a:t>
+            </a:r>
+            <a:r>
+              <a:rPr lang="pt-PT" sz="900" dirty="0">
+                <a:latin typeface="Archivo"/>
+              </a:rPr>
+              <a:t> </a:t>
+            </a:r>
+            <a:r>
+              <a:rPr lang="pt-PT" sz="900" dirty="0" err="1">
+                <a:latin typeface="Archivo"/>
+              </a:rPr>
+              <a:t>metaheuristics</a:t>
+            </a:r>
+            <a:r>
+              <a:rPr lang="pt-PT" sz="900" dirty="0">
+                <a:latin typeface="Archivo"/>
+              </a:rPr>
+              <a:t>. Springer, 2016, vol. 1.</a:t>
+            </a:r>
+          </a:p>
+          <a:p>
+            <a:r>
+              <a:rPr lang="pt-PT" sz="900" dirty="0">
+                <a:latin typeface="Archivo"/>
+              </a:rPr>
+              <a:t>[9] E. </a:t>
+            </a:r>
+            <a:r>
+              <a:rPr lang="pt-PT" sz="900" dirty="0" err="1">
+                <a:latin typeface="Archivo"/>
+              </a:rPr>
+              <a:t>Burke</a:t>
+            </a:r>
+            <a:r>
+              <a:rPr lang="pt-PT" sz="900" dirty="0">
+                <a:latin typeface="Archivo"/>
+              </a:rPr>
+              <a:t>, M. </a:t>
+            </a:r>
+            <a:r>
+              <a:rPr lang="pt-PT" sz="900" dirty="0" err="1">
+                <a:latin typeface="Archivo"/>
+              </a:rPr>
+              <a:t>Gendreau</a:t>
+            </a:r>
+            <a:r>
+              <a:rPr lang="pt-PT" sz="900" dirty="0">
+                <a:latin typeface="Archivo"/>
+              </a:rPr>
+              <a:t>, M. </a:t>
+            </a:r>
+            <a:r>
+              <a:rPr lang="pt-PT" sz="900" dirty="0" err="1">
+                <a:latin typeface="Archivo"/>
+              </a:rPr>
+              <a:t>Hyde</a:t>
+            </a:r>
+            <a:r>
+              <a:rPr lang="pt-PT" sz="900" dirty="0">
+                <a:latin typeface="Archivo"/>
+              </a:rPr>
+              <a:t>, G. Kendall, G. Ochoa, E. </a:t>
+            </a:r>
+            <a:r>
+              <a:rPr lang="pt-PT" sz="900" dirty="0" err="1">
+                <a:latin typeface="Archivo"/>
+              </a:rPr>
+              <a:t>Özcan</a:t>
+            </a:r>
+            <a:r>
+              <a:rPr lang="pt-PT" sz="900" dirty="0">
+                <a:latin typeface="Archivo"/>
+              </a:rPr>
+              <a:t>, </a:t>
+            </a:r>
+            <a:r>
+              <a:rPr lang="pt-PT" sz="900" dirty="0" err="1">
+                <a:latin typeface="Archivo"/>
+              </a:rPr>
+              <a:t>and</a:t>
+            </a:r>
+            <a:r>
+              <a:rPr lang="pt-PT" sz="900" dirty="0">
+                <a:latin typeface="Archivo"/>
+              </a:rPr>
+              <a:t> R. </a:t>
+            </a:r>
+            <a:r>
+              <a:rPr lang="pt-PT" sz="900" dirty="0" err="1">
+                <a:latin typeface="Archivo"/>
+              </a:rPr>
+              <a:t>Qu</a:t>
+            </a:r>
+            <a:r>
+              <a:rPr lang="pt-PT" sz="900" dirty="0">
+                <a:latin typeface="Archivo"/>
+              </a:rPr>
+              <a:t>, “</a:t>
+            </a:r>
+            <a:r>
+              <a:rPr lang="pt-PT" sz="900" dirty="0" err="1">
+                <a:latin typeface="Archivo"/>
+              </a:rPr>
+              <a:t>Hyper-heuristics</a:t>
+            </a:r>
+            <a:r>
+              <a:rPr lang="pt-PT" sz="900" dirty="0">
+                <a:latin typeface="Archivo"/>
+              </a:rPr>
+              <a:t>: A </a:t>
+            </a:r>
+            <a:r>
+              <a:rPr lang="pt-PT" sz="900" dirty="0" err="1">
+                <a:latin typeface="Archivo"/>
+              </a:rPr>
+              <a:t>survey</a:t>
+            </a:r>
+            <a:r>
+              <a:rPr lang="pt-PT" sz="900" dirty="0">
+                <a:latin typeface="Archivo"/>
+              </a:rPr>
+              <a:t> </a:t>
+            </a:r>
+            <a:r>
+              <a:rPr lang="pt-PT" sz="900" dirty="0" err="1">
+                <a:latin typeface="Archivo"/>
+              </a:rPr>
+              <a:t>of</a:t>
+            </a:r>
+            <a:r>
+              <a:rPr lang="pt-PT" sz="900" dirty="0">
+                <a:latin typeface="Archivo"/>
+              </a:rPr>
+              <a:t> </a:t>
+            </a:r>
+            <a:r>
+              <a:rPr lang="pt-PT" sz="900" dirty="0" err="1">
+                <a:latin typeface="Archivo"/>
+              </a:rPr>
+              <a:t>the</a:t>
+            </a:r>
+            <a:r>
+              <a:rPr lang="pt-PT" sz="900" dirty="0">
+                <a:latin typeface="Archivo"/>
+              </a:rPr>
+              <a:t> </a:t>
+            </a:r>
+            <a:r>
+              <a:rPr lang="pt-PT" sz="900" dirty="0" err="1">
+                <a:latin typeface="Archivo"/>
+              </a:rPr>
+              <a:t>state</a:t>
+            </a:r>
+            <a:r>
+              <a:rPr lang="pt-PT" sz="900" dirty="0">
+                <a:latin typeface="Archivo"/>
+              </a:rPr>
+              <a:t> </a:t>
+            </a:r>
+            <a:r>
+              <a:rPr lang="pt-PT" sz="900" dirty="0" err="1">
+                <a:latin typeface="Archivo"/>
+              </a:rPr>
+              <a:t>of</a:t>
+            </a:r>
+            <a:r>
+              <a:rPr lang="pt-PT" sz="900" dirty="0">
+                <a:latin typeface="Archivo"/>
+              </a:rPr>
+              <a:t> </a:t>
+            </a:r>
+            <a:r>
+              <a:rPr lang="pt-PT" sz="900" dirty="0" err="1">
+                <a:latin typeface="Archivo"/>
+              </a:rPr>
+              <a:t>the</a:t>
+            </a:r>
+            <a:r>
+              <a:rPr lang="pt-PT" sz="900" dirty="0">
+                <a:latin typeface="Archivo"/>
+              </a:rPr>
+              <a:t> </a:t>
+            </a:r>
+            <a:r>
+              <a:rPr lang="pt-PT" sz="900" dirty="0" err="1">
+                <a:latin typeface="Archivo"/>
+              </a:rPr>
+              <a:t>art</a:t>
+            </a:r>
+            <a:r>
+              <a:rPr lang="pt-PT" sz="900" dirty="0">
+                <a:latin typeface="Archivo"/>
+              </a:rPr>
+              <a:t>,” </a:t>
+            </a:r>
+            <a:r>
+              <a:rPr lang="pt-PT" sz="900" dirty="0" err="1">
+                <a:latin typeface="Archivo"/>
+              </a:rPr>
+              <a:t>Journal</a:t>
+            </a:r>
+            <a:endParaRPr lang="pt-PT" sz="900" dirty="0">
+              <a:latin typeface="Archivo"/>
+            </a:endParaRPr>
+          </a:p>
+          <a:p>
+            <a:r>
+              <a:rPr lang="pt-PT" sz="900" dirty="0" err="1">
+                <a:latin typeface="Archivo"/>
+              </a:rPr>
+              <a:t>of</a:t>
+            </a:r>
+            <a:r>
+              <a:rPr lang="pt-PT" sz="900" dirty="0">
+                <a:latin typeface="Archivo"/>
+              </a:rPr>
+              <a:t> </a:t>
+            </a:r>
+            <a:r>
+              <a:rPr lang="pt-PT" sz="900" dirty="0" err="1">
+                <a:latin typeface="Archivo"/>
+              </a:rPr>
+              <a:t>the</a:t>
+            </a:r>
+            <a:r>
+              <a:rPr lang="pt-PT" sz="900" dirty="0">
+                <a:latin typeface="Archivo"/>
+              </a:rPr>
+              <a:t> </a:t>
+            </a:r>
+            <a:r>
+              <a:rPr lang="pt-PT" sz="900" dirty="0" err="1">
+                <a:latin typeface="Archivo"/>
+              </a:rPr>
+              <a:t>Operational</a:t>
+            </a:r>
+            <a:r>
+              <a:rPr lang="pt-PT" sz="900" dirty="0">
+                <a:latin typeface="Archivo"/>
+              </a:rPr>
+              <a:t> Research </a:t>
+            </a:r>
+            <a:r>
+              <a:rPr lang="pt-PT" sz="900" dirty="0" err="1">
+                <a:latin typeface="Archivo"/>
+              </a:rPr>
+              <a:t>Society</a:t>
+            </a:r>
+            <a:r>
+              <a:rPr lang="pt-PT" sz="900" dirty="0">
+                <a:latin typeface="Archivo"/>
+              </a:rPr>
+              <a:t>, vol. 64, pp. 1695–1724, 07 2013. [Online]. </a:t>
+            </a:r>
+            <a:r>
+              <a:rPr lang="pt-PT" sz="900" dirty="0" err="1">
+                <a:latin typeface="Archivo"/>
+              </a:rPr>
+              <a:t>Available</a:t>
+            </a:r>
+            <a:r>
+              <a:rPr lang="pt-PT" sz="900" dirty="0">
+                <a:latin typeface="Archivo"/>
+              </a:rPr>
+              <a:t>: </a:t>
+            </a:r>
+            <a:r>
+              <a:rPr lang="pt-PT" sz="900" dirty="0">
+                <a:latin typeface="Archivo"/>
+                <a:hlinkClick r:id="rId8"/>
+              </a:rPr>
+              <a:t>https://www.researchgate.net/publication/256442073_Hyperheuristics_A_survey_of_the_state_of_the_art</a:t>
+            </a:r>
+            <a:endParaRPr lang="pt-PT" sz="900" dirty="0">
+              <a:latin typeface="Archivo"/>
+            </a:endParaRPr>
+          </a:p>
+          <a:p>
+            <a:r>
+              <a:rPr lang="pt-PT" sz="900" dirty="0">
+                <a:latin typeface="Archivo"/>
+              </a:rPr>
+              <a:t>[10] T. </a:t>
+            </a:r>
+            <a:r>
+              <a:rPr lang="pt-PT" sz="900" dirty="0" err="1">
+                <a:latin typeface="Archivo"/>
+              </a:rPr>
+              <a:t>Müller</a:t>
+            </a:r>
+            <a:r>
+              <a:rPr lang="pt-PT" sz="900" dirty="0">
+                <a:latin typeface="Archivo"/>
+              </a:rPr>
+              <a:t>, “Itc2007 solver </a:t>
+            </a:r>
+            <a:r>
+              <a:rPr lang="pt-PT" sz="900" dirty="0" err="1">
+                <a:latin typeface="Archivo"/>
+              </a:rPr>
+              <a:t>description</a:t>
+            </a:r>
+            <a:r>
+              <a:rPr lang="pt-PT" sz="900" dirty="0">
+                <a:latin typeface="Archivo"/>
+              </a:rPr>
+              <a:t>: a </a:t>
+            </a:r>
+            <a:r>
+              <a:rPr lang="pt-PT" sz="900" dirty="0" err="1">
+                <a:latin typeface="Archivo"/>
+              </a:rPr>
+              <a:t>hybrid</a:t>
+            </a:r>
+            <a:r>
+              <a:rPr lang="pt-PT" sz="900" dirty="0">
+                <a:latin typeface="Archivo"/>
+              </a:rPr>
+              <a:t> </a:t>
+            </a:r>
+            <a:r>
+              <a:rPr lang="pt-PT" sz="900" dirty="0" err="1">
+                <a:latin typeface="Archivo"/>
+              </a:rPr>
+              <a:t>approach</a:t>
+            </a:r>
+            <a:r>
+              <a:rPr lang="pt-PT" sz="900" dirty="0">
+                <a:latin typeface="Archivo"/>
+              </a:rPr>
+              <a:t>,” </a:t>
+            </a:r>
+            <a:r>
+              <a:rPr lang="pt-PT" sz="900" dirty="0" err="1">
+                <a:latin typeface="Archivo"/>
+              </a:rPr>
+              <a:t>Annals</a:t>
+            </a:r>
+            <a:r>
+              <a:rPr lang="pt-PT" sz="900" dirty="0">
+                <a:latin typeface="Archivo"/>
+              </a:rPr>
+              <a:t> </a:t>
+            </a:r>
+            <a:r>
+              <a:rPr lang="pt-PT" sz="900" dirty="0" err="1">
+                <a:latin typeface="Archivo"/>
+              </a:rPr>
+              <a:t>of</a:t>
+            </a:r>
+            <a:r>
+              <a:rPr lang="pt-PT" sz="900" dirty="0">
+                <a:latin typeface="Archivo"/>
+              </a:rPr>
+              <a:t> </a:t>
+            </a:r>
+            <a:r>
+              <a:rPr lang="pt-PT" sz="900" dirty="0" err="1">
+                <a:latin typeface="Archivo"/>
+              </a:rPr>
+              <a:t>Operations</a:t>
+            </a:r>
+            <a:r>
+              <a:rPr lang="pt-PT" sz="900" dirty="0">
+                <a:latin typeface="Archivo"/>
+              </a:rPr>
+              <a:t> Research, vol. 172, no. 1, pp. 429–446, Nov. 2009. [Online]. </a:t>
+            </a:r>
+            <a:r>
+              <a:rPr lang="pt-PT" sz="900" dirty="0" err="1">
+                <a:latin typeface="Archivo"/>
+              </a:rPr>
+              <a:t>Available</a:t>
+            </a:r>
+            <a:r>
+              <a:rPr lang="pt-PT" sz="900" dirty="0">
+                <a:latin typeface="Archivo"/>
+              </a:rPr>
+              <a:t>: </a:t>
+            </a:r>
+            <a:r>
+              <a:rPr lang="pt-PT" sz="900" dirty="0">
+                <a:latin typeface="Archivo"/>
+                <a:hlinkClick r:id="rId9"/>
+              </a:rPr>
+              <a:t>http://link.springer.com/10.1007/s10479-009-0644-y</a:t>
+            </a:r>
+            <a:endParaRPr lang="pt-PT" sz="900" dirty="0">
+              <a:latin typeface="Archivo"/>
+            </a:endParaRPr>
+          </a:p>
+          <a:p>
+            <a:r>
+              <a:rPr lang="pt-PT" sz="900" dirty="0">
+                <a:latin typeface="Archivo"/>
+              </a:rPr>
+              <a:t>[11] S. L. </a:t>
+            </a:r>
+            <a:r>
+              <a:rPr lang="pt-PT" sz="900" dirty="0" err="1">
+                <a:latin typeface="Archivo"/>
+              </a:rPr>
+              <a:t>Goh</a:t>
+            </a:r>
+            <a:r>
+              <a:rPr lang="pt-PT" sz="900" dirty="0">
+                <a:latin typeface="Archivo"/>
+              </a:rPr>
+              <a:t>, “</a:t>
+            </a:r>
+            <a:r>
+              <a:rPr lang="pt-PT" sz="900" dirty="0" err="1">
+                <a:latin typeface="Archivo"/>
+              </a:rPr>
+              <a:t>An</a:t>
+            </a:r>
+            <a:r>
+              <a:rPr lang="pt-PT" sz="900" dirty="0">
+                <a:latin typeface="Archivo"/>
+              </a:rPr>
+              <a:t> </a:t>
+            </a:r>
+            <a:r>
+              <a:rPr lang="pt-PT" sz="900" dirty="0" err="1">
+                <a:latin typeface="Archivo"/>
+              </a:rPr>
+              <a:t>investigation</a:t>
+            </a:r>
+            <a:r>
+              <a:rPr lang="pt-PT" sz="900" dirty="0">
+                <a:latin typeface="Archivo"/>
+              </a:rPr>
+              <a:t> </a:t>
+            </a:r>
+            <a:r>
+              <a:rPr lang="pt-PT" sz="900" dirty="0" err="1">
+                <a:latin typeface="Archivo"/>
+              </a:rPr>
+              <a:t>of</a:t>
+            </a:r>
+            <a:r>
+              <a:rPr lang="pt-PT" sz="900" dirty="0">
+                <a:latin typeface="Archivo"/>
+              </a:rPr>
+              <a:t> monte </a:t>
+            </a:r>
+            <a:r>
+              <a:rPr lang="pt-PT" sz="900" dirty="0" err="1">
+                <a:latin typeface="Archivo"/>
+              </a:rPr>
+              <a:t>carlo</a:t>
+            </a:r>
+            <a:r>
+              <a:rPr lang="pt-PT" sz="900" dirty="0">
+                <a:latin typeface="Archivo"/>
+              </a:rPr>
+              <a:t> </a:t>
+            </a:r>
+            <a:r>
+              <a:rPr lang="pt-PT" sz="900" dirty="0" err="1">
+                <a:latin typeface="Archivo"/>
+              </a:rPr>
+              <a:t>tree</a:t>
+            </a:r>
+            <a:r>
+              <a:rPr lang="pt-PT" sz="900" dirty="0">
+                <a:latin typeface="Archivo"/>
+              </a:rPr>
+              <a:t> </a:t>
+            </a:r>
+            <a:r>
+              <a:rPr lang="pt-PT" sz="900" dirty="0" err="1">
+                <a:latin typeface="Archivo"/>
+              </a:rPr>
+              <a:t>search</a:t>
+            </a:r>
+            <a:r>
+              <a:rPr lang="pt-PT" sz="900" dirty="0">
+                <a:latin typeface="Archivo"/>
+              </a:rPr>
+              <a:t> </a:t>
+            </a:r>
+            <a:r>
+              <a:rPr lang="pt-PT" sz="900" dirty="0" err="1">
+                <a:latin typeface="Archivo"/>
+              </a:rPr>
+              <a:t>and</a:t>
+            </a:r>
+            <a:r>
+              <a:rPr lang="pt-PT" sz="900" dirty="0">
+                <a:latin typeface="Archivo"/>
+              </a:rPr>
+              <a:t> local </a:t>
+            </a:r>
+            <a:r>
+              <a:rPr lang="pt-PT" sz="900" dirty="0" err="1">
+                <a:latin typeface="Archivo"/>
+              </a:rPr>
+              <a:t>search</a:t>
+            </a:r>
+            <a:r>
+              <a:rPr lang="pt-PT" sz="900" dirty="0">
+                <a:latin typeface="Archivo"/>
+              </a:rPr>
+              <a:t> for </a:t>
+            </a:r>
+            <a:r>
+              <a:rPr lang="pt-PT" sz="900" dirty="0" err="1">
+                <a:latin typeface="Archivo"/>
+              </a:rPr>
+              <a:t>course</a:t>
+            </a:r>
+            <a:r>
+              <a:rPr lang="pt-PT" sz="900" dirty="0">
+                <a:latin typeface="Archivo"/>
+              </a:rPr>
+              <a:t> </a:t>
+            </a:r>
+            <a:r>
+              <a:rPr lang="pt-PT" sz="900" dirty="0" err="1">
+                <a:latin typeface="Archivo"/>
+              </a:rPr>
+              <a:t>timetabling</a:t>
+            </a:r>
+            <a:r>
+              <a:rPr lang="pt-PT" sz="900" dirty="0">
+                <a:latin typeface="Archivo"/>
+              </a:rPr>
+              <a:t> </a:t>
+            </a:r>
+            <a:r>
+              <a:rPr lang="pt-PT" sz="900" dirty="0" err="1">
+                <a:latin typeface="Archivo"/>
+              </a:rPr>
+              <a:t>problems</a:t>
+            </a:r>
+            <a:r>
+              <a:rPr lang="pt-PT" sz="900" dirty="0">
+                <a:latin typeface="Archivo"/>
+              </a:rPr>
+              <a:t>,” </a:t>
+            </a:r>
+            <a:r>
+              <a:rPr lang="pt-PT" sz="900" dirty="0" err="1">
+                <a:latin typeface="Archivo"/>
+              </a:rPr>
+              <a:t>University</a:t>
+            </a:r>
+            <a:r>
+              <a:rPr lang="pt-PT" sz="900" dirty="0">
+                <a:latin typeface="Archivo"/>
+              </a:rPr>
+              <a:t> </a:t>
+            </a:r>
+            <a:r>
+              <a:rPr lang="pt-PT" sz="900" dirty="0" err="1">
+                <a:latin typeface="Archivo"/>
+              </a:rPr>
+              <a:t>of</a:t>
+            </a:r>
+            <a:r>
+              <a:rPr lang="pt-PT" sz="900" dirty="0">
+                <a:latin typeface="Archivo"/>
+              </a:rPr>
+              <a:t> Nottingham, </a:t>
+            </a:r>
+            <a:r>
+              <a:rPr lang="pt-PT" sz="900" dirty="0" err="1">
+                <a:latin typeface="Archivo"/>
+              </a:rPr>
+              <a:t>Malaysia</a:t>
+            </a:r>
+            <a:r>
+              <a:rPr lang="pt-PT" sz="900" dirty="0">
+                <a:latin typeface="Archivo"/>
+              </a:rPr>
+              <a:t>, pp. 76–105, Jul. 2017. [Online]. </a:t>
+            </a:r>
+            <a:r>
+              <a:rPr lang="pt-PT" sz="900" dirty="0" err="1">
+                <a:latin typeface="Archivo"/>
+              </a:rPr>
+              <a:t>Available</a:t>
+            </a:r>
+            <a:r>
+              <a:rPr lang="pt-PT" sz="900" dirty="0">
+                <a:latin typeface="Archivo"/>
+              </a:rPr>
+              <a:t>: </a:t>
+            </a:r>
+            <a:r>
+              <a:rPr lang="pt-PT" sz="900" dirty="0">
+                <a:latin typeface="Archivo"/>
+                <a:hlinkClick r:id="rId10"/>
+              </a:rPr>
+              <a:t>https://eprints.nottingham.ac.uk/43558/</a:t>
+            </a:r>
+            <a:endParaRPr lang="pt-PT" sz="900" dirty="0">
+              <a:latin typeface="Archivo"/>
+            </a:endParaRPr>
+          </a:p>
+          <a:p>
+            <a:r>
+              <a:rPr lang="pt-PT" sz="900" dirty="0">
+                <a:latin typeface="Archivo"/>
+              </a:rPr>
+              <a:t>[12] J. P. Pedroso </a:t>
+            </a:r>
+            <a:r>
+              <a:rPr lang="pt-PT" sz="900" dirty="0" err="1">
+                <a:latin typeface="Archivo"/>
+              </a:rPr>
+              <a:t>and</a:t>
+            </a:r>
+            <a:r>
+              <a:rPr lang="pt-PT" sz="900" dirty="0">
+                <a:latin typeface="Archivo"/>
+              </a:rPr>
+              <a:t> R. Rei, “</a:t>
+            </a:r>
+            <a:r>
+              <a:rPr lang="pt-PT" sz="900" dirty="0" err="1">
+                <a:latin typeface="Archivo"/>
+              </a:rPr>
+              <a:t>Tree</a:t>
+            </a:r>
+            <a:r>
+              <a:rPr lang="pt-PT" sz="900" dirty="0">
+                <a:latin typeface="Archivo"/>
+              </a:rPr>
+              <a:t> </a:t>
+            </a:r>
+            <a:r>
+              <a:rPr lang="pt-PT" sz="900" dirty="0" err="1">
+                <a:latin typeface="Archivo"/>
+              </a:rPr>
+              <a:t>search</a:t>
+            </a:r>
+            <a:r>
+              <a:rPr lang="pt-PT" sz="900" dirty="0">
+                <a:latin typeface="Archivo"/>
+              </a:rPr>
+              <a:t> </a:t>
+            </a:r>
+            <a:r>
+              <a:rPr lang="pt-PT" sz="900" dirty="0" err="1">
+                <a:latin typeface="Archivo"/>
+              </a:rPr>
+              <a:t>and</a:t>
+            </a:r>
+            <a:r>
+              <a:rPr lang="pt-PT" sz="900" dirty="0">
+                <a:latin typeface="Archivo"/>
+              </a:rPr>
+              <a:t> </a:t>
+            </a:r>
+            <a:r>
+              <a:rPr lang="pt-PT" sz="900" dirty="0" err="1">
+                <a:latin typeface="Archivo"/>
+              </a:rPr>
+              <a:t>simulation</a:t>
+            </a:r>
+            <a:r>
+              <a:rPr lang="pt-PT" sz="900" dirty="0">
+                <a:latin typeface="Archivo"/>
+              </a:rPr>
+              <a:t>,” in </a:t>
+            </a:r>
+            <a:r>
+              <a:rPr lang="pt-PT" sz="900" dirty="0" err="1">
+                <a:latin typeface="Archivo"/>
+              </a:rPr>
+              <a:t>Applied</a:t>
+            </a:r>
+            <a:r>
+              <a:rPr lang="pt-PT" sz="900" dirty="0">
+                <a:latin typeface="Archivo"/>
+              </a:rPr>
+              <a:t> </a:t>
+            </a:r>
+            <a:r>
+              <a:rPr lang="pt-PT" sz="900" dirty="0" err="1">
+                <a:latin typeface="Archivo"/>
+              </a:rPr>
+              <a:t>Simulation</a:t>
+            </a:r>
+            <a:r>
+              <a:rPr lang="pt-PT" sz="900" dirty="0">
+                <a:latin typeface="Archivo"/>
+              </a:rPr>
+              <a:t> </a:t>
+            </a:r>
+            <a:r>
+              <a:rPr lang="pt-PT" sz="900" dirty="0" err="1">
+                <a:latin typeface="Archivo"/>
+              </a:rPr>
+              <a:t>and</a:t>
+            </a:r>
+            <a:r>
+              <a:rPr lang="pt-PT" sz="900" dirty="0">
+                <a:latin typeface="Archivo"/>
+              </a:rPr>
+              <a:t> </a:t>
+            </a:r>
+            <a:r>
+              <a:rPr lang="pt-PT" sz="900" dirty="0" err="1">
+                <a:latin typeface="Archivo"/>
+              </a:rPr>
+              <a:t>Optimization</a:t>
+            </a:r>
+            <a:r>
+              <a:rPr lang="pt-PT" sz="900" dirty="0">
+                <a:latin typeface="Archivo"/>
+              </a:rPr>
+              <a:t>: In </a:t>
+            </a:r>
+            <a:r>
+              <a:rPr lang="pt-PT" sz="900" dirty="0" err="1">
+                <a:latin typeface="Archivo"/>
+              </a:rPr>
+              <a:t>Logistics</a:t>
+            </a:r>
+            <a:r>
+              <a:rPr lang="pt-PT" sz="900" dirty="0">
+                <a:latin typeface="Archivo"/>
+              </a:rPr>
+              <a:t>, Industrial </a:t>
+            </a:r>
+            <a:r>
+              <a:rPr lang="pt-PT" sz="900" dirty="0" err="1">
+                <a:latin typeface="Archivo"/>
+              </a:rPr>
+              <a:t>and</a:t>
+            </a:r>
+            <a:r>
+              <a:rPr lang="pt-PT" sz="900" dirty="0">
+                <a:latin typeface="Archivo"/>
+              </a:rPr>
+              <a:t> </a:t>
+            </a:r>
+            <a:r>
+              <a:rPr lang="pt-PT" sz="900" dirty="0" err="1">
+                <a:latin typeface="Archivo"/>
+              </a:rPr>
+              <a:t>Aeronautical</a:t>
+            </a:r>
+            <a:r>
+              <a:rPr lang="pt-PT" sz="900" dirty="0">
+                <a:latin typeface="Archivo"/>
+              </a:rPr>
+              <a:t> </a:t>
+            </a:r>
+            <a:r>
+              <a:rPr lang="pt-PT" sz="900" dirty="0" err="1">
+                <a:latin typeface="Archivo"/>
+              </a:rPr>
+              <a:t>Practice</a:t>
+            </a:r>
+            <a:r>
+              <a:rPr lang="pt-PT" sz="900" dirty="0">
+                <a:latin typeface="Archivo"/>
+              </a:rPr>
+              <a:t>, M. </a:t>
+            </a:r>
+            <a:r>
+              <a:rPr lang="pt-PT" sz="900" dirty="0" err="1">
+                <a:latin typeface="Archivo"/>
+              </a:rPr>
+              <a:t>Mujica</a:t>
+            </a:r>
+            <a:r>
+              <a:rPr lang="pt-PT" sz="900" dirty="0">
+                <a:latin typeface="Archivo"/>
+              </a:rPr>
+              <a:t> Mota, I. F. De La Mota, </a:t>
+            </a:r>
+            <a:r>
+              <a:rPr lang="pt-PT" sz="900" dirty="0" err="1">
+                <a:latin typeface="Archivo"/>
+              </a:rPr>
+              <a:t>and</a:t>
+            </a:r>
+            <a:r>
+              <a:rPr lang="pt-PT" sz="900" dirty="0">
+                <a:latin typeface="Archivo"/>
+              </a:rPr>
+              <a:t> D. </a:t>
+            </a:r>
+            <a:r>
+              <a:rPr lang="pt-PT" sz="900" dirty="0" err="1">
+                <a:latin typeface="Archivo"/>
+              </a:rPr>
+              <a:t>Guimarans</a:t>
+            </a:r>
+            <a:r>
+              <a:rPr lang="pt-PT" sz="900" dirty="0">
+                <a:latin typeface="Archivo"/>
+              </a:rPr>
+              <a:t> Serrano, Eds. </a:t>
+            </a:r>
+            <a:r>
+              <a:rPr lang="pt-PT" sz="900" dirty="0" err="1">
+                <a:latin typeface="Archivo"/>
+              </a:rPr>
+              <a:t>Cham</a:t>
+            </a:r>
+            <a:r>
+              <a:rPr lang="pt-PT" sz="900" dirty="0">
+                <a:latin typeface="Archivo"/>
+              </a:rPr>
+              <a:t>: Springer </a:t>
+            </a:r>
+            <a:r>
+              <a:rPr lang="pt-PT" sz="900" dirty="0" err="1">
+                <a:latin typeface="Archivo"/>
+              </a:rPr>
+              <a:t>International</a:t>
+            </a:r>
+            <a:r>
+              <a:rPr lang="pt-PT" sz="900" dirty="0">
+                <a:latin typeface="Archivo"/>
+              </a:rPr>
+              <a:t> </a:t>
+            </a:r>
+            <a:r>
+              <a:rPr lang="pt-PT" sz="900" dirty="0" err="1">
+                <a:latin typeface="Archivo"/>
+              </a:rPr>
+              <a:t>Publishing</a:t>
+            </a:r>
+            <a:r>
+              <a:rPr lang="pt-PT" sz="900" dirty="0">
+                <a:latin typeface="Archivo"/>
+              </a:rPr>
+              <a:t>, 2015, pp. 109–131. [Online]. </a:t>
+            </a:r>
+            <a:r>
+              <a:rPr lang="pt-PT" sz="900" dirty="0" err="1">
+                <a:latin typeface="Archivo"/>
+              </a:rPr>
+              <a:t>Available</a:t>
+            </a:r>
+            <a:r>
+              <a:rPr lang="pt-PT" sz="900" dirty="0">
+                <a:latin typeface="Archivo"/>
+              </a:rPr>
+              <a:t>: </a:t>
+            </a:r>
+            <a:r>
+              <a:rPr lang="pt-PT" sz="900" dirty="0">
+                <a:latin typeface="Archivo"/>
+                <a:hlinkClick r:id="rId11"/>
+              </a:rPr>
+              <a:t>https://doi.org/10.1007/978-3-319-15033-8_4</a:t>
+            </a:r>
+            <a:endParaRPr lang="pt-PT" sz="900" dirty="0">
+              <a:latin typeface="Archivo"/>
+            </a:endParaRPr>
+          </a:p>
+          <a:p>
+            <a:endParaRPr lang="pt-PT" sz="900" dirty="0">
+              <a:latin typeface="Archivo"/>
+            </a:endParaRPr>
+          </a:p>
+        </p:txBody>
+      </p:sp>
+    </p:spTree>
+    <p:extLst>
+      <p:ext uri="{BB962C8B-B14F-4D97-AF65-F5344CB8AC3E}">
+        <p14:creationId xmlns:p14="http://schemas.microsoft.com/office/powerpoint/2010/main" val="3497698494"/>
       </p:ext>
     </p:extLst>
   </p:cSld>
@@ -31256,7 +32510,7 @@
         <p:spPr>
           <a:xfrm>
             <a:off x="628650" y="1206020"/>
-            <a:ext cx="5048250" cy="1354217"/>
+            <a:ext cx="5048250" cy="1754326"/>
           </a:xfrm>
           <a:prstGeom prst="rect">
             <a:avLst/>
@@ -31271,7 +32525,7 @@
           <a:p>
             <a:pPr lvl="2"/>
             <a:r>
-              <a:rPr lang="en-US" sz="1200" b="1" dirty="0">
+              <a:rPr lang="en-US" b="1" dirty="0">
                 <a:latin typeface="Archivo"/>
               </a:rPr>
               <a:t>University Course Timetabling Problem (UCTTP):</a:t>
@@ -31286,67 +32540,67 @@
               <a:buChar char="•"/>
             </a:pPr>
             <a:r>
-              <a:rPr lang="en-US" sz="1200" dirty="0">
+              <a:rPr lang="en-US" dirty="0">
                 <a:latin typeface="Archivo"/>
               </a:rPr>
               <a:t>Complex combinatorial optimization problem that consists of allocating </a:t>
             </a:r>
             <a:r>
-              <a:rPr lang="en-US" sz="1200" u="sng" dirty="0">
+              <a:rPr lang="en-US" u="sng" dirty="0">
                 <a:latin typeface="Archivo"/>
               </a:rPr>
               <a:t>events</a:t>
             </a:r>
             <a:r>
-              <a:rPr lang="en-US" sz="1200" dirty="0">
+              <a:rPr lang="en-US" dirty="0">
                 <a:latin typeface="Archivo"/>
               </a:rPr>
               <a:t>, </a:t>
             </a:r>
             <a:r>
-              <a:rPr lang="en-US" sz="1200" u="sng" dirty="0">
+              <a:rPr lang="en-US" u="sng" dirty="0">
                 <a:latin typeface="Archivo"/>
               </a:rPr>
               <a:t>rooms</a:t>
             </a:r>
             <a:r>
-              <a:rPr lang="en-US" sz="1200" dirty="0">
+              <a:rPr lang="en-US" dirty="0">
                 <a:latin typeface="Archivo"/>
               </a:rPr>
               <a:t>, </a:t>
             </a:r>
             <a:r>
-              <a:rPr lang="en-US" sz="1200" u="sng" dirty="0">
+              <a:rPr lang="en-US" u="sng" dirty="0">
                 <a:latin typeface="Archivo"/>
               </a:rPr>
               <a:t>lecturers</a:t>
             </a:r>
             <a:r>
-              <a:rPr lang="en-US" sz="1200" dirty="0">
+              <a:rPr lang="en-US" dirty="0">
                 <a:latin typeface="Archivo"/>
               </a:rPr>
               <a:t>, and </a:t>
             </a:r>
             <a:r>
-              <a:rPr lang="en-US" sz="1200" u="sng" dirty="0">
+              <a:rPr lang="en-US" u="sng" dirty="0">
                 <a:latin typeface="Archivo"/>
               </a:rPr>
               <a:t>students</a:t>
             </a:r>
             <a:r>
-              <a:rPr lang="en-US" sz="1200" dirty="0">
+              <a:rPr lang="en-US" dirty="0">
                 <a:latin typeface="Archivo"/>
               </a:rPr>
               <a:t> to weekly schedules while meeting certain </a:t>
             </a:r>
             <a:r>
-              <a:rPr lang="en-US" sz="1200" u="sng" dirty="0">
+              <a:rPr lang="en-US" u="sng" dirty="0">
                 <a:latin typeface="Archivo"/>
               </a:rPr>
               <a:t>constraints</a:t>
             </a:r>
             <a:r>
-              <a:rPr lang="en-US" sz="1200" dirty="0">
+              <a:rPr lang="en-US" dirty="0">
                 <a:latin typeface="Archivo"/>
               </a:rPr>
               <a:t>. </a:t>
@@ -31361,19 +32615,19 @@
               <a:buChar char="•"/>
             </a:pPr>
             <a:r>
-              <a:rPr lang="en-US" sz="1200" dirty="0">
+              <a:rPr lang="en-US" dirty="0">
                 <a:latin typeface="Archivo"/>
               </a:rPr>
               <a:t>This dissertation focuses on the </a:t>
             </a:r>
             <a:r>
-              <a:rPr lang="en-US" sz="1200" b="1" dirty="0">
+              <a:rPr lang="en-US" b="1" dirty="0">
                 <a:latin typeface="Archivo"/>
               </a:rPr>
               <a:t>Curriculum-Based Course Timetabling (CB-CTT), </a:t>
             </a:r>
             <a:r>
-              <a:rPr lang="en-US" sz="1200" dirty="0">
+              <a:rPr lang="en-US" dirty="0">
                 <a:latin typeface="Archivo"/>
               </a:rPr>
               <a:t>a variant of UCTTP that focuses on course scheduling. </a:t>
@@ -31513,8 +32767,8 @@
         </p:blipFill>
         <p:spPr>
           <a:xfrm>
-            <a:off x="2699530" y="2827382"/>
-            <a:ext cx="3653589" cy="1918068"/>
+            <a:off x="5240159" y="1792941"/>
+            <a:ext cx="3906036" cy="2050598"/>
           </a:xfrm>
           <a:prstGeom prst="rect">
             <a:avLst/>
@@ -31536,7 +32790,7 @@
         <p:spPr>
           <a:xfrm>
             <a:off x="628650" y="1206020"/>
-            <a:ext cx="7795350" cy="1585049"/>
+            <a:ext cx="4628135" cy="2631490"/>
           </a:xfrm>
           <a:prstGeom prst="rect">
             <a:avLst/>
@@ -31551,7 +32805,7 @@
           <a:p>
             <a:pPr lvl="2"/>
             <a:r>
-              <a:rPr lang="en-US" sz="1200" b="1" dirty="0">
+              <a:rPr lang="en-US" b="1" dirty="0">
                 <a:latin typeface="Archivo"/>
               </a:rPr>
               <a:t>Hard constraints: </a:t>
@@ -31566,7 +32820,7 @@
               <a:buChar char="•"/>
             </a:pPr>
             <a:r>
-              <a:rPr lang="en-US" sz="1200" dirty="0">
+              <a:rPr lang="en-US" dirty="0">
                 <a:latin typeface="Archivo"/>
               </a:rPr>
               <a:t>Ensure the feasibility of the timetable and must be strictly satisfied. </a:t>
@@ -31581,20 +32835,17 @@
               <a:buChar char="•"/>
             </a:pPr>
             <a:r>
-              <a:rPr lang="en-US" sz="1200" b="1" dirty="0">
+              <a:rPr lang="en-US" b="1" dirty="0">
                 <a:latin typeface="Archivo"/>
               </a:rPr>
               <a:t>Example: </a:t>
             </a:r>
             <a:r>
-              <a:rPr lang="en-US" sz="1200" dirty="0">
+              <a:rPr lang="en-US" dirty="0">
                 <a:latin typeface="Archivo"/>
               </a:rPr>
               <a:t>Avoid overlapping events for the same student or a lecturer. </a:t>
             </a:r>
-            <a:endParaRPr lang="en-US" sz="1050" dirty="0">
-              <a:latin typeface="Archivo"/>
-            </a:endParaRPr>
           </a:p>
           <a:p>
             <a:pPr lvl="2">
@@ -31603,7 +32854,7 @@
               </a:spcBef>
             </a:pPr>
             <a:r>
-              <a:rPr lang="en-US" sz="1200" b="1" dirty="0">
+              <a:rPr lang="en-US" b="1" dirty="0">
                 <a:latin typeface="Archivo"/>
               </a:rPr>
               <a:t>Soft constraints: </a:t>
@@ -31618,7 +32869,7 @@
               <a:buChar char="•"/>
             </a:pPr>
             <a:r>
-              <a:rPr lang="en-US" sz="1200" dirty="0">
+              <a:rPr lang="en-US" dirty="0">
                 <a:latin typeface="Archivo"/>
               </a:rPr>
               <a:t>Represent preferences to improve the quality of the solution without being mandatory. </a:t>
@@ -31633,18 +32884,18 @@
               <a:buChar char="•"/>
             </a:pPr>
             <a:r>
-              <a:rPr lang="en-US" sz="1200" b="1" dirty="0">
+              <a:rPr lang="en-US" b="1" dirty="0">
                 <a:latin typeface="Archivo"/>
               </a:rPr>
               <a:t>Example: </a:t>
             </a:r>
             <a:r>
-              <a:rPr lang="en-US" sz="1200" dirty="0">
+              <a:rPr lang="en-US" dirty="0">
                 <a:latin typeface="Archivo"/>
               </a:rPr>
               <a:t>Minimizing gaps in students’ timetables to ensure a more compact timetable.</a:t>
             </a:r>
-            <a:endParaRPr lang="pt-PT" sz="1200" dirty="0">
+            <a:endParaRPr lang="pt-PT" dirty="0">
               <a:latin typeface="Archivo"/>
             </a:endParaRPr>
           </a:p>
@@ -31664,7 +32915,7 @@
         </p:nvSpPr>
         <p:spPr>
           <a:xfrm>
-            <a:off x="3438635" y="4725968"/>
+            <a:off x="5924139" y="3843539"/>
             <a:ext cx="2175378" cy="230832"/>
           </a:xfrm>
           <a:prstGeom prst="rect">
@@ -31875,7 +33126,7 @@
         </p:nvSpPr>
         <p:spPr>
           <a:xfrm>
-            <a:off x="720000" y="1328142"/>
+            <a:off x="720000" y="1220076"/>
             <a:ext cx="7704000" cy="3266160"/>
           </a:xfrm>
           <a:prstGeom prst="rect">
@@ -31893,11 +33144,14 @@
           <a:lstStyle/>
           <a:p>
             <a:pPr marL="171450" indent="-171450">
+              <a:spcBef>
+                <a:spcPts val="600"/>
+              </a:spcBef>
               <a:buFont typeface="Arial" panose="020B0604020202020204" pitchFamily="34" charset="0"/>
               <a:buChar char="•"/>
             </a:pPr>
             <a:r>
-              <a:rPr lang="en-US" sz="1200" b="1" dirty="0">
+              <a:rPr lang="en-US" dirty="0">
                 <a:solidFill>
                   <a:schemeClr val="dk1"/>
                 </a:solidFill>
@@ -31906,10 +33160,10 @@
                 <a:cs typeface="Archivo"/>
                 <a:sym typeface="Archivo"/>
               </a:rPr>
-              <a:t>Five editions</a:t>
-            </a:r>
-            <a:r>
-              <a:rPr lang="en-US" sz="1200" dirty="0">
+              <a:t>The Second International Timetabling Competition (</a:t>
+            </a:r>
+            <a:r>
+              <a:rPr lang="en-US" b="1" dirty="0">
                 <a:solidFill>
                   <a:schemeClr val="dk1"/>
                 </a:solidFill>
@@ -31918,7 +33172,43 @@
                 <a:cs typeface="Archivo"/>
                 <a:sym typeface="Archivo"/>
               </a:rPr>
-              <a:t> of the ITC have been held, three focusing on university timetabling.</a:t>
+              <a:t>ITC-2007</a:t>
+            </a:r>
+            <a:r>
+              <a:rPr lang="en-US" dirty="0">
+                <a:solidFill>
+                  <a:schemeClr val="dk1"/>
+                </a:solidFill>
+                <a:latin typeface="Archivo"/>
+                <a:ea typeface="Archivo"/>
+                <a:cs typeface="Archivo"/>
+                <a:sym typeface="Archivo"/>
+              </a:rPr>
+              <a:t>) was structured into three tracks: Examination Timetabling Problem, Post-enrollment Course Timetabling, and </a:t>
+            </a:r>
+            <a:r>
+              <a:rPr lang="en-US" b="1" dirty="0">
+                <a:solidFill>
+                  <a:schemeClr val="dk1"/>
+                </a:solidFill>
+                <a:latin typeface="Archivo"/>
+                <a:ea typeface="Archivo"/>
+                <a:cs typeface="Archivo"/>
+                <a:sym typeface="Archivo"/>
+              </a:rPr>
+              <a:t>Curriculum-based Course Timetabling</a:t>
+            </a:r>
+            <a:r>
+              <a:rPr lang="en-US" dirty="0">
+                <a:solidFill>
+                  <a:schemeClr val="dk1"/>
+                </a:solidFill>
+                <a:latin typeface="Archivo"/>
+                <a:ea typeface="Archivo"/>
+                <a:cs typeface="Archivo"/>
+                <a:sym typeface="Archivo"/>
+              </a:rPr>
+              <a:t>.</a:t>
             </a:r>
           </a:p>
           <a:p>
@@ -31930,7 +33220,7 @@
               <a:buChar char="•"/>
             </a:pPr>
             <a:r>
-              <a:rPr lang="en-US" sz="1200" dirty="0">
+              <a:rPr lang="en-US" dirty="0">
                 <a:solidFill>
                   <a:schemeClr val="dk1"/>
                 </a:solidFill>
@@ -31939,78 +33229,9 @@
                 <a:cs typeface="Archivo"/>
                 <a:sym typeface="Archivo"/>
               </a:rPr>
-              <a:t>The Second International Timetabling Competition (</a:t>
-            </a:r>
-            <a:r>
-              <a:rPr lang="en-US" sz="1200" b="1" dirty="0">
-                <a:solidFill>
-                  <a:schemeClr val="dk1"/>
-                </a:solidFill>
-                <a:latin typeface="Archivo"/>
-                <a:ea typeface="Archivo"/>
-                <a:cs typeface="Archivo"/>
-                <a:sym typeface="Archivo"/>
-              </a:rPr>
-              <a:t>ITC-2007</a:t>
-            </a:r>
-            <a:r>
-              <a:rPr lang="en-US" sz="1200" dirty="0">
-                <a:solidFill>
-                  <a:schemeClr val="dk1"/>
-                </a:solidFill>
-                <a:latin typeface="Archivo"/>
-                <a:ea typeface="Archivo"/>
-                <a:cs typeface="Archivo"/>
-                <a:sym typeface="Archivo"/>
-              </a:rPr>
-              <a:t>) was structured into three tracks: Examination Timetabling Problem, Post-enrollment Course Timetabling, and </a:t>
-            </a:r>
-            <a:r>
-              <a:rPr lang="en-US" sz="1200" b="1" dirty="0">
-                <a:solidFill>
-                  <a:schemeClr val="dk1"/>
-                </a:solidFill>
-                <a:latin typeface="Archivo"/>
-                <a:ea typeface="Archivo"/>
-                <a:cs typeface="Archivo"/>
-                <a:sym typeface="Archivo"/>
-              </a:rPr>
-              <a:t>Curriculum-based Course Timetabling</a:t>
-            </a:r>
-            <a:r>
-              <a:rPr lang="en-US" sz="1200" dirty="0">
-                <a:solidFill>
-                  <a:schemeClr val="dk1"/>
-                </a:solidFill>
-                <a:latin typeface="Archivo"/>
-                <a:ea typeface="Archivo"/>
-                <a:cs typeface="Archivo"/>
-                <a:sym typeface="Archivo"/>
-              </a:rPr>
-              <a:t>.</a:t>
-            </a:r>
-          </a:p>
-          <a:p>
-            <a:pPr marL="171450" indent="-171450">
-              <a:spcBef>
-                <a:spcPts val="600"/>
-              </a:spcBef>
-              <a:buFont typeface="Arial" panose="020B0604020202020204" pitchFamily="34" charset="0"/>
-              <a:buChar char="•"/>
-            </a:pPr>
-            <a:r>
-              <a:rPr lang="en-US" sz="1200" dirty="0">
-                <a:solidFill>
-                  <a:schemeClr val="dk1"/>
-                </a:solidFill>
-                <a:latin typeface="Archivo"/>
-                <a:ea typeface="Archivo"/>
-                <a:cs typeface="Archivo"/>
-                <a:sym typeface="Archivo"/>
-              </a:rPr>
               <a:t>Benchmark datasets from ITC-2007 remain widely used in academic research and optimization studies.</a:t>
             </a:r>
-            <a:endParaRPr lang="en" sz="1200" dirty="0">
+            <a:endParaRPr lang="en" dirty="0">
               <a:solidFill>
                 <a:schemeClr val="dk1"/>
               </a:solidFill>
@@ -32259,7 +33480,7 @@
           <p:nvPr/>
         </p:nvPicPr>
         <p:blipFill>
-          <a:blip r:embed="rId2"/>
+          <a:blip r:embed="rId3"/>
           <a:stretch>
             <a:fillRect/>
           </a:stretch>
@@ -32662,8 +33883,8 @@
           </p:sp>
         </mc:Fallback>
       </mc:AlternateContent>
-      <mc:AlternateContent xmlns:mc="http://schemas.openxmlformats.org/markup-compatibility/2006" xmlns:a14="http://schemas.microsoft.com/office/drawing/2010/main">
-        <mc:Choice Requires="a14">
+      <mc:AlternateContent xmlns:mc="http://schemas.openxmlformats.org/markup-compatibility/2006">
+        <mc:Choice xmlns:a14="http://schemas.microsoft.com/office/drawing/2010/main" Requires="a14">
           <p:sp>
             <p:nvSpPr>
               <p:cNvPr id="7" name="TextBox 6">
@@ -32826,7 +34047,7 @@
                   <a:rPr lang="en-US" sz="1200" dirty="0">
                     <a:latin typeface="Archivo"/>
                   </a:rPr>
-                  <a:t> is a constant greater than zero (typically </a:t>
+                  <a:t> is a constant (typically </a:t>
                 </a:r>
                 <a14:m>
                   <m:oMath xmlns:m="http://schemas.openxmlformats.org/officeDocument/2006/math">
@@ -32889,7 +34110,7 @@
             </p:txBody>
           </p:sp>
         </mc:Choice>
-        <mc:Fallback xmlns="">
+        <mc:Fallback>
           <p:sp>
             <p:nvSpPr>
               <p:cNvPr id="7" name="TextBox 6">
@@ -33051,7 +34272,7 @@
         <p:spPr>
           <a:xfrm>
             <a:off x="637308" y="1232922"/>
-            <a:ext cx="7878042" cy="1692771"/>
+            <a:ext cx="7878042" cy="2123658"/>
           </a:xfrm>
           <a:prstGeom prst="rect">
             <a:avLst/>
@@ -33065,19 +34286,19 @@
           <a:lstStyle/>
           <a:p>
             <a:r>
-              <a:rPr lang="en-US" sz="1200" dirty="0">
+              <a:rPr lang="en-US" dirty="0">
                 <a:latin typeface="Archivo"/>
               </a:rPr>
               <a:t>Analyzed various </a:t>
             </a:r>
             <a:r>
-              <a:rPr lang="en-US" sz="1200" b="1" dirty="0">
+              <a:rPr lang="en-US" b="1" dirty="0">
                 <a:latin typeface="Archivo"/>
               </a:rPr>
               <a:t>surveys</a:t>
             </a:r>
             <a:r>
-              <a:rPr lang="en-US" sz="1200" dirty="0">
+              <a:rPr lang="en-US" dirty="0">
                 <a:latin typeface="Archivo"/>
               </a:rPr>
               <a:t> and categorized UCTTP approaches based on their problem-solving strategies:</a:t>
@@ -33092,37 +34313,37 @@
               <a:buChar char="•"/>
             </a:pPr>
             <a:r>
-              <a:rPr lang="en-US" sz="1200" b="1" dirty="0">
+              <a:rPr lang="en-US" b="1" dirty="0">
                 <a:latin typeface="Archivo"/>
               </a:rPr>
               <a:t>Metaheuristics</a:t>
             </a:r>
             <a:r>
-              <a:rPr lang="en-US" sz="1200" dirty="0">
+              <a:rPr lang="en-US" dirty="0">
                 <a:latin typeface="Archivo"/>
               </a:rPr>
               <a:t> emerged as one of the most promising, particularly single-solution-based algorithms like </a:t>
             </a:r>
             <a:r>
-              <a:rPr lang="en-US" sz="1200" u="sng" dirty="0">
+              <a:rPr lang="en-US" u="sng" dirty="0">
                 <a:latin typeface="Archivo"/>
               </a:rPr>
               <a:t>Simulated Annealing</a:t>
             </a:r>
             <a:r>
-              <a:rPr lang="en-US" sz="1200" dirty="0">
+              <a:rPr lang="en-US" dirty="0">
                 <a:latin typeface="Archivo"/>
               </a:rPr>
               <a:t> (SA) and </a:t>
             </a:r>
             <a:r>
-              <a:rPr lang="en-US" sz="1200" u="sng" dirty="0">
+              <a:rPr lang="en-US" u="sng" dirty="0">
                 <a:latin typeface="Archivo"/>
               </a:rPr>
               <a:t>Tabu Search</a:t>
             </a:r>
             <a:r>
-              <a:rPr lang="en-US" sz="1200" dirty="0">
+              <a:rPr lang="en-US" dirty="0">
                 <a:latin typeface="Archivo"/>
               </a:rPr>
               <a:t> (TS).</a:t>
@@ -33137,25 +34358,25 @@
               <a:buChar char="•"/>
             </a:pPr>
             <a:r>
-              <a:rPr lang="en-US" sz="1200" b="1" dirty="0">
+              <a:rPr lang="en-US" b="1" dirty="0">
                 <a:latin typeface="Archivo"/>
               </a:rPr>
               <a:t>Hybrid</a:t>
             </a:r>
             <a:r>
-              <a:rPr lang="en-US" sz="1200" dirty="0">
+              <a:rPr lang="en-US" dirty="0">
                 <a:latin typeface="Archivo"/>
               </a:rPr>
               <a:t> </a:t>
             </a:r>
             <a:r>
-              <a:rPr lang="en-US" sz="1200" b="1" dirty="0">
+              <a:rPr lang="en-US" b="1" dirty="0">
                 <a:latin typeface="Archivo"/>
               </a:rPr>
               <a:t>approaches</a:t>
             </a:r>
             <a:r>
-              <a:rPr lang="en-US" sz="1200" dirty="0">
+              <a:rPr lang="en-US" dirty="0">
                 <a:latin typeface="Archivo"/>
               </a:rPr>
               <a:t>, like Müller’s ITC-2007 approach, were also shown to be effective.</a:t>
@@ -33170,19 +34391,19 @@
               <a:buChar char="•"/>
             </a:pPr>
             <a:r>
-              <a:rPr lang="en-US" sz="1200" dirty="0">
+              <a:rPr lang="en-US" dirty="0">
                 <a:latin typeface="Archivo"/>
               </a:rPr>
               <a:t>Goh [6] study on the Post-Enrollment Course Timetabling Problem (PE-CTT) found that </a:t>
             </a:r>
             <a:r>
-              <a:rPr lang="en-US" sz="1200" b="1" dirty="0">
+              <a:rPr lang="en-US" b="1" dirty="0">
                 <a:latin typeface="Archivo"/>
               </a:rPr>
               <a:t>TS outperformed MCTS</a:t>
             </a:r>
             <a:r>
-              <a:rPr lang="en-US" sz="1200" dirty="0">
+              <a:rPr lang="en-US" dirty="0">
                 <a:latin typeface="Archivo"/>
               </a:rPr>
               <a:t>, despite improvements to the standard MCTS algorithm.</a:t>
@@ -33197,36 +34418,36 @@
               <a:buChar char="•"/>
             </a:pPr>
             <a:r>
-              <a:rPr lang="en-US" sz="1200" dirty="0">
-                <a:latin typeface="Archivo"/>
-              </a:rPr>
-              <a:t>MCTS and its hybridization remain unexplored in the context of CBCTT, making this the </a:t>
-            </a:r>
-            <a:r>
-              <a:rPr lang="en-US" sz="1200" b="1" dirty="0">
+              <a:rPr lang="en-US" dirty="0">
+                <a:latin typeface="Archivo"/>
+              </a:rPr>
+              <a:t>MCTS and its hybridization remain unexplored in the context of CB-CTT, making this the </a:t>
+            </a:r>
+            <a:r>
+              <a:rPr lang="en-US" b="1" dirty="0">
                 <a:latin typeface="Archivo"/>
               </a:rPr>
               <a:t>novel</a:t>
             </a:r>
             <a:r>
-              <a:rPr lang="en-US" sz="1200" dirty="0">
+              <a:rPr lang="en-US" dirty="0">
                 <a:latin typeface="Archivo"/>
               </a:rPr>
               <a:t> </a:t>
             </a:r>
             <a:r>
-              <a:rPr lang="en-US" sz="1200" b="1" dirty="0">
+              <a:rPr lang="en-US" b="1" dirty="0">
                 <a:latin typeface="Archivo"/>
               </a:rPr>
               <a:t>contribution</a:t>
             </a:r>
             <a:r>
-              <a:rPr lang="en-US" sz="1200" dirty="0">
+              <a:rPr lang="en-US" dirty="0">
                 <a:latin typeface="Archivo"/>
               </a:rPr>
               <a:t> of our work.</a:t>
             </a:r>
-            <a:endParaRPr lang="pt-PT" sz="1200" dirty="0">
+            <a:endParaRPr lang="pt-PT" dirty="0">
               <a:latin typeface="Archivo"/>
             </a:endParaRPr>
           </a:p>
@@ -33348,8 +34569,8 @@
         </p:nvSpPr>
         <p:spPr>
           <a:xfrm>
-            <a:off x="620762" y="1233191"/>
-            <a:ext cx="2169968" cy="3031599"/>
+            <a:off x="1679326" y="1290474"/>
+            <a:ext cx="2892674" cy="3431709"/>
           </a:xfrm>
           <a:prstGeom prst="rect">
             <a:avLst/>
@@ -33363,13 +34584,13 @@
           <a:lstStyle/>
           <a:p>
             <a:r>
-              <a:rPr lang="en-US" sz="1200" b="1" dirty="0">
+              <a:rPr lang="en-US" b="1" dirty="0">
                 <a:latin typeface="Archivo"/>
               </a:rPr>
               <a:t>Periods</a:t>
             </a:r>
             <a:r>
-              <a:rPr lang="en-US" sz="1200" dirty="0">
+              <a:rPr lang="en-US" dirty="0">
                 <a:latin typeface="Archivo"/>
               </a:rPr>
               <a:t>, P = {P0, P1, ..., P|P|−1}</a:t>
@@ -33382,13 +34603,13 @@
               </a:spcBef>
             </a:pPr>
             <a:r>
-              <a:rPr lang="en-US" sz="1200" b="1" dirty="0">
+              <a:rPr lang="en-US" b="1" dirty="0">
                 <a:latin typeface="Archivo"/>
               </a:rPr>
               <a:t>Rooms</a:t>
             </a:r>
             <a:r>
-              <a:rPr lang="en-US" sz="1200" dirty="0">
+              <a:rPr lang="en-US" dirty="0">
                 <a:latin typeface="Archivo"/>
               </a:rPr>
               <a:t>, R = {R0, R1, ..., R|R|−1}</a:t>
@@ -33403,7 +34624,7 @@
               <a:buChar char="•"/>
             </a:pPr>
             <a:r>
-              <a:rPr lang="en-US" sz="1200" dirty="0">
+              <a:rPr lang="en-US" dirty="0">
                 <a:latin typeface="Archivo"/>
               </a:rPr>
               <a:t>Capacity</a:t>
@@ -33416,49 +34637,49 @@
               </a:spcBef>
             </a:pPr>
             <a:r>
-              <a:rPr lang="en-US" sz="1200" b="1" dirty="0">
+              <a:rPr lang="en-US" b="1" dirty="0">
                 <a:latin typeface="Archivo"/>
               </a:rPr>
               <a:t>Lecturers</a:t>
             </a:r>
             <a:r>
-              <a:rPr lang="en-US" sz="1200" dirty="0">
+              <a:rPr lang="en-US" dirty="0">
                 <a:latin typeface="Archivo"/>
               </a:rPr>
               <a:t>, L = {L</a:t>
             </a:r>
             <a:r>
-              <a:rPr lang="en-US" sz="1200" baseline="-25000" dirty="0">
+              <a:rPr lang="en-US" baseline="-25000" dirty="0">
                 <a:latin typeface="Archivo"/>
               </a:rPr>
               <a:t>0</a:t>
             </a:r>
             <a:r>
-              <a:rPr lang="en-US" sz="1200" dirty="0">
+              <a:rPr lang="en-US" dirty="0">
                 <a:latin typeface="Archivo"/>
               </a:rPr>
               <a:t>, L</a:t>
             </a:r>
             <a:r>
-              <a:rPr lang="en-US" sz="1200" baseline="-25000" dirty="0">
+              <a:rPr lang="en-US" baseline="-25000" dirty="0">
                 <a:latin typeface="Archivo"/>
               </a:rPr>
               <a:t>1</a:t>
             </a:r>
             <a:r>
-              <a:rPr lang="en-US" sz="1200" dirty="0">
+              <a:rPr lang="en-US" dirty="0">
                 <a:latin typeface="Archivo"/>
               </a:rPr>
               <a:t>, ..., L</a:t>
             </a:r>
             <a:r>
-              <a:rPr lang="en-US" sz="1200" baseline="-25000" dirty="0">
+              <a:rPr lang="en-US" baseline="-25000" dirty="0">
                 <a:latin typeface="Archivo"/>
               </a:rPr>
               <a:t>|L|−1</a:t>
             </a:r>
             <a:r>
-              <a:rPr lang="en-US" sz="1200" dirty="0">
+              <a:rPr lang="en-US" dirty="0">
                 <a:latin typeface="Archivo"/>
               </a:rPr>
               <a:t>}</a:t>
@@ -33473,7 +34694,7 @@
               <a:buChar char="•"/>
             </a:pPr>
             <a:r>
-              <a:rPr lang="en-US" sz="1200" dirty="0">
+              <a:rPr lang="en-US" dirty="0">
                 <a:latin typeface="Archivo"/>
               </a:rPr>
               <a:t>Availability</a:t>
@@ -33486,13 +34707,13 @@
               </a:spcBef>
             </a:pPr>
             <a:r>
-              <a:rPr lang="en-US" sz="1200" b="1" dirty="0">
+              <a:rPr lang="en-US" b="1" dirty="0">
                 <a:latin typeface="Archivo"/>
               </a:rPr>
               <a:t>Events</a:t>
             </a:r>
             <a:r>
-              <a:rPr lang="en-US" sz="1200" dirty="0">
+              <a:rPr lang="en-US" dirty="0">
                 <a:latin typeface="Archivo"/>
               </a:rPr>
               <a:t>, E = {E0, E1, ..., E|E|−1}</a:t>
@@ -33507,7 +34728,7 @@
               <a:buChar char="•"/>
             </a:pPr>
             <a:r>
-              <a:rPr lang="en-US" sz="1200" dirty="0">
+              <a:rPr lang="en-US" dirty="0">
                 <a:latin typeface="Archivo"/>
               </a:rPr>
               <a:t>Capacity</a:t>
@@ -33519,7 +34740,7 @@
               <a:buChar char="•"/>
             </a:pPr>
             <a:r>
-              <a:rPr lang="en-US" sz="1200" dirty="0">
+              <a:rPr lang="en-US" dirty="0">
                 <a:latin typeface="Archivo"/>
               </a:rPr>
               <a:t>Number of lectures</a:t>
@@ -33531,7 +34752,7 @@
               <a:buChar char="•"/>
             </a:pPr>
             <a:r>
-              <a:rPr lang="en-US" sz="1200" dirty="0">
+              <a:rPr lang="en-US" dirty="0">
                 <a:latin typeface="Archivo"/>
               </a:rPr>
               <a:t>Minimum working days</a:t>
@@ -33543,7 +34764,7 @@
               <a:buChar char="•"/>
             </a:pPr>
             <a:r>
-              <a:rPr lang="en-US" sz="1200" dirty="0">
+              <a:rPr lang="en-US" dirty="0">
                 <a:latin typeface="Archivo"/>
               </a:rPr>
               <a:t>Available periods</a:t>
@@ -33555,7 +34776,7 @@
               <a:buChar char="•"/>
             </a:pPr>
             <a:r>
-              <a:rPr lang="en-US" sz="1200" dirty="0">
+              <a:rPr lang="en-US" dirty="0">
                 <a:latin typeface="Archivo"/>
               </a:rPr>
               <a:t>Priority</a:t>
@@ -33567,7 +34788,7 @@
               <a:buChar char="•"/>
             </a:pPr>
             <a:r>
-              <a:rPr lang="en-US" sz="1200" dirty="0">
+              <a:rPr lang="en-US" dirty="0">
                 <a:latin typeface="Archivo"/>
               </a:rPr>
               <a:t>Lecturer</a:t>
@@ -33580,18 +34801,18 @@
               </a:spcBef>
             </a:pPr>
             <a:r>
-              <a:rPr lang="en-US" sz="1200" b="1" dirty="0">
+              <a:rPr lang="en-US" b="1" dirty="0">
                 <a:latin typeface="Archivo"/>
               </a:rPr>
               <a:t>Blocks</a:t>
             </a:r>
             <a:r>
-              <a:rPr lang="en-US" sz="1200" dirty="0">
+              <a:rPr lang="en-US" dirty="0">
                 <a:latin typeface="Archivo"/>
               </a:rPr>
               <a:t>, B = {B0, B1, ..., B|B|−1}</a:t>
             </a:r>
-            <a:endParaRPr lang="pt-PT" sz="1200" dirty="0">
+            <a:endParaRPr lang="pt-PT" dirty="0">
               <a:latin typeface="Archivo"/>
             </a:endParaRPr>
           </a:p>
@@ -33611,8 +34832,8 @@
         </p:nvSpPr>
         <p:spPr>
           <a:xfrm>
-            <a:off x="3513436" y="1233191"/>
-            <a:ext cx="2117127" cy="2631490"/>
+            <a:off x="5109478" y="1290474"/>
+            <a:ext cx="2563169" cy="2939266"/>
           </a:xfrm>
           <a:prstGeom prst="rect">
             <a:avLst/>
@@ -33626,19 +34847,19 @@
           <a:lstStyle/>
           <a:p>
             <a:r>
-              <a:rPr lang="pt-PT" sz="1200" b="1" dirty="0">
+              <a:rPr lang="pt-PT" b="1" dirty="0">
                 <a:latin typeface="Archivo"/>
               </a:rPr>
               <a:t>Hard </a:t>
             </a:r>
             <a:r>
-              <a:rPr lang="pt-PT" sz="1200" b="1" dirty="0" err="1">
+              <a:rPr lang="pt-PT" b="1" dirty="0" err="1">
                 <a:latin typeface="Archivo"/>
               </a:rPr>
               <a:t>constraints</a:t>
             </a:r>
             <a:r>
-              <a:rPr lang="pt-PT" sz="1200" b="1" dirty="0">
+              <a:rPr lang="pt-PT" b="1" dirty="0">
                 <a:latin typeface="Archivo"/>
               </a:rPr>
               <a:t>: </a:t>
@@ -33653,12 +34874,12 @@
               <a:buChar char="•"/>
             </a:pPr>
             <a:r>
-              <a:rPr lang="pt-PT" sz="1200" dirty="0" err="1">
+              <a:rPr lang="pt-PT" dirty="0" err="1">
                 <a:latin typeface="Archivo"/>
               </a:rPr>
               <a:t>Lectures</a:t>
             </a:r>
-            <a:endParaRPr lang="pt-PT" sz="1200" dirty="0">
+            <a:endParaRPr lang="pt-PT" dirty="0">
               <a:latin typeface="Archivo"/>
             </a:endParaRPr>
           </a:p>
@@ -33671,24 +34892,24 @@
               <a:buChar char="•"/>
             </a:pPr>
             <a:r>
-              <a:rPr lang="pt-PT" sz="1200" dirty="0" err="1">
+              <a:rPr lang="pt-PT" dirty="0" err="1">
                 <a:latin typeface="Archivo"/>
               </a:rPr>
               <a:t>Room</a:t>
             </a:r>
             <a:r>
-              <a:rPr lang="pt-PT" sz="1200" dirty="0">
+              <a:rPr lang="pt-PT" dirty="0">
                 <a:latin typeface="Archivo"/>
               </a:rPr>
               <a:t> </a:t>
             </a:r>
             <a:r>
-              <a:rPr lang="pt-PT" sz="1200" dirty="0" err="1">
+              <a:rPr lang="pt-PT" dirty="0" err="1">
                 <a:latin typeface="Archivo"/>
               </a:rPr>
               <a:t>Occupancy</a:t>
             </a:r>
-            <a:endParaRPr lang="pt-PT" sz="1200" dirty="0">
+            <a:endParaRPr lang="pt-PT" dirty="0">
               <a:latin typeface="Archivo"/>
             </a:endParaRPr>
           </a:p>
@@ -33701,12 +34922,12 @@
               <a:buChar char="•"/>
             </a:pPr>
             <a:r>
-              <a:rPr lang="pt-PT" sz="1200" dirty="0" err="1">
+              <a:rPr lang="pt-PT" dirty="0" err="1">
                 <a:latin typeface="Archivo"/>
               </a:rPr>
               <a:t>Conflicts</a:t>
             </a:r>
-            <a:endParaRPr lang="pt-PT" sz="1200" dirty="0">
+            <a:endParaRPr lang="pt-PT" dirty="0">
               <a:latin typeface="Archivo"/>
             </a:endParaRPr>
           </a:p>
@@ -33719,12 +34940,12 @@
               <a:buChar char="•"/>
             </a:pPr>
             <a:r>
-              <a:rPr lang="pt-PT" sz="1200" dirty="0" err="1">
+              <a:rPr lang="pt-PT" dirty="0" err="1">
                 <a:latin typeface="Archivo"/>
               </a:rPr>
               <a:t>Unavailabilities</a:t>
             </a:r>
-            <a:endParaRPr lang="pt-PT" sz="1200" dirty="0">
+            <a:endParaRPr lang="pt-PT" dirty="0">
               <a:latin typeface="Archivo"/>
             </a:endParaRPr>
           </a:p>
@@ -33735,19 +34956,19 @@
               </a:spcBef>
             </a:pPr>
             <a:r>
-              <a:rPr lang="pt-PT" sz="1200" b="1" dirty="0">
+              <a:rPr lang="pt-PT" b="1" dirty="0">
                 <a:latin typeface="Archivo"/>
               </a:rPr>
               <a:t>Soft </a:t>
             </a:r>
             <a:r>
-              <a:rPr lang="pt-PT" sz="1200" b="1" dirty="0" err="1">
+              <a:rPr lang="pt-PT" b="1" dirty="0" err="1">
                 <a:latin typeface="Archivo"/>
               </a:rPr>
               <a:t>constriants</a:t>
             </a:r>
             <a:r>
-              <a:rPr lang="pt-PT" sz="1200" b="1" dirty="0">
+              <a:rPr lang="pt-PT" b="1" dirty="0">
                 <a:latin typeface="Archivo"/>
               </a:rPr>
               <a:t>: </a:t>
@@ -33762,24 +34983,24 @@
               <a:buChar char="•"/>
             </a:pPr>
             <a:r>
-              <a:rPr lang="pt-PT" sz="1200" dirty="0" err="1">
+              <a:rPr lang="pt-PT" dirty="0" err="1">
                 <a:latin typeface="Archivo"/>
               </a:rPr>
               <a:t>Room</a:t>
             </a:r>
             <a:r>
-              <a:rPr lang="pt-PT" sz="1200" dirty="0">
+              <a:rPr lang="pt-PT" dirty="0">
                 <a:latin typeface="Archivo"/>
               </a:rPr>
               <a:t> </a:t>
             </a:r>
             <a:r>
-              <a:rPr lang="pt-PT" sz="1200" dirty="0" err="1">
+              <a:rPr lang="pt-PT" dirty="0" err="1">
                 <a:latin typeface="Archivo"/>
               </a:rPr>
               <a:t>Capacity</a:t>
             </a:r>
-            <a:endParaRPr lang="pt-PT" sz="1200" dirty="0">
+            <a:endParaRPr lang="pt-PT" dirty="0">
               <a:latin typeface="Archivo"/>
             </a:endParaRPr>
           </a:p>
@@ -33792,36 +35013,36 @@
               <a:buChar char="•"/>
             </a:pPr>
             <a:r>
-              <a:rPr lang="pt-PT" sz="1200" dirty="0" err="1">
+              <a:rPr lang="pt-PT" dirty="0" err="1">
                 <a:latin typeface="Archivo"/>
               </a:rPr>
               <a:t>Minimum</a:t>
             </a:r>
             <a:r>
-              <a:rPr lang="pt-PT" sz="1200" dirty="0">
+              <a:rPr lang="pt-PT" dirty="0">
                 <a:latin typeface="Archivo"/>
               </a:rPr>
               <a:t> </a:t>
             </a:r>
             <a:r>
-              <a:rPr lang="pt-PT" sz="1200" dirty="0" err="1">
+              <a:rPr lang="pt-PT" dirty="0" err="1">
                 <a:latin typeface="Archivo"/>
               </a:rPr>
               <a:t>Working</a:t>
             </a:r>
             <a:r>
-              <a:rPr lang="pt-PT" sz="1200" dirty="0">
+              <a:rPr lang="pt-PT" dirty="0">
                 <a:latin typeface="Archivo"/>
               </a:rPr>
               <a:t> </a:t>
             </a:r>
             <a:r>
-              <a:rPr lang="pt-PT" sz="1200" dirty="0" err="1">
+              <a:rPr lang="pt-PT" dirty="0" err="1">
                 <a:latin typeface="Archivo"/>
               </a:rPr>
               <a:t>Days</a:t>
             </a:r>
-            <a:endParaRPr lang="pt-PT" sz="1200" dirty="0">
+            <a:endParaRPr lang="pt-PT" dirty="0">
               <a:latin typeface="Archivo"/>
             </a:endParaRPr>
           </a:p>
@@ -33834,18 +35055,18 @@
               <a:buChar char="•"/>
             </a:pPr>
             <a:r>
-              <a:rPr lang="pt-PT" sz="1200" dirty="0">
+              <a:rPr lang="pt-PT" dirty="0">
                 <a:latin typeface="Archivo"/>
               </a:rPr>
               <a:t>Curriculum </a:t>
             </a:r>
             <a:r>
-              <a:rPr lang="pt-PT" sz="1200" dirty="0" err="1">
+              <a:rPr lang="pt-PT" dirty="0" err="1">
                 <a:latin typeface="Archivo"/>
               </a:rPr>
               <a:t>Compactness</a:t>
             </a:r>
-            <a:endParaRPr lang="pt-PT" sz="1200" dirty="0">
+            <a:endParaRPr lang="pt-PT" dirty="0">
               <a:latin typeface="Archivo"/>
             </a:endParaRPr>
           </a:p>
@@ -33858,24 +35079,24 @@
               <a:buChar char="•"/>
             </a:pPr>
             <a:r>
-              <a:rPr lang="pt-PT" sz="1200" dirty="0" err="1">
+              <a:rPr lang="pt-PT" dirty="0" err="1">
                 <a:latin typeface="Archivo"/>
               </a:rPr>
               <a:t>Room</a:t>
             </a:r>
             <a:r>
-              <a:rPr lang="pt-PT" sz="1200" dirty="0">
+              <a:rPr lang="pt-PT" dirty="0">
                 <a:latin typeface="Archivo"/>
               </a:rPr>
               <a:t> </a:t>
             </a:r>
             <a:r>
-              <a:rPr lang="pt-PT" sz="1200" dirty="0" err="1">
+              <a:rPr lang="pt-PT" dirty="0" err="1">
                 <a:latin typeface="Archivo"/>
               </a:rPr>
               <a:t>Stability</a:t>
             </a:r>
-            <a:endParaRPr lang="pt-PT" sz="1200" dirty="0">
+            <a:endParaRPr lang="pt-PT" dirty="0">
               <a:latin typeface="Archivo"/>
             </a:endParaRPr>
           </a:p>

--- a/Docs/Presentation.pptx
+++ b/Docs/Presentation.pptx
@@ -5,37 +5,36 @@
     <p:sldMasterId id="2147483673" r:id="rId1"/>
   </p:sldMasterIdLst>
   <p:notesMasterIdLst>
-    <p:notesMasterId r:id="rId27"/>
+    <p:notesMasterId r:id="rId26"/>
   </p:notesMasterIdLst>
   <p:handoutMasterIdLst>
-    <p:handoutMasterId r:id="rId28"/>
+    <p:handoutMasterId r:id="rId27"/>
   </p:handoutMasterIdLst>
   <p:sldIdLst>
     <p:sldId id="298" r:id="rId2"/>
-    <p:sldId id="315" r:id="rId3"/>
-    <p:sldId id="296" r:id="rId4"/>
-    <p:sldId id="316" r:id="rId5"/>
-    <p:sldId id="305" r:id="rId6"/>
-    <p:sldId id="299" r:id="rId7"/>
-    <p:sldId id="323" r:id="rId8"/>
-    <p:sldId id="317" r:id="rId9"/>
-    <p:sldId id="318" r:id="rId10"/>
-    <p:sldId id="314" r:id="rId11"/>
-    <p:sldId id="307" r:id="rId12"/>
-    <p:sldId id="309" r:id="rId13"/>
-    <p:sldId id="310" r:id="rId14"/>
-    <p:sldId id="311" r:id="rId15"/>
-    <p:sldId id="320" r:id="rId16"/>
-    <p:sldId id="321" r:id="rId17"/>
-    <p:sldId id="326" r:id="rId18"/>
-    <p:sldId id="313" r:id="rId19"/>
-    <p:sldId id="322" r:id="rId20"/>
-    <p:sldId id="319" r:id="rId21"/>
-    <p:sldId id="328" r:id="rId22"/>
-    <p:sldId id="327" r:id="rId23"/>
-    <p:sldId id="329" r:id="rId24"/>
+    <p:sldId id="296" r:id="rId3"/>
+    <p:sldId id="316" r:id="rId4"/>
+    <p:sldId id="305" r:id="rId5"/>
+    <p:sldId id="299" r:id="rId6"/>
+    <p:sldId id="323" r:id="rId7"/>
+    <p:sldId id="317" r:id="rId8"/>
+    <p:sldId id="318" r:id="rId9"/>
+    <p:sldId id="314" r:id="rId10"/>
+    <p:sldId id="307" r:id="rId11"/>
+    <p:sldId id="309" r:id="rId12"/>
+    <p:sldId id="310" r:id="rId13"/>
+    <p:sldId id="311" r:id="rId14"/>
+    <p:sldId id="320" r:id="rId15"/>
+    <p:sldId id="321" r:id="rId16"/>
+    <p:sldId id="326" r:id="rId17"/>
+    <p:sldId id="313" r:id="rId18"/>
+    <p:sldId id="322" r:id="rId19"/>
+    <p:sldId id="319" r:id="rId20"/>
+    <p:sldId id="328" r:id="rId21"/>
+    <p:sldId id="327" r:id="rId22"/>
+    <p:sldId id="331" r:id="rId23"/>
+    <p:sldId id="330" r:id="rId24"/>
     <p:sldId id="303" r:id="rId25"/>
-    <p:sldId id="312" r:id="rId26"/>
   </p:sldIdLst>
   <p:sldSz cx="9144000" cy="5143500" type="screen16x9"/>
   <p:notesSz cx="6858000" cy="9144000"/>
@@ -274,7 +273,6 @@
         <p14:section name="Default Section" id="{149B01DF-2080-4C18-A0EB-7C8E5C2FA1F3}">
           <p14:sldIdLst>
             <p14:sldId id="298"/>
-            <p14:sldId id="315"/>
             <p14:sldId id="296"/>
             <p14:sldId id="316"/>
             <p14:sldId id="305"/>
@@ -295,9 +293,9 @@
             <p14:sldId id="319"/>
             <p14:sldId id="328"/>
             <p14:sldId id="327"/>
-            <p14:sldId id="329"/>
+            <p14:sldId id="331"/>
+            <p14:sldId id="330"/>
             <p14:sldId id="303"/>
-            <p14:sldId id="312"/>
           </p14:sldIdLst>
         </p14:section>
       </p14:sectionLst>
@@ -7645,7 +7643,7 @@
           <a:p>
             <a:fld id="{28AE051E-4971-4F36-901C-869D0DCBC810}" type="datetimeFigureOut">
               <a:rPr lang="pt-PT" smtClean="0"/>
-              <a:t>07/07/2025</a:t>
+              <a:t>20/07/2025</a:t>
             </a:fld>
             <a:endParaRPr lang="pt-PT"/>
           </a:p>
@@ -8272,7 +8270,7 @@
                 <a:cs typeface="Arial"/>
                 <a:sym typeface="Arial"/>
               </a:rPr>
-              <a:t> para o problema de alocação de horários universitários. </a:t>
+              <a:t> para o problema de criação de horários universitários. </a:t>
             </a:r>
             <a:endParaRPr lang="pt-PT" sz="1050" dirty="0"/>
           </a:p>
@@ -8344,8 +8342,54 @@
               <a:buNone/>
             </a:pPr>
             <a:r>
+              <a:rPr lang="pt-PT" dirty="0" err="1"/>
+              <a:t>Pruning</a:t>
+            </a:r>
+            <a:endParaRPr lang="pt-PT" dirty="0"/>
+          </a:p>
+          <a:p>
+            <a:pPr marL="158750" indent="0">
+              <a:buNone/>
+            </a:pPr>
+            <a:endParaRPr lang="pt-PT" dirty="0"/>
+          </a:p>
+          <a:p>
+            <a:pPr marL="158750" indent="0">
+              <a:buNone/>
+            </a:pPr>
+            <a:r>
               <a:rPr lang="pt-PT" dirty="0"/>
-              <a:t>Temos então alocados já alguns eventos da raiz até à folha. Selecionamos um evento que não está alocado na árvore, alocamos todos os períodos e salas e avaliamos quanto a restrições hard e soft.</a:t>
+              <a:t>Avaliamos o impacto que o nó teve, ou seja, a árvore parcial é avaliada quanto às restrições hard e soft.</a:t>
+            </a:r>
+          </a:p>
+          <a:p>
+            <a:pPr marL="158750" indent="0">
+              <a:buNone/>
+            </a:pPr>
+            <a:endParaRPr lang="pt-PT" dirty="0"/>
+          </a:p>
+          <a:p>
+            <a:pPr marL="158750" indent="0">
+              <a:buNone/>
+            </a:pPr>
+            <a:r>
+              <a:rPr lang="pt-PT" dirty="0"/>
+              <a:t>Se não forem respeitadas restrições hard, o algoritmo não vai poder continuar mais por esse caminho. Nem continuamos para as próximas fases.</a:t>
+            </a:r>
+          </a:p>
+          <a:p>
+            <a:pPr marL="158750" indent="0">
+              <a:buNone/>
+            </a:pPr>
+            <a:endParaRPr lang="pt-PT" dirty="0"/>
+          </a:p>
+          <a:p>
+            <a:pPr marL="158750" indent="0">
+              <a:buNone/>
+            </a:pPr>
+            <a:r>
+              <a:rPr lang="pt-PT" dirty="0"/>
+              <a:t>Apenas se não tiver sido encontrada nenhuma solução válida até àquele momento, guardamos um valor global para ver qual a melhor solução hard encontrada…</a:t>
             </a:r>
           </a:p>
         </p:txBody>
@@ -8353,7 +8397,7 @@
     </p:spTree>
     <p:extLst>
       <p:ext uri="{BB962C8B-B14F-4D97-AF65-F5344CB8AC3E}">
-        <p14:creationId xmlns:p14="http://schemas.microsoft.com/office/powerpoint/2010/main" val="913468340"/>
+        <p14:creationId xmlns:p14="http://schemas.microsoft.com/office/powerpoint/2010/main" val="763268634"/>
       </p:ext>
     </p:extLst>
   </p:cSld>
@@ -8417,7 +8461,7 @@
             </a:pPr>
             <a:r>
               <a:rPr lang="pt-PT" dirty="0"/>
-              <a:t>Quando encontramos uma solução de uma simulação que parece promissora, vamos mais em profundidade nesse caminho, expandindo cada vez mais para encontrar soluções vizinhas, em vez de começarmos sempre de novo. </a:t>
+              <a:t>Temos alocados já alguns eventos da raiz até à folha e queremos alocar os eventos que faltam. </a:t>
             </a:r>
           </a:p>
           <a:p>
@@ -8432,15 +8476,7 @@
             </a:pPr>
             <a:r>
               <a:rPr lang="pt-PT" dirty="0"/>
-              <a:t>Para isto é usada uma fila. Sempre que o MCTS faz uma simulação e encontra uma </a:t>
-            </a:r>
-            <a:r>
-              <a:rPr lang="pt-PT" b="0" dirty="0"/>
-              <a:t>solução promissora</a:t>
-            </a:r>
-            <a:r>
-              <a:rPr lang="pt-PT" dirty="0"/>
-              <a:t>, a informação do nó e dessa simulação é guardada na fila para ser explorada depois com mais profundidade.</a:t>
+              <a:t>Selecionamos um evento que não está alocado na árvore baseado na prioridade, avaliamos todos os períodos e salas quanto a restrições hard e soft e escolhemos a melhor combinação.</a:t>
             </a:r>
           </a:p>
           <a:p>
@@ -8450,28 +8486,27 @@
             <a:endParaRPr lang="pt-PT" dirty="0"/>
           </a:p>
           <a:p>
-            <a:pPr marL="158750" marR="0" lvl="0" indent="0" algn="l" defTabSz="914400" rtl="0" eaLnBrk="1" fontAlgn="auto" latinLnBrk="0" hangingPunct="1">
-              <a:lnSpc>
-                <a:spcPct val="100000"/>
-              </a:lnSpc>
-              <a:spcBef>
-                <a:spcPts val="0"/>
-              </a:spcBef>
-              <a:spcAft>
-                <a:spcPts val="0"/>
-              </a:spcAft>
-              <a:buClr>
-                <a:srgbClr val="000000"/>
-              </a:buClr>
-              <a:buSzPts val="1100"/>
-              <a:buFont typeface="Arial"/>
+            <a:pPr marL="158750" indent="0">
               <a:buNone/>
-              <a:tabLst/>
-              <a:defRPr/>
             </a:pPr>
             <a:r>
               <a:rPr lang="pt-PT" dirty="0"/>
-              <a:t>Isto ajuda o algoritmo a concentrar-se em áreas de elevado potencial do espaço de pesquisa e a encontrar melhores soluções mais rapidamente.</a:t>
+              <a:t>Se violar hard descaramos se não alocamos.</a:t>
+            </a:r>
+          </a:p>
+          <a:p>
+            <a:pPr marL="158750" indent="0">
+              <a:buNone/>
+            </a:pPr>
+            <a:endParaRPr lang="pt-PT" dirty="0"/>
+          </a:p>
+          <a:p>
+            <a:pPr marL="158750" indent="0">
+              <a:buNone/>
+            </a:pPr>
+            <a:r>
+              <a:rPr lang="pt-PT" dirty="0"/>
+              <a:t>Depois de todos alocados, avaliamos quanto a restrições hard e soft no geral.</a:t>
             </a:r>
           </a:p>
         </p:txBody>
@@ -8479,7 +8514,7 @@
     </p:spTree>
     <p:extLst>
       <p:ext uri="{BB962C8B-B14F-4D97-AF65-F5344CB8AC3E}">
-        <p14:creationId xmlns:p14="http://schemas.microsoft.com/office/powerpoint/2010/main" val="4086451601"/>
+        <p14:creationId xmlns:p14="http://schemas.microsoft.com/office/powerpoint/2010/main" val="913468340"/>
       </p:ext>
     </p:extLst>
   </p:cSld>
@@ -8543,31 +8578,72 @@
             </a:pPr>
             <a:r>
               <a:rPr lang="pt-PT" dirty="0"/>
-              <a:t>A técnica de </a:t>
+              <a:t>Começa com um horário inicial sem restrições hard violadas;</a:t>
+            </a:r>
+          </a:p>
+          <a:p>
+            <a:pPr marL="158750" indent="0">
+              <a:buNone/>
+            </a:pPr>
+            <a:r>
+              <a:rPr lang="pt-PT" dirty="0"/>
+              <a:t>Seleciona uma vizinhança aleatória, com base em pesos;</a:t>
+            </a:r>
+          </a:p>
+          <a:p>
+            <a:pPr marL="158750" indent="0">
+              <a:buNone/>
+            </a:pPr>
+            <a:r>
+              <a:rPr lang="pt-PT" dirty="0"/>
+              <a:t>Aplica a mudança e avalia o novo horário;</a:t>
+            </a:r>
+          </a:p>
+          <a:p>
+            <a:pPr marL="158750" indent="0">
+              <a:buNone/>
+            </a:pPr>
+            <a:r>
+              <a:rPr lang="pt-PT" dirty="0"/>
+              <a:t>Se o novo horário for melhor, mantém as alterações; caso contrário, reverte-as;</a:t>
+            </a:r>
+          </a:p>
+          <a:p>
+            <a:pPr marL="158750" indent="0">
+              <a:buNone/>
+            </a:pPr>
+            <a:r>
+              <a:rPr lang="pt-PT" dirty="0"/>
+              <a:t>Para quando:</a:t>
+            </a:r>
+          </a:p>
+          <a:p>
+            <a:pPr marL="914400" lvl="1" indent="-298450"/>
+            <a:r>
+              <a:rPr lang="pt-PT" dirty="0"/>
+              <a:t>Uma solução ótima, ou seja, que satisfaça todas as restrições hard e soft;</a:t>
+            </a:r>
+          </a:p>
+          <a:p>
+            <a:pPr marL="914400" lvl="1" indent="-298450"/>
+            <a:r>
+              <a:rPr lang="pt-PT" dirty="0"/>
+              <a:t>Nenhuma melhoria é encontrada após um número predefinido de </a:t>
             </a:r>
             <a:r>
               <a:rPr lang="pt-PT" dirty="0" err="1"/>
-              <a:t>pruning</a:t>
+              <a:t>idle</a:t>
             </a:r>
             <a:r>
               <a:rPr lang="pt-PT" dirty="0"/>
-              <a:t> eliminou ramos fixos da árvore com penalizações hard, o que acabou por evitar simulações desnecessárias. Contudo, hard </a:t>
-            </a:r>
-            <a:r>
-              <a:rPr lang="pt-PT" dirty="0" err="1"/>
-              <a:t>constraints</a:t>
-            </a:r>
+              <a:t> iterações;</a:t>
+            </a:r>
+          </a:p>
+          <a:p>
+            <a:pPr marL="914400" lvl="1" indent="-298450"/>
             <a:r>
               <a:rPr lang="pt-PT" dirty="0"/>
-              <a:t> podem continuar a existir nas simulações apesar de não ter acontecido neste caso, porque o </a:t>
-            </a:r>
-            <a:r>
-              <a:rPr lang="pt-PT" dirty="0" err="1"/>
-              <a:t>pruning</a:t>
-            </a:r>
-            <a:r>
-              <a:rPr lang="pt-PT" dirty="0"/>
-              <a:t> elimina só nós que iam ser expandidos.</a:t>
+              <a:t>O limite de tempo é atingido.</a:t>
             </a:r>
           </a:p>
         </p:txBody>
@@ -8575,7 +8651,7 @@
     </p:spTree>
     <p:extLst>
       <p:ext uri="{BB962C8B-B14F-4D97-AF65-F5344CB8AC3E}">
-        <p14:creationId xmlns:p14="http://schemas.microsoft.com/office/powerpoint/2010/main" val="378811645"/>
+        <p14:creationId xmlns:p14="http://schemas.microsoft.com/office/powerpoint/2010/main" val="3211988022"/>
       </p:ext>
     </p:extLst>
   </p:cSld>
@@ -8638,177 +8714,70 @@
               <a:buNone/>
             </a:pPr>
             <a:r>
-              <a:rPr lang="en-US" dirty="0"/>
-              <a:t>Em ambos, o </a:t>
-            </a:r>
-            <a:r>
-              <a:rPr lang="en-US" dirty="0" err="1"/>
-              <a:t>algoritmo</a:t>
-            </a:r>
-            <a:r>
-              <a:rPr lang="en-US" dirty="0"/>
-              <a:t> </a:t>
-            </a:r>
-            <a:r>
-              <a:rPr lang="en-US" dirty="0" err="1"/>
-              <a:t>eventualmente</a:t>
-            </a:r>
-            <a:r>
-              <a:rPr lang="en-US" dirty="0"/>
-              <a:t> </a:t>
-            </a:r>
-            <a:r>
-              <a:rPr lang="en-US" dirty="0" err="1"/>
-              <a:t>fica</a:t>
-            </a:r>
-            <a:r>
-              <a:rPr lang="en-US" dirty="0"/>
-              <a:t> </a:t>
-            </a:r>
-            <a:r>
-              <a:rPr lang="en-US" dirty="0" err="1"/>
-              <a:t>estagnado</a:t>
-            </a:r>
-            <a:r>
-              <a:rPr lang="en-US" dirty="0"/>
-              <a:t>, mas com a </a:t>
-            </a:r>
-            <a:r>
-              <a:rPr lang="en-US" dirty="0" err="1"/>
-              <a:t>estratégia</a:t>
-            </a:r>
-            <a:r>
-              <a:rPr lang="en-US" dirty="0"/>
-              <a:t> de diving, as soft constraints </a:t>
-            </a:r>
-            <a:r>
-              <a:rPr lang="en-US" dirty="0" err="1"/>
-              <a:t>em</a:t>
-            </a:r>
-            <a:r>
-              <a:rPr lang="en-US" dirty="0"/>
-              <a:t> </a:t>
-            </a:r>
-            <a:r>
-              <a:rPr lang="en-US" dirty="0" err="1"/>
-              <a:t>cada</a:t>
-            </a:r>
-            <a:r>
-              <a:rPr lang="en-US" dirty="0"/>
-              <a:t> </a:t>
-            </a:r>
-            <a:r>
-              <a:rPr lang="en-US" dirty="0" err="1"/>
-              <a:t>iteração</a:t>
-            </a:r>
-            <a:r>
-              <a:rPr lang="en-US" dirty="0"/>
-              <a:t> </a:t>
-            </a:r>
-            <a:r>
-              <a:rPr lang="en-US" dirty="0" err="1"/>
-              <a:t>tendem</a:t>
-            </a:r>
-            <a:r>
-              <a:rPr lang="en-US" dirty="0"/>
-              <a:t> a </a:t>
-            </a:r>
-            <a:r>
-              <a:rPr lang="en-US" dirty="0" err="1"/>
-              <a:t>ficar</a:t>
-            </a:r>
-            <a:r>
-              <a:rPr lang="en-US" dirty="0"/>
-              <a:t>  </a:t>
-            </a:r>
-            <a:r>
-              <a:rPr lang="en-US" dirty="0" err="1"/>
-              <a:t>mais</a:t>
-            </a:r>
-            <a:r>
-              <a:rPr lang="en-US" dirty="0"/>
-              <a:t> </a:t>
-            </a:r>
-            <a:r>
-              <a:rPr lang="en-US" dirty="0" err="1"/>
-              <a:t>perto</a:t>
-            </a:r>
-            <a:r>
-              <a:rPr lang="en-US" dirty="0"/>
-              <a:t> da </a:t>
-            </a:r>
-            <a:r>
-              <a:rPr lang="en-US" dirty="0" err="1"/>
-              <a:t>melhor</a:t>
-            </a:r>
-            <a:r>
-              <a:rPr lang="en-US" dirty="0"/>
-              <a:t> </a:t>
-            </a:r>
-            <a:r>
-              <a:rPr lang="en-US" dirty="0" err="1"/>
-              <a:t>solução</a:t>
-            </a:r>
-            <a:r>
-              <a:rPr lang="en-US" dirty="0"/>
-              <a:t> </a:t>
-            </a:r>
-            <a:r>
-              <a:rPr lang="en-US" dirty="0" err="1"/>
-              <a:t>encontrada</a:t>
-            </a:r>
-            <a:r>
-              <a:rPr lang="en-US" dirty="0"/>
-              <a:t>, </a:t>
-            </a:r>
-            <a:r>
-              <a:rPr lang="en-US" dirty="0" err="1"/>
-              <a:t>mostrando</a:t>
-            </a:r>
-            <a:r>
-              <a:rPr lang="en-US" dirty="0"/>
-              <a:t> </a:t>
-            </a:r>
-            <a:r>
-              <a:rPr lang="en-US" dirty="0" err="1"/>
-              <a:t>uma</a:t>
-            </a:r>
-            <a:r>
-              <a:rPr lang="en-US" dirty="0"/>
-              <a:t> </a:t>
-            </a:r>
-            <a:r>
-              <a:rPr lang="en-US" dirty="0" err="1"/>
-              <a:t>trajetória</a:t>
-            </a:r>
-            <a:r>
-              <a:rPr lang="en-US" dirty="0"/>
-              <a:t> </a:t>
-            </a:r>
-            <a:r>
-              <a:rPr lang="en-US" dirty="0" err="1"/>
-              <a:t>mais</a:t>
-            </a:r>
-            <a:r>
-              <a:rPr lang="en-US" dirty="0"/>
-              <a:t> </a:t>
-            </a:r>
-            <a:r>
-              <a:rPr lang="en-US" dirty="0" err="1"/>
-              <a:t>focada</a:t>
-            </a:r>
-            <a:r>
-              <a:rPr lang="en-US" dirty="0"/>
-              <a:t>.</a:t>
-            </a:r>
+              <a:rPr lang="pt-PT" dirty="0"/>
+              <a:t>Quando encontramos uma solução de uma simulação que parece promissora, vamos mais em profundidade nesse caminho, expandindo cada vez mais para encontrar soluções vizinhas, em vez de começarmos sempre de novo. </a:t>
+            </a:r>
+          </a:p>
+          <a:p>
+            <a:pPr marL="158750" indent="0">
+              <a:buNone/>
+            </a:pPr>
             <a:endParaRPr lang="pt-PT" dirty="0"/>
+          </a:p>
+          <a:p>
+            <a:pPr marL="158750" indent="0">
+              <a:buNone/>
+            </a:pPr>
+            <a:r>
+              <a:rPr lang="pt-PT" dirty="0"/>
+              <a:t>Para isto é usada uma fila. Sempre que o MCTS faz uma simulação e encontra uma </a:t>
+            </a:r>
+            <a:r>
+              <a:rPr lang="pt-PT" b="0" dirty="0"/>
+              <a:t>solução promissora</a:t>
+            </a:r>
+            <a:r>
+              <a:rPr lang="pt-PT" dirty="0"/>
+              <a:t>, a informação do nó e dessa simulação é guardada na fila para ser explorada depois com mais profundidade.</a:t>
+            </a:r>
+          </a:p>
+          <a:p>
+            <a:pPr marL="158750" indent="0">
+              <a:buNone/>
+            </a:pPr>
+            <a:endParaRPr lang="pt-PT" dirty="0"/>
+          </a:p>
+          <a:p>
+            <a:pPr marL="158750" marR="0" lvl="0" indent="0" algn="l" defTabSz="914400" rtl="0" eaLnBrk="1" fontAlgn="auto" latinLnBrk="0" hangingPunct="1">
+              <a:lnSpc>
+                <a:spcPct val="100000"/>
+              </a:lnSpc>
+              <a:spcBef>
+                <a:spcPts val="0"/>
+              </a:spcBef>
+              <a:spcAft>
+                <a:spcPts val="0"/>
+              </a:spcAft>
+              <a:buClr>
+                <a:srgbClr val="000000"/>
+              </a:buClr>
+              <a:buSzPts val="1100"/>
+              <a:buFont typeface="Arial"/>
+              <a:buNone/>
+              <a:tabLst/>
+              <a:defRPr/>
+            </a:pPr>
+            <a:r>
+              <a:rPr lang="pt-PT" dirty="0"/>
+              <a:t>Isto ajuda o algoritmo a concentrar-se em áreas de elevado potencial do espaço de pesquisa e a encontrar melhores soluções mais rapidamente.</a:t>
+            </a:r>
           </a:p>
         </p:txBody>
       </p:sp>
     </p:spTree>
     <p:extLst>
       <p:ext uri="{BB962C8B-B14F-4D97-AF65-F5344CB8AC3E}">
-        <p14:creationId xmlns:p14="http://schemas.microsoft.com/office/powerpoint/2010/main" val="2586225382"/>
+        <p14:creationId xmlns:p14="http://schemas.microsoft.com/office/powerpoint/2010/main" val="4086451601"/>
       </p:ext>
     </p:extLst>
   </p:cSld>
@@ -8872,7 +8841,31 @@
             </a:pPr>
             <a:r>
               <a:rPr lang="pt-PT" dirty="0"/>
-              <a:t>Esta dissertação apresenta uma nova forma de aplicar MCTS ao problema de horários universitários. Os resultados não foram os esperados mas mostram que, com mais ajustes – como melhorias de performance ou integração com outras heurísticas – esta abordagem pode evoluir.</a:t>
+              <a:t>A técnica de </a:t>
+            </a:r>
+            <a:r>
+              <a:rPr lang="pt-PT" dirty="0" err="1"/>
+              <a:t>pruning</a:t>
+            </a:r>
+            <a:r>
+              <a:rPr lang="pt-PT" dirty="0"/>
+              <a:t> eliminou ramos fixos da árvore com penalizações hard, o que acabou por evitar simulações desnecessárias. Contudo, hard </a:t>
+            </a:r>
+            <a:r>
+              <a:rPr lang="pt-PT" dirty="0" err="1"/>
+              <a:t>constraints</a:t>
+            </a:r>
+            <a:r>
+              <a:rPr lang="pt-PT" dirty="0"/>
+              <a:t> podem continuar a existir nas simulações apesar de não ter acontecido neste caso, porque o </a:t>
+            </a:r>
+            <a:r>
+              <a:rPr lang="pt-PT" dirty="0" err="1"/>
+              <a:t>pruning</a:t>
+            </a:r>
+            <a:r>
+              <a:rPr lang="pt-PT" dirty="0"/>
+              <a:t> elimina só nós que iam ser expandidos.</a:t>
             </a:r>
           </a:p>
         </p:txBody>
@@ -8880,7 +8873,7 @@
     </p:spTree>
     <p:extLst>
       <p:ext uri="{BB962C8B-B14F-4D97-AF65-F5344CB8AC3E}">
-        <p14:creationId xmlns:p14="http://schemas.microsoft.com/office/powerpoint/2010/main" val="727372494"/>
+        <p14:creationId xmlns:p14="http://schemas.microsoft.com/office/powerpoint/2010/main" val="378811645"/>
       </p:ext>
     </p:extLst>
   </p:cSld>
@@ -8890,94 +8883,7 @@
 </p:notes>
 </file>
 
-<file path=ppt/notesSlides/notesSlide2.xml><?xml version="1.0" encoding="utf-8"?>
-<p:notes xmlns:a="http://schemas.openxmlformats.org/drawingml/2006/main" xmlns:r="http://schemas.openxmlformats.org/officeDocument/2006/relationships" xmlns:p="http://schemas.openxmlformats.org/presentationml/2006/main">
-  <p:cSld>
-    <p:spTree>
-      <p:nvGrpSpPr>
-        <p:cNvPr id="1" name="">
-          <a:extLst>
-            <a:ext uri="{FF2B5EF4-FFF2-40B4-BE49-F238E27FC236}">
-              <a16:creationId xmlns:a16="http://schemas.microsoft.com/office/drawing/2014/main" id="{5287AB67-63F5-B6F5-CC98-BC4B935AFC2A}"/>
-            </a:ext>
-          </a:extLst>
-        </p:cNvPr>
-        <p:cNvGrpSpPr/>
-        <p:nvPr/>
-      </p:nvGrpSpPr>
-      <p:grpSpPr>
-        <a:xfrm>
-          <a:off x="0" y="0"/>
-          <a:ext cx="0" cy="0"/>
-          <a:chOff x="0" y="0"/>
-          <a:chExt cx="0" cy="0"/>
-        </a:xfrm>
-      </p:grpSpPr>
-      <p:sp>
-        <p:nvSpPr>
-          <p:cNvPr id="2" name="Slide Image Placeholder 1">
-            <a:extLst>
-              <a:ext uri="{FF2B5EF4-FFF2-40B4-BE49-F238E27FC236}">
-                <a16:creationId xmlns:a16="http://schemas.microsoft.com/office/drawing/2014/main" id="{042AF490-6195-8852-6935-90C7DF4413E3}"/>
-              </a:ext>
-            </a:extLst>
-          </p:cNvPr>
-          <p:cNvSpPr>
-            <a:spLocks noGrp="1" noRot="1" noChangeAspect="1"/>
-          </p:cNvSpPr>
-          <p:nvPr>
-            <p:ph type="sldImg"/>
-          </p:nvPr>
-        </p:nvSpPr>
-        <p:spPr>
-          <a:xfrm>
-            <a:off x="381000" y="685800"/>
-            <a:ext cx="6096000" cy="3429000"/>
-          </a:xfrm>
-        </p:spPr>
-      </p:sp>
-      <p:sp>
-        <p:nvSpPr>
-          <p:cNvPr id="3" name="Notes Placeholder 2">
-            <a:extLst>
-              <a:ext uri="{FF2B5EF4-FFF2-40B4-BE49-F238E27FC236}">
-                <a16:creationId xmlns:a16="http://schemas.microsoft.com/office/drawing/2014/main" id="{E804A8C6-294D-D490-AD85-9C6135F954CD}"/>
-              </a:ext>
-            </a:extLst>
-          </p:cNvPr>
-          <p:cNvSpPr>
-            <a:spLocks noGrp="1"/>
-          </p:cNvSpPr>
-          <p:nvPr>
-            <p:ph type="body" idx="1"/>
-          </p:nvPr>
-        </p:nvSpPr>
-        <p:spPr/>
-        <p:txBody>
-          <a:bodyPr/>
-          <a:lstStyle/>
-          <a:p>
-            <a:pPr marL="158750" indent="0">
-              <a:buNone/>
-            </a:pPr>
-            <a:endParaRPr lang="pt-PT" dirty="0"/>
-          </a:p>
-        </p:txBody>
-      </p:sp>
-    </p:spTree>
-    <p:extLst>
-      <p:ext uri="{BB962C8B-B14F-4D97-AF65-F5344CB8AC3E}">
-        <p14:creationId xmlns:p14="http://schemas.microsoft.com/office/powerpoint/2010/main" val="1280391911"/>
-      </p:ext>
-    </p:extLst>
-  </p:cSld>
-  <p:clrMapOvr>
-    <a:masterClrMapping/>
-  </p:clrMapOvr>
-</p:notes>
-</file>
-
-<file path=ppt/notesSlides/notesSlide3.xml><?xml version="1.0" encoding="utf-8"?>
+<file path=ppt/notesSlides/notesSlide15.xml><?xml version="1.0" encoding="utf-8"?>
 <p:notes xmlns:a="http://schemas.openxmlformats.org/drawingml/2006/main" xmlns:r="http://schemas.openxmlformats.org/officeDocument/2006/relationships" xmlns:p="http://schemas.openxmlformats.org/presentationml/2006/main">
   <p:cSld>
     <p:spTree>
@@ -9026,6 +8932,200 @@
           <a:bodyPr/>
           <a:lstStyle/>
           <a:p>
+            <a:pPr marL="158750" indent="0">
+              <a:buNone/>
+            </a:pPr>
+            <a:r>
+              <a:rPr lang="en-US" dirty="0"/>
+              <a:t>Em ambos, o </a:t>
+            </a:r>
+            <a:r>
+              <a:rPr lang="en-US" dirty="0" err="1"/>
+              <a:t>algoritmo</a:t>
+            </a:r>
+            <a:r>
+              <a:rPr lang="en-US" dirty="0"/>
+              <a:t> </a:t>
+            </a:r>
+            <a:r>
+              <a:rPr lang="en-US" dirty="0" err="1"/>
+              <a:t>eventualmente</a:t>
+            </a:r>
+            <a:r>
+              <a:rPr lang="en-US" dirty="0"/>
+              <a:t> </a:t>
+            </a:r>
+            <a:r>
+              <a:rPr lang="en-US" dirty="0" err="1"/>
+              <a:t>fica</a:t>
+            </a:r>
+            <a:r>
+              <a:rPr lang="en-US" dirty="0"/>
+              <a:t> </a:t>
+            </a:r>
+            <a:r>
+              <a:rPr lang="en-US" dirty="0" err="1"/>
+              <a:t>estagnado</a:t>
+            </a:r>
+            <a:r>
+              <a:rPr lang="en-US" dirty="0"/>
+              <a:t>, mas com a </a:t>
+            </a:r>
+            <a:r>
+              <a:rPr lang="en-US" dirty="0" err="1"/>
+              <a:t>estratégia</a:t>
+            </a:r>
+            <a:r>
+              <a:rPr lang="en-US" dirty="0"/>
+              <a:t> de diving, as soft constraints </a:t>
+            </a:r>
+            <a:r>
+              <a:rPr lang="en-US" dirty="0" err="1"/>
+              <a:t>em</a:t>
+            </a:r>
+            <a:r>
+              <a:rPr lang="en-US" dirty="0"/>
+              <a:t> </a:t>
+            </a:r>
+            <a:r>
+              <a:rPr lang="en-US" dirty="0" err="1"/>
+              <a:t>cada</a:t>
+            </a:r>
+            <a:r>
+              <a:rPr lang="en-US" dirty="0"/>
+              <a:t> </a:t>
+            </a:r>
+            <a:r>
+              <a:rPr lang="en-US" dirty="0" err="1"/>
+              <a:t>iteração</a:t>
+            </a:r>
+            <a:r>
+              <a:rPr lang="en-US" dirty="0"/>
+              <a:t> </a:t>
+            </a:r>
+            <a:r>
+              <a:rPr lang="en-US" dirty="0" err="1"/>
+              <a:t>tendem</a:t>
+            </a:r>
+            <a:r>
+              <a:rPr lang="en-US" dirty="0"/>
+              <a:t> a </a:t>
+            </a:r>
+            <a:r>
+              <a:rPr lang="en-US" dirty="0" err="1"/>
+              <a:t>ficar</a:t>
+            </a:r>
+            <a:r>
+              <a:rPr lang="en-US" dirty="0"/>
+              <a:t> </a:t>
+            </a:r>
+            <a:r>
+              <a:rPr lang="en-US" dirty="0" err="1"/>
+              <a:t>mais</a:t>
+            </a:r>
+            <a:r>
+              <a:rPr lang="en-US" dirty="0"/>
+              <a:t> </a:t>
+            </a:r>
+            <a:r>
+              <a:rPr lang="en-US" dirty="0" err="1"/>
+              <a:t>perto</a:t>
+            </a:r>
+            <a:r>
+              <a:rPr lang="en-US" dirty="0"/>
+              <a:t> da </a:t>
+            </a:r>
+            <a:r>
+              <a:rPr lang="en-US" dirty="0" err="1"/>
+              <a:t>melhor</a:t>
+            </a:r>
+            <a:r>
+              <a:rPr lang="en-US" dirty="0"/>
+              <a:t> </a:t>
+            </a:r>
+            <a:r>
+              <a:rPr lang="en-US" dirty="0" err="1"/>
+              <a:t>solução</a:t>
+            </a:r>
+            <a:r>
+              <a:rPr lang="en-US" dirty="0"/>
+              <a:t> </a:t>
+            </a:r>
+            <a:r>
+              <a:rPr lang="en-US" dirty="0" err="1"/>
+              <a:t>encontrada</a:t>
+            </a:r>
+            <a:r>
+              <a:rPr lang="en-US" dirty="0"/>
+              <a:t>, </a:t>
+            </a:r>
+            <a:r>
+              <a:rPr lang="en-US" dirty="0" err="1"/>
+              <a:t>mostrando</a:t>
+            </a:r>
+            <a:r>
+              <a:rPr lang="en-US" dirty="0"/>
+              <a:t> </a:t>
+            </a:r>
+            <a:r>
+              <a:rPr lang="en-US" dirty="0" err="1"/>
+              <a:t>uma</a:t>
+            </a:r>
+            <a:r>
+              <a:rPr lang="en-US" dirty="0"/>
+              <a:t> </a:t>
+            </a:r>
+            <a:r>
+              <a:rPr lang="en-US" dirty="0" err="1"/>
+              <a:t>trajetória</a:t>
+            </a:r>
+            <a:r>
+              <a:rPr lang="en-US" dirty="0"/>
+              <a:t> </a:t>
+            </a:r>
+            <a:r>
+              <a:rPr lang="en-US" dirty="0" err="1"/>
+              <a:t>mais</a:t>
+            </a:r>
+            <a:r>
+              <a:rPr lang="en-US" dirty="0"/>
+              <a:t> </a:t>
+            </a:r>
+            <a:r>
+              <a:rPr lang="en-US" dirty="0" err="1"/>
+              <a:t>focada</a:t>
+            </a:r>
+            <a:r>
+              <a:rPr lang="en-US" dirty="0"/>
+              <a:t>.</a:t>
+            </a:r>
+          </a:p>
+          <a:p>
+            <a:pPr marL="158750" indent="0">
+              <a:buNone/>
+            </a:pPr>
+            <a:endParaRPr lang="en-US" dirty="0"/>
+          </a:p>
+          <a:p>
+            <a:pPr marL="158750" indent="0">
+              <a:buNone/>
+            </a:pPr>
+            <a:r>
+              <a:rPr lang="en-US" dirty="0"/>
+              <a:t>Diving </a:t>
+            </a:r>
+            <a:r>
+              <a:rPr lang="en-US" dirty="0" err="1"/>
+              <a:t>mais</a:t>
+            </a:r>
+            <a:r>
+              <a:rPr lang="en-US" dirty="0"/>
+              <a:t> </a:t>
+            </a:r>
+            <a:r>
+              <a:rPr lang="en-US" dirty="0" err="1"/>
+              <a:t>iterações</a:t>
+            </a:r>
             <a:endParaRPr lang="pt-PT" dirty="0"/>
           </a:p>
         </p:txBody>
@@ -9033,7 +9133,7 @@
     </p:spTree>
     <p:extLst>
       <p:ext uri="{BB962C8B-B14F-4D97-AF65-F5344CB8AC3E}">
-        <p14:creationId xmlns:p14="http://schemas.microsoft.com/office/powerpoint/2010/main" val="1402749252"/>
+        <p14:creationId xmlns:p14="http://schemas.microsoft.com/office/powerpoint/2010/main" val="2586225382"/>
       </p:ext>
     </p:extLst>
   </p:cSld>
@@ -9043,18 +9143,12 @@
 </p:notes>
 </file>
 
-<file path=ppt/notesSlides/notesSlide4.xml><?xml version="1.0" encoding="utf-8"?>
+<file path=ppt/notesSlides/notesSlide16.xml><?xml version="1.0" encoding="utf-8"?>
 <p:notes xmlns:a="http://schemas.openxmlformats.org/drawingml/2006/main" xmlns:r="http://schemas.openxmlformats.org/officeDocument/2006/relationships" xmlns:p="http://schemas.openxmlformats.org/presentationml/2006/main">
   <p:cSld>
     <p:spTree>
       <p:nvGrpSpPr>
-        <p:cNvPr id="1" name="">
-          <a:extLst>
-            <a:ext uri="{FF2B5EF4-FFF2-40B4-BE49-F238E27FC236}">
-              <a16:creationId xmlns:a16="http://schemas.microsoft.com/office/drawing/2014/main" id="{695330B1-30D8-6057-A19C-276B91DF6FE7}"/>
-            </a:ext>
-          </a:extLst>
-        </p:cNvPr>
+        <p:cNvPr id="1" name=""/>
         <p:cNvGrpSpPr/>
         <p:nvPr/>
       </p:nvGrpSpPr>
@@ -9068,13 +9162,7 @@
       </p:grpSpPr>
       <p:sp>
         <p:nvSpPr>
-          <p:cNvPr id="2" name="Slide Image Placeholder 1">
-            <a:extLst>
-              <a:ext uri="{FF2B5EF4-FFF2-40B4-BE49-F238E27FC236}">
-                <a16:creationId xmlns:a16="http://schemas.microsoft.com/office/drawing/2014/main" id="{C8E630B4-0044-B45B-724B-CC1309029355}"/>
-              </a:ext>
-            </a:extLst>
-          </p:cNvPr>
+          <p:cNvPr id="2" name="Slide Image Placeholder 1"/>
           <p:cNvSpPr>
             <a:spLocks noGrp="1" noRot="1" noChangeAspect="1"/>
           </p:cNvSpPr>
@@ -9091,13 +9179,7 @@
       </p:sp>
       <p:sp>
         <p:nvSpPr>
-          <p:cNvPr id="3" name="Notes Placeholder 2">
-            <a:extLst>
-              <a:ext uri="{FF2B5EF4-FFF2-40B4-BE49-F238E27FC236}">
-                <a16:creationId xmlns:a16="http://schemas.microsoft.com/office/drawing/2014/main" id="{1E08B9D6-A076-1A55-BBA6-CF4AE5EE24E1}"/>
-              </a:ext>
-            </a:extLst>
-          </p:cNvPr>
+          <p:cNvPr id="3" name="Notes Placeholder 2"/>
           <p:cNvSpPr>
             <a:spLocks noGrp="1"/>
           </p:cNvSpPr>
@@ -9110,14 +9192,35 @@
           <a:bodyPr/>
           <a:lstStyle/>
           <a:p>
-            <a:endParaRPr lang="pt-PT"/>
+            <a:pPr marL="158750" indent="0">
+              <a:buNone/>
+            </a:pPr>
+            <a:r>
+              <a:rPr lang="pt-PT" sz="1050" b="0" dirty="0"/>
+              <a:t>Inicialmente, todas as instâncias foram consideradas para avaliação, mas devido a restrições de tempo, as experiências foram reduzidas para se concentrarem em apenas seis instâncias.</a:t>
+            </a:r>
+          </a:p>
+          <a:p>
+            <a:pPr marL="158750" indent="0">
+              <a:buNone/>
+            </a:pPr>
+            <a:endParaRPr lang="pt-PT" sz="1050" b="0" dirty="0"/>
+          </a:p>
+          <a:p>
+            <a:pPr marL="158750" indent="0">
+              <a:buNone/>
+            </a:pPr>
+            <a:r>
+              <a:rPr lang="pt-PT" sz="1050" b="0" dirty="0"/>
+              <a:t>As poucas diferenças entre as soluções  deve-se possivelmente ao pequeno número de observações por instância e ao tempo fixo de 10 minutos atribuído a cada execução. Sob tais restrições, a primeira solução encontrada pelo algoritmo pode ter uma influência significativa no resultado final por haver poucas iterações.</a:t>
+            </a:r>
           </a:p>
         </p:txBody>
       </p:sp>
     </p:spTree>
     <p:extLst>
       <p:ext uri="{BB962C8B-B14F-4D97-AF65-F5344CB8AC3E}">
-        <p14:creationId xmlns:p14="http://schemas.microsoft.com/office/powerpoint/2010/main" val="600615069"/>
+        <p14:creationId xmlns:p14="http://schemas.microsoft.com/office/powerpoint/2010/main" val="1442114330"/>
       </p:ext>
     </p:extLst>
   </p:cSld>
@@ -9127,7 +9230,7 @@
 </p:notes>
 </file>
 
-<file path=ppt/notesSlides/notesSlide5.xml><?xml version="1.0" encoding="utf-8"?>
+<file path=ppt/notesSlides/notesSlide17.xml><?xml version="1.0" encoding="utf-8"?>
 <p:notes xmlns:a="http://schemas.openxmlformats.org/drawingml/2006/main" xmlns:r="http://schemas.openxmlformats.org/officeDocument/2006/relationships" xmlns:p="http://schemas.openxmlformats.org/presentationml/2006/main">
   <p:cSld>
     <p:spTree>
@@ -9196,16 +9299,8 @@
               <a:defRPr/>
             </a:pPr>
             <a:r>
-              <a:rPr lang="en-US" sz="900" dirty="0">
-                <a:solidFill>
-                  <a:schemeClr val="dk1"/>
-                </a:solidFill>
-                <a:latin typeface="+mj-lt"/>
-                <a:ea typeface="Archivo"/>
-                <a:cs typeface="Archivo"/>
-                <a:sym typeface="Archivo"/>
-              </a:rPr>
-              <a:t>Since 2002</a:t>
+              <a:rPr lang="pt-PT" dirty="0"/>
+              <a:t>Esta dissertação apresenta uma nova forma de aplicar MCTS ao problema de horários universitários.</a:t>
             </a:r>
           </a:p>
           <a:p>
@@ -9229,6 +9324,420 @@
               <a:defRPr/>
             </a:pPr>
             <a:r>
+              <a:rPr lang="pt-PT" dirty="0"/>
+              <a:t>Os resultados não foram os esperados mas mostram que, com mais ajustes – como melhorias de performance ou integração com outras heurísticas – esta abordagem pode evoluir.</a:t>
+            </a:r>
+          </a:p>
+          <a:p>
+            <a:pPr marL="158750" indent="0">
+              <a:buNone/>
+            </a:pPr>
+            <a:endParaRPr lang="pt-PT" dirty="0"/>
+          </a:p>
+        </p:txBody>
+      </p:sp>
+    </p:spTree>
+    <p:extLst>
+      <p:ext uri="{BB962C8B-B14F-4D97-AF65-F5344CB8AC3E}">
+        <p14:creationId xmlns:p14="http://schemas.microsoft.com/office/powerpoint/2010/main" val="903191443"/>
+      </p:ext>
+    </p:extLst>
+  </p:cSld>
+  <p:clrMapOvr>
+    <a:masterClrMapping/>
+  </p:clrMapOvr>
+</p:notes>
+</file>
+
+<file path=ppt/notesSlides/notesSlide18.xml><?xml version="1.0" encoding="utf-8"?>
+<p:notes xmlns:a="http://schemas.openxmlformats.org/drawingml/2006/main" xmlns:r="http://schemas.openxmlformats.org/officeDocument/2006/relationships" xmlns:p="http://schemas.openxmlformats.org/presentationml/2006/main">
+  <p:cSld>
+    <p:spTree>
+      <p:nvGrpSpPr>
+        <p:cNvPr id="1" name=""/>
+        <p:cNvGrpSpPr/>
+        <p:nvPr/>
+      </p:nvGrpSpPr>
+      <p:grpSpPr>
+        <a:xfrm>
+          <a:off x="0" y="0"/>
+          <a:ext cx="0" cy="0"/>
+          <a:chOff x="0" y="0"/>
+          <a:chExt cx="0" cy="0"/>
+        </a:xfrm>
+      </p:grpSpPr>
+      <p:sp>
+        <p:nvSpPr>
+          <p:cNvPr id="2" name="Slide Image Placeholder 1"/>
+          <p:cNvSpPr>
+            <a:spLocks noGrp="1" noRot="1" noChangeAspect="1"/>
+          </p:cNvSpPr>
+          <p:nvPr>
+            <p:ph type="sldImg"/>
+          </p:nvPr>
+        </p:nvSpPr>
+        <p:spPr>
+          <a:xfrm>
+            <a:off x="381000" y="685800"/>
+            <a:ext cx="6096000" cy="3429000"/>
+          </a:xfrm>
+        </p:spPr>
+      </p:sp>
+      <p:sp>
+        <p:nvSpPr>
+          <p:cNvPr id="3" name="Notes Placeholder 2"/>
+          <p:cNvSpPr>
+            <a:spLocks noGrp="1"/>
+          </p:cNvSpPr>
+          <p:nvPr>
+            <p:ph type="body" idx="1"/>
+          </p:nvPr>
+        </p:nvSpPr>
+        <p:spPr/>
+        <p:txBody>
+          <a:bodyPr/>
+          <a:lstStyle/>
+          <a:p>
+            <a:endParaRPr lang="pt-PT" dirty="0"/>
+          </a:p>
+        </p:txBody>
+      </p:sp>
+    </p:spTree>
+    <p:extLst>
+      <p:ext uri="{BB962C8B-B14F-4D97-AF65-F5344CB8AC3E}">
+        <p14:creationId xmlns:p14="http://schemas.microsoft.com/office/powerpoint/2010/main" val="1814356237"/>
+      </p:ext>
+    </p:extLst>
+  </p:cSld>
+  <p:clrMapOvr>
+    <a:masterClrMapping/>
+  </p:clrMapOvr>
+</p:notes>
+</file>
+
+<file path=ppt/notesSlides/notesSlide2.xml><?xml version="1.0" encoding="utf-8"?>
+<p:notes xmlns:a="http://schemas.openxmlformats.org/drawingml/2006/main" xmlns:r="http://schemas.openxmlformats.org/officeDocument/2006/relationships" xmlns:p="http://schemas.openxmlformats.org/presentationml/2006/main">
+  <p:cSld>
+    <p:spTree>
+      <p:nvGrpSpPr>
+        <p:cNvPr id="1" name=""/>
+        <p:cNvGrpSpPr/>
+        <p:nvPr/>
+      </p:nvGrpSpPr>
+      <p:grpSpPr>
+        <a:xfrm>
+          <a:off x="0" y="0"/>
+          <a:ext cx="0" cy="0"/>
+          <a:chOff x="0" y="0"/>
+          <a:chExt cx="0" cy="0"/>
+        </a:xfrm>
+      </p:grpSpPr>
+      <p:sp>
+        <p:nvSpPr>
+          <p:cNvPr id="2" name="Slide Image Placeholder 1"/>
+          <p:cNvSpPr>
+            <a:spLocks noGrp="1" noRot="1" noChangeAspect="1"/>
+          </p:cNvSpPr>
+          <p:nvPr>
+            <p:ph type="sldImg"/>
+          </p:nvPr>
+        </p:nvSpPr>
+        <p:spPr>
+          <a:xfrm>
+            <a:off x="381000" y="685800"/>
+            <a:ext cx="6096000" cy="3429000"/>
+          </a:xfrm>
+        </p:spPr>
+      </p:sp>
+      <p:sp>
+        <p:nvSpPr>
+          <p:cNvPr id="3" name="Notes Placeholder 2"/>
+          <p:cNvSpPr>
+            <a:spLocks noGrp="1"/>
+          </p:cNvSpPr>
+          <p:nvPr>
+            <p:ph type="body" idx="1"/>
+          </p:nvPr>
+        </p:nvSpPr>
+        <p:spPr/>
+        <p:txBody>
+          <a:bodyPr/>
+          <a:lstStyle/>
+          <a:p>
+            <a:pPr marL="158750" indent="0">
+              <a:buNone/>
+            </a:pPr>
+            <a:r>
+              <a:rPr lang="pt-PT" b="0" dirty="0"/>
+              <a:t>UCTTP enquadra-se na categoria de problemas combinatórios de otimização.</a:t>
+            </a:r>
+          </a:p>
+          <a:p>
+            <a:pPr marL="158750" indent="0">
+              <a:buNone/>
+            </a:pPr>
+            <a:endParaRPr lang="pt-PT" b="0" dirty="0"/>
+          </a:p>
+          <a:p>
+            <a:pPr marL="158750" indent="0">
+              <a:buNone/>
+            </a:pPr>
+            <a:r>
+              <a:rPr lang="pt-PT" dirty="0"/>
+              <a:t>De forma geral, um </a:t>
+            </a:r>
+            <a:r>
+              <a:rPr lang="pt-PT" b="1" dirty="0"/>
+              <a:t>problema de otimização</a:t>
+            </a:r>
+            <a:r>
+              <a:rPr lang="pt-PT" dirty="0"/>
+              <a:t> consiste em encontrar a </a:t>
+            </a:r>
+            <a:r>
+              <a:rPr lang="pt-PT" b="1" dirty="0"/>
+              <a:t>melhor solução possível entre várias alternativas</a:t>
+            </a:r>
+          </a:p>
+          <a:p>
+            <a:pPr marL="158750" indent="0">
+              <a:buNone/>
+            </a:pPr>
+            <a:endParaRPr lang="pt-PT" b="0" dirty="0"/>
+          </a:p>
+          <a:p>
+            <a:pPr marL="158750" indent="0">
+              <a:buNone/>
+            </a:pPr>
+            <a:r>
+              <a:rPr lang="pt-PT" dirty="0"/>
+              <a:t>Mais especificamente, um </a:t>
+            </a:r>
+            <a:r>
+              <a:rPr lang="pt-PT" b="1" dirty="0"/>
+              <a:t>problema combinatório de otimização</a:t>
+            </a:r>
+            <a:r>
+              <a:rPr lang="pt-PT" dirty="0"/>
+              <a:t> envolve a escolha da </a:t>
+            </a:r>
+            <a:r>
+              <a:rPr lang="pt-PT" b="1" dirty="0"/>
+              <a:t>combinação ideal de elementos</a:t>
+            </a:r>
+            <a:r>
+              <a:rPr lang="pt-PT" dirty="0"/>
+              <a:t> dentro de um conjunto finito muito grande.</a:t>
+            </a:r>
+            <a:endParaRPr lang="pt-PT" b="0" dirty="0"/>
+          </a:p>
+        </p:txBody>
+      </p:sp>
+    </p:spTree>
+    <p:extLst>
+      <p:ext uri="{BB962C8B-B14F-4D97-AF65-F5344CB8AC3E}">
+        <p14:creationId xmlns:p14="http://schemas.microsoft.com/office/powerpoint/2010/main" val="1402749252"/>
+      </p:ext>
+    </p:extLst>
+  </p:cSld>
+  <p:clrMapOvr>
+    <a:masterClrMapping/>
+  </p:clrMapOvr>
+</p:notes>
+</file>
+
+<file path=ppt/notesSlides/notesSlide3.xml><?xml version="1.0" encoding="utf-8"?>
+<p:notes xmlns:a="http://schemas.openxmlformats.org/drawingml/2006/main" xmlns:r="http://schemas.openxmlformats.org/officeDocument/2006/relationships" xmlns:p="http://schemas.openxmlformats.org/presentationml/2006/main">
+  <p:cSld>
+    <p:spTree>
+      <p:nvGrpSpPr>
+        <p:cNvPr id="1" name="">
+          <a:extLst>
+            <a:ext uri="{FF2B5EF4-FFF2-40B4-BE49-F238E27FC236}">
+              <a16:creationId xmlns:a16="http://schemas.microsoft.com/office/drawing/2014/main" id="{695330B1-30D8-6057-A19C-276B91DF6FE7}"/>
+            </a:ext>
+          </a:extLst>
+        </p:cNvPr>
+        <p:cNvGrpSpPr/>
+        <p:nvPr/>
+      </p:nvGrpSpPr>
+      <p:grpSpPr>
+        <a:xfrm>
+          <a:off x="0" y="0"/>
+          <a:ext cx="0" cy="0"/>
+          <a:chOff x="0" y="0"/>
+          <a:chExt cx="0" cy="0"/>
+        </a:xfrm>
+      </p:grpSpPr>
+      <p:sp>
+        <p:nvSpPr>
+          <p:cNvPr id="2" name="Slide Image Placeholder 1">
+            <a:extLst>
+              <a:ext uri="{FF2B5EF4-FFF2-40B4-BE49-F238E27FC236}">
+                <a16:creationId xmlns:a16="http://schemas.microsoft.com/office/drawing/2014/main" id="{C8E630B4-0044-B45B-724B-CC1309029355}"/>
+              </a:ext>
+            </a:extLst>
+          </p:cNvPr>
+          <p:cNvSpPr>
+            <a:spLocks noGrp="1" noRot="1" noChangeAspect="1"/>
+          </p:cNvSpPr>
+          <p:nvPr>
+            <p:ph type="sldImg"/>
+          </p:nvPr>
+        </p:nvSpPr>
+        <p:spPr>
+          <a:xfrm>
+            <a:off x="381000" y="685800"/>
+            <a:ext cx="6096000" cy="3429000"/>
+          </a:xfrm>
+        </p:spPr>
+      </p:sp>
+      <p:sp>
+        <p:nvSpPr>
+          <p:cNvPr id="3" name="Notes Placeholder 2">
+            <a:extLst>
+              <a:ext uri="{FF2B5EF4-FFF2-40B4-BE49-F238E27FC236}">
+                <a16:creationId xmlns:a16="http://schemas.microsoft.com/office/drawing/2014/main" id="{1E08B9D6-A076-1A55-BBA6-CF4AE5EE24E1}"/>
+              </a:ext>
+            </a:extLst>
+          </p:cNvPr>
+          <p:cNvSpPr>
+            <a:spLocks noGrp="1"/>
+          </p:cNvSpPr>
+          <p:nvPr>
+            <p:ph type="body" idx="1"/>
+          </p:nvPr>
+        </p:nvSpPr>
+        <p:spPr/>
+        <p:txBody>
+          <a:bodyPr/>
+          <a:lstStyle/>
+          <a:p>
+            <a:pPr marL="158750" indent="0">
+              <a:buNone/>
+            </a:pPr>
+            <a:r>
+              <a:rPr lang="pt-PT" dirty="0"/>
+              <a:t>Incumprimento</a:t>
+            </a:r>
+          </a:p>
+        </p:txBody>
+      </p:sp>
+    </p:spTree>
+    <p:extLst>
+      <p:ext uri="{BB962C8B-B14F-4D97-AF65-F5344CB8AC3E}">
+        <p14:creationId xmlns:p14="http://schemas.microsoft.com/office/powerpoint/2010/main" val="600615069"/>
+      </p:ext>
+    </p:extLst>
+  </p:cSld>
+  <p:clrMapOvr>
+    <a:masterClrMapping/>
+  </p:clrMapOvr>
+</p:notes>
+</file>
+
+<file path=ppt/notesSlides/notesSlide4.xml><?xml version="1.0" encoding="utf-8"?>
+<p:notes xmlns:a="http://schemas.openxmlformats.org/drawingml/2006/main" xmlns:r="http://schemas.openxmlformats.org/officeDocument/2006/relationships" xmlns:p="http://schemas.openxmlformats.org/presentationml/2006/main">
+  <p:cSld>
+    <p:spTree>
+      <p:nvGrpSpPr>
+        <p:cNvPr id="1" name=""/>
+        <p:cNvGrpSpPr/>
+        <p:nvPr/>
+      </p:nvGrpSpPr>
+      <p:grpSpPr>
+        <a:xfrm>
+          <a:off x="0" y="0"/>
+          <a:ext cx="0" cy="0"/>
+          <a:chOff x="0" y="0"/>
+          <a:chExt cx="0" cy="0"/>
+        </a:xfrm>
+      </p:grpSpPr>
+      <p:sp>
+        <p:nvSpPr>
+          <p:cNvPr id="2" name="Slide Image Placeholder 1"/>
+          <p:cNvSpPr>
+            <a:spLocks noGrp="1" noRot="1" noChangeAspect="1"/>
+          </p:cNvSpPr>
+          <p:nvPr>
+            <p:ph type="sldImg"/>
+          </p:nvPr>
+        </p:nvSpPr>
+        <p:spPr>
+          <a:xfrm>
+            <a:off x="381000" y="685800"/>
+            <a:ext cx="6096000" cy="3429000"/>
+          </a:xfrm>
+        </p:spPr>
+      </p:sp>
+      <p:sp>
+        <p:nvSpPr>
+          <p:cNvPr id="3" name="Notes Placeholder 2"/>
+          <p:cNvSpPr>
+            <a:spLocks noGrp="1"/>
+          </p:cNvSpPr>
+          <p:nvPr>
+            <p:ph type="body" idx="1"/>
+          </p:nvPr>
+        </p:nvSpPr>
+        <p:spPr/>
+        <p:txBody>
+          <a:bodyPr/>
+          <a:lstStyle/>
+          <a:p>
+            <a:pPr marL="158750" marR="0" lvl="0" indent="0" algn="l" defTabSz="914400" rtl="0" eaLnBrk="1" fontAlgn="auto" latinLnBrk="0" hangingPunct="1">
+              <a:lnSpc>
+                <a:spcPct val="100000"/>
+              </a:lnSpc>
+              <a:spcBef>
+                <a:spcPts val="0"/>
+              </a:spcBef>
+              <a:spcAft>
+                <a:spcPts val="0"/>
+              </a:spcAft>
+              <a:buClr>
+                <a:srgbClr val="000000"/>
+              </a:buClr>
+              <a:buSzPts val="1100"/>
+              <a:buFont typeface="Arial"/>
+              <a:buNone/>
+              <a:tabLst/>
+              <a:defRPr/>
+            </a:pPr>
+            <a:r>
+              <a:rPr lang="en-US" sz="900" dirty="0">
+                <a:solidFill>
+                  <a:schemeClr val="dk1"/>
+                </a:solidFill>
+                <a:latin typeface="+mj-lt"/>
+                <a:ea typeface="Archivo"/>
+                <a:cs typeface="Archivo"/>
+                <a:sym typeface="Archivo"/>
+              </a:rPr>
+              <a:t>Since 2002</a:t>
+            </a:r>
+          </a:p>
+          <a:p>
+            <a:pPr marL="158750" marR="0" lvl="0" indent="0" algn="l" defTabSz="914400" rtl="0" eaLnBrk="1" fontAlgn="auto" latinLnBrk="0" hangingPunct="1">
+              <a:lnSpc>
+                <a:spcPct val="100000"/>
+              </a:lnSpc>
+              <a:spcBef>
+                <a:spcPts val="0"/>
+              </a:spcBef>
+              <a:spcAft>
+                <a:spcPts val="0"/>
+              </a:spcAft>
+              <a:buClr>
+                <a:srgbClr val="000000"/>
+              </a:buClr>
+              <a:buSzPts val="1100"/>
+              <a:buFont typeface="Arial"/>
+              <a:buNone/>
+              <a:tabLst/>
+              <a:defRPr/>
+            </a:pPr>
+            <a:r>
               <a:rPr lang="en-US" sz="900" b="1" dirty="0">
                 <a:solidFill>
                   <a:schemeClr val="dk1"/>
@@ -9259,6 +9768,108 @@
     <p:extLst>
       <p:ext uri="{BB962C8B-B14F-4D97-AF65-F5344CB8AC3E}">
         <p14:creationId xmlns:p14="http://schemas.microsoft.com/office/powerpoint/2010/main" val="1889414374"/>
+      </p:ext>
+    </p:extLst>
+  </p:cSld>
+  <p:clrMapOvr>
+    <a:masterClrMapping/>
+  </p:clrMapOvr>
+</p:notes>
+</file>
+
+<file path=ppt/notesSlides/notesSlide5.xml><?xml version="1.0" encoding="utf-8"?>
+<p:notes xmlns:a="http://schemas.openxmlformats.org/drawingml/2006/main" xmlns:r="http://schemas.openxmlformats.org/officeDocument/2006/relationships" xmlns:p="http://schemas.openxmlformats.org/presentationml/2006/main">
+  <p:cSld>
+    <p:spTree>
+      <p:nvGrpSpPr>
+        <p:cNvPr id="1" name=""/>
+        <p:cNvGrpSpPr/>
+        <p:nvPr/>
+      </p:nvGrpSpPr>
+      <p:grpSpPr>
+        <a:xfrm>
+          <a:off x="0" y="0"/>
+          <a:ext cx="0" cy="0"/>
+          <a:chOff x="0" y="0"/>
+          <a:chExt cx="0" cy="0"/>
+        </a:xfrm>
+      </p:grpSpPr>
+      <p:sp>
+        <p:nvSpPr>
+          <p:cNvPr id="2" name="Slide Image Placeholder 1"/>
+          <p:cNvSpPr>
+            <a:spLocks noGrp="1" noRot="1" noChangeAspect="1"/>
+          </p:cNvSpPr>
+          <p:nvPr>
+            <p:ph type="sldImg"/>
+          </p:nvPr>
+        </p:nvSpPr>
+        <p:spPr>
+          <a:xfrm>
+            <a:off x="381000" y="685800"/>
+            <a:ext cx="6096000" cy="3429000"/>
+          </a:xfrm>
+        </p:spPr>
+      </p:sp>
+      <p:sp>
+        <p:nvSpPr>
+          <p:cNvPr id="3" name="Notes Placeholder 2"/>
+          <p:cNvSpPr>
+            <a:spLocks noGrp="1"/>
+          </p:cNvSpPr>
+          <p:nvPr>
+            <p:ph type="body" idx="1"/>
+          </p:nvPr>
+        </p:nvSpPr>
+        <p:spPr/>
+        <p:txBody>
+          <a:bodyPr/>
+          <a:lstStyle/>
+          <a:p>
+            <a:pPr marL="158750" indent="0">
+              <a:buNone/>
+            </a:pPr>
+            <a:r>
+              <a:rPr lang="pt-PT" dirty="0" err="1"/>
+              <a:t>Aheuristic</a:t>
+            </a:r>
+            <a:r>
+              <a:rPr lang="pt-PT" dirty="0"/>
+              <a:t> – Não necessita de heurísticas para ser eficaz</a:t>
+            </a:r>
+          </a:p>
+          <a:p>
+            <a:pPr marL="158750" indent="0">
+              <a:buNone/>
+            </a:pPr>
+            <a:r>
+              <a:rPr lang="pt-PT" dirty="0" err="1"/>
+              <a:t>Anytime</a:t>
+            </a:r>
+            <a:r>
+              <a:rPr lang="pt-PT" dirty="0"/>
+              <a:t> </a:t>
+            </a:r>
+          </a:p>
+          <a:p>
+            <a:pPr marL="158750" indent="0">
+              <a:buNone/>
+            </a:pPr>
+            <a:r>
+              <a:rPr lang="pt-PT" dirty="0" err="1"/>
+              <a:t>Asymmetric</a:t>
+            </a:r>
+            <a:r>
+              <a:rPr lang="pt-PT" dirty="0"/>
+              <a:t> - A árvore construída depende da maneira como os nós são selecionados.</a:t>
+            </a:r>
+          </a:p>
+        </p:txBody>
+      </p:sp>
+    </p:spTree>
+    <p:extLst>
+      <p:ext uri="{BB962C8B-B14F-4D97-AF65-F5344CB8AC3E}">
+        <p14:creationId xmlns:p14="http://schemas.microsoft.com/office/powerpoint/2010/main" val="1895527295"/>
       </p:ext>
     </p:extLst>
   </p:cSld>
@@ -9317,37 +9928,89 @@
           <a:bodyPr/>
           <a:lstStyle/>
           <a:p>
-            <a:pPr marL="158750" indent="0">
+            <a:pPr marL="158750" marR="0" lvl="0" indent="0" algn="l" defTabSz="914400" rtl="0" eaLnBrk="1" fontAlgn="auto" latinLnBrk="0" hangingPunct="1">
+              <a:lnSpc>
+                <a:spcPct val="100000"/>
+              </a:lnSpc>
+              <a:spcBef>
+                <a:spcPts val="0"/>
+              </a:spcBef>
+              <a:spcAft>
+                <a:spcPts val="0"/>
+              </a:spcAft>
+              <a:buClr>
+                <a:srgbClr val="000000"/>
+              </a:buClr>
+              <a:buSzPts val="1100"/>
+              <a:buFont typeface="Arial"/>
               <a:buNone/>
+              <a:tabLst/>
+              <a:defRPr/>
             </a:pPr>
             <a:r>
-              <a:rPr lang="pt-PT" dirty="0" err="1"/>
-              <a:t>Aheuristic</a:t>
-            </a:r>
-            <a:r>
-              <a:rPr lang="pt-PT" dirty="0"/>
-              <a:t>, </a:t>
-            </a:r>
-            <a:r>
-              <a:rPr lang="pt-PT" dirty="0" err="1"/>
-              <a:t>Anytime</a:t>
-            </a:r>
-            <a:r>
-              <a:rPr lang="pt-PT" dirty="0"/>
-              <a:t>, </a:t>
-            </a:r>
-          </a:p>
-          <a:p>
-            <a:pPr marL="158750" indent="0">
-              <a:buNone/>
-            </a:pPr>
-            <a:r>
-              <a:rPr lang="pt-PT" dirty="0" err="1"/>
-              <a:t>Asymmetric</a:t>
-            </a:r>
-            <a:r>
-              <a:rPr lang="pt-PT" dirty="0"/>
-              <a:t> - A árvore construída depende da maneira como os nós são selecionados. </a:t>
+              <a:rPr lang="pt-PT" sz="1100" b="0" i="0" u="none" strike="noStrike" cap="none" dirty="0">
+                <a:solidFill>
+                  <a:srgbClr val="000000"/>
+                </a:solidFill>
+                <a:effectLst/>
+                <a:latin typeface="Arial"/>
+                <a:ea typeface="Arial"/>
+                <a:cs typeface="Arial"/>
+                <a:sym typeface="Arial"/>
+              </a:rPr>
+              <a:t>A seleção dos nós é feita usando a fórmula UCT – que equilibra o fator </a:t>
+            </a:r>
+            <a:r>
+              <a:rPr lang="pt-PT" sz="1100" b="0" i="0" u="none" strike="noStrike" cap="none" dirty="0" err="1">
+                <a:solidFill>
+                  <a:srgbClr val="000000"/>
+                </a:solidFill>
+                <a:effectLst/>
+                <a:latin typeface="Arial"/>
+                <a:ea typeface="Arial"/>
+                <a:cs typeface="Arial"/>
+                <a:sym typeface="Arial"/>
+              </a:rPr>
+              <a:t>exploration</a:t>
+            </a:r>
+            <a:r>
+              <a:rPr lang="pt-PT" sz="1100" b="0" i="0" u="none" strike="noStrike" cap="none" dirty="0">
+                <a:solidFill>
+                  <a:srgbClr val="000000"/>
+                </a:solidFill>
+                <a:effectLst/>
+                <a:latin typeface="Arial"/>
+                <a:ea typeface="Arial"/>
+                <a:cs typeface="Arial"/>
+                <a:sym typeface="Arial"/>
+              </a:rPr>
+              <a:t> e </a:t>
+            </a:r>
+            <a:r>
+              <a:rPr lang="pt-PT" sz="1100" b="0" i="0" u="none" strike="noStrike" cap="none" dirty="0" err="1">
+                <a:solidFill>
+                  <a:srgbClr val="000000"/>
+                </a:solidFill>
+                <a:effectLst/>
+                <a:latin typeface="Arial"/>
+                <a:ea typeface="Arial"/>
+                <a:cs typeface="Arial"/>
+                <a:sym typeface="Arial"/>
+              </a:rPr>
+              <a:t>exploitation</a:t>
+            </a:r>
+            <a:r>
+              <a:rPr lang="pt-PT" sz="1100" b="0" i="0" u="none" strike="noStrike" cap="none">
+                <a:solidFill>
+                  <a:srgbClr val="000000"/>
+                </a:solidFill>
+                <a:effectLst/>
+                <a:latin typeface="Arial"/>
+                <a:ea typeface="Arial"/>
+                <a:cs typeface="Arial"/>
+                <a:sym typeface="Arial"/>
+              </a:rPr>
+              <a:t>. </a:t>
             </a:r>
           </a:p>
         </p:txBody>
@@ -9355,7 +10018,7 @@
     </p:spTree>
     <p:extLst>
       <p:ext uri="{BB962C8B-B14F-4D97-AF65-F5344CB8AC3E}">
-        <p14:creationId xmlns:p14="http://schemas.microsoft.com/office/powerpoint/2010/main" val="1895527295"/>
+        <p14:creationId xmlns:p14="http://schemas.microsoft.com/office/powerpoint/2010/main" val="4271176498"/>
       </p:ext>
     </p:extLst>
   </p:cSld>
@@ -9521,8 +10184,60 @@
             </a:pPr>
             <a:r>
               <a:rPr lang="pt-PT" dirty="0"/>
-              <a:t>Uma disciplina dada mais do que uma vez por semana tem de ser espalhada por um mínimo de dias</a:t>
-            </a:r>
+              <a:t>MWD - Uma disciplina dada mais do que uma vez por semana tem de ser espalhada por um mínimo de dias</a:t>
+            </a:r>
+          </a:p>
+          <a:p>
+            <a:pPr marL="158750" indent="0">
+              <a:buNone/>
+            </a:pPr>
+            <a:endParaRPr lang="pt-PT" dirty="0"/>
+          </a:p>
+          <a:p>
+            <a:pPr marL="158750" indent="0">
+              <a:buNone/>
+            </a:pPr>
+            <a:r>
+              <a:rPr lang="pt-PT" dirty="0"/>
+              <a:t>Conflitos de aulas no mesmo período</a:t>
+            </a:r>
+          </a:p>
+          <a:p>
+            <a:pPr marL="158750" indent="0">
+              <a:buNone/>
+            </a:pPr>
+            <a:endParaRPr lang="pt-PT" dirty="0"/>
+          </a:p>
+          <a:p>
+            <a:pPr marL="158750" marR="0" lvl="0" indent="0" algn="l" defTabSz="914400" rtl="0" eaLnBrk="1" fontAlgn="auto" latinLnBrk="0" hangingPunct="1">
+              <a:lnSpc>
+                <a:spcPct val="100000"/>
+              </a:lnSpc>
+              <a:spcBef>
+                <a:spcPts val="0"/>
+              </a:spcBef>
+              <a:spcAft>
+                <a:spcPts val="0"/>
+              </a:spcAft>
+              <a:buClr>
+                <a:srgbClr val="000000"/>
+              </a:buClr>
+              <a:buSzPts val="1100"/>
+              <a:buFont typeface="Arial"/>
+              <a:buNone/>
+              <a:tabLst/>
+              <a:defRPr/>
+            </a:pPr>
+            <a:r>
+              <a:rPr lang="pt-PT" dirty="0"/>
+              <a:t>Conflitos de aulas do mesmo bloco no mesmo período</a:t>
+            </a:r>
+          </a:p>
+          <a:p>
+            <a:pPr marL="158750" indent="0">
+              <a:buNone/>
+            </a:pPr>
+            <a:endParaRPr lang="pt-PT" dirty="0"/>
           </a:p>
         </p:txBody>
       </p:sp>
@@ -9588,12 +10303,44 @@
           <a:bodyPr/>
           <a:lstStyle/>
           <a:p>
-            <a:pPr marL="158750" indent="0">
-              <a:buNone/>
+            <a:pPr marL="457200" indent="-298450">
+              <a:buFontTx/>
+              <a:buChar char="-"/>
             </a:pPr>
             <a:r>
               <a:rPr lang="pt-PT" dirty="0"/>
-              <a:t>Aceitamos restrições hard se não tiver sido encontrada nenhuma solução válida até ao momento. Guardamos um valor global para ver qual a melhor solução hard encontrada.</a:t>
+              <a:t>Calculamos o </a:t>
+            </a:r>
+            <a:r>
+              <a:rPr lang="pt-PT" dirty="0" err="1"/>
+              <a:t>uct</a:t>
+            </a:r>
+            <a:r>
+              <a:rPr lang="pt-PT" dirty="0"/>
+              <a:t> para as hard </a:t>
+            </a:r>
+            <a:r>
+              <a:rPr lang="pt-PT" dirty="0" err="1"/>
+              <a:t>constraints</a:t>
+            </a:r>
+            <a:endParaRPr lang="pt-PT" dirty="0"/>
+          </a:p>
+          <a:p>
+            <a:pPr marL="457200" indent="-298450">
+              <a:buFontTx/>
+              <a:buChar char="-"/>
+            </a:pPr>
+            <a:r>
+              <a:rPr lang="pt-PT" dirty="0"/>
+              <a:t>Entre os que tiveram o maior valor (maximização), calcula-se o </a:t>
+            </a:r>
+            <a:r>
+              <a:rPr lang="pt-PT" dirty="0" err="1"/>
+              <a:t>uct</a:t>
+            </a:r>
+            <a:r>
+              <a:rPr lang="pt-PT" dirty="0"/>
+              <a:t> para as soft</a:t>
             </a:r>
           </a:p>
         </p:txBody>
@@ -9601,7 +10348,7 @@
     </p:spTree>
     <p:extLst>
       <p:ext uri="{BB962C8B-B14F-4D97-AF65-F5344CB8AC3E}">
-        <p14:creationId xmlns:p14="http://schemas.microsoft.com/office/powerpoint/2010/main" val="763268634"/>
+        <p14:creationId xmlns:p14="http://schemas.microsoft.com/office/powerpoint/2010/main" val="342271609"/>
       </p:ext>
     </p:extLst>
   </p:cSld>
@@ -9612,273 +10359,6 @@
 </file>
 
 <file path=ppt/slideLayouts/slideLayout1.xml><?xml version="1.0" encoding="utf-8"?>
-<p:sldLayout xmlns:a="http://schemas.openxmlformats.org/drawingml/2006/main" xmlns:r="http://schemas.openxmlformats.org/officeDocument/2006/relationships" xmlns:p="http://schemas.openxmlformats.org/presentationml/2006/main" matchingName="Main point">
-  <p:cSld name="MAIN_POINT">
-    <p:bg>
-      <p:bgPr>
-        <a:solidFill>
-          <a:schemeClr val="dk2"/>
-        </a:solidFill>
-        <a:effectLst/>
-      </p:bgPr>
-    </p:bg>
-    <p:spTree>
-      <p:nvGrpSpPr>
-        <p:cNvPr id="1" name="Shape 35"/>
-        <p:cNvGrpSpPr/>
-        <p:nvPr/>
-      </p:nvGrpSpPr>
-      <p:grpSpPr>
-        <a:xfrm>
-          <a:off x="0" y="0"/>
-          <a:ext cx="0" cy="0"/>
-          <a:chOff x="0" y="0"/>
-          <a:chExt cx="0" cy="0"/>
-        </a:xfrm>
-      </p:grpSpPr>
-      <p:sp>
-        <p:nvSpPr>
-          <p:cNvPr id="36" name="Google Shape;36;p8"/>
-          <p:cNvSpPr/>
-          <p:nvPr/>
-        </p:nvSpPr>
-        <p:spPr>
-          <a:xfrm>
-            <a:off x="7088800" y="539500"/>
-            <a:ext cx="2055300" cy="4604100"/>
-          </a:xfrm>
-          <a:prstGeom prst="rect">
-            <a:avLst/>
-          </a:prstGeom>
-          <a:solidFill>
-            <a:schemeClr val="lt1"/>
-          </a:solidFill>
-          <a:ln>
-            <a:noFill/>
-          </a:ln>
-        </p:spPr>
-        <p:txBody>
-          <a:bodyPr spcFirstLastPara="1" wrap="square" lIns="91425" tIns="91425" rIns="91425" bIns="91425" anchor="ctr" anchorCtr="0">
-            <a:noAutofit/>
-          </a:bodyPr>
-          <a:lstStyle/>
-          <a:p>
-            <a:pPr marL="0" lvl="0" indent="0" algn="ctr" rtl="0">
-              <a:spcBef>
-                <a:spcPts val="0"/>
-              </a:spcBef>
-              <a:spcAft>
-                <a:spcPts val="0"/>
-              </a:spcAft>
-              <a:buNone/>
-            </a:pPr>
-            <a:endParaRPr>
-              <a:latin typeface="Open Sans"/>
-              <a:ea typeface="Open Sans"/>
-              <a:cs typeface="Open Sans"/>
-              <a:sym typeface="Open Sans"/>
-            </a:endParaRPr>
-          </a:p>
-        </p:txBody>
-      </p:sp>
-      <p:sp>
-        <p:nvSpPr>
-          <p:cNvPr id="37" name="Google Shape;37;p8"/>
-          <p:cNvSpPr txBox="1">
-            <a:spLocks noGrp="1"/>
-          </p:cNvSpPr>
-          <p:nvPr>
-            <p:ph type="title"/>
-          </p:nvPr>
-        </p:nvSpPr>
-        <p:spPr>
-          <a:xfrm>
-            <a:off x="2217300" y="1838150"/>
-            <a:ext cx="6926700" cy="1467300"/>
-          </a:xfrm>
-          <a:prstGeom prst="rect">
-            <a:avLst/>
-          </a:prstGeom>
-          <a:solidFill>
-            <a:schemeClr val="lt2"/>
-          </a:solidFill>
-        </p:spPr>
-        <p:txBody>
-          <a:bodyPr spcFirstLastPara="1" wrap="square" lIns="91425" tIns="91425" rIns="91425" bIns="91425" anchor="ctr" anchorCtr="0">
-            <a:noAutofit/>
-          </a:bodyPr>
-          <a:lstStyle>
-            <a:lvl1pPr lvl="0">
-              <a:lnSpc>
-                <a:spcPct val="80000"/>
-              </a:lnSpc>
-              <a:spcBef>
-                <a:spcPts val="0"/>
-              </a:spcBef>
-              <a:spcAft>
-                <a:spcPts val="0"/>
-              </a:spcAft>
-              <a:buSzPts val="6000"/>
-              <a:buNone/>
-              <a:defRPr sz="6000"/>
-            </a:lvl1pPr>
-            <a:lvl2pPr lvl="1">
-              <a:spcBef>
-                <a:spcPts val="0"/>
-              </a:spcBef>
-              <a:spcAft>
-                <a:spcPts val="0"/>
-              </a:spcAft>
-              <a:buSzPts val="6000"/>
-              <a:buNone/>
-              <a:defRPr sz="6000"/>
-            </a:lvl2pPr>
-            <a:lvl3pPr lvl="2">
-              <a:spcBef>
-                <a:spcPts val="0"/>
-              </a:spcBef>
-              <a:spcAft>
-                <a:spcPts val="0"/>
-              </a:spcAft>
-              <a:buSzPts val="6000"/>
-              <a:buNone/>
-              <a:defRPr sz="6000"/>
-            </a:lvl3pPr>
-            <a:lvl4pPr lvl="3">
-              <a:spcBef>
-                <a:spcPts val="0"/>
-              </a:spcBef>
-              <a:spcAft>
-                <a:spcPts val="0"/>
-              </a:spcAft>
-              <a:buSzPts val="6000"/>
-              <a:buNone/>
-              <a:defRPr sz="6000"/>
-            </a:lvl4pPr>
-            <a:lvl5pPr lvl="4">
-              <a:spcBef>
-                <a:spcPts val="0"/>
-              </a:spcBef>
-              <a:spcAft>
-                <a:spcPts val="0"/>
-              </a:spcAft>
-              <a:buSzPts val="6000"/>
-              <a:buNone/>
-              <a:defRPr sz="6000"/>
-            </a:lvl5pPr>
-            <a:lvl6pPr lvl="5">
-              <a:spcBef>
-                <a:spcPts val="0"/>
-              </a:spcBef>
-              <a:spcAft>
-                <a:spcPts val="0"/>
-              </a:spcAft>
-              <a:buSzPts val="6000"/>
-              <a:buNone/>
-              <a:defRPr sz="6000"/>
-            </a:lvl6pPr>
-            <a:lvl7pPr lvl="6">
-              <a:spcBef>
-                <a:spcPts val="0"/>
-              </a:spcBef>
-              <a:spcAft>
-                <a:spcPts val="0"/>
-              </a:spcAft>
-              <a:buSzPts val="6000"/>
-              <a:buNone/>
-              <a:defRPr sz="6000"/>
-            </a:lvl7pPr>
-            <a:lvl8pPr lvl="7">
-              <a:spcBef>
-                <a:spcPts val="0"/>
-              </a:spcBef>
-              <a:spcAft>
-                <a:spcPts val="0"/>
-              </a:spcAft>
-              <a:buSzPts val="6000"/>
-              <a:buNone/>
-              <a:defRPr sz="6000"/>
-            </a:lvl8pPr>
-            <a:lvl9pPr lvl="8">
-              <a:spcBef>
-                <a:spcPts val="0"/>
-              </a:spcBef>
-              <a:spcAft>
-                <a:spcPts val="0"/>
-              </a:spcAft>
-              <a:buSzPts val="6000"/>
-              <a:buNone/>
-              <a:defRPr sz="6000"/>
-            </a:lvl9pPr>
-          </a:lstStyle>
-          <a:p>
-            <a:endParaRPr/>
-          </a:p>
-        </p:txBody>
-      </p:sp>
-      <p:sp>
-        <p:nvSpPr>
-          <p:cNvPr id="2" name="Footer Placeholder 1">
-            <a:extLst>
-              <a:ext uri="{FF2B5EF4-FFF2-40B4-BE49-F238E27FC236}">
-                <a16:creationId xmlns:a16="http://schemas.microsoft.com/office/drawing/2014/main" id="{D12626D4-8838-24A8-22C0-F53735630364}"/>
-              </a:ext>
-            </a:extLst>
-          </p:cNvPr>
-          <p:cNvSpPr>
-            <a:spLocks noGrp="1"/>
-          </p:cNvSpPr>
-          <p:nvPr>
-            <p:ph type="ftr" sz="quarter" idx="10"/>
-          </p:nvPr>
-        </p:nvSpPr>
-        <p:spPr/>
-        <p:txBody>
-          <a:bodyPr/>
-          <a:lstStyle/>
-          <a:p>
-            <a:endParaRPr lang="pt-PT"/>
-          </a:p>
-        </p:txBody>
-      </p:sp>
-      <p:sp>
-        <p:nvSpPr>
-          <p:cNvPr id="3" name="Slide Number Placeholder 2">
-            <a:extLst>
-              <a:ext uri="{FF2B5EF4-FFF2-40B4-BE49-F238E27FC236}">
-                <a16:creationId xmlns:a16="http://schemas.microsoft.com/office/drawing/2014/main" id="{3081E79F-48B9-DE1D-BCEE-927DCD7C0EED}"/>
-              </a:ext>
-            </a:extLst>
-          </p:cNvPr>
-          <p:cNvSpPr>
-            <a:spLocks noGrp="1"/>
-          </p:cNvSpPr>
-          <p:nvPr>
-            <p:ph type="sldNum" sz="quarter" idx="11"/>
-          </p:nvPr>
-        </p:nvSpPr>
-        <p:spPr/>
-        <p:txBody>
-          <a:bodyPr/>
-          <a:lstStyle/>
-          <a:p>
-            <a:fld id="{8BC8727B-4240-4963-929A-A961B0E9EF8D}" type="slidenum">
-              <a:rPr lang="pt-PT" smtClean="0"/>
-              <a:t>‹#›</a:t>
-            </a:fld>
-            <a:endParaRPr lang="pt-PT"/>
-          </a:p>
-        </p:txBody>
-      </p:sp>
-    </p:spTree>
-  </p:cSld>
-  <p:clrMapOvr>
-    <a:masterClrMapping/>
-  </p:clrMapOvr>
-</p:sldLayout>
-</file>
-
-<file path=ppt/slideLayouts/slideLayout2.xml><?xml version="1.0" encoding="utf-8"?>
 <p:sldLayout xmlns:a="http://schemas.openxmlformats.org/drawingml/2006/main" xmlns:r="http://schemas.openxmlformats.org/officeDocument/2006/relationships" xmlns:p="http://schemas.openxmlformats.org/presentationml/2006/main" matchingName="Section title and description">
   <p:cSld name="SECTION_TITLE_AND_DESCRIPTION">
     <p:bg>
@@ -10298,7 +10778,7 @@
 </p:sldLayout>
 </file>
 
-<file path=ppt/slideLayouts/slideLayout3.xml><?xml version="1.0" encoding="utf-8"?>
+<file path=ppt/slideLayouts/slideLayout2.xml><?xml version="1.0" encoding="utf-8"?>
 <p:sldLayout xmlns:a="http://schemas.openxmlformats.org/drawingml/2006/main" xmlns:r="http://schemas.openxmlformats.org/officeDocument/2006/relationships" xmlns:p="http://schemas.openxmlformats.org/presentationml/2006/main" matchingName="Caption">
   <p:cSld name="CAPTION_ONLY">
     <p:spTree>
@@ -10533,7 +11013,7 @@
 </p:sldLayout>
 </file>
 
-<file path=ppt/slideLayouts/slideLayout4.xml><?xml version="1.0" encoding="utf-8"?>
+<file path=ppt/slideLayouts/slideLayout3.xml><?xml version="1.0" encoding="utf-8"?>
 <p:sldLayout xmlns:a="http://schemas.openxmlformats.org/drawingml/2006/main" xmlns:r="http://schemas.openxmlformats.org/officeDocument/2006/relationships" xmlns:p="http://schemas.openxmlformats.org/presentationml/2006/main" matchingName="Blank" userDrawn="1">
   <p:cSld name="BLANK">
     <p:bg>
@@ -10647,7 +11127,7 @@
 </p:sldLayout>
 </file>
 
-<file path=ppt/slideLayouts/slideLayout5.xml><?xml version="1.0" encoding="utf-8"?>
+<file path=ppt/slideLayouts/slideLayout4.xml><?xml version="1.0" encoding="utf-8"?>
 <p:sldLayout xmlns:a="http://schemas.openxmlformats.org/drawingml/2006/main" xmlns:r="http://schemas.openxmlformats.org/officeDocument/2006/relationships" xmlns:p="http://schemas.openxmlformats.org/presentationml/2006/main" matchingName="Title only 1">
   <p:cSld name="CUSTOM_10">
     <p:spTree>
@@ -10858,7 +11338,7 @@
 </p:sldLayout>
 </file>
 
-<file path=ppt/slideLayouts/slideLayout6.xml><?xml version="1.0" encoding="utf-8"?>
+<file path=ppt/slideLayouts/slideLayout5.xml><?xml version="1.0" encoding="utf-8"?>
 <p:sldLayout xmlns:a="http://schemas.openxmlformats.org/drawingml/2006/main" xmlns:r="http://schemas.openxmlformats.org/officeDocument/2006/relationships" xmlns:p="http://schemas.openxmlformats.org/presentationml/2006/main" matchingName="Background" userDrawn="1">
   <p:cSld name="CUSTOM_9">
     <p:spTree>
@@ -11011,7 +11491,7 @@
 </p:sldLayout>
 </file>
 
-<file path=ppt/slideLayouts/slideLayout7.xml><?xml version="1.0" encoding="utf-8"?>
+<file path=ppt/slideLayouts/slideLayout6.xml><?xml version="1.0" encoding="utf-8"?>
 <p:sldLayout xmlns:a="http://schemas.openxmlformats.org/drawingml/2006/main" xmlns:r="http://schemas.openxmlformats.org/officeDocument/2006/relationships" xmlns:p="http://schemas.openxmlformats.org/presentationml/2006/main" matchingName="Background 1" userDrawn="1">
   <p:cSld name="CUSTOM_9_1">
     <p:bg>
@@ -11800,13 +12280,12 @@
   </p:cSld>
   <p:clrMap bg1="lt1" tx1="dk1" bg2="dk2" tx2="lt2" accent1="accent1" accent2="accent2" accent3="accent3" accent4="accent4" accent5="accent5" accent6="accent6" hlink="hlink" folHlink="folHlink"/>
   <p:sldLayoutIdLst>
-    <p:sldLayoutId id="2147483654" r:id="rId1"/>
-    <p:sldLayoutId id="2147483655" r:id="rId2"/>
-    <p:sldLayoutId id="2147483656" r:id="rId3"/>
-    <p:sldLayoutId id="2147483658" r:id="rId4"/>
-    <p:sldLayoutId id="2147483660" r:id="rId5"/>
-    <p:sldLayoutId id="2147483669" r:id="rId6"/>
-    <p:sldLayoutId id="2147483670" r:id="rId7"/>
+    <p:sldLayoutId id="2147483655" r:id="rId1"/>
+    <p:sldLayoutId id="2147483656" r:id="rId2"/>
+    <p:sldLayoutId id="2147483658" r:id="rId3"/>
+    <p:sldLayoutId id="2147483660" r:id="rId4"/>
+    <p:sldLayoutId id="2147483669" r:id="rId5"/>
+    <p:sldLayoutId id="2147483670" r:id="rId6"/>
   </p:sldLayoutIdLst>
   <p:hf hdr="0" ftr="0" dt="0"/>
   <p:txStyles>
@@ -13407,864 +13886,6 @@
         <p:cNvPr id="1" name="">
           <a:extLst>
             <a:ext uri="{FF2B5EF4-FFF2-40B4-BE49-F238E27FC236}">
-              <a16:creationId xmlns:a16="http://schemas.microsoft.com/office/drawing/2014/main" id="{F1718270-C24F-4836-836F-C60908E1DACE}"/>
-            </a:ext>
-          </a:extLst>
-        </p:cNvPr>
-        <p:cNvGrpSpPr/>
-        <p:nvPr/>
-      </p:nvGrpSpPr>
-      <p:grpSpPr>
-        <a:xfrm>
-          <a:off x="0" y="0"/>
-          <a:ext cx="0" cy="0"/>
-          <a:chOff x="0" y="0"/>
-          <a:chExt cx="0" cy="0"/>
-        </a:xfrm>
-      </p:grpSpPr>
-      <p:sp>
-        <p:nvSpPr>
-          <p:cNvPr id="2" name="Title 1">
-            <a:extLst>
-              <a:ext uri="{FF2B5EF4-FFF2-40B4-BE49-F238E27FC236}">
-                <a16:creationId xmlns:a16="http://schemas.microsoft.com/office/drawing/2014/main" id="{168E3F9D-0B6D-5A2C-0277-9297C502233D}"/>
-              </a:ext>
-            </a:extLst>
-          </p:cNvPr>
-          <p:cNvSpPr>
-            <a:spLocks noGrp="1"/>
-          </p:cNvSpPr>
-          <p:nvPr>
-            <p:ph type="title"/>
-          </p:nvPr>
-        </p:nvSpPr>
-        <p:spPr/>
-        <p:txBody>
-          <a:bodyPr/>
-          <a:lstStyle/>
-          <a:p>
-            <a:r>
-              <a:rPr lang="pt-PT" dirty="0" err="1"/>
-              <a:t>Methodology</a:t>
-            </a:r>
-            <a:r>
-              <a:rPr lang="pt-PT" dirty="0"/>
-              <a:t>: </a:t>
-            </a:r>
-            <a:r>
-              <a:rPr lang="pt-PT" b="0" dirty="0"/>
-              <a:t>Monte-Carlo </a:t>
-            </a:r>
-            <a:r>
-              <a:rPr lang="pt-PT" b="0" dirty="0" err="1"/>
-              <a:t>Tree</a:t>
-            </a:r>
-            <a:r>
-              <a:rPr lang="pt-PT" b="0" dirty="0"/>
-              <a:t> </a:t>
-            </a:r>
-            <a:r>
-              <a:rPr lang="pt-PT" b="0" dirty="0" err="1"/>
-              <a:t>Search</a:t>
-            </a:r>
-            <a:r>
-              <a:rPr lang="pt-PT" b="0" dirty="0"/>
-              <a:t> (MCTS)</a:t>
-            </a:r>
-          </a:p>
-        </p:txBody>
-      </p:sp>
-      <p:sp>
-        <p:nvSpPr>
-          <p:cNvPr id="3" name="Slide Number Placeholder 2">
-            <a:extLst>
-              <a:ext uri="{FF2B5EF4-FFF2-40B4-BE49-F238E27FC236}">
-                <a16:creationId xmlns:a16="http://schemas.microsoft.com/office/drawing/2014/main" id="{2AF91F09-A294-BB58-8095-8D500DC87209}"/>
-              </a:ext>
-            </a:extLst>
-          </p:cNvPr>
-          <p:cNvSpPr>
-            <a:spLocks noGrp="1"/>
-          </p:cNvSpPr>
-          <p:nvPr>
-            <p:ph type="sldNum" sz="quarter" idx="11"/>
-          </p:nvPr>
-        </p:nvSpPr>
-        <p:spPr/>
-        <p:txBody>
-          <a:bodyPr/>
-          <a:lstStyle/>
-          <a:p>
-            <a:fld id="{8BC8727B-4240-4963-929A-A961B0E9EF8D}" type="slidenum">
-              <a:rPr lang="pt-PT" smtClean="0"/>
-              <a:t>10</a:t>
-            </a:fld>
-            <a:endParaRPr lang="pt-PT" dirty="0"/>
-          </a:p>
-        </p:txBody>
-      </p:sp>
-      <p:sp>
-        <p:nvSpPr>
-          <p:cNvPr id="23" name="TextBox 22">
-            <a:extLst>
-              <a:ext uri="{FF2B5EF4-FFF2-40B4-BE49-F238E27FC236}">
-                <a16:creationId xmlns:a16="http://schemas.microsoft.com/office/drawing/2014/main" id="{FE561521-7F5B-755F-7123-393E7B65FBD3}"/>
-              </a:ext>
-            </a:extLst>
-          </p:cNvPr>
-          <p:cNvSpPr txBox="1"/>
-          <p:nvPr/>
-        </p:nvSpPr>
-        <p:spPr>
-          <a:xfrm>
-            <a:off x="720000" y="1395928"/>
-            <a:ext cx="4148354" cy="3370153"/>
-          </a:xfrm>
-          <a:prstGeom prst="rect">
-            <a:avLst/>
-          </a:prstGeom>
-          <a:noFill/>
-        </p:spPr>
-        <p:txBody>
-          <a:bodyPr wrap="square" rtlCol="0">
-            <a:spAutoFit/>
-          </a:bodyPr>
-          <a:lstStyle/>
-          <a:p>
-            <a:pPr>
-              <a:spcBef>
-                <a:spcPts val="600"/>
-              </a:spcBef>
-            </a:pPr>
-            <a:r>
-              <a:rPr lang="en-US" b="1" i="0" dirty="0">
-                <a:solidFill>
-                  <a:schemeClr val="tx1"/>
-                </a:solidFill>
-                <a:effectLst/>
-                <a:latin typeface="Archivo"/>
-              </a:rPr>
-              <a:t>Search space: </a:t>
-            </a:r>
-            <a:r>
-              <a:rPr lang="en-US" b="0" i="1" dirty="0">
-                <a:solidFill>
-                  <a:schemeClr val="tx1"/>
-                </a:solidFill>
-                <a:effectLst/>
-                <a:latin typeface="Archivo"/>
-              </a:rPr>
-              <a:t>S = (E</a:t>
-            </a:r>
-            <a:r>
-              <a:rPr lang="en-US" b="0" i="0" dirty="0">
-                <a:solidFill>
-                  <a:schemeClr val="tx1"/>
-                </a:solidFill>
-                <a:effectLst/>
-                <a:latin typeface="Archivo"/>
-              </a:rPr>
-              <a:t> x </a:t>
-            </a:r>
-            <a:r>
-              <a:rPr lang="en-US" i="1" dirty="0">
-                <a:solidFill>
-                  <a:schemeClr val="tx1"/>
-                </a:solidFill>
-                <a:latin typeface="Archivo"/>
-              </a:rPr>
-              <a:t>P</a:t>
-            </a:r>
-            <a:r>
-              <a:rPr lang="en-US" b="0" i="0" dirty="0">
-                <a:solidFill>
-                  <a:schemeClr val="tx1"/>
-                </a:solidFill>
-                <a:effectLst/>
-                <a:latin typeface="Archivo"/>
-              </a:rPr>
-              <a:t> x </a:t>
-            </a:r>
-            <a:r>
-              <a:rPr lang="en-US" b="0" i="1" dirty="0">
-                <a:solidFill>
-                  <a:schemeClr val="tx1"/>
-                </a:solidFill>
-                <a:effectLst/>
-                <a:latin typeface="Archivo"/>
-              </a:rPr>
-              <a:t>R</a:t>
-            </a:r>
-            <a:r>
-              <a:rPr lang="en-US" b="0" i="0" dirty="0">
-                <a:solidFill>
-                  <a:schemeClr val="tx1"/>
-                </a:solidFill>
-                <a:effectLst/>
-                <a:latin typeface="Archivo"/>
-              </a:rPr>
-              <a:t>)</a:t>
-            </a:r>
-          </a:p>
-          <a:p>
-            <a:pPr marL="284400" lvl="1" indent="-180000">
-              <a:spcBef>
-                <a:spcPts val="600"/>
-              </a:spcBef>
-            </a:pPr>
-            <a:r>
-              <a:rPr lang="pt-PT" dirty="0" err="1">
-                <a:solidFill>
-                  <a:schemeClr val="tx1"/>
-                </a:solidFill>
-                <a:latin typeface="Archivo"/>
-              </a:rPr>
-              <a:t>where</a:t>
-            </a:r>
-            <a:endParaRPr lang="pt-PT" dirty="0">
-              <a:solidFill>
-                <a:schemeClr val="tx1"/>
-              </a:solidFill>
-              <a:latin typeface="Archivo"/>
-            </a:endParaRPr>
-          </a:p>
-          <a:p>
-            <a:pPr marL="284400" lvl="1" indent="-180000">
-              <a:spcBef>
-                <a:spcPts val="600"/>
-              </a:spcBef>
-              <a:buFont typeface="Arial" panose="020B0604020202020204" pitchFamily="34" charset="0"/>
-              <a:buChar char="•"/>
-            </a:pPr>
-            <a:r>
-              <a:rPr lang="pt-PT" b="1" i="1" dirty="0">
-                <a:solidFill>
-                  <a:schemeClr val="tx1"/>
-                </a:solidFill>
-                <a:latin typeface="Archivo"/>
-              </a:rPr>
-              <a:t>E</a:t>
-            </a:r>
-            <a:r>
-              <a:rPr lang="pt-PT" dirty="0">
-                <a:solidFill>
-                  <a:schemeClr val="tx1"/>
-                </a:solidFill>
-                <a:latin typeface="Archivo"/>
-              </a:rPr>
-              <a:t> </a:t>
-            </a:r>
-            <a:r>
-              <a:rPr lang="pt-PT" dirty="0" err="1">
-                <a:solidFill>
-                  <a:schemeClr val="tx1"/>
-                </a:solidFill>
-                <a:latin typeface="Archivo"/>
-              </a:rPr>
-              <a:t>is</a:t>
-            </a:r>
-            <a:r>
-              <a:rPr lang="pt-PT" dirty="0">
-                <a:solidFill>
-                  <a:schemeClr val="tx1"/>
-                </a:solidFill>
-                <a:latin typeface="Archivo"/>
-              </a:rPr>
-              <a:t> </a:t>
-            </a:r>
-            <a:r>
-              <a:rPr lang="pt-PT" dirty="0" err="1">
-                <a:solidFill>
-                  <a:schemeClr val="tx1"/>
-                </a:solidFill>
-                <a:latin typeface="Archivo"/>
-              </a:rPr>
-              <a:t>the</a:t>
-            </a:r>
-            <a:r>
-              <a:rPr lang="pt-PT" dirty="0">
-                <a:solidFill>
-                  <a:schemeClr val="tx1"/>
-                </a:solidFill>
-                <a:latin typeface="Archivo"/>
-              </a:rPr>
-              <a:t> set </a:t>
-            </a:r>
-            <a:r>
-              <a:rPr lang="pt-PT" dirty="0" err="1">
-                <a:solidFill>
-                  <a:schemeClr val="tx1"/>
-                </a:solidFill>
-                <a:latin typeface="Archivo"/>
-              </a:rPr>
-              <a:t>of</a:t>
-            </a:r>
-            <a:r>
-              <a:rPr lang="pt-PT" dirty="0">
-                <a:solidFill>
-                  <a:schemeClr val="tx1"/>
-                </a:solidFill>
-                <a:latin typeface="Archivo"/>
-              </a:rPr>
-              <a:t> </a:t>
-            </a:r>
-            <a:r>
-              <a:rPr lang="pt-PT" dirty="0" err="1">
-                <a:solidFill>
-                  <a:schemeClr val="tx1"/>
-                </a:solidFill>
-                <a:latin typeface="Archivo"/>
-              </a:rPr>
-              <a:t>events</a:t>
-            </a:r>
-            <a:endParaRPr lang="pt-PT" dirty="0">
-              <a:solidFill>
-                <a:schemeClr val="tx1"/>
-              </a:solidFill>
-              <a:latin typeface="Archivo"/>
-            </a:endParaRPr>
-          </a:p>
-          <a:p>
-            <a:pPr marL="284400" lvl="1" indent="-180000">
-              <a:spcBef>
-                <a:spcPts val="600"/>
-              </a:spcBef>
-              <a:buFont typeface="Arial" panose="020B0604020202020204" pitchFamily="34" charset="0"/>
-              <a:buChar char="•"/>
-            </a:pPr>
-            <a:r>
-              <a:rPr lang="pt-PT" b="1" i="1" dirty="0">
-                <a:solidFill>
-                  <a:schemeClr val="tx1"/>
-                </a:solidFill>
-                <a:latin typeface="Archivo"/>
-              </a:rPr>
-              <a:t>P</a:t>
-            </a:r>
-            <a:r>
-              <a:rPr lang="pt-PT" dirty="0">
-                <a:solidFill>
-                  <a:schemeClr val="tx1"/>
-                </a:solidFill>
-                <a:latin typeface="Archivo"/>
-              </a:rPr>
-              <a:t> </a:t>
-            </a:r>
-            <a:r>
-              <a:rPr lang="pt-PT" dirty="0" err="1">
-                <a:solidFill>
-                  <a:schemeClr val="tx1"/>
-                </a:solidFill>
-                <a:latin typeface="Archivo"/>
-              </a:rPr>
-              <a:t>is</a:t>
-            </a:r>
-            <a:r>
-              <a:rPr lang="pt-PT" dirty="0">
-                <a:solidFill>
-                  <a:schemeClr val="tx1"/>
-                </a:solidFill>
-                <a:latin typeface="Archivo"/>
-              </a:rPr>
-              <a:t> </a:t>
-            </a:r>
-            <a:r>
-              <a:rPr lang="pt-PT" dirty="0" err="1">
-                <a:solidFill>
-                  <a:schemeClr val="tx1"/>
-                </a:solidFill>
-                <a:latin typeface="Archivo"/>
-              </a:rPr>
-              <a:t>the</a:t>
-            </a:r>
-            <a:r>
-              <a:rPr lang="pt-PT" dirty="0">
-                <a:solidFill>
-                  <a:schemeClr val="tx1"/>
-                </a:solidFill>
-                <a:latin typeface="Archivo"/>
-              </a:rPr>
-              <a:t> set </a:t>
-            </a:r>
-            <a:r>
-              <a:rPr lang="pt-PT" dirty="0" err="1">
-                <a:solidFill>
-                  <a:schemeClr val="tx1"/>
-                </a:solidFill>
-                <a:latin typeface="Archivo"/>
-              </a:rPr>
-              <a:t>of</a:t>
-            </a:r>
-            <a:r>
-              <a:rPr lang="pt-PT" dirty="0">
-                <a:solidFill>
-                  <a:schemeClr val="tx1"/>
-                </a:solidFill>
-                <a:latin typeface="Archivo"/>
-              </a:rPr>
-              <a:t> </a:t>
-            </a:r>
-            <a:r>
-              <a:rPr lang="pt-PT" dirty="0" err="1">
-                <a:solidFill>
-                  <a:schemeClr val="tx1"/>
-                </a:solidFill>
-                <a:latin typeface="Archivo"/>
-              </a:rPr>
-              <a:t>periods</a:t>
-            </a:r>
-            <a:r>
-              <a:rPr lang="pt-PT" dirty="0">
-                <a:solidFill>
-                  <a:schemeClr val="tx1"/>
-                </a:solidFill>
-                <a:latin typeface="Archivo"/>
-              </a:rPr>
-              <a:t> </a:t>
-            </a:r>
-            <a:r>
-              <a:rPr lang="pt-PT" i="1" dirty="0">
-                <a:solidFill>
-                  <a:schemeClr val="tx1"/>
-                </a:solidFill>
-                <a:latin typeface="Archivo"/>
-              </a:rPr>
-              <a:t>(</a:t>
-            </a:r>
-            <a:r>
-              <a:rPr lang="pt-PT" i="1" dirty="0" err="1">
-                <a:solidFill>
-                  <a:schemeClr val="tx1"/>
-                </a:solidFill>
-                <a:latin typeface="Archivo"/>
-              </a:rPr>
-              <a:t>day,timeslot</a:t>
-            </a:r>
-            <a:r>
-              <a:rPr lang="pt-PT" i="1" dirty="0">
-                <a:solidFill>
-                  <a:schemeClr val="tx1"/>
-                </a:solidFill>
-                <a:latin typeface="Archivo"/>
-              </a:rPr>
-              <a:t>)</a:t>
-            </a:r>
-          </a:p>
-          <a:p>
-            <a:pPr marL="284400" lvl="1" indent="-180000">
-              <a:spcBef>
-                <a:spcPts val="600"/>
-              </a:spcBef>
-              <a:buFont typeface="Arial" panose="020B0604020202020204" pitchFamily="34" charset="0"/>
-              <a:buChar char="•"/>
-            </a:pPr>
-            <a:r>
-              <a:rPr lang="pt-PT" b="1" i="1" dirty="0">
-                <a:solidFill>
-                  <a:schemeClr val="tx1"/>
-                </a:solidFill>
-                <a:latin typeface="Archivo"/>
-              </a:rPr>
-              <a:t>R</a:t>
-            </a:r>
-            <a:r>
-              <a:rPr lang="pt-PT" dirty="0">
-                <a:solidFill>
-                  <a:schemeClr val="tx1"/>
-                </a:solidFill>
-                <a:latin typeface="Archivo"/>
-              </a:rPr>
-              <a:t> </a:t>
-            </a:r>
-            <a:r>
-              <a:rPr lang="pt-PT" dirty="0" err="1">
-                <a:solidFill>
-                  <a:schemeClr val="tx1"/>
-                </a:solidFill>
-                <a:latin typeface="Archivo"/>
-              </a:rPr>
-              <a:t>is</a:t>
-            </a:r>
-            <a:r>
-              <a:rPr lang="pt-PT" dirty="0">
-                <a:solidFill>
-                  <a:schemeClr val="tx1"/>
-                </a:solidFill>
-                <a:latin typeface="Archivo"/>
-              </a:rPr>
-              <a:t> </a:t>
-            </a:r>
-            <a:r>
-              <a:rPr lang="pt-PT" dirty="0" err="1">
-                <a:solidFill>
-                  <a:schemeClr val="tx1"/>
-                </a:solidFill>
-                <a:latin typeface="Archivo"/>
-              </a:rPr>
-              <a:t>the</a:t>
-            </a:r>
-            <a:r>
-              <a:rPr lang="pt-PT" dirty="0">
-                <a:solidFill>
-                  <a:schemeClr val="tx1"/>
-                </a:solidFill>
-                <a:latin typeface="Archivo"/>
-              </a:rPr>
-              <a:t> set </a:t>
-            </a:r>
-            <a:r>
-              <a:rPr lang="pt-PT" dirty="0" err="1">
-                <a:solidFill>
-                  <a:schemeClr val="tx1"/>
-                </a:solidFill>
-                <a:latin typeface="Archivo"/>
-              </a:rPr>
-              <a:t>of</a:t>
-            </a:r>
-            <a:r>
-              <a:rPr lang="pt-PT" dirty="0">
-                <a:solidFill>
-                  <a:schemeClr val="tx1"/>
-                </a:solidFill>
-                <a:latin typeface="Archivo"/>
-              </a:rPr>
-              <a:t> </a:t>
-            </a:r>
-            <a:r>
-              <a:rPr lang="pt-PT" dirty="0" err="1">
-                <a:solidFill>
-                  <a:schemeClr val="tx1"/>
-                </a:solidFill>
-                <a:latin typeface="Archivo"/>
-              </a:rPr>
-              <a:t>rooms</a:t>
-            </a:r>
-            <a:endParaRPr lang="pt-PT" dirty="0">
-              <a:solidFill>
-                <a:schemeClr val="tx1"/>
-              </a:solidFill>
-              <a:latin typeface="Archivo"/>
-            </a:endParaRPr>
-          </a:p>
-          <a:p>
-            <a:pPr marL="284400" lvl="1" indent="-180000"/>
-            <a:endParaRPr lang="en-US" i="0" dirty="0">
-              <a:solidFill>
-                <a:schemeClr val="tx1"/>
-              </a:solidFill>
-              <a:effectLst/>
-              <a:latin typeface="Archivo"/>
-            </a:endParaRPr>
-          </a:p>
-          <a:p>
-            <a:pPr lvl="1" indent="-180000"/>
-            <a:r>
-              <a:rPr lang="en-US" i="0" dirty="0">
-                <a:solidFill>
-                  <a:schemeClr val="tx1"/>
-                </a:solidFill>
-                <a:effectLst/>
-                <a:latin typeface="Archivo"/>
-              </a:rPr>
-              <a:t>A </a:t>
-            </a:r>
-            <a:r>
-              <a:rPr lang="en-US" b="1" i="0" dirty="0">
-                <a:solidFill>
-                  <a:schemeClr val="tx1"/>
-                </a:solidFill>
-                <a:effectLst/>
-                <a:latin typeface="Archivo"/>
-              </a:rPr>
-              <a:t>Node </a:t>
-            </a:r>
-            <a:r>
-              <a:rPr lang="en-US" i="0" dirty="0">
-                <a:solidFill>
-                  <a:schemeClr val="tx1"/>
-                </a:solidFill>
-                <a:effectLst/>
-                <a:latin typeface="Archivo"/>
-              </a:rPr>
-              <a:t>is composed of:</a:t>
-            </a:r>
-          </a:p>
-          <a:p>
-            <a:pPr marL="284400" lvl="1" indent="-180000">
-              <a:spcBef>
-                <a:spcPts val="600"/>
-              </a:spcBef>
-              <a:buFont typeface="Arial" panose="020B0604020202020204" pitchFamily="34" charset="0"/>
-              <a:buChar char="•"/>
-            </a:pPr>
-            <a:r>
-              <a:rPr lang="pt-PT" dirty="0" err="1">
-                <a:solidFill>
-                  <a:schemeClr val="tx1"/>
-                </a:solidFill>
-                <a:latin typeface="Archivo"/>
-              </a:rPr>
-              <a:t>Parent</a:t>
-            </a:r>
-            <a:endParaRPr lang="pt-PT" dirty="0">
-              <a:solidFill>
-                <a:schemeClr val="tx1"/>
-              </a:solidFill>
-              <a:latin typeface="Archivo"/>
-            </a:endParaRPr>
-          </a:p>
-          <a:p>
-            <a:pPr marL="284400" lvl="1" indent="-180000">
-              <a:spcBef>
-                <a:spcPts val="600"/>
-              </a:spcBef>
-              <a:buFont typeface="Arial" panose="020B0604020202020204" pitchFamily="34" charset="0"/>
-              <a:buChar char="•"/>
-            </a:pPr>
-            <a:r>
-              <a:rPr lang="pt-PT" dirty="0" err="1">
-                <a:solidFill>
-                  <a:schemeClr val="tx1"/>
-                </a:solidFill>
-                <a:latin typeface="Archivo"/>
-              </a:rPr>
-              <a:t>Children</a:t>
-            </a:r>
-            <a:endParaRPr lang="pt-PT" dirty="0">
-              <a:solidFill>
-                <a:schemeClr val="tx1"/>
-              </a:solidFill>
-              <a:latin typeface="Archivo"/>
-            </a:endParaRPr>
-          </a:p>
-          <a:p>
-            <a:pPr marL="284400" lvl="1" indent="-180000">
-              <a:spcBef>
-                <a:spcPts val="600"/>
-              </a:spcBef>
-              <a:buFont typeface="Arial" panose="020B0604020202020204" pitchFamily="34" charset="0"/>
-              <a:buChar char="•"/>
-            </a:pPr>
-            <a:r>
-              <a:rPr lang="pt-PT" dirty="0" err="1">
-                <a:solidFill>
-                  <a:schemeClr val="tx1"/>
-                </a:solidFill>
-                <a:latin typeface="Archivo"/>
-              </a:rPr>
-              <a:t>Expansion</a:t>
-            </a:r>
-            <a:r>
-              <a:rPr lang="pt-PT" dirty="0">
-                <a:solidFill>
-                  <a:schemeClr val="tx1"/>
-                </a:solidFill>
-                <a:latin typeface="Archivo"/>
-              </a:rPr>
-              <a:t> </a:t>
-            </a:r>
-            <a:r>
-              <a:rPr lang="pt-PT" dirty="0" err="1">
-                <a:solidFill>
-                  <a:schemeClr val="tx1"/>
-                </a:solidFill>
-                <a:latin typeface="Archivo"/>
-              </a:rPr>
-              <a:t>limit</a:t>
-            </a:r>
-            <a:endParaRPr lang="pt-PT" dirty="0">
-              <a:solidFill>
-                <a:schemeClr val="tx1"/>
-              </a:solidFill>
-              <a:latin typeface="Archivo"/>
-            </a:endParaRPr>
-          </a:p>
-          <a:p>
-            <a:pPr marL="284400" lvl="1" indent="-180000">
-              <a:spcBef>
-                <a:spcPts val="600"/>
-              </a:spcBef>
-              <a:buFont typeface="Arial" panose="020B0604020202020204" pitchFamily="34" charset="0"/>
-              <a:buChar char="•"/>
-            </a:pPr>
-            <a:r>
-              <a:rPr lang="pt-PT" dirty="0" err="1">
-                <a:solidFill>
-                  <a:schemeClr val="tx1"/>
-                </a:solidFill>
-                <a:latin typeface="Archivo"/>
-              </a:rPr>
-              <a:t>Visits</a:t>
-            </a:r>
-            <a:endParaRPr lang="pt-PT" dirty="0">
-              <a:solidFill>
-                <a:schemeClr val="tx1"/>
-              </a:solidFill>
-              <a:latin typeface="Archivo"/>
-            </a:endParaRPr>
-          </a:p>
-          <a:p>
-            <a:pPr marL="284400" lvl="1" indent="-180000">
-              <a:spcBef>
-                <a:spcPts val="600"/>
-              </a:spcBef>
-              <a:buFont typeface="Arial" panose="020B0604020202020204" pitchFamily="34" charset="0"/>
-              <a:buChar char="•"/>
-            </a:pPr>
-            <a:r>
-              <a:rPr lang="pt-PT" dirty="0">
-                <a:solidFill>
-                  <a:schemeClr val="tx1"/>
-                </a:solidFill>
-                <a:latin typeface="Archivo"/>
-              </a:rPr>
-              <a:t>Hard </a:t>
-            </a:r>
-            <a:r>
-              <a:rPr lang="pt-PT" dirty="0" err="1">
-                <a:solidFill>
-                  <a:schemeClr val="tx1"/>
-                </a:solidFill>
-                <a:latin typeface="Archivo"/>
-              </a:rPr>
-              <a:t>and</a:t>
-            </a:r>
-            <a:r>
-              <a:rPr lang="pt-PT" dirty="0">
-                <a:solidFill>
-                  <a:schemeClr val="tx1"/>
-                </a:solidFill>
-                <a:latin typeface="Archivo"/>
-              </a:rPr>
-              <a:t> soft scores</a:t>
-            </a:r>
-          </a:p>
-        </p:txBody>
-      </p:sp>
-      <p:grpSp>
-        <p:nvGrpSpPr>
-          <p:cNvPr id="4" name="Group 3">
-            <a:extLst>
-              <a:ext uri="{FF2B5EF4-FFF2-40B4-BE49-F238E27FC236}">
-                <a16:creationId xmlns:a16="http://schemas.microsoft.com/office/drawing/2014/main" id="{7BBE92F2-4EB3-71F6-4F24-78DB1D421157}"/>
-              </a:ext>
-            </a:extLst>
-          </p:cNvPr>
-          <p:cNvGrpSpPr/>
-          <p:nvPr/>
-        </p:nvGrpSpPr>
-        <p:grpSpPr>
-          <a:xfrm>
-            <a:off x="4040460" y="1395928"/>
-            <a:ext cx="3905340" cy="3122517"/>
-            <a:chOff x="4040460" y="1395928"/>
-            <a:chExt cx="3905340" cy="3122517"/>
-          </a:xfrm>
-        </p:grpSpPr>
-        <p:sp>
-          <p:nvSpPr>
-            <p:cNvPr id="8" name="TextBox 7">
-              <a:extLst>
-                <a:ext uri="{FF2B5EF4-FFF2-40B4-BE49-F238E27FC236}">
-                  <a16:creationId xmlns:a16="http://schemas.microsoft.com/office/drawing/2014/main" id="{B63927AE-713D-C0DA-712B-AC0A8A41BE19}"/>
-                </a:ext>
-              </a:extLst>
-            </p:cNvPr>
-            <p:cNvSpPr txBox="1"/>
-            <p:nvPr/>
-          </p:nvSpPr>
-          <p:spPr>
-            <a:xfrm>
-              <a:off x="5475876" y="4287613"/>
-              <a:ext cx="1034508" cy="230832"/>
-            </a:xfrm>
-            <a:prstGeom prst="rect">
-              <a:avLst/>
-            </a:prstGeom>
-            <a:noFill/>
-          </p:spPr>
-          <p:txBody>
-            <a:bodyPr wrap="square" rtlCol="0">
-              <a:spAutoFit/>
-            </a:bodyPr>
-            <a:lstStyle/>
-            <a:p>
-              <a:r>
-                <a:rPr lang="pt-PT" sz="900" b="1" dirty="0">
-                  <a:latin typeface="Archivo"/>
-                </a:rPr>
-                <a:t>Fig. 4 –</a:t>
-              </a:r>
-              <a:r>
-                <a:rPr lang="pt-PT" sz="900" dirty="0">
-                  <a:latin typeface="Archivo"/>
-                </a:rPr>
-                <a:t> MCTS </a:t>
-              </a:r>
-              <a:r>
-                <a:rPr lang="pt-PT" sz="900" dirty="0" err="1">
-                  <a:latin typeface="Archivo"/>
-                </a:rPr>
-                <a:t>tree</a:t>
-              </a:r>
-              <a:endParaRPr lang="pt-PT" sz="900" i="1" dirty="0">
-                <a:latin typeface="Archivo"/>
-              </a:endParaRPr>
-            </a:p>
-          </p:txBody>
-        </p:sp>
-        <p:pic>
-          <p:nvPicPr>
-            <p:cNvPr id="33" name="Picture 32" descr="A diagram of a tree&#10;&#10;AI-generated content may be incorrect.">
-              <a:extLst>
-                <a:ext uri="{FF2B5EF4-FFF2-40B4-BE49-F238E27FC236}">
-                  <a16:creationId xmlns:a16="http://schemas.microsoft.com/office/drawing/2014/main" id="{C536A9A6-6C2F-33CE-D81F-225A57C9725F}"/>
-                </a:ext>
-              </a:extLst>
-            </p:cNvPr>
-            <p:cNvPicPr>
-              <a:picLocks noChangeAspect="1"/>
-            </p:cNvPicPr>
-            <p:nvPr/>
-          </p:nvPicPr>
-          <p:blipFill>
-            <a:blip r:embed="rId2"/>
-            <a:stretch>
-              <a:fillRect/>
-            </a:stretch>
-          </p:blipFill>
-          <p:spPr>
-            <a:xfrm>
-              <a:off x="4040460" y="1395928"/>
-              <a:ext cx="3905340" cy="2826639"/>
-            </a:xfrm>
-            <a:prstGeom prst="rect">
-              <a:avLst/>
-            </a:prstGeom>
-          </p:spPr>
-        </p:pic>
-      </p:grpSp>
-    </p:spTree>
-    <p:extLst>
-      <p:ext uri="{BB962C8B-B14F-4D97-AF65-F5344CB8AC3E}">
-        <p14:creationId xmlns:p14="http://schemas.microsoft.com/office/powerpoint/2010/main" val="2535000039"/>
-      </p:ext>
-    </p:extLst>
-  </p:cSld>
-  <p:clrMapOvr>
-    <a:masterClrMapping/>
-  </p:clrMapOvr>
-</p:sld>
-</file>
-
-<file path=ppt/slides/slide11.xml><?xml version="1.0" encoding="utf-8"?>
-<p:sld xmlns:a="http://schemas.openxmlformats.org/drawingml/2006/main" xmlns:r="http://schemas.openxmlformats.org/officeDocument/2006/relationships" xmlns:p="http://schemas.openxmlformats.org/presentationml/2006/main">
-  <p:cSld>
-    <p:spTree>
-      <p:nvGrpSpPr>
-        <p:cNvPr id="1" name="">
-          <a:extLst>
-            <a:ext uri="{FF2B5EF4-FFF2-40B4-BE49-F238E27FC236}">
               <a16:creationId xmlns:a16="http://schemas.microsoft.com/office/drawing/2014/main" id="{A6179139-DCEF-22FB-B68C-47F7FF2DE488}"/>
             </a:ext>
           </a:extLst>
@@ -14311,24 +13932,13 @@
             </a:r>
             <a:r>
               <a:rPr lang="pt-PT" b="0" dirty="0"/>
-              <a:t>Monte-Carlo </a:t>
+              <a:t>MCTS - </a:t>
             </a:r>
             <a:r>
               <a:rPr lang="pt-PT" b="0" dirty="0" err="1"/>
-              <a:t>Tree</a:t>
-            </a:r>
-            <a:r>
-              <a:rPr lang="pt-PT" b="0" dirty="0"/>
-              <a:t> </a:t>
-            </a:r>
-            <a:r>
-              <a:rPr lang="pt-PT" b="0" dirty="0" err="1"/>
-              <a:t>Search</a:t>
-            </a:r>
-            <a:r>
-              <a:rPr lang="pt-PT" b="0" dirty="0"/>
-              <a:t> (MCTS)</a:t>
-            </a:r>
+              <a:t>Selection</a:t>
+            </a:r>
+            <a:endParaRPr lang="pt-PT" b="0" dirty="0"/>
           </a:p>
         </p:txBody>
       </p:sp>
@@ -14355,7 +13965,7 @@
           <a:p>
             <a:fld id="{8BC8727B-4240-4963-929A-A961B0E9EF8D}" type="slidenum">
               <a:rPr lang="pt-PT" smtClean="0"/>
-              <a:t>11</a:t>
+              <a:t>10</a:t>
             </a:fld>
             <a:endParaRPr lang="pt-PT"/>
           </a:p>
@@ -14376,7 +13986,7 @@
           <p:nvPr/>
         </p:nvPicPr>
         <p:blipFill>
-          <a:blip r:embed="rId2"/>
+          <a:blip r:embed="rId3"/>
           <a:srcRect r="50569" b="59003"/>
           <a:stretch/>
         </p:blipFill>
@@ -14469,7 +14079,7 @@
           <p:nvPr/>
         </p:nvPicPr>
         <p:blipFill>
-          <a:blip r:embed="rId3"/>
+          <a:blip r:embed="rId4"/>
           <a:stretch>
             <a:fillRect/>
           </a:stretch>
@@ -14499,7 +14109,7 @@
           <p:nvPr/>
         </p:nvPicPr>
         <p:blipFill>
-          <a:blip r:embed="rId4"/>
+          <a:blip r:embed="rId5"/>
           <a:stretch>
             <a:fillRect/>
           </a:stretch>
@@ -14535,7 +14145,7 @@
 </p:sld>
 </file>
 
-<file path=ppt/slides/slide12.xml><?xml version="1.0" encoding="utf-8"?>
+<file path=ppt/slides/slide11.xml><?xml version="1.0" encoding="utf-8"?>
 <p:sld xmlns:a="http://schemas.openxmlformats.org/drawingml/2006/main" xmlns:r="http://schemas.openxmlformats.org/officeDocument/2006/relationships" xmlns:p="http://schemas.openxmlformats.org/presentationml/2006/main">
   <p:cSld>
     <p:spTree>
@@ -14619,24 +14229,13 @@
             </a:r>
             <a:r>
               <a:rPr lang="pt-PT" b="0" dirty="0"/>
-              <a:t>Monte-Carlo </a:t>
+              <a:t>MCTS - </a:t>
             </a:r>
             <a:r>
               <a:rPr lang="pt-PT" b="0" dirty="0" err="1"/>
-              <a:t>Tree</a:t>
-            </a:r>
-            <a:r>
-              <a:rPr lang="pt-PT" b="0" dirty="0"/>
-              <a:t> </a:t>
-            </a:r>
-            <a:r>
-              <a:rPr lang="pt-PT" b="0" dirty="0" err="1"/>
-              <a:t>Search</a:t>
-            </a:r>
-            <a:r>
-              <a:rPr lang="pt-PT" b="0" dirty="0"/>
-              <a:t> (MCTS)</a:t>
-            </a:r>
+              <a:t>Expansion</a:t>
+            </a:r>
+            <a:endParaRPr lang="pt-PT" b="0" dirty="0"/>
           </a:p>
         </p:txBody>
       </p:sp>
@@ -14663,7 +14262,7 @@
           <a:p>
             <a:fld id="{8BC8727B-4240-4963-929A-A961B0E9EF8D}" type="slidenum">
               <a:rPr lang="pt-PT" smtClean="0"/>
-              <a:t>12</a:t>
+              <a:t>11</a:t>
             </a:fld>
             <a:endParaRPr lang="pt-PT"/>
           </a:p>
@@ -14849,7 +14448,7 @@
 </p:sld>
 </file>
 
-<file path=ppt/slides/slide13.xml><?xml version="1.0" encoding="utf-8"?>
+<file path=ppt/slides/slide12.xml><?xml version="1.0" encoding="utf-8"?>
 <p:sld xmlns:a="http://schemas.openxmlformats.org/drawingml/2006/main" xmlns:r="http://schemas.openxmlformats.org/officeDocument/2006/relationships" xmlns:p="http://schemas.openxmlformats.org/presentationml/2006/main">
   <p:cSld>
     <p:spTree>
@@ -14903,24 +14502,13 @@
             </a:r>
             <a:r>
               <a:rPr lang="pt-PT" b="0" dirty="0"/>
-              <a:t>Monte-Carlo </a:t>
+              <a:t>MCTS - </a:t>
             </a:r>
             <a:r>
               <a:rPr lang="pt-PT" b="0" dirty="0" err="1"/>
-              <a:t>Tree</a:t>
-            </a:r>
-            <a:r>
-              <a:rPr lang="pt-PT" b="0" dirty="0"/>
-              <a:t> </a:t>
-            </a:r>
-            <a:r>
-              <a:rPr lang="pt-PT" b="0" dirty="0" err="1"/>
-              <a:t>Search</a:t>
-            </a:r>
-            <a:r>
-              <a:rPr lang="pt-PT" b="0" dirty="0"/>
-              <a:t> (MCTS)</a:t>
-            </a:r>
+              <a:t>Simulation</a:t>
+            </a:r>
+            <a:endParaRPr lang="pt-PT" b="0" dirty="0"/>
           </a:p>
         </p:txBody>
       </p:sp>
@@ -14947,7 +14535,7 @@
           <a:p>
             <a:fld id="{8BC8727B-4240-4963-929A-A961B0E9EF8D}" type="slidenum">
               <a:rPr lang="pt-PT" smtClean="0"/>
-              <a:t>13</a:t>
+              <a:t>12</a:t>
             </a:fld>
             <a:endParaRPr lang="pt-PT"/>
           </a:p>
@@ -15089,7 +14677,7 @@
 </p:sld>
 </file>
 
-<file path=ppt/slides/slide14.xml><?xml version="1.0" encoding="utf-8"?>
+<file path=ppt/slides/slide13.xml><?xml version="1.0" encoding="utf-8"?>
 <p:sld xmlns:a="http://schemas.openxmlformats.org/drawingml/2006/main" xmlns:r="http://schemas.openxmlformats.org/officeDocument/2006/relationships" xmlns:p="http://schemas.openxmlformats.org/presentationml/2006/main">
   <p:cSld>
     <p:spTree>
@@ -15204,24 +14792,13 @@
             </a:r>
             <a:r>
               <a:rPr lang="pt-PT" b="0" dirty="0"/>
-              <a:t>Monte-Carlo </a:t>
+              <a:t>MCTS - </a:t>
             </a:r>
             <a:r>
               <a:rPr lang="pt-PT" b="0" dirty="0" err="1"/>
-              <a:t>Tree</a:t>
-            </a:r>
-            <a:r>
-              <a:rPr lang="pt-PT" b="0" dirty="0"/>
-              <a:t> </a:t>
-            </a:r>
-            <a:r>
-              <a:rPr lang="pt-PT" b="0" dirty="0" err="1"/>
-              <a:t>Search</a:t>
-            </a:r>
-            <a:r>
-              <a:rPr lang="pt-PT" b="0" dirty="0"/>
-              <a:t> (MCTS)</a:t>
-            </a:r>
+              <a:t>Backpropagation</a:t>
+            </a:r>
+            <a:endParaRPr lang="pt-PT" b="0" dirty="0"/>
           </a:p>
         </p:txBody>
       </p:sp>
@@ -15248,7 +14825,7 @@
           <a:p>
             <a:fld id="{8BC8727B-4240-4963-929A-A961B0E9EF8D}" type="slidenum">
               <a:rPr lang="pt-PT" smtClean="0"/>
-              <a:t>14</a:t>
+              <a:t>13</a:t>
             </a:fld>
             <a:endParaRPr lang="pt-PT"/>
           </a:p>
@@ -15331,7 +14908,7 @@
 </p:sld>
 </file>
 
-<file path=ppt/slides/slide15.xml><?xml version="1.0" encoding="utf-8"?>
+<file path=ppt/slides/slide14.xml><?xml version="1.0" encoding="utf-8"?>
 <p:sld xmlns:a="http://schemas.openxmlformats.org/drawingml/2006/main" xmlns:r="http://schemas.openxmlformats.org/officeDocument/2006/relationships" xmlns:p="http://schemas.openxmlformats.org/presentationml/2006/main">
   <p:cSld>
     <p:spTree>
@@ -15421,7 +14998,7 @@
           <a:p>
             <a:fld id="{8BC8727B-4240-4963-929A-A961B0E9EF8D}" type="slidenum">
               <a:rPr lang="pt-PT" smtClean="0"/>
-              <a:t>15</a:t>
+              <a:t>14</a:t>
             </a:fld>
             <a:endParaRPr lang="pt-PT"/>
           </a:p>
@@ -15684,7 +15261,7 @@
 </p:sld>
 </file>
 
-<file path=ppt/slides/slide16.xml><?xml version="1.0" encoding="utf-8"?>
+<file path=ppt/slides/slide15.xml><?xml version="1.0" encoding="utf-8"?>
 <p:sld xmlns:a="http://schemas.openxmlformats.org/drawingml/2006/main" xmlns:r="http://schemas.openxmlformats.org/officeDocument/2006/relationships" xmlns:p="http://schemas.openxmlformats.org/presentationml/2006/main">
   <p:cSld>
     <p:spTree>
@@ -15767,7 +15344,7 @@
           <a:p>
             <a:fld id="{8BC8727B-4240-4963-929A-A961B0E9EF8D}" type="slidenum">
               <a:rPr lang="pt-PT" smtClean="0"/>
-              <a:t>16</a:t>
+              <a:t>15</a:t>
             </a:fld>
             <a:endParaRPr lang="pt-PT"/>
           </a:p>
@@ -15847,7 +15424,7 @@
 </p:sld>
 </file>
 
-<file path=ppt/slides/slide17.xml><?xml version="1.0" encoding="utf-8"?>
+<file path=ppt/slides/slide16.xml><?xml version="1.0" encoding="utf-8"?>
 <p:sld xmlns:a="http://schemas.openxmlformats.org/drawingml/2006/main" xmlns:r="http://schemas.openxmlformats.org/officeDocument/2006/relationships" xmlns:p="http://schemas.openxmlformats.org/presentationml/2006/main">
   <p:cSld>
     <p:spTree>
@@ -15925,7 +15502,7 @@
           <a:p>
             <a:fld id="{8BC8727B-4240-4963-929A-A961B0E9EF8D}" type="slidenum">
               <a:rPr lang="pt-PT" smtClean="0"/>
-              <a:t>17</a:t>
+              <a:t>16</a:t>
             </a:fld>
             <a:endParaRPr lang="pt-PT" dirty="0"/>
           </a:p>
@@ -27538,7 +27115,7 @@
 </p:sld>
 </file>
 
-<file path=ppt/slides/slide18.xml><?xml version="1.0" encoding="utf-8"?>
+<file path=ppt/slides/slide17.xml><?xml version="1.0" encoding="utf-8"?>
 <p:sld xmlns:a="http://schemas.openxmlformats.org/drawingml/2006/main" xmlns:r="http://schemas.openxmlformats.org/officeDocument/2006/relationships" xmlns:p="http://schemas.openxmlformats.org/presentationml/2006/main">
   <p:cSld>
     <p:spTree>
@@ -27616,7 +27193,7 @@
           <a:p>
             <a:fld id="{8BC8727B-4240-4963-929A-A961B0E9EF8D}" type="slidenum">
               <a:rPr lang="pt-PT" smtClean="0"/>
-              <a:t>18</a:t>
+              <a:t>17</a:t>
             </a:fld>
             <a:endParaRPr lang="pt-PT" dirty="0"/>
           </a:p>
@@ -27868,7 +27445,7 @@
 </p:sld>
 </file>
 
-<file path=ppt/slides/slide19.xml><?xml version="1.0" encoding="utf-8"?>
+<file path=ppt/slides/slide18.xml><?xml version="1.0" encoding="utf-8"?>
 <p:sld xmlns:a="http://schemas.openxmlformats.org/drawingml/2006/main" xmlns:r="http://schemas.openxmlformats.org/officeDocument/2006/relationships" xmlns:p="http://schemas.openxmlformats.org/presentationml/2006/main">
   <p:cSld>
     <p:spTree>
@@ -27943,7 +27520,7 @@
           <a:p>
             <a:fld id="{8BC8727B-4240-4963-929A-A961B0E9EF8D}" type="slidenum">
               <a:rPr lang="pt-PT" smtClean="0"/>
-              <a:t>19</a:t>
+              <a:t>18</a:t>
             </a:fld>
             <a:endParaRPr lang="pt-PT" dirty="0"/>
           </a:p>
@@ -27964,7 +27541,7 @@
         <p:spPr>
           <a:xfrm>
             <a:off x="658090" y="1414441"/>
-            <a:ext cx="7516091" cy="2462213"/>
+            <a:ext cx="7516091" cy="1169551"/>
           </a:xfrm>
           <a:prstGeom prst="rect">
             <a:avLst/>
@@ -27985,57 +27562,6 @@
               <a:rPr lang="en-US" dirty="0">
                 <a:latin typeface="Archivo"/>
               </a:rPr>
-              <a:t>Python vs </a:t>
-            </a:r>
-            <a:r>
-              <a:rPr lang="en-US" dirty="0" err="1">
-                <a:latin typeface="Archivo"/>
-              </a:rPr>
-              <a:t>PyPy</a:t>
-            </a:r>
-            <a:r>
-              <a:rPr lang="en-US" dirty="0">
-                <a:latin typeface="Archivo"/>
-              </a:rPr>
-              <a:t> Performance Evaluation </a:t>
-            </a:r>
-            <a:r>
-              <a:rPr lang="pt-PT" dirty="0">
-                <a:latin typeface="Archivo"/>
-              </a:rPr>
-              <a:t>→ </a:t>
-            </a:r>
-            <a:r>
-              <a:rPr lang="en-US" b="1" dirty="0" err="1">
-                <a:latin typeface="Archivo"/>
-              </a:rPr>
-              <a:t>PyPy</a:t>
-            </a:r>
-            <a:r>
-              <a:rPr lang="en-US" b="1" dirty="0">
-                <a:latin typeface="Archivo"/>
-              </a:rPr>
-              <a:t> called over 3x more functions</a:t>
-            </a:r>
-          </a:p>
-          <a:p>
-            <a:pPr marL="171450" indent="-171450">
-              <a:buFont typeface="Arial" panose="020B0604020202020204" pitchFamily="34" charset="0"/>
-              <a:buChar char="•"/>
-            </a:pPr>
-            <a:endParaRPr lang="en-US" dirty="0">
-              <a:latin typeface="Archivo"/>
-            </a:endParaRPr>
-          </a:p>
-          <a:p>
-            <a:pPr marL="171450" indent="-171450">
-              <a:buFont typeface="Arial" panose="020B0604020202020204" pitchFamily="34" charset="0"/>
-              <a:buChar char="•"/>
-            </a:pPr>
-            <a:r>
-              <a:rPr lang="en-US" dirty="0">
-                <a:latin typeface="Archivo"/>
-              </a:rPr>
               <a:t>All tests have consistently produced </a:t>
             </a:r>
             <a:r>
@@ -28077,48 +27603,6 @@
               </a:rPr>
               <a:t>, indicating a weaker-than-expected influence on node selection.</a:t>
             </a:r>
-          </a:p>
-          <a:p>
-            <a:pPr marL="171450" indent="-171450">
-              <a:buFont typeface="Arial" panose="020B0604020202020204" pitchFamily="34" charset="0"/>
-              <a:buChar char="•"/>
-            </a:pPr>
-            <a:endParaRPr lang="en-US" dirty="0">
-              <a:latin typeface="Archivo"/>
-            </a:endParaRPr>
-          </a:p>
-          <a:p>
-            <a:pPr marL="171450" indent="-171450">
-              <a:buFont typeface="Arial" panose="020B0604020202020204" pitchFamily="34" charset="0"/>
-              <a:buChar char="•"/>
-            </a:pPr>
-            <a:r>
-              <a:rPr lang="en-US" dirty="0">
-                <a:latin typeface="Archivo"/>
-              </a:rPr>
-              <a:t>Purely </a:t>
-            </a:r>
-            <a:r>
-              <a:rPr lang="en-US" b="1" dirty="0">
-                <a:latin typeface="Archivo"/>
-              </a:rPr>
-              <a:t>random simulations failed to produce feasible solutions</a:t>
-            </a:r>
-            <a:r>
-              <a:rPr lang="en-US" dirty="0">
-                <a:latin typeface="Archivo"/>
-              </a:rPr>
-              <a:t>, emphasizing the necessity of guided search and domain knowledge to navigate the complex solution space effectively.</a:t>
-            </a:r>
-          </a:p>
-          <a:p>
-            <a:pPr marL="171450" indent="-171450">
-              <a:buFont typeface="Arial" panose="020B0604020202020204" pitchFamily="34" charset="0"/>
-              <a:buChar char="•"/>
-            </a:pPr>
-            <a:endParaRPr lang="pt-PT" dirty="0">
-              <a:latin typeface="Archivo"/>
-            </a:endParaRPr>
           </a:p>
         </p:txBody>
       </p:sp>
@@ -28135,576 +27619,7 @@
 </p:sld>
 </file>
 
-<file path=ppt/slides/slide2.xml><?xml version="1.0" encoding="utf-8"?>
-<p:sld xmlns:a="http://schemas.openxmlformats.org/drawingml/2006/main" xmlns:r="http://schemas.openxmlformats.org/officeDocument/2006/relationships" xmlns:p="http://schemas.openxmlformats.org/presentationml/2006/main">
-  <p:cSld>
-    <p:spTree>
-      <p:nvGrpSpPr>
-        <p:cNvPr id="1" name="">
-          <a:extLst>
-            <a:ext uri="{FF2B5EF4-FFF2-40B4-BE49-F238E27FC236}">
-              <a16:creationId xmlns:a16="http://schemas.microsoft.com/office/drawing/2014/main" id="{991FA48D-8653-17E4-3CB0-7E28A1E0CBDC}"/>
-            </a:ext>
-          </a:extLst>
-        </p:cNvPr>
-        <p:cNvGrpSpPr/>
-        <p:nvPr/>
-      </p:nvGrpSpPr>
-      <p:grpSpPr>
-        <a:xfrm>
-          <a:off x="0" y="0"/>
-          <a:ext cx="0" cy="0"/>
-          <a:chOff x="0" y="0"/>
-          <a:chExt cx="0" cy="0"/>
-        </a:xfrm>
-      </p:grpSpPr>
-      <p:sp>
-        <p:nvSpPr>
-          <p:cNvPr id="2" name="Title 1">
-            <a:extLst>
-              <a:ext uri="{FF2B5EF4-FFF2-40B4-BE49-F238E27FC236}">
-                <a16:creationId xmlns:a16="http://schemas.microsoft.com/office/drawing/2014/main" id="{F7ECE38F-7868-2006-37D3-986B9B3104F6}"/>
-              </a:ext>
-            </a:extLst>
-          </p:cNvPr>
-          <p:cNvSpPr>
-            <a:spLocks noGrp="1"/>
-          </p:cNvSpPr>
-          <p:nvPr>
-            <p:ph type="title"/>
-          </p:nvPr>
-        </p:nvSpPr>
-        <p:spPr/>
-        <p:txBody>
-          <a:bodyPr/>
-          <a:lstStyle/>
-          <a:p>
-            <a:r>
-              <a:rPr lang="pt-PT" dirty="0"/>
-              <a:t>Index</a:t>
-            </a:r>
-            <a:endParaRPr lang="pt-PT" b="0" dirty="0"/>
-          </a:p>
-        </p:txBody>
-      </p:sp>
-      <p:sp>
-        <p:nvSpPr>
-          <p:cNvPr id="4" name="Slide Number Placeholder 3">
-            <a:extLst>
-              <a:ext uri="{FF2B5EF4-FFF2-40B4-BE49-F238E27FC236}">
-                <a16:creationId xmlns:a16="http://schemas.microsoft.com/office/drawing/2014/main" id="{255ED939-5BF8-2E96-202F-35494C30FD41}"/>
-              </a:ext>
-            </a:extLst>
-          </p:cNvPr>
-          <p:cNvSpPr>
-            <a:spLocks noGrp="1"/>
-          </p:cNvSpPr>
-          <p:nvPr>
-            <p:ph type="sldNum" sz="quarter" idx="11"/>
-          </p:nvPr>
-        </p:nvSpPr>
-        <p:spPr/>
-        <p:txBody>
-          <a:bodyPr/>
-          <a:lstStyle/>
-          <a:p>
-            <a:fld id="{8BC8727B-4240-4963-929A-A961B0E9EF8D}" type="slidenum">
-              <a:rPr lang="pt-PT" smtClean="0"/>
-              <a:t>2</a:t>
-            </a:fld>
-            <a:endParaRPr lang="pt-PT"/>
-          </a:p>
-        </p:txBody>
-      </p:sp>
-      <p:sp>
-        <p:nvSpPr>
-          <p:cNvPr id="3" name="TextBox 2">
-            <a:extLst>
-              <a:ext uri="{FF2B5EF4-FFF2-40B4-BE49-F238E27FC236}">
-                <a16:creationId xmlns:a16="http://schemas.microsoft.com/office/drawing/2014/main" id="{74DA0C20-ACC1-69FF-304F-AB58D5A55F31}"/>
-              </a:ext>
-            </a:extLst>
-          </p:cNvPr>
-          <p:cNvSpPr txBox="1"/>
-          <p:nvPr/>
-        </p:nvSpPr>
-        <p:spPr>
-          <a:xfrm>
-            <a:off x="628650" y="1206020"/>
-            <a:ext cx="5048250" cy="4201150"/>
-          </a:xfrm>
-          <a:prstGeom prst="rect">
-            <a:avLst/>
-          </a:prstGeom>
-          <a:noFill/>
-        </p:spPr>
-        <p:txBody>
-          <a:bodyPr wrap="square">
-            <a:spAutoFit/>
-          </a:bodyPr>
-          <a:lstStyle/>
-          <a:p>
-            <a:pPr marL="333000" lvl="2" indent="-228600">
-              <a:spcBef>
-                <a:spcPts val="600"/>
-              </a:spcBef>
-              <a:buFont typeface="+mj-lt"/>
-              <a:buAutoNum type="arabicPeriod"/>
-            </a:pPr>
-            <a:r>
-              <a:rPr lang="pt-PT" sz="1200" b="1" dirty="0" err="1">
-                <a:latin typeface="Archivo"/>
-              </a:rPr>
-              <a:t>Introduction</a:t>
-            </a:r>
-            <a:endParaRPr lang="pt-PT" sz="1200" b="1" dirty="0">
-              <a:latin typeface="Archivo"/>
-            </a:endParaRPr>
-          </a:p>
-          <a:p>
-            <a:pPr marL="333000" lvl="2" indent="-228600">
-              <a:spcBef>
-                <a:spcPts val="600"/>
-              </a:spcBef>
-              <a:buFont typeface="+mj-lt"/>
-              <a:buAutoNum type="arabicPeriod"/>
-            </a:pPr>
-            <a:r>
-              <a:rPr lang="pt-PT" sz="1200" b="1" dirty="0">
-                <a:latin typeface="Archivo"/>
-              </a:rPr>
-              <a:t>Background </a:t>
-            </a:r>
-          </a:p>
-          <a:p>
-            <a:pPr marL="360000" lvl="3">
-              <a:spcBef>
-                <a:spcPts val="600"/>
-              </a:spcBef>
-              <a:buSzPct val="100000"/>
-            </a:pPr>
-            <a:r>
-              <a:rPr lang="pt-PT" sz="1200" dirty="0">
-                <a:latin typeface="Archivo"/>
-              </a:rPr>
-              <a:t>2.1 Hard </a:t>
-            </a:r>
-            <a:r>
-              <a:rPr lang="pt-PT" sz="1200" dirty="0" err="1">
-                <a:latin typeface="Archivo"/>
-              </a:rPr>
-              <a:t>and</a:t>
-            </a:r>
-            <a:r>
-              <a:rPr lang="pt-PT" sz="1200" dirty="0">
-                <a:latin typeface="Archivo"/>
-              </a:rPr>
-              <a:t> Soft </a:t>
-            </a:r>
-            <a:r>
-              <a:rPr lang="pt-PT" sz="1200" dirty="0" err="1">
-                <a:latin typeface="Archivo"/>
-              </a:rPr>
-              <a:t>Constraints</a:t>
-            </a:r>
-            <a:endParaRPr lang="pt-PT" sz="1200" dirty="0">
-              <a:latin typeface="Archivo"/>
-            </a:endParaRPr>
-          </a:p>
-          <a:p>
-            <a:pPr marL="360000" lvl="3">
-              <a:spcBef>
-                <a:spcPts val="600"/>
-              </a:spcBef>
-              <a:buSzPct val="100000"/>
-            </a:pPr>
-            <a:r>
-              <a:rPr lang="pt-PT" sz="1200" dirty="0">
-                <a:latin typeface="Archivo"/>
-              </a:rPr>
-              <a:t>2.2 </a:t>
-            </a:r>
-            <a:r>
-              <a:rPr lang="pt-PT" sz="1200" dirty="0" err="1">
-                <a:latin typeface="Archivo"/>
-              </a:rPr>
-              <a:t>International</a:t>
-            </a:r>
-            <a:r>
-              <a:rPr lang="pt-PT" sz="1200" dirty="0">
-                <a:latin typeface="Archivo"/>
-              </a:rPr>
-              <a:t> </a:t>
-            </a:r>
-            <a:r>
-              <a:rPr lang="pt-PT" sz="1200" dirty="0" err="1">
-                <a:latin typeface="Archivo"/>
-              </a:rPr>
-              <a:t>Timetabling</a:t>
-            </a:r>
-            <a:r>
-              <a:rPr lang="pt-PT" sz="1200" dirty="0">
-                <a:latin typeface="Archivo"/>
-              </a:rPr>
-              <a:t> </a:t>
-            </a:r>
-            <a:r>
-              <a:rPr lang="pt-PT" sz="1200" dirty="0" err="1">
-                <a:latin typeface="Archivo"/>
-              </a:rPr>
-              <a:t>Competitions</a:t>
-            </a:r>
-            <a:r>
-              <a:rPr lang="pt-PT" sz="1200" dirty="0">
-                <a:latin typeface="Archivo"/>
-              </a:rPr>
-              <a:t> (ITC) </a:t>
-            </a:r>
-          </a:p>
-          <a:p>
-            <a:pPr marL="360000" lvl="3">
-              <a:spcBef>
-                <a:spcPts val="600"/>
-              </a:spcBef>
-              <a:buSzPct val="100000"/>
-            </a:pPr>
-            <a:r>
-              <a:rPr lang="pt-PT" sz="1200" dirty="0">
-                <a:latin typeface="Archivo"/>
-              </a:rPr>
-              <a:t>2.3 Monte Carlo </a:t>
-            </a:r>
-            <a:r>
-              <a:rPr lang="pt-PT" sz="1200" dirty="0" err="1">
-                <a:latin typeface="Archivo"/>
-              </a:rPr>
-              <a:t>Tree</a:t>
-            </a:r>
-            <a:r>
-              <a:rPr lang="pt-PT" sz="1200" dirty="0">
-                <a:latin typeface="Archivo"/>
-              </a:rPr>
-              <a:t> </a:t>
-            </a:r>
-            <a:r>
-              <a:rPr lang="pt-PT" sz="1200" dirty="0" err="1">
-                <a:latin typeface="Archivo"/>
-              </a:rPr>
-              <a:t>Search</a:t>
-            </a:r>
-            <a:endParaRPr lang="pt-PT" sz="1200" dirty="0">
-              <a:latin typeface="Archivo"/>
-            </a:endParaRPr>
-          </a:p>
-          <a:p>
-            <a:pPr marL="360000" lvl="3">
-              <a:spcBef>
-                <a:spcPts val="600"/>
-              </a:spcBef>
-              <a:buSzPct val="100000"/>
-            </a:pPr>
-            <a:r>
-              <a:rPr lang="pt-PT" sz="1200" dirty="0">
-                <a:latin typeface="Archivo"/>
-              </a:rPr>
-              <a:t>2.4 </a:t>
-            </a:r>
-            <a:r>
-              <a:rPr lang="pt-PT" sz="1200" dirty="0" err="1">
-                <a:latin typeface="Archivo"/>
-              </a:rPr>
-              <a:t>Upper</a:t>
-            </a:r>
-            <a:r>
-              <a:rPr lang="pt-PT" sz="1200" dirty="0">
-                <a:latin typeface="Archivo"/>
-              </a:rPr>
-              <a:t> </a:t>
-            </a:r>
-            <a:r>
-              <a:rPr lang="pt-PT" sz="1200" dirty="0" err="1">
-                <a:latin typeface="Archivo"/>
-              </a:rPr>
-              <a:t>Confidence</a:t>
-            </a:r>
-            <a:r>
-              <a:rPr lang="pt-PT" sz="1200" dirty="0">
-                <a:latin typeface="Archivo"/>
-              </a:rPr>
-              <a:t> </a:t>
-            </a:r>
-            <a:r>
-              <a:rPr lang="pt-PT" sz="1200" dirty="0" err="1">
-                <a:latin typeface="Archivo"/>
-              </a:rPr>
-              <a:t>Bounds</a:t>
-            </a:r>
-            <a:r>
-              <a:rPr lang="pt-PT" sz="1200" dirty="0">
-                <a:latin typeface="Archivo"/>
-              </a:rPr>
-              <a:t> for </a:t>
-            </a:r>
-            <a:r>
-              <a:rPr lang="pt-PT" sz="1200" dirty="0" err="1">
-                <a:latin typeface="Archivo"/>
-              </a:rPr>
-              <a:t>Trees</a:t>
-            </a:r>
-            <a:r>
-              <a:rPr lang="pt-PT" sz="1200" dirty="0">
-                <a:latin typeface="Archivo"/>
-              </a:rPr>
-              <a:t> (UCT)</a:t>
-            </a:r>
-          </a:p>
-          <a:p>
-            <a:pPr marL="333000" lvl="2" indent="-228600">
-              <a:spcBef>
-                <a:spcPts val="600"/>
-              </a:spcBef>
-              <a:buFont typeface="+mj-lt"/>
-              <a:buAutoNum type="arabicPeriod"/>
-            </a:pPr>
-            <a:r>
-              <a:rPr lang="pt-PT" sz="1200" b="1" dirty="0" err="1">
-                <a:latin typeface="Archivo"/>
-              </a:rPr>
-              <a:t>Related</a:t>
-            </a:r>
-            <a:r>
-              <a:rPr lang="pt-PT" sz="1200" b="1" dirty="0">
-                <a:latin typeface="Archivo"/>
-              </a:rPr>
-              <a:t> </a:t>
-            </a:r>
-            <a:r>
-              <a:rPr lang="pt-PT" sz="1200" b="1" dirty="0" err="1">
-                <a:latin typeface="Archivo"/>
-              </a:rPr>
-              <a:t>Work</a:t>
-            </a:r>
-            <a:endParaRPr lang="pt-PT" sz="1200" b="1" dirty="0">
-              <a:latin typeface="Archivo"/>
-            </a:endParaRPr>
-          </a:p>
-          <a:p>
-            <a:pPr marL="333000" lvl="2" indent="-228600">
-              <a:spcBef>
-                <a:spcPts val="600"/>
-              </a:spcBef>
-              <a:buFont typeface="+mj-lt"/>
-              <a:buAutoNum type="arabicPeriod"/>
-            </a:pPr>
-            <a:r>
-              <a:rPr lang="pt-PT" sz="1200" b="1" dirty="0" err="1">
-                <a:latin typeface="Archivo"/>
-              </a:rPr>
-              <a:t>Methodology</a:t>
-            </a:r>
-            <a:endParaRPr lang="pt-PT" sz="1200" b="1" dirty="0">
-              <a:latin typeface="Archivo"/>
-            </a:endParaRPr>
-          </a:p>
-          <a:p>
-            <a:pPr marL="360000" lvl="3">
-              <a:spcBef>
-                <a:spcPts val="600"/>
-              </a:spcBef>
-              <a:buSzPct val="100000"/>
-            </a:pPr>
-            <a:r>
-              <a:rPr lang="pt-PT" sz="1200" dirty="0">
-                <a:latin typeface="Archivo"/>
-              </a:rPr>
-              <a:t>4.1 Monte Carlo </a:t>
-            </a:r>
-            <a:r>
-              <a:rPr lang="pt-PT" sz="1200" dirty="0" err="1">
-                <a:latin typeface="Archivo"/>
-              </a:rPr>
-              <a:t>Tree</a:t>
-            </a:r>
-            <a:r>
-              <a:rPr lang="pt-PT" sz="1200" dirty="0">
-                <a:latin typeface="Archivo"/>
-              </a:rPr>
-              <a:t> </a:t>
-            </a:r>
-            <a:r>
-              <a:rPr lang="pt-PT" sz="1200" dirty="0" err="1">
-                <a:latin typeface="Archivo"/>
-              </a:rPr>
-              <a:t>Search</a:t>
-            </a:r>
-            <a:endParaRPr lang="pt-PT" sz="1200" dirty="0">
-              <a:latin typeface="Archivo"/>
-            </a:endParaRPr>
-          </a:p>
-          <a:p>
-            <a:pPr marL="360000" lvl="3">
-              <a:spcBef>
-                <a:spcPts val="600"/>
-              </a:spcBef>
-              <a:buSzPct val="100000"/>
-            </a:pPr>
-            <a:r>
-              <a:rPr lang="pt-PT" sz="1200" dirty="0">
-                <a:latin typeface="Archivo"/>
-              </a:rPr>
-              <a:t>4.2 Hill </a:t>
-            </a:r>
-            <a:r>
-              <a:rPr lang="pt-PT" sz="1200" dirty="0" err="1">
-                <a:latin typeface="Archivo"/>
-              </a:rPr>
-              <a:t>Climbing</a:t>
-            </a:r>
-            <a:endParaRPr lang="pt-PT" sz="1200" dirty="0">
-              <a:latin typeface="Archivo"/>
-            </a:endParaRPr>
-          </a:p>
-          <a:p>
-            <a:pPr marL="360000" lvl="3">
-              <a:spcBef>
-                <a:spcPts val="600"/>
-              </a:spcBef>
-              <a:buSzPct val="100000"/>
-            </a:pPr>
-            <a:r>
-              <a:rPr lang="pt-PT" sz="1200" dirty="0">
-                <a:latin typeface="Archivo"/>
-              </a:rPr>
-              <a:t>4.3 </a:t>
-            </a:r>
-            <a:r>
-              <a:rPr lang="pt-PT" sz="1200" dirty="0" err="1">
-                <a:latin typeface="Archivo"/>
-              </a:rPr>
-              <a:t>Diving</a:t>
-            </a:r>
-            <a:endParaRPr lang="pt-PT" sz="1200" dirty="0">
-              <a:latin typeface="Archivo"/>
-            </a:endParaRPr>
-          </a:p>
-          <a:p>
-            <a:pPr marL="333000" lvl="2" indent="-228600">
-              <a:spcBef>
-                <a:spcPts val="600"/>
-              </a:spcBef>
-              <a:buFont typeface="+mj-lt"/>
-              <a:buAutoNum type="arabicPeriod"/>
-            </a:pPr>
-            <a:r>
-              <a:rPr lang="pt-PT" sz="1200" b="1" dirty="0" err="1">
-                <a:latin typeface="Archivo"/>
-              </a:rPr>
-              <a:t>Tests</a:t>
-            </a:r>
-            <a:endParaRPr lang="pt-PT" sz="1200" b="1" dirty="0">
-              <a:latin typeface="Archivo"/>
-            </a:endParaRPr>
-          </a:p>
-          <a:p>
-            <a:pPr marL="333000" lvl="2" indent="-228600">
-              <a:spcBef>
-                <a:spcPts val="600"/>
-              </a:spcBef>
-              <a:buFont typeface="+mj-lt"/>
-              <a:buAutoNum type="arabicPeriod"/>
-            </a:pPr>
-            <a:r>
-              <a:rPr lang="pt-PT" sz="1200" b="1" dirty="0" err="1">
-                <a:latin typeface="Archivo"/>
-              </a:rPr>
-              <a:t>Results</a:t>
-            </a:r>
-            <a:endParaRPr lang="pt-PT" sz="1200" b="1" dirty="0">
-              <a:latin typeface="Archivo"/>
-            </a:endParaRPr>
-          </a:p>
-          <a:p>
-            <a:pPr marL="333000" lvl="2" indent="-228600">
-              <a:spcBef>
-                <a:spcPts val="600"/>
-              </a:spcBef>
-              <a:buFont typeface="+mj-lt"/>
-              <a:buAutoNum type="arabicPeriod"/>
-            </a:pPr>
-            <a:r>
-              <a:rPr lang="pt-PT" sz="1200" b="1" dirty="0" err="1">
-                <a:latin typeface="Archivo"/>
-              </a:rPr>
-              <a:t>Conclusion</a:t>
-            </a:r>
-            <a:r>
-              <a:rPr lang="pt-PT" sz="1200" b="1" dirty="0">
-                <a:latin typeface="Archivo"/>
-              </a:rPr>
-              <a:t> </a:t>
-            </a:r>
-            <a:r>
-              <a:rPr lang="pt-PT" sz="1200" b="1" dirty="0" err="1">
-                <a:latin typeface="Archivo"/>
-              </a:rPr>
-              <a:t>and</a:t>
-            </a:r>
-            <a:r>
-              <a:rPr lang="pt-PT" sz="1200" b="1" dirty="0">
-                <a:latin typeface="Archivo"/>
-              </a:rPr>
-              <a:t> Future </a:t>
-            </a:r>
-            <a:r>
-              <a:rPr lang="pt-PT" sz="1200" b="1" dirty="0" err="1">
-                <a:latin typeface="Archivo"/>
-              </a:rPr>
-              <a:t>Work</a:t>
-            </a:r>
-            <a:endParaRPr lang="pt-PT" sz="1200" b="1" dirty="0">
-              <a:latin typeface="Archivo"/>
-            </a:endParaRPr>
-          </a:p>
-          <a:p>
-            <a:pPr lvl="5" indent="-180000">
-              <a:spcBef>
-                <a:spcPts val="600"/>
-              </a:spcBef>
-              <a:buFont typeface="Arial" panose="020B0604020202020204" pitchFamily="34" charset="0"/>
-              <a:buChar char="•"/>
-            </a:pPr>
-            <a:endParaRPr lang="pt-PT" sz="1200" dirty="0">
-              <a:latin typeface="Archivo"/>
-            </a:endParaRPr>
-          </a:p>
-          <a:p>
-            <a:pPr lvl="2" indent="-180000">
-              <a:spcBef>
-                <a:spcPts val="600"/>
-              </a:spcBef>
-              <a:buFont typeface="Arial" panose="020B0604020202020204" pitchFamily="34" charset="0"/>
-              <a:buChar char="•"/>
-            </a:pPr>
-            <a:endParaRPr lang="pt-PT" sz="1200" dirty="0">
-              <a:latin typeface="Archivo"/>
-            </a:endParaRPr>
-          </a:p>
-        </p:txBody>
-      </p:sp>
-    </p:spTree>
-    <p:extLst>
-      <p:ext uri="{BB962C8B-B14F-4D97-AF65-F5344CB8AC3E}">
-        <p14:creationId xmlns:p14="http://schemas.microsoft.com/office/powerpoint/2010/main" val="4112427091"/>
-      </p:ext>
-    </p:extLst>
-  </p:cSld>
-  <p:clrMapOvr>
-    <a:masterClrMapping/>
-  </p:clrMapOvr>
-</p:sld>
-</file>
-
-<file path=ppt/slides/slide20.xml><?xml version="1.0" encoding="utf-8"?>
+<file path=ppt/slides/slide19.xml><?xml version="1.0" encoding="utf-8"?>
 <p:sld xmlns:a="http://schemas.openxmlformats.org/drawingml/2006/main" xmlns:r="http://schemas.openxmlformats.org/officeDocument/2006/relationships" xmlns:p="http://schemas.openxmlformats.org/presentationml/2006/main">
   <p:cSld>
     <p:spTree>
@@ -28782,7 +27697,7 @@
           <a:p>
             <a:fld id="{8BC8727B-4240-4963-929A-A961B0E9EF8D}" type="slidenum">
               <a:rPr lang="pt-PT" smtClean="0"/>
-              <a:t>20</a:t>
+              <a:t>19</a:t>
             </a:fld>
             <a:endParaRPr lang="pt-PT" dirty="0"/>
           </a:p>
@@ -29064,7 +27979,380 @@
 </p:sld>
 </file>
 
-<file path=ppt/slides/slide21.xml><?xml version="1.0" encoding="utf-8"?>
+<file path=ppt/slides/slide2.xml><?xml version="1.0" encoding="utf-8"?>
+<p:sld xmlns:a="http://schemas.openxmlformats.org/drawingml/2006/main" xmlns:r="http://schemas.openxmlformats.org/officeDocument/2006/relationships" xmlns:p="http://schemas.openxmlformats.org/presentationml/2006/main">
+  <p:cSld>
+    <p:spTree>
+      <p:nvGrpSpPr>
+        <p:cNvPr id="1" name=""/>
+        <p:cNvGrpSpPr/>
+        <p:nvPr/>
+      </p:nvGrpSpPr>
+      <p:grpSpPr>
+        <a:xfrm>
+          <a:off x="0" y="0"/>
+          <a:ext cx="0" cy="0"/>
+          <a:chOff x="0" y="0"/>
+          <a:chExt cx="0" cy="0"/>
+        </a:xfrm>
+      </p:grpSpPr>
+      <p:graphicFrame>
+        <p:nvGraphicFramePr>
+          <p:cNvPr id="3" name="Diagram 2">
+            <a:extLst>
+              <a:ext uri="{FF2B5EF4-FFF2-40B4-BE49-F238E27FC236}">
+                <a16:creationId xmlns:a16="http://schemas.microsoft.com/office/drawing/2014/main" id="{70E7C50F-CF61-2D54-D404-8D4CE888C931}"/>
+              </a:ext>
+            </a:extLst>
+          </p:cNvPr>
+          <p:cNvGraphicFramePr/>
+          <p:nvPr>
+            <p:extLst>
+              <p:ext uri="{D42A27DB-BD31-4B8C-83A1-F6EECF244321}">
+                <p14:modId xmlns:p14="http://schemas.microsoft.com/office/powerpoint/2010/main" val="1192415280"/>
+              </p:ext>
+            </p:extLst>
+          </p:nvPr>
+        </p:nvGraphicFramePr>
+        <p:xfrm>
+          <a:off x="4708597" y="1100050"/>
+          <a:ext cx="3816929" cy="3734068"/>
+        </p:xfrm>
+        <a:graphic>
+          <a:graphicData uri="http://schemas.openxmlformats.org/drawingml/2006/diagram">
+            <dgm:relIds xmlns:dgm="http://schemas.openxmlformats.org/drawingml/2006/diagram" xmlns:r="http://schemas.openxmlformats.org/officeDocument/2006/relationships" r:dm="rId3" r:lo="rId4" r:qs="rId5" r:cs="rId6"/>
+          </a:graphicData>
+        </a:graphic>
+      </p:graphicFrame>
+      <p:sp>
+        <p:nvSpPr>
+          <p:cNvPr id="2" name="Title 1">
+            <a:extLst>
+              <a:ext uri="{FF2B5EF4-FFF2-40B4-BE49-F238E27FC236}">
+                <a16:creationId xmlns:a16="http://schemas.microsoft.com/office/drawing/2014/main" id="{8D91A856-FC23-B66F-3523-42346A74BA87}"/>
+              </a:ext>
+            </a:extLst>
+          </p:cNvPr>
+          <p:cNvSpPr>
+            <a:spLocks noGrp="1"/>
+          </p:cNvSpPr>
+          <p:nvPr>
+            <p:ph type="title"/>
+          </p:nvPr>
+        </p:nvSpPr>
+        <p:spPr/>
+        <p:txBody>
+          <a:bodyPr/>
+          <a:lstStyle/>
+          <a:p>
+            <a:r>
+              <a:rPr lang="pt-PT" dirty="0" err="1"/>
+              <a:t>Introduction</a:t>
+            </a:r>
+            <a:endParaRPr lang="pt-PT" b="0" dirty="0"/>
+          </a:p>
+        </p:txBody>
+      </p:sp>
+      <p:sp>
+        <p:nvSpPr>
+          <p:cNvPr id="4" name="Slide Number Placeholder 3">
+            <a:extLst>
+              <a:ext uri="{FF2B5EF4-FFF2-40B4-BE49-F238E27FC236}">
+                <a16:creationId xmlns:a16="http://schemas.microsoft.com/office/drawing/2014/main" id="{230518C5-9596-A11B-4D44-45E9C06E3160}"/>
+              </a:ext>
+            </a:extLst>
+          </p:cNvPr>
+          <p:cNvSpPr>
+            <a:spLocks noGrp="1"/>
+          </p:cNvSpPr>
+          <p:nvPr>
+            <p:ph type="sldNum" sz="quarter" idx="11"/>
+          </p:nvPr>
+        </p:nvSpPr>
+        <p:spPr/>
+        <p:txBody>
+          <a:bodyPr/>
+          <a:lstStyle/>
+          <a:p>
+            <a:fld id="{8BC8727B-4240-4963-929A-A961B0E9EF8D}" type="slidenum">
+              <a:rPr lang="pt-PT" smtClean="0"/>
+              <a:t>2</a:t>
+            </a:fld>
+            <a:endParaRPr lang="pt-PT"/>
+          </a:p>
+        </p:txBody>
+      </p:sp>
+      <p:sp>
+        <p:nvSpPr>
+          <p:cNvPr id="7" name="TextBox 6">
+            <a:extLst>
+              <a:ext uri="{FF2B5EF4-FFF2-40B4-BE49-F238E27FC236}">
+                <a16:creationId xmlns:a16="http://schemas.microsoft.com/office/drawing/2014/main" id="{F084E63D-D3C6-F7C7-6785-1769F40B18D2}"/>
+              </a:ext>
+            </a:extLst>
+          </p:cNvPr>
+          <p:cNvSpPr txBox="1"/>
+          <p:nvPr/>
+        </p:nvSpPr>
+        <p:spPr>
+          <a:xfrm>
+            <a:off x="5590094" y="4444065"/>
+            <a:ext cx="2395105" cy="230832"/>
+          </a:xfrm>
+          <a:prstGeom prst="rect">
+            <a:avLst/>
+          </a:prstGeom>
+          <a:noFill/>
+        </p:spPr>
+        <p:txBody>
+          <a:bodyPr wrap="square" rtlCol="0">
+            <a:spAutoFit/>
+          </a:bodyPr>
+          <a:lstStyle/>
+          <a:p>
+            <a:r>
+              <a:rPr lang="pt-PT" sz="900" b="1" dirty="0">
+                <a:latin typeface="Archivo"/>
+              </a:rPr>
+              <a:t>Fig. 1 </a:t>
+            </a:r>
+            <a:r>
+              <a:rPr lang="pt-PT" sz="900" dirty="0">
+                <a:latin typeface="Archivo"/>
+              </a:rPr>
+              <a:t>– </a:t>
+            </a:r>
+            <a:r>
+              <a:rPr lang="pt-PT" sz="900" dirty="0" err="1">
+                <a:latin typeface="Archivo"/>
+              </a:rPr>
+              <a:t>University</a:t>
+            </a:r>
+            <a:r>
+              <a:rPr lang="pt-PT" sz="900" dirty="0">
+                <a:latin typeface="Archivo"/>
+              </a:rPr>
+              <a:t> </a:t>
+            </a:r>
+            <a:r>
+              <a:rPr lang="pt-PT" sz="900" dirty="0" err="1">
+                <a:latin typeface="Archivo"/>
+              </a:rPr>
+              <a:t>Course</a:t>
+            </a:r>
+            <a:r>
+              <a:rPr lang="pt-PT" sz="900" dirty="0">
+                <a:latin typeface="Archivo"/>
+              </a:rPr>
+              <a:t> </a:t>
+            </a:r>
+            <a:r>
+              <a:rPr lang="pt-PT" sz="900" dirty="0" err="1">
+                <a:latin typeface="Archivo"/>
+              </a:rPr>
+              <a:t>Timetabling</a:t>
+            </a:r>
+            <a:r>
+              <a:rPr lang="pt-PT" sz="900" dirty="0">
+                <a:latin typeface="Archivo"/>
+              </a:rPr>
+              <a:t> </a:t>
+            </a:r>
+            <a:r>
+              <a:rPr lang="pt-PT" sz="900" dirty="0" err="1">
+                <a:latin typeface="Archivo"/>
+              </a:rPr>
+              <a:t>diagram</a:t>
+            </a:r>
+            <a:r>
+              <a:rPr lang="pt-PT" sz="900" dirty="0">
+                <a:latin typeface="Archivo"/>
+              </a:rPr>
+              <a:t>.</a:t>
+            </a:r>
+          </a:p>
+        </p:txBody>
+      </p:sp>
+      <p:sp>
+        <p:nvSpPr>
+          <p:cNvPr id="6" name="TextBox 5">
+            <a:extLst>
+              <a:ext uri="{FF2B5EF4-FFF2-40B4-BE49-F238E27FC236}">
+                <a16:creationId xmlns:a16="http://schemas.microsoft.com/office/drawing/2014/main" id="{C30AE5E2-998D-2C9A-DEFC-0C13D76245B5}"/>
+              </a:ext>
+            </a:extLst>
+          </p:cNvPr>
+          <p:cNvSpPr txBox="1"/>
+          <p:nvPr/>
+        </p:nvSpPr>
+        <p:spPr>
+          <a:xfrm>
+            <a:off x="628650" y="1206020"/>
+            <a:ext cx="4851219" cy="2554545"/>
+          </a:xfrm>
+          <a:prstGeom prst="rect">
+            <a:avLst/>
+          </a:prstGeom>
+          <a:noFill/>
+        </p:spPr>
+        <p:txBody>
+          <a:bodyPr wrap="square">
+            <a:spAutoFit/>
+          </a:bodyPr>
+          <a:lstStyle/>
+          <a:p>
+            <a:pPr lvl="2"/>
+            <a:r>
+              <a:rPr lang="en-US" b="1" dirty="0">
+                <a:latin typeface="Archivo"/>
+              </a:rPr>
+              <a:t>University Course Timetabling Problem (UCTTP):</a:t>
+            </a:r>
+          </a:p>
+          <a:p>
+            <a:pPr marL="285750" indent="-180000">
+              <a:spcBef>
+                <a:spcPts val="600"/>
+              </a:spcBef>
+              <a:buFont typeface="Arial" panose="020B0604020202020204" pitchFamily="34" charset="0"/>
+              <a:buChar char="•"/>
+            </a:pPr>
+            <a:r>
+              <a:rPr lang="en-US" dirty="0">
+                <a:latin typeface="Archivo"/>
+              </a:rPr>
+              <a:t>Complex combinatorial optimization problem that consists of allocating </a:t>
+            </a:r>
+            <a:r>
+              <a:rPr lang="en-US" u="sng" dirty="0">
+                <a:latin typeface="Archivo"/>
+              </a:rPr>
+              <a:t>events</a:t>
+            </a:r>
+            <a:r>
+              <a:rPr lang="en-US" dirty="0">
+                <a:latin typeface="Archivo"/>
+              </a:rPr>
+              <a:t>, </a:t>
+            </a:r>
+            <a:r>
+              <a:rPr lang="en-US" u="sng" dirty="0">
+                <a:latin typeface="Archivo"/>
+              </a:rPr>
+              <a:t>rooms</a:t>
+            </a:r>
+            <a:r>
+              <a:rPr lang="en-US" dirty="0">
+                <a:latin typeface="Archivo"/>
+              </a:rPr>
+              <a:t>, </a:t>
+            </a:r>
+            <a:r>
+              <a:rPr lang="en-US" u="sng" dirty="0">
+                <a:latin typeface="Archivo"/>
+              </a:rPr>
+              <a:t>lecturers</a:t>
+            </a:r>
+            <a:r>
+              <a:rPr lang="en-US" dirty="0">
+                <a:latin typeface="Archivo"/>
+              </a:rPr>
+              <a:t>, and </a:t>
+            </a:r>
+            <a:r>
+              <a:rPr lang="en-US" u="sng" dirty="0">
+                <a:latin typeface="Archivo"/>
+              </a:rPr>
+              <a:t>students</a:t>
+            </a:r>
+            <a:r>
+              <a:rPr lang="en-US" dirty="0">
+                <a:latin typeface="Archivo"/>
+              </a:rPr>
+              <a:t> to weekly schedules while meeting certain </a:t>
+            </a:r>
+            <a:r>
+              <a:rPr lang="en-US" u="sng" dirty="0">
+                <a:latin typeface="Archivo"/>
+              </a:rPr>
+              <a:t>constraints</a:t>
+            </a:r>
+            <a:r>
+              <a:rPr lang="en-US" dirty="0">
+                <a:latin typeface="Archivo"/>
+              </a:rPr>
+              <a:t>. </a:t>
+            </a:r>
+          </a:p>
+          <a:p>
+            <a:pPr marL="285750" indent="-180000">
+              <a:spcBef>
+                <a:spcPts val="600"/>
+              </a:spcBef>
+              <a:buFont typeface="Arial" panose="020B0604020202020204" pitchFamily="34" charset="0"/>
+              <a:buChar char="•"/>
+            </a:pPr>
+            <a:r>
+              <a:rPr lang="en-US" dirty="0">
+                <a:latin typeface="Archivo"/>
+              </a:rPr>
+              <a:t>This dissertation focuses on the </a:t>
+            </a:r>
+            <a:r>
+              <a:rPr lang="en-US" b="1" dirty="0">
+                <a:latin typeface="Archivo"/>
+              </a:rPr>
+              <a:t>Curriculum-Based Course Timetabling (CB-CTT), </a:t>
+            </a:r>
+            <a:r>
+              <a:rPr lang="en-US" dirty="0">
+                <a:latin typeface="Archivo"/>
+              </a:rPr>
+              <a:t>a variant of UCTTP that focuses on course scheduling. </a:t>
+            </a:r>
+          </a:p>
+          <a:p>
+            <a:pPr marL="105750">
+              <a:spcBef>
+                <a:spcPts val="600"/>
+              </a:spcBef>
+            </a:pPr>
+            <a:endParaRPr lang="en-US" dirty="0">
+              <a:latin typeface="Archivo"/>
+            </a:endParaRPr>
+          </a:p>
+          <a:p>
+            <a:pPr marL="105750">
+              <a:spcBef>
+                <a:spcPts val="600"/>
+              </a:spcBef>
+            </a:pPr>
+            <a:r>
+              <a:rPr lang="en-US" dirty="0">
+                <a:latin typeface="Archivo"/>
+              </a:rPr>
+              <a:t>MCTS and its hybridization remain unexplored in the context of CB-CTT, making this the main goal of our work.</a:t>
+            </a:r>
+            <a:endParaRPr lang="pt-PT" dirty="0">
+              <a:latin typeface="Archivo"/>
+            </a:endParaRPr>
+          </a:p>
+        </p:txBody>
+      </p:sp>
+    </p:spTree>
+    <p:extLst>
+      <p:ext uri="{BB962C8B-B14F-4D97-AF65-F5344CB8AC3E}">
+        <p14:creationId xmlns:p14="http://schemas.microsoft.com/office/powerpoint/2010/main" val="693509970"/>
+      </p:ext>
+    </p:extLst>
+  </p:cSld>
+  <p:clrMapOvr>
+    <a:masterClrMapping/>
+  </p:clrMapOvr>
+</p:sld>
+</file>
+
+<file path=ppt/slides/slide20.xml><?xml version="1.0" encoding="utf-8"?>
 <p:sld xmlns:a="http://schemas.openxmlformats.org/drawingml/2006/main" xmlns:r="http://schemas.openxmlformats.org/officeDocument/2006/relationships" xmlns:p="http://schemas.openxmlformats.org/presentationml/2006/main">
   <p:cSld>
     <p:spTree>
@@ -29142,7 +28430,7 @@
           <a:p>
             <a:fld id="{8BC8727B-4240-4963-929A-A961B0E9EF8D}" type="slidenum">
               <a:rPr lang="pt-PT" smtClean="0"/>
-              <a:t>21</a:t>
+              <a:t>20</a:t>
             </a:fld>
             <a:endParaRPr lang="pt-PT" dirty="0"/>
           </a:p>
@@ -29403,7 +28691,7 @@
 </p:sld>
 </file>
 
-<file path=ppt/slides/slide22.xml><?xml version="1.0" encoding="utf-8"?>
+<file path=ppt/slides/slide21.xml><?xml version="1.0" encoding="utf-8"?>
 <p:sld xmlns:a="http://schemas.openxmlformats.org/drawingml/2006/main" xmlns:r="http://schemas.openxmlformats.org/officeDocument/2006/relationships" xmlns:p="http://schemas.openxmlformats.org/presentationml/2006/main">
   <p:cSld>
     <p:spTree>
@@ -29498,7 +28786,7 @@
           <a:p>
             <a:fld id="{8BC8727B-4240-4963-929A-A961B0E9EF8D}" type="slidenum">
               <a:rPr lang="pt-PT" smtClean="0"/>
-              <a:t>22</a:t>
+              <a:t>21</a:t>
             </a:fld>
             <a:endParaRPr lang="pt-PT" dirty="0"/>
           </a:p>
@@ -29519,7 +28807,7 @@
           <p:nvPr/>
         </p:nvPicPr>
         <p:blipFill>
-          <a:blip r:embed="rId2"/>
+          <a:blip r:embed="rId3"/>
           <a:srcRect b="24295"/>
           <a:stretch>
             <a:fillRect/>
@@ -29549,8 +28837,8 @@
         </p:nvSpPr>
         <p:spPr>
           <a:xfrm>
-            <a:off x="1974057" y="3295152"/>
-            <a:ext cx="5195885" cy="369332"/>
+            <a:off x="2008240" y="3303697"/>
+            <a:ext cx="5742795" cy="369332"/>
           </a:xfrm>
           <a:prstGeom prst="rect">
             <a:avLst/>
@@ -29573,7 +28861,7 @@
               <a:rPr lang="en-US" sz="900" dirty="0">
                 <a:latin typeface="Archivo"/>
               </a:rPr>
-              <a:t>Comparison of Müller and our method variants across six benchmark instances during 10 minutes. </a:t>
+              <a:t>Comparison of Müller and our method variants across six benchmark instances during 10 minutes (C=0.1). </a:t>
             </a:r>
           </a:p>
           <a:p>
@@ -29602,12 +28890,18 @@
 </p:sld>
 </file>
 
-<file path=ppt/slides/slide23.xml><?xml version="1.0" encoding="utf-8"?>
+<file path=ppt/slides/slide22.xml><?xml version="1.0" encoding="utf-8"?>
 <p:sld xmlns:a="http://schemas.openxmlformats.org/drawingml/2006/main" xmlns:r="http://schemas.openxmlformats.org/officeDocument/2006/relationships" xmlns:p="http://schemas.openxmlformats.org/presentationml/2006/main">
   <p:cSld>
     <p:spTree>
       <p:nvGrpSpPr>
-        <p:cNvPr id="1" name=""/>
+        <p:cNvPr id="1" name="">
+          <a:extLst>
+            <a:ext uri="{FF2B5EF4-FFF2-40B4-BE49-F238E27FC236}">
+              <a16:creationId xmlns:a16="http://schemas.microsoft.com/office/drawing/2014/main" id="{745BE28B-D379-C4DF-75FA-904EC11A635E}"/>
+            </a:ext>
+          </a:extLst>
+        </p:cNvPr>
         <p:cNvGrpSpPr/>
         <p:nvPr/>
       </p:nvGrpSpPr>
@@ -29624,7 +28918,7 @@
           <p:cNvPr id="2" name="Title 1">
             <a:extLst>
               <a:ext uri="{FF2B5EF4-FFF2-40B4-BE49-F238E27FC236}">
-                <a16:creationId xmlns:a16="http://schemas.microsoft.com/office/drawing/2014/main" id="{B958C025-3D1F-638F-354D-A7682A00609E}"/>
+                <a16:creationId xmlns:a16="http://schemas.microsoft.com/office/drawing/2014/main" id="{2A576AFD-583A-2EB6-9396-D75D879BABE5}"/>
               </a:ext>
             </a:extLst>
           </p:cNvPr>
@@ -29641,33 +28935,332 @@
           <a:lstStyle/>
           <a:p>
             <a:r>
-              <a:rPr lang="pt-PT" sz="4000" b="0" dirty="0" err="1"/>
+              <a:rPr lang="pt-PT" dirty="0" err="1"/>
               <a:t>Conclusion</a:t>
             </a:r>
             <a:r>
-              <a:rPr lang="pt-PT" sz="4000" b="0" dirty="0"/>
+              <a:rPr lang="pt-PT" dirty="0"/>
               <a:t> </a:t>
             </a:r>
             <a:r>
-              <a:rPr lang="pt-PT" sz="4000" b="0" dirty="0" err="1"/>
+              <a:rPr lang="pt-PT" dirty="0" err="1"/>
               <a:t>and</a:t>
             </a:r>
             <a:r>
-              <a:rPr lang="pt-PT" sz="4000" b="0" dirty="0"/>
+              <a:rPr lang="pt-PT" dirty="0"/>
               <a:t> Future </a:t>
             </a:r>
             <a:r>
-              <a:rPr lang="pt-PT" sz="4000" b="0" dirty="0" err="1"/>
+              <a:rPr lang="pt-PT" dirty="0" err="1"/>
               <a:t>Work</a:t>
             </a:r>
-            <a:endParaRPr lang="pt-PT" sz="4000" b="0" dirty="0"/>
+            <a:endParaRPr lang="en-US" b="0" dirty="0"/>
+          </a:p>
+        </p:txBody>
+      </p:sp>
+      <p:sp>
+        <p:nvSpPr>
+          <p:cNvPr id="3" name="Slide Number Placeholder 2">
+            <a:extLst>
+              <a:ext uri="{FF2B5EF4-FFF2-40B4-BE49-F238E27FC236}">
+                <a16:creationId xmlns:a16="http://schemas.microsoft.com/office/drawing/2014/main" id="{684CE144-3668-AF86-7E15-318E62D3D07B}"/>
+              </a:ext>
+            </a:extLst>
+          </p:cNvPr>
+          <p:cNvSpPr>
+            <a:spLocks noGrp="1"/>
+          </p:cNvSpPr>
+          <p:nvPr>
+            <p:ph type="sldNum" sz="quarter" idx="11"/>
+          </p:nvPr>
+        </p:nvSpPr>
+        <p:spPr/>
+        <p:txBody>
+          <a:bodyPr/>
+          <a:lstStyle/>
+          <a:p>
+            <a:fld id="{8BC8727B-4240-4963-929A-A961B0E9EF8D}" type="slidenum">
+              <a:rPr lang="pt-PT" smtClean="0"/>
+              <a:t>22</a:t>
+            </a:fld>
+            <a:endParaRPr lang="pt-PT" dirty="0"/>
+          </a:p>
+        </p:txBody>
+      </p:sp>
+      <p:sp>
+        <p:nvSpPr>
+          <p:cNvPr id="5" name="TextBox 4">
+            <a:extLst>
+              <a:ext uri="{FF2B5EF4-FFF2-40B4-BE49-F238E27FC236}">
+                <a16:creationId xmlns:a16="http://schemas.microsoft.com/office/drawing/2014/main" id="{04D5D48D-FAD0-DCA0-57A2-037AA039C8D9}"/>
+              </a:ext>
+            </a:extLst>
+          </p:cNvPr>
+          <p:cNvSpPr txBox="1"/>
+          <p:nvPr/>
+        </p:nvSpPr>
+        <p:spPr>
+          <a:xfrm>
+            <a:off x="640080" y="1410436"/>
+            <a:ext cx="7783920" cy="1323439"/>
+          </a:xfrm>
+          <a:prstGeom prst="rect">
+            <a:avLst/>
+          </a:prstGeom>
+          <a:noFill/>
+        </p:spPr>
+        <p:txBody>
+          <a:bodyPr wrap="square">
+            <a:spAutoFit/>
+          </a:bodyPr>
+          <a:lstStyle/>
+          <a:p>
+            <a:pPr marL="391500" indent="-285750">
+              <a:spcBef>
+                <a:spcPts val="600"/>
+              </a:spcBef>
+              <a:buFont typeface="Arial" panose="020B0604020202020204" pitchFamily="34" charset="0"/>
+              <a:buChar char="•"/>
+            </a:pPr>
+            <a:r>
+              <a:rPr lang="en-US" dirty="0">
+                <a:latin typeface="Archivo"/>
+              </a:rPr>
+              <a:t>MCTS and its hybridization in the context of CB-CTT is the main contribution of our work.</a:t>
+            </a:r>
+          </a:p>
+          <a:p>
+            <a:pPr marL="391500" indent="-285750">
+              <a:spcBef>
+                <a:spcPts val="600"/>
+              </a:spcBef>
+              <a:buFont typeface="Arial" panose="020B0604020202020204" pitchFamily="34" charset="0"/>
+              <a:buChar char="•"/>
+            </a:pPr>
+            <a:endParaRPr lang="en-US" dirty="0">
+              <a:latin typeface="Archivo"/>
+            </a:endParaRPr>
+          </a:p>
+          <a:p>
+            <a:pPr marL="391500" indent="-285750">
+              <a:spcBef>
+                <a:spcPts val="600"/>
+              </a:spcBef>
+              <a:buFont typeface="Arial" panose="020B0604020202020204" pitchFamily="34" charset="0"/>
+              <a:buChar char="•"/>
+            </a:pPr>
+            <a:r>
+              <a:rPr lang="en-US" dirty="0">
+                <a:latin typeface="Archivo"/>
+              </a:rPr>
+              <a:t>Although it does not outperform the best published results, this approach opens up room for promising future research, especially due to its flexibility and ability to integrate with other heuristics.</a:t>
+            </a:r>
           </a:p>
         </p:txBody>
       </p:sp>
     </p:spTree>
     <p:extLst>
       <p:ext uri="{BB962C8B-B14F-4D97-AF65-F5344CB8AC3E}">
-        <p14:creationId xmlns:p14="http://schemas.microsoft.com/office/powerpoint/2010/main" val="3068153632"/>
+        <p14:creationId xmlns:p14="http://schemas.microsoft.com/office/powerpoint/2010/main" val="1739474355"/>
+      </p:ext>
+    </p:extLst>
+  </p:cSld>
+  <p:clrMapOvr>
+    <a:masterClrMapping/>
+  </p:clrMapOvr>
+</p:sld>
+</file>
+
+<file path=ppt/slides/slide23.xml><?xml version="1.0" encoding="utf-8"?>
+<p:sld xmlns:a="http://schemas.openxmlformats.org/drawingml/2006/main" xmlns:r="http://schemas.openxmlformats.org/officeDocument/2006/relationships" xmlns:p="http://schemas.openxmlformats.org/presentationml/2006/main">
+  <p:cSld>
+    <p:spTree>
+      <p:nvGrpSpPr>
+        <p:cNvPr id="1" name="">
+          <a:extLst>
+            <a:ext uri="{FF2B5EF4-FFF2-40B4-BE49-F238E27FC236}">
+              <a16:creationId xmlns:a16="http://schemas.microsoft.com/office/drawing/2014/main" id="{13B3724B-E195-66A2-971B-CFB64314EBE4}"/>
+            </a:ext>
+          </a:extLst>
+        </p:cNvPr>
+        <p:cNvGrpSpPr/>
+        <p:nvPr/>
+      </p:nvGrpSpPr>
+      <p:grpSpPr>
+        <a:xfrm>
+          <a:off x="0" y="0"/>
+          <a:ext cx="0" cy="0"/>
+          <a:chOff x="0" y="0"/>
+          <a:chExt cx="0" cy="0"/>
+        </a:xfrm>
+      </p:grpSpPr>
+      <p:sp>
+        <p:nvSpPr>
+          <p:cNvPr id="2" name="Title 1">
+            <a:extLst>
+              <a:ext uri="{FF2B5EF4-FFF2-40B4-BE49-F238E27FC236}">
+                <a16:creationId xmlns:a16="http://schemas.microsoft.com/office/drawing/2014/main" id="{FB34275E-D2B2-4600-CAFA-662D26F47DE7}"/>
+              </a:ext>
+            </a:extLst>
+          </p:cNvPr>
+          <p:cNvSpPr>
+            <a:spLocks noGrp="1"/>
+          </p:cNvSpPr>
+          <p:nvPr>
+            <p:ph type="title"/>
+          </p:nvPr>
+        </p:nvSpPr>
+        <p:spPr/>
+        <p:txBody>
+          <a:bodyPr/>
+          <a:lstStyle/>
+          <a:p>
+            <a:r>
+              <a:rPr lang="pt-PT" dirty="0"/>
+              <a:t>Future </a:t>
+            </a:r>
+            <a:r>
+              <a:rPr lang="pt-PT" dirty="0" err="1"/>
+              <a:t>Work</a:t>
+            </a:r>
+            <a:r>
+              <a:rPr lang="pt-PT" dirty="0"/>
+              <a:t>: </a:t>
+            </a:r>
+            <a:r>
+              <a:rPr lang="en-US" b="0" dirty="0"/>
+              <a:t>Proposed MCTS Tree</a:t>
+            </a:r>
+          </a:p>
+        </p:txBody>
+      </p:sp>
+      <p:sp>
+        <p:nvSpPr>
+          <p:cNvPr id="3" name="Slide Number Placeholder 2">
+            <a:extLst>
+              <a:ext uri="{FF2B5EF4-FFF2-40B4-BE49-F238E27FC236}">
+                <a16:creationId xmlns:a16="http://schemas.microsoft.com/office/drawing/2014/main" id="{2A7E48FA-1A00-BF98-F946-423519E536D1}"/>
+              </a:ext>
+            </a:extLst>
+          </p:cNvPr>
+          <p:cNvSpPr>
+            <a:spLocks noGrp="1"/>
+          </p:cNvSpPr>
+          <p:nvPr>
+            <p:ph type="sldNum" sz="quarter" idx="11"/>
+          </p:nvPr>
+        </p:nvSpPr>
+        <p:spPr/>
+        <p:txBody>
+          <a:bodyPr/>
+          <a:lstStyle/>
+          <a:p>
+            <a:fld id="{8BC8727B-4240-4963-929A-A961B0E9EF8D}" type="slidenum">
+              <a:rPr lang="pt-PT" smtClean="0"/>
+              <a:t>23</a:t>
+            </a:fld>
+            <a:endParaRPr lang="pt-PT" dirty="0"/>
+          </a:p>
+        </p:txBody>
+      </p:sp>
+      <p:pic>
+        <p:nvPicPr>
+          <p:cNvPr id="7" name="Picture 6" descr="A diagram of a tree&#10;&#10;AI-generated content may be incorrect.">
+            <a:extLst>
+              <a:ext uri="{FF2B5EF4-FFF2-40B4-BE49-F238E27FC236}">
+                <a16:creationId xmlns:a16="http://schemas.microsoft.com/office/drawing/2014/main" id="{D403B8EA-B382-7CF9-3FDF-5095161B7CC3}"/>
+              </a:ext>
+            </a:extLst>
+          </p:cNvPr>
+          <p:cNvPicPr>
+            <a:picLocks noChangeAspect="1"/>
+          </p:cNvPicPr>
+          <p:nvPr/>
+        </p:nvPicPr>
+        <p:blipFill>
+          <a:blip r:embed="rId2"/>
+          <a:stretch>
+            <a:fillRect/>
+          </a:stretch>
+        </p:blipFill>
+        <p:spPr>
+          <a:xfrm>
+            <a:off x="2325158" y="1309251"/>
+            <a:ext cx="4493683" cy="3248811"/>
+          </a:xfrm>
+          <a:prstGeom prst="rect">
+            <a:avLst/>
+          </a:prstGeom>
+        </p:spPr>
+      </p:pic>
+      <p:sp>
+        <p:nvSpPr>
+          <p:cNvPr id="8" name="TextBox 7">
+            <a:extLst>
+              <a:ext uri="{FF2B5EF4-FFF2-40B4-BE49-F238E27FC236}">
+                <a16:creationId xmlns:a16="http://schemas.microsoft.com/office/drawing/2014/main" id="{D40812D4-21C7-43F6-A3DA-EAB4C2488374}"/>
+              </a:ext>
+            </a:extLst>
+          </p:cNvPr>
+          <p:cNvSpPr txBox="1"/>
+          <p:nvPr/>
+        </p:nvSpPr>
+        <p:spPr>
+          <a:xfrm>
+            <a:off x="4069049" y="4558062"/>
+            <a:ext cx="1896241" cy="230832"/>
+          </a:xfrm>
+          <a:prstGeom prst="rect">
+            <a:avLst/>
+          </a:prstGeom>
+          <a:noFill/>
+        </p:spPr>
+        <p:txBody>
+          <a:bodyPr wrap="square" rtlCol="0">
+            <a:spAutoFit/>
+          </a:bodyPr>
+          <a:lstStyle/>
+          <a:p>
+            <a:r>
+              <a:rPr lang="pt-PT" sz="900" b="1" dirty="0">
+                <a:latin typeface="Archivo"/>
+              </a:rPr>
+              <a:t>Fig. 11 </a:t>
+            </a:r>
+            <a:r>
+              <a:rPr lang="pt-PT" sz="900" i="1" dirty="0">
+                <a:latin typeface="Archivo"/>
+              </a:rPr>
+              <a:t>– </a:t>
+            </a:r>
+            <a:r>
+              <a:rPr lang="pt-PT" sz="900" dirty="0" err="1">
+                <a:latin typeface="Archivo"/>
+              </a:rPr>
+              <a:t>Proposed</a:t>
+            </a:r>
+            <a:r>
+              <a:rPr lang="pt-PT" sz="900" dirty="0">
+                <a:latin typeface="Archivo"/>
+              </a:rPr>
+              <a:t> MCTS </a:t>
+            </a:r>
+            <a:r>
+              <a:rPr lang="pt-PT" sz="900" dirty="0" err="1">
+                <a:latin typeface="Archivo"/>
+              </a:rPr>
+              <a:t>tree</a:t>
+            </a:r>
+            <a:endParaRPr lang="pt-PT" sz="900" dirty="0">
+              <a:latin typeface="Archivo"/>
+            </a:endParaRPr>
+          </a:p>
+        </p:txBody>
+      </p:sp>
+    </p:spTree>
+    <p:extLst>
+      <p:ext uri="{BB962C8B-B14F-4D97-AF65-F5344CB8AC3E}">
+        <p14:creationId xmlns:p14="http://schemas.microsoft.com/office/powerpoint/2010/main" val="2283167438"/>
       </p:ext>
     </p:extLst>
   </p:cSld>
@@ -29722,17 +29315,30 @@
           <a:lstStyle/>
           <a:p>
             <a:r>
-              <a:rPr lang="en-US" dirty="0"/>
+              <a:rPr lang="pt-PT" dirty="0"/>
+              <a:t>Future </a:t>
+            </a:r>
+            <a:r>
+              <a:rPr lang="pt-PT" dirty="0" err="1"/>
+              <a:t>Work</a:t>
+            </a:r>
+            <a:r>
+              <a:rPr lang="pt-PT" dirty="0"/>
+              <a:t>: </a:t>
+            </a:r>
+            <a:r>
+              <a:rPr lang="pt-PT" b="0" dirty="0" err="1"/>
               <a:t>Previous</a:t>
             </a:r>
             <a:r>
-              <a:rPr lang="pt-PT" dirty="0"/>
+              <a:rPr lang="pt-PT" b="0" dirty="0"/>
               <a:t> </a:t>
             </a:r>
             <a:r>
-              <a:rPr lang="en-US" dirty="0"/>
-              <a:t>project</a:t>
-            </a:r>
+              <a:rPr lang="pt-PT" b="0" dirty="0" err="1"/>
+              <a:t>Work</a:t>
+            </a:r>
+            <a:endParaRPr lang="en-US" dirty="0"/>
           </a:p>
         </p:txBody>
       </p:sp>
@@ -29800,7 +29406,7 @@
             <p:nvPr/>
           </p:nvPicPr>
           <p:blipFill>
-            <a:blip r:embed="rId2">
+            <a:blip r:embed="rId3">
               <a:extLst>
                 <a:ext uri="{28A0092B-C50C-407E-A947-70E740481C1C}">
                   <a14:useLocalDpi xmlns:a14="http://schemas.microsoft.com/office/drawing/2010/main" val="0"/>
@@ -29864,45 +29470,45 @@
                 <a:rPr lang="pt-PT" sz="900" b="1" dirty="0">
                   <a:latin typeface="Archivo"/>
                 </a:rPr>
-                <a:t>Fig. 11 </a:t>
+                <a:t>Fig. 12 </a:t>
               </a:r>
               <a:r>
-                <a:rPr lang="pt-PT" sz="900" i="1" dirty="0">
+                <a:rPr lang="pt-PT" sz="900" dirty="0">
                   <a:latin typeface="Archivo"/>
                 </a:rPr>
                 <a:t>– </a:t>
               </a:r>
               <a:r>
-                <a:rPr lang="en-US" sz="900" i="1" dirty="0">
+                <a:rPr lang="en-US" sz="900" dirty="0">
                   <a:latin typeface="Archivo"/>
                 </a:rPr>
                 <a:t>Previous</a:t>
               </a:r>
               <a:r>
-                <a:rPr lang="pt-PT" sz="900" i="1" dirty="0">
+                <a:rPr lang="pt-PT" sz="900" dirty="0">
                   <a:latin typeface="Archivo"/>
                 </a:rPr>
                 <a:t> </a:t>
               </a:r>
               <a:r>
-                <a:rPr lang="pt-PT" sz="900" i="1" dirty="0" err="1">
+                <a:rPr lang="pt-PT" sz="900" dirty="0" err="1">
                   <a:latin typeface="Archivo"/>
                 </a:rPr>
                 <a:t>project</a:t>
               </a:r>
               <a:r>
-                <a:rPr lang="pt-PT" sz="900" i="1" dirty="0">
+                <a:rPr lang="pt-PT" sz="900" dirty="0">
                   <a:latin typeface="Archivo"/>
                 </a:rPr>
                 <a:t> </a:t>
               </a:r>
               <a:r>
-                <a:rPr lang="pt-PT" sz="900" i="1" dirty="0" err="1">
+                <a:rPr lang="pt-PT" sz="900" dirty="0" err="1">
                   <a:latin typeface="Archivo"/>
                 </a:rPr>
                 <a:t>frontend</a:t>
               </a:r>
-              <a:endParaRPr lang="pt-PT" sz="900" i="1" dirty="0">
+              <a:endParaRPr lang="pt-PT" sz="900" dirty="0">
                 <a:latin typeface="Archivo"/>
               </a:endParaRPr>
             </a:p>
@@ -29922,2733 +29528,7 @@
 </p:sld>
 </file>
 
-<file path=ppt/slides/slide25.xml><?xml version="1.0" encoding="utf-8"?>
-<p:sld xmlns:a="http://schemas.openxmlformats.org/drawingml/2006/main" xmlns:r="http://schemas.openxmlformats.org/officeDocument/2006/relationships" xmlns:p="http://schemas.openxmlformats.org/presentationml/2006/main">
-  <p:cSld>
-    <p:spTree>
-      <p:nvGrpSpPr>
-        <p:cNvPr id="1" name="">
-          <a:extLst>
-            <a:ext uri="{FF2B5EF4-FFF2-40B4-BE49-F238E27FC236}">
-              <a16:creationId xmlns:a16="http://schemas.microsoft.com/office/drawing/2014/main" id="{7361787E-5ACD-A040-F9FF-B65350D190D9}"/>
-            </a:ext>
-          </a:extLst>
-        </p:cNvPr>
-        <p:cNvGrpSpPr/>
-        <p:nvPr/>
-      </p:nvGrpSpPr>
-      <p:grpSpPr>
-        <a:xfrm>
-          <a:off x="0" y="0"/>
-          <a:ext cx="0" cy="0"/>
-          <a:chOff x="0" y="0"/>
-          <a:chExt cx="0" cy="0"/>
-        </a:xfrm>
-      </p:grpSpPr>
-      <p:sp>
-        <p:nvSpPr>
-          <p:cNvPr id="2" name="Title 1">
-            <a:extLst>
-              <a:ext uri="{FF2B5EF4-FFF2-40B4-BE49-F238E27FC236}">
-                <a16:creationId xmlns:a16="http://schemas.microsoft.com/office/drawing/2014/main" id="{470C8AC4-47B8-CA59-9FEA-4ABA7D98F203}"/>
-              </a:ext>
-            </a:extLst>
-          </p:cNvPr>
-          <p:cNvSpPr>
-            <a:spLocks noGrp="1"/>
-          </p:cNvSpPr>
-          <p:nvPr>
-            <p:ph type="title"/>
-          </p:nvPr>
-        </p:nvSpPr>
-        <p:spPr/>
-        <p:txBody>
-          <a:bodyPr/>
-          <a:lstStyle/>
-          <a:p>
-            <a:r>
-              <a:rPr lang="pt-PT" dirty="0"/>
-              <a:t>Referencies</a:t>
-            </a:r>
-          </a:p>
-        </p:txBody>
-      </p:sp>
-      <p:sp>
-        <p:nvSpPr>
-          <p:cNvPr id="3" name="Slide Number Placeholder 2">
-            <a:extLst>
-              <a:ext uri="{FF2B5EF4-FFF2-40B4-BE49-F238E27FC236}">
-                <a16:creationId xmlns:a16="http://schemas.microsoft.com/office/drawing/2014/main" id="{1581D357-75D1-A73C-3DFD-F7BD4B36D077}"/>
-              </a:ext>
-            </a:extLst>
-          </p:cNvPr>
-          <p:cNvSpPr>
-            <a:spLocks noGrp="1"/>
-          </p:cNvSpPr>
-          <p:nvPr>
-            <p:ph type="sldNum" sz="quarter" idx="11"/>
-          </p:nvPr>
-        </p:nvSpPr>
-        <p:spPr/>
-        <p:txBody>
-          <a:bodyPr/>
-          <a:lstStyle/>
-          <a:p>
-            <a:fld id="{8BC8727B-4240-4963-929A-A961B0E9EF8D}" type="slidenum">
-              <a:rPr lang="pt-PT" smtClean="0"/>
-              <a:t>25</a:t>
-            </a:fld>
-            <a:endParaRPr lang="pt-PT"/>
-          </a:p>
-        </p:txBody>
-      </p:sp>
-      <p:sp>
-        <p:nvSpPr>
-          <p:cNvPr id="5" name="TextBox 4">
-            <a:extLst>
-              <a:ext uri="{FF2B5EF4-FFF2-40B4-BE49-F238E27FC236}">
-                <a16:creationId xmlns:a16="http://schemas.microsoft.com/office/drawing/2014/main" id="{275E4F6F-4F66-0C30-44AD-52CA4DCB277C}"/>
-              </a:ext>
-            </a:extLst>
-          </p:cNvPr>
-          <p:cNvSpPr txBox="1"/>
-          <p:nvPr/>
-        </p:nvSpPr>
-        <p:spPr>
-          <a:xfrm>
-            <a:off x="628649" y="1115787"/>
-            <a:ext cx="3760559" cy="3693319"/>
-          </a:xfrm>
-          <a:prstGeom prst="rect">
-            <a:avLst/>
-          </a:prstGeom>
-          <a:noFill/>
-        </p:spPr>
-        <p:txBody>
-          <a:bodyPr wrap="square">
-            <a:spAutoFit/>
-          </a:bodyPr>
-          <a:lstStyle/>
-          <a:p>
-            <a:r>
-              <a:rPr lang="pt-PT" sz="900" dirty="0">
-                <a:latin typeface="Archivo"/>
-              </a:rPr>
-              <a:t>[1] U. D. Porto, “</a:t>
-            </a:r>
-            <a:r>
-              <a:rPr lang="pt-PT" sz="900" dirty="0" err="1">
-                <a:latin typeface="Archivo"/>
-              </a:rPr>
-              <a:t>Fcup</a:t>
-            </a:r>
-            <a:r>
-              <a:rPr lang="pt-PT" sz="900" dirty="0">
-                <a:latin typeface="Archivo"/>
-              </a:rPr>
-              <a:t> em números.” [Online]. </a:t>
-            </a:r>
-            <a:r>
-              <a:rPr lang="pt-PT" sz="900" dirty="0" err="1">
-                <a:latin typeface="Archivo"/>
-              </a:rPr>
-              <a:t>Available</a:t>
-            </a:r>
-            <a:r>
-              <a:rPr lang="pt-PT" sz="900" dirty="0">
-                <a:latin typeface="Archivo"/>
-              </a:rPr>
-              <a:t>: </a:t>
-            </a:r>
-            <a:r>
-              <a:rPr lang="pt-PT" sz="900" dirty="0">
-                <a:latin typeface="Archivo"/>
-                <a:hlinkClick r:id="rId2"/>
-              </a:rPr>
-              <a:t>https://www.up.pt/fcup/pt/afcup/institucional/fcup-em-numeros/</a:t>
-            </a:r>
-            <a:endParaRPr lang="pt-PT" sz="900" dirty="0">
-              <a:latin typeface="Archivo"/>
-            </a:endParaRPr>
-          </a:p>
-          <a:p>
-            <a:r>
-              <a:rPr lang="pt-PT" sz="900" dirty="0">
-                <a:latin typeface="Archivo"/>
-              </a:rPr>
-              <a:t>[2] C. B. </a:t>
-            </a:r>
-            <a:r>
-              <a:rPr lang="pt-PT" sz="900" dirty="0" err="1">
-                <a:latin typeface="Archivo"/>
-              </a:rPr>
-              <a:t>Browne</a:t>
-            </a:r>
-            <a:r>
-              <a:rPr lang="pt-PT" sz="900" dirty="0">
-                <a:latin typeface="Archivo"/>
-              </a:rPr>
-              <a:t>, E. </a:t>
-            </a:r>
-            <a:r>
-              <a:rPr lang="pt-PT" sz="900" dirty="0" err="1">
-                <a:latin typeface="Archivo"/>
-              </a:rPr>
-              <a:t>Powley</a:t>
-            </a:r>
-            <a:r>
-              <a:rPr lang="pt-PT" sz="900" dirty="0">
-                <a:latin typeface="Archivo"/>
-              </a:rPr>
-              <a:t>, D. </a:t>
-            </a:r>
-            <a:r>
-              <a:rPr lang="pt-PT" sz="900" dirty="0" err="1">
-                <a:latin typeface="Archivo"/>
-              </a:rPr>
-              <a:t>Whitehouse</a:t>
-            </a:r>
-            <a:r>
-              <a:rPr lang="pt-PT" sz="900" dirty="0">
-                <a:latin typeface="Archivo"/>
-              </a:rPr>
-              <a:t>, S. M. Lucas, P. I. </a:t>
-            </a:r>
-            <a:r>
-              <a:rPr lang="pt-PT" sz="900" dirty="0" err="1">
-                <a:latin typeface="Archivo"/>
-              </a:rPr>
-              <a:t>Cowling</a:t>
-            </a:r>
-            <a:r>
-              <a:rPr lang="pt-PT" sz="900" dirty="0">
-                <a:latin typeface="Archivo"/>
-              </a:rPr>
-              <a:t>, P. </a:t>
-            </a:r>
-            <a:r>
-              <a:rPr lang="pt-PT" sz="900" dirty="0" err="1">
-                <a:latin typeface="Archivo"/>
-              </a:rPr>
-              <a:t>Rohlfshagen</a:t>
-            </a:r>
-            <a:r>
-              <a:rPr lang="pt-PT" sz="900" dirty="0">
-                <a:latin typeface="Archivo"/>
-              </a:rPr>
-              <a:t>, S. </a:t>
-            </a:r>
-            <a:r>
-              <a:rPr lang="pt-PT" sz="900" dirty="0" err="1">
-                <a:latin typeface="Archivo"/>
-              </a:rPr>
-              <a:t>Tavener</a:t>
-            </a:r>
-            <a:r>
-              <a:rPr lang="pt-PT" sz="900" dirty="0">
-                <a:latin typeface="Archivo"/>
-              </a:rPr>
-              <a:t>, D. </a:t>
-            </a:r>
-            <a:r>
-              <a:rPr lang="pt-PT" sz="900" dirty="0" err="1">
-                <a:latin typeface="Archivo"/>
-              </a:rPr>
-              <a:t>Perez</a:t>
-            </a:r>
-            <a:r>
-              <a:rPr lang="pt-PT" sz="900" dirty="0">
-                <a:latin typeface="Archivo"/>
-              </a:rPr>
-              <a:t>, S. </a:t>
-            </a:r>
-            <a:r>
-              <a:rPr lang="pt-PT" sz="900" dirty="0" err="1">
-                <a:latin typeface="Archivo"/>
-              </a:rPr>
-              <a:t>Samothrakis</a:t>
-            </a:r>
-            <a:r>
-              <a:rPr lang="pt-PT" sz="900" dirty="0">
-                <a:latin typeface="Archivo"/>
-              </a:rPr>
-              <a:t>, </a:t>
-            </a:r>
-            <a:r>
-              <a:rPr lang="pt-PT" sz="900" dirty="0" err="1">
-                <a:latin typeface="Archivo"/>
-              </a:rPr>
-              <a:t>and</a:t>
-            </a:r>
-            <a:r>
-              <a:rPr lang="pt-PT" sz="900" dirty="0">
-                <a:latin typeface="Archivo"/>
-              </a:rPr>
-              <a:t> S. </a:t>
-            </a:r>
-            <a:r>
-              <a:rPr lang="pt-PT" sz="900" dirty="0" err="1">
-                <a:latin typeface="Archivo"/>
-              </a:rPr>
-              <a:t>Colton</a:t>
-            </a:r>
-            <a:r>
-              <a:rPr lang="pt-PT" sz="900" dirty="0">
-                <a:latin typeface="Archivo"/>
-              </a:rPr>
-              <a:t>, “A </a:t>
-            </a:r>
-            <a:r>
-              <a:rPr lang="pt-PT" sz="900" dirty="0" err="1">
-                <a:latin typeface="Archivo"/>
-              </a:rPr>
-              <a:t>survey</a:t>
-            </a:r>
-            <a:r>
-              <a:rPr lang="pt-PT" sz="900" dirty="0">
-                <a:latin typeface="Archivo"/>
-              </a:rPr>
-              <a:t> </a:t>
-            </a:r>
-            <a:r>
-              <a:rPr lang="pt-PT" sz="900" dirty="0" err="1">
-                <a:latin typeface="Archivo"/>
-              </a:rPr>
-              <a:t>of</a:t>
-            </a:r>
-            <a:r>
-              <a:rPr lang="pt-PT" sz="900" dirty="0">
-                <a:latin typeface="Archivo"/>
-              </a:rPr>
-              <a:t> monte </a:t>
-            </a:r>
-            <a:r>
-              <a:rPr lang="pt-PT" sz="900" dirty="0" err="1">
-                <a:latin typeface="Archivo"/>
-              </a:rPr>
-              <a:t>carlo</a:t>
-            </a:r>
-            <a:r>
-              <a:rPr lang="pt-PT" sz="900" dirty="0">
-                <a:latin typeface="Archivo"/>
-              </a:rPr>
-              <a:t> </a:t>
-            </a:r>
-            <a:r>
-              <a:rPr lang="pt-PT" sz="900" dirty="0" err="1">
-                <a:latin typeface="Archivo"/>
-              </a:rPr>
-              <a:t>tree</a:t>
-            </a:r>
-            <a:r>
-              <a:rPr lang="pt-PT" sz="900" dirty="0">
-                <a:latin typeface="Archivo"/>
-              </a:rPr>
-              <a:t> </a:t>
-            </a:r>
-            <a:r>
-              <a:rPr lang="pt-PT" sz="900" dirty="0" err="1">
-                <a:latin typeface="Archivo"/>
-              </a:rPr>
-              <a:t>search</a:t>
-            </a:r>
-            <a:r>
-              <a:rPr lang="pt-PT" sz="900" dirty="0">
-                <a:latin typeface="Archivo"/>
-              </a:rPr>
-              <a:t> </a:t>
-            </a:r>
-            <a:r>
-              <a:rPr lang="pt-PT" sz="900" dirty="0" err="1">
-                <a:latin typeface="Archivo"/>
-              </a:rPr>
-              <a:t>methods</a:t>
-            </a:r>
-            <a:r>
-              <a:rPr lang="pt-PT" sz="900" dirty="0">
-                <a:latin typeface="Archivo"/>
-              </a:rPr>
-              <a:t>,” IEEE </a:t>
-            </a:r>
-            <a:r>
-              <a:rPr lang="pt-PT" sz="900" dirty="0" err="1">
-                <a:latin typeface="Archivo"/>
-              </a:rPr>
-              <a:t>Transactions</a:t>
-            </a:r>
-            <a:r>
-              <a:rPr lang="pt-PT" sz="900" dirty="0">
-                <a:latin typeface="Archivo"/>
-              </a:rPr>
-              <a:t> </a:t>
-            </a:r>
-            <a:r>
-              <a:rPr lang="pt-PT" sz="900" dirty="0" err="1">
-                <a:latin typeface="Archivo"/>
-              </a:rPr>
-              <a:t>on</a:t>
-            </a:r>
-            <a:r>
-              <a:rPr lang="pt-PT" sz="900" dirty="0">
-                <a:latin typeface="Archivo"/>
-              </a:rPr>
-              <a:t> </a:t>
-            </a:r>
-            <a:r>
-              <a:rPr lang="pt-PT" sz="900" dirty="0" err="1">
-                <a:latin typeface="Archivo"/>
-              </a:rPr>
-              <a:t>Computational</a:t>
-            </a:r>
-            <a:r>
-              <a:rPr lang="pt-PT" sz="900" dirty="0">
-                <a:latin typeface="Archivo"/>
-              </a:rPr>
-              <a:t> </a:t>
-            </a:r>
-            <a:r>
-              <a:rPr lang="pt-PT" sz="900" dirty="0" err="1">
-                <a:latin typeface="Archivo"/>
-              </a:rPr>
-              <a:t>Intelligence</a:t>
-            </a:r>
-            <a:r>
-              <a:rPr lang="pt-PT" sz="900" dirty="0">
-                <a:latin typeface="Archivo"/>
-              </a:rPr>
-              <a:t> </a:t>
-            </a:r>
-            <a:r>
-              <a:rPr lang="pt-PT" sz="900" dirty="0" err="1">
-                <a:latin typeface="Archivo"/>
-              </a:rPr>
-              <a:t>and</a:t>
-            </a:r>
-            <a:r>
-              <a:rPr lang="pt-PT" sz="900" dirty="0">
-                <a:latin typeface="Archivo"/>
-              </a:rPr>
-              <a:t> AI in Games, vol. 4, no. 1, pp. 1–43, Mar. 2012, </a:t>
-            </a:r>
-            <a:r>
-              <a:rPr lang="pt-PT" sz="900" dirty="0" err="1">
-                <a:latin typeface="Archivo"/>
-              </a:rPr>
-              <a:t>conference</a:t>
-            </a:r>
-            <a:r>
-              <a:rPr lang="pt-PT" sz="900" dirty="0">
-                <a:latin typeface="Archivo"/>
-              </a:rPr>
-              <a:t> </a:t>
-            </a:r>
-            <a:r>
-              <a:rPr lang="pt-PT" sz="900" dirty="0" err="1">
-                <a:latin typeface="Archivo"/>
-              </a:rPr>
-              <a:t>Name</a:t>
-            </a:r>
-            <a:r>
-              <a:rPr lang="pt-PT" sz="900" dirty="0">
-                <a:latin typeface="Archivo"/>
-              </a:rPr>
-              <a:t>: IEEE </a:t>
-            </a:r>
-            <a:r>
-              <a:rPr lang="pt-PT" sz="900" dirty="0" err="1">
-                <a:latin typeface="Archivo"/>
-              </a:rPr>
-              <a:t>Transactions</a:t>
-            </a:r>
-            <a:r>
-              <a:rPr lang="pt-PT" sz="900" dirty="0">
-                <a:latin typeface="Archivo"/>
-              </a:rPr>
-              <a:t> </a:t>
-            </a:r>
-            <a:r>
-              <a:rPr lang="pt-PT" sz="900" dirty="0" err="1">
-                <a:latin typeface="Archivo"/>
-              </a:rPr>
-              <a:t>on</a:t>
-            </a:r>
-            <a:r>
-              <a:rPr lang="pt-PT" sz="900" dirty="0">
-                <a:latin typeface="Archivo"/>
-              </a:rPr>
-              <a:t> </a:t>
-            </a:r>
-            <a:r>
-              <a:rPr lang="pt-PT" sz="900" dirty="0" err="1">
-                <a:latin typeface="Archivo"/>
-              </a:rPr>
-              <a:t>Computational</a:t>
-            </a:r>
-            <a:r>
-              <a:rPr lang="pt-PT" sz="900" dirty="0">
-                <a:latin typeface="Archivo"/>
-              </a:rPr>
-              <a:t> </a:t>
-            </a:r>
-            <a:r>
-              <a:rPr lang="pt-PT" sz="900" dirty="0" err="1">
-                <a:latin typeface="Archivo"/>
-              </a:rPr>
-              <a:t>Intelligence</a:t>
-            </a:r>
-            <a:r>
-              <a:rPr lang="pt-PT" sz="900" dirty="0">
-                <a:latin typeface="Archivo"/>
-              </a:rPr>
-              <a:t> </a:t>
-            </a:r>
-            <a:r>
-              <a:rPr lang="pt-PT" sz="900" dirty="0" err="1">
-                <a:latin typeface="Archivo"/>
-              </a:rPr>
-              <a:t>and</a:t>
-            </a:r>
-            <a:r>
-              <a:rPr lang="pt-PT" sz="900" dirty="0">
-                <a:latin typeface="Archivo"/>
-              </a:rPr>
-              <a:t> AI in Games. [Online]. </a:t>
-            </a:r>
-            <a:r>
-              <a:rPr lang="pt-PT" sz="900" dirty="0" err="1">
-                <a:latin typeface="Archivo"/>
-              </a:rPr>
-              <a:t>Available</a:t>
-            </a:r>
-            <a:r>
-              <a:rPr lang="pt-PT" sz="900" dirty="0">
-                <a:latin typeface="Archivo"/>
-              </a:rPr>
-              <a:t>: </a:t>
-            </a:r>
-            <a:r>
-              <a:rPr lang="pt-PT" sz="900" dirty="0">
-                <a:latin typeface="Archivo"/>
-                <a:hlinkClick r:id="rId3"/>
-              </a:rPr>
-              <a:t>https://ieeexplore.ieee.org/document/6145622/?arnumber=6145622</a:t>
-            </a:r>
-            <a:endParaRPr lang="pt-PT" sz="900" dirty="0">
-              <a:latin typeface="Archivo"/>
-            </a:endParaRPr>
-          </a:p>
-          <a:p>
-            <a:r>
-              <a:rPr lang="pt-PT" sz="900" dirty="0">
-                <a:latin typeface="Archivo"/>
-              </a:rPr>
-              <a:t>[3] R. Lewis, “A </a:t>
-            </a:r>
-            <a:r>
-              <a:rPr lang="pt-PT" sz="900" dirty="0" err="1">
-                <a:latin typeface="Archivo"/>
-              </a:rPr>
-              <a:t>survey</a:t>
-            </a:r>
-            <a:r>
-              <a:rPr lang="pt-PT" sz="900" dirty="0">
-                <a:latin typeface="Archivo"/>
-              </a:rPr>
-              <a:t> </a:t>
-            </a:r>
-            <a:r>
-              <a:rPr lang="pt-PT" sz="900" dirty="0" err="1">
-                <a:latin typeface="Archivo"/>
-              </a:rPr>
-              <a:t>of</a:t>
-            </a:r>
-            <a:r>
-              <a:rPr lang="pt-PT" sz="900" dirty="0">
-                <a:latin typeface="Archivo"/>
-              </a:rPr>
-              <a:t> </a:t>
-            </a:r>
-            <a:r>
-              <a:rPr lang="pt-PT" sz="900" dirty="0" err="1">
-                <a:latin typeface="Archivo"/>
-              </a:rPr>
-              <a:t>metaheuristic-based</a:t>
-            </a:r>
-            <a:r>
-              <a:rPr lang="pt-PT" sz="900" dirty="0">
-                <a:latin typeface="Archivo"/>
-              </a:rPr>
-              <a:t> </a:t>
-            </a:r>
-            <a:r>
-              <a:rPr lang="pt-PT" sz="900" dirty="0" err="1">
-                <a:latin typeface="Archivo"/>
-              </a:rPr>
-              <a:t>techniques</a:t>
-            </a:r>
-            <a:r>
-              <a:rPr lang="pt-PT" sz="900" dirty="0">
-                <a:latin typeface="Archivo"/>
-              </a:rPr>
-              <a:t> for </a:t>
-            </a:r>
-            <a:r>
-              <a:rPr lang="pt-PT" sz="900" dirty="0" err="1">
-                <a:latin typeface="Archivo"/>
-              </a:rPr>
-              <a:t>university</a:t>
-            </a:r>
-            <a:r>
-              <a:rPr lang="pt-PT" sz="900" dirty="0">
-                <a:latin typeface="Archivo"/>
-              </a:rPr>
-              <a:t> </a:t>
-            </a:r>
-            <a:r>
-              <a:rPr lang="pt-PT" sz="900" dirty="0" err="1">
-                <a:latin typeface="Archivo"/>
-              </a:rPr>
-              <a:t>timetabling</a:t>
-            </a:r>
-            <a:r>
-              <a:rPr lang="pt-PT" sz="900" dirty="0">
-                <a:latin typeface="Archivo"/>
-              </a:rPr>
-              <a:t> </a:t>
-            </a:r>
-            <a:r>
-              <a:rPr lang="pt-PT" sz="900" dirty="0" err="1">
-                <a:latin typeface="Archivo"/>
-              </a:rPr>
-              <a:t>problems</a:t>
-            </a:r>
-            <a:r>
-              <a:rPr lang="pt-PT" sz="900" dirty="0">
-                <a:latin typeface="Archivo"/>
-              </a:rPr>
-              <a:t>,” OR </a:t>
-            </a:r>
-            <a:r>
-              <a:rPr lang="pt-PT" sz="900" dirty="0" err="1">
-                <a:latin typeface="Archivo"/>
-              </a:rPr>
-              <a:t>Spectrum</a:t>
-            </a:r>
-            <a:r>
-              <a:rPr lang="pt-PT" sz="900" dirty="0">
-                <a:latin typeface="Archivo"/>
-              </a:rPr>
-              <a:t>, vol. 30, no. 1, pp. 167–190, Jan. 2008. [Online]. </a:t>
-            </a:r>
-            <a:r>
-              <a:rPr lang="pt-PT" sz="900" dirty="0" err="1">
-                <a:latin typeface="Archivo"/>
-              </a:rPr>
-              <a:t>Available</a:t>
-            </a:r>
-            <a:r>
-              <a:rPr lang="pt-PT" sz="900" dirty="0">
-                <a:latin typeface="Archivo"/>
-              </a:rPr>
-              <a:t>: </a:t>
-            </a:r>
-            <a:r>
-              <a:rPr lang="pt-PT" sz="900" dirty="0">
-                <a:latin typeface="Archivo"/>
-                <a:hlinkClick r:id="rId4"/>
-              </a:rPr>
-              <a:t>https://doi.org/10.1007/s00291-007-0097-0</a:t>
-            </a:r>
-            <a:endParaRPr lang="pt-PT" sz="900" dirty="0">
-              <a:latin typeface="Archivo"/>
-            </a:endParaRPr>
-          </a:p>
-          <a:p>
-            <a:r>
-              <a:rPr lang="pt-PT" sz="900" dirty="0">
-                <a:latin typeface="Archivo"/>
-              </a:rPr>
-              <a:t>[4] S. </a:t>
-            </a:r>
-            <a:r>
-              <a:rPr lang="pt-PT" sz="900" dirty="0" err="1">
-                <a:latin typeface="Archivo"/>
-              </a:rPr>
-              <a:t>Abdipoor</a:t>
-            </a:r>
-            <a:r>
-              <a:rPr lang="pt-PT" sz="900" dirty="0">
-                <a:latin typeface="Archivo"/>
-              </a:rPr>
-              <a:t>, R. </a:t>
-            </a:r>
-            <a:r>
-              <a:rPr lang="pt-PT" sz="900" dirty="0" err="1">
-                <a:latin typeface="Archivo"/>
-              </a:rPr>
-              <a:t>Yaakob</a:t>
-            </a:r>
-            <a:r>
-              <a:rPr lang="pt-PT" sz="900" dirty="0">
-                <a:latin typeface="Archivo"/>
-              </a:rPr>
-              <a:t>, S. L. </a:t>
-            </a:r>
-            <a:r>
-              <a:rPr lang="pt-PT" sz="900" dirty="0" err="1">
-                <a:latin typeface="Archivo"/>
-              </a:rPr>
-              <a:t>Goh</a:t>
-            </a:r>
-            <a:r>
-              <a:rPr lang="pt-PT" sz="900" dirty="0">
-                <a:latin typeface="Archivo"/>
-              </a:rPr>
-              <a:t>, </a:t>
-            </a:r>
-            <a:r>
-              <a:rPr lang="pt-PT" sz="900" dirty="0" err="1">
-                <a:latin typeface="Archivo"/>
-              </a:rPr>
-              <a:t>and</a:t>
-            </a:r>
-            <a:r>
-              <a:rPr lang="pt-PT" sz="900" dirty="0">
-                <a:latin typeface="Archivo"/>
-              </a:rPr>
-              <a:t> S. </a:t>
-            </a:r>
-            <a:r>
-              <a:rPr lang="pt-PT" sz="900" dirty="0" err="1">
-                <a:latin typeface="Archivo"/>
-              </a:rPr>
-              <a:t>Abdullah</a:t>
-            </a:r>
-            <a:r>
-              <a:rPr lang="pt-PT" sz="900" dirty="0">
-                <a:latin typeface="Archivo"/>
-              </a:rPr>
-              <a:t>, “Meta-</a:t>
-            </a:r>
-            <a:r>
-              <a:rPr lang="pt-PT" sz="900" dirty="0" err="1">
-                <a:latin typeface="Archivo"/>
-              </a:rPr>
-              <a:t>heuristic</a:t>
-            </a:r>
-            <a:r>
-              <a:rPr lang="pt-PT" sz="900" dirty="0">
-                <a:latin typeface="Archivo"/>
-              </a:rPr>
-              <a:t> </a:t>
-            </a:r>
-            <a:r>
-              <a:rPr lang="pt-PT" sz="900" dirty="0" err="1">
-                <a:latin typeface="Archivo"/>
-              </a:rPr>
-              <a:t>approaches</a:t>
-            </a:r>
-            <a:r>
-              <a:rPr lang="pt-PT" sz="900" dirty="0">
-                <a:latin typeface="Archivo"/>
-              </a:rPr>
-              <a:t> for </a:t>
-            </a:r>
-            <a:r>
-              <a:rPr lang="pt-PT" sz="900" dirty="0" err="1">
-                <a:latin typeface="Archivo"/>
-              </a:rPr>
-              <a:t>the</a:t>
-            </a:r>
-            <a:r>
-              <a:rPr lang="pt-PT" sz="900" dirty="0">
-                <a:latin typeface="Archivo"/>
-              </a:rPr>
-              <a:t> </a:t>
-            </a:r>
-            <a:r>
-              <a:rPr lang="pt-PT" sz="900" dirty="0" err="1">
-                <a:latin typeface="Archivo"/>
-              </a:rPr>
-              <a:t>university</a:t>
-            </a:r>
-            <a:r>
-              <a:rPr lang="pt-PT" sz="900" dirty="0">
-                <a:latin typeface="Archivo"/>
-              </a:rPr>
-              <a:t> </a:t>
-            </a:r>
-            <a:r>
-              <a:rPr lang="pt-PT" sz="900" dirty="0" err="1">
-                <a:latin typeface="Archivo"/>
-              </a:rPr>
-              <a:t>course</a:t>
-            </a:r>
-            <a:r>
-              <a:rPr lang="pt-PT" sz="900" dirty="0">
-                <a:latin typeface="Archivo"/>
-              </a:rPr>
-              <a:t> </a:t>
-            </a:r>
-            <a:r>
-              <a:rPr lang="pt-PT" sz="900" dirty="0" err="1">
-                <a:latin typeface="Archivo"/>
-              </a:rPr>
-              <a:t>timetabling</a:t>
-            </a:r>
-            <a:r>
-              <a:rPr lang="pt-PT" sz="900" dirty="0">
-                <a:latin typeface="Archivo"/>
-              </a:rPr>
-              <a:t> </a:t>
-            </a:r>
-            <a:r>
-              <a:rPr lang="pt-PT" sz="900" dirty="0" err="1">
-                <a:latin typeface="Archivo"/>
-              </a:rPr>
-              <a:t>problem</a:t>
-            </a:r>
-            <a:r>
-              <a:rPr lang="pt-PT" sz="900" dirty="0">
-                <a:latin typeface="Archivo"/>
-              </a:rPr>
-              <a:t>,” </a:t>
-            </a:r>
-            <a:r>
-              <a:rPr lang="pt-PT" sz="900" dirty="0" err="1">
-                <a:latin typeface="Archivo"/>
-              </a:rPr>
-              <a:t>Intelligent</a:t>
-            </a:r>
-            <a:r>
-              <a:rPr lang="pt-PT" sz="900" dirty="0">
-                <a:latin typeface="Archivo"/>
-              </a:rPr>
-              <a:t> </a:t>
-            </a:r>
-            <a:r>
-              <a:rPr lang="pt-PT" sz="900" dirty="0" err="1">
-                <a:latin typeface="Archivo"/>
-              </a:rPr>
-              <a:t>Systems</a:t>
-            </a:r>
-            <a:r>
-              <a:rPr lang="pt-PT" sz="900" dirty="0">
-                <a:latin typeface="Archivo"/>
-              </a:rPr>
-              <a:t> </a:t>
-            </a:r>
-            <a:r>
-              <a:rPr lang="pt-PT" sz="900" dirty="0" err="1">
-                <a:latin typeface="Archivo"/>
-              </a:rPr>
-              <a:t>with</a:t>
-            </a:r>
-            <a:r>
-              <a:rPr lang="pt-PT" sz="900" dirty="0">
-                <a:latin typeface="Archivo"/>
-              </a:rPr>
-              <a:t> </a:t>
-            </a:r>
-            <a:r>
-              <a:rPr lang="pt-PT" sz="900" dirty="0" err="1">
-                <a:latin typeface="Archivo"/>
-              </a:rPr>
-              <a:t>Applications</a:t>
-            </a:r>
-            <a:r>
-              <a:rPr lang="pt-PT" sz="900" dirty="0">
-                <a:latin typeface="Archivo"/>
-              </a:rPr>
-              <a:t>, vol. 19, p. 200253, </a:t>
-            </a:r>
-            <a:r>
-              <a:rPr lang="pt-PT" sz="900" dirty="0" err="1">
-                <a:latin typeface="Archivo"/>
-              </a:rPr>
-              <a:t>Sep</a:t>
-            </a:r>
-            <a:r>
-              <a:rPr lang="pt-PT" sz="900" dirty="0">
-                <a:latin typeface="Archivo"/>
-              </a:rPr>
-              <a:t>. 2023. [Online]. </a:t>
-            </a:r>
-            <a:r>
-              <a:rPr lang="pt-PT" sz="900" dirty="0" err="1">
-                <a:latin typeface="Archivo"/>
-              </a:rPr>
-              <a:t>Available</a:t>
-            </a:r>
-            <a:r>
-              <a:rPr lang="pt-PT" sz="900" dirty="0">
-                <a:latin typeface="Archivo"/>
-              </a:rPr>
-              <a:t>: </a:t>
-            </a:r>
-            <a:r>
-              <a:rPr lang="pt-PT" sz="900" dirty="0">
-                <a:latin typeface="Archivo"/>
-                <a:hlinkClick r:id="rId5"/>
-              </a:rPr>
-              <a:t>https://linkinghub.elsevier.com/retrieve/pii/S2667305323000789</a:t>
-            </a:r>
-            <a:endParaRPr lang="pt-PT" sz="900" dirty="0">
-              <a:latin typeface="Archivo"/>
-            </a:endParaRPr>
-          </a:p>
-          <a:p>
-            <a:r>
-              <a:rPr lang="pt-PT" sz="900" dirty="0">
-                <a:latin typeface="Archivo"/>
-              </a:rPr>
-              <a:t>[5] H. </a:t>
-            </a:r>
-            <a:r>
-              <a:rPr lang="pt-PT" sz="900" dirty="0" err="1">
-                <a:latin typeface="Archivo"/>
-              </a:rPr>
-              <a:t>Babaei</a:t>
-            </a:r>
-            <a:r>
-              <a:rPr lang="pt-PT" sz="900" dirty="0">
-                <a:latin typeface="Archivo"/>
-              </a:rPr>
-              <a:t>, J. </a:t>
-            </a:r>
-            <a:r>
-              <a:rPr lang="pt-PT" sz="900" dirty="0" err="1">
-                <a:latin typeface="Archivo"/>
-              </a:rPr>
-              <a:t>Karimpour</a:t>
-            </a:r>
-            <a:r>
-              <a:rPr lang="pt-PT" sz="900" dirty="0">
-                <a:latin typeface="Archivo"/>
-              </a:rPr>
-              <a:t>, </a:t>
-            </a:r>
-            <a:r>
-              <a:rPr lang="pt-PT" sz="900" dirty="0" err="1">
-                <a:latin typeface="Archivo"/>
-              </a:rPr>
-              <a:t>and</a:t>
-            </a:r>
-            <a:r>
-              <a:rPr lang="pt-PT" sz="900" dirty="0">
-                <a:latin typeface="Archivo"/>
-              </a:rPr>
-              <a:t> A. </a:t>
-            </a:r>
-            <a:r>
-              <a:rPr lang="pt-PT" sz="900" dirty="0" err="1">
-                <a:latin typeface="Archivo"/>
-              </a:rPr>
-              <a:t>Hadidi</a:t>
-            </a:r>
-            <a:r>
-              <a:rPr lang="pt-PT" sz="900" dirty="0">
-                <a:latin typeface="Archivo"/>
-              </a:rPr>
-              <a:t>, “A </a:t>
-            </a:r>
-            <a:r>
-              <a:rPr lang="pt-PT" sz="900" dirty="0" err="1">
-                <a:latin typeface="Archivo"/>
-              </a:rPr>
-              <a:t>survey</a:t>
-            </a:r>
-            <a:r>
-              <a:rPr lang="pt-PT" sz="900" dirty="0">
-                <a:latin typeface="Archivo"/>
-              </a:rPr>
-              <a:t> </a:t>
-            </a:r>
-            <a:r>
-              <a:rPr lang="pt-PT" sz="900" dirty="0" err="1">
-                <a:latin typeface="Archivo"/>
-              </a:rPr>
-              <a:t>of</a:t>
-            </a:r>
-            <a:r>
-              <a:rPr lang="pt-PT" sz="900" dirty="0">
-                <a:latin typeface="Archivo"/>
-              </a:rPr>
-              <a:t> </a:t>
-            </a:r>
-            <a:r>
-              <a:rPr lang="pt-PT" sz="900" dirty="0" err="1">
-                <a:latin typeface="Archivo"/>
-              </a:rPr>
-              <a:t>approaches</a:t>
-            </a:r>
-            <a:r>
-              <a:rPr lang="pt-PT" sz="900" dirty="0">
-                <a:latin typeface="Archivo"/>
-              </a:rPr>
-              <a:t> for </a:t>
-            </a:r>
-            <a:r>
-              <a:rPr lang="pt-PT" sz="900" dirty="0" err="1">
-                <a:latin typeface="Archivo"/>
-              </a:rPr>
-              <a:t>university</a:t>
-            </a:r>
-            <a:r>
-              <a:rPr lang="pt-PT" sz="900" dirty="0">
-                <a:latin typeface="Archivo"/>
-              </a:rPr>
-              <a:t> </a:t>
-            </a:r>
-            <a:r>
-              <a:rPr lang="pt-PT" sz="900" dirty="0" err="1">
-                <a:latin typeface="Archivo"/>
-              </a:rPr>
-              <a:t>course</a:t>
-            </a:r>
-            <a:r>
-              <a:rPr lang="pt-PT" sz="900" dirty="0">
-                <a:latin typeface="Archivo"/>
-              </a:rPr>
-              <a:t> </a:t>
-            </a:r>
-            <a:r>
-              <a:rPr lang="pt-PT" sz="900" dirty="0" err="1">
-                <a:latin typeface="Archivo"/>
-              </a:rPr>
-              <a:t>timetabling</a:t>
-            </a:r>
-            <a:r>
-              <a:rPr lang="pt-PT" sz="900" dirty="0">
-                <a:latin typeface="Archivo"/>
-              </a:rPr>
-              <a:t> </a:t>
-            </a:r>
-            <a:r>
-              <a:rPr lang="pt-PT" sz="900" dirty="0" err="1">
-                <a:latin typeface="Archivo"/>
-              </a:rPr>
-              <a:t>problem</a:t>
-            </a:r>
-            <a:r>
-              <a:rPr lang="pt-PT" sz="900" dirty="0">
-                <a:latin typeface="Archivo"/>
-              </a:rPr>
-              <a:t>,” </a:t>
-            </a:r>
-            <a:r>
-              <a:rPr lang="pt-PT" sz="900" dirty="0" err="1">
-                <a:latin typeface="Archivo"/>
-              </a:rPr>
-              <a:t>Computers</a:t>
-            </a:r>
-            <a:r>
-              <a:rPr lang="pt-PT" sz="900" dirty="0">
-                <a:latin typeface="Archivo"/>
-              </a:rPr>
-              <a:t> &amp; Industrial </a:t>
-            </a:r>
-            <a:r>
-              <a:rPr lang="pt-PT" sz="900" dirty="0" err="1">
-                <a:latin typeface="Archivo"/>
-              </a:rPr>
-              <a:t>Engineering</a:t>
-            </a:r>
-            <a:r>
-              <a:rPr lang="pt-PT" sz="900" dirty="0">
-                <a:latin typeface="Archivo"/>
-              </a:rPr>
-              <a:t>, vol. 86, pp. 43–59, </a:t>
-            </a:r>
-            <a:r>
-              <a:rPr lang="pt-PT" sz="900" dirty="0" err="1">
-                <a:latin typeface="Archivo"/>
-              </a:rPr>
-              <a:t>Aug</a:t>
-            </a:r>
-            <a:r>
-              <a:rPr lang="pt-PT" sz="900" dirty="0">
-                <a:latin typeface="Archivo"/>
-              </a:rPr>
-              <a:t>. 2015. [Online]. </a:t>
-            </a:r>
-            <a:r>
-              <a:rPr lang="pt-PT" sz="900" dirty="0" err="1">
-                <a:latin typeface="Archivo"/>
-              </a:rPr>
-              <a:t>Available</a:t>
-            </a:r>
-            <a:r>
-              <a:rPr lang="pt-PT" sz="900" dirty="0">
-                <a:latin typeface="Archivo"/>
-              </a:rPr>
-              <a:t>: </a:t>
-            </a:r>
-            <a:r>
-              <a:rPr lang="pt-PT" sz="900" dirty="0">
-                <a:latin typeface="Archivo"/>
-                <a:hlinkClick r:id="rId6"/>
-              </a:rPr>
-              <a:t>https://linkinghub.elsevier.com/retrieve/pii/S0360835214003714</a:t>
-            </a:r>
-            <a:endParaRPr lang="pt-PT" sz="900" dirty="0">
-              <a:latin typeface="Archivo"/>
-            </a:endParaRPr>
-          </a:p>
-          <a:p>
-            <a:r>
-              <a:rPr lang="pt-PT" sz="900" dirty="0">
-                <a:latin typeface="Archivo"/>
-              </a:rPr>
-              <a:t>[6] M. C. </a:t>
-            </a:r>
-            <a:r>
-              <a:rPr lang="pt-PT" sz="900" dirty="0" err="1">
-                <a:latin typeface="Archivo"/>
-              </a:rPr>
-              <a:t>Chen</a:t>
-            </a:r>
-            <a:r>
-              <a:rPr lang="pt-PT" sz="900" dirty="0">
-                <a:latin typeface="Archivo"/>
-              </a:rPr>
-              <a:t>, S. N. </a:t>
-            </a:r>
-            <a:r>
-              <a:rPr lang="pt-PT" sz="900" dirty="0" err="1">
-                <a:latin typeface="Archivo"/>
-              </a:rPr>
-              <a:t>Sze</a:t>
-            </a:r>
-            <a:r>
-              <a:rPr lang="pt-PT" sz="900" dirty="0">
-                <a:latin typeface="Archivo"/>
-              </a:rPr>
-              <a:t>, S. L. </a:t>
-            </a:r>
-            <a:r>
-              <a:rPr lang="pt-PT" sz="900" dirty="0" err="1">
-                <a:latin typeface="Archivo"/>
-              </a:rPr>
-              <a:t>Goh</a:t>
-            </a:r>
-            <a:r>
-              <a:rPr lang="pt-PT" sz="900" dirty="0">
-                <a:latin typeface="Archivo"/>
-              </a:rPr>
-              <a:t>, N. R. </a:t>
-            </a:r>
-            <a:r>
-              <a:rPr lang="pt-PT" sz="900" dirty="0" err="1">
-                <a:latin typeface="Archivo"/>
-              </a:rPr>
-              <a:t>Sabar</a:t>
-            </a:r>
-            <a:r>
-              <a:rPr lang="pt-PT" sz="900" dirty="0">
-                <a:latin typeface="Archivo"/>
-              </a:rPr>
-              <a:t>, </a:t>
-            </a:r>
-            <a:r>
-              <a:rPr lang="pt-PT" sz="900" dirty="0" err="1">
-                <a:latin typeface="Archivo"/>
-              </a:rPr>
-              <a:t>and</a:t>
-            </a:r>
-            <a:r>
-              <a:rPr lang="pt-PT" sz="900" dirty="0">
-                <a:latin typeface="Archivo"/>
-              </a:rPr>
-              <a:t> G. Kendall, “A </a:t>
-            </a:r>
-            <a:r>
-              <a:rPr lang="pt-PT" sz="900" dirty="0" err="1">
-                <a:latin typeface="Archivo"/>
-              </a:rPr>
-              <a:t>survey</a:t>
-            </a:r>
-            <a:r>
-              <a:rPr lang="pt-PT" sz="900" dirty="0">
-                <a:latin typeface="Archivo"/>
-              </a:rPr>
-              <a:t> </a:t>
-            </a:r>
-            <a:r>
-              <a:rPr lang="pt-PT" sz="900" dirty="0" err="1">
-                <a:latin typeface="Archivo"/>
-              </a:rPr>
-              <a:t>of</a:t>
-            </a:r>
-            <a:r>
-              <a:rPr lang="pt-PT" sz="900" dirty="0">
-                <a:latin typeface="Archivo"/>
-              </a:rPr>
-              <a:t> </a:t>
-            </a:r>
-            <a:r>
-              <a:rPr lang="pt-PT" sz="900" dirty="0" err="1">
-                <a:latin typeface="Archivo"/>
-              </a:rPr>
-              <a:t>university</a:t>
-            </a:r>
-            <a:r>
-              <a:rPr lang="pt-PT" sz="900" dirty="0">
-                <a:latin typeface="Archivo"/>
-              </a:rPr>
-              <a:t> </a:t>
-            </a:r>
-            <a:r>
-              <a:rPr lang="pt-PT" sz="900" dirty="0" err="1">
-                <a:latin typeface="Archivo"/>
-              </a:rPr>
-              <a:t>course</a:t>
-            </a:r>
-            <a:r>
-              <a:rPr lang="pt-PT" sz="900" dirty="0">
-                <a:latin typeface="Archivo"/>
-              </a:rPr>
-              <a:t> </a:t>
-            </a:r>
-            <a:r>
-              <a:rPr lang="pt-PT" sz="900" dirty="0" err="1">
-                <a:latin typeface="Archivo"/>
-              </a:rPr>
-              <a:t>timetabling</a:t>
-            </a:r>
-            <a:r>
-              <a:rPr lang="pt-PT" sz="900" dirty="0">
-                <a:latin typeface="Archivo"/>
-              </a:rPr>
-              <a:t> </a:t>
-            </a:r>
-            <a:r>
-              <a:rPr lang="pt-PT" sz="900" dirty="0" err="1">
-                <a:latin typeface="Archivo"/>
-              </a:rPr>
-              <a:t>problem</a:t>
-            </a:r>
-            <a:r>
-              <a:rPr lang="pt-PT" sz="900" dirty="0">
-                <a:latin typeface="Archivo"/>
-              </a:rPr>
-              <a:t>: </a:t>
-            </a:r>
-            <a:r>
-              <a:rPr lang="pt-PT" sz="900" dirty="0" err="1">
-                <a:latin typeface="Archivo"/>
-              </a:rPr>
-              <a:t>Perspectives</a:t>
-            </a:r>
-            <a:r>
-              <a:rPr lang="pt-PT" sz="900" dirty="0">
-                <a:latin typeface="Archivo"/>
-              </a:rPr>
-              <a:t>, </a:t>
-            </a:r>
-            <a:r>
-              <a:rPr lang="pt-PT" sz="900" dirty="0" err="1">
-                <a:latin typeface="Archivo"/>
-              </a:rPr>
-              <a:t>trends</a:t>
-            </a:r>
-            <a:r>
-              <a:rPr lang="pt-PT" sz="900" dirty="0">
-                <a:latin typeface="Archivo"/>
-              </a:rPr>
-              <a:t> </a:t>
-            </a:r>
-            <a:r>
-              <a:rPr lang="pt-PT" sz="900" dirty="0" err="1">
-                <a:latin typeface="Archivo"/>
-              </a:rPr>
-              <a:t>and</a:t>
-            </a:r>
-            <a:r>
-              <a:rPr lang="pt-PT" sz="900" dirty="0">
-                <a:latin typeface="Archivo"/>
-              </a:rPr>
-              <a:t> </a:t>
-            </a:r>
-            <a:r>
-              <a:rPr lang="pt-PT" sz="900" dirty="0" err="1">
-                <a:latin typeface="Archivo"/>
-              </a:rPr>
-              <a:t>opportunities</a:t>
-            </a:r>
-            <a:r>
-              <a:rPr lang="pt-PT" sz="900" dirty="0">
-                <a:latin typeface="Archivo"/>
-              </a:rPr>
-              <a:t>,” IEEE Access, vol. 9, pp. 106 515–106 529, 2021, </a:t>
-            </a:r>
-            <a:r>
-              <a:rPr lang="pt-PT" sz="900" dirty="0" err="1">
-                <a:latin typeface="Archivo"/>
-              </a:rPr>
-              <a:t>conference</a:t>
-            </a:r>
-            <a:r>
-              <a:rPr lang="pt-PT" sz="900" dirty="0">
-                <a:latin typeface="Archivo"/>
-              </a:rPr>
-              <a:t> </a:t>
-            </a:r>
-            <a:r>
-              <a:rPr lang="pt-PT" sz="900" dirty="0" err="1">
-                <a:latin typeface="Archivo"/>
-              </a:rPr>
-              <a:t>Name</a:t>
-            </a:r>
-            <a:r>
-              <a:rPr lang="pt-PT" sz="900" dirty="0">
-                <a:latin typeface="Archivo"/>
-              </a:rPr>
-              <a:t>: IEEE Access. [Online]. </a:t>
-            </a:r>
-            <a:r>
-              <a:rPr lang="pt-PT" sz="900" dirty="0" err="1">
-                <a:latin typeface="Archivo"/>
-              </a:rPr>
-              <a:t>Available</a:t>
-            </a:r>
-            <a:r>
-              <a:rPr lang="pt-PT" sz="900" dirty="0">
-                <a:latin typeface="Archivo"/>
-              </a:rPr>
-              <a:t>: </a:t>
-            </a:r>
-            <a:r>
-              <a:rPr lang="pt-PT" sz="900" dirty="0">
-                <a:latin typeface="Archivo"/>
-                <a:hlinkClick r:id="rId7"/>
-              </a:rPr>
-              <a:t>https://ieeexplore.ieee.org/document/9499056/?arnumber=9499056</a:t>
-            </a:r>
-            <a:endParaRPr lang="pt-PT" sz="900" dirty="0">
-              <a:latin typeface="Archivo"/>
-            </a:endParaRPr>
-          </a:p>
-        </p:txBody>
-      </p:sp>
-      <p:sp>
-        <p:nvSpPr>
-          <p:cNvPr id="7" name="TextBox 6">
-            <a:extLst>
-              <a:ext uri="{FF2B5EF4-FFF2-40B4-BE49-F238E27FC236}">
-                <a16:creationId xmlns:a16="http://schemas.microsoft.com/office/drawing/2014/main" id="{8797F9DF-D1E0-A147-D9E2-4668CD7A75C3}"/>
-              </a:ext>
-            </a:extLst>
-          </p:cNvPr>
-          <p:cNvSpPr txBox="1"/>
-          <p:nvPr/>
-        </p:nvSpPr>
-        <p:spPr>
-          <a:xfrm>
-            <a:off x="4663440" y="1115787"/>
-            <a:ext cx="3760560" cy="3277820"/>
-          </a:xfrm>
-          <a:prstGeom prst="rect">
-            <a:avLst/>
-          </a:prstGeom>
-          <a:noFill/>
-        </p:spPr>
-        <p:txBody>
-          <a:bodyPr wrap="square">
-            <a:spAutoFit/>
-          </a:bodyPr>
-          <a:lstStyle/>
-          <a:p>
-            <a:r>
-              <a:rPr lang="pt-PT" sz="900" dirty="0">
-                <a:latin typeface="Archivo"/>
-              </a:rPr>
-              <a:t>[7] E. </a:t>
-            </a:r>
-            <a:r>
-              <a:rPr lang="pt-PT" sz="900" dirty="0" err="1">
-                <a:latin typeface="Archivo"/>
-              </a:rPr>
-              <a:t>Talbi</a:t>
-            </a:r>
-            <a:r>
-              <a:rPr lang="pt-PT" sz="900" dirty="0">
-                <a:latin typeface="Archivo"/>
-              </a:rPr>
-              <a:t>, “</a:t>
-            </a:r>
-            <a:r>
-              <a:rPr lang="pt-PT" sz="900" dirty="0" err="1">
-                <a:latin typeface="Archivo"/>
-              </a:rPr>
-              <a:t>Metaheuristics</a:t>
-            </a:r>
-            <a:r>
-              <a:rPr lang="pt-PT" sz="900" dirty="0">
-                <a:latin typeface="Archivo"/>
-              </a:rPr>
-              <a:t>: </a:t>
-            </a:r>
-            <a:r>
-              <a:rPr lang="pt-PT" sz="900" dirty="0" err="1">
-                <a:latin typeface="Archivo"/>
-              </a:rPr>
-              <a:t>From</a:t>
-            </a:r>
-            <a:r>
-              <a:rPr lang="pt-PT" sz="900" dirty="0">
-                <a:latin typeface="Archivo"/>
-              </a:rPr>
-              <a:t> design to </a:t>
-            </a:r>
-            <a:r>
-              <a:rPr lang="pt-PT" sz="900" dirty="0" err="1">
-                <a:latin typeface="Archivo"/>
-              </a:rPr>
-              <a:t>implementation</a:t>
-            </a:r>
-            <a:r>
-              <a:rPr lang="pt-PT" sz="900" dirty="0">
-                <a:latin typeface="Archivo"/>
-              </a:rPr>
-              <a:t>,” John </a:t>
-            </a:r>
-            <a:r>
-              <a:rPr lang="pt-PT" sz="900" dirty="0" err="1">
-                <a:latin typeface="Archivo"/>
-              </a:rPr>
-              <a:t>Wiley</a:t>
-            </a:r>
-            <a:r>
-              <a:rPr lang="pt-PT" sz="900" dirty="0">
-                <a:latin typeface="Archivo"/>
-              </a:rPr>
-              <a:t> &amp; Sons google </a:t>
-            </a:r>
-            <a:r>
-              <a:rPr lang="pt-PT" sz="900" dirty="0" err="1">
-                <a:latin typeface="Archivo"/>
-              </a:rPr>
-              <a:t>schola</a:t>
-            </a:r>
-            <a:r>
-              <a:rPr lang="pt-PT" sz="900" dirty="0">
-                <a:latin typeface="Archivo"/>
-              </a:rPr>
-              <a:t>, vol. 2, pp. 268–308, 2009. </a:t>
-            </a:r>
-          </a:p>
-          <a:p>
-            <a:r>
-              <a:rPr lang="pt-PT" sz="900" dirty="0">
-                <a:latin typeface="Archivo"/>
-              </a:rPr>
-              <a:t>[8] K.-L. </a:t>
-            </a:r>
-            <a:r>
-              <a:rPr lang="pt-PT" sz="900" dirty="0" err="1">
-                <a:latin typeface="Archivo"/>
-              </a:rPr>
-              <a:t>Du</a:t>
-            </a:r>
-            <a:r>
-              <a:rPr lang="pt-PT" sz="900" dirty="0">
-                <a:latin typeface="Archivo"/>
-              </a:rPr>
-              <a:t>, M. </a:t>
-            </a:r>
-            <a:r>
-              <a:rPr lang="pt-PT" sz="900" dirty="0" err="1">
-                <a:latin typeface="Archivo"/>
-              </a:rPr>
-              <a:t>Swamy</a:t>
-            </a:r>
-            <a:r>
-              <a:rPr lang="pt-PT" sz="900" dirty="0">
-                <a:latin typeface="Archivo"/>
-              </a:rPr>
-              <a:t> </a:t>
-            </a:r>
-            <a:r>
-              <a:rPr lang="pt-PT" sz="900" dirty="0" err="1">
-                <a:latin typeface="Archivo"/>
-              </a:rPr>
-              <a:t>et</a:t>
-            </a:r>
-            <a:r>
-              <a:rPr lang="pt-PT" sz="900" dirty="0">
-                <a:latin typeface="Archivo"/>
-              </a:rPr>
-              <a:t> al., </a:t>
-            </a:r>
-            <a:r>
-              <a:rPr lang="pt-PT" sz="900" dirty="0" err="1">
-                <a:latin typeface="Archivo"/>
-              </a:rPr>
-              <a:t>Search</a:t>
-            </a:r>
-            <a:r>
-              <a:rPr lang="pt-PT" sz="900" dirty="0">
-                <a:latin typeface="Archivo"/>
-              </a:rPr>
-              <a:t> </a:t>
-            </a:r>
-            <a:r>
-              <a:rPr lang="pt-PT" sz="900" dirty="0" err="1">
-                <a:latin typeface="Archivo"/>
-              </a:rPr>
-              <a:t>and</a:t>
-            </a:r>
-            <a:r>
-              <a:rPr lang="pt-PT" sz="900" dirty="0">
-                <a:latin typeface="Archivo"/>
-              </a:rPr>
-              <a:t> </a:t>
-            </a:r>
-            <a:r>
-              <a:rPr lang="pt-PT" sz="900" dirty="0" err="1">
-                <a:latin typeface="Archivo"/>
-              </a:rPr>
-              <a:t>optimization</a:t>
-            </a:r>
-            <a:r>
-              <a:rPr lang="pt-PT" sz="900" dirty="0">
-                <a:latin typeface="Archivo"/>
-              </a:rPr>
-              <a:t> </a:t>
-            </a:r>
-            <a:r>
-              <a:rPr lang="pt-PT" sz="900" dirty="0" err="1">
-                <a:latin typeface="Archivo"/>
-              </a:rPr>
-              <a:t>by</a:t>
-            </a:r>
-            <a:r>
-              <a:rPr lang="pt-PT" sz="900" dirty="0">
-                <a:latin typeface="Archivo"/>
-              </a:rPr>
-              <a:t> </a:t>
-            </a:r>
-            <a:r>
-              <a:rPr lang="pt-PT" sz="900" dirty="0" err="1">
-                <a:latin typeface="Archivo"/>
-              </a:rPr>
-              <a:t>metaheuristics</a:t>
-            </a:r>
-            <a:r>
-              <a:rPr lang="pt-PT" sz="900" dirty="0">
-                <a:latin typeface="Archivo"/>
-              </a:rPr>
-              <a:t>. Springer, 2016, vol. 1.</a:t>
-            </a:r>
-          </a:p>
-          <a:p>
-            <a:r>
-              <a:rPr lang="pt-PT" sz="900" dirty="0">
-                <a:latin typeface="Archivo"/>
-              </a:rPr>
-              <a:t>[9] E. </a:t>
-            </a:r>
-            <a:r>
-              <a:rPr lang="pt-PT" sz="900" dirty="0" err="1">
-                <a:latin typeface="Archivo"/>
-              </a:rPr>
-              <a:t>Burke</a:t>
-            </a:r>
-            <a:r>
-              <a:rPr lang="pt-PT" sz="900" dirty="0">
-                <a:latin typeface="Archivo"/>
-              </a:rPr>
-              <a:t>, M. </a:t>
-            </a:r>
-            <a:r>
-              <a:rPr lang="pt-PT" sz="900" dirty="0" err="1">
-                <a:latin typeface="Archivo"/>
-              </a:rPr>
-              <a:t>Gendreau</a:t>
-            </a:r>
-            <a:r>
-              <a:rPr lang="pt-PT" sz="900" dirty="0">
-                <a:latin typeface="Archivo"/>
-              </a:rPr>
-              <a:t>, M. </a:t>
-            </a:r>
-            <a:r>
-              <a:rPr lang="pt-PT" sz="900" dirty="0" err="1">
-                <a:latin typeface="Archivo"/>
-              </a:rPr>
-              <a:t>Hyde</a:t>
-            </a:r>
-            <a:r>
-              <a:rPr lang="pt-PT" sz="900" dirty="0">
-                <a:latin typeface="Archivo"/>
-              </a:rPr>
-              <a:t>, G. Kendall, G. Ochoa, E. </a:t>
-            </a:r>
-            <a:r>
-              <a:rPr lang="pt-PT" sz="900" dirty="0" err="1">
-                <a:latin typeface="Archivo"/>
-              </a:rPr>
-              <a:t>Özcan</a:t>
-            </a:r>
-            <a:r>
-              <a:rPr lang="pt-PT" sz="900" dirty="0">
-                <a:latin typeface="Archivo"/>
-              </a:rPr>
-              <a:t>, </a:t>
-            </a:r>
-            <a:r>
-              <a:rPr lang="pt-PT" sz="900" dirty="0" err="1">
-                <a:latin typeface="Archivo"/>
-              </a:rPr>
-              <a:t>and</a:t>
-            </a:r>
-            <a:r>
-              <a:rPr lang="pt-PT" sz="900" dirty="0">
-                <a:latin typeface="Archivo"/>
-              </a:rPr>
-              <a:t> R. </a:t>
-            </a:r>
-            <a:r>
-              <a:rPr lang="pt-PT" sz="900" dirty="0" err="1">
-                <a:latin typeface="Archivo"/>
-              </a:rPr>
-              <a:t>Qu</a:t>
-            </a:r>
-            <a:r>
-              <a:rPr lang="pt-PT" sz="900" dirty="0">
-                <a:latin typeface="Archivo"/>
-              </a:rPr>
-              <a:t>, “</a:t>
-            </a:r>
-            <a:r>
-              <a:rPr lang="pt-PT" sz="900" dirty="0" err="1">
-                <a:latin typeface="Archivo"/>
-              </a:rPr>
-              <a:t>Hyper-heuristics</a:t>
-            </a:r>
-            <a:r>
-              <a:rPr lang="pt-PT" sz="900" dirty="0">
-                <a:latin typeface="Archivo"/>
-              </a:rPr>
-              <a:t>: A </a:t>
-            </a:r>
-            <a:r>
-              <a:rPr lang="pt-PT" sz="900" dirty="0" err="1">
-                <a:latin typeface="Archivo"/>
-              </a:rPr>
-              <a:t>survey</a:t>
-            </a:r>
-            <a:r>
-              <a:rPr lang="pt-PT" sz="900" dirty="0">
-                <a:latin typeface="Archivo"/>
-              </a:rPr>
-              <a:t> </a:t>
-            </a:r>
-            <a:r>
-              <a:rPr lang="pt-PT" sz="900" dirty="0" err="1">
-                <a:latin typeface="Archivo"/>
-              </a:rPr>
-              <a:t>of</a:t>
-            </a:r>
-            <a:r>
-              <a:rPr lang="pt-PT" sz="900" dirty="0">
-                <a:latin typeface="Archivo"/>
-              </a:rPr>
-              <a:t> </a:t>
-            </a:r>
-            <a:r>
-              <a:rPr lang="pt-PT" sz="900" dirty="0" err="1">
-                <a:latin typeface="Archivo"/>
-              </a:rPr>
-              <a:t>the</a:t>
-            </a:r>
-            <a:r>
-              <a:rPr lang="pt-PT" sz="900" dirty="0">
-                <a:latin typeface="Archivo"/>
-              </a:rPr>
-              <a:t> </a:t>
-            </a:r>
-            <a:r>
-              <a:rPr lang="pt-PT" sz="900" dirty="0" err="1">
-                <a:latin typeface="Archivo"/>
-              </a:rPr>
-              <a:t>state</a:t>
-            </a:r>
-            <a:r>
-              <a:rPr lang="pt-PT" sz="900" dirty="0">
-                <a:latin typeface="Archivo"/>
-              </a:rPr>
-              <a:t> </a:t>
-            </a:r>
-            <a:r>
-              <a:rPr lang="pt-PT" sz="900" dirty="0" err="1">
-                <a:latin typeface="Archivo"/>
-              </a:rPr>
-              <a:t>of</a:t>
-            </a:r>
-            <a:r>
-              <a:rPr lang="pt-PT" sz="900" dirty="0">
-                <a:latin typeface="Archivo"/>
-              </a:rPr>
-              <a:t> </a:t>
-            </a:r>
-            <a:r>
-              <a:rPr lang="pt-PT" sz="900" dirty="0" err="1">
-                <a:latin typeface="Archivo"/>
-              </a:rPr>
-              <a:t>the</a:t>
-            </a:r>
-            <a:r>
-              <a:rPr lang="pt-PT" sz="900" dirty="0">
-                <a:latin typeface="Archivo"/>
-              </a:rPr>
-              <a:t> </a:t>
-            </a:r>
-            <a:r>
-              <a:rPr lang="pt-PT" sz="900" dirty="0" err="1">
-                <a:latin typeface="Archivo"/>
-              </a:rPr>
-              <a:t>art</a:t>
-            </a:r>
-            <a:r>
-              <a:rPr lang="pt-PT" sz="900" dirty="0">
-                <a:latin typeface="Archivo"/>
-              </a:rPr>
-              <a:t>,” </a:t>
-            </a:r>
-            <a:r>
-              <a:rPr lang="pt-PT" sz="900" dirty="0" err="1">
-                <a:latin typeface="Archivo"/>
-              </a:rPr>
-              <a:t>Journal</a:t>
-            </a:r>
-            <a:endParaRPr lang="pt-PT" sz="900" dirty="0">
-              <a:latin typeface="Archivo"/>
-            </a:endParaRPr>
-          </a:p>
-          <a:p>
-            <a:r>
-              <a:rPr lang="pt-PT" sz="900" dirty="0" err="1">
-                <a:latin typeface="Archivo"/>
-              </a:rPr>
-              <a:t>of</a:t>
-            </a:r>
-            <a:r>
-              <a:rPr lang="pt-PT" sz="900" dirty="0">
-                <a:latin typeface="Archivo"/>
-              </a:rPr>
-              <a:t> </a:t>
-            </a:r>
-            <a:r>
-              <a:rPr lang="pt-PT" sz="900" dirty="0" err="1">
-                <a:latin typeface="Archivo"/>
-              </a:rPr>
-              <a:t>the</a:t>
-            </a:r>
-            <a:r>
-              <a:rPr lang="pt-PT" sz="900" dirty="0">
-                <a:latin typeface="Archivo"/>
-              </a:rPr>
-              <a:t> </a:t>
-            </a:r>
-            <a:r>
-              <a:rPr lang="pt-PT" sz="900" dirty="0" err="1">
-                <a:latin typeface="Archivo"/>
-              </a:rPr>
-              <a:t>Operational</a:t>
-            </a:r>
-            <a:r>
-              <a:rPr lang="pt-PT" sz="900" dirty="0">
-                <a:latin typeface="Archivo"/>
-              </a:rPr>
-              <a:t> Research </a:t>
-            </a:r>
-            <a:r>
-              <a:rPr lang="pt-PT" sz="900" dirty="0" err="1">
-                <a:latin typeface="Archivo"/>
-              </a:rPr>
-              <a:t>Society</a:t>
-            </a:r>
-            <a:r>
-              <a:rPr lang="pt-PT" sz="900" dirty="0">
-                <a:latin typeface="Archivo"/>
-              </a:rPr>
-              <a:t>, vol. 64, pp. 1695–1724, 07 2013. [Online]. </a:t>
-            </a:r>
-            <a:r>
-              <a:rPr lang="pt-PT" sz="900" dirty="0" err="1">
-                <a:latin typeface="Archivo"/>
-              </a:rPr>
-              <a:t>Available</a:t>
-            </a:r>
-            <a:r>
-              <a:rPr lang="pt-PT" sz="900" dirty="0">
-                <a:latin typeface="Archivo"/>
-              </a:rPr>
-              <a:t>: </a:t>
-            </a:r>
-            <a:r>
-              <a:rPr lang="pt-PT" sz="900" dirty="0">
-                <a:latin typeface="Archivo"/>
-                <a:hlinkClick r:id="rId8"/>
-              </a:rPr>
-              <a:t>https://www.researchgate.net/publication/256442073_Hyperheuristics_A_survey_of_the_state_of_the_art</a:t>
-            </a:r>
-            <a:endParaRPr lang="pt-PT" sz="900" dirty="0">
-              <a:latin typeface="Archivo"/>
-            </a:endParaRPr>
-          </a:p>
-          <a:p>
-            <a:r>
-              <a:rPr lang="pt-PT" sz="900" dirty="0">
-                <a:latin typeface="Archivo"/>
-              </a:rPr>
-              <a:t>[10] T. </a:t>
-            </a:r>
-            <a:r>
-              <a:rPr lang="pt-PT" sz="900" dirty="0" err="1">
-                <a:latin typeface="Archivo"/>
-              </a:rPr>
-              <a:t>Müller</a:t>
-            </a:r>
-            <a:r>
-              <a:rPr lang="pt-PT" sz="900" dirty="0">
-                <a:latin typeface="Archivo"/>
-              </a:rPr>
-              <a:t>, “Itc2007 solver </a:t>
-            </a:r>
-            <a:r>
-              <a:rPr lang="pt-PT" sz="900" dirty="0" err="1">
-                <a:latin typeface="Archivo"/>
-              </a:rPr>
-              <a:t>description</a:t>
-            </a:r>
-            <a:r>
-              <a:rPr lang="pt-PT" sz="900" dirty="0">
-                <a:latin typeface="Archivo"/>
-              </a:rPr>
-              <a:t>: a </a:t>
-            </a:r>
-            <a:r>
-              <a:rPr lang="pt-PT" sz="900" dirty="0" err="1">
-                <a:latin typeface="Archivo"/>
-              </a:rPr>
-              <a:t>hybrid</a:t>
-            </a:r>
-            <a:r>
-              <a:rPr lang="pt-PT" sz="900" dirty="0">
-                <a:latin typeface="Archivo"/>
-              </a:rPr>
-              <a:t> </a:t>
-            </a:r>
-            <a:r>
-              <a:rPr lang="pt-PT" sz="900" dirty="0" err="1">
-                <a:latin typeface="Archivo"/>
-              </a:rPr>
-              <a:t>approach</a:t>
-            </a:r>
-            <a:r>
-              <a:rPr lang="pt-PT" sz="900" dirty="0">
-                <a:latin typeface="Archivo"/>
-              </a:rPr>
-              <a:t>,” </a:t>
-            </a:r>
-            <a:r>
-              <a:rPr lang="pt-PT" sz="900" dirty="0" err="1">
-                <a:latin typeface="Archivo"/>
-              </a:rPr>
-              <a:t>Annals</a:t>
-            </a:r>
-            <a:r>
-              <a:rPr lang="pt-PT" sz="900" dirty="0">
-                <a:latin typeface="Archivo"/>
-              </a:rPr>
-              <a:t> </a:t>
-            </a:r>
-            <a:r>
-              <a:rPr lang="pt-PT" sz="900" dirty="0" err="1">
-                <a:latin typeface="Archivo"/>
-              </a:rPr>
-              <a:t>of</a:t>
-            </a:r>
-            <a:r>
-              <a:rPr lang="pt-PT" sz="900" dirty="0">
-                <a:latin typeface="Archivo"/>
-              </a:rPr>
-              <a:t> </a:t>
-            </a:r>
-            <a:r>
-              <a:rPr lang="pt-PT" sz="900" dirty="0" err="1">
-                <a:latin typeface="Archivo"/>
-              </a:rPr>
-              <a:t>Operations</a:t>
-            </a:r>
-            <a:r>
-              <a:rPr lang="pt-PT" sz="900" dirty="0">
-                <a:latin typeface="Archivo"/>
-              </a:rPr>
-              <a:t> Research, vol. 172, no. 1, pp. 429–446, Nov. 2009. [Online]. </a:t>
-            </a:r>
-            <a:r>
-              <a:rPr lang="pt-PT" sz="900" dirty="0" err="1">
-                <a:latin typeface="Archivo"/>
-              </a:rPr>
-              <a:t>Available</a:t>
-            </a:r>
-            <a:r>
-              <a:rPr lang="pt-PT" sz="900" dirty="0">
-                <a:latin typeface="Archivo"/>
-              </a:rPr>
-              <a:t>: </a:t>
-            </a:r>
-            <a:r>
-              <a:rPr lang="pt-PT" sz="900" dirty="0">
-                <a:latin typeface="Archivo"/>
-                <a:hlinkClick r:id="rId9"/>
-              </a:rPr>
-              <a:t>http://link.springer.com/10.1007/s10479-009-0644-y</a:t>
-            </a:r>
-            <a:endParaRPr lang="pt-PT" sz="900" dirty="0">
-              <a:latin typeface="Archivo"/>
-            </a:endParaRPr>
-          </a:p>
-          <a:p>
-            <a:r>
-              <a:rPr lang="pt-PT" sz="900" dirty="0">
-                <a:latin typeface="Archivo"/>
-              </a:rPr>
-              <a:t>[11] S. L. </a:t>
-            </a:r>
-            <a:r>
-              <a:rPr lang="pt-PT" sz="900" dirty="0" err="1">
-                <a:latin typeface="Archivo"/>
-              </a:rPr>
-              <a:t>Goh</a:t>
-            </a:r>
-            <a:r>
-              <a:rPr lang="pt-PT" sz="900" dirty="0">
-                <a:latin typeface="Archivo"/>
-              </a:rPr>
-              <a:t>, “</a:t>
-            </a:r>
-            <a:r>
-              <a:rPr lang="pt-PT" sz="900" dirty="0" err="1">
-                <a:latin typeface="Archivo"/>
-              </a:rPr>
-              <a:t>An</a:t>
-            </a:r>
-            <a:r>
-              <a:rPr lang="pt-PT" sz="900" dirty="0">
-                <a:latin typeface="Archivo"/>
-              </a:rPr>
-              <a:t> </a:t>
-            </a:r>
-            <a:r>
-              <a:rPr lang="pt-PT" sz="900" dirty="0" err="1">
-                <a:latin typeface="Archivo"/>
-              </a:rPr>
-              <a:t>investigation</a:t>
-            </a:r>
-            <a:r>
-              <a:rPr lang="pt-PT" sz="900" dirty="0">
-                <a:latin typeface="Archivo"/>
-              </a:rPr>
-              <a:t> </a:t>
-            </a:r>
-            <a:r>
-              <a:rPr lang="pt-PT" sz="900" dirty="0" err="1">
-                <a:latin typeface="Archivo"/>
-              </a:rPr>
-              <a:t>of</a:t>
-            </a:r>
-            <a:r>
-              <a:rPr lang="pt-PT" sz="900" dirty="0">
-                <a:latin typeface="Archivo"/>
-              </a:rPr>
-              <a:t> monte </a:t>
-            </a:r>
-            <a:r>
-              <a:rPr lang="pt-PT" sz="900" dirty="0" err="1">
-                <a:latin typeface="Archivo"/>
-              </a:rPr>
-              <a:t>carlo</a:t>
-            </a:r>
-            <a:r>
-              <a:rPr lang="pt-PT" sz="900" dirty="0">
-                <a:latin typeface="Archivo"/>
-              </a:rPr>
-              <a:t> </a:t>
-            </a:r>
-            <a:r>
-              <a:rPr lang="pt-PT" sz="900" dirty="0" err="1">
-                <a:latin typeface="Archivo"/>
-              </a:rPr>
-              <a:t>tree</a:t>
-            </a:r>
-            <a:r>
-              <a:rPr lang="pt-PT" sz="900" dirty="0">
-                <a:latin typeface="Archivo"/>
-              </a:rPr>
-              <a:t> </a:t>
-            </a:r>
-            <a:r>
-              <a:rPr lang="pt-PT" sz="900" dirty="0" err="1">
-                <a:latin typeface="Archivo"/>
-              </a:rPr>
-              <a:t>search</a:t>
-            </a:r>
-            <a:r>
-              <a:rPr lang="pt-PT" sz="900" dirty="0">
-                <a:latin typeface="Archivo"/>
-              </a:rPr>
-              <a:t> </a:t>
-            </a:r>
-            <a:r>
-              <a:rPr lang="pt-PT" sz="900" dirty="0" err="1">
-                <a:latin typeface="Archivo"/>
-              </a:rPr>
-              <a:t>and</a:t>
-            </a:r>
-            <a:r>
-              <a:rPr lang="pt-PT" sz="900" dirty="0">
-                <a:latin typeface="Archivo"/>
-              </a:rPr>
-              <a:t> local </a:t>
-            </a:r>
-            <a:r>
-              <a:rPr lang="pt-PT" sz="900" dirty="0" err="1">
-                <a:latin typeface="Archivo"/>
-              </a:rPr>
-              <a:t>search</a:t>
-            </a:r>
-            <a:r>
-              <a:rPr lang="pt-PT" sz="900" dirty="0">
-                <a:latin typeface="Archivo"/>
-              </a:rPr>
-              <a:t> for </a:t>
-            </a:r>
-            <a:r>
-              <a:rPr lang="pt-PT" sz="900" dirty="0" err="1">
-                <a:latin typeface="Archivo"/>
-              </a:rPr>
-              <a:t>course</a:t>
-            </a:r>
-            <a:r>
-              <a:rPr lang="pt-PT" sz="900" dirty="0">
-                <a:latin typeface="Archivo"/>
-              </a:rPr>
-              <a:t> </a:t>
-            </a:r>
-            <a:r>
-              <a:rPr lang="pt-PT" sz="900" dirty="0" err="1">
-                <a:latin typeface="Archivo"/>
-              </a:rPr>
-              <a:t>timetabling</a:t>
-            </a:r>
-            <a:r>
-              <a:rPr lang="pt-PT" sz="900" dirty="0">
-                <a:latin typeface="Archivo"/>
-              </a:rPr>
-              <a:t> </a:t>
-            </a:r>
-            <a:r>
-              <a:rPr lang="pt-PT" sz="900" dirty="0" err="1">
-                <a:latin typeface="Archivo"/>
-              </a:rPr>
-              <a:t>problems</a:t>
-            </a:r>
-            <a:r>
-              <a:rPr lang="pt-PT" sz="900" dirty="0">
-                <a:latin typeface="Archivo"/>
-              </a:rPr>
-              <a:t>,” </a:t>
-            </a:r>
-            <a:r>
-              <a:rPr lang="pt-PT" sz="900" dirty="0" err="1">
-                <a:latin typeface="Archivo"/>
-              </a:rPr>
-              <a:t>University</a:t>
-            </a:r>
-            <a:r>
-              <a:rPr lang="pt-PT" sz="900" dirty="0">
-                <a:latin typeface="Archivo"/>
-              </a:rPr>
-              <a:t> </a:t>
-            </a:r>
-            <a:r>
-              <a:rPr lang="pt-PT" sz="900" dirty="0" err="1">
-                <a:latin typeface="Archivo"/>
-              </a:rPr>
-              <a:t>of</a:t>
-            </a:r>
-            <a:r>
-              <a:rPr lang="pt-PT" sz="900" dirty="0">
-                <a:latin typeface="Archivo"/>
-              </a:rPr>
-              <a:t> Nottingham, </a:t>
-            </a:r>
-            <a:r>
-              <a:rPr lang="pt-PT" sz="900" dirty="0" err="1">
-                <a:latin typeface="Archivo"/>
-              </a:rPr>
-              <a:t>Malaysia</a:t>
-            </a:r>
-            <a:r>
-              <a:rPr lang="pt-PT" sz="900" dirty="0">
-                <a:latin typeface="Archivo"/>
-              </a:rPr>
-              <a:t>, pp. 76–105, Jul. 2017. [Online]. </a:t>
-            </a:r>
-            <a:r>
-              <a:rPr lang="pt-PT" sz="900" dirty="0" err="1">
-                <a:latin typeface="Archivo"/>
-              </a:rPr>
-              <a:t>Available</a:t>
-            </a:r>
-            <a:r>
-              <a:rPr lang="pt-PT" sz="900" dirty="0">
-                <a:latin typeface="Archivo"/>
-              </a:rPr>
-              <a:t>: </a:t>
-            </a:r>
-            <a:r>
-              <a:rPr lang="pt-PT" sz="900" dirty="0">
-                <a:latin typeface="Archivo"/>
-                <a:hlinkClick r:id="rId10"/>
-              </a:rPr>
-              <a:t>https://eprints.nottingham.ac.uk/43558/</a:t>
-            </a:r>
-            <a:endParaRPr lang="pt-PT" sz="900" dirty="0">
-              <a:latin typeface="Archivo"/>
-            </a:endParaRPr>
-          </a:p>
-          <a:p>
-            <a:r>
-              <a:rPr lang="pt-PT" sz="900" dirty="0">
-                <a:latin typeface="Archivo"/>
-              </a:rPr>
-              <a:t>[12] J. P. Pedroso </a:t>
-            </a:r>
-            <a:r>
-              <a:rPr lang="pt-PT" sz="900" dirty="0" err="1">
-                <a:latin typeface="Archivo"/>
-              </a:rPr>
-              <a:t>and</a:t>
-            </a:r>
-            <a:r>
-              <a:rPr lang="pt-PT" sz="900" dirty="0">
-                <a:latin typeface="Archivo"/>
-              </a:rPr>
-              <a:t> R. Rei, “</a:t>
-            </a:r>
-            <a:r>
-              <a:rPr lang="pt-PT" sz="900" dirty="0" err="1">
-                <a:latin typeface="Archivo"/>
-              </a:rPr>
-              <a:t>Tree</a:t>
-            </a:r>
-            <a:r>
-              <a:rPr lang="pt-PT" sz="900" dirty="0">
-                <a:latin typeface="Archivo"/>
-              </a:rPr>
-              <a:t> </a:t>
-            </a:r>
-            <a:r>
-              <a:rPr lang="pt-PT" sz="900" dirty="0" err="1">
-                <a:latin typeface="Archivo"/>
-              </a:rPr>
-              <a:t>search</a:t>
-            </a:r>
-            <a:r>
-              <a:rPr lang="pt-PT" sz="900" dirty="0">
-                <a:latin typeface="Archivo"/>
-              </a:rPr>
-              <a:t> </a:t>
-            </a:r>
-            <a:r>
-              <a:rPr lang="pt-PT" sz="900" dirty="0" err="1">
-                <a:latin typeface="Archivo"/>
-              </a:rPr>
-              <a:t>and</a:t>
-            </a:r>
-            <a:r>
-              <a:rPr lang="pt-PT" sz="900" dirty="0">
-                <a:latin typeface="Archivo"/>
-              </a:rPr>
-              <a:t> </a:t>
-            </a:r>
-            <a:r>
-              <a:rPr lang="pt-PT" sz="900" dirty="0" err="1">
-                <a:latin typeface="Archivo"/>
-              </a:rPr>
-              <a:t>simulation</a:t>
-            </a:r>
-            <a:r>
-              <a:rPr lang="pt-PT" sz="900" dirty="0">
-                <a:latin typeface="Archivo"/>
-              </a:rPr>
-              <a:t>,” in </a:t>
-            </a:r>
-            <a:r>
-              <a:rPr lang="pt-PT" sz="900" dirty="0" err="1">
-                <a:latin typeface="Archivo"/>
-              </a:rPr>
-              <a:t>Applied</a:t>
-            </a:r>
-            <a:r>
-              <a:rPr lang="pt-PT" sz="900" dirty="0">
-                <a:latin typeface="Archivo"/>
-              </a:rPr>
-              <a:t> </a:t>
-            </a:r>
-            <a:r>
-              <a:rPr lang="pt-PT" sz="900" dirty="0" err="1">
-                <a:latin typeface="Archivo"/>
-              </a:rPr>
-              <a:t>Simulation</a:t>
-            </a:r>
-            <a:r>
-              <a:rPr lang="pt-PT" sz="900" dirty="0">
-                <a:latin typeface="Archivo"/>
-              </a:rPr>
-              <a:t> </a:t>
-            </a:r>
-            <a:r>
-              <a:rPr lang="pt-PT" sz="900" dirty="0" err="1">
-                <a:latin typeface="Archivo"/>
-              </a:rPr>
-              <a:t>and</a:t>
-            </a:r>
-            <a:r>
-              <a:rPr lang="pt-PT" sz="900" dirty="0">
-                <a:latin typeface="Archivo"/>
-              </a:rPr>
-              <a:t> </a:t>
-            </a:r>
-            <a:r>
-              <a:rPr lang="pt-PT" sz="900" dirty="0" err="1">
-                <a:latin typeface="Archivo"/>
-              </a:rPr>
-              <a:t>Optimization</a:t>
-            </a:r>
-            <a:r>
-              <a:rPr lang="pt-PT" sz="900" dirty="0">
-                <a:latin typeface="Archivo"/>
-              </a:rPr>
-              <a:t>: In </a:t>
-            </a:r>
-            <a:r>
-              <a:rPr lang="pt-PT" sz="900" dirty="0" err="1">
-                <a:latin typeface="Archivo"/>
-              </a:rPr>
-              <a:t>Logistics</a:t>
-            </a:r>
-            <a:r>
-              <a:rPr lang="pt-PT" sz="900" dirty="0">
-                <a:latin typeface="Archivo"/>
-              </a:rPr>
-              <a:t>, Industrial </a:t>
-            </a:r>
-            <a:r>
-              <a:rPr lang="pt-PT" sz="900" dirty="0" err="1">
-                <a:latin typeface="Archivo"/>
-              </a:rPr>
-              <a:t>and</a:t>
-            </a:r>
-            <a:r>
-              <a:rPr lang="pt-PT" sz="900" dirty="0">
-                <a:latin typeface="Archivo"/>
-              </a:rPr>
-              <a:t> </a:t>
-            </a:r>
-            <a:r>
-              <a:rPr lang="pt-PT" sz="900" dirty="0" err="1">
-                <a:latin typeface="Archivo"/>
-              </a:rPr>
-              <a:t>Aeronautical</a:t>
-            </a:r>
-            <a:r>
-              <a:rPr lang="pt-PT" sz="900" dirty="0">
-                <a:latin typeface="Archivo"/>
-              </a:rPr>
-              <a:t> </a:t>
-            </a:r>
-            <a:r>
-              <a:rPr lang="pt-PT" sz="900" dirty="0" err="1">
-                <a:latin typeface="Archivo"/>
-              </a:rPr>
-              <a:t>Practice</a:t>
-            </a:r>
-            <a:r>
-              <a:rPr lang="pt-PT" sz="900" dirty="0">
-                <a:latin typeface="Archivo"/>
-              </a:rPr>
-              <a:t>, M. </a:t>
-            </a:r>
-            <a:r>
-              <a:rPr lang="pt-PT" sz="900" dirty="0" err="1">
-                <a:latin typeface="Archivo"/>
-              </a:rPr>
-              <a:t>Mujica</a:t>
-            </a:r>
-            <a:r>
-              <a:rPr lang="pt-PT" sz="900" dirty="0">
-                <a:latin typeface="Archivo"/>
-              </a:rPr>
-              <a:t> Mota, I. F. De La Mota, </a:t>
-            </a:r>
-            <a:r>
-              <a:rPr lang="pt-PT" sz="900" dirty="0" err="1">
-                <a:latin typeface="Archivo"/>
-              </a:rPr>
-              <a:t>and</a:t>
-            </a:r>
-            <a:r>
-              <a:rPr lang="pt-PT" sz="900" dirty="0">
-                <a:latin typeface="Archivo"/>
-              </a:rPr>
-              <a:t> D. </a:t>
-            </a:r>
-            <a:r>
-              <a:rPr lang="pt-PT" sz="900" dirty="0" err="1">
-                <a:latin typeface="Archivo"/>
-              </a:rPr>
-              <a:t>Guimarans</a:t>
-            </a:r>
-            <a:r>
-              <a:rPr lang="pt-PT" sz="900" dirty="0">
-                <a:latin typeface="Archivo"/>
-              </a:rPr>
-              <a:t> Serrano, Eds. </a:t>
-            </a:r>
-            <a:r>
-              <a:rPr lang="pt-PT" sz="900" dirty="0" err="1">
-                <a:latin typeface="Archivo"/>
-              </a:rPr>
-              <a:t>Cham</a:t>
-            </a:r>
-            <a:r>
-              <a:rPr lang="pt-PT" sz="900" dirty="0">
-                <a:latin typeface="Archivo"/>
-              </a:rPr>
-              <a:t>: Springer </a:t>
-            </a:r>
-            <a:r>
-              <a:rPr lang="pt-PT" sz="900" dirty="0" err="1">
-                <a:latin typeface="Archivo"/>
-              </a:rPr>
-              <a:t>International</a:t>
-            </a:r>
-            <a:r>
-              <a:rPr lang="pt-PT" sz="900" dirty="0">
-                <a:latin typeface="Archivo"/>
-              </a:rPr>
-              <a:t> </a:t>
-            </a:r>
-            <a:r>
-              <a:rPr lang="pt-PT" sz="900" dirty="0" err="1">
-                <a:latin typeface="Archivo"/>
-              </a:rPr>
-              <a:t>Publishing</a:t>
-            </a:r>
-            <a:r>
-              <a:rPr lang="pt-PT" sz="900" dirty="0">
-                <a:latin typeface="Archivo"/>
-              </a:rPr>
-              <a:t>, 2015, pp. 109–131. [Online]. </a:t>
-            </a:r>
-            <a:r>
-              <a:rPr lang="pt-PT" sz="900" dirty="0" err="1">
-                <a:latin typeface="Archivo"/>
-              </a:rPr>
-              <a:t>Available</a:t>
-            </a:r>
-            <a:r>
-              <a:rPr lang="pt-PT" sz="900" dirty="0">
-                <a:latin typeface="Archivo"/>
-              </a:rPr>
-              <a:t>: </a:t>
-            </a:r>
-            <a:r>
-              <a:rPr lang="pt-PT" sz="900" dirty="0">
-                <a:latin typeface="Archivo"/>
-                <a:hlinkClick r:id="rId11"/>
-              </a:rPr>
-              <a:t>https://doi.org/10.1007/978-3-319-15033-8_4</a:t>
-            </a:r>
-            <a:endParaRPr lang="pt-PT" sz="900" dirty="0">
-              <a:latin typeface="Archivo"/>
-            </a:endParaRPr>
-          </a:p>
-          <a:p>
-            <a:endParaRPr lang="pt-PT" sz="900" dirty="0">
-              <a:latin typeface="Archivo"/>
-            </a:endParaRPr>
-          </a:p>
-        </p:txBody>
-      </p:sp>
-    </p:spTree>
-    <p:extLst>
-      <p:ext uri="{BB962C8B-B14F-4D97-AF65-F5344CB8AC3E}">
-        <p14:creationId xmlns:p14="http://schemas.microsoft.com/office/powerpoint/2010/main" val="3497698494"/>
-      </p:ext>
-    </p:extLst>
-  </p:cSld>
-  <p:clrMapOvr>
-    <a:masterClrMapping/>
-  </p:clrMapOvr>
-</p:sld>
-</file>
-
 <file path=ppt/slides/slide3.xml><?xml version="1.0" encoding="utf-8"?>
-<p:sld xmlns:a="http://schemas.openxmlformats.org/drawingml/2006/main" xmlns:r="http://schemas.openxmlformats.org/officeDocument/2006/relationships" xmlns:p="http://schemas.openxmlformats.org/presentationml/2006/main">
-  <p:cSld>
-    <p:spTree>
-      <p:nvGrpSpPr>
-        <p:cNvPr id="1" name=""/>
-        <p:cNvGrpSpPr/>
-        <p:nvPr/>
-      </p:nvGrpSpPr>
-      <p:grpSpPr>
-        <a:xfrm>
-          <a:off x="0" y="0"/>
-          <a:ext cx="0" cy="0"/>
-          <a:chOff x="0" y="0"/>
-          <a:chExt cx="0" cy="0"/>
-        </a:xfrm>
-      </p:grpSpPr>
-      <p:graphicFrame>
-        <p:nvGraphicFramePr>
-          <p:cNvPr id="3" name="Diagram 2">
-            <a:extLst>
-              <a:ext uri="{FF2B5EF4-FFF2-40B4-BE49-F238E27FC236}">
-                <a16:creationId xmlns:a16="http://schemas.microsoft.com/office/drawing/2014/main" id="{70E7C50F-CF61-2D54-D404-8D4CE888C931}"/>
-              </a:ext>
-            </a:extLst>
-          </p:cNvPr>
-          <p:cNvGraphicFramePr/>
-          <p:nvPr>
-            <p:extLst>
-              <p:ext uri="{D42A27DB-BD31-4B8C-83A1-F6EECF244321}">
-                <p14:modId xmlns:p14="http://schemas.microsoft.com/office/powerpoint/2010/main" val="1192415280"/>
-              </p:ext>
-            </p:extLst>
-          </p:nvPr>
-        </p:nvGraphicFramePr>
-        <p:xfrm>
-          <a:off x="4708597" y="1100050"/>
-          <a:ext cx="3816929" cy="3734068"/>
-        </p:xfrm>
-        <a:graphic>
-          <a:graphicData uri="http://schemas.openxmlformats.org/drawingml/2006/diagram">
-            <dgm:relIds xmlns:dgm="http://schemas.openxmlformats.org/drawingml/2006/diagram" xmlns:r="http://schemas.openxmlformats.org/officeDocument/2006/relationships" r:dm="rId3" r:lo="rId4" r:qs="rId5" r:cs="rId6"/>
-          </a:graphicData>
-        </a:graphic>
-      </p:graphicFrame>
-      <p:sp>
-        <p:nvSpPr>
-          <p:cNvPr id="2" name="Title 1">
-            <a:extLst>
-              <a:ext uri="{FF2B5EF4-FFF2-40B4-BE49-F238E27FC236}">
-                <a16:creationId xmlns:a16="http://schemas.microsoft.com/office/drawing/2014/main" id="{8D91A856-FC23-B66F-3523-42346A74BA87}"/>
-              </a:ext>
-            </a:extLst>
-          </p:cNvPr>
-          <p:cNvSpPr>
-            <a:spLocks noGrp="1"/>
-          </p:cNvSpPr>
-          <p:nvPr>
-            <p:ph type="title"/>
-          </p:nvPr>
-        </p:nvSpPr>
-        <p:spPr/>
-        <p:txBody>
-          <a:bodyPr/>
-          <a:lstStyle/>
-          <a:p>
-            <a:r>
-              <a:rPr lang="pt-PT" dirty="0" err="1"/>
-              <a:t>Introduction</a:t>
-            </a:r>
-            <a:endParaRPr lang="pt-PT" b="0" dirty="0"/>
-          </a:p>
-        </p:txBody>
-      </p:sp>
-      <p:sp>
-        <p:nvSpPr>
-          <p:cNvPr id="4" name="Slide Number Placeholder 3">
-            <a:extLst>
-              <a:ext uri="{FF2B5EF4-FFF2-40B4-BE49-F238E27FC236}">
-                <a16:creationId xmlns:a16="http://schemas.microsoft.com/office/drawing/2014/main" id="{230518C5-9596-A11B-4D44-45E9C06E3160}"/>
-              </a:ext>
-            </a:extLst>
-          </p:cNvPr>
-          <p:cNvSpPr>
-            <a:spLocks noGrp="1"/>
-          </p:cNvSpPr>
-          <p:nvPr>
-            <p:ph type="sldNum" sz="quarter" idx="11"/>
-          </p:nvPr>
-        </p:nvSpPr>
-        <p:spPr/>
-        <p:txBody>
-          <a:bodyPr/>
-          <a:lstStyle/>
-          <a:p>
-            <a:fld id="{8BC8727B-4240-4963-929A-A961B0E9EF8D}" type="slidenum">
-              <a:rPr lang="pt-PT" smtClean="0"/>
-              <a:t>3</a:t>
-            </a:fld>
-            <a:endParaRPr lang="pt-PT"/>
-          </a:p>
-        </p:txBody>
-      </p:sp>
-      <p:sp>
-        <p:nvSpPr>
-          <p:cNvPr id="7" name="TextBox 6">
-            <a:extLst>
-              <a:ext uri="{FF2B5EF4-FFF2-40B4-BE49-F238E27FC236}">
-                <a16:creationId xmlns:a16="http://schemas.microsoft.com/office/drawing/2014/main" id="{F084E63D-D3C6-F7C7-6785-1769F40B18D2}"/>
-              </a:ext>
-            </a:extLst>
-          </p:cNvPr>
-          <p:cNvSpPr txBox="1"/>
-          <p:nvPr/>
-        </p:nvSpPr>
-        <p:spPr>
-          <a:xfrm>
-            <a:off x="5590094" y="4444065"/>
-            <a:ext cx="2395105" cy="230832"/>
-          </a:xfrm>
-          <a:prstGeom prst="rect">
-            <a:avLst/>
-          </a:prstGeom>
-          <a:noFill/>
-        </p:spPr>
-        <p:txBody>
-          <a:bodyPr wrap="square" rtlCol="0">
-            <a:spAutoFit/>
-          </a:bodyPr>
-          <a:lstStyle/>
-          <a:p>
-            <a:r>
-              <a:rPr lang="pt-PT" sz="900" b="1" dirty="0">
-                <a:latin typeface="Archivo"/>
-              </a:rPr>
-              <a:t>Fig. 1 </a:t>
-            </a:r>
-            <a:r>
-              <a:rPr lang="pt-PT" sz="900" dirty="0">
-                <a:latin typeface="Archivo"/>
-              </a:rPr>
-              <a:t>– </a:t>
-            </a:r>
-            <a:r>
-              <a:rPr lang="pt-PT" sz="900" dirty="0" err="1">
-                <a:latin typeface="Archivo"/>
-              </a:rPr>
-              <a:t>University</a:t>
-            </a:r>
-            <a:r>
-              <a:rPr lang="pt-PT" sz="900" dirty="0">
-                <a:latin typeface="Archivo"/>
-              </a:rPr>
-              <a:t> </a:t>
-            </a:r>
-            <a:r>
-              <a:rPr lang="pt-PT" sz="900" dirty="0" err="1">
-                <a:latin typeface="Archivo"/>
-              </a:rPr>
-              <a:t>Course</a:t>
-            </a:r>
-            <a:r>
-              <a:rPr lang="pt-PT" sz="900" dirty="0">
-                <a:latin typeface="Archivo"/>
-              </a:rPr>
-              <a:t> </a:t>
-            </a:r>
-            <a:r>
-              <a:rPr lang="pt-PT" sz="900" dirty="0" err="1">
-                <a:latin typeface="Archivo"/>
-              </a:rPr>
-              <a:t>Timetabling</a:t>
-            </a:r>
-            <a:r>
-              <a:rPr lang="pt-PT" sz="900" dirty="0">
-                <a:latin typeface="Archivo"/>
-              </a:rPr>
-              <a:t> </a:t>
-            </a:r>
-            <a:r>
-              <a:rPr lang="pt-PT" sz="900" dirty="0" err="1">
-                <a:latin typeface="Archivo"/>
-              </a:rPr>
-              <a:t>diagram</a:t>
-            </a:r>
-            <a:r>
-              <a:rPr lang="pt-PT" sz="900" dirty="0">
-                <a:latin typeface="Archivo"/>
-              </a:rPr>
-              <a:t>.</a:t>
-            </a:r>
-          </a:p>
-        </p:txBody>
-      </p:sp>
-      <p:sp>
-        <p:nvSpPr>
-          <p:cNvPr id="6" name="TextBox 5">
-            <a:extLst>
-              <a:ext uri="{FF2B5EF4-FFF2-40B4-BE49-F238E27FC236}">
-                <a16:creationId xmlns:a16="http://schemas.microsoft.com/office/drawing/2014/main" id="{C30AE5E2-998D-2C9A-DEFC-0C13D76245B5}"/>
-              </a:ext>
-            </a:extLst>
-          </p:cNvPr>
-          <p:cNvSpPr txBox="1"/>
-          <p:nvPr/>
-        </p:nvSpPr>
-        <p:spPr>
-          <a:xfrm>
-            <a:off x="628650" y="1206020"/>
-            <a:ext cx="5048250" cy="1754326"/>
-          </a:xfrm>
-          <a:prstGeom prst="rect">
-            <a:avLst/>
-          </a:prstGeom>
-          <a:noFill/>
-        </p:spPr>
-        <p:txBody>
-          <a:bodyPr wrap="square">
-            <a:spAutoFit/>
-          </a:bodyPr>
-          <a:lstStyle/>
-          <a:p>
-            <a:pPr lvl="2"/>
-            <a:r>
-              <a:rPr lang="en-US" b="1" dirty="0">
-                <a:latin typeface="Archivo"/>
-              </a:rPr>
-              <a:t>University Course Timetabling Problem (UCTTP):</a:t>
-            </a:r>
-          </a:p>
-          <a:p>
-            <a:pPr marL="285750" indent="-180000">
-              <a:spcBef>
-                <a:spcPts val="600"/>
-              </a:spcBef>
-              <a:buFont typeface="Arial" panose="020B0604020202020204" pitchFamily="34" charset="0"/>
-              <a:buChar char="•"/>
-            </a:pPr>
-            <a:r>
-              <a:rPr lang="en-US" dirty="0">
-                <a:latin typeface="Archivo"/>
-              </a:rPr>
-              <a:t>Complex combinatorial optimization problem that consists of allocating </a:t>
-            </a:r>
-            <a:r>
-              <a:rPr lang="en-US" u="sng" dirty="0">
-                <a:latin typeface="Archivo"/>
-              </a:rPr>
-              <a:t>events</a:t>
-            </a:r>
-            <a:r>
-              <a:rPr lang="en-US" dirty="0">
-                <a:latin typeface="Archivo"/>
-              </a:rPr>
-              <a:t>, </a:t>
-            </a:r>
-            <a:r>
-              <a:rPr lang="en-US" u="sng" dirty="0">
-                <a:latin typeface="Archivo"/>
-              </a:rPr>
-              <a:t>rooms</a:t>
-            </a:r>
-            <a:r>
-              <a:rPr lang="en-US" dirty="0">
-                <a:latin typeface="Archivo"/>
-              </a:rPr>
-              <a:t>, </a:t>
-            </a:r>
-            <a:r>
-              <a:rPr lang="en-US" u="sng" dirty="0">
-                <a:latin typeface="Archivo"/>
-              </a:rPr>
-              <a:t>lecturers</a:t>
-            </a:r>
-            <a:r>
-              <a:rPr lang="en-US" dirty="0">
-                <a:latin typeface="Archivo"/>
-              </a:rPr>
-              <a:t>, and </a:t>
-            </a:r>
-            <a:r>
-              <a:rPr lang="en-US" u="sng" dirty="0">
-                <a:latin typeface="Archivo"/>
-              </a:rPr>
-              <a:t>students</a:t>
-            </a:r>
-            <a:r>
-              <a:rPr lang="en-US" dirty="0">
-                <a:latin typeface="Archivo"/>
-              </a:rPr>
-              <a:t> to weekly schedules while meeting certain </a:t>
-            </a:r>
-            <a:r>
-              <a:rPr lang="en-US" u="sng" dirty="0">
-                <a:latin typeface="Archivo"/>
-              </a:rPr>
-              <a:t>constraints</a:t>
-            </a:r>
-            <a:r>
-              <a:rPr lang="en-US" dirty="0">
-                <a:latin typeface="Archivo"/>
-              </a:rPr>
-              <a:t>. </a:t>
-            </a:r>
-          </a:p>
-          <a:p>
-            <a:pPr marL="285750" indent="-180000">
-              <a:spcBef>
-                <a:spcPts val="600"/>
-              </a:spcBef>
-              <a:buFont typeface="Arial" panose="020B0604020202020204" pitchFamily="34" charset="0"/>
-              <a:buChar char="•"/>
-            </a:pPr>
-            <a:r>
-              <a:rPr lang="en-US" dirty="0">
-                <a:latin typeface="Archivo"/>
-              </a:rPr>
-              <a:t>This dissertation focuses on the </a:t>
-            </a:r>
-            <a:r>
-              <a:rPr lang="en-US" b="1" dirty="0">
-                <a:latin typeface="Archivo"/>
-              </a:rPr>
-              <a:t>Curriculum-Based Course Timetabling (CB-CTT), </a:t>
-            </a:r>
-            <a:r>
-              <a:rPr lang="en-US" dirty="0">
-                <a:latin typeface="Archivo"/>
-              </a:rPr>
-              <a:t>a variant of UCTTP that focuses on course scheduling. </a:t>
-            </a:r>
-          </a:p>
-        </p:txBody>
-      </p:sp>
-    </p:spTree>
-    <p:extLst>
-      <p:ext uri="{BB962C8B-B14F-4D97-AF65-F5344CB8AC3E}">
-        <p14:creationId xmlns:p14="http://schemas.microsoft.com/office/powerpoint/2010/main" val="693509970"/>
-      </p:ext>
-    </p:extLst>
-  </p:cSld>
-  <p:clrMapOvr>
-    <a:masterClrMapping/>
-  </p:clrMapOvr>
-</p:sld>
-</file>
-
-<file path=ppt/slides/slide4.xml><?xml version="1.0" encoding="utf-8"?>
 <p:sld xmlns:a="http://schemas.openxmlformats.org/drawingml/2006/main" xmlns:r="http://schemas.openxmlformats.org/officeDocument/2006/relationships" xmlns:p="http://schemas.openxmlformats.org/presentationml/2006/main">
   <p:cSld>
     <p:spTree>
@@ -32739,7 +29619,7 @@
           <a:p>
             <a:fld id="{8BC8727B-4240-4963-929A-A961B0E9EF8D}" type="slidenum">
               <a:rPr lang="pt-PT" smtClean="0"/>
-              <a:t>4</a:t>
+              <a:t>3</a:t>
             </a:fld>
             <a:endParaRPr lang="pt-PT"/>
           </a:p>
@@ -32993,7 +29873,7 @@
 </p:sld>
 </file>
 
-<file path=ppt/slides/slide5.xml><?xml version="1.0" encoding="utf-8"?>
+<file path=ppt/slides/slide4.xml><?xml version="1.0" encoding="utf-8"?>
 <p:sld xmlns:a="http://schemas.openxmlformats.org/drawingml/2006/main" xmlns:r="http://schemas.openxmlformats.org/officeDocument/2006/relationships" xmlns:p="http://schemas.openxmlformats.org/presentationml/2006/main">
   <p:cSld>
     <p:spTree>
@@ -33106,7 +29986,7 @@
           <a:p>
             <a:fld id="{8BC8727B-4240-4963-929A-A961B0E9EF8D}" type="slidenum">
               <a:rPr lang="pt-PT" smtClean="0"/>
-              <a:t>5</a:t>
+              <a:t>4</a:t>
             </a:fld>
             <a:endParaRPr lang="pt-PT"/>
           </a:p>
@@ -33256,7 +30136,7 @@
 </p:sld>
 </file>
 
-<file path=ppt/slides/slide6.xml><?xml version="1.0" encoding="utf-8"?>
+<file path=ppt/slides/slide5.xml><?xml version="1.0" encoding="utf-8"?>
 <p:sld xmlns:a="http://schemas.openxmlformats.org/drawingml/2006/main" xmlns:r="http://schemas.openxmlformats.org/officeDocument/2006/relationships" xmlns:p="http://schemas.openxmlformats.org/presentationml/2006/main">
   <p:cSld>
     <p:spTree>
@@ -33350,7 +30230,7 @@
           <a:p>
             <a:fld id="{8BC8727B-4240-4963-929A-A961B0E9EF8D}" type="slidenum">
               <a:rPr lang="pt-PT" smtClean="0"/>
-              <a:t>6</a:t>
+              <a:t>5</a:t>
             </a:fld>
             <a:endParaRPr lang="pt-PT"/>
           </a:p>
@@ -33508,7 +30388,7 @@
 </p:sld>
 </file>
 
-<file path=ppt/slides/slide7.xml><?xml version="1.0" encoding="utf-8"?>
+<file path=ppt/slides/slide6.xml><?xml version="1.0" encoding="utf-8"?>
 <p:sld xmlns:a="http://schemas.openxmlformats.org/drawingml/2006/main" xmlns:r="http://schemas.openxmlformats.org/officeDocument/2006/relationships" xmlns:p="http://schemas.openxmlformats.org/presentationml/2006/main">
   <p:cSld>
     <p:spTree>
@@ -33614,7 +30494,7 @@
           <a:p>
             <a:fld id="{8BC8727B-4240-4963-929A-A961B0E9EF8D}" type="slidenum">
               <a:rPr lang="pt-PT" smtClean="0"/>
-              <a:t>7</a:t>
+              <a:t>6</a:t>
             </a:fld>
             <a:endParaRPr lang="pt-PT"/>
           </a:p>
@@ -33862,7 +30742,7 @@
                 <a:avLst/>
               </a:prstGeom>
               <a:blipFill>
-                <a:blip r:embed="rId2"/>
+                <a:blip r:embed="rId3"/>
                 <a:stretch>
                   <a:fillRect/>
                 </a:stretch>
@@ -33883,8 +30763,8 @@
           </p:sp>
         </mc:Fallback>
       </mc:AlternateContent>
-      <mc:AlternateContent xmlns:mc="http://schemas.openxmlformats.org/markup-compatibility/2006">
-        <mc:Choice xmlns:a14="http://schemas.microsoft.com/office/drawing/2010/main" Requires="a14">
+      <mc:AlternateContent xmlns:mc="http://schemas.openxmlformats.org/markup-compatibility/2006" xmlns:a14="http://schemas.microsoft.com/office/drawing/2010/main">
+        <mc:Choice Requires="a14">
           <p:sp>
             <p:nvSpPr>
               <p:cNvPr id="7" name="TextBox 6">
@@ -34110,7 +30990,7 @@
             </p:txBody>
           </p:sp>
         </mc:Choice>
-        <mc:Fallback>
+        <mc:Fallback xmlns="">
           <p:sp>
             <p:nvSpPr>
               <p:cNvPr id="7" name="TextBox 6">
@@ -34134,7 +31014,7 @@
                 <a:avLst/>
               </a:prstGeom>
               <a:blipFill>
-                <a:blip r:embed="rId3"/>
+                <a:blip r:embed="rId4"/>
                 <a:stretch>
                   <a:fillRect b="-2727"/>
                 </a:stretch>
@@ -34168,7 +31048,7 @@
 </p:sld>
 </file>
 
-<file path=ppt/slides/slide8.xml><?xml version="1.0" encoding="utf-8"?>
+<file path=ppt/slides/slide7.xml><?xml version="1.0" encoding="utf-8"?>
 <p:sld xmlns:a="http://schemas.openxmlformats.org/drawingml/2006/main" xmlns:r="http://schemas.openxmlformats.org/officeDocument/2006/relationships" xmlns:p="http://schemas.openxmlformats.org/presentationml/2006/main">
   <p:cSld>
     <p:spTree>
@@ -34251,7 +31131,7 @@
           <a:p>
             <a:fld id="{8BC8727B-4240-4963-929A-A961B0E9EF8D}" type="slidenum">
               <a:rPr lang="pt-PT" smtClean="0"/>
-              <a:t>8</a:t>
+              <a:t>7</a:t>
             </a:fld>
             <a:endParaRPr lang="pt-PT"/>
           </a:p>
@@ -34272,7 +31152,7 @@
         <p:spPr>
           <a:xfrm>
             <a:off x="637308" y="1232922"/>
-            <a:ext cx="7878042" cy="2123658"/>
+            <a:ext cx="7878042" cy="1615827"/>
           </a:xfrm>
           <a:prstGeom prst="rect">
             <a:avLst/>
@@ -34408,48 +31288,6 @@
               </a:rPr>
               <a:t>, despite improvements to the standard MCTS algorithm.</a:t>
             </a:r>
-          </a:p>
-          <a:p>
-            <a:pPr marL="284400" indent="-180000">
-              <a:spcBef>
-                <a:spcPts val="600"/>
-              </a:spcBef>
-              <a:buFont typeface="Arial" panose="020B0604020202020204" pitchFamily="34" charset="0"/>
-              <a:buChar char="•"/>
-            </a:pPr>
-            <a:r>
-              <a:rPr lang="en-US" dirty="0">
-                <a:latin typeface="Archivo"/>
-              </a:rPr>
-              <a:t>MCTS and its hybridization remain unexplored in the context of CB-CTT, making this the </a:t>
-            </a:r>
-            <a:r>
-              <a:rPr lang="en-US" b="1" dirty="0">
-                <a:latin typeface="Archivo"/>
-              </a:rPr>
-              <a:t>novel</a:t>
-            </a:r>
-            <a:r>
-              <a:rPr lang="en-US" dirty="0">
-                <a:latin typeface="Archivo"/>
-              </a:rPr>
-              <a:t> </a:t>
-            </a:r>
-            <a:r>
-              <a:rPr lang="en-US" b="1" dirty="0">
-                <a:latin typeface="Archivo"/>
-              </a:rPr>
-              <a:t>contribution</a:t>
-            </a:r>
-            <a:r>
-              <a:rPr lang="en-US" dirty="0">
-                <a:latin typeface="Archivo"/>
-              </a:rPr>
-              <a:t> of our work.</a:t>
-            </a:r>
-            <a:endParaRPr lang="pt-PT" dirty="0">
-              <a:latin typeface="Archivo"/>
-            </a:endParaRPr>
           </a:p>
         </p:txBody>
       </p:sp>
@@ -34466,7 +31304,7 @@
 </p:sld>
 </file>
 
-<file path=ppt/slides/slide9.xml><?xml version="1.0" encoding="utf-8"?>
+<file path=ppt/slides/slide8.xml><?xml version="1.0" encoding="utf-8"?>
 <p:sld xmlns:a="http://schemas.openxmlformats.org/drawingml/2006/main" xmlns:r="http://schemas.openxmlformats.org/officeDocument/2006/relationships" xmlns:p="http://schemas.openxmlformats.org/presentationml/2006/main">
   <p:cSld>
     <p:spTree>
@@ -34549,7 +31387,7 @@
           <a:p>
             <a:fld id="{8BC8727B-4240-4963-929A-A961B0E9EF8D}" type="slidenum">
               <a:rPr lang="pt-PT" smtClean="0"/>
-              <a:t>9</a:t>
+              <a:t>8</a:t>
             </a:fld>
             <a:endParaRPr lang="pt-PT"/>
           </a:p>
@@ -34593,7 +31431,43 @@
               <a:rPr lang="en-US" dirty="0">
                 <a:latin typeface="Archivo"/>
               </a:rPr>
-              <a:t>, P = {P0, P1, ..., P|P|−1}</a:t>
+              <a:t>, P = {P</a:t>
+            </a:r>
+            <a:r>
+              <a:rPr lang="en-US" baseline="-25000" dirty="0">
+                <a:latin typeface="Archivo"/>
+              </a:rPr>
+              <a:t>0</a:t>
+            </a:r>
+            <a:r>
+              <a:rPr lang="en-US" dirty="0">
+                <a:latin typeface="Archivo"/>
+              </a:rPr>
+              <a:t>, P</a:t>
+            </a:r>
+            <a:r>
+              <a:rPr lang="en-US" baseline="-25000" dirty="0">
+                <a:latin typeface="Archivo"/>
+              </a:rPr>
+              <a:t>1</a:t>
+            </a:r>
+            <a:r>
+              <a:rPr lang="en-US" dirty="0">
+                <a:latin typeface="Archivo"/>
+              </a:rPr>
+              <a:t>, ..., P</a:t>
+            </a:r>
+            <a:r>
+              <a:rPr lang="en-US" baseline="-25000" dirty="0">
+                <a:latin typeface="Archivo"/>
+              </a:rPr>
+              <a:t>|P|−1</a:t>
+            </a:r>
+            <a:r>
+              <a:rPr lang="en-US" dirty="0">
+                <a:latin typeface="Archivo"/>
+              </a:rPr>
+              <a:t>}</a:t>
             </a:r>
           </a:p>
           <a:p>
@@ -34612,7 +31486,43 @@
               <a:rPr lang="en-US" dirty="0">
                 <a:latin typeface="Archivo"/>
               </a:rPr>
-              <a:t>, R = {R0, R1, ..., R|R|−1}</a:t>
+              <a:t>, R = {R</a:t>
+            </a:r>
+            <a:r>
+              <a:rPr lang="en-US" baseline="-25000" dirty="0">
+                <a:latin typeface="Archivo"/>
+              </a:rPr>
+              <a:t>0</a:t>
+            </a:r>
+            <a:r>
+              <a:rPr lang="en-US" dirty="0">
+                <a:latin typeface="Archivo"/>
+              </a:rPr>
+              <a:t>, R</a:t>
+            </a:r>
+            <a:r>
+              <a:rPr lang="en-US" baseline="-25000" dirty="0">
+                <a:latin typeface="Archivo"/>
+              </a:rPr>
+              <a:t>1</a:t>
+            </a:r>
+            <a:r>
+              <a:rPr lang="en-US" dirty="0">
+                <a:latin typeface="Archivo"/>
+              </a:rPr>
+              <a:t>, ..., R</a:t>
+            </a:r>
+            <a:r>
+              <a:rPr lang="en-US" baseline="-25000" dirty="0">
+                <a:latin typeface="Archivo"/>
+              </a:rPr>
+              <a:t>|R|−1</a:t>
+            </a:r>
+            <a:r>
+              <a:rPr lang="en-US" dirty="0">
+                <a:latin typeface="Archivo"/>
+              </a:rPr>
+              <a:t>}</a:t>
             </a:r>
           </a:p>
           <a:p>
@@ -34716,7 +31626,43 @@
               <a:rPr lang="en-US" dirty="0">
                 <a:latin typeface="Archivo"/>
               </a:rPr>
-              <a:t>, E = {E0, E1, ..., E|E|−1}</a:t>
+              <a:t>, E = {E</a:t>
+            </a:r>
+            <a:r>
+              <a:rPr lang="en-US" baseline="-25000" dirty="0">
+                <a:latin typeface="Archivo"/>
+              </a:rPr>
+              <a:t>0</a:t>
+            </a:r>
+            <a:r>
+              <a:rPr lang="en-US" dirty="0">
+                <a:latin typeface="Archivo"/>
+              </a:rPr>
+              <a:t>, E</a:t>
+            </a:r>
+            <a:r>
+              <a:rPr lang="en-US" baseline="-25000" dirty="0">
+                <a:latin typeface="Archivo"/>
+              </a:rPr>
+              <a:t>1</a:t>
+            </a:r>
+            <a:r>
+              <a:rPr lang="en-US" dirty="0">
+                <a:latin typeface="Archivo"/>
+              </a:rPr>
+              <a:t>, ..., E</a:t>
+            </a:r>
+            <a:r>
+              <a:rPr lang="en-US" baseline="-25000" dirty="0">
+                <a:latin typeface="Archivo"/>
+              </a:rPr>
+              <a:t>|E|−1</a:t>
+            </a:r>
+            <a:r>
+              <a:rPr lang="en-US" dirty="0">
+                <a:latin typeface="Archivo"/>
+              </a:rPr>
+              <a:t>}</a:t>
             </a:r>
           </a:p>
           <a:p>
@@ -34810,7 +31756,43 @@
               <a:rPr lang="en-US" dirty="0">
                 <a:latin typeface="Archivo"/>
               </a:rPr>
-              <a:t>, B = {B0, B1, ..., B|B|−1}</a:t>
+              <a:t>, B = {B</a:t>
+            </a:r>
+            <a:r>
+              <a:rPr lang="en-US" baseline="-25000" dirty="0">
+                <a:latin typeface="Archivo"/>
+              </a:rPr>
+              <a:t>0</a:t>
+            </a:r>
+            <a:r>
+              <a:rPr lang="en-US" dirty="0">
+                <a:latin typeface="Archivo"/>
+              </a:rPr>
+              <a:t>, B</a:t>
+            </a:r>
+            <a:r>
+              <a:rPr lang="en-US" baseline="-25000" dirty="0">
+                <a:latin typeface="Archivo"/>
+              </a:rPr>
+              <a:t>1</a:t>
+            </a:r>
+            <a:r>
+              <a:rPr lang="en-US" dirty="0">
+                <a:latin typeface="Archivo"/>
+              </a:rPr>
+              <a:t>, ..., B</a:t>
+            </a:r>
+            <a:r>
+              <a:rPr lang="en-US" baseline="-25000" dirty="0">
+                <a:latin typeface="Archivo"/>
+              </a:rPr>
+              <a:t>|B|-1</a:t>
+            </a:r>
+            <a:r>
+              <a:rPr lang="en-US" dirty="0">
+                <a:latin typeface="Archivo"/>
+              </a:rPr>
+              <a:t>}</a:t>
             </a:r>
             <a:endParaRPr lang="pt-PT" dirty="0">
               <a:latin typeface="Archivo"/>
@@ -35106,6 +32088,864 @@
     <p:extLst>
       <p:ext uri="{BB962C8B-B14F-4D97-AF65-F5344CB8AC3E}">
         <p14:creationId xmlns:p14="http://schemas.microsoft.com/office/powerpoint/2010/main" val="219252802"/>
+      </p:ext>
+    </p:extLst>
+  </p:cSld>
+  <p:clrMapOvr>
+    <a:masterClrMapping/>
+  </p:clrMapOvr>
+</p:sld>
+</file>
+
+<file path=ppt/slides/slide9.xml><?xml version="1.0" encoding="utf-8"?>
+<p:sld xmlns:a="http://schemas.openxmlformats.org/drawingml/2006/main" xmlns:r="http://schemas.openxmlformats.org/officeDocument/2006/relationships" xmlns:p="http://schemas.openxmlformats.org/presentationml/2006/main">
+  <p:cSld>
+    <p:spTree>
+      <p:nvGrpSpPr>
+        <p:cNvPr id="1" name="">
+          <a:extLst>
+            <a:ext uri="{FF2B5EF4-FFF2-40B4-BE49-F238E27FC236}">
+              <a16:creationId xmlns:a16="http://schemas.microsoft.com/office/drawing/2014/main" id="{F1718270-C24F-4836-836F-C60908E1DACE}"/>
+            </a:ext>
+          </a:extLst>
+        </p:cNvPr>
+        <p:cNvGrpSpPr/>
+        <p:nvPr/>
+      </p:nvGrpSpPr>
+      <p:grpSpPr>
+        <a:xfrm>
+          <a:off x="0" y="0"/>
+          <a:ext cx="0" cy="0"/>
+          <a:chOff x="0" y="0"/>
+          <a:chExt cx="0" cy="0"/>
+        </a:xfrm>
+      </p:grpSpPr>
+      <p:sp>
+        <p:nvSpPr>
+          <p:cNvPr id="2" name="Title 1">
+            <a:extLst>
+              <a:ext uri="{FF2B5EF4-FFF2-40B4-BE49-F238E27FC236}">
+                <a16:creationId xmlns:a16="http://schemas.microsoft.com/office/drawing/2014/main" id="{168E3F9D-0B6D-5A2C-0277-9297C502233D}"/>
+              </a:ext>
+            </a:extLst>
+          </p:cNvPr>
+          <p:cNvSpPr>
+            <a:spLocks noGrp="1"/>
+          </p:cNvSpPr>
+          <p:nvPr>
+            <p:ph type="title"/>
+          </p:nvPr>
+        </p:nvSpPr>
+        <p:spPr/>
+        <p:txBody>
+          <a:bodyPr/>
+          <a:lstStyle/>
+          <a:p>
+            <a:r>
+              <a:rPr lang="pt-PT" dirty="0" err="1"/>
+              <a:t>Methodology</a:t>
+            </a:r>
+            <a:r>
+              <a:rPr lang="pt-PT" dirty="0"/>
+              <a:t>: </a:t>
+            </a:r>
+            <a:r>
+              <a:rPr lang="pt-PT" b="0" dirty="0"/>
+              <a:t>Monte-Carlo </a:t>
+            </a:r>
+            <a:r>
+              <a:rPr lang="pt-PT" b="0" dirty="0" err="1"/>
+              <a:t>Tree</a:t>
+            </a:r>
+            <a:r>
+              <a:rPr lang="pt-PT" b="0" dirty="0"/>
+              <a:t> </a:t>
+            </a:r>
+            <a:r>
+              <a:rPr lang="pt-PT" b="0" dirty="0" err="1"/>
+              <a:t>Search</a:t>
+            </a:r>
+            <a:r>
+              <a:rPr lang="pt-PT" b="0" dirty="0"/>
+              <a:t> (MCTS)</a:t>
+            </a:r>
+          </a:p>
+        </p:txBody>
+      </p:sp>
+      <p:sp>
+        <p:nvSpPr>
+          <p:cNvPr id="3" name="Slide Number Placeholder 2">
+            <a:extLst>
+              <a:ext uri="{FF2B5EF4-FFF2-40B4-BE49-F238E27FC236}">
+                <a16:creationId xmlns:a16="http://schemas.microsoft.com/office/drawing/2014/main" id="{2AF91F09-A294-BB58-8095-8D500DC87209}"/>
+              </a:ext>
+            </a:extLst>
+          </p:cNvPr>
+          <p:cNvSpPr>
+            <a:spLocks noGrp="1"/>
+          </p:cNvSpPr>
+          <p:nvPr>
+            <p:ph type="sldNum" sz="quarter" idx="11"/>
+          </p:nvPr>
+        </p:nvSpPr>
+        <p:spPr/>
+        <p:txBody>
+          <a:bodyPr/>
+          <a:lstStyle/>
+          <a:p>
+            <a:fld id="{8BC8727B-4240-4963-929A-A961B0E9EF8D}" type="slidenum">
+              <a:rPr lang="pt-PT" smtClean="0"/>
+              <a:t>9</a:t>
+            </a:fld>
+            <a:endParaRPr lang="pt-PT" dirty="0"/>
+          </a:p>
+        </p:txBody>
+      </p:sp>
+      <p:sp>
+        <p:nvSpPr>
+          <p:cNvPr id="23" name="TextBox 22">
+            <a:extLst>
+              <a:ext uri="{FF2B5EF4-FFF2-40B4-BE49-F238E27FC236}">
+                <a16:creationId xmlns:a16="http://schemas.microsoft.com/office/drawing/2014/main" id="{FE561521-7F5B-755F-7123-393E7B65FBD3}"/>
+              </a:ext>
+            </a:extLst>
+          </p:cNvPr>
+          <p:cNvSpPr txBox="1"/>
+          <p:nvPr/>
+        </p:nvSpPr>
+        <p:spPr>
+          <a:xfrm>
+            <a:off x="720000" y="1395928"/>
+            <a:ext cx="4148354" cy="3370153"/>
+          </a:xfrm>
+          <a:prstGeom prst="rect">
+            <a:avLst/>
+          </a:prstGeom>
+          <a:noFill/>
+        </p:spPr>
+        <p:txBody>
+          <a:bodyPr wrap="square" rtlCol="0">
+            <a:spAutoFit/>
+          </a:bodyPr>
+          <a:lstStyle/>
+          <a:p>
+            <a:pPr>
+              <a:spcBef>
+                <a:spcPts val="600"/>
+              </a:spcBef>
+            </a:pPr>
+            <a:r>
+              <a:rPr lang="en-US" b="1" i="0" dirty="0">
+                <a:solidFill>
+                  <a:schemeClr val="tx1"/>
+                </a:solidFill>
+                <a:effectLst/>
+                <a:latin typeface="Archivo"/>
+              </a:rPr>
+              <a:t>Search space: </a:t>
+            </a:r>
+            <a:r>
+              <a:rPr lang="en-US" b="0" i="1" dirty="0">
+                <a:solidFill>
+                  <a:schemeClr val="tx1"/>
+                </a:solidFill>
+                <a:effectLst/>
+                <a:latin typeface="Archivo"/>
+              </a:rPr>
+              <a:t>S = (E</a:t>
+            </a:r>
+            <a:r>
+              <a:rPr lang="en-US" b="0" i="0" dirty="0">
+                <a:solidFill>
+                  <a:schemeClr val="tx1"/>
+                </a:solidFill>
+                <a:effectLst/>
+                <a:latin typeface="Archivo"/>
+              </a:rPr>
+              <a:t> x </a:t>
+            </a:r>
+            <a:r>
+              <a:rPr lang="en-US" i="1" dirty="0">
+                <a:solidFill>
+                  <a:schemeClr val="tx1"/>
+                </a:solidFill>
+                <a:latin typeface="Archivo"/>
+              </a:rPr>
+              <a:t>P</a:t>
+            </a:r>
+            <a:r>
+              <a:rPr lang="en-US" b="0" i="0" dirty="0">
+                <a:solidFill>
+                  <a:schemeClr val="tx1"/>
+                </a:solidFill>
+                <a:effectLst/>
+                <a:latin typeface="Archivo"/>
+              </a:rPr>
+              <a:t> x </a:t>
+            </a:r>
+            <a:r>
+              <a:rPr lang="en-US" b="0" i="1" dirty="0">
+                <a:solidFill>
+                  <a:schemeClr val="tx1"/>
+                </a:solidFill>
+                <a:effectLst/>
+                <a:latin typeface="Archivo"/>
+              </a:rPr>
+              <a:t>R</a:t>
+            </a:r>
+            <a:r>
+              <a:rPr lang="en-US" b="0" i="0" dirty="0">
+                <a:solidFill>
+                  <a:schemeClr val="tx1"/>
+                </a:solidFill>
+                <a:effectLst/>
+                <a:latin typeface="Archivo"/>
+              </a:rPr>
+              <a:t>)</a:t>
+            </a:r>
+          </a:p>
+          <a:p>
+            <a:pPr marL="284400" lvl="1" indent="-180000">
+              <a:spcBef>
+                <a:spcPts val="600"/>
+              </a:spcBef>
+            </a:pPr>
+            <a:r>
+              <a:rPr lang="pt-PT" dirty="0" err="1">
+                <a:solidFill>
+                  <a:schemeClr val="tx1"/>
+                </a:solidFill>
+                <a:latin typeface="Archivo"/>
+              </a:rPr>
+              <a:t>where</a:t>
+            </a:r>
+            <a:endParaRPr lang="pt-PT" dirty="0">
+              <a:solidFill>
+                <a:schemeClr val="tx1"/>
+              </a:solidFill>
+              <a:latin typeface="Archivo"/>
+            </a:endParaRPr>
+          </a:p>
+          <a:p>
+            <a:pPr marL="284400" lvl="1" indent="-180000">
+              <a:spcBef>
+                <a:spcPts val="600"/>
+              </a:spcBef>
+              <a:buFont typeface="Arial" panose="020B0604020202020204" pitchFamily="34" charset="0"/>
+              <a:buChar char="•"/>
+            </a:pPr>
+            <a:r>
+              <a:rPr lang="pt-PT" b="1" i="1" dirty="0">
+                <a:solidFill>
+                  <a:schemeClr val="tx1"/>
+                </a:solidFill>
+                <a:latin typeface="Archivo"/>
+              </a:rPr>
+              <a:t>E</a:t>
+            </a:r>
+            <a:r>
+              <a:rPr lang="pt-PT" dirty="0">
+                <a:solidFill>
+                  <a:schemeClr val="tx1"/>
+                </a:solidFill>
+                <a:latin typeface="Archivo"/>
+              </a:rPr>
+              <a:t> </a:t>
+            </a:r>
+            <a:r>
+              <a:rPr lang="pt-PT" dirty="0" err="1">
+                <a:solidFill>
+                  <a:schemeClr val="tx1"/>
+                </a:solidFill>
+                <a:latin typeface="Archivo"/>
+              </a:rPr>
+              <a:t>is</a:t>
+            </a:r>
+            <a:r>
+              <a:rPr lang="pt-PT" dirty="0">
+                <a:solidFill>
+                  <a:schemeClr val="tx1"/>
+                </a:solidFill>
+                <a:latin typeface="Archivo"/>
+              </a:rPr>
+              <a:t> </a:t>
+            </a:r>
+            <a:r>
+              <a:rPr lang="pt-PT" dirty="0" err="1">
+                <a:solidFill>
+                  <a:schemeClr val="tx1"/>
+                </a:solidFill>
+                <a:latin typeface="Archivo"/>
+              </a:rPr>
+              <a:t>the</a:t>
+            </a:r>
+            <a:r>
+              <a:rPr lang="pt-PT" dirty="0">
+                <a:solidFill>
+                  <a:schemeClr val="tx1"/>
+                </a:solidFill>
+                <a:latin typeface="Archivo"/>
+              </a:rPr>
+              <a:t> set </a:t>
+            </a:r>
+            <a:r>
+              <a:rPr lang="pt-PT" dirty="0" err="1">
+                <a:solidFill>
+                  <a:schemeClr val="tx1"/>
+                </a:solidFill>
+                <a:latin typeface="Archivo"/>
+              </a:rPr>
+              <a:t>of</a:t>
+            </a:r>
+            <a:r>
+              <a:rPr lang="pt-PT" dirty="0">
+                <a:solidFill>
+                  <a:schemeClr val="tx1"/>
+                </a:solidFill>
+                <a:latin typeface="Archivo"/>
+              </a:rPr>
+              <a:t> </a:t>
+            </a:r>
+            <a:r>
+              <a:rPr lang="pt-PT" dirty="0" err="1">
+                <a:solidFill>
+                  <a:schemeClr val="tx1"/>
+                </a:solidFill>
+                <a:latin typeface="Archivo"/>
+              </a:rPr>
+              <a:t>events</a:t>
+            </a:r>
+            <a:endParaRPr lang="pt-PT" dirty="0">
+              <a:solidFill>
+                <a:schemeClr val="tx1"/>
+              </a:solidFill>
+              <a:latin typeface="Archivo"/>
+            </a:endParaRPr>
+          </a:p>
+          <a:p>
+            <a:pPr marL="284400" lvl="1" indent="-180000">
+              <a:spcBef>
+                <a:spcPts val="600"/>
+              </a:spcBef>
+              <a:buFont typeface="Arial" panose="020B0604020202020204" pitchFamily="34" charset="0"/>
+              <a:buChar char="•"/>
+            </a:pPr>
+            <a:r>
+              <a:rPr lang="pt-PT" b="1" i="1" dirty="0">
+                <a:solidFill>
+                  <a:schemeClr val="tx1"/>
+                </a:solidFill>
+                <a:latin typeface="Archivo"/>
+              </a:rPr>
+              <a:t>P</a:t>
+            </a:r>
+            <a:r>
+              <a:rPr lang="pt-PT" dirty="0">
+                <a:solidFill>
+                  <a:schemeClr val="tx1"/>
+                </a:solidFill>
+                <a:latin typeface="Archivo"/>
+              </a:rPr>
+              <a:t> </a:t>
+            </a:r>
+            <a:r>
+              <a:rPr lang="pt-PT" dirty="0" err="1">
+                <a:solidFill>
+                  <a:schemeClr val="tx1"/>
+                </a:solidFill>
+                <a:latin typeface="Archivo"/>
+              </a:rPr>
+              <a:t>is</a:t>
+            </a:r>
+            <a:r>
+              <a:rPr lang="pt-PT" dirty="0">
+                <a:solidFill>
+                  <a:schemeClr val="tx1"/>
+                </a:solidFill>
+                <a:latin typeface="Archivo"/>
+              </a:rPr>
+              <a:t> </a:t>
+            </a:r>
+            <a:r>
+              <a:rPr lang="pt-PT" dirty="0" err="1">
+                <a:solidFill>
+                  <a:schemeClr val="tx1"/>
+                </a:solidFill>
+                <a:latin typeface="Archivo"/>
+              </a:rPr>
+              <a:t>the</a:t>
+            </a:r>
+            <a:r>
+              <a:rPr lang="pt-PT" dirty="0">
+                <a:solidFill>
+                  <a:schemeClr val="tx1"/>
+                </a:solidFill>
+                <a:latin typeface="Archivo"/>
+              </a:rPr>
+              <a:t> set </a:t>
+            </a:r>
+            <a:r>
+              <a:rPr lang="pt-PT" dirty="0" err="1">
+                <a:solidFill>
+                  <a:schemeClr val="tx1"/>
+                </a:solidFill>
+                <a:latin typeface="Archivo"/>
+              </a:rPr>
+              <a:t>of</a:t>
+            </a:r>
+            <a:r>
+              <a:rPr lang="pt-PT" dirty="0">
+                <a:solidFill>
+                  <a:schemeClr val="tx1"/>
+                </a:solidFill>
+                <a:latin typeface="Archivo"/>
+              </a:rPr>
+              <a:t> </a:t>
+            </a:r>
+            <a:r>
+              <a:rPr lang="pt-PT" dirty="0" err="1">
+                <a:solidFill>
+                  <a:schemeClr val="tx1"/>
+                </a:solidFill>
+                <a:latin typeface="Archivo"/>
+              </a:rPr>
+              <a:t>periods</a:t>
+            </a:r>
+            <a:r>
+              <a:rPr lang="pt-PT" dirty="0">
+                <a:solidFill>
+                  <a:schemeClr val="tx1"/>
+                </a:solidFill>
+                <a:latin typeface="Archivo"/>
+              </a:rPr>
+              <a:t> </a:t>
+            </a:r>
+            <a:r>
+              <a:rPr lang="pt-PT" i="1" dirty="0">
+                <a:solidFill>
+                  <a:schemeClr val="tx1"/>
+                </a:solidFill>
+                <a:latin typeface="Archivo"/>
+              </a:rPr>
+              <a:t>(</a:t>
+            </a:r>
+            <a:r>
+              <a:rPr lang="pt-PT" i="1" dirty="0" err="1">
+                <a:solidFill>
+                  <a:schemeClr val="tx1"/>
+                </a:solidFill>
+                <a:latin typeface="Archivo"/>
+              </a:rPr>
+              <a:t>day,timeslot</a:t>
+            </a:r>
+            <a:r>
+              <a:rPr lang="pt-PT" i="1" dirty="0">
+                <a:solidFill>
+                  <a:schemeClr val="tx1"/>
+                </a:solidFill>
+                <a:latin typeface="Archivo"/>
+              </a:rPr>
+              <a:t>)</a:t>
+            </a:r>
+          </a:p>
+          <a:p>
+            <a:pPr marL="284400" lvl="1" indent="-180000">
+              <a:spcBef>
+                <a:spcPts val="600"/>
+              </a:spcBef>
+              <a:buFont typeface="Arial" panose="020B0604020202020204" pitchFamily="34" charset="0"/>
+              <a:buChar char="•"/>
+            </a:pPr>
+            <a:r>
+              <a:rPr lang="pt-PT" b="1" i="1" dirty="0">
+                <a:solidFill>
+                  <a:schemeClr val="tx1"/>
+                </a:solidFill>
+                <a:latin typeface="Archivo"/>
+              </a:rPr>
+              <a:t>R</a:t>
+            </a:r>
+            <a:r>
+              <a:rPr lang="pt-PT" dirty="0">
+                <a:solidFill>
+                  <a:schemeClr val="tx1"/>
+                </a:solidFill>
+                <a:latin typeface="Archivo"/>
+              </a:rPr>
+              <a:t> </a:t>
+            </a:r>
+            <a:r>
+              <a:rPr lang="pt-PT" dirty="0" err="1">
+                <a:solidFill>
+                  <a:schemeClr val="tx1"/>
+                </a:solidFill>
+                <a:latin typeface="Archivo"/>
+              </a:rPr>
+              <a:t>is</a:t>
+            </a:r>
+            <a:r>
+              <a:rPr lang="pt-PT" dirty="0">
+                <a:solidFill>
+                  <a:schemeClr val="tx1"/>
+                </a:solidFill>
+                <a:latin typeface="Archivo"/>
+              </a:rPr>
+              <a:t> </a:t>
+            </a:r>
+            <a:r>
+              <a:rPr lang="pt-PT" dirty="0" err="1">
+                <a:solidFill>
+                  <a:schemeClr val="tx1"/>
+                </a:solidFill>
+                <a:latin typeface="Archivo"/>
+              </a:rPr>
+              <a:t>the</a:t>
+            </a:r>
+            <a:r>
+              <a:rPr lang="pt-PT" dirty="0">
+                <a:solidFill>
+                  <a:schemeClr val="tx1"/>
+                </a:solidFill>
+                <a:latin typeface="Archivo"/>
+              </a:rPr>
+              <a:t> set </a:t>
+            </a:r>
+            <a:r>
+              <a:rPr lang="pt-PT" dirty="0" err="1">
+                <a:solidFill>
+                  <a:schemeClr val="tx1"/>
+                </a:solidFill>
+                <a:latin typeface="Archivo"/>
+              </a:rPr>
+              <a:t>of</a:t>
+            </a:r>
+            <a:r>
+              <a:rPr lang="pt-PT" dirty="0">
+                <a:solidFill>
+                  <a:schemeClr val="tx1"/>
+                </a:solidFill>
+                <a:latin typeface="Archivo"/>
+              </a:rPr>
+              <a:t> </a:t>
+            </a:r>
+            <a:r>
+              <a:rPr lang="pt-PT" dirty="0" err="1">
+                <a:solidFill>
+                  <a:schemeClr val="tx1"/>
+                </a:solidFill>
+                <a:latin typeface="Archivo"/>
+              </a:rPr>
+              <a:t>rooms</a:t>
+            </a:r>
+            <a:endParaRPr lang="pt-PT" dirty="0">
+              <a:solidFill>
+                <a:schemeClr val="tx1"/>
+              </a:solidFill>
+              <a:latin typeface="Archivo"/>
+            </a:endParaRPr>
+          </a:p>
+          <a:p>
+            <a:pPr marL="284400" lvl="1" indent="-180000"/>
+            <a:endParaRPr lang="en-US" i="0" dirty="0">
+              <a:solidFill>
+                <a:schemeClr val="tx1"/>
+              </a:solidFill>
+              <a:effectLst/>
+              <a:latin typeface="Archivo"/>
+            </a:endParaRPr>
+          </a:p>
+          <a:p>
+            <a:pPr lvl="1" indent="-180000"/>
+            <a:r>
+              <a:rPr lang="en-US" i="0" dirty="0">
+                <a:solidFill>
+                  <a:schemeClr val="tx1"/>
+                </a:solidFill>
+                <a:effectLst/>
+                <a:latin typeface="Archivo"/>
+              </a:rPr>
+              <a:t>A </a:t>
+            </a:r>
+            <a:r>
+              <a:rPr lang="en-US" b="1" i="0" dirty="0">
+                <a:solidFill>
+                  <a:schemeClr val="tx1"/>
+                </a:solidFill>
+                <a:effectLst/>
+                <a:latin typeface="Archivo"/>
+              </a:rPr>
+              <a:t>Node </a:t>
+            </a:r>
+            <a:r>
+              <a:rPr lang="en-US" i="0" dirty="0">
+                <a:solidFill>
+                  <a:schemeClr val="tx1"/>
+                </a:solidFill>
+                <a:effectLst/>
+                <a:latin typeface="Archivo"/>
+              </a:rPr>
+              <a:t>is composed of:</a:t>
+            </a:r>
+          </a:p>
+          <a:p>
+            <a:pPr marL="284400" lvl="1" indent="-180000">
+              <a:spcBef>
+                <a:spcPts val="600"/>
+              </a:spcBef>
+              <a:buFont typeface="Arial" panose="020B0604020202020204" pitchFamily="34" charset="0"/>
+              <a:buChar char="•"/>
+            </a:pPr>
+            <a:r>
+              <a:rPr lang="pt-PT" dirty="0" err="1">
+                <a:solidFill>
+                  <a:schemeClr val="tx1"/>
+                </a:solidFill>
+                <a:latin typeface="Archivo"/>
+              </a:rPr>
+              <a:t>Parent</a:t>
+            </a:r>
+            <a:endParaRPr lang="pt-PT" dirty="0">
+              <a:solidFill>
+                <a:schemeClr val="tx1"/>
+              </a:solidFill>
+              <a:latin typeface="Archivo"/>
+            </a:endParaRPr>
+          </a:p>
+          <a:p>
+            <a:pPr marL="284400" lvl="1" indent="-180000">
+              <a:spcBef>
+                <a:spcPts val="600"/>
+              </a:spcBef>
+              <a:buFont typeface="Arial" panose="020B0604020202020204" pitchFamily="34" charset="0"/>
+              <a:buChar char="•"/>
+            </a:pPr>
+            <a:r>
+              <a:rPr lang="pt-PT" dirty="0" err="1">
+                <a:solidFill>
+                  <a:schemeClr val="tx1"/>
+                </a:solidFill>
+                <a:latin typeface="Archivo"/>
+              </a:rPr>
+              <a:t>Children</a:t>
+            </a:r>
+            <a:endParaRPr lang="pt-PT" dirty="0">
+              <a:solidFill>
+                <a:schemeClr val="tx1"/>
+              </a:solidFill>
+              <a:latin typeface="Archivo"/>
+            </a:endParaRPr>
+          </a:p>
+          <a:p>
+            <a:pPr marL="284400" lvl="1" indent="-180000">
+              <a:spcBef>
+                <a:spcPts val="600"/>
+              </a:spcBef>
+              <a:buFont typeface="Arial" panose="020B0604020202020204" pitchFamily="34" charset="0"/>
+              <a:buChar char="•"/>
+            </a:pPr>
+            <a:r>
+              <a:rPr lang="pt-PT" dirty="0" err="1">
+                <a:solidFill>
+                  <a:schemeClr val="tx1"/>
+                </a:solidFill>
+                <a:latin typeface="Archivo"/>
+              </a:rPr>
+              <a:t>Expansion</a:t>
+            </a:r>
+            <a:r>
+              <a:rPr lang="pt-PT" dirty="0">
+                <a:solidFill>
+                  <a:schemeClr val="tx1"/>
+                </a:solidFill>
+                <a:latin typeface="Archivo"/>
+              </a:rPr>
+              <a:t> </a:t>
+            </a:r>
+            <a:r>
+              <a:rPr lang="pt-PT" dirty="0" err="1">
+                <a:solidFill>
+                  <a:schemeClr val="tx1"/>
+                </a:solidFill>
+                <a:latin typeface="Archivo"/>
+              </a:rPr>
+              <a:t>limit</a:t>
+            </a:r>
+            <a:endParaRPr lang="pt-PT" dirty="0">
+              <a:solidFill>
+                <a:schemeClr val="tx1"/>
+              </a:solidFill>
+              <a:latin typeface="Archivo"/>
+            </a:endParaRPr>
+          </a:p>
+          <a:p>
+            <a:pPr marL="284400" lvl="1" indent="-180000">
+              <a:spcBef>
+                <a:spcPts val="600"/>
+              </a:spcBef>
+              <a:buFont typeface="Arial" panose="020B0604020202020204" pitchFamily="34" charset="0"/>
+              <a:buChar char="•"/>
+            </a:pPr>
+            <a:r>
+              <a:rPr lang="pt-PT" dirty="0" err="1">
+                <a:solidFill>
+                  <a:schemeClr val="tx1"/>
+                </a:solidFill>
+                <a:latin typeface="Archivo"/>
+              </a:rPr>
+              <a:t>Visits</a:t>
+            </a:r>
+            <a:endParaRPr lang="pt-PT" dirty="0">
+              <a:solidFill>
+                <a:schemeClr val="tx1"/>
+              </a:solidFill>
+              <a:latin typeface="Archivo"/>
+            </a:endParaRPr>
+          </a:p>
+          <a:p>
+            <a:pPr marL="284400" lvl="1" indent="-180000">
+              <a:spcBef>
+                <a:spcPts val="600"/>
+              </a:spcBef>
+              <a:buFont typeface="Arial" panose="020B0604020202020204" pitchFamily="34" charset="0"/>
+              <a:buChar char="•"/>
+            </a:pPr>
+            <a:r>
+              <a:rPr lang="pt-PT" dirty="0">
+                <a:solidFill>
+                  <a:schemeClr val="tx1"/>
+                </a:solidFill>
+                <a:latin typeface="Archivo"/>
+              </a:rPr>
+              <a:t>Hard </a:t>
+            </a:r>
+            <a:r>
+              <a:rPr lang="pt-PT" dirty="0" err="1">
+                <a:solidFill>
+                  <a:schemeClr val="tx1"/>
+                </a:solidFill>
+                <a:latin typeface="Archivo"/>
+              </a:rPr>
+              <a:t>and</a:t>
+            </a:r>
+            <a:r>
+              <a:rPr lang="pt-PT" dirty="0">
+                <a:solidFill>
+                  <a:schemeClr val="tx1"/>
+                </a:solidFill>
+                <a:latin typeface="Archivo"/>
+              </a:rPr>
+              <a:t> soft scores</a:t>
+            </a:r>
+          </a:p>
+        </p:txBody>
+      </p:sp>
+      <p:grpSp>
+        <p:nvGrpSpPr>
+          <p:cNvPr id="4" name="Group 3">
+            <a:extLst>
+              <a:ext uri="{FF2B5EF4-FFF2-40B4-BE49-F238E27FC236}">
+                <a16:creationId xmlns:a16="http://schemas.microsoft.com/office/drawing/2014/main" id="{7BBE92F2-4EB3-71F6-4F24-78DB1D421157}"/>
+              </a:ext>
+            </a:extLst>
+          </p:cNvPr>
+          <p:cNvGrpSpPr/>
+          <p:nvPr/>
+        </p:nvGrpSpPr>
+        <p:grpSpPr>
+          <a:xfrm>
+            <a:off x="4040460" y="1395928"/>
+            <a:ext cx="3905340" cy="3122517"/>
+            <a:chOff x="4040460" y="1395928"/>
+            <a:chExt cx="3905340" cy="3122517"/>
+          </a:xfrm>
+        </p:grpSpPr>
+        <p:sp>
+          <p:nvSpPr>
+            <p:cNvPr id="8" name="TextBox 7">
+              <a:extLst>
+                <a:ext uri="{FF2B5EF4-FFF2-40B4-BE49-F238E27FC236}">
+                  <a16:creationId xmlns:a16="http://schemas.microsoft.com/office/drawing/2014/main" id="{B63927AE-713D-C0DA-712B-AC0A8A41BE19}"/>
+                </a:ext>
+              </a:extLst>
+            </p:cNvPr>
+            <p:cNvSpPr txBox="1"/>
+            <p:nvPr/>
+          </p:nvSpPr>
+          <p:spPr>
+            <a:xfrm>
+              <a:off x="5475876" y="4287613"/>
+              <a:ext cx="1034508" cy="230832"/>
+            </a:xfrm>
+            <a:prstGeom prst="rect">
+              <a:avLst/>
+            </a:prstGeom>
+            <a:noFill/>
+          </p:spPr>
+          <p:txBody>
+            <a:bodyPr wrap="square" rtlCol="0">
+              <a:spAutoFit/>
+            </a:bodyPr>
+            <a:lstStyle/>
+            <a:p>
+              <a:r>
+                <a:rPr lang="pt-PT" sz="900" b="1" dirty="0">
+                  <a:latin typeface="Archivo"/>
+                </a:rPr>
+                <a:t>Fig. 4 –</a:t>
+              </a:r>
+              <a:r>
+                <a:rPr lang="pt-PT" sz="900" dirty="0">
+                  <a:latin typeface="Archivo"/>
+                </a:rPr>
+                <a:t> MCTS </a:t>
+              </a:r>
+              <a:r>
+                <a:rPr lang="pt-PT" sz="900" dirty="0" err="1">
+                  <a:latin typeface="Archivo"/>
+                </a:rPr>
+                <a:t>tree</a:t>
+              </a:r>
+              <a:endParaRPr lang="pt-PT" sz="900" i="1" dirty="0">
+                <a:latin typeface="Archivo"/>
+              </a:endParaRPr>
+            </a:p>
+          </p:txBody>
+        </p:sp>
+        <p:pic>
+          <p:nvPicPr>
+            <p:cNvPr id="33" name="Picture 32" descr="A diagram of a tree&#10;&#10;AI-generated content may be incorrect.">
+              <a:extLst>
+                <a:ext uri="{FF2B5EF4-FFF2-40B4-BE49-F238E27FC236}">
+                  <a16:creationId xmlns:a16="http://schemas.microsoft.com/office/drawing/2014/main" id="{C536A9A6-6C2F-33CE-D81F-225A57C9725F}"/>
+                </a:ext>
+              </a:extLst>
+            </p:cNvPr>
+            <p:cNvPicPr>
+              <a:picLocks noChangeAspect="1"/>
+            </p:cNvPicPr>
+            <p:nvPr/>
+          </p:nvPicPr>
+          <p:blipFill>
+            <a:blip r:embed="rId2"/>
+            <a:stretch>
+              <a:fillRect/>
+            </a:stretch>
+          </p:blipFill>
+          <p:spPr>
+            <a:xfrm>
+              <a:off x="4040460" y="1395928"/>
+              <a:ext cx="3905340" cy="2826639"/>
+            </a:xfrm>
+            <a:prstGeom prst="rect">
+              <a:avLst/>
+            </a:prstGeom>
+          </p:spPr>
+        </p:pic>
+      </p:grpSp>
+    </p:spTree>
+    <p:extLst>
+      <p:ext uri="{BB962C8B-B14F-4D97-AF65-F5344CB8AC3E}">
+        <p14:creationId xmlns:p14="http://schemas.microsoft.com/office/powerpoint/2010/main" val="2535000039"/>
       </p:ext>
     </p:extLst>
   </p:cSld>

--- a/Docs/Presentation.pptx
+++ b/Docs/Presentation.pptx
@@ -7643,7 +7643,7 @@
           <a:p>
             <a:fld id="{28AE051E-4971-4F36-901C-869D0DCBC810}" type="datetimeFigureOut">
               <a:rPr lang="pt-PT" smtClean="0"/>
-              <a:t>20/07/2025</a:t>
+              <a:t>24/07/2025</a:t>
             </a:fld>
             <a:endParaRPr lang="pt-PT"/>
           </a:p>
@@ -8339,57 +8339,81 @@
           <a:lstStyle/>
           <a:p>
             <a:pPr marL="158750" indent="0">
+              <a:buFontTx/>
               <a:buNone/>
             </a:pPr>
             <a:r>
-              <a:rPr lang="pt-PT" dirty="0" err="1"/>
-              <a:t>Pruning</a:t>
-            </a:r>
-            <a:endParaRPr lang="pt-PT" dirty="0"/>
+              <a:rPr lang="pt-PT" dirty="0"/>
+              <a:t>Em relação à implementação mais </a:t>
+            </a:r>
+            <a:r>
+              <a:rPr lang="pt-PT"/>
+              <a:t>em concreto…</a:t>
+            </a:r>
           </a:p>
           <a:p>
             <a:pPr marL="158750" indent="0">
+              <a:buFontTx/>
               <a:buNone/>
             </a:pPr>
             <a:endParaRPr lang="pt-PT" dirty="0"/>
           </a:p>
           <a:p>
             <a:pPr marL="158750" indent="0">
+              <a:buFontTx/>
               <a:buNone/>
             </a:pPr>
             <a:r>
               <a:rPr lang="pt-PT" dirty="0"/>
-              <a:t>Avaliamos o impacto que o nó teve, ou seja, a árvore parcial é avaliada quanto às restrições hard e soft.</a:t>
+              <a:t>Dois objetivos</a:t>
             </a:r>
           </a:p>
           <a:p>
             <a:pPr marL="158750" indent="0">
+              <a:buFontTx/>
               <a:buNone/>
             </a:pPr>
             <a:endParaRPr lang="pt-PT" dirty="0"/>
           </a:p>
           <a:p>
-            <a:pPr marL="158750" indent="0">
-              <a:buNone/>
+            <a:pPr marL="457200" indent="-298450">
+              <a:buFontTx/>
+              <a:buChar char="-"/>
             </a:pPr>
             <a:r>
               <a:rPr lang="pt-PT" dirty="0"/>
-              <a:t>Se não forem respeitadas restrições hard, o algoritmo não vai poder continuar mais por esse caminho. Nem continuamos para as próximas fases.</a:t>
-            </a:r>
-          </a:p>
-          <a:p>
-            <a:pPr marL="158750" indent="0">
-              <a:buNone/>
-            </a:pPr>
+              <a:t>Calculamos o </a:t>
+            </a:r>
+            <a:r>
+              <a:rPr lang="pt-PT" dirty="0" err="1"/>
+              <a:t>uct</a:t>
+            </a:r>
+            <a:r>
+              <a:rPr lang="pt-PT" dirty="0"/>
+              <a:t> para as hard </a:t>
+            </a:r>
+            <a:r>
+              <a:rPr lang="pt-PT" dirty="0" err="1"/>
+              <a:t>constraints</a:t>
+            </a:r>
             <a:endParaRPr lang="pt-PT" dirty="0"/>
           </a:p>
           <a:p>
-            <a:pPr marL="158750" indent="0">
-              <a:buNone/>
+            <a:pPr marL="457200" indent="-298450">
+              <a:buFontTx/>
+              <a:buChar char="-"/>
             </a:pPr>
             <a:r>
               <a:rPr lang="pt-PT" dirty="0"/>
-              <a:t>Apenas se não tiver sido encontrada nenhuma solução válida até àquele momento, guardamos um valor global para ver qual a melhor solução hard encontrada…</a:t>
+              <a:t>Entre os que tiveram o melhor valor, calcula-se o </a:t>
+            </a:r>
+            <a:r>
+              <a:rPr lang="pt-PT" dirty="0" err="1"/>
+              <a:t>uct</a:t>
+            </a:r>
+            <a:r>
+              <a:rPr lang="pt-PT" dirty="0"/>
+              <a:t> para as soft</a:t>
             </a:r>
           </a:p>
         </p:txBody>
@@ -8397,7 +8421,7 @@
     </p:spTree>
     <p:extLst>
       <p:ext uri="{BB962C8B-B14F-4D97-AF65-F5344CB8AC3E}">
-        <p14:creationId xmlns:p14="http://schemas.microsoft.com/office/powerpoint/2010/main" val="763268634"/>
+        <p14:creationId xmlns:p14="http://schemas.microsoft.com/office/powerpoint/2010/main" val="342271609"/>
       </p:ext>
     </p:extLst>
   </p:cSld>
@@ -8460,9 +8484,10 @@
               <a:buNone/>
             </a:pPr>
             <a:r>
-              <a:rPr lang="pt-PT" dirty="0"/>
-              <a:t>Temos alocados já alguns eventos da raiz até à folha e queremos alocar os eventos que faltam. </a:t>
-            </a:r>
+              <a:rPr lang="pt-PT" dirty="0" err="1"/>
+              <a:t>Pruning</a:t>
+            </a:r>
+            <a:endParaRPr lang="pt-PT" dirty="0"/>
           </a:p>
           <a:p>
             <a:pPr marL="158750" indent="0">
@@ -8476,7 +8501,7 @@
             </a:pPr>
             <a:r>
               <a:rPr lang="pt-PT" dirty="0"/>
-              <a:t>Selecionamos um evento que não está alocado na árvore baseado na prioridade, avaliamos todos os períodos e salas quanto a restrições hard e soft e escolhemos a melhor combinação.</a:t>
+              <a:t>Avaliamos o impacto que o nó teve, ou seja, a árvore parcial é avaliada quanto às restrições hard.</a:t>
             </a:r>
           </a:p>
           <a:p>
@@ -8491,7 +8516,27 @@
             </a:pPr>
             <a:r>
               <a:rPr lang="pt-PT" dirty="0"/>
-              <a:t>Se violar hard descaramos se não alocamos.</a:t>
+              <a:t>Se forem violadas restrições hard de forma significativa, ou seja, se a penalização for pior do que a </a:t>
+            </a:r>
+            <a:r>
+              <a:rPr lang="pt-PT" b="1" dirty="0"/>
+              <a:t>melhor já encontrada</a:t>
+            </a:r>
+            <a:r>
+              <a:rPr lang="pt-PT" dirty="0"/>
+              <a:t> até àquele momento, o nó é sinalizado e </a:t>
+            </a:r>
+            <a:r>
+              <a:rPr lang="pt-PT" b="1" dirty="0"/>
+              <a:t>não é expandido</a:t>
+            </a:r>
+            <a:r>
+              <a:rPr lang="pt-PT" b="0" dirty="0"/>
+              <a:t>, voltamos para a seleção. </a:t>
+            </a:r>
+            <a:r>
+              <a:rPr lang="pt-PT" dirty="0"/>
+              <a:t>Portanto, isto significa que não rejeitamos todos os caminhos com violações hard. </a:t>
             </a:r>
           </a:p>
           <a:p>
@@ -8506,7 +8551,22 @@
             </a:pPr>
             <a:r>
               <a:rPr lang="pt-PT" dirty="0"/>
-              <a:t>Depois de todos alocados, avaliamos quanto a restrições hard e soft no geral.</a:t>
+              <a:t>Isto é importante, porque num contexto real não conseguimos assegurar penalizações hard iguais a zero.</a:t>
+            </a:r>
+          </a:p>
+          <a:p>
+            <a:pPr marL="158750" indent="0">
+              <a:buNone/>
+            </a:pPr>
+            <a:endParaRPr lang="pt-PT" dirty="0"/>
+          </a:p>
+          <a:p>
+            <a:pPr marL="158750" indent="0">
+              <a:buNone/>
+            </a:pPr>
+            <a:r>
+              <a:rPr lang="pt-PT" dirty="0"/>
+              <a:t>Se o nó for válido, é adicionado à árvore.</a:t>
             </a:r>
           </a:p>
         </p:txBody>
@@ -8514,7 +8574,7 @@
     </p:spTree>
     <p:extLst>
       <p:ext uri="{BB962C8B-B14F-4D97-AF65-F5344CB8AC3E}">
-        <p14:creationId xmlns:p14="http://schemas.microsoft.com/office/powerpoint/2010/main" val="913468340"/>
+        <p14:creationId xmlns:p14="http://schemas.microsoft.com/office/powerpoint/2010/main" val="763268634"/>
       </p:ext>
     </p:extLst>
   </p:cSld>
@@ -8578,17 +8638,14 @@
             </a:pPr>
             <a:r>
               <a:rPr lang="pt-PT" dirty="0"/>
-              <a:t>Começa com um horário inicial sem restrições hard violadas;</a:t>
+              <a:t>Temos alocados já alguns eventos da raiz até à folha e queremos alocar os eventos que faltam, ou seja, completar a solução.</a:t>
             </a:r>
           </a:p>
           <a:p>
             <a:pPr marL="158750" indent="0">
               <a:buNone/>
             </a:pPr>
-            <a:r>
-              <a:rPr lang="pt-PT" dirty="0"/>
-              <a:t>Seleciona uma vizinhança aleatória, com base em pesos;</a:t>
-            </a:r>
+            <a:endParaRPr lang="pt-PT" dirty="0"/>
           </a:p>
           <a:p>
             <a:pPr marL="158750" indent="0">
@@ -8596,17 +8653,14 @@
             </a:pPr>
             <a:r>
               <a:rPr lang="pt-PT" dirty="0"/>
-              <a:t>Aplica a mudança e avalia o novo horário;</a:t>
+              <a:t>Implementámos uma heurística para guiar o algoritmo.</a:t>
             </a:r>
           </a:p>
           <a:p>
             <a:pPr marL="158750" indent="0">
               <a:buNone/>
             </a:pPr>
-            <a:r>
-              <a:rPr lang="pt-PT" dirty="0"/>
-              <a:t>Se o novo horário for melhor, mantém as alterações; caso contrário, reverte-as;</a:t>
-            </a:r>
+            <a:endParaRPr lang="pt-PT" dirty="0"/>
           </a:p>
           <a:p>
             <a:pPr marL="158750" indent="0">
@@ -8614,36 +8668,37 @@
             </a:pPr>
             <a:r>
               <a:rPr lang="pt-PT" dirty="0"/>
-              <a:t>Para quando:</a:t>
+              <a:t>Selecionamos um evento que não está alocado na árvore baseado na prioridade, avaliamos todos os períodos e salas quanto a restrições hard e soft e escolhemos a melhor combinação.</a:t>
             </a:r>
           </a:p>
           <a:p>
-            <a:pPr marL="914400" lvl="1" indent="-298450"/>
-            <a:r>
-              <a:rPr lang="pt-PT" dirty="0"/>
-              <a:t>Uma solução ótima, ou seja, que satisfaça todas as restrições hard e soft;</a:t>
-            </a:r>
+            <a:pPr marL="158750" indent="0">
+              <a:buNone/>
+            </a:pPr>
+            <a:endParaRPr lang="pt-PT" dirty="0"/>
           </a:p>
           <a:p>
-            <a:pPr marL="914400" lvl="1" indent="-298450"/>
+            <a:pPr marL="158750" indent="0">
+              <a:buNone/>
+            </a:pPr>
             <a:r>
               <a:rPr lang="pt-PT" dirty="0"/>
-              <a:t>Nenhuma melhoria é encontrada após um número predefinido de </a:t>
-            </a:r>
-            <a:r>
-              <a:rPr lang="pt-PT" dirty="0" err="1"/>
-              <a:t>idle</a:t>
-            </a:r>
-            <a:r>
-              <a:rPr lang="pt-PT" dirty="0"/>
-              <a:t> iterações;</a:t>
+              <a:t>Se a melhor violar hard descartamos, se não alocamos.</a:t>
             </a:r>
           </a:p>
           <a:p>
-            <a:pPr marL="914400" lvl="1" indent="-298450"/>
+            <a:pPr marL="158750" indent="0">
+              <a:buNone/>
+            </a:pPr>
+            <a:endParaRPr lang="pt-PT" dirty="0"/>
+          </a:p>
+          <a:p>
+            <a:pPr marL="158750" indent="0">
+              <a:buNone/>
+            </a:pPr>
             <a:r>
               <a:rPr lang="pt-PT" dirty="0"/>
-              <a:t>O limite de tempo é atingido.</a:t>
+              <a:t>Depois de todos alocados, avaliamos quanto a restrições hard e soft no geral.</a:t>
             </a:r>
           </a:p>
         </p:txBody>
@@ -8651,7 +8706,7 @@
     </p:spTree>
     <p:extLst>
       <p:ext uri="{BB962C8B-B14F-4D97-AF65-F5344CB8AC3E}">
-        <p14:creationId xmlns:p14="http://schemas.microsoft.com/office/powerpoint/2010/main" val="3211988022"/>
+        <p14:creationId xmlns:p14="http://schemas.microsoft.com/office/powerpoint/2010/main" val="913468340"/>
       </p:ext>
     </p:extLst>
   </p:cSld>
@@ -8715,14 +8770,17 @@
             </a:pPr>
             <a:r>
               <a:rPr lang="pt-PT" dirty="0"/>
-              <a:t>Quando encontramos uma solução de uma simulação que parece promissora, vamos mais em profundidade nesse caminho, expandindo cada vez mais para encontrar soluções vizinhas, em vez de começarmos sempre de novo. </a:t>
+              <a:t>Começa com um horário inicial sem restrições hard violadas;</a:t>
             </a:r>
           </a:p>
           <a:p>
             <a:pPr marL="158750" indent="0">
               <a:buNone/>
             </a:pPr>
-            <a:endParaRPr lang="pt-PT" dirty="0"/>
+            <a:r>
+              <a:rPr lang="pt-PT" dirty="0"/>
+              <a:t>Seleciona uma vizinhança aleatória, com base em pesos;</a:t>
+            </a:r>
           </a:p>
           <a:p>
             <a:pPr marL="158750" indent="0">
@@ -8730,46 +8788,54 @@
             </a:pPr>
             <a:r>
               <a:rPr lang="pt-PT" dirty="0"/>
-              <a:t>Para isto é usada uma fila. Sempre que o MCTS faz uma simulação e encontra uma </a:t>
-            </a:r>
-            <a:r>
-              <a:rPr lang="pt-PT" b="0" dirty="0"/>
-              <a:t>solução promissora</a:t>
-            </a:r>
-            <a:r>
-              <a:rPr lang="pt-PT" dirty="0"/>
-              <a:t>, a informação do nó e dessa simulação é guardada na fila para ser explorada depois com mais profundidade.</a:t>
+              <a:t>Aplica a mudança e avalia o novo horário;</a:t>
             </a:r>
           </a:p>
           <a:p>
             <a:pPr marL="158750" indent="0">
               <a:buNone/>
             </a:pPr>
-            <a:endParaRPr lang="pt-PT" dirty="0"/>
+            <a:r>
+              <a:rPr lang="pt-PT" dirty="0"/>
+              <a:t>Se o novo horário for melhor, mantém as alterações; caso contrário, reverte-as;</a:t>
+            </a:r>
           </a:p>
           <a:p>
-            <a:pPr marL="158750" marR="0" lvl="0" indent="0" algn="l" defTabSz="914400" rtl="0" eaLnBrk="1" fontAlgn="auto" latinLnBrk="0" hangingPunct="1">
-              <a:lnSpc>
-                <a:spcPct val="100000"/>
-              </a:lnSpc>
-              <a:spcBef>
-                <a:spcPts val="0"/>
-              </a:spcBef>
-              <a:spcAft>
-                <a:spcPts val="0"/>
-              </a:spcAft>
-              <a:buClr>
-                <a:srgbClr val="000000"/>
-              </a:buClr>
-              <a:buSzPts val="1100"/>
-              <a:buFont typeface="Arial"/>
+            <a:pPr marL="158750" indent="0">
               <a:buNone/>
-              <a:tabLst/>
-              <a:defRPr/>
             </a:pPr>
             <a:r>
               <a:rPr lang="pt-PT" dirty="0"/>
-              <a:t>Isto ajuda o algoritmo a concentrar-se em áreas de elevado potencial do espaço de pesquisa e a encontrar melhores soluções mais rapidamente.</a:t>
+              <a:t>Para quando:</a:t>
+            </a:r>
+          </a:p>
+          <a:p>
+            <a:pPr marL="914400" lvl="1" indent="-298450"/>
+            <a:r>
+              <a:rPr lang="pt-PT" dirty="0"/>
+              <a:t>Uma solução ótima, ou seja, que satisfaça todas as restrições hard e soft;</a:t>
+            </a:r>
+          </a:p>
+          <a:p>
+            <a:pPr marL="914400" lvl="1" indent="-298450"/>
+            <a:r>
+              <a:rPr lang="pt-PT" dirty="0"/>
+              <a:t>Nenhuma melhoria é encontrada após um número predefinido de </a:t>
+            </a:r>
+            <a:r>
+              <a:rPr lang="pt-PT" dirty="0" err="1"/>
+              <a:t>idle</a:t>
+            </a:r>
+            <a:r>
+              <a:rPr lang="pt-PT" dirty="0"/>
+              <a:t> iterações;</a:t>
+            </a:r>
+          </a:p>
+          <a:p>
+            <a:pPr marL="914400" lvl="1" indent="-298450"/>
+            <a:r>
+              <a:rPr lang="pt-PT" dirty="0"/>
+              <a:t>O limite de tempo é atingido.</a:t>
             </a:r>
           </a:p>
         </p:txBody>
@@ -8777,7 +8843,7 @@
     </p:spTree>
     <p:extLst>
       <p:ext uri="{BB962C8B-B14F-4D97-AF65-F5344CB8AC3E}">
-        <p14:creationId xmlns:p14="http://schemas.microsoft.com/office/powerpoint/2010/main" val="4086451601"/>
+        <p14:creationId xmlns:p14="http://schemas.microsoft.com/office/powerpoint/2010/main" val="3211988022"/>
       </p:ext>
     </p:extLst>
   </p:cSld>
@@ -8841,31 +8907,61 @@
             </a:pPr>
             <a:r>
               <a:rPr lang="pt-PT" dirty="0"/>
-              <a:t>A técnica de </a:t>
-            </a:r>
-            <a:r>
-              <a:rPr lang="pt-PT" dirty="0" err="1"/>
-              <a:t>pruning</a:t>
-            </a:r>
+              <a:t>Quando encontramos uma solução de uma simulação que parece promissora, vamos mais em profundidade nesse caminho, expandindo cada vez mais para encontrar soluções vizinhas, em vez de começarmos sempre de novo. </a:t>
+            </a:r>
+          </a:p>
+          <a:p>
+            <a:pPr marL="158750" indent="0">
+              <a:buNone/>
+            </a:pPr>
+            <a:endParaRPr lang="pt-PT" dirty="0"/>
+          </a:p>
+          <a:p>
+            <a:pPr marL="158750" indent="0">
+              <a:buNone/>
+            </a:pPr>
             <a:r>
               <a:rPr lang="pt-PT" dirty="0"/>
-              <a:t> eliminou ramos fixos da árvore com penalizações hard, o que acabou por evitar simulações desnecessárias. Contudo, hard </a:t>
-            </a:r>
-            <a:r>
-              <a:rPr lang="pt-PT" dirty="0" err="1"/>
-              <a:t>constraints</a:t>
+              <a:t>Para isto é usada uma fila. Sempre que o MCTS faz uma simulação e encontra uma </a:t>
+            </a:r>
+            <a:r>
+              <a:rPr lang="pt-PT" b="0" dirty="0"/>
+              <a:t>solução promissora</a:t>
             </a:r>
             <a:r>
               <a:rPr lang="pt-PT" dirty="0"/>
-              <a:t> podem continuar a existir nas simulações apesar de não ter acontecido neste caso, porque o </a:t>
-            </a:r>
-            <a:r>
-              <a:rPr lang="pt-PT" dirty="0" err="1"/>
-              <a:t>pruning</a:t>
-            </a:r>
+              <a:t>, a informação do nó e dessa simulação é guardada na fila para ser explorada depois com mais profundidade.</a:t>
+            </a:r>
+          </a:p>
+          <a:p>
+            <a:pPr marL="158750" indent="0">
+              <a:buNone/>
+            </a:pPr>
+            <a:endParaRPr lang="pt-PT" dirty="0"/>
+          </a:p>
+          <a:p>
+            <a:pPr marL="158750" marR="0" lvl="0" indent="0" algn="l" defTabSz="914400" rtl="0" eaLnBrk="1" fontAlgn="auto" latinLnBrk="0" hangingPunct="1">
+              <a:lnSpc>
+                <a:spcPct val="100000"/>
+              </a:lnSpc>
+              <a:spcBef>
+                <a:spcPts val="0"/>
+              </a:spcBef>
+              <a:spcAft>
+                <a:spcPts val="0"/>
+              </a:spcAft>
+              <a:buClr>
+                <a:srgbClr val="000000"/>
+              </a:buClr>
+              <a:buSzPts val="1100"/>
+              <a:buFont typeface="Arial"/>
+              <a:buNone/>
+              <a:tabLst/>
+              <a:defRPr/>
+            </a:pPr>
             <a:r>
               <a:rPr lang="pt-PT" dirty="0"/>
-              <a:t> elimina só nós que iam ser expandidos.</a:t>
+              <a:t>Isto ajuda o algoritmo a concentrar-se em áreas de elevado potencial do espaço de pesquisa e a encontrar melhores soluções mais rapidamente.</a:t>
             </a:r>
           </a:p>
         </p:txBody>
@@ -8873,7 +8969,7 @@
     </p:spTree>
     <p:extLst>
       <p:ext uri="{BB962C8B-B14F-4D97-AF65-F5344CB8AC3E}">
-        <p14:creationId xmlns:p14="http://schemas.microsoft.com/office/powerpoint/2010/main" val="378811645"/>
+        <p14:creationId xmlns:p14="http://schemas.microsoft.com/office/powerpoint/2010/main" val="4086451601"/>
       </p:ext>
     </p:extLst>
   </p:cSld>
@@ -8936,204 +9032,40 @@
               <a:buNone/>
             </a:pPr>
             <a:r>
-              <a:rPr lang="en-US" dirty="0"/>
-              <a:t>Em ambos, o </a:t>
-            </a:r>
-            <a:r>
-              <a:rPr lang="en-US" dirty="0" err="1"/>
-              <a:t>algoritmo</a:t>
-            </a:r>
-            <a:r>
-              <a:rPr lang="en-US" dirty="0"/>
-              <a:t> </a:t>
-            </a:r>
-            <a:r>
-              <a:rPr lang="en-US" dirty="0" err="1"/>
-              <a:t>eventualmente</a:t>
-            </a:r>
-            <a:r>
-              <a:rPr lang="en-US" dirty="0"/>
-              <a:t> </a:t>
-            </a:r>
-            <a:r>
-              <a:rPr lang="en-US" dirty="0" err="1"/>
-              <a:t>fica</a:t>
-            </a:r>
-            <a:r>
-              <a:rPr lang="en-US" dirty="0"/>
-              <a:t> </a:t>
-            </a:r>
-            <a:r>
-              <a:rPr lang="en-US" dirty="0" err="1"/>
-              <a:t>estagnado</a:t>
-            </a:r>
-            <a:r>
-              <a:rPr lang="en-US" dirty="0"/>
-              <a:t>, mas com a </a:t>
-            </a:r>
-            <a:r>
-              <a:rPr lang="en-US" dirty="0" err="1"/>
-              <a:t>estratégia</a:t>
-            </a:r>
-            <a:r>
-              <a:rPr lang="en-US" dirty="0"/>
-              <a:t> de diving, as soft constraints </a:t>
-            </a:r>
-            <a:r>
-              <a:rPr lang="en-US" dirty="0" err="1"/>
-              <a:t>em</a:t>
-            </a:r>
-            <a:r>
-              <a:rPr lang="en-US" dirty="0"/>
-              <a:t> </a:t>
-            </a:r>
-            <a:r>
-              <a:rPr lang="en-US" dirty="0" err="1"/>
-              <a:t>cada</a:t>
-            </a:r>
-            <a:r>
-              <a:rPr lang="en-US" dirty="0"/>
-              <a:t> </a:t>
-            </a:r>
-            <a:r>
-              <a:rPr lang="en-US" dirty="0" err="1"/>
-              <a:t>iteração</a:t>
-            </a:r>
-            <a:r>
-              <a:rPr lang="en-US" dirty="0"/>
-              <a:t> </a:t>
-            </a:r>
-            <a:r>
-              <a:rPr lang="en-US" dirty="0" err="1"/>
-              <a:t>tendem</a:t>
-            </a:r>
-            <a:r>
-              <a:rPr lang="en-US" dirty="0"/>
-              <a:t> a </a:t>
-            </a:r>
-            <a:r>
-              <a:rPr lang="en-US" dirty="0" err="1"/>
-              <a:t>ficar</a:t>
-            </a:r>
-            <a:r>
-              <a:rPr lang="en-US" dirty="0"/>
-              <a:t> </a:t>
-            </a:r>
-            <a:r>
-              <a:rPr lang="en-US" dirty="0" err="1"/>
-              <a:t>mais</a:t>
-            </a:r>
-            <a:r>
-              <a:rPr lang="en-US" dirty="0"/>
-              <a:t> </a:t>
-            </a:r>
-            <a:r>
-              <a:rPr lang="en-US" dirty="0" err="1"/>
-              <a:t>perto</a:t>
-            </a:r>
-            <a:r>
-              <a:rPr lang="en-US" dirty="0"/>
-              <a:t> da </a:t>
-            </a:r>
-            <a:r>
-              <a:rPr lang="en-US" dirty="0" err="1"/>
-              <a:t>melhor</a:t>
-            </a:r>
-            <a:r>
-              <a:rPr lang="en-US" dirty="0"/>
-              <a:t> </a:t>
-            </a:r>
-            <a:r>
-              <a:rPr lang="en-US" dirty="0" err="1"/>
-              <a:t>solução</a:t>
-            </a:r>
-            <a:r>
-              <a:rPr lang="en-US" dirty="0"/>
-              <a:t> </a:t>
-            </a:r>
-            <a:r>
-              <a:rPr lang="en-US" dirty="0" err="1"/>
-              <a:t>encontrada</a:t>
-            </a:r>
-            <a:r>
-              <a:rPr lang="en-US" dirty="0"/>
-              <a:t>, </a:t>
-            </a:r>
-            <a:r>
-              <a:rPr lang="en-US" dirty="0" err="1"/>
-              <a:t>mostrando</a:t>
-            </a:r>
-            <a:r>
-              <a:rPr lang="en-US" dirty="0"/>
-              <a:t> </a:t>
-            </a:r>
-            <a:r>
-              <a:rPr lang="en-US" dirty="0" err="1"/>
-              <a:t>uma</a:t>
-            </a:r>
-            <a:r>
-              <a:rPr lang="en-US" dirty="0"/>
-              <a:t> </a:t>
-            </a:r>
-            <a:r>
-              <a:rPr lang="en-US" dirty="0" err="1"/>
-              <a:t>trajetória</a:t>
-            </a:r>
-            <a:r>
-              <a:rPr lang="en-US" dirty="0"/>
-              <a:t> </a:t>
-            </a:r>
-            <a:r>
-              <a:rPr lang="en-US" dirty="0" err="1"/>
-              <a:t>mais</a:t>
-            </a:r>
-            <a:r>
-              <a:rPr lang="en-US" dirty="0"/>
-              <a:t> </a:t>
-            </a:r>
-            <a:r>
-              <a:rPr lang="en-US" dirty="0" err="1"/>
-              <a:t>focada</a:t>
-            </a:r>
-            <a:r>
-              <a:rPr lang="en-US" dirty="0"/>
-              <a:t>.</a:t>
-            </a:r>
-          </a:p>
-          <a:p>
-            <a:pPr marL="158750" indent="0">
-              <a:buNone/>
-            </a:pPr>
-            <a:endParaRPr lang="en-US" dirty="0"/>
-          </a:p>
-          <a:p>
-            <a:pPr marL="158750" indent="0">
-              <a:buNone/>
-            </a:pPr>
-            <a:r>
-              <a:rPr lang="en-US" dirty="0"/>
-              <a:t>Diving </a:t>
-            </a:r>
-            <a:r>
-              <a:rPr lang="en-US" dirty="0" err="1"/>
-              <a:t>mais</a:t>
-            </a:r>
-            <a:r>
-              <a:rPr lang="en-US" dirty="0"/>
-              <a:t> </a:t>
-            </a:r>
-            <a:r>
-              <a:rPr lang="en-US" dirty="0" err="1"/>
-              <a:t>iterações</a:t>
-            </a:r>
-            <a:endParaRPr lang="pt-PT" dirty="0"/>
+              <a:rPr lang="pt-PT" dirty="0"/>
+              <a:t>A técnica de </a:t>
+            </a:r>
+            <a:r>
+              <a:rPr lang="pt-PT" dirty="0" err="1"/>
+              <a:t>pruning</a:t>
+            </a:r>
+            <a:r>
+              <a:rPr lang="pt-PT" dirty="0"/>
+              <a:t> eliminou ramos fixos da árvore com penalizações hard, o que acabou por evitar simulações desnecessárias. Contudo, hard </a:t>
+            </a:r>
+            <a:r>
+              <a:rPr lang="pt-PT" dirty="0" err="1"/>
+              <a:t>constraints</a:t>
+            </a:r>
+            <a:r>
+              <a:rPr lang="pt-PT" dirty="0"/>
+              <a:t> podem continuar a existir nas simulações apesar de não ter acontecido neste caso, porque o </a:t>
+            </a:r>
+            <a:r>
+              <a:rPr lang="pt-PT" dirty="0" err="1"/>
+              <a:t>pruning</a:t>
+            </a:r>
+            <a:r>
+              <a:rPr lang="pt-PT" dirty="0"/>
+              <a:t> elimina só nós que iam ser expandidos.</a:t>
+            </a:r>
           </a:p>
         </p:txBody>
       </p:sp>
     </p:spTree>
     <p:extLst>
       <p:ext uri="{BB962C8B-B14F-4D97-AF65-F5344CB8AC3E}">
-        <p14:creationId xmlns:p14="http://schemas.microsoft.com/office/powerpoint/2010/main" val="2586225382"/>
+        <p14:creationId xmlns:p14="http://schemas.microsoft.com/office/powerpoint/2010/main" val="378811645"/>
       </p:ext>
     </p:extLst>
   </p:cSld>
@@ -9196,6 +9128,266 @@
               <a:buNone/>
             </a:pPr>
             <a:r>
+              <a:rPr lang="en-US" dirty="0"/>
+              <a:t>Em ambos, o </a:t>
+            </a:r>
+            <a:r>
+              <a:rPr lang="en-US" dirty="0" err="1"/>
+              <a:t>algoritmo</a:t>
+            </a:r>
+            <a:r>
+              <a:rPr lang="en-US" dirty="0"/>
+              <a:t> </a:t>
+            </a:r>
+            <a:r>
+              <a:rPr lang="en-US" dirty="0" err="1"/>
+              <a:t>eventualmente</a:t>
+            </a:r>
+            <a:r>
+              <a:rPr lang="en-US" dirty="0"/>
+              <a:t> </a:t>
+            </a:r>
+            <a:r>
+              <a:rPr lang="en-US" dirty="0" err="1"/>
+              <a:t>fica</a:t>
+            </a:r>
+            <a:r>
+              <a:rPr lang="en-US" dirty="0"/>
+              <a:t> </a:t>
+            </a:r>
+            <a:r>
+              <a:rPr lang="en-US" dirty="0" err="1"/>
+              <a:t>estagnado</a:t>
+            </a:r>
+            <a:r>
+              <a:rPr lang="en-US" dirty="0"/>
+              <a:t>, mas com a </a:t>
+            </a:r>
+            <a:r>
+              <a:rPr lang="en-US" dirty="0" err="1"/>
+              <a:t>estratégia</a:t>
+            </a:r>
+            <a:r>
+              <a:rPr lang="en-US" dirty="0"/>
+              <a:t> de diving, as soft constraints </a:t>
+            </a:r>
+            <a:r>
+              <a:rPr lang="en-US" dirty="0" err="1"/>
+              <a:t>em</a:t>
+            </a:r>
+            <a:r>
+              <a:rPr lang="en-US" dirty="0"/>
+              <a:t> </a:t>
+            </a:r>
+            <a:r>
+              <a:rPr lang="en-US" dirty="0" err="1"/>
+              <a:t>cada</a:t>
+            </a:r>
+            <a:r>
+              <a:rPr lang="en-US" dirty="0"/>
+              <a:t> </a:t>
+            </a:r>
+            <a:r>
+              <a:rPr lang="en-US" dirty="0" err="1"/>
+              <a:t>iteração</a:t>
+            </a:r>
+            <a:r>
+              <a:rPr lang="en-US" dirty="0"/>
+              <a:t> </a:t>
+            </a:r>
+            <a:r>
+              <a:rPr lang="en-US" dirty="0" err="1"/>
+              <a:t>tendem</a:t>
+            </a:r>
+            <a:r>
+              <a:rPr lang="en-US" dirty="0"/>
+              <a:t> a </a:t>
+            </a:r>
+            <a:r>
+              <a:rPr lang="en-US" dirty="0" err="1"/>
+              <a:t>ficar</a:t>
+            </a:r>
+            <a:r>
+              <a:rPr lang="en-US" dirty="0"/>
+              <a:t> </a:t>
+            </a:r>
+            <a:r>
+              <a:rPr lang="en-US" dirty="0" err="1"/>
+              <a:t>mais</a:t>
+            </a:r>
+            <a:r>
+              <a:rPr lang="en-US" dirty="0"/>
+              <a:t> </a:t>
+            </a:r>
+            <a:r>
+              <a:rPr lang="en-US" dirty="0" err="1"/>
+              <a:t>perto</a:t>
+            </a:r>
+            <a:r>
+              <a:rPr lang="en-US" dirty="0"/>
+              <a:t> da </a:t>
+            </a:r>
+            <a:r>
+              <a:rPr lang="en-US" dirty="0" err="1"/>
+              <a:t>melhor</a:t>
+            </a:r>
+            <a:r>
+              <a:rPr lang="en-US" dirty="0"/>
+              <a:t> </a:t>
+            </a:r>
+            <a:r>
+              <a:rPr lang="en-US" dirty="0" err="1"/>
+              <a:t>solução</a:t>
+            </a:r>
+            <a:r>
+              <a:rPr lang="en-US" dirty="0"/>
+              <a:t> </a:t>
+            </a:r>
+            <a:r>
+              <a:rPr lang="en-US" dirty="0" err="1"/>
+              <a:t>encontrada</a:t>
+            </a:r>
+            <a:r>
+              <a:rPr lang="en-US" dirty="0"/>
+              <a:t>, </a:t>
+            </a:r>
+            <a:r>
+              <a:rPr lang="en-US" dirty="0" err="1"/>
+              <a:t>mostrando</a:t>
+            </a:r>
+            <a:r>
+              <a:rPr lang="en-US" dirty="0"/>
+              <a:t> </a:t>
+            </a:r>
+            <a:r>
+              <a:rPr lang="en-US" dirty="0" err="1"/>
+              <a:t>uma</a:t>
+            </a:r>
+            <a:r>
+              <a:rPr lang="en-US" dirty="0"/>
+              <a:t> </a:t>
+            </a:r>
+            <a:r>
+              <a:rPr lang="en-US" dirty="0" err="1"/>
+              <a:t>trajetória</a:t>
+            </a:r>
+            <a:r>
+              <a:rPr lang="en-US" dirty="0"/>
+              <a:t> </a:t>
+            </a:r>
+            <a:r>
+              <a:rPr lang="en-US" dirty="0" err="1"/>
+              <a:t>mais</a:t>
+            </a:r>
+            <a:r>
+              <a:rPr lang="en-US" dirty="0"/>
+              <a:t> </a:t>
+            </a:r>
+            <a:r>
+              <a:rPr lang="en-US" dirty="0" err="1"/>
+              <a:t>focada</a:t>
+            </a:r>
+            <a:r>
+              <a:rPr lang="en-US" dirty="0"/>
+              <a:t>.</a:t>
+            </a:r>
+          </a:p>
+          <a:p>
+            <a:pPr marL="158750" indent="0">
+              <a:buNone/>
+            </a:pPr>
+            <a:endParaRPr lang="en-US" dirty="0"/>
+          </a:p>
+          <a:p>
+            <a:pPr marL="158750" indent="0">
+              <a:buNone/>
+            </a:pPr>
+            <a:r>
+              <a:rPr lang="en-US" dirty="0"/>
+              <a:t>Diving </a:t>
+            </a:r>
+            <a:r>
+              <a:rPr lang="en-US" dirty="0" err="1"/>
+              <a:t>mais</a:t>
+            </a:r>
+            <a:r>
+              <a:rPr lang="en-US" dirty="0"/>
+              <a:t> </a:t>
+            </a:r>
+            <a:r>
+              <a:rPr lang="en-US" dirty="0" err="1"/>
+              <a:t>iterações</a:t>
+            </a:r>
+            <a:endParaRPr lang="pt-PT" dirty="0"/>
+          </a:p>
+        </p:txBody>
+      </p:sp>
+    </p:spTree>
+    <p:extLst>
+      <p:ext uri="{BB962C8B-B14F-4D97-AF65-F5344CB8AC3E}">
+        <p14:creationId xmlns:p14="http://schemas.microsoft.com/office/powerpoint/2010/main" val="2586225382"/>
+      </p:ext>
+    </p:extLst>
+  </p:cSld>
+  <p:clrMapOvr>
+    <a:masterClrMapping/>
+  </p:clrMapOvr>
+</p:notes>
+</file>
+
+<file path=ppt/notesSlides/notesSlide17.xml><?xml version="1.0" encoding="utf-8"?>
+<p:notes xmlns:a="http://schemas.openxmlformats.org/drawingml/2006/main" xmlns:r="http://schemas.openxmlformats.org/officeDocument/2006/relationships" xmlns:p="http://schemas.openxmlformats.org/presentationml/2006/main">
+  <p:cSld>
+    <p:spTree>
+      <p:nvGrpSpPr>
+        <p:cNvPr id="1" name=""/>
+        <p:cNvGrpSpPr/>
+        <p:nvPr/>
+      </p:nvGrpSpPr>
+      <p:grpSpPr>
+        <a:xfrm>
+          <a:off x="0" y="0"/>
+          <a:ext cx="0" cy="0"/>
+          <a:chOff x="0" y="0"/>
+          <a:chExt cx="0" cy="0"/>
+        </a:xfrm>
+      </p:grpSpPr>
+      <p:sp>
+        <p:nvSpPr>
+          <p:cNvPr id="2" name="Slide Image Placeholder 1"/>
+          <p:cNvSpPr>
+            <a:spLocks noGrp="1" noRot="1" noChangeAspect="1"/>
+          </p:cNvSpPr>
+          <p:nvPr>
+            <p:ph type="sldImg"/>
+          </p:nvPr>
+        </p:nvSpPr>
+        <p:spPr>
+          <a:xfrm>
+            <a:off x="381000" y="685800"/>
+            <a:ext cx="6096000" cy="3429000"/>
+          </a:xfrm>
+        </p:spPr>
+      </p:sp>
+      <p:sp>
+        <p:nvSpPr>
+          <p:cNvPr id="3" name="Notes Placeholder 2"/>
+          <p:cNvSpPr>
+            <a:spLocks noGrp="1"/>
+          </p:cNvSpPr>
+          <p:nvPr>
+            <p:ph type="body" idx="1"/>
+          </p:nvPr>
+        </p:nvSpPr>
+        <p:spPr/>
+        <p:txBody>
+          <a:bodyPr/>
+          <a:lstStyle/>
+          <a:p>
+            <a:pPr marL="158750" indent="0">
+              <a:buNone/>
+            </a:pPr>
+            <a:r>
               <a:rPr lang="pt-PT" sz="1050" b="0" dirty="0"/>
               <a:t>Inicialmente, todas as instâncias foram consideradas para avaliação, mas devido a restrições de tempo, as experiências foram reduzidas para se concentrarem em apenas seis instâncias.</a:t>
             </a:r>
@@ -9212,7 +9404,7 @@
             </a:pPr>
             <a:r>
               <a:rPr lang="pt-PT" sz="1050" b="0" dirty="0"/>
-              <a:t>As poucas diferenças entre as soluções  deve-se possivelmente ao pequeno número de observações por instância e ao tempo fixo de 10 minutos atribuído a cada execução. Sob tais restrições, a primeira solução encontrada pelo algoritmo pode ter uma influência significativa no resultado final por haver poucas iterações.</a:t>
+              <a:t>As poucas diferenças entre as soluções devem-se possivelmente ao pequeno número de observações por instância e ao tempo fixo de 10 minutos atribuído a cada execução. Sob tais restrições, a primeira solução encontrada pelo algoritmo pode ter uma influência significativa no resultado final por haver poucas iterações.</a:t>
             </a:r>
           </a:p>
         </p:txBody>
@@ -9230,7 +9422,7 @@
 </p:notes>
 </file>
 
-<file path=ppt/notesSlides/notesSlide17.xml><?xml version="1.0" encoding="utf-8"?>
+<file path=ppt/notesSlides/notesSlide18.xml><?xml version="1.0" encoding="utf-8"?>
 <p:notes xmlns:a="http://schemas.openxmlformats.org/drawingml/2006/main" xmlns:r="http://schemas.openxmlformats.org/officeDocument/2006/relationships" xmlns:p="http://schemas.openxmlformats.org/presentationml/2006/main">
   <p:cSld>
     <p:spTree>
@@ -9325,7 +9517,7 @@
             </a:pPr>
             <a:r>
               <a:rPr lang="pt-PT" dirty="0"/>
-              <a:t>Os resultados não foram os esperados mas mostram que, com mais ajustes – como melhorias de performance ou integração com outras heurísticas – esta abordagem pode evoluir.</a:t>
+              <a:t>Os resultados não foram os esperados apesar das várias alterações ao algoritmo mas mostram que, com mais ajustes – como melhorias de performance ou integração com outras heurísticas – esta abordagem pode evoluir.</a:t>
             </a:r>
           </a:p>
           <a:p>
@@ -9349,7 +9541,7 @@
 </p:notes>
 </file>
 
-<file path=ppt/notesSlides/notesSlide18.xml><?xml version="1.0" encoding="utf-8"?>
+<file path=ppt/notesSlides/notesSlide19.xml><?xml version="1.0" encoding="utf-8"?>
 <p:notes xmlns:a="http://schemas.openxmlformats.org/drawingml/2006/main" xmlns:r="http://schemas.openxmlformats.org/officeDocument/2006/relationships" xmlns:p="http://schemas.openxmlformats.org/presentationml/2006/main">
   <p:cSld>
     <p:spTree>
@@ -9398,14 +9590,38 @@
           <a:bodyPr/>
           <a:lstStyle/>
           <a:p>
-            <a:endParaRPr lang="pt-PT" dirty="0"/>
+            <a:pPr marL="158750" indent="0">
+              <a:buNone/>
+            </a:pPr>
+            <a:r>
+              <a:rPr lang="pt-PT" dirty="0"/>
+              <a:t>Um caminho a seguir poderia ser este. Retirar as salas dos nós.</a:t>
+            </a:r>
+          </a:p>
+          <a:p>
+            <a:pPr marL="158750" indent="0">
+              <a:buNone/>
+            </a:pPr>
+            <a:r>
+              <a:rPr lang="pt-PT" dirty="0"/>
+              <a:t>Nós implementamos isto com as salas a ser alocadas no fim da simulação, mas infelizmente não deu bons resultados. </a:t>
+            </a:r>
+          </a:p>
+          <a:p>
+            <a:pPr marL="158750" indent="0">
+              <a:buNone/>
+            </a:pPr>
+            <a:r>
+              <a:rPr lang="pt-PT" dirty="0"/>
+              <a:t>Contudo a eficiência melhora bastante, então acho que não seria má ideia explorar isto.</a:t>
+            </a:r>
           </a:p>
         </p:txBody>
       </p:sp>
     </p:spTree>
     <p:extLst>
       <p:ext uri="{BB962C8B-B14F-4D97-AF65-F5344CB8AC3E}">
-        <p14:creationId xmlns:p14="http://schemas.microsoft.com/office/powerpoint/2010/main" val="1814356237"/>
+        <p14:creationId xmlns:p14="http://schemas.microsoft.com/office/powerpoint/2010/main" val="365215283"/>
       </p:ext>
     </p:extLst>
   </p:cSld>
@@ -9537,6 +9753,86 @@
     <p:extLst>
       <p:ext uri="{BB962C8B-B14F-4D97-AF65-F5344CB8AC3E}">
         <p14:creationId xmlns:p14="http://schemas.microsoft.com/office/powerpoint/2010/main" val="1402749252"/>
+      </p:ext>
+    </p:extLst>
+  </p:cSld>
+  <p:clrMapOvr>
+    <a:masterClrMapping/>
+  </p:clrMapOvr>
+</p:notes>
+</file>
+
+<file path=ppt/notesSlides/notesSlide20.xml><?xml version="1.0" encoding="utf-8"?>
+<p:notes xmlns:a="http://schemas.openxmlformats.org/drawingml/2006/main" xmlns:r="http://schemas.openxmlformats.org/officeDocument/2006/relationships" xmlns:p="http://schemas.openxmlformats.org/presentationml/2006/main">
+  <p:cSld>
+    <p:spTree>
+      <p:nvGrpSpPr>
+        <p:cNvPr id="1" name=""/>
+        <p:cNvGrpSpPr/>
+        <p:nvPr/>
+      </p:nvGrpSpPr>
+      <p:grpSpPr>
+        <a:xfrm>
+          <a:off x="0" y="0"/>
+          <a:ext cx="0" cy="0"/>
+          <a:chOff x="0" y="0"/>
+          <a:chExt cx="0" cy="0"/>
+        </a:xfrm>
+      </p:grpSpPr>
+      <p:sp>
+        <p:nvSpPr>
+          <p:cNvPr id="2" name="Slide Image Placeholder 1"/>
+          <p:cNvSpPr>
+            <a:spLocks noGrp="1" noRot="1" noChangeAspect="1"/>
+          </p:cNvSpPr>
+          <p:nvPr>
+            <p:ph type="sldImg"/>
+          </p:nvPr>
+        </p:nvSpPr>
+        <p:spPr>
+          <a:xfrm>
+            <a:off x="381000" y="685800"/>
+            <a:ext cx="6096000" cy="3429000"/>
+          </a:xfrm>
+        </p:spPr>
+      </p:sp>
+      <p:sp>
+        <p:nvSpPr>
+          <p:cNvPr id="3" name="Notes Placeholder 2"/>
+          <p:cNvSpPr>
+            <a:spLocks noGrp="1"/>
+          </p:cNvSpPr>
+          <p:nvPr>
+            <p:ph type="body" idx="1"/>
+          </p:nvPr>
+        </p:nvSpPr>
+        <p:spPr/>
+        <p:txBody>
+          <a:bodyPr/>
+          <a:lstStyle/>
+          <a:p>
+            <a:pPr marL="158750" indent="0">
+              <a:buNone/>
+            </a:pPr>
+            <a:r>
+              <a:rPr lang="pt-PT" dirty="0"/>
+              <a:t>Duas coisas a acrescentar poderiam ser mais tipos de hard e soft </a:t>
+            </a:r>
+            <a:r>
+              <a:rPr lang="pt-PT" dirty="0" err="1"/>
+              <a:t>constraints</a:t>
+            </a:r>
+            <a:r>
+              <a:rPr lang="pt-PT" dirty="0"/>
+              <a:t> e outra, que tentámos inicialmente fazer em simultâneo com o algoritmo seria ter uma ferramenta de visualização.</a:t>
+            </a:r>
+          </a:p>
+        </p:txBody>
+      </p:sp>
+    </p:spTree>
+    <p:extLst>
+      <p:ext uri="{BB962C8B-B14F-4D97-AF65-F5344CB8AC3E}">
+        <p14:creationId xmlns:p14="http://schemas.microsoft.com/office/powerpoint/2010/main" val="1814356237"/>
       </p:ext>
     </p:extLst>
   </p:cSld>
@@ -10000,7 +10296,7 @@
               <a:t>exploitation</a:t>
             </a:r>
             <a:r>
-              <a:rPr lang="pt-PT" sz="1100" b="0" i="0" u="none" strike="noStrike" cap="none">
+              <a:rPr lang="pt-PT" sz="1100" b="0" i="0" u="none" strike="noStrike" cap="none" dirty="0">
                 <a:solidFill>
                   <a:srgbClr val="000000"/>
                 </a:solidFill>
@@ -10095,7 +10391,45 @@
           <a:bodyPr/>
           <a:lstStyle/>
           <a:p>
-            <a:endParaRPr lang="pt-PT"/>
+            <a:pPr marL="158750" indent="0">
+              <a:buNone/>
+            </a:pPr>
+            <a:r>
+              <a:rPr lang="pt-PT" dirty="0"/>
+              <a:t>No </a:t>
+            </a:r>
+            <a:r>
+              <a:rPr lang="pt-PT" dirty="0" err="1"/>
+              <a:t>state</a:t>
+            </a:r>
+            <a:r>
+              <a:rPr lang="pt-PT" dirty="0"/>
+              <a:t> </a:t>
+            </a:r>
+            <a:r>
+              <a:rPr lang="pt-PT" dirty="0" err="1"/>
+              <a:t>of</a:t>
+            </a:r>
+            <a:r>
+              <a:rPr lang="pt-PT" dirty="0"/>
+              <a:t> </a:t>
+            </a:r>
+            <a:r>
+              <a:rPr lang="pt-PT" dirty="0" err="1"/>
+              <a:t>the</a:t>
+            </a:r>
+            <a:r>
+              <a:rPr lang="pt-PT" dirty="0"/>
+              <a:t> </a:t>
+            </a:r>
+            <a:r>
+              <a:rPr lang="pt-PT" dirty="0" err="1"/>
+              <a:t>art</a:t>
+            </a:r>
+            <a:r>
+              <a:rPr lang="pt-PT" dirty="0"/>
+              <a:t>, as abordagens mais usadas são…</a:t>
+            </a:r>
           </a:p>
         </p:txBody>
       </p:sp>
@@ -10303,44 +10637,12 @@
           <a:bodyPr/>
           <a:lstStyle/>
           <a:p>
-            <a:pPr marL="457200" indent="-298450">
-              <a:buFontTx/>
-              <a:buChar char="-"/>
+            <a:pPr marL="158750" indent="0">
+              <a:buNone/>
             </a:pPr>
             <a:r>
               <a:rPr lang="pt-PT" dirty="0"/>
-              <a:t>Calculamos o </a:t>
-            </a:r>
-            <a:r>
-              <a:rPr lang="pt-PT" dirty="0" err="1"/>
-              <a:t>uct</a:t>
-            </a:r>
-            <a:r>
-              <a:rPr lang="pt-PT" dirty="0"/>
-              <a:t> para as hard </a:t>
-            </a:r>
-            <a:r>
-              <a:rPr lang="pt-PT" dirty="0" err="1"/>
-              <a:t>constraints</a:t>
-            </a:r>
-            <a:endParaRPr lang="pt-PT" dirty="0"/>
-          </a:p>
-          <a:p>
-            <a:pPr marL="457200" indent="-298450">
-              <a:buFontTx/>
-              <a:buChar char="-"/>
-            </a:pPr>
-            <a:r>
-              <a:rPr lang="pt-PT" dirty="0"/>
-              <a:t>Entre os que tiveram o maior valor (maximização), calcula-se o </a:t>
-            </a:r>
-            <a:r>
-              <a:rPr lang="pt-PT" dirty="0" err="1"/>
-              <a:t>uct</a:t>
-            </a:r>
-            <a:r>
-              <a:rPr lang="pt-PT" dirty="0"/>
-              <a:t> para as soft</a:t>
+              <a:t>Espaço de pesquisa vasto</a:t>
             </a:r>
           </a:p>
         </p:txBody>
@@ -10348,7 +10650,7 @@
     </p:spTree>
     <p:extLst>
       <p:ext uri="{BB962C8B-B14F-4D97-AF65-F5344CB8AC3E}">
-        <p14:creationId xmlns:p14="http://schemas.microsoft.com/office/powerpoint/2010/main" val="342271609"/>
+        <p14:creationId xmlns:p14="http://schemas.microsoft.com/office/powerpoint/2010/main" val="2716759153"/>
       </p:ext>
     </p:extLst>
   </p:cSld>
@@ -29178,7 +29480,7 @@
           <p:nvPr/>
         </p:nvPicPr>
         <p:blipFill>
-          <a:blip r:embed="rId2"/>
+          <a:blip r:embed="rId3"/>
           <a:stretch>
             <a:fillRect/>
           </a:stretch>
@@ -31274,7 +31576,7 @@
               <a:rPr lang="en-US" dirty="0">
                 <a:latin typeface="Archivo"/>
               </a:rPr>
-              <a:t>Goh [6] study on the Post-Enrollment Course Timetabling Problem (PE-CTT) found that </a:t>
+              <a:t>Goh study on the Post-Enrollment Course Timetabling Problem (PE-CTT) found that </a:t>
             </a:r>
             <a:r>
               <a:rPr lang="en-US" b="1" dirty="0">
@@ -32926,7 +33228,7 @@
             <p:nvPr/>
           </p:nvPicPr>
           <p:blipFill>
-            <a:blip r:embed="rId2"/>
+            <a:blip r:embed="rId3"/>
             <a:stretch>
               <a:fillRect/>
             </a:stretch>

--- a/Docs/Presentation.pptx
+++ b/Docs/Presentation.pptx
@@ -8344,11 +8344,7 @@
             </a:pPr>
             <a:r>
               <a:rPr lang="pt-PT" dirty="0"/>
-              <a:t>Em relação à implementação mais </a:t>
-            </a:r>
-            <a:r>
-              <a:rPr lang="pt-PT"/>
-              <a:t>em concreto…</a:t>
+              <a:t>Em relação à implementação mais em concreto…</a:t>
             </a:r>
           </a:p>
           <a:p>
@@ -9595,7 +9591,15 @@
             </a:pPr>
             <a:r>
               <a:rPr lang="pt-PT" dirty="0"/>
-              <a:t>Um caminho a seguir poderia ser este. Retirar as salas dos nós.</a:t>
+              <a:t>Um caminho a seguir </a:t>
+            </a:r>
+            <a:r>
+              <a:rPr lang="pt-PT"/>
+              <a:t>no futuro poderia </a:t>
+            </a:r>
+            <a:r>
+              <a:rPr lang="pt-PT" dirty="0"/>
+              <a:t>ser este. Retirar as salas dos nós.</a:t>
             </a:r>
           </a:p>
           <a:p>
@@ -13766,7 +13770,7 @@
         <p:spPr>
           <a:xfrm>
             <a:off x="2307600" y="3969347"/>
-            <a:ext cx="4528800" cy="475800"/>
+            <a:ext cx="4528800" cy="671058"/>
           </a:xfrm>
           <a:prstGeom prst="rect">
             <a:avLst/>
@@ -14006,7 +14010,6 @@
             </a:lvl9pPr>
           </a:lstStyle>
           <a:p>
-            <a:pPr algn="ctr"/>
             <a:r>
               <a:rPr lang="pt-PT" dirty="0">
                 <a:latin typeface="Libre Franklin" pitchFamily="2" charset="0"/>
@@ -14046,6 +14049,14 @@
                 <a:latin typeface="Libre Franklin" pitchFamily="2" charset="0"/>
               </a:rPr>
               <a:t> M:ERSI</a:t>
+            </a:r>
+          </a:p>
+          <a:p>
+            <a:r>
+              <a:rPr lang="pt-PT" dirty="0">
+                <a:latin typeface="Libre Franklin" pitchFamily="2" charset="0"/>
+              </a:rPr>
+              <a:t>Supervisor: João Pedro Pedroso</a:t>
             </a:r>
           </a:p>
         </p:txBody>
